--- a/120/NMOP/draft-netana-nmop-network-anomaly-architecture-semantics-lifecycle.pptx
+++ b/120/NMOP/draft-netana-nmop-network-anomaly-architecture-semantics-lifecycle.pptx
@@ -5,7 +5,7 @@
     <p:sldMasterId id="2147483648" r:id="rId1"/>
   </p:sldMasterIdLst>
   <p:notesMasterIdLst>
-    <p:notesMasterId r:id="rId12"/>
+    <p:notesMasterId r:id="rId15"/>
   </p:notesMasterIdLst>
   <p:sldIdLst>
     <p:sldId id="1041" r:id="rId2"/>
@@ -17,7 +17,10 @@
     <p:sldId id="2145706239" r:id="rId8"/>
     <p:sldId id="2145706240" r:id="rId9"/>
     <p:sldId id="2145706242" r:id="rId10"/>
-    <p:sldId id="2145706234" r:id="rId11"/>
+    <p:sldId id="279" r:id="rId11"/>
+    <p:sldId id="1064" r:id="rId12"/>
+    <p:sldId id="1070" r:id="rId13"/>
+    <p:sldId id="2145706234" r:id="rId14"/>
   </p:sldIdLst>
   <p:sldSz cx="12192000" cy="6858000"/>
   <p:notesSz cx="6858000" cy="9144000"/>
@@ -127,7 +130,7 @@
 <file path=ppt/revisionInfo.xml><?xml version="1.0" encoding="utf-8"?>
 <p1510:revInfo xmlns:a="http://schemas.openxmlformats.org/drawingml/2006/main" xmlns:r="http://schemas.openxmlformats.org/officeDocument/2006/relationships" xmlns:p1510="http://schemas.microsoft.com/office/powerpoint/2015/10/main">
   <p1510:revLst>
-    <p1510:client id="{0EC2C4AF-B001-4E93-8F3B-E0791B647571}" v="14" dt="2024-07-09T07:04:44.320"/>
+    <p1510:client id="{0EC2C4AF-B001-4E93-8F3B-E0791B647571}" v="21" dt="2024-07-12T11:44:28.293"/>
   </p1510:revLst>
 </p1510:revInfo>
 </file>
@@ -137,12 +140,19 @@
   <pc:docChgLst>
     <pc:chgData name="Graf Thomas, INI-NET-VNC-HCS" userId="487bc3e3-9ce7-4cdd-b7b4-8899ea88d289" providerId="ADAL" clId="{0EC2C4AF-B001-4E93-8F3B-E0791B647571}"/>
     <pc:docChg chg="undo custSel addSld delSld modSld sldOrd">
-      <pc:chgData name="Graf Thomas, INI-NET-VNC-HCS" userId="487bc3e3-9ce7-4cdd-b7b4-8899ea88d289" providerId="ADAL" clId="{0EC2C4AF-B001-4E93-8F3B-E0791B647571}" dt="2024-07-09T07:35:59.459" v="1184" actId="47"/>
+      <pc:chgData name="Graf Thomas, INI-NET-VNC-HCS" userId="487bc3e3-9ce7-4cdd-b7b4-8899ea88d289" providerId="ADAL" clId="{0EC2C4AF-B001-4E93-8F3B-E0791B647571}" dt="2024-07-12T11:54:14.269" v="1754" actId="20577"/>
       <pc:docMkLst>
         <pc:docMk/>
       </pc:docMkLst>
+      <pc:sldChg chg="add">
+        <pc:chgData name="Graf Thomas, INI-NET-VNC-HCS" userId="487bc3e3-9ce7-4cdd-b7b4-8899ea88d289" providerId="ADAL" clId="{0EC2C4AF-B001-4E93-8F3B-E0791B647571}" dt="2024-07-12T11:44:28.283" v="1751"/>
+        <pc:sldMkLst>
+          <pc:docMk/>
+          <pc:sldMk cId="3284505603" sldId="279"/>
+        </pc:sldMkLst>
+      </pc:sldChg>
       <pc:sldChg chg="modSp mod">
-        <pc:chgData name="Graf Thomas, INI-NET-VNC-HCS" userId="487bc3e3-9ce7-4cdd-b7b4-8899ea88d289" providerId="ADAL" clId="{0EC2C4AF-B001-4E93-8F3B-E0791B647571}" dt="2024-07-09T06:50:49.068" v="35" actId="27636"/>
+        <pc:chgData name="Graf Thomas, INI-NET-VNC-HCS" userId="487bc3e3-9ce7-4cdd-b7b4-8899ea88d289" providerId="ADAL" clId="{0EC2C4AF-B001-4E93-8F3B-E0791B647571}" dt="2024-07-12T11:54:14.269" v="1754" actId="20577"/>
         <pc:sldMkLst>
           <pc:docMk/>
           <pc:sldMk cId="3578665336" sldId="1041"/>
@@ -156,13 +166,41 @@
           </ac:spMkLst>
         </pc:spChg>
         <pc:spChg chg="mod">
-          <ac:chgData name="Graf Thomas, INI-NET-VNC-HCS" userId="487bc3e3-9ce7-4cdd-b7b4-8899ea88d289" providerId="ADAL" clId="{0EC2C4AF-B001-4E93-8F3B-E0791B647571}" dt="2024-07-09T06:50:49.068" v="35" actId="27636"/>
+          <ac:chgData name="Graf Thomas, INI-NET-VNC-HCS" userId="487bc3e3-9ce7-4cdd-b7b4-8899ea88d289" providerId="ADAL" clId="{0EC2C4AF-B001-4E93-8F3B-E0791B647571}" dt="2024-07-12T11:54:14.269" v="1754" actId="20577"/>
           <ac:spMkLst>
             <pc:docMk/>
             <pc:sldMk cId="3578665336" sldId="1041"/>
             <ac:spMk id="6" creationId="{6CAA0765-1318-4A03-8F91-D3ECC43D8FA7}"/>
           </ac:spMkLst>
         </pc:spChg>
+      </pc:sldChg>
+      <pc:sldChg chg="add">
+        <pc:chgData name="Graf Thomas, INI-NET-VNC-HCS" userId="487bc3e3-9ce7-4cdd-b7b4-8899ea88d289" providerId="ADAL" clId="{0EC2C4AF-B001-4E93-8F3B-E0791B647571}" dt="2024-07-12T11:44:28.283" v="1751"/>
+        <pc:sldMkLst>
+          <pc:docMk/>
+          <pc:sldMk cId="1988495658" sldId="1064"/>
+        </pc:sldMkLst>
+      </pc:sldChg>
+      <pc:sldChg chg="add del">
+        <pc:chgData name="Graf Thomas, INI-NET-VNC-HCS" userId="487bc3e3-9ce7-4cdd-b7b4-8899ea88d289" providerId="ADAL" clId="{0EC2C4AF-B001-4E93-8F3B-E0791B647571}" dt="2024-07-12T11:44:58.032" v="1752" actId="47"/>
+        <pc:sldMkLst>
+          <pc:docMk/>
+          <pc:sldMk cId="3187198366" sldId="1066"/>
+        </pc:sldMkLst>
+      </pc:sldChg>
+      <pc:sldChg chg="add del">
+        <pc:chgData name="Graf Thomas, INI-NET-VNC-HCS" userId="487bc3e3-9ce7-4cdd-b7b4-8899ea88d289" providerId="ADAL" clId="{0EC2C4AF-B001-4E93-8F3B-E0791B647571}" dt="2024-07-12T11:44:58.032" v="1752" actId="47"/>
+        <pc:sldMkLst>
+          <pc:docMk/>
+          <pc:sldMk cId="430891808" sldId="1069"/>
+        </pc:sldMkLst>
+      </pc:sldChg>
+      <pc:sldChg chg="add">
+        <pc:chgData name="Graf Thomas, INI-NET-VNC-HCS" userId="487bc3e3-9ce7-4cdd-b7b4-8899ea88d289" providerId="ADAL" clId="{0EC2C4AF-B001-4E93-8F3B-E0791B647571}" dt="2024-07-12T11:44:28.283" v="1751"/>
+        <pc:sldMkLst>
+          <pc:docMk/>
+          <pc:sldMk cId="3433436125" sldId="1070"/>
+        </pc:sldMkLst>
       </pc:sldChg>
       <pc:sldChg chg="del">
         <pc:chgData name="Graf Thomas, INI-NET-VNC-HCS" userId="487bc3e3-9ce7-4cdd-b7b4-8899ea88d289" providerId="ADAL" clId="{0EC2C4AF-B001-4E93-8F3B-E0791B647571}" dt="2024-07-09T06:54:49.414" v="41" actId="47"/>
@@ -300,11 +338,19 @@
         </pc:sldMkLst>
       </pc:sldChg>
       <pc:sldChg chg="modSp add mod ord">
-        <pc:chgData name="Graf Thomas, INI-NET-VNC-HCS" userId="487bc3e3-9ce7-4cdd-b7b4-8899ea88d289" providerId="ADAL" clId="{0EC2C4AF-B001-4E93-8F3B-E0791B647571}" dt="2024-07-09T07:29:40.246" v="839"/>
+        <pc:chgData name="Graf Thomas, INI-NET-VNC-HCS" userId="487bc3e3-9ce7-4cdd-b7b4-8899ea88d289" providerId="ADAL" clId="{0EC2C4AF-B001-4E93-8F3B-E0791B647571}" dt="2024-07-12T11:40:15.453" v="1741" actId="20577"/>
         <pc:sldMkLst>
           <pc:docMk/>
           <pc:sldMk cId="2249733078" sldId="2145706239"/>
         </pc:sldMkLst>
+        <pc:spChg chg="mod">
+          <ac:chgData name="Graf Thomas, INI-NET-VNC-HCS" userId="487bc3e3-9ce7-4cdd-b7b4-8899ea88d289" providerId="ADAL" clId="{0EC2C4AF-B001-4E93-8F3B-E0791B647571}" dt="2024-07-12T11:40:15.453" v="1741" actId="20577"/>
+          <ac:spMkLst>
+            <pc:docMk/>
+            <pc:sldMk cId="2249733078" sldId="2145706239"/>
+            <ac:spMk id="2" creationId="{EBBAF0DF-61DF-B89D-2978-12F7F1BE7C53}"/>
+          </ac:spMkLst>
+        </pc:spChg>
         <pc:spChg chg="mod">
           <ac:chgData name="Graf Thomas, INI-NET-VNC-HCS" userId="487bc3e3-9ce7-4cdd-b7b4-8899ea88d289" providerId="ADAL" clId="{0EC2C4AF-B001-4E93-8F3B-E0791B647571}" dt="2024-07-09T07:29:40.246" v="839"/>
           <ac:spMkLst>
@@ -315,11 +361,19 @@
         </pc:spChg>
       </pc:sldChg>
       <pc:sldChg chg="modSp add mod ord">
-        <pc:chgData name="Graf Thomas, INI-NET-VNC-HCS" userId="487bc3e3-9ce7-4cdd-b7b4-8899ea88d289" providerId="ADAL" clId="{0EC2C4AF-B001-4E93-8F3B-E0791B647571}" dt="2024-07-09T07:29:48.415" v="843"/>
+        <pc:chgData name="Graf Thomas, INI-NET-VNC-HCS" userId="487bc3e3-9ce7-4cdd-b7b4-8899ea88d289" providerId="ADAL" clId="{0EC2C4AF-B001-4E93-8F3B-E0791B647571}" dt="2024-07-12T11:37:22.670" v="1736" actId="14100"/>
         <pc:sldMkLst>
           <pc:docMk/>
           <pc:sldMk cId="540899312" sldId="2145706240"/>
         </pc:sldMkLst>
+        <pc:spChg chg="mod">
+          <ac:chgData name="Graf Thomas, INI-NET-VNC-HCS" userId="487bc3e3-9ce7-4cdd-b7b4-8899ea88d289" providerId="ADAL" clId="{0EC2C4AF-B001-4E93-8F3B-E0791B647571}" dt="2024-07-12T11:37:07.622" v="1733" actId="20577"/>
+          <ac:spMkLst>
+            <pc:docMk/>
+            <pc:sldMk cId="540899312" sldId="2145706240"/>
+            <ac:spMk id="3" creationId="{29C0DFD4-432D-4B0C-93DF-790441DCF5B9}"/>
+          </ac:spMkLst>
+        </pc:spChg>
         <pc:spChg chg="mod">
           <ac:chgData name="Graf Thomas, INI-NET-VNC-HCS" userId="487bc3e3-9ce7-4cdd-b7b4-8899ea88d289" providerId="ADAL" clId="{0EC2C4AF-B001-4E93-8F3B-E0791B647571}" dt="2024-07-09T07:29:10.236" v="838" actId="20577"/>
           <ac:spMkLst>
@@ -328,6 +382,70 @@
             <ac:spMk id="6" creationId="{ABB61075-2877-B162-7D8F-97EC17B8DF39}"/>
           </ac:spMkLst>
         </pc:spChg>
+        <pc:spChg chg="mod">
+          <ac:chgData name="Graf Thomas, INI-NET-VNC-HCS" userId="487bc3e3-9ce7-4cdd-b7b4-8899ea88d289" providerId="ADAL" clId="{0EC2C4AF-B001-4E93-8F3B-E0791B647571}" dt="2024-07-12T11:28:50.475" v="1203" actId="14100"/>
+          <ac:spMkLst>
+            <pc:docMk/>
+            <pc:sldMk cId="540899312" sldId="2145706240"/>
+            <ac:spMk id="7" creationId="{E751AA3A-A181-4E76-CC75-041686EB2C20}"/>
+          </ac:spMkLst>
+        </pc:spChg>
+        <pc:spChg chg="mod">
+          <ac:chgData name="Graf Thomas, INI-NET-VNC-HCS" userId="487bc3e3-9ce7-4cdd-b7b4-8899ea88d289" providerId="ADAL" clId="{0EC2C4AF-B001-4E93-8F3B-E0791B647571}" dt="2024-07-12T11:27:24.070" v="1185"/>
+          <ac:spMkLst>
+            <pc:docMk/>
+            <pc:sldMk cId="540899312" sldId="2145706240"/>
+            <ac:spMk id="17" creationId="{8F78EE4C-6EFD-4363-A98F-3E5608669DF5}"/>
+          </ac:spMkLst>
+        </pc:spChg>
+        <pc:spChg chg="mod">
+          <ac:chgData name="Graf Thomas, INI-NET-VNC-HCS" userId="487bc3e3-9ce7-4cdd-b7b4-8899ea88d289" providerId="ADAL" clId="{0EC2C4AF-B001-4E93-8F3B-E0791B647571}" dt="2024-07-12T11:28:54.613" v="1204" actId="14100"/>
+          <ac:spMkLst>
+            <pc:docMk/>
+            <pc:sldMk cId="540899312" sldId="2145706240"/>
+            <ac:spMk id="19" creationId="{B0AC9776-B227-44FD-A2AC-1FDE0B6F1445}"/>
+          </ac:spMkLst>
+        </pc:spChg>
+        <pc:spChg chg="mod">
+          <ac:chgData name="Graf Thomas, INI-NET-VNC-HCS" userId="487bc3e3-9ce7-4cdd-b7b4-8899ea88d289" providerId="ADAL" clId="{0EC2C4AF-B001-4E93-8F3B-E0791B647571}" dt="2024-07-12T11:28:38.019" v="1201" actId="14100"/>
+          <ac:spMkLst>
+            <pc:docMk/>
+            <pc:sldMk cId="540899312" sldId="2145706240"/>
+            <ac:spMk id="24" creationId="{1F53FB5C-08C3-503A-DD3F-DC336AED5134}"/>
+          </ac:spMkLst>
+        </pc:spChg>
+        <pc:spChg chg="mod">
+          <ac:chgData name="Graf Thomas, INI-NET-VNC-HCS" userId="487bc3e3-9ce7-4cdd-b7b4-8899ea88d289" providerId="ADAL" clId="{0EC2C4AF-B001-4E93-8F3B-E0791B647571}" dt="2024-07-12T11:28:13.966" v="1192" actId="1036"/>
+          <ac:spMkLst>
+            <pc:docMk/>
+            <pc:sldMk cId="540899312" sldId="2145706240"/>
+            <ac:spMk id="25" creationId="{69934E68-7859-6F55-01F2-D3CD39C036AD}"/>
+          </ac:spMkLst>
+        </pc:spChg>
+        <pc:cxnChg chg="mod">
+          <ac:chgData name="Graf Thomas, INI-NET-VNC-HCS" userId="487bc3e3-9ce7-4cdd-b7b4-8899ea88d289" providerId="ADAL" clId="{0EC2C4AF-B001-4E93-8F3B-E0791B647571}" dt="2024-07-12T11:37:14.056" v="1734" actId="14100"/>
+          <ac:cxnSpMkLst>
+            <pc:docMk/>
+            <pc:sldMk cId="540899312" sldId="2145706240"/>
+            <ac:cxnSpMk id="13" creationId="{ABDEEB90-F9DE-4579-466A-4391823DABF7}"/>
+          </ac:cxnSpMkLst>
+        </pc:cxnChg>
+        <pc:cxnChg chg="mod">
+          <ac:chgData name="Graf Thomas, INI-NET-VNC-HCS" userId="487bc3e3-9ce7-4cdd-b7b4-8899ea88d289" providerId="ADAL" clId="{0EC2C4AF-B001-4E93-8F3B-E0791B647571}" dt="2024-07-12T11:37:22.670" v="1736" actId="14100"/>
+          <ac:cxnSpMkLst>
+            <pc:docMk/>
+            <pc:sldMk cId="540899312" sldId="2145706240"/>
+            <ac:cxnSpMk id="26" creationId="{26AA4EF1-0515-5E5A-5D45-BE133079F190}"/>
+          </ac:cxnSpMkLst>
+        </pc:cxnChg>
+        <pc:cxnChg chg="mod">
+          <ac:chgData name="Graf Thomas, INI-NET-VNC-HCS" userId="487bc3e3-9ce7-4cdd-b7b4-8899ea88d289" providerId="ADAL" clId="{0EC2C4AF-B001-4E93-8F3B-E0791B647571}" dt="2024-07-12T11:37:18.301" v="1735" actId="14100"/>
+          <ac:cxnSpMkLst>
+            <pc:docMk/>
+            <pc:sldMk cId="540899312" sldId="2145706240"/>
+            <ac:cxnSpMk id="27" creationId="{D1F71D91-0AD5-1DD4-6BC3-A469C348859D}"/>
+          </ac:cxnSpMkLst>
+        </pc:cxnChg>
       </pc:sldChg>
       <pc:sldChg chg="modSp mod ord">
         <pc:chgData name="Graf Thomas, INI-NET-VNC-HCS" userId="487bc3e3-9ce7-4cdd-b7b4-8899ea88d289" providerId="ADAL" clId="{0EC2C4AF-B001-4E93-8F3B-E0791B647571}" dt="2024-07-09T07:35:38.615" v="1183" actId="20577"/>
@@ -416,7 +534,7 @@
         </pc:sldMkLst>
       </pc:sldChg>
       <pc:sldChg chg="addSp delSp modSp mod ord">
-        <pc:chgData name="Graf Thomas, INI-NET-VNC-HCS" userId="487bc3e3-9ce7-4cdd-b7b4-8899ea88d289" providerId="ADAL" clId="{0EC2C4AF-B001-4E93-8F3B-E0791B647571}" dt="2024-07-09T07:27:18.757" v="827" actId="1076"/>
+        <pc:chgData name="Graf Thomas, INI-NET-VNC-HCS" userId="487bc3e3-9ce7-4cdd-b7b4-8899ea88d289" providerId="ADAL" clId="{0EC2C4AF-B001-4E93-8F3B-E0791B647571}" dt="2024-07-12T11:41:48.966" v="1750" actId="1076"/>
         <pc:sldMkLst>
           <pc:docMk/>
           <pc:sldMk cId="2684272815" sldId="2145706258"/>
@@ -437,6 +555,14 @@
             <ac:spMk id="6" creationId="{ABB61075-2877-B162-7D8F-97EC17B8DF39}"/>
           </ac:spMkLst>
         </pc:spChg>
+        <pc:picChg chg="add mod">
+          <ac:chgData name="Graf Thomas, INI-NET-VNC-HCS" userId="487bc3e3-9ce7-4cdd-b7b4-8899ea88d289" providerId="ADAL" clId="{0EC2C4AF-B001-4E93-8F3B-E0791B647571}" dt="2024-07-12T11:41:48.966" v="1750" actId="1076"/>
+          <ac:picMkLst>
+            <pc:docMk/>
+            <pc:sldMk cId="2684272815" sldId="2145706258"/>
+            <ac:picMk id="4" creationId="{1EDE8EAA-7D7F-518E-A4DA-52FB92383941}"/>
+          </ac:picMkLst>
+        </pc:picChg>
         <pc:picChg chg="del">
           <ac:chgData name="Graf Thomas, INI-NET-VNC-HCS" userId="487bc3e3-9ce7-4cdd-b7b4-8899ea88d289" providerId="ADAL" clId="{0EC2C4AF-B001-4E93-8F3B-E0791B647571}" dt="2024-07-09T07:08:46.221" v="184" actId="478"/>
           <ac:picMkLst>
@@ -445,8 +571,8 @@
             <ac:picMk id="4" creationId="{7966EF60-4572-6C60-B040-DFC7E219032C}"/>
           </ac:picMkLst>
         </pc:picChg>
-        <pc:picChg chg="add mod">
-          <ac:chgData name="Graf Thomas, INI-NET-VNC-HCS" userId="487bc3e3-9ce7-4cdd-b7b4-8899ea88d289" providerId="ADAL" clId="{0EC2C4AF-B001-4E93-8F3B-E0791B647571}" dt="2024-07-09T07:27:18.757" v="827" actId="1076"/>
+        <pc:picChg chg="add del mod">
+          <ac:chgData name="Graf Thomas, INI-NET-VNC-HCS" userId="487bc3e3-9ce7-4cdd-b7b4-8899ea88d289" providerId="ADAL" clId="{0EC2C4AF-B001-4E93-8F3B-E0791B647571}" dt="2024-07-12T11:41:36.518" v="1742" actId="478"/>
           <ac:picMkLst>
             <pc:docMk/>
             <pc:sldMk cId="2684272815" sldId="2145706258"/>
@@ -753,7 +879,7 @@
           <a:p>
             <a:fld id="{E5E705E9-673F-4AC4-B29E-A7B26F3B8523}" type="datetimeFigureOut">
               <a:rPr lang="de-CH" smtClean="0"/>
-              <a:t>09.07.2024</a:t>
+              <a:t>12.07.2024</a:t>
             </a:fld>
             <a:endParaRPr lang="de-CH"/>
           </a:p>
@@ -1292,6 +1418,72 @@
       </p:grpSpPr>
       <p:sp>
         <p:nvSpPr>
+          <p:cNvPr id="2" name="Folienbildplatzhalter 1"/>
+          <p:cNvSpPr>
+            <a:spLocks noGrp="1" noRot="1" noChangeAspect="1"/>
+          </p:cNvSpPr>
+          <p:nvPr>
+            <p:ph type="sldImg"/>
+          </p:nvPr>
+        </p:nvSpPr>
+        <p:spPr>
+          <a:xfrm>
+            <a:off x="381000" y="685800"/>
+            <a:ext cx="6096000" cy="3429000"/>
+          </a:xfrm>
+        </p:spPr>
+      </p:sp>
+      <p:sp>
+        <p:nvSpPr>
+          <p:cNvPr id="3" name="Notizenplatzhalter 2"/>
+          <p:cNvSpPr>
+            <a:spLocks noGrp="1"/>
+          </p:cNvSpPr>
+          <p:nvPr>
+            <p:ph type="body" idx="1"/>
+          </p:nvPr>
+        </p:nvSpPr>
+        <p:spPr/>
+        <p:txBody>
+          <a:bodyPr/>
+          <a:lstStyle/>
+          <a:p>
+            <a:endParaRPr lang="de-CH"/>
+          </a:p>
+        </p:txBody>
+      </p:sp>
+    </p:spTree>
+    <p:extLst>
+      <p:ext uri="{BB962C8B-B14F-4D97-AF65-F5344CB8AC3E}">
+        <p14:creationId xmlns:p14="http://schemas.microsoft.com/office/powerpoint/2010/main" val="250323745"/>
+      </p:ext>
+    </p:extLst>
+  </p:cSld>
+  <p:clrMapOvr>
+    <a:masterClrMapping/>
+  </p:clrMapOvr>
+</p:notes>
+</file>
+
+<file path=ppt/notesSlides/notesSlide5.xml><?xml version="1.0" encoding="utf-8"?>
+<p:notes xmlns:a="http://schemas.openxmlformats.org/drawingml/2006/main" xmlns:r="http://schemas.openxmlformats.org/officeDocument/2006/relationships" xmlns:p="http://schemas.openxmlformats.org/presentationml/2006/main">
+  <p:cSld>
+    <p:spTree>
+      <p:nvGrpSpPr>
+        <p:cNvPr id="1" name=""/>
+        <p:cNvGrpSpPr/>
+        <p:nvPr/>
+      </p:nvGrpSpPr>
+      <p:grpSpPr>
+        <a:xfrm>
+          <a:off x="0" y="0"/>
+          <a:ext cx="0" cy="0"/>
+          <a:chOff x="0" y="0"/>
+          <a:chExt cx="0" cy="0"/>
+        </a:xfrm>
+      </p:grpSpPr>
+      <p:sp>
+        <p:nvSpPr>
           <p:cNvPr id="2" name="Slide Image Placeholder 1"/>
           <p:cNvSpPr>
             <a:spLocks noGrp="1" noRot="1" noChangeAspect="1"/>
@@ -1338,7 +1530,7 @@
           <a:p>
             <a:fld id="{574FFD1E-068C-4775-AB61-A06ECF97265E}" type="slidenum">
               <a:rPr lang="de-CH" smtClean="0"/>
-              <a:t>10</a:t>
+              <a:t>13</a:t>
             </a:fld>
             <a:endParaRPr lang="de-CH"/>
           </a:p>
@@ -1506,7 +1698,7 @@
           <a:p>
             <a:fld id="{9E9B238C-2335-4007-98C9-471C02CC43B6}" type="datetimeFigureOut">
               <a:rPr lang="de-CH" smtClean="0"/>
-              <a:t>09.07.2024</a:t>
+              <a:t>12.07.2024</a:t>
             </a:fld>
             <a:endParaRPr lang="de-CH"/>
           </a:p>
@@ -1706,7 +1898,7 @@
           <a:p>
             <a:fld id="{9E9B238C-2335-4007-98C9-471C02CC43B6}" type="datetimeFigureOut">
               <a:rPr lang="de-CH" smtClean="0"/>
-              <a:t>09.07.2024</a:t>
+              <a:t>12.07.2024</a:t>
             </a:fld>
             <a:endParaRPr lang="de-CH"/>
           </a:p>
@@ -1916,7 +2108,7 @@
           <a:p>
             <a:fld id="{9E9B238C-2335-4007-98C9-471C02CC43B6}" type="datetimeFigureOut">
               <a:rPr lang="de-CH" smtClean="0"/>
-              <a:t>09.07.2024</a:t>
+              <a:t>12.07.2024</a:t>
             </a:fld>
             <a:endParaRPr lang="de-CH"/>
           </a:p>
@@ -2218,6 +2410,137 @@
 </p:sldLayout>
 </file>
 
+<file path=ppt/slideLayouts/slideLayout13.xml><?xml version="1.0" encoding="utf-8"?>
+<p:sldLayout xmlns:a="http://schemas.openxmlformats.org/drawingml/2006/main" xmlns:r="http://schemas.openxmlformats.org/officeDocument/2006/relationships" xmlns:p="http://schemas.openxmlformats.org/presentationml/2006/main" showMasterSp="0" type="tx">
+  <p:cSld name="1_Title and Content">
+    <p:spTree>
+      <p:nvGrpSpPr>
+        <p:cNvPr id="1" name=""/>
+        <p:cNvGrpSpPr/>
+        <p:nvPr/>
+      </p:nvGrpSpPr>
+      <p:grpSpPr>
+        <a:xfrm>
+          <a:off x="0" y="0"/>
+          <a:ext cx="0" cy="0"/>
+          <a:chOff x="0" y="0"/>
+          <a:chExt cx="0" cy="0"/>
+        </a:xfrm>
+      </p:grpSpPr>
+      <p:sp>
+        <p:nvSpPr>
+          <p:cNvPr id="21" name="Title Text"/>
+          <p:cNvSpPr txBox="1">
+            <a:spLocks noGrp="1"/>
+          </p:cNvSpPr>
+          <p:nvPr>
+            <p:ph type="title"/>
+          </p:nvPr>
+        </p:nvSpPr>
+        <p:spPr>
+          <a:prstGeom prst="rect">
+            <a:avLst/>
+          </a:prstGeom>
+        </p:spPr>
+        <p:txBody>
+          <a:bodyPr/>
+          <a:lstStyle/>
+          <a:p>
+            <a:r>
+              <a:t>Title Text</a:t>
+            </a:r>
+          </a:p>
+        </p:txBody>
+      </p:sp>
+      <p:sp>
+        <p:nvSpPr>
+          <p:cNvPr id="22" name="Body Level One…"/>
+          <p:cNvSpPr txBox="1">
+            <a:spLocks noGrp="1"/>
+          </p:cNvSpPr>
+          <p:nvPr>
+            <p:ph type="body" idx="1"/>
+          </p:nvPr>
+        </p:nvSpPr>
+        <p:spPr>
+          <a:prstGeom prst="rect">
+            <a:avLst/>
+          </a:prstGeom>
+        </p:spPr>
+        <p:txBody>
+          <a:bodyPr/>
+          <a:lstStyle/>
+          <a:p>
+            <a:r>
+              <a:t>Body Level One</a:t>
+            </a:r>
+          </a:p>
+          <a:p>
+            <a:pPr lvl="1"/>
+            <a:r>
+              <a:t>Body Level Two</a:t>
+            </a:r>
+          </a:p>
+          <a:p>
+            <a:pPr lvl="2"/>
+            <a:r>
+              <a:t>Body Level Three</a:t>
+            </a:r>
+          </a:p>
+          <a:p>
+            <a:pPr lvl="3"/>
+            <a:r>
+              <a:t>Body Level Four</a:t>
+            </a:r>
+          </a:p>
+          <a:p>
+            <a:pPr lvl="4"/>
+            <a:r>
+              <a:t>Body Level Five</a:t>
+            </a:r>
+          </a:p>
+        </p:txBody>
+      </p:sp>
+      <p:sp>
+        <p:nvSpPr>
+          <p:cNvPr id="23" name="Slide Number"/>
+          <p:cNvSpPr txBox="1">
+            <a:spLocks noGrp="1"/>
+          </p:cNvSpPr>
+          <p:nvPr>
+            <p:ph type="sldNum" sz="quarter" idx="2"/>
+          </p:nvPr>
+        </p:nvSpPr>
+        <p:spPr>
+          <a:prstGeom prst="rect">
+            <a:avLst/>
+          </a:prstGeom>
+        </p:spPr>
+        <p:txBody>
+          <a:bodyPr/>
+          <a:lstStyle/>
+          <a:p>
+            <a:fld id="{86CB4B4D-7CA3-9044-876B-883B54F8677D}" type="slidenum">
+              <a:t>‹#›</a:t>
+            </a:fld>
+            <a:endParaRPr/>
+          </a:p>
+        </p:txBody>
+      </p:sp>
+    </p:spTree>
+    <p:extLst>
+      <p:ext uri="{BB962C8B-B14F-4D97-AF65-F5344CB8AC3E}">
+        <p14:creationId xmlns:p14="http://schemas.microsoft.com/office/powerpoint/2010/main" val="2486505044"/>
+      </p:ext>
+    </p:extLst>
+  </p:cSld>
+  <p:clrMapOvr>
+    <a:masterClrMapping/>
+  </p:clrMapOvr>
+  <p:transition spd="med"/>
+</p:sldLayout>
+</file>
+
 <file path=ppt/slideLayouts/slideLayout2.xml><?xml version="1.0" encoding="utf-8"?>
 <p:sldLayout xmlns:a="http://schemas.openxmlformats.org/drawingml/2006/main" xmlns:r="http://schemas.openxmlformats.org/officeDocument/2006/relationships" xmlns:p="http://schemas.openxmlformats.org/presentationml/2006/main" type="obj" preserve="1">
   <p:cSld name="Title and Content">
@@ -2345,7 +2668,7 @@
           <a:p>
             <a:fld id="{9E9B238C-2335-4007-98C9-471C02CC43B6}" type="datetimeFigureOut">
               <a:rPr lang="de-CH" smtClean="0"/>
-              <a:t>09.07.2024</a:t>
+              <a:t>12.07.2024</a:t>
             </a:fld>
             <a:endParaRPr lang="de-CH"/>
           </a:p>
@@ -2621,7 +2944,7 @@
           <a:p>
             <a:fld id="{9E9B238C-2335-4007-98C9-471C02CC43B6}" type="datetimeFigureOut">
               <a:rPr lang="de-CH" smtClean="0"/>
-              <a:t>09.07.2024</a:t>
+              <a:t>12.07.2024</a:t>
             </a:fld>
             <a:endParaRPr lang="de-CH"/>
           </a:p>
@@ -2889,7 +3212,7 @@
           <a:p>
             <a:fld id="{9E9B238C-2335-4007-98C9-471C02CC43B6}" type="datetimeFigureOut">
               <a:rPr lang="de-CH" smtClean="0"/>
-              <a:t>09.07.2024</a:t>
+              <a:t>12.07.2024</a:t>
             </a:fld>
             <a:endParaRPr lang="de-CH"/>
           </a:p>
@@ -3304,7 +3627,7 @@
           <a:p>
             <a:fld id="{9E9B238C-2335-4007-98C9-471C02CC43B6}" type="datetimeFigureOut">
               <a:rPr lang="de-CH" smtClean="0"/>
-              <a:t>09.07.2024</a:t>
+              <a:t>12.07.2024</a:t>
             </a:fld>
             <a:endParaRPr lang="de-CH"/>
           </a:p>
@@ -3446,7 +3769,7 @@
           <a:p>
             <a:fld id="{9E9B238C-2335-4007-98C9-471C02CC43B6}" type="datetimeFigureOut">
               <a:rPr lang="de-CH" smtClean="0"/>
-              <a:t>09.07.2024</a:t>
+              <a:t>12.07.2024</a:t>
             </a:fld>
             <a:endParaRPr lang="de-CH"/>
           </a:p>
@@ -3559,7 +3882,7 @@
           <a:p>
             <a:fld id="{9E9B238C-2335-4007-98C9-471C02CC43B6}" type="datetimeFigureOut">
               <a:rPr lang="de-CH" smtClean="0"/>
-              <a:t>09.07.2024</a:t>
+              <a:t>12.07.2024</a:t>
             </a:fld>
             <a:endParaRPr lang="de-CH"/>
           </a:p>
@@ -3872,7 +4195,7 @@
           <a:p>
             <a:fld id="{9E9B238C-2335-4007-98C9-471C02CC43B6}" type="datetimeFigureOut">
               <a:rPr lang="de-CH" smtClean="0"/>
-              <a:t>09.07.2024</a:t>
+              <a:t>12.07.2024</a:t>
             </a:fld>
             <a:endParaRPr lang="de-CH"/>
           </a:p>
@@ -4161,7 +4484,7 @@
           <a:p>
             <a:fld id="{9E9B238C-2335-4007-98C9-471C02CC43B6}" type="datetimeFigureOut">
               <a:rPr lang="de-CH" smtClean="0"/>
-              <a:t>09.07.2024</a:t>
+              <a:t>12.07.2024</a:t>
             </a:fld>
             <a:endParaRPr lang="de-CH"/>
           </a:p>
@@ -4404,7 +4727,7 @@
           <a:p>
             <a:fld id="{9E9B238C-2335-4007-98C9-471C02CC43B6}" type="datetimeFigureOut">
               <a:rPr lang="de-CH" smtClean="0"/>
-              <a:t>09.07.2024</a:t>
+              <a:t>12.07.2024</a:t>
             </a:fld>
             <a:endParaRPr lang="de-CH"/>
           </a:p>
@@ -4521,6 +4844,7 @@
     <p:sldLayoutId id="2147483658" r:id="rId10"/>
     <p:sldLayoutId id="2147483659" r:id="rId11"/>
     <p:sldLayoutId id="2147483660" r:id="rId12"/>
+    <p:sldLayoutId id="2147483661" r:id="rId13"/>
   </p:sldLayoutIdLst>
   <p:txStyles>
     <p:titleStyle>
@@ -5227,10 +5551,10 @@
               <a:buNone/>
             </a:pPr>
             <a:r>
-              <a:rPr lang="de-CH" sz="1400" dirty="0">
+              <a:rPr lang="de-CH" sz="1400">
                 <a:latin typeface="+mj-lt"/>
               </a:rPr>
-              <a:t>09. </a:t>
+              <a:t>12. </a:t>
             </a:r>
             <a:r>
               <a:rPr lang="de-CH" sz="1400" dirty="0" err="1">
@@ -5276,6 +5600,765 @@
 </file>
 
 <file path=ppt/slides/slide10.xml><?xml version="1.0" encoding="utf-8"?>
+<p:sld xmlns:a="http://schemas.openxmlformats.org/drawingml/2006/main" xmlns:r="http://schemas.openxmlformats.org/officeDocument/2006/relationships" xmlns:p="http://schemas.openxmlformats.org/presentationml/2006/main">
+  <p:cSld>
+    <p:spTree>
+      <p:nvGrpSpPr>
+        <p:cNvPr id="1" name=""/>
+        <p:cNvGrpSpPr/>
+        <p:nvPr/>
+      </p:nvGrpSpPr>
+      <p:grpSpPr>
+        <a:xfrm>
+          <a:off x="0" y="0"/>
+          <a:ext cx="0" cy="0"/>
+          <a:chOff x="0" y="0"/>
+          <a:chExt cx="0" cy="0"/>
+        </a:xfrm>
+      </p:grpSpPr>
+      <p:sp>
+        <p:nvSpPr>
+          <p:cNvPr id="1452" name="Title 1"/>
+          <p:cNvSpPr txBox="1">
+            <a:spLocks noGrp="1"/>
+          </p:cNvSpPr>
+          <p:nvPr>
+            <p:ph type="title"/>
+          </p:nvPr>
+        </p:nvSpPr>
+        <p:spPr>
+          <a:xfrm>
+            <a:off x="609600" y="173038"/>
+            <a:ext cx="9523896" cy="1143001"/>
+          </a:xfrm>
+          <a:prstGeom prst="rect">
+            <a:avLst/>
+          </a:prstGeom>
+        </p:spPr>
+        <p:txBody>
+          <a:bodyPr>
+            <a:normAutofit/>
+          </a:bodyPr>
+          <a:lstStyle/>
+          <a:p>
+            <a:r>
+              <a:rPr sz="4267" dirty="0"/>
+              <a:t>Hackathon </a:t>
+            </a:r>
+            <a:r>
+              <a:rPr lang="en-US" sz="4267" dirty="0"/>
+              <a:t>– Software      </a:t>
+            </a:r>
+            <a:endParaRPr sz="4267" dirty="0"/>
+          </a:p>
+        </p:txBody>
+      </p:sp>
+      <p:pic>
+        <p:nvPicPr>
+          <p:cNvPr id="2" name="Picture 1">
+            <a:extLst>
+              <a:ext uri="{FF2B5EF4-FFF2-40B4-BE49-F238E27FC236}">
+                <a16:creationId xmlns:a16="http://schemas.microsoft.com/office/drawing/2014/main" id="{42DF6B95-88D4-40E1-AC23-A76E32A04B16}"/>
+              </a:ext>
+            </a:extLst>
+          </p:cNvPr>
+          <p:cNvPicPr>
+            <a:picLocks noChangeAspect="1"/>
+          </p:cNvPicPr>
+          <p:nvPr/>
+        </p:nvPicPr>
+        <p:blipFill>
+          <a:blip r:embed="rId2"/>
+          <a:stretch>
+            <a:fillRect/>
+          </a:stretch>
+        </p:blipFill>
+        <p:spPr>
+          <a:xfrm>
+            <a:off x="50801" y="1316039"/>
+            <a:ext cx="11998476" cy="5405087"/>
+          </a:xfrm>
+          <a:prstGeom prst="rect">
+            <a:avLst/>
+          </a:prstGeom>
+        </p:spPr>
+      </p:pic>
+    </p:spTree>
+    <p:extLst>
+      <p:ext uri="{BB962C8B-B14F-4D97-AF65-F5344CB8AC3E}">
+        <p14:creationId xmlns:p14="http://schemas.microsoft.com/office/powerpoint/2010/main" val="3284505603"/>
+      </p:ext>
+    </p:extLst>
+  </p:cSld>
+  <p:clrMapOvr>
+    <a:masterClrMapping/>
+  </p:clrMapOvr>
+  <p:transition spd="med"/>
+</p:sld>
+</file>
+
+<file path=ppt/slides/slide11.xml><?xml version="1.0" encoding="utf-8"?>
+<p:sld xmlns:a="http://schemas.openxmlformats.org/drawingml/2006/main" xmlns:r="http://schemas.openxmlformats.org/officeDocument/2006/relationships" xmlns:p="http://schemas.openxmlformats.org/presentationml/2006/main">
+  <p:cSld>
+    <p:spTree>
+      <p:nvGrpSpPr>
+        <p:cNvPr id="1" name=""/>
+        <p:cNvGrpSpPr/>
+        <p:nvPr/>
+      </p:nvGrpSpPr>
+      <p:grpSpPr>
+        <a:xfrm>
+          <a:off x="0" y="0"/>
+          <a:ext cx="0" cy="0"/>
+          <a:chOff x="0" y="0"/>
+          <a:chExt cx="0" cy="0"/>
+        </a:xfrm>
+      </p:grpSpPr>
+      <p:sp>
+        <p:nvSpPr>
+          <p:cNvPr id="16" name="Slide Number Placeholder 1">
+            <a:extLst>
+              <a:ext uri="{FF2B5EF4-FFF2-40B4-BE49-F238E27FC236}">
+                <a16:creationId xmlns:a16="http://schemas.microsoft.com/office/drawing/2014/main" id="{4D0044F8-1C12-4A59-883A-7B56B9370029}"/>
+              </a:ext>
+            </a:extLst>
+          </p:cNvPr>
+          <p:cNvSpPr>
+            <a:spLocks noGrp="1"/>
+          </p:cNvSpPr>
+          <p:nvPr>
+            <p:ph type="sldNum" sz="quarter" idx="4294967295"/>
+          </p:nvPr>
+        </p:nvSpPr>
+        <p:spPr>
+          <a:xfrm>
+            <a:off x="11480800" y="8475133"/>
+            <a:ext cx="3657600" cy="486833"/>
+          </a:xfrm>
+          <a:prstGeom prst="rect">
+            <a:avLst/>
+          </a:prstGeom>
+        </p:spPr>
+        <p:txBody>
+          <a:bodyPr vert="horz" lIns="121920" tIns="60960" rIns="121920" bIns="60960" rtlCol="0" anchor="ctr"/>
+          <a:lstStyle>
+            <a:defPPr>
+              <a:defRPr lang="de-DE"/>
+            </a:defPPr>
+            <a:lvl1pPr marL="0" algn="r" defTabSz="1219170" rtl="0" eaLnBrk="1" latinLnBrk="0" hangingPunct="1">
+              <a:defRPr sz="1600" kern="1200">
+                <a:solidFill>
+                  <a:schemeClr val="tx1">
+                    <a:tint val="75000"/>
+                  </a:schemeClr>
+                </a:solidFill>
+                <a:latin typeface="+mn-lt"/>
+                <a:ea typeface="+mn-ea"/>
+                <a:cs typeface="+mn-cs"/>
+              </a:defRPr>
+            </a:lvl1pPr>
+            <a:lvl2pPr marL="609585" algn="l" defTabSz="1219170" rtl="0" eaLnBrk="1" latinLnBrk="0" hangingPunct="1">
+              <a:defRPr sz="2400" kern="1200">
+                <a:solidFill>
+                  <a:schemeClr val="tx1"/>
+                </a:solidFill>
+                <a:latin typeface="+mn-lt"/>
+                <a:ea typeface="+mn-ea"/>
+                <a:cs typeface="+mn-cs"/>
+              </a:defRPr>
+            </a:lvl2pPr>
+            <a:lvl3pPr marL="1219170" algn="l" defTabSz="1219170" rtl="0" eaLnBrk="1" latinLnBrk="0" hangingPunct="1">
+              <a:defRPr sz="2400" kern="1200">
+                <a:solidFill>
+                  <a:schemeClr val="tx1"/>
+                </a:solidFill>
+                <a:latin typeface="+mn-lt"/>
+                <a:ea typeface="+mn-ea"/>
+                <a:cs typeface="+mn-cs"/>
+              </a:defRPr>
+            </a:lvl3pPr>
+            <a:lvl4pPr marL="1828754" algn="l" defTabSz="1219170" rtl="0" eaLnBrk="1" latinLnBrk="0" hangingPunct="1">
+              <a:defRPr sz="2400" kern="1200">
+                <a:solidFill>
+                  <a:schemeClr val="tx1"/>
+                </a:solidFill>
+                <a:latin typeface="+mn-lt"/>
+                <a:ea typeface="+mn-ea"/>
+                <a:cs typeface="+mn-cs"/>
+              </a:defRPr>
+            </a:lvl4pPr>
+            <a:lvl5pPr marL="2438339" algn="l" defTabSz="1219170" rtl="0" eaLnBrk="1" latinLnBrk="0" hangingPunct="1">
+              <a:defRPr sz="2400" kern="1200">
+                <a:solidFill>
+                  <a:schemeClr val="tx1"/>
+                </a:solidFill>
+                <a:latin typeface="+mn-lt"/>
+                <a:ea typeface="+mn-ea"/>
+                <a:cs typeface="+mn-cs"/>
+              </a:defRPr>
+            </a:lvl5pPr>
+            <a:lvl6pPr marL="3047924" algn="l" defTabSz="1219170" rtl="0" eaLnBrk="1" latinLnBrk="0" hangingPunct="1">
+              <a:defRPr sz="2400" kern="1200">
+                <a:solidFill>
+                  <a:schemeClr val="tx1"/>
+                </a:solidFill>
+                <a:latin typeface="+mn-lt"/>
+                <a:ea typeface="+mn-ea"/>
+                <a:cs typeface="+mn-cs"/>
+              </a:defRPr>
+            </a:lvl6pPr>
+            <a:lvl7pPr marL="3657509" algn="l" defTabSz="1219170" rtl="0" eaLnBrk="1" latinLnBrk="0" hangingPunct="1">
+              <a:defRPr sz="2400" kern="1200">
+                <a:solidFill>
+                  <a:schemeClr val="tx1"/>
+                </a:solidFill>
+                <a:latin typeface="+mn-lt"/>
+                <a:ea typeface="+mn-ea"/>
+                <a:cs typeface="+mn-cs"/>
+              </a:defRPr>
+            </a:lvl7pPr>
+            <a:lvl8pPr marL="4267093" algn="l" defTabSz="1219170" rtl="0" eaLnBrk="1" latinLnBrk="0" hangingPunct="1">
+              <a:defRPr sz="2400" kern="1200">
+                <a:solidFill>
+                  <a:schemeClr val="tx1"/>
+                </a:solidFill>
+                <a:latin typeface="+mn-lt"/>
+                <a:ea typeface="+mn-ea"/>
+                <a:cs typeface="+mn-cs"/>
+              </a:defRPr>
+            </a:lvl8pPr>
+            <a:lvl9pPr marL="4876678" algn="l" defTabSz="1219170" rtl="0" eaLnBrk="1" latinLnBrk="0" hangingPunct="1">
+              <a:defRPr sz="2400" kern="1200">
+                <a:solidFill>
+                  <a:schemeClr val="tx1"/>
+                </a:solidFill>
+                <a:latin typeface="+mn-lt"/>
+                <a:ea typeface="+mn-ea"/>
+                <a:cs typeface="+mn-cs"/>
+              </a:defRPr>
+            </a:lvl9pPr>
+          </a:lstStyle>
+          <a:p>
+            <a:fld id="{FC4AC485-25DE-431E-B345-9C0A15BB7F8A}" type="slidenum">
+              <a:rPr lang="de-CH" smtClean="0"/>
+              <a:pPr/>
+              <a:t>11</a:t>
+            </a:fld>
+            <a:endParaRPr lang="en-US" sz="2200"/>
+          </a:p>
+        </p:txBody>
+      </p:sp>
+      <p:sp>
+        <p:nvSpPr>
+          <p:cNvPr id="17" name="Title 1">
+            <a:extLst>
+              <a:ext uri="{FF2B5EF4-FFF2-40B4-BE49-F238E27FC236}">
+                <a16:creationId xmlns:a16="http://schemas.microsoft.com/office/drawing/2014/main" id="{B98D60A1-3155-46F6-B1C8-E3FA03DB1EBB}"/>
+              </a:ext>
+            </a:extLst>
+          </p:cNvPr>
+          <p:cNvSpPr txBox="1">
+            <a:spLocks/>
+          </p:cNvSpPr>
+          <p:nvPr/>
+        </p:nvSpPr>
+        <p:spPr>
+          <a:xfrm>
+            <a:off x="455427" y="145721"/>
+            <a:ext cx="10972800" cy="1143001"/>
+          </a:xfrm>
+          <a:prstGeom prst="rect">
+            <a:avLst/>
+          </a:prstGeom>
+          <a:ln w="12700">
+            <a:miter lim="400000"/>
+          </a:ln>
+          <a:extLst>
+            <a:ext uri="{C572A759-6A51-4108-AA02-DFA0A04FC94B}">
+              <ma14:wrappingTextBoxFlag xmlns:ma14="http://schemas.microsoft.com/office/mac/drawingml/2011/main" xmlns="" val="1"/>
+            </a:ext>
+          </a:extLst>
+        </p:spPr>
+        <p:txBody>
+          <a:bodyPr lIns="60959" rIns="60959" anchor="ctr">
+            <a:normAutofit/>
+          </a:bodyPr>
+          <a:lstStyle>
+            <a:lvl1pPr marL="0" marR="0" indent="0" algn="ctr" defTabSz="457200" rtl="0" latinLnBrk="0">
+              <a:lnSpc>
+                <a:spcPct val="100000"/>
+              </a:lnSpc>
+              <a:spcBef>
+                <a:spcPts val="0"/>
+              </a:spcBef>
+              <a:spcAft>
+                <a:spcPts val="0"/>
+              </a:spcAft>
+              <a:buClrTx/>
+              <a:buSzTx/>
+              <a:buFontTx/>
+              <a:buNone/>
+              <a:tabLst/>
+              <a:defRPr sz="4400" b="0" i="0" u="none" strike="noStrike" cap="none" spc="0" baseline="0">
+                <a:ln>
+                  <a:noFill/>
+                </a:ln>
+                <a:solidFill>
+                  <a:srgbClr val="000000"/>
+                </a:solidFill>
+                <a:uFillTx/>
+                <a:latin typeface="+mj-lt"/>
+                <a:ea typeface="+mj-ea"/>
+                <a:cs typeface="+mj-cs"/>
+                <a:sym typeface="Calibri"/>
+              </a:defRPr>
+            </a:lvl1pPr>
+            <a:lvl2pPr marL="0" marR="0" indent="0" algn="ctr" defTabSz="457200" rtl="0" latinLnBrk="0">
+              <a:lnSpc>
+                <a:spcPct val="100000"/>
+              </a:lnSpc>
+              <a:spcBef>
+                <a:spcPts val="0"/>
+              </a:spcBef>
+              <a:spcAft>
+                <a:spcPts val="0"/>
+              </a:spcAft>
+              <a:buClrTx/>
+              <a:buSzTx/>
+              <a:buFontTx/>
+              <a:buNone/>
+              <a:tabLst/>
+              <a:defRPr sz="4400" b="0" i="0" u="none" strike="noStrike" cap="none" spc="0" baseline="0">
+                <a:ln>
+                  <a:noFill/>
+                </a:ln>
+                <a:solidFill>
+                  <a:srgbClr val="000000"/>
+                </a:solidFill>
+                <a:uFillTx/>
+                <a:latin typeface="+mj-lt"/>
+                <a:ea typeface="+mj-ea"/>
+                <a:cs typeface="+mj-cs"/>
+                <a:sym typeface="Calibri"/>
+              </a:defRPr>
+            </a:lvl2pPr>
+            <a:lvl3pPr marL="0" marR="0" indent="0" algn="ctr" defTabSz="457200" rtl="0" latinLnBrk="0">
+              <a:lnSpc>
+                <a:spcPct val="100000"/>
+              </a:lnSpc>
+              <a:spcBef>
+                <a:spcPts val="0"/>
+              </a:spcBef>
+              <a:spcAft>
+                <a:spcPts val="0"/>
+              </a:spcAft>
+              <a:buClrTx/>
+              <a:buSzTx/>
+              <a:buFontTx/>
+              <a:buNone/>
+              <a:tabLst/>
+              <a:defRPr sz="4400" b="0" i="0" u="none" strike="noStrike" cap="none" spc="0" baseline="0">
+                <a:ln>
+                  <a:noFill/>
+                </a:ln>
+                <a:solidFill>
+                  <a:srgbClr val="000000"/>
+                </a:solidFill>
+                <a:uFillTx/>
+                <a:latin typeface="+mj-lt"/>
+                <a:ea typeface="+mj-ea"/>
+                <a:cs typeface="+mj-cs"/>
+                <a:sym typeface="Calibri"/>
+              </a:defRPr>
+            </a:lvl3pPr>
+            <a:lvl4pPr marL="0" marR="0" indent="0" algn="ctr" defTabSz="457200" rtl="0" latinLnBrk="0">
+              <a:lnSpc>
+                <a:spcPct val="100000"/>
+              </a:lnSpc>
+              <a:spcBef>
+                <a:spcPts val="0"/>
+              </a:spcBef>
+              <a:spcAft>
+                <a:spcPts val="0"/>
+              </a:spcAft>
+              <a:buClrTx/>
+              <a:buSzTx/>
+              <a:buFontTx/>
+              <a:buNone/>
+              <a:tabLst/>
+              <a:defRPr sz="4400" b="0" i="0" u="none" strike="noStrike" cap="none" spc="0" baseline="0">
+                <a:ln>
+                  <a:noFill/>
+                </a:ln>
+                <a:solidFill>
+                  <a:srgbClr val="000000"/>
+                </a:solidFill>
+                <a:uFillTx/>
+                <a:latin typeface="+mj-lt"/>
+                <a:ea typeface="+mj-ea"/>
+                <a:cs typeface="+mj-cs"/>
+                <a:sym typeface="Calibri"/>
+              </a:defRPr>
+            </a:lvl4pPr>
+            <a:lvl5pPr marL="0" marR="0" indent="0" algn="ctr" defTabSz="457200" rtl="0" latinLnBrk="0">
+              <a:lnSpc>
+                <a:spcPct val="100000"/>
+              </a:lnSpc>
+              <a:spcBef>
+                <a:spcPts val="0"/>
+              </a:spcBef>
+              <a:spcAft>
+                <a:spcPts val="0"/>
+              </a:spcAft>
+              <a:buClrTx/>
+              <a:buSzTx/>
+              <a:buFontTx/>
+              <a:buNone/>
+              <a:tabLst/>
+              <a:defRPr sz="4400" b="0" i="0" u="none" strike="noStrike" cap="none" spc="0" baseline="0">
+                <a:ln>
+                  <a:noFill/>
+                </a:ln>
+                <a:solidFill>
+                  <a:srgbClr val="000000"/>
+                </a:solidFill>
+                <a:uFillTx/>
+                <a:latin typeface="+mj-lt"/>
+                <a:ea typeface="+mj-ea"/>
+                <a:cs typeface="+mj-cs"/>
+                <a:sym typeface="Calibri"/>
+              </a:defRPr>
+            </a:lvl5pPr>
+            <a:lvl6pPr marL="0" marR="0" indent="0" algn="ctr" defTabSz="457200" rtl="0" latinLnBrk="0">
+              <a:lnSpc>
+                <a:spcPct val="100000"/>
+              </a:lnSpc>
+              <a:spcBef>
+                <a:spcPts val="0"/>
+              </a:spcBef>
+              <a:spcAft>
+                <a:spcPts val="0"/>
+              </a:spcAft>
+              <a:buClrTx/>
+              <a:buSzTx/>
+              <a:buFontTx/>
+              <a:buNone/>
+              <a:tabLst/>
+              <a:defRPr sz="4400" b="0" i="0" u="none" strike="noStrike" cap="none" spc="0" baseline="0">
+                <a:ln>
+                  <a:noFill/>
+                </a:ln>
+                <a:solidFill>
+                  <a:srgbClr val="000000"/>
+                </a:solidFill>
+                <a:uFillTx/>
+                <a:latin typeface="+mj-lt"/>
+                <a:ea typeface="+mj-ea"/>
+                <a:cs typeface="+mj-cs"/>
+                <a:sym typeface="Calibri"/>
+              </a:defRPr>
+            </a:lvl6pPr>
+            <a:lvl7pPr marL="0" marR="0" indent="0" algn="ctr" defTabSz="457200" rtl="0" latinLnBrk="0">
+              <a:lnSpc>
+                <a:spcPct val="100000"/>
+              </a:lnSpc>
+              <a:spcBef>
+                <a:spcPts val="0"/>
+              </a:spcBef>
+              <a:spcAft>
+                <a:spcPts val="0"/>
+              </a:spcAft>
+              <a:buClrTx/>
+              <a:buSzTx/>
+              <a:buFontTx/>
+              <a:buNone/>
+              <a:tabLst/>
+              <a:defRPr sz="4400" b="0" i="0" u="none" strike="noStrike" cap="none" spc="0" baseline="0">
+                <a:ln>
+                  <a:noFill/>
+                </a:ln>
+                <a:solidFill>
+                  <a:srgbClr val="000000"/>
+                </a:solidFill>
+                <a:uFillTx/>
+                <a:latin typeface="+mj-lt"/>
+                <a:ea typeface="+mj-ea"/>
+                <a:cs typeface="+mj-cs"/>
+                <a:sym typeface="Calibri"/>
+              </a:defRPr>
+            </a:lvl7pPr>
+            <a:lvl8pPr marL="0" marR="0" indent="0" algn="ctr" defTabSz="457200" rtl="0" latinLnBrk="0">
+              <a:lnSpc>
+                <a:spcPct val="100000"/>
+              </a:lnSpc>
+              <a:spcBef>
+                <a:spcPts val="0"/>
+              </a:spcBef>
+              <a:spcAft>
+                <a:spcPts val="0"/>
+              </a:spcAft>
+              <a:buClrTx/>
+              <a:buSzTx/>
+              <a:buFontTx/>
+              <a:buNone/>
+              <a:tabLst/>
+              <a:defRPr sz="4400" b="0" i="0" u="none" strike="noStrike" cap="none" spc="0" baseline="0">
+                <a:ln>
+                  <a:noFill/>
+                </a:ln>
+                <a:solidFill>
+                  <a:srgbClr val="000000"/>
+                </a:solidFill>
+                <a:uFillTx/>
+                <a:latin typeface="+mj-lt"/>
+                <a:ea typeface="+mj-ea"/>
+                <a:cs typeface="+mj-cs"/>
+                <a:sym typeface="Calibri"/>
+              </a:defRPr>
+            </a:lvl8pPr>
+            <a:lvl9pPr marL="0" marR="0" indent="0" algn="ctr" defTabSz="457200" rtl="0" latinLnBrk="0">
+              <a:lnSpc>
+                <a:spcPct val="100000"/>
+              </a:lnSpc>
+              <a:spcBef>
+                <a:spcPts val="0"/>
+              </a:spcBef>
+              <a:spcAft>
+                <a:spcPts val="0"/>
+              </a:spcAft>
+              <a:buClrTx/>
+              <a:buSzTx/>
+              <a:buFontTx/>
+              <a:buNone/>
+              <a:tabLst/>
+              <a:defRPr sz="4400" b="0" i="0" u="none" strike="noStrike" cap="none" spc="0" baseline="0">
+                <a:ln>
+                  <a:noFill/>
+                </a:ln>
+                <a:solidFill>
+                  <a:srgbClr val="000000"/>
+                </a:solidFill>
+                <a:uFillTx/>
+                <a:latin typeface="+mj-lt"/>
+                <a:ea typeface="+mj-ea"/>
+                <a:cs typeface="+mj-cs"/>
+                <a:sym typeface="Calibri"/>
+              </a:defRPr>
+            </a:lvl9pPr>
+          </a:lstStyle>
+          <a:p>
+            <a:pPr hangingPunct="1"/>
+            <a:r>
+              <a:rPr lang="en-US" sz="4267" dirty="0"/>
+              <a:t>Antagonist – Labelling a Symptom</a:t>
+            </a:r>
+          </a:p>
+        </p:txBody>
+      </p:sp>
+      <p:pic>
+        <p:nvPicPr>
+          <p:cNvPr id="10" name="Google Shape;54;p13">
+            <a:extLst>
+              <a:ext uri="{FF2B5EF4-FFF2-40B4-BE49-F238E27FC236}">
+                <a16:creationId xmlns:a16="http://schemas.microsoft.com/office/drawing/2014/main" id="{8A154FF9-EDED-40BF-BF0D-98AA6FFED7B8}"/>
+              </a:ext>
+            </a:extLst>
+          </p:cNvPr>
+          <p:cNvPicPr preferRelativeResize="0"/>
+          <p:nvPr/>
+        </p:nvPicPr>
+        <p:blipFill rotWithShape="1">
+          <a:blip r:embed="rId3">
+            <a:alphaModFix/>
+          </a:blip>
+          <a:srcRect r="799"/>
+          <a:stretch/>
+        </p:blipFill>
+        <p:spPr>
+          <a:xfrm>
+            <a:off x="455427" y="1136323"/>
+            <a:ext cx="11413135" cy="5410651"/>
+          </a:xfrm>
+          <a:prstGeom prst="rect">
+            <a:avLst/>
+          </a:prstGeom>
+          <a:noFill/>
+          <a:ln>
+            <a:noFill/>
+          </a:ln>
+        </p:spPr>
+      </p:pic>
+    </p:spTree>
+    <p:extLst>
+      <p:ext uri="{BB962C8B-B14F-4D97-AF65-F5344CB8AC3E}">
+        <p14:creationId xmlns:p14="http://schemas.microsoft.com/office/powerpoint/2010/main" val="1988495658"/>
+      </p:ext>
+    </p:extLst>
+  </p:cSld>
+  <p:clrMapOvr>
+    <a:masterClrMapping/>
+  </p:clrMapOvr>
+  <p:transition spd="med"/>
+</p:sld>
+</file>
+
+<file path=ppt/slides/slide12.xml><?xml version="1.0" encoding="utf-8"?>
+<p:sld xmlns:a="http://schemas.openxmlformats.org/drawingml/2006/main" xmlns:r="http://schemas.openxmlformats.org/officeDocument/2006/relationships" xmlns:p="http://schemas.openxmlformats.org/presentationml/2006/main">
+  <p:cSld>
+    <p:spTree>
+      <p:nvGrpSpPr>
+        <p:cNvPr id="1" name=""/>
+        <p:cNvGrpSpPr/>
+        <p:nvPr/>
+      </p:nvGrpSpPr>
+      <p:grpSpPr>
+        <a:xfrm>
+          <a:off x="0" y="0"/>
+          <a:ext cx="0" cy="0"/>
+          <a:chOff x="0" y="0"/>
+          <a:chExt cx="0" cy="0"/>
+        </a:xfrm>
+      </p:grpSpPr>
+      <p:sp>
+        <p:nvSpPr>
+          <p:cNvPr id="2" name="Title 1">
+            <a:extLst>
+              <a:ext uri="{FF2B5EF4-FFF2-40B4-BE49-F238E27FC236}">
+                <a16:creationId xmlns:a16="http://schemas.microsoft.com/office/drawing/2014/main" id="{7EAD5462-5EAF-40CF-BE0A-ED9BC33113B2}"/>
+              </a:ext>
+            </a:extLst>
+          </p:cNvPr>
+          <p:cNvSpPr>
+            <a:spLocks noGrp="1"/>
+          </p:cNvSpPr>
+          <p:nvPr>
+            <p:ph type="title"/>
+          </p:nvPr>
+        </p:nvSpPr>
+        <p:spPr/>
+        <p:txBody>
+          <a:bodyPr>
+            <a:normAutofit/>
+          </a:bodyPr>
+          <a:lstStyle/>
+          <a:p>
+            <a:r>
+              <a:rPr lang="en-IE" sz="4267" dirty="0"/>
+              <a:t>Antagonist – Exposure of the Network Anomalies</a:t>
+            </a:r>
+            <a:endParaRPr lang="en-US" sz="4267" dirty="0"/>
+          </a:p>
+        </p:txBody>
+      </p:sp>
+      <p:pic>
+        <p:nvPicPr>
+          <p:cNvPr id="3" name="Picture 2">
+            <a:extLst>
+              <a:ext uri="{FF2B5EF4-FFF2-40B4-BE49-F238E27FC236}">
+                <a16:creationId xmlns:a16="http://schemas.microsoft.com/office/drawing/2014/main" id="{4BA87D43-57F7-4D07-B576-DAEA5DB892AF}"/>
+              </a:ext>
+            </a:extLst>
+          </p:cNvPr>
+          <p:cNvPicPr>
+            <a:picLocks noChangeAspect="1"/>
+          </p:cNvPicPr>
+          <p:nvPr/>
+        </p:nvPicPr>
+        <p:blipFill>
+          <a:blip r:embed="rId2"/>
+          <a:stretch>
+            <a:fillRect/>
+          </a:stretch>
+        </p:blipFill>
+        <p:spPr>
+          <a:xfrm>
+            <a:off x="0" y="1417640"/>
+            <a:ext cx="12075192" cy="5440361"/>
+          </a:xfrm>
+          <a:prstGeom prst="rect">
+            <a:avLst/>
+          </a:prstGeom>
+        </p:spPr>
+      </p:pic>
+      <p:sp>
+        <p:nvSpPr>
+          <p:cNvPr id="5" name="Rectangle 4">
+            <a:extLst>
+              <a:ext uri="{FF2B5EF4-FFF2-40B4-BE49-F238E27FC236}">
+                <a16:creationId xmlns:a16="http://schemas.microsoft.com/office/drawing/2014/main" id="{18FE283E-5111-4782-B70F-A87C08C89CDE}"/>
+              </a:ext>
+            </a:extLst>
+          </p:cNvPr>
+          <p:cNvSpPr/>
+          <p:nvPr/>
+        </p:nvSpPr>
+        <p:spPr>
+          <a:xfrm>
+            <a:off x="11582400" y="6337144"/>
+            <a:ext cx="492792" cy="492440"/>
+          </a:xfrm>
+          <a:prstGeom prst="rect">
+            <a:avLst/>
+          </a:prstGeom>
+          <a:solidFill>
+            <a:schemeClr val="bg1"/>
+          </a:solidFill>
+          <a:ln w="25400" cap="flat">
+            <a:solidFill>
+              <a:schemeClr val="bg1"/>
+            </a:solidFill>
+            <a:prstDash val="solid"/>
+            <a:round/>
+          </a:ln>
+          <a:effectLst/>
+          <a:sp3d/>
+        </p:spPr>
+        <p:style>
+          <a:lnRef idx="0">
+            <a:scrgbClr r="0" g="0" b="0"/>
+          </a:lnRef>
+          <a:fillRef idx="0">
+            <a:scrgbClr r="0" g="0" b="0"/>
+          </a:fillRef>
+          <a:effectRef idx="0">
+            <a:scrgbClr r="0" g="0" b="0"/>
+          </a:effectRef>
+          <a:fontRef idx="none"/>
+        </p:style>
+        <p:txBody>
+          <a:bodyPr rot="0" spcFirstLastPara="1" vertOverflow="overflow" horzOverflow="overflow" vert="horz" wrap="square" lIns="60959" tIns="60959" rIns="60959" bIns="60959" numCol="1" spcCol="38100" rtlCol="0" anchor="ctr">
+            <a:spAutoFit/>
+          </a:bodyPr>
+          <a:lstStyle/>
+          <a:p>
+            <a:pPr defTabSz="609585" hangingPunct="0"/>
+            <a:endParaRPr lang="en-US" sz="2400">
+              <a:solidFill>
+                <a:srgbClr val="000000"/>
+              </a:solidFill>
+              <a:latin typeface="+mj-lt"/>
+              <a:ea typeface="+mj-ea"/>
+              <a:cs typeface="+mj-cs"/>
+              <a:sym typeface="Calibri"/>
+            </a:endParaRPr>
+          </a:p>
+        </p:txBody>
+      </p:sp>
+    </p:spTree>
+    <p:extLst>
+      <p:ext uri="{BB962C8B-B14F-4D97-AF65-F5344CB8AC3E}">
+        <p14:creationId xmlns:p14="http://schemas.microsoft.com/office/powerpoint/2010/main" val="3433436125"/>
+      </p:ext>
+    </p:extLst>
+  </p:cSld>
+  <p:clrMapOvr>
+    <a:masterClrMapping/>
+  </p:clrMapOvr>
+  <p:transition spd="med"/>
+</p:sld>
+</file>
+
+<file path=ppt/slides/slide13.xml><?xml version="1.0" encoding="utf-8"?>
 <p:sld xmlns:a="http://schemas.openxmlformats.org/drawingml/2006/main" xmlns:r="http://schemas.openxmlformats.org/officeDocument/2006/relationships" xmlns:p="http://schemas.openxmlformats.org/presentationml/2006/main">
   <p:cSld>
     <p:spTree>
@@ -5369,7 +6452,7 @@
                 <a:tabLst/>
                 <a:defRPr/>
               </a:pPr>
-              <a:t>10</a:t>
+              <a:t>13</a:t>
             </a:fld>
             <a:endParaRPr kumimoji="0" lang="de-CH" sz="1400" b="0" i="0" u="none" strike="noStrike" kern="1200" cap="none" spc="0" normalizeH="0" baseline="0" noProof="0" dirty="0">
               <a:ln>
@@ -8737,7 +9820,7 @@
               <a:latin typeface="Calibri" panose="020F0502020204030204"/>
               <a:ea typeface="+mn-ea"/>
               <a:cs typeface="+mn-cs"/>
-              <a:hlinkClick r:id=""/>
+              <a:hlinkClick r:id="" action="ppaction://noaction"/>
             </a:endParaRPr>
           </a:p>
           <a:p>
@@ -8772,7 +9855,7 @@
                 <a:latin typeface="Calibri" panose="020F0502020204030204"/>
                 <a:ea typeface="+mn-ea"/>
                 <a:cs typeface="+mn-cs"/>
-                <a:hlinkClick r:id=""/>
+                <a:hlinkClick r:id="" action="ppaction://noaction"/>
               </a:rPr>
               <a:t>RFC 9232</a:t>
             </a:r>
@@ -12810,10 +13893,10 @@
       </p:sp>
       <p:pic>
         <p:nvPicPr>
-          <p:cNvPr id="5" name="Picture 4">
+          <p:cNvPr id="4" name="Picture 3">
             <a:extLst>
               <a:ext uri="{FF2B5EF4-FFF2-40B4-BE49-F238E27FC236}">
-                <a16:creationId xmlns:a16="http://schemas.microsoft.com/office/drawing/2014/main" id="{24889B1B-2ACB-C917-3479-5F1FDA3ECF73}"/>
+                <a16:creationId xmlns:a16="http://schemas.microsoft.com/office/drawing/2014/main" id="{1EDE8EAA-7D7F-518E-A4DA-52FB92383941}"/>
               </a:ext>
             </a:extLst>
           </p:cNvPr>
@@ -12830,8 +13913,8 @@
         </p:blipFill>
         <p:spPr>
           <a:xfrm>
-            <a:off x="968828" y="1253130"/>
-            <a:ext cx="3960043" cy="5473632"/>
+            <a:off x="915854" y="1203552"/>
+            <a:ext cx="4371594" cy="5523210"/>
           </a:xfrm>
           <a:prstGeom prst="rect">
             <a:avLst/>
@@ -13303,7 +14386,17 @@
             </a:r>
             <a:r>
               <a:rPr lang="en-US" dirty="0"/>
-              <a:t>The Network Anomaly Detection stage is about the continuous monitoring of the network through Network Telemetry [RFC9232] and the identification of symptoms.</a:t>
+              <a:t>The Network Anomaly Detection stage is about the continuous monitoring of the network through Network Telemetry </a:t>
+            </a:r>
+            <a:r>
+              <a:rPr lang="en-US" dirty="0">
+                <a:hlinkClick r:id="rId3"/>
+              </a:rPr>
+              <a:t>RFC 9232</a:t>
+            </a:r>
+            <a:r>
+              <a:rPr lang="en-US" dirty="0"/>
+              <a:t> and the identification of symptoms.</a:t>
             </a:r>
           </a:p>
           <a:p>
@@ -13381,7 +14474,7 @@
         <p:spPr>
           <a:xfrm>
             <a:off x="838198" y="1484344"/>
-            <a:ext cx="4373880" cy="1909754"/>
+            <a:ext cx="4373880" cy="4569264"/>
           </a:xfrm>
           <a:prstGeom prst="rect">
             <a:avLst/>
@@ -13430,7 +14523,7 @@
                 <a:ea typeface="Calibri" panose="020F0502020204030204" pitchFamily="34" charset="0"/>
                 <a:cs typeface="Courier New" panose="02070309020205020404" pitchFamily="49" charset="0"/>
               </a:rPr>
-              <a:t>-network-anomaly-metadata</a:t>
+              <a:t>-symptom-semantic-metadata</a:t>
             </a:r>
           </a:p>
           <a:p>
@@ -13470,7 +14563,7 @@
                 <a:ea typeface="Calibri" panose="020F0502020204030204" pitchFamily="34" charset="0"/>
                 <a:cs typeface="Courier New" panose="02070309020205020404" pitchFamily="49" charset="0"/>
               </a:rPr>
-              <a:t> network-anomalies</a:t>
+              <a:t> symptom</a:t>
             </a:r>
           </a:p>
           <a:p>
@@ -13510,47 +14603,7 @@
                 <a:ea typeface="Calibri" panose="020F0502020204030204" pitchFamily="34" charset="0"/>
                 <a:cs typeface="Courier New" panose="02070309020205020404" pitchFamily="49" charset="0"/>
               </a:rPr>
-              <a:t> network-anomaly* [id author-name version state]</a:t>
-            </a:r>
-          </a:p>
-          <a:p>
-            <a:pPr marL="0" marR="0">
-              <a:lnSpc>
-                <a:spcPct val="107000"/>
-              </a:lnSpc>
-              <a:spcBef>
-                <a:spcPts val="0"/>
-              </a:spcBef>
-              <a:spcAft>
-                <a:spcPts val="0"/>
-              </a:spcAft>
-            </a:pPr>
-            <a:r>
-              <a:rPr lang="en-US" sz="850" dirty="0">
-                <a:effectLst/>
-                <a:latin typeface="Courier New" panose="02070309020205020404" pitchFamily="49" charset="0"/>
-                <a:ea typeface="Calibri" panose="020F0502020204030204" pitchFamily="34" charset="0"/>
-                <a:cs typeface="Courier New" panose="02070309020205020404" pitchFamily="49" charset="0"/>
-              </a:rPr>
-              <a:t>        +--</a:t>
-            </a:r>
-            <a:r>
-              <a:rPr lang="en-US" sz="850" dirty="0" err="1">
-                <a:effectLst/>
-                <a:latin typeface="Courier New" panose="02070309020205020404" pitchFamily="49" charset="0"/>
-                <a:ea typeface="Calibri" panose="020F0502020204030204" pitchFamily="34" charset="0"/>
-                <a:cs typeface="Courier New" panose="02070309020205020404" pitchFamily="49" charset="0"/>
-              </a:rPr>
-              <a:t>rw</a:t>
-            </a:r>
-            <a:r>
-              <a:rPr lang="en-US" sz="850" dirty="0">
-                <a:effectLst/>
-                <a:latin typeface="Courier New" panose="02070309020205020404" pitchFamily="49" charset="0"/>
-                <a:ea typeface="Calibri" panose="020F0502020204030204" pitchFamily="34" charset="0"/>
-                <a:cs typeface="Courier New" panose="02070309020205020404" pitchFamily="49" charset="0"/>
-              </a:rPr>
-              <a:t> id             </a:t>
+              <a:t> id?                        </a:t>
             </a:r>
             <a:r>
               <a:rPr lang="en-US" sz="850" dirty="0" err="1">
@@ -13587,7 +14640,7 @@
                 <a:ea typeface="Calibri" panose="020F0502020204030204" pitchFamily="34" charset="0"/>
                 <a:cs typeface="Courier New" panose="02070309020205020404" pitchFamily="49" charset="0"/>
               </a:rPr>
-              <a:t>        +--</a:t>
+              <a:t>     +--</a:t>
             </a:r>
             <a:r>
               <a:rPr lang="en-US" sz="850" dirty="0" err="1">
@@ -13605,29 +14658,7 @@
                 <a:ea typeface="Calibri" panose="020F0502020204030204" pitchFamily="34" charset="0"/>
                 <a:cs typeface="Courier New" panose="02070309020205020404" pitchFamily="49" charset="0"/>
               </a:rPr>
-              <a:t> description?   string</a:t>
-            </a:r>
-          </a:p>
-          <a:p>
-            <a:pPr marL="0" marR="0">
-              <a:lnSpc>
-                <a:spcPct val="107000"/>
-              </a:lnSpc>
-              <a:spcBef>
-                <a:spcPts val="0"/>
-              </a:spcBef>
-              <a:spcAft>
-                <a:spcPts val="0"/>
-              </a:spcAft>
-            </a:pPr>
-            <a:r>
-              <a:rPr lang="en-US" sz="850" dirty="0">
-                <a:effectLst/>
-                <a:latin typeface="Courier New" panose="02070309020205020404" pitchFamily="49" charset="0"/>
-                <a:ea typeface="Calibri" panose="020F0502020204030204" pitchFamily="34" charset="0"/>
-                <a:cs typeface="Courier New" panose="02070309020205020404" pitchFamily="49" charset="0"/>
-              </a:rPr>
-              <a:t>        +--</a:t>
+              <a:t> event-id?                  </a:t>
             </a:r>
             <a:r>
               <a:rPr lang="en-US" sz="850" dirty="0" err="1">
@@ -13636,105 +14667,7 @@
                 <a:ea typeface="Calibri" panose="020F0502020204030204" pitchFamily="34" charset="0"/>
                 <a:cs typeface="Courier New" panose="02070309020205020404" pitchFamily="49" charset="0"/>
               </a:rPr>
-              <a:t>rw</a:t>
-            </a:r>
-            <a:r>
-              <a:rPr lang="en-US" sz="850" dirty="0">
-                <a:effectLst/>
-                <a:latin typeface="Courier New" panose="02070309020205020404" pitchFamily="49" charset="0"/>
-                <a:ea typeface="Calibri" panose="020F0502020204030204" pitchFamily="34" charset="0"/>
-                <a:cs typeface="Courier New" panose="02070309020205020404" pitchFamily="49" charset="0"/>
-              </a:rPr>
-              <a:t> author</a:t>
-            </a:r>
-          </a:p>
-          <a:p>
-            <a:pPr marL="0" marR="0">
-              <a:lnSpc>
-                <a:spcPct val="107000"/>
-              </a:lnSpc>
-              <a:spcBef>
-                <a:spcPts val="0"/>
-              </a:spcBef>
-              <a:spcAft>
-                <a:spcPts val="0"/>
-              </a:spcAft>
-            </a:pPr>
-            <a:r>
-              <a:rPr lang="en-US" sz="850" dirty="0">
-                <a:effectLst/>
-                <a:latin typeface="Courier New" panose="02070309020205020404" pitchFamily="49" charset="0"/>
-                <a:ea typeface="Calibri" panose="020F0502020204030204" pitchFamily="34" charset="0"/>
-                <a:cs typeface="Courier New" panose="02070309020205020404" pitchFamily="49" charset="0"/>
-              </a:rPr>
-              <a:t>        |  +--</a:t>
-            </a:r>
-            <a:r>
-              <a:rPr lang="en-US" sz="850" dirty="0" err="1">
-                <a:effectLst/>
-                <a:latin typeface="Courier New" panose="02070309020205020404" pitchFamily="49" charset="0"/>
-                <a:ea typeface="Calibri" panose="020F0502020204030204" pitchFamily="34" charset="0"/>
-                <a:cs typeface="Courier New" panose="02070309020205020404" pitchFamily="49" charset="0"/>
-              </a:rPr>
-              <a:t>rw</a:t>
-            </a:r>
-            <a:r>
-              <a:rPr lang="en-US" sz="850" dirty="0">
-                <a:effectLst/>
-                <a:latin typeface="Courier New" panose="02070309020205020404" pitchFamily="49" charset="0"/>
-                <a:ea typeface="Calibri" panose="020F0502020204030204" pitchFamily="34" charset="0"/>
-                <a:cs typeface="Courier New" panose="02070309020205020404" pitchFamily="49" charset="0"/>
-              </a:rPr>
-              <a:t> author-name     string</a:t>
-            </a:r>
-          </a:p>
-          <a:p>
-            <a:pPr marL="0" marR="0">
-              <a:lnSpc>
-                <a:spcPct val="107000"/>
-              </a:lnSpc>
-              <a:spcBef>
-                <a:spcPts val="0"/>
-              </a:spcBef>
-              <a:spcAft>
-                <a:spcPts val="0"/>
-              </a:spcAft>
-            </a:pPr>
-            <a:r>
-              <a:rPr lang="en-US" sz="850" dirty="0">
-                <a:effectLst/>
-                <a:latin typeface="Courier New" panose="02070309020205020404" pitchFamily="49" charset="0"/>
-                <a:ea typeface="Calibri" panose="020F0502020204030204" pitchFamily="34" charset="0"/>
-                <a:cs typeface="Courier New" panose="02070309020205020404" pitchFamily="49" charset="0"/>
-              </a:rPr>
-              <a:t>        |  +--</a:t>
-            </a:r>
-            <a:r>
-              <a:rPr lang="en-US" sz="850" dirty="0" err="1">
-                <a:effectLst/>
-                <a:latin typeface="Courier New" panose="02070309020205020404" pitchFamily="49" charset="0"/>
-                <a:ea typeface="Calibri" panose="020F0502020204030204" pitchFamily="34" charset="0"/>
-                <a:cs typeface="Courier New" panose="02070309020205020404" pitchFamily="49" charset="0"/>
-              </a:rPr>
-              <a:t>rw</a:t>
-            </a:r>
-            <a:r>
-              <a:rPr lang="en-US" sz="850" dirty="0">
-                <a:effectLst/>
-                <a:latin typeface="Courier New" panose="02070309020205020404" pitchFamily="49" charset="0"/>
-                <a:ea typeface="Calibri" panose="020F0502020204030204" pitchFamily="34" charset="0"/>
-                <a:cs typeface="Courier New" panose="02070309020205020404" pitchFamily="49" charset="0"/>
-              </a:rPr>
-              <a:t> author-type?    </a:t>
-            </a:r>
-            <a:r>
-              <a:rPr lang="en-US" sz="850" dirty="0" err="1">
-                <a:effectLst/>
-                <a:latin typeface="Courier New" panose="02070309020205020404" pitchFamily="49" charset="0"/>
-                <a:ea typeface="Calibri" panose="020F0502020204030204" pitchFamily="34" charset="0"/>
-                <a:cs typeface="Courier New" panose="02070309020205020404" pitchFamily="49" charset="0"/>
-              </a:rPr>
-              <a:t>identityref</a:t>
+              <a:t>yang:uuid</a:t>
             </a:r>
             <a:endParaRPr lang="en-US" sz="850" dirty="0">
               <a:effectLst/>
@@ -13762,7 +14695,7 @@
                 <a:ea typeface="Calibri" panose="020F0502020204030204" pitchFamily="34" charset="0"/>
                 <a:cs typeface="Courier New" panose="02070309020205020404" pitchFamily="49" charset="0"/>
               </a:rPr>
-              <a:t>        |  +--</a:t>
+              <a:t>     +--</a:t>
             </a:r>
             <a:r>
               <a:rPr lang="en-US" sz="850" dirty="0" err="1">
@@ -13780,7 +14713,7 @@
                 <a:ea typeface="Calibri" panose="020F0502020204030204" pitchFamily="34" charset="0"/>
                 <a:cs typeface="Courier New" panose="02070309020205020404" pitchFamily="49" charset="0"/>
               </a:rPr>
-              <a:t> algo-version?   uint8</a:t>
+              <a:t> description?               string</a:t>
             </a:r>
           </a:p>
           <a:p>
@@ -13802,7 +14735,7 @@
                 <a:ea typeface="Calibri" panose="020F0502020204030204" pitchFamily="34" charset="0"/>
                 <a:cs typeface="Courier New" panose="02070309020205020404" pitchFamily="49" charset="0"/>
               </a:rPr>
-              <a:t>        +--</a:t>
+              <a:t>     +--</a:t>
             </a:r>
             <a:r>
               <a:rPr lang="en-US" sz="850" dirty="0" err="1">
@@ -13820,29 +14753,7 @@
                 <a:ea typeface="Calibri" panose="020F0502020204030204" pitchFamily="34" charset="0"/>
                 <a:cs typeface="Courier New" panose="02070309020205020404" pitchFamily="49" charset="0"/>
               </a:rPr>
-              <a:t> version        uint8</a:t>
-            </a:r>
-          </a:p>
-          <a:p>
-            <a:pPr marL="0" marR="0">
-              <a:lnSpc>
-                <a:spcPct val="107000"/>
-              </a:lnSpc>
-              <a:spcBef>
-                <a:spcPts val="0"/>
-              </a:spcBef>
-              <a:spcAft>
-                <a:spcPts val="0"/>
-              </a:spcAft>
-            </a:pPr>
-            <a:r>
-              <a:rPr lang="en-US" sz="850" dirty="0">
-                <a:effectLst/>
-                <a:latin typeface="Courier New" panose="02070309020205020404" pitchFamily="49" charset="0"/>
-                <a:ea typeface="Calibri" panose="020F0502020204030204" pitchFamily="34" charset="0"/>
-                <a:cs typeface="Courier New" panose="02070309020205020404" pitchFamily="49" charset="0"/>
-              </a:rPr>
-              <a:t>        +--</a:t>
+              <a:t> start-time?                </a:t>
             </a:r>
             <a:r>
               <a:rPr lang="en-US" sz="850" dirty="0" err="1">
@@ -13851,25 +14762,7 @@
                 <a:ea typeface="Calibri" panose="020F0502020204030204" pitchFamily="34" charset="0"/>
                 <a:cs typeface="Courier New" panose="02070309020205020404" pitchFamily="49" charset="0"/>
               </a:rPr>
-              <a:t>rw</a:t>
-            </a:r>
-            <a:r>
-              <a:rPr lang="en-US" sz="850" dirty="0">
-                <a:effectLst/>
-                <a:latin typeface="Courier New" panose="02070309020205020404" pitchFamily="49" charset="0"/>
-                <a:ea typeface="Calibri" panose="020F0502020204030204" pitchFamily="34" charset="0"/>
-                <a:cs typeface="Courier New" panose="02070309020205020404" pitchFamily="49" charset="0"/>
-              </a:rPr>
-              <a:t> state          </a:t>
-            </a:r>
-            <a:r>
-              <a:rPr lang="en-US" sz="850" dirty="0" err="1">
-                <a:effectLst/>
-                <a:latin typeface="Courier New" panose="02070309020205020404" pitchFamily="49" charset="0"/>
-                <a:ea typeface="Calibri" panose="020F0502020204030204" pitchFamily="34" charset="0"/>
-                <a:cs typeface="Courier New" panose="02070309020205020404" pitchFamily="49" charset="0"/>
-              </a:rPr>
-              <a:t>identityref</a:t>
+              <a:t>yang:date-and-time</a:t>
             </a:r>
             <a:endParaRPr lang="en-US" sz="850" dirty="0">
               <a:effectLst/>
@@ -13897,7 +14790,7 @@
                 <a:ea typeface="Calibri" panose="020F0502020204030204" pitchFamily="34" charset="0"/>
                 <a:cs typeface="Courier New" panose="02070309020205020404" pitchFamily="49" charset="0"/>
               </a:rPr>
-              <a:t>        +--</a:t>
+              <a:t>     +--</a:t>
             </a:r>
             <a:r>
               <a:rPr lang="en-US" sz="850" dirty="0" err="1">
@@ -13915,7 +14808,7 @@
                 <a:ea typeface="Calibri" panose="020F0502020204030204" pitchFamily="34" charset="0"/>
                 <a:cs typeface="Courier New" panose="02070309020205020404" pitchFamily="49" charset="0"/>
               </a:rPr>
-              <a:t> symptoms* [</a:t>
+              <a:t> end-time?                  </a:t>
             </a:r>
             <a:r>
               <a:rPr lang="en-US" sz="850" dirty="0" err="1">
@@ -13924,83 +14817,7 @@
                 <a:ea typeface="Calibri" panose="020F0502020204030204" pitchFamily="34" charset="0"/>
                 <a:cs typeface="Courier New" panose="02070309020205020404" pitchFamily="49" charset="0"/>
               </a:rPr>
-              <a:t>symptom_id</a:t>
-            </a:r>
-            <a:r>
-              <a:rPr lang="en-US" sz="850" dirty="0">
-                <a:effectLst/>
-                <a:latin typeface="Courier New" panose="02070309020205020404" pitchFamily="49" charset="0"/>
-                <a:ea typeface="Calibri" panose="020F0502020204030204" pitchFamily="34" charset="0"/>
-                <a:cs typeface="Courier New" panose="02070309020205020404" pitchFamily="49" charset="0"/>
-              </a:rPr>
-              <a:t>]</a:t>
-            </a:r>
-          </a:p>
-          <a:p>
-            <a:pPr marL="0" marR="0">
-              <a:lnSpc>
-                <a:spcPct val="107000"/>
-              </a:lnSpc>
-              <a:spcBef>
-                <a:spcPts val="0"/>
-              </a:spcBef>
-              <a:spcAft>
-                <a:spcPts val="0"/>
-              </a:spcAft>
-            </a:pPr>
-            <a:r>
-              <a:rPr lang="en-US" sz="850" dirty="0">
-                <a:effectLst/>
-                <a:latin typeface="Courier New" panose="02070309020205020404" pitchFamily="49" charset="0"/>
-                <a:ea typeface="Calibri" panose="020F0502020204030204" pitchFamily="34" charset="0"/>
-                <a:cs typeface="Courier New" panose="02070309020205020404" pitchFamily="49" charset="0"/>
-              </a:rPr>
-              <a:t>           +--</a:t>
-            </a:r>
-            <a:r>
-              <a:rPr lang="en-US" sz="850" dirty="0" err="1">
-                <a:effectLst/>
-                <a:latin typeface="Courier New" panose="02070309020205020404" pitchFamily="49" charset="0"/>
-                <a:ea typeface="Calibri" panose="020F0502020204030204" pitchFamily="34" charset="0"/>
-                <a:cs typeface="Courier New" panose="02070309020205020404" pitchFamily="49" charset="0"/>
-              </a:rPr>
-              <a:t>rw</a:t>
-            </a:r>
-            <a:r>
-              <a:rPr lang="en-US" sz="850" dirty="0">
-                <a:effectLst/>
-                <a:latin typeface="Courier New" panose="02070309020205020404" pitchFamily="49" charset="0"/>
-                <a:ea typeface="Calibri" panose="020F0502020204030204" pitchFamily="34" charset="0"/>
-                <a:cs typeface="Courier New" panose="02070309020205020404" pitchFamily="49" charset="0"/>
-              </a:rPr>
-              <a:t> </a:t>
-            </a:r>
-            <a:r>
-              <a:rPr lang="en-US" sz="850" dirty="0" err="1">
-                <a:effectLst/>
-                <a:latin typeface="Courier New" panose="02070309020205020404" pitchFamily="49" charset="0"/>
-                <a:ea typeface="Calibri" panose="020F0502020204030204" pitchFamily="34" charset="0"/>
-                <a:cs typeface="Courier New" panose="02070309020205020404" pitchFamily="49" charset="0"/>
-              </a:rPr>
-              <a:t>symptom_id</a:t>
-            </a:r>
-            <a:r>
-              <a:rPr lang="en-US" sz="850" dirty="0">
-                <a:effectLst/>
-                <a:latin typeface="Courier New" panose="02070309020205020404" pitchFamily="49" charset="0"/>
-                <a:ea typeface="Calibri" panose="020F0502020204030204" pitchFamily="34" charset="0"/>
-                <a:cs typeface="Courier New" panose="02070309020205020404" pitchFamily="49" charset="0"/>
-              </a:rPr>
-              <a:t>    </a:t>
-            </a:r>
-            <a:r>
-              <a:rPr lang="en-US" sz="850" dirty="0" err="1">
-                <a:effectLst/>
-                <a:latin typeface="Courier New" panose="02070309020205020404" pitchFamily="49" charset="0"/>
-                <a:ea typeface="Calibri" panose="020F0502020204030204" pitchFamily="34" charset="0"/>
-                <a:cs typeface="Courier New" panose="02070309020205020404" pitchFamily="49" charset="0"/>
-              </a:rPr>
-              <a:t>yang:uuid</a:t>
+              <a:t>yang:date-and-time</a:t>
             </a:r>
             <a:endParaRPr lang="en-US" sz="850" dirty="0">
               <a:effectLst/>
@@ -14008,6 +14825,862 @@
               <a:ea typeface="Calibri" panose="020F0502020204030204" pitchFamily="34" charset="0"/>
               <a:cs typeface="Courier New" panose="02070309020205020404" pitchFamily="49" charset="0"/>
             </a:endParaRPr>
+          </a:p>
+          <a:p>
+            <a:pPr marL="0" marR="0">
+              <a:lnSpc>
+                <a:spcPct val="107000"/>
+              </a:lnSpc>
+              <a:spcBef>
+                <a:spcPts val="0"/>
+              </a:spcBef>
+              <a:spcAft>
+                <a:spcPts val="0"/>
+              </a:spcAft>
+            </a:pPr>
+            <a:r>
+              <a:rPr lang="en-US" sz="850" dirty="0">
+                <a:effectLst/>
+                <a:latin typeface="Courier New" panose="02070309020205020404" pitchFamily="49" charset="0"/>
+                <a:ea typeface="Calibri" panose="020F0502020204030204" pitchFamily="34" charset="0"/>
+                <a:cs typeface="Courier New" panose="02070309020205020404" pitchFamily="49" charset="0"/>
+              </a:rPr>
+              <a:t>     +--</a:t>
+            </a:r>
+            <a:r>
+              <a:rPr lang="en-US" sz="850" dirty="0" err="1">
+                <a:effectLst/>
+                <a:latin typeface="Courier New" panose="02070309020205020404" pitchFamily="49" charset="0"/>
+                <a:ea typeface="Calibri" panose="020F0502020204030204" pitchFamily="34" charset="0"/>
+                <a:cs typeface="Courier New" panose="02070309020205020404" pitchFamily="49" charset="0"/>
+              </a:rPr>
+              <a:t>rw</a:t>
+            </a:r>
+            <a:r>
+              <a:rPr lang="en-US" sz="850" dirty="0">
+                <a:effectLst/>
+                <a:latin typeface="Courier New" panose="02070309020205020404" pitchFamily="49" charset="0"/>
+                <a:ea typeface="Calibri" panose="020F0502020204030204" pitchFamily="34" charset="0"/>
+                <a:cs typeface="Courier New" panose="02070309020205020404" pitchFamily="49" charset="0"/>
+              </a:rPr>
+              <a:t> confidence-score?          score</a:t>
+            </a:r>
+          </a:p>
+          <a:p>
+            <a:pPr marL="0" marR="0">
+              <a:lnSpc>
+                <a:spcPct val="107000"/>
+              </a:lnSpc>
+              <a:spcBef>
+                <a:spcPts val="0"/>
+              </a:spcBef>
+              <a:spcAft>
+                <a:spcPts val="0"/>
+              </a:spcAft>
+            </a:pPr>
+            <a:r>
+              <a:rPr lang="en-US" sz="850" dirty="0">
+                <a:effectLst/>
+                <a:latin typeface="Courier New" panose="02070309020205020404" pitchFamily="49" charset="0"/>
+                <a:ea typeface="Calibri" panose="020F0502020204030204" pitchFamily="34" charset="0"/>
+                <a:cs typeface="Courier New" panose="02070309020205020404" pitchFamily="49" charset="0"/>
+              </a:rPr>
+              <a:t>     +--</a:t>
+            </a:r>
+            <a:r>
+              <a:rPr lang="en-US" sz="850" dirty="0" err="1">
+                <a:effectLst/>
+                <a:latin typeface="Courier New" panose="02070309020205020404" pitchFamily="49" charset="0"/>
+                <a:ea typeface="Calibri" panose="020F0502020204030204" pitchFamily="34" charset="0"/>
+                <a:cs typeface="Courier New" panose="02070309020205020404" pitchFamily="49" charset="0"/>
+              </a:rPr>
+              <a:t>rw</a:t>
+            </a:r>
+            <a:r>
+              <a:rPr lang="en-US" sz="850" dirty="0">
+                <a:effectLst/>
+                <a:latin typeface="Courier New" panose="02070309020205020404" pitchFamily="49" charset="0"/>
+                <a:ea typeface="Calibri" panose="020F0502020204030204" pitchFamily="34" charset="0"/>
+                <a:cs typeface="Courier New" panose="02070309020205020404" pitchFamily="49" charset="0"/>
+              </a:rPr>
+              <a:t> concern-score?             score</a:t>
+            </a:r>
+          </a:p>
+          <a:p>
+            <a:pPr marL="0" marR="0">
+              <a:lnSpc>
+                <a:spcPct val="107000"/>
+              </a:lnSpc>
+              <a:spcBef>
+                <a:spcPts val="0"/>
+              </a:spcBef>
+              <a:spcAft>
+                <a:spcPts val="0"/>
+              </a:spcAft>
+            </a:pPr>
+            <a:r>
+              <a:rPr lang="en-US" sz="850" dirty="0">
+                <a:effectLst/>
+                <a:latin typeface="Courier New" panose="02070309020205020404" pitchFamily="49" charset="0"/>
+                <a:ea typeface="Calibri" panose="020F0502020204030204" pitchFamily="34" charset="0"/>
+                <a:cs typeface="Courier New" panose="02070309020205020404" pitchFamily="49" charset="0"/>
+              </a:rPr>
+              <a:t>     +--</a:t>
+            </a:r>
+            <a:r>
+              <a:rPr lang="en-US" sz="850" dirty="0" err="1">
+                <a:effectLst/>
+                <a:latin typeface="Courier New" panose="02070309020205020404" pitchFamily="49" charset="0"/>
+                <a:ea typeface="Calibri" panose="020F0502020204030204" pitchFamily="34" charset="0"/>
+                <a:cs typeface="Courier New" panose="02070309020205020404" pitchFamily="49" charset="0"/>
+              </a:rPr>
+              <a:t>rw</a:t>
+            </a:r>
+            <a:r>
+              <a:rPr lang="en-US" sz="850" dirty="0">
+                <a:effectLst/>
+                <a:latin typeface="Courier New" panose="02070309020205020404" pitchFamily="49" charset="0"/>
+                <a:ea typeface="Calibri" panose="020F0502020204030204" pitchFamily="34" charset="0"/>
+                <a:cs typeface="Courier New" panose="02070309020205020404" pitchFamily="49" charset="0"/>
+              </a:rPr>
+              <a:t> tags* [key]</a:t>
+            </a:r>
+          </a:p>
+          <a:p>
+            <a:pPr marL="0" marR="0">
+              <a:lnSpc>
+                <a:spcPct val="107000"/>
+              </a:lnSpc>
+              <a:spcBef>
+                <a:spcPts val="0"/>
+              </a:spcBef>
+              <a:spcAft>
+                <a:spcPts val="0"/>
+              </a:spcAft>
+            </a:pPr>
+            <a:r>
+              <a:rPr lang="en-US" sz="850" dirty="0">
+                <a:effectLst/>
+                <a:latin typeface="Courier New" panose="02070309020205020404" pitchFamily="49" charset="0"/>
+                <a:ea typeface="Calibri" panose="020F0502020204030204" pitchFamily="34" charset="0"/>
+                <a:cs typeface="Courier New" panose="02070309020205020404" pitchFamily="49" charset="0"/>
+              </a:rPr>
+              <a:t>     |  +--</a:t>
+            </a:r>
+            <a:r>
+              <a:rPr lang="en-US" sz="850" dirty="0" err="1">
+                <a:effectLst/>
+                <a:latin typeface="Courier New" panose="02070309020205020404" pitchFamily="49" charset="0"/>
+                <a:ea typeface="Calibri" panose="020F0502020204030204" pitchFamily="34" charset="0"/>
+                <a:cs typeface="Courier New" panose="02070309020205020404" pitchFamily="49" charset="0"/>
+              </a:rPr>
+              <a:t>rw</a:t>
+            </a:r>
+            <a:r>
+              <a:rPr lang="en-US" sz="850" dirty="0">
+                <a:effectLst/>
+                <a:latin typeface="Courier New" panose="02070309020205020404" pitchFamily="49" charset="0"/>
+                <a:ea typeface="Calibri" panose="020F0502020204030204" pitchFamily="34" charset="0"/>
+                <a:cs typeface="Courier New" panose="02070309020205020404" pitchFamily="49" charset="0"/>
+              </a:rPr>
+              <a:t> key      string</a:t>
+            </a:r>
+          </a:p>
+          <a:p>
+            <a:pPr marL="0" marR="0">
+              <a:lnSpc>
+                <a:spcPct val="107000"/>
+              </a:lnSpc>
+              <a:spcBef>
+                <a:spcPts val="0"/>
+              </a:spcBef>
+              <a:spcAft>
+                <a:spcPts val="0"/>
+              </a:spcAft>
+            </a:pPr>
+            <a:r>
+              <a:rPr lang="en-US" sz="850" dirty="0">
+                <a:effectLst/>
+                <a:latin typeface="Courier New" panose="02070309020205020404" pitchFamily="49" charset="0"/>
+                <a:ea typeface="Calibri" panose="020F0502020204030204" pitchFamily="34" charset="0"/>
+                <a:cs typeface="Courier New" panose="02070309020205020404" pitchFamily="49" charset="0"/>
+              </a:rPr>
+              <a:t>     |  +--</a:t>
+            </a:r>
+            <a:r>
+              <a:rPr lang="en-US" sz="850" dirty="0" err="1">
+                <a:effectLst/>
+                <a:latin typeface="Courier New" panose="02070309020205020404" pitchFamily="49" charset="0"/>
+                <a:ea typeface="Calibri" panose="020F0502020204030204" pitchFamily="34" charset="0"/>
+                <a:cs typeface="Courier New" panose="02070309020205020404" pitchFamily="49" charset="0"/>
+              </a:rPr>
+              <a:t>rw</a:t>
+            </a:r>
+            <a:r>
+              <a:rPr lang="en-US" sz="850" dirty="0">
+                <a:effectLst/>
+                <a:latin typeface="Courier New" panose="02070309020205020404" pitchFamily="49" charset="0"/>
+                <a:ea typeface="Calibri" panose="020F0502020204030204" pitchFamily="34" charset="0"/>
+                <a:cs typeface="Courier New" panose="02070309020205020404" pitchFamily="49" charset="0"/>
+              </a:rPr>
+              <a:t> value    string</a:t>
+            </a:r>
+          </a:p>
+          <a:p>
+            <a:pPr marL="0" marR="0">
+              <a:lnSpc>
+                <a:spcPct val="107000"/>
+              </a:lnSpc>
+              <a:spcBef>
+                <a:spcPts val="0"/>
+              </a:spcBef>
+              <a:spcAft>
+                <a:spcPts val="0"/>
+              </a:spcAft>
+            </a:pPr>
+            <a:r>
+              <a:rPr lang="en-US" sz="850" dirty="0">
+                <a:effectLst/>
+                <a:latin typeface="Courier New" panose="02070309020205020404" pitchFamily="49" charset="0"/>
+                <a:ea typeface="Calibri" panose="020F0502020204030204" pitchFamily="34" charset="0"/>
+                <a:cs typeface="Courier New" panose="02070309020205020404" pitchFamily="49" charset="0"/>
+              </a:rPr>
+              <a:t>     +--</a:t>
+            </a:r>
+            <a:r>
+              <a:rPr lang="en-US" sz="850" dirty="0" err="1">
+                <a:effectLst/>
+                <a:latin typeface="Courier New" panose="02070309020205020404" pitchFamily="49" charset="0"/>
+                <a:ea typeface="Calibri" panose="020F0502020204030204" pitchFamily="34" charset="0"/>
+                <a:cs typeface="Courier New" panose="02070309020205020404" pitchFamily="49" charset="0"/>
+              </a:rPr>
+              <a:t>rw</a:t>
+            </a:r>
+            <a:r>
+              <a:rPr lang="en-US" sz="850" dirty="0">
+                <a:effectLst/>
+                <a:latin typeface="Courier New" panose="02070309020205020404" pitchFamily="49" charset="0"/>
+                <a:ea typeface="Calibri" panose="020F0502020204030204" pitchFamily="34" charset="0"/>
+                <a:cs typeface="Courier New" panose="02070309020205020404" pitchFamily="49" charset="0"/>
+              </a:rPr>
+              <a:t> (pattern)?</a:t>
+            </a:r>
+          </a:p>
+          <a:p>
+            <a:pPr marL="0" marR="0">
+              <a:lnSpc>
+                <a:spcPct val="107000"/>
+              </a:lnSpc>
+              <a:spcBef>
+                <a:spcPts val="0"/>
+              </a:spcBef>
+              <a:spcAft>
+                <a:spcPts val="0"/>
+              </a:spcAft>
+            </a:pPr>
+            <a:r>
+              <a:rPr lang="en-US" sz="850" dirty="0">
+                <a:effectLst/>
+                <a:latin typeface="Courier New" panose="02070309020205020404" pitchFamily="49" charset="0"/>
+                <a:ea typeface="Calibri" panose="020F0502020204030204" pitchFamily="34" charset="0"/>
+                <a:cs typeface="Courier New" panose="02070309020205020404" pitchFamily="49" charset="0"/>
+              </a:rPr>
+              <a:t>     |  +--:(drop)</a:t>
+            </a:r>
+          </a:p>
+          <a:p>
+            <a:pPr marL="0" marR="0">
+              <a:lnSpc>
+                <a:spcPct val="107000"/>
+              </a:lnSpc>
+              <a:spcBef>
+                <a:spcPts val="0"/>
+              </a:spcBef>
+              <a:spcAft>
+                <a:spcPts val="0"/>
+              </a:spcAft>
+            </a:pPr>
+            <a:r>
+              <a:rPr lang="en-US" sz="850" dirty="0">
+                <a:effectLst/>
+                <a:latin typeface="Courier New" panose="02070309020205020404" pitchFamily="49" charset="0"/>
+                <a:ea typeface="Calibri" panose="020F0502020204030204" pitchFamily="34" charset="0"/>
+                <a:cs typeface="Courier New" panose="02070309020205020404" pitchFamily="49" charset="0"/>
+              </a:rPr>
+              <a:t>     |  |  +--</a:t>
+            </a:r>
+            <a:r>
+              <a:rPr lang="en-US" sz="850" dirty="0" err="1">
+                <a:effectLst/>
+                <a:latin typeface="Courier New" panose="02070309020205020404" pitchFamily="49" charset="0"/>
+                <a:ea typeface="Calibri" panose="020F0502020204030204" pitchFamily="34" charset="0"/>
+                <a:cs typeface="Courier New" panose="02070309020205020404" pitchFamily="49" charset="0"/>
+              </a:rPr>
+              <a:t>rw</a:t>
+            </a:r>
+            <a:r>
+              <a:rPr lang="en-US" sz="850" dirty="0">
+                <a:effectLst/>
+                <a:latin typeface="Courier New" panose="02070309020205020404" pitchFamily="49" charset="0"/>
+                <a:ea typeface="Calibri" panose="020F0502020204030204" pitchFamily="34" charset="0"/>
+                <a:cs typeface="Courier New" panose="02070309020205020404" pitchFamily="49" charset="0"/>
+              </a:rPr>
+              <a:t> drop                 empty</a:t>
+            </a:r>
+          </a:p>
+          <a:p>
+            <a:pPr marL="0" marR="0">
+              <a:lnSpc>
+                <a:spcPct val="107000"/>
+              </a:lnSpc>
+              <a:spcBef>
+                <a:spcPts val="0"/>
+              </a:spcBef>
+              <a:spcAft>
+                <a:spcPts val="0"/>
+              </a:spcAft>
+            </a:pPr>
+            <a:r>
+              <a:rPr lang="en-US" sz="850" dirty="0">
+                <a:effectLst/>
+                <a:latin typeface="Courier New" panose="02070309020205020404" pitchFamily="49" charset="0"/>
+                <a:ea typeface="Calibri" panose="020F0502020204030204" pitchFamily="34" charset="0"/>
+                <a:cs typeface="Courier New" panose="02070309020205020404" pitchFamily="49" charset="0"/>
+              </a:rPr>
+              <a:t>     |  +--:(spike)</a:t>
+            </a:r>
+          </a:p>
+          <a:p>
+            <a:pPr marL="0" marR="0">
+              <a:lnSpc>
+                <a:spcPct val="107000"/>
+              </a:lnSpc>
+              <a:spcBef>
+                <a:spcPts val="0"/>
+              </a:spcBef>
+              <a:spcAft>
+                <a:spcPts val="0"/>
+              </a:spcAft>
+            </a:pPr>
+            <a:r>
+              <a:rPr lang="en-US" sz="850" dirty="0">
+                <a:effectLst/>
+                <a:latin typeface="Courier New" panose="02070309020205020404" pitchFamily="49" charset="0"/>
+                <a:ea typeface="Calibri" panose="020F0502020204030204" pitchFamily="34" charset="0"/>
+                <a:cs typeface="Courier New" panose="02070309020205020404" pitchFamily="49" charset="0"/>
+              </a:rPr>
+              <a:t>     |  |  +--</a:t>
+            </a:r>
+            <a:r>
+              <a:rPr lang="en-US" sz="850" dirty="0" err="1">
+                <a:effectLst/>
+                <a:latin typeface="Courier New" panose="02070309020205020404" pitchFamily="49" charset="0"/>
+                <a:ea typeface="Calibri" panose="020F0502020204030204" pitchFamily="34" charset="0"/>
+                <a:cs typeface="Courier New" panose="02070309020205020404" pitchFamily="49" charset="0"/>
+              </a:rPr>
+              <a:t>rw</a:t>
+            </a:r>
+            <a:r>
+              <a:rPr lang="en-US" sz="850" dirty="0">
+                <a:effectLst/>
+                <a:latin typeface="Courier New" panose="02070309020205020404" pitchFamily="49" charset="0"/>
+                <a:ea typeface="Calibri" panose="020F0502020204030204" pitchFamily="34" charset="0"/>
+                <a:cs typeface="Courier New" panose="02070309020205020404" pitchFamily="49" charset="0"/>
+              </a:rPr>
+              <a:t> spike                empty</a:t>
+            </a:r>
+          </a:p>
+          <a:p>
+            <a:pPr marL="0" marR="0">
+              <a:lnSpc>
+                <a:spcPct val="107000"/>
+              </a:lnSpc>
+              <a:spcBef>
+                <a:spcPts val="0"/>
+              </a:spcBef>
+              <a:spcAft>
+                <a:spcPts val="0"/>
+              </a:spcAft>
+            </a:pPr>
+            <a:r>
+              <a:rPr lang="en-US" sz="850" dirty="0">
+                <a:effectLst/>
+                <a:latin typeface="Courier New" panose="02070309020205020404" pitchFamily="49" charset="0"/>
+                <a:ea typeface="Calibri" panose="020F0502020204030204" pitchFamily="34" charset="0"/>
+                <a:cs typeface="Courier New" panose="02070309020205020404" pitchFamily="49" charset="0"/>
+              </a:rPr>
+              <a:t>     |  +--:(mean-shift)</a:t>
+            </a:r>
+          </a:p>
+          <a:p>
+            <a:pPr marL="0" marR="0">
+              <a:lnSpc>
+                <a:spcPct val="107000"/>
+              </a:lnSpc>
+              <a:spcBef>
+                <a:spcPts val="0"/>
+              </a:spcBef>
+              <a:spcAft>
+                <a:spcPts val="0"/>
+              </a:spcAft>
+            </a:pPr>
+            <a:r>
+              <a:rPr lang="en-US" sz="850" dirty="0">
+                <a:effectLst/>
+                <a:latin typeface="Courier New" panose="02070309020205020404" pitchFamily="49" charset="0"/>
+                <a:ea typeface="Calibri" panose="020F0502020204030204" pitchFamily="34" charset="0"/>
+                <a:cs typeface="Courier New" panose="02070309020205020404" pitchFamily="49" charset="0"/>
+              </a:rPr>
+              <a:t>     |  |  +--</a:t>
+            </a:r>
+            <a:r>
+              <a:rPr lang="en-US" sz="850" dirty="0" err="1">
+                <a:effectLst/>
+                <a:latin typeface="Courier New" panose="02070309020205020404" pitchFamily="49" charset="0"/>
+                <a:ea typeface="Calibri" panose="020F0502020204030204" pitchFamily="34" charset="0"/>
+                <a:cs typeface="Courier New" panose="02070309020205020404" pitchFamily="49" charset="0"/>
+              </a:rPr>
+              <a:t>rw</a:t>
+            </a:r>
+            <a:r>
+              <a:rPr lang="en-US" sz="850" dirty="0">
+                <a:effectLst/>
+                <a:latin typeface="Courier New" panose="02070309020205020404" pitchFamily="49" charset="0"/>
+                <a:ea typeface="Calibri" panose="020F0502020204030204" pitchFamily="34" charset="0"/>
+                <a:cs typeface="Courier New" panose="02070309020205020404" pitchFamily="49" charset="0"/>
+              </a:rPr>
+              <a:t> mean-shift           empty</a:t>
+            </a:r>
+          </a:p>
+          <a:p>
+            <a:pPr marL="0" marR="0">
+              <a:lnSpc>
+                <a:spcPct val="107000"/>
+              </a:lnSpc>
+              <a:spcBef>
+                <a:spcPts val="0"/>
+              </a:spcBef>
+              <a:spcAft>
+                <a:spcPts val="0"/>
+              </a:spcAft>
+            </a:pPr>
+            <a:r>
+              <a:rPr lang="en-US" sz="850" dirty="0">
+                <a:effectLst/>
+                <a:latin typeface="Courier New" panose="02070309020205020404" pitchFamily="49" charset="0"/>
+                <a:ea typeface="Calibri" panose="020F0502020204030204" pitchFamily="34" charset="0"/>
+                <a:cs typeface="Courier New" panose="02070309020205020404" pitchFamily="49" charset="0"/>
+              </a:rPr>
+              <a:t>     |  +--:(seasonality-shift)</a:t>
+            </a:r>
+          </a:p>
+          <a:p>
+            <a:pPr marL="0" marR="0">
+              <a:lnSpc>
+                <a:spcPct val="107000"/>
+              </a:lnSpc>
+              <a:spcBef>
+                <a:spcPts val="0"/>
+              </a:spcBef>
+              <a:spcAft>
+                <a:spcPts val="0"/>
+              </a:spcAft>
+            </a:pPr>
+            <a:r>
+              <a:rPr lang="en-US" sz="850" dirty="0">
+                <a:effectLst/>
+                <a:latin typeface="Courier New" panose="02070309020205020404" pitchFamily="49" charset="0"/>
+                <a:ea typeface="Calibri" panose="020F0502020204030204" pitchFamily="34" charset="0"/>
+                <a:cs typeface="Courier New" panose="02070309020205020404" pitchFamily="49" charset="0"/>
+              </a:rPr>
+              <a:t>     |  |  +--</a:t>
+            </a:r>
+            <a:r>
+              <a:rPr lang="en-US" sz="850" dirty="0" err="1">
+                <a:effectLst/>
+                <a:latin typeface="Courier New" panose="02070309020205020404" pitchFamily="49" charset="0"/>
+                <a:ea typeface="Calibri" panose="020F0502020204030204" pitchFamily="34" charset="0"/>
+                <a:cs typeface="Courier New" panose="02070309020205020404" pitchFamily="49" charset="0"/>
+              </a:rPr>
+              <a:t>rw</a:t>
+            </a:r>
+            <a:r>
+              <a:rPr lang="en-US" sz="850" dirty="0">
+                <a:effectLst/>
+                <a:latin typeface="Courier New" panose="02070309020205020404" pitchFamily="49" charset="0"/>
+                <a:ea typeface="Calibri" panose="020F0502020204030204" pitchFamily="34" charset="0"/>
+                <a:cs typeface="Courier New" panose="02070309020205020404" pitchFamily="49" charset="0"/>
+              </a:rPr>
+              <a:t> seasonality-shift    empty</a:t>
+            </a:r>
+          </a:p>
+          <a:p>
+            <a:pPr marL="0" marR="0">
+              <a:lnSpc>
+                <a:spcPct val="107000"/>
+              </a:lnSpc>
+              <a:spcBef>
+                <a:spcPts val="0"/>
+              </a:spcBef>
+              <a:spcAft>
+                <a:spcPts val="0"/>
+              </a:spcAft>
+            </a:pPr>
+            <a:r>
+              <a:rPr lang="en-US" sz="850" dirty="0">
+                <a:effectLst/>
+                <a:latin typeface="Courier New" panose="02070309020205020404" pitchFamily="49" charset="0"/>
+                <a:ea typeface="Calibri" panose="020F0502020204030204" pitchFamily="34" charset="0"/>
+                <a:cs typeface="Courier New" panose="02070309020205020404" pitchFamily="49" charset="0"/>
+              </a:rPr>
+              <a:t>     |  +--:(trend)</a:t>
+            </a:r>
+          </a:p>
+          <a:p>
+            <a:pPr marL="0" marR="0">
+              <a:lnSpc>
+                <a:spcPct val="107000"/>
+              </a:lnSpc>
+              <a:spcBef>
+                <a:spcPts val="0"/>
+              </a:spcBef>
+              <a:spcAft>
+                <a:spcPts val="0"/>
+              </a:spcAft>
+            </a:pPr>
+            <a:r>
+              <a:rPr lang="en-US" sz="850" dirty="0">
+                <a:effectLst/>
+                <a:latin typeface="Courier New" panose="02070309020205020404" pitchFamily="49" charset="0"/>
+                <a:ea typeface="Calibri" panose="020F0502020204030204" pitchFamily="34" charset="0"/>
+                <a:cs typeface="Courier New" panose="02070309020205020404" pitchFamily="49" charset="0"/>
+              </a:rPr>
+              <a:t>     |  |  +--</a:t>
+            </a:r>
+            <a:r>
+              <a:rPr lang="en-US" sz="850" dirty="0" err="1">
+                <a:effectLst/>
+                <a:latin typeface="Courier New" panose="02070309020205020404" pitchFamily="49" charset="0"/>
+                <a:ea typeface="Calibri" panose="020F0502020204030204" pitchFamily="34" charset="0"/>
+                <a:cs typeface="Courier New" panose="02070309020205020404" pitchFamily="49" charset="0"/>
+              </a:rPr>
+              <a:t>rw</a:t>
+            </a:r>
+            <a:r>
+              <a:rPr lang="en-US" sz="850" dirty="0">
+                <a:effectLst/>
+                <a:latin typeface="Courier New" panose="02070309020205020404" pitchFamily="49" charset="0"/>
+                <a:ea typeface="Calibri" panose="020F0502020204030204" pitchFamily="34" charset="0"/>
+                <a:cs typeface="Courier New" panose="02070309020205020404" pitchFamily="49" charset="0"/>
+              </a:rPr>
+              <a:t> trend                empty</a:t>
+            </a:r>
+          </a:p>
+          <a:p>
+            <a:pPr marL="0" marR="0">
+              <a:lnSpc>
+                <a:spcPct val="107000"/>
+              </a:lnSpc>
+              <a:spcBef>
+                <a:spcPts val="0"/>
+              </a:spcBef>
+              <a:spcAft>
+                <a:spcPts val="0"/>
+              </a:spcAft>
+            </a:pPr>
+            <a:r>
+              <a:rPr lang="en-US" sz="850" dirty="0">
+                <a:effectLst/>
+                <a:latin typeface="Courier New" panose="02070309020205020404" pitchFamily="49" charset="0"/>
+                <a:ea typeface="Calibri" panose="020F0502020204030204" pitchFamily="34" charset="0"/>
+                <a:cs typeface="Courier New" panose="02070309020205020404" pitchFamily="49" charset="0"/>
+              </a:rPr>
+              <a:t>     |  +--:(other)</a:t>
+            </a:r>
+          </a:p>
+          <a:p>
+            <a:pPr marL="0" marR="0">
+              <a:lnSpc>
+                <a:spcPct val="107000"/>
+              </a:lnSpc>
+              <a:spcBef>
+                <a:spcPts val="0"/>
+              </a:spcBef>
+              <a:spcAft>
+                <a:spcPts val="0"/>
+              </a:spcAft>
+            </a:pPr>
+            <a:r>
+              <a:rPr lang="en-US" sz="850" dirty="0">
+                <a:effectLst/>
+                <a:latin typeface="Courier New" panose="02070309020205020404" pitchFamily="49" charset="0"/>
+                <a:ea typeface="Calibri" panose="020F0502020204030204" pitchFamily="34" charset="0"/>
+                <a:cs typeface="Courier New" panose="02070309020205020404" pitchFamily="49" charset="0"/>
+              </a:rPr>
+              <a:t>     |     +--</a:t>
+            </a:r>
+            <a:r>
+              <a:rPr lang="en-US" sz="850" dirty="0" err="1">
+                <a:effectLst/>
+                <a:latin typeface="Courier New" panose="02070309020205020404" pitchFamily="49" charset="0"/>
+                <a:ea typeface="Calibri" panose="020F0502020204030204" pitchFamily="34" charset="0"/>
+                <a:cs typeface="Courier New" panose="02070309020205020404" pitchFamily="49" charset="0"/>
+              </a:rPr>
+              <a:t>rw</a:t>
+            </a:r>
+            <a:r>
+              <a:rPr lang="en-US" sz="850" dirty="0">
+                <a:effectLst/>
+                <a:latin typeface="Courier New" panose="02070309020205020404" pitchFamily="49" charset="0"/>
+                <a:ea typeface="Calibri" panose="020F0502020204030204" pitchFamily="34" charset="0"/>
+                <a:cs typeface="Courier New" panose="02070309020205020404" pitchFamily="49" charset="0"/>
+              </a:rPr>
+              <a:t> other                string</a:t>
+            </a:r>
+          </a:p>
+          <a:p>
+            <a:pPr marL="0" marR="0">
+              <a:lnSpc>
+                <a:spcPct val="107000"/>
+              </a:lnSpc>
+              <a:spcBef>
+                <a:spcPts val="0"/>
+              </a:spcBef>
+              <a:spcAft>
+                <a:spcPts val="0"/>
+              </a:spcAft>
+            </a:pPr>
+            <a:r>
+              <a:rPr lang="en-US" sz="850" dirty="0">
+                <a:effectLst/>
+                <a:latin typeface="Courier New" panose="02070309020205020404" pitchFamily="49" charset="0"/>
+                <a:ea typeface="Calibri" panose="020F0502020204030204" pitchFamily="34" charset="0"/>
+                <a:cs typeface="Courier New" panose="02070309020205020404" pitchFamily="49" charset="0"/>
+              </a:rPr>
+              <a:t>     +--</a:t>
+            </a:r>
+            <a:r>
+              <a:rPr lang="en-US" sz="850" dirty="0" err="1">
+                <a:effectLst/>
+                <a:latin typeface="Courier New" panose="02070309020205020404" pitchFamily="49" charset="0"/>
+                <a:ea typeface="Calibri" panose="020F0502020204030204" pitchFamily="34" charset="0"/>
+                <a:cs typeface="Courier New" panose="02070309020205020404" pitchFamily="49" charset="0"/>
+              </a:rPr>
+              <a:t>rw</a:t>
+            </a:r>
+            <a:r>
+              <a:rPr lang="en-US" sz="850" dirty="0">
+                <a:effectLst/>
+                <a:latin typeface="Courier New" panose="02070309020205020404" pitchFamily="49" charset="0"/>
+                <a:ea typeface="Calibri" panose="020F0502020204030204" pitchFamily="34" charset="0"/>
+                <a:cs typeface="Courier New" panose="02070309020205020404" pitchFamily="49" charset="0"/>
+              </a:rPr>
+              <a:t> annotator</a:t>
+            </a:r>
+          </a:p>
+          <a:p>
+            <a:pPr marL="0" marR="0">
+              <a:lnSpc>
+                <a:spcPct val="107000"/>
+              </a:lnSpc>
+              <a:spcBef>
+                <a:spcPts val="0"/>
+              </a:spcBef>
+              <a:spcAft>
+                <a:spcPts val="0"/>
+              </a:spcAft>
+            </a:pPr>
+            <a:r>
+              <a:rPr lang="en-US" sz="850" dirty="0">
+                <a:effectLst/>
+                <a:latin typeface="Courier New" panose="02070309020205020404" pitchFamily="49" charset="0"/>
+                <a:ea typeface="Calibri" panose="020F0502020204030204" pitchFamily="34" charset="0"/>
+                <a:cs typeface="Courier New" panose="02070309020205020404" pitchFamily="49" charset="0"/>
+              </a:rPr>
+              <a:t>        +--</a:t>
+            </a:r>
+            <a:r>
+              <a:rPr lang="en-US" sz="850" dirty="0" err="1">
+                <a:effectLst/>
+                <a:latin typeface="Courier New" panose="02070309020205020404" pitchFamily="49" charset="0"/>
+                <a:ea typeface="Calibri" panose="020F0502020204030204" pitchFamily="34" charset="0"/>
+                <a:cs typeface="Courier New" panose="02070309020205020404" pitchFamily="49" charset="0"/>
+              </a:rPr>
+              <a:t>rw</a:t>
+            </a:r>
+            <a:r>
+              <a:rPr lang="en-US" sz="850" dirty="0">
+                <a:effectLst/>
+                <a:latin typeface="Courier New" panose="02070309020205020404" pitchFamily="49" charset="0"/>
+                <a:ea typeface="Calibri" panose="020F0502020204030204" pitchFamily="34" charset="0"/>
+                <a:cs typeface="Courier New" panose="02070309020205020404" pitchFamily="49" charset="0"/>
+              </a:rPr>
+              <a:t> (annotator-type)</a:t>
+            </a:r>
+          </a:p>
+          <a:p>
+            <a:pPr marL="0" marR="0">
+              <a:lnSpc>
+                <a:spcPct val="107000"/>
+              </a:lnSpc>
+              <a:spcBef>
+                <a:spcPts val="0"/>
+              </a:spcBef>
+              <a:spcAft>
+                <a:spcPts val="0"/>
+              </a:spcAft>
+            </a:pPr>
+            <a:r>
+              <a:rPr lang="en-US" sz="850" dirty="0">
+                <a:effectLst/>
+                <a:latin typeface="Courier New" panose="02070309020205020404" pitchFamily="49" charset="0"/>
+                <a:ea typeface="Calibri" panose="020F0502020204030204" pitchFamily="34" charset="0"/>
+                <a:cs typeface="Courier New" panose="02070309020205020404" pitchFamily="49" charset="0"/>
+              </a:rPr>
+              <a:t>        |  +--:(human)</a:t>
+            </a:r>
+          </a:p>
+          <a:p>
+            <a:pPr marL="0" marR="0">
+              <a:lnSpc>
+                <a:spcPct val="107000"/>
+              </a:lnSpc>
+              <a:spcBef>
+                <a:spcPts val="0"/>
+              </a:spcBef>
+              <a:spcAft>
+                <a:spcPts val="0"/>
+              </a:spcAft>
+            </a:pPr>
+            <a:r>
+              <a:rPr lang="en-US" sz="850" dirty="0">
+                <a:effectLst/>
+                <a:latin typeface="Courier New" panose="02070309020205020404" pitchFamily="49" charset="0"/>
+                <a:ea typeface="Calibri" panose="020F0502020204030204" pitchFamily="34" charset="0"/>
+                <a:cs typeface="Courier New" panose="02070309020205020404" pitchFamily="49" charset="0"/>
+              </a:rPr>
+              <a:t>        |  |  +--</a:t>
+            </a:r>
+            <a:r>
+              <a:rPr lang="en-US" sz="850" dirty="0" err="1">
+                <a:effectLst/>
+                <a:latin typeface="Courier New" panose="02070309020205020404" pitchFamily="49" charset="0"/>
+                <a:ea typeface="Calibri" panose="020F0502020204030204" pitchFamily="34" charset="0"/>
+                <a:cs typeface="Courier New" panose="02070309020205020404" pitchFamily="49" charset="0"/>
+              </a:rPr>
+              <a:t>rw</a:t>
+            </a:r>
+            <a:r>
+              <a:rPr lang="en-US" sz="850" dirty="0">
+                <a:effectLst/>
+                <a:latin typeface="Courier New" panose="02070309020205020404" pitchFamily="49" charset="0"/>
+                <a:ea typeface="Calibri" panose="020F0502020204030204" pitchFamily="34" charset="0"/>
+                <a:cs typeface="Courier New" panose="02070309020205020404" pitchFamily="49" charset="0"/>
+              </a:rPr>
+              <a:t> human        empty</a:t>
+            </a:r>
+          </a:p>
+          <a:p>
+            <a:pPr marL="0" marR="0">
+              <a:lnSpc>
+                <a:spcPct val="107000"/>
+              </a:lnSpc>
+              <a:spcBef>
+                <a:spcPts val="0"/>
+              </a:spcBef>
+              <a:spcAft>
+                <a:spcPts val="0"/>
+              </a:spcAft>
+            </a:pPr>
+            <a:r>
+              <a:rPr lang="en-US" sz="850" dirty="0">
+                <a:effectLst/>
+                <a:latin typeface="Courier New" panose="02070309020205020404" pitchFamily="49" charset="0"/>
+                <a:ea typeface="Calibri" panose="020F0502020204030204" pitchFamily="34" charset="0"/>
+                <a:cs typeface="Courier New" panose="02070309020205020404" pitchFamily="49" charset="0"/>
+              </a:rPr>
+              <a:t>        |  +--:(algorithm)</a:t>
+            </a:r>
+          </a:p>
+          <a:p>
+            <a:pPr marL="0" marR="0">
+              <a:lnSpc>
+                <a:spcPct val="107000"/>
+              </a:lnSpc>
+              <a:spcBef>
+                <a:spcPts val="0"/>
+              </a:spcBef>
+              <a:spcAft>
+                <a:spcPts val="0"/>
+              </a:spcAft>
+            </a:pPr>
+            <a:r>
+              <a:rPr lang="en-US" sz="850" dirty="0">
+                <a:effectLst/>
+                <a:latin typeface="Courier New" panose="02070309020205020404" pitchFamily="49" charset="0"/>
+                <a:ea typeface="Calibri" panose="020F0502020204030204" pitchFamily="34" charset="0"/>
+                <a:cs typeface="Courier New" panose="02070309020205020404" pitchFamily="49" charset="0"/>
+              </a:rPr>
+              <a:t>        |     +--</a:t>
+            </a:r>
+            <a:r>
+              <a:rPr lang="en-US" sz="850" dirty="0" err="1">
+                <a:effectLst/>
+                <a:latin typeface="Courier New" panose="02070309020205020404" pitchFamily="49" charset="0"/>
+                <a:ea typeface="Calibri" panose="020F0502020204030204" pitchFamily="34" charset="0"/>
+                <a:cs typeface="Courier New" panose="02070309020205020404" pitchFamily="49" charset="0"/>
+              </a:rPr>
+              <a:t>rw</a:t>
+            </a:r>
+            <a:r>
+              <a:rPr lang="en-US" sz="850" dirty="0">
+                <a:effectLst/>
+                <a:latin typeface="Courier New" panose="02070309020205020404" pitchFamily="49" charset="0"/>
+                <a:ea typeface="Calibri" panose="020F0502020204030204" pitchFamily="34" charset="0"/>
+                <a:cs typeface="Courier New" panose="02070309020205020404" pitchFamily="49" charset="0"/>
+              </a:rPr>
+              <a:t> algorithm    empty</a:t>
+            </a:r>
+          </a:p>
+          <a:p>
+            <a:pPr marL="0" marR="0">
+              <a:lnSpc>
+                <a:spcPct val="107000"/>
+              </a:lnSpc>
+              <a:spcBef>
+                <a:spcPts val="0"/>
+              </a:spcBef>
+              <a:spcAft>
+                <a:spcPts val="0"/>
+              </a:spcAft>
+            </a:pPr>
+            <a:r>
+              <a:rPr lang="en-US" sz="850" dirty="0">
+                <a:effectLst/>
+                <a:latin typeface="Courier New" panose="02070309020205020404" pitchFamily="49" charset="0"/>
+                <a:ea typeface="Calibri" panose="020F0502020204030204" pitchFamily="34" charset="0"/>
+                <a:cs typeface="Courier New" panose="02070309020205020404" pitchFamily="49" charset="0"/>
+              </a:rPr>
+              <a:t>        +--</a:t>
+            </a:r>
+            <a:r>
+              <a:rPr lang="en-US" sz="850" dirty="0" err="1">
+                <a:effectLst/>
+                <a:latin typeface="Courier New" panose="02070309020205020404" pitchFamily="49" charset="0"/>
+                <a:ea typeface="Calibri" panose="020F0502020204030204" pitchFamily="34" charset="0"/>
+                <a:cs typeface="Courier New" panose="02070309020205020404" pitchFamily="49" charset="0"/>
+              </a:rPr>
+              <a:t>rw</a:t>
+            </a:r>
+            <a:r>
+              <a:rPr lang="en-US" sz="850" dirty="0">
+                <a:effectLst/>
+                <a:latin typeface="Courier New" panose="02070309020205020404" pitchFamily="49" charset="0"/>
+                <a:ea typeface="Calibri" panose="020F0502020204030204" pitchFamily="34" charset="0"/>
+                <a:cs typeface="Courier New" panose="02070309020205020404" pitchFamily="49" charset="0"/>
+              </a:rPr>
+              <a:t> name?              string</a:t>
+            </a:r>
           </a:p>
         </p:txBody>
       </p:sp>
@@ -14045,26 +15718,29 @@
                   <a:srgbClr val="FF0000"/>
                 </a:solidFill>
               </a:rPr>
-              <a:t>ID and Description</a:t>
+              <a:t>Symptom ID and description </a:t>
             </a:r>
             <a:r>
               <a:rPr lang="en-US" sz="2000" dirty="0"/>
-              <a:t> uniquely identifies the detected anomaly.</a:t>
-            </a:r>
-          </a:p>
-          <a:p>
+              <a:t>uniquely identifies the detected anomaly. </a:t>
+            </a:r>
             <a:r>
               <a:rPr lang="en-US" sz="2000" b="1" dirty="0">
                 <a:solidFill>
                   <a:srgbClr val="FF0000"/>
                 </a:solidFill>
               </a:rPr>
-              <a:t>Author Name, Type, Version and Algo-Version </a:t>
+              <a:t>Event ID, start/end-time and confidence/concern-score </a:t>
             </a:r>
             <a:r>
               <a:rPr lang="en-US" sz="2000" dirty="0"/>
-              <a:t>describes wherever the anomaly was detected by a human or algorithm and uniquely identifies the system and version who/which detected. </a:t>
-            </a:r>
+              <a:t>uniquely identifies the network event with its start and end time, how confident the system identified the anomaly and how concerned an operator should be.</a:t>
+            </a:r>
+            <a:endParaRPr lang="en-US" sz="2000" b="1" dirty="0">
+              <a:solidFill>
+                <a:srgbClr val="FF0000"/>
+              </a:solidFill>
+            </a:endParaRPr>
           </a:p>
           <a:p>
             <a:r>
@@ -14073,11 +15749,11 @@
                   <a:srgbClr val="FF0000"/>
                 </a:solidFill>
               </a:rPr>
-              <a:t>State </a:t>
+              <a:t>Tags </a:t>
             </a:r>
             <a:r>
               <a:rPr lang="en-US" sz="2000" dirty="0"/>
-              <a:t>describes the state of the anomaly (selected among the states defined in the state machine).</a:t>
+              <a:t>allows to add customer information.</a:t>
             </a:r>
           </a:p>
           <a:p>
@@ -14087,19 +15763,25 @@
                   <a:srgbClr val="FF0000"/>
                 </a:solidFill>
               </a:rPr>
-              <a:t>Symptoms </a:t>
+              <a:t>Pattern </a:t>
             </a:r>
             <a:r>
               <a:rPr lang="en-US" sz="2000" dirty="0"/>
-              <a:t>describes the identified symptoms defined in </a:t>
-            </a:r>
-            <a:r>
-              <a:rPr lang="en-US" sz="2000" dirty="0" err="1"/>
-              <a:t>ietf</a:t>
+              <a:t>describes the identified pattern of the anomaly. </a:t>
+            </a:r>
+          </a:p>
+          <a:p>
+            <a:r>
+              <a:rPr lang="en-US" sz="2000" b="1" dirty="0">
+                <a:solidFill>
+                  <a:srgbClr val="FF0000"/>
+                </a:solidFill>
+              </a:rPr>
+              <a:t>Annotator Name, Type, </a:t>
             </a:r>
             <a:r>
               <a:rPr lang="en-US" sz="2000" dirty="0"/>
-              <a:t>-symptom-semantic-metadata. </a:t>
+              <a:t>describes wherever the anomaly was detected by a human or algorithm and uniquely identifies the system who/which detected.</a:t>
             </a:r>
           </a:p>
           <a:p>
@@ -14121,8 +15803,8 @@
         </p:nvSpPr>
         <p:spPr>
           <a:xfrm>
-            <a:off x="806550" y="1929384"/>
-            <a:ext cx="4182687" cy="317743"/>
+            <a:off x="806550" y="1791478"/>
+            <a:ext cx="4182687" cy="964841"/>
           </a:xfrm>
           <a:prstGeom prst="rect">
             <a:avLst/>
@@ -14347,8 +16029,8 @@
         </p:nvSpPr>
         <p:spPr>
           <a:xfrm>
-            <a:off x="806548" y="2262433"/>
-            <a:ext cx="4182687" cy="614526"/>
+            <a:off x="806548" y="2756320"/>
+            <a:ext cx="4182687" cy="455649"/>
           </a:xfrm>
           <a:prstGeom prst="rect">
             <a:avLst/>
@@ -14405,8 +16087,8 @@
         </p:nvCxnSpPr>
         <p:spPr>
           <a:xfrm>
-            <a:off x="4997487" y="2439221"/>
-            <a:ext cx="1237428" cy="303785"/>
+            <a:off x="5030740" y="2970860"/>
+            <a:ext cx="1204175" cy="1199924"/>
           </a:xfrm>
           <a:prstGeom prst="line">
             <a:avLst/>
@@ -14446,8 +16128,8 @@
         </p:nvSpPr>
         <p:spPr>
           <a:xfrm>
-            <a:off x="806547" y="2901440"/>
-            <a:ext cx="4182687" cy="146560"/>
+            <a:off x="806547" y="3211970"/>
+            <a:ext cx="4182687" cy="1756218"/>
           </a:xfrm>
           <a:prstGeom prst="rect">
             <a:avLst/>
@@ -14502,8 +16184,8 @@
         </p:nvSpPr>
         <p:spPr>
           <a:xfrm>
-            <a:off x="806547" y="3070689"/>
-            <a:ext cx="4182687" cy="317060"/>
+            <a:off x="814800" y="4963594"/>
+            <a:ext cx="4182687" cy="1007441"/>
           </a:xfrm>
           <a:prstGeom prst="rect">
             <a:avLst/>
@@ -14555,13 +16237,14 @@
           </p:cNvPr>
           <p:cNvCxnSpPr>
             <a:cxnSpLocks/>
+            <a:stCxn id="25" idx="3"/>
           </p:cNvCxnSpPr>
           <p:nvPr/>
         </p:nvCxnSpPr>
         <p:spPr>
-          <a:xfrm>
-            <a:off x="4997487" y="3325091"/>
-            <a:ext cx="1237428" cy="1285783"/>
+          <a:xfrm flipV="1">
+            <a:off x="4997487" y="5212260"/>
+            <a:ext cx="1237428" cy="255055"/>
           </a:xfrm>
           <a:prstGeom prst="line">
             <a:avLst/>
@@ -14598,13 +16281,14 @@
           </p:cNvPr>
           <p:cNvCxnSpPr>
             <a:cxnSpLocks/>
+            <a:stCxn id="24" idx="3"/>
           </p:cNvCxnSpPr>
           <p:nvPr/>
         </p:nvCxnSpPr>
         <p:spPr>
           <a:xfrm>
-            <a:off x="4997487" y="2981702"/>
-            <a:ext cx="1237428" cy="1249476"/>
+            <a:off x="4989234" y="4090079"/>
+            <a:ext cx="1245681" cy="471452"/>
           </a:xfrm>
           <a:prstGeom prst="line">
             <a:avLst/>
@@ -14780,23 +16464,41 @@
             </a:pPr>
             <a:r>
               <a:rPr lang="en-US" sz="1700" dirty="0"/>
-              <a:t>Referred to draft-</a:t>
-            </a:r>
-            <a:r>
-              <a:rPr lang="en-US" sz="1700" dirty="0" err="1"/>
+              <a:t>Referred to </a:t>
+            </a:r>
+            <a:r>
+              <a:rPr lang="en-US" sz="1700" dirty="0">
+                <a:hlinkClick r:id="rId2"/>
+              </a:rPr>
+              <a:t>draft-</a:t>
+            </a:r>
+            <a:r>
+              <a:rPr lang="en-US" sz="1700" dirty="0" err="1">
+                <a:hlinkClick r:id="rId2"/>
+              </a:rPr>
               <a:t>netana</a:t>
             </a:r>
             <a:r>
+              <a:rPr lang="en-US" sz="1700" dirty="0">
+                <a:hlinkClick r:id="rId2"/>
+              </a:rPr>
+              <a:t>-</a:t>
+            </a:r>
+            <a:r>
+              <a:rPr lang="en-US" sz="1700" dirty="0" err="1">
+                <a:hlinkClick r:id="rId2"/>
+              </a:rPr>
+              <a:t>nmop</a:t>
+            </a:r>
+            <a:r>
+              <a:rPr lang="en-US" sz="1700" dirty="0">
+                <a:hlinkClick r:id="rId2"/>
+              </a:rPr>
+              <a:t>-network-anomaly-architecture</a:t>
+            </a:r>
+            <a:r>
               <a:rPr lang="en-US" sz="1700" dirty="0"/>
-              <a:t>-</a:t>
-            </a:r>
-            <a:r>
-              <a:rPr lang="en-US" sz="1700" dirty="0" err="1"/>
-              <a:t>nmop</a:t>
-            </a:r>
-            <a:r>
-              <a:rPr lang="en-US" sz="1700" dirty="0"/>
-              <a:t>-network-anomaly-architecture as the main document for the architecture</a:t>
+              <a:t> as the main document for the architecture</a:t>
             </a:r>
           </a:p>
           <a:p>
@@ -14824,40 +16526,73 @@
             </a:pPr>
             <a:r>
               <a:rPr lang="en-US" sz="1700" dirty="0"/>
-              <a:t>Added/updated terminology section with references to draft-</a:t>
-            </a:r>
-            <a:r>
-              <a:rPr lang="en-US" sz="1700" dirty="0" err="1"/>
+              <a:t>Added/updated terminology section with references to </a:t>
+            </a:r>
+            <a:r>
+              <a:rPr lang="en-US" sz="1700" dirty="0">
+                <a:hlinkClick r:id="rId3"/>
+              </a:rPr>
+              <a:t>draft-</a:t>
+            </a:r>
+            <a:r>
+              <a:rPr lang="en-US" sz="1700" dirty="0" err="1">
+                <a:hlinkClick r:id="rId3"/>
+              </a:rPr>
               <a:t>ietf</a:t>
             </a:r>
             <a:r>
+              <a:rPr lang="en-US" sz="1700" dirty="0">
+                <a:hlinkClick r:id="rId3"/>
+              </a:rPr>
+              <a:t>-</a:t>
+            </a:r>
+            <a:r>
+              <a:rPr lang="en-US" sz="1700" dirty="0" err="1">
+                <a:hlinkClick r:id="rId3"/>
+              </a:rPr>
+              <a:t>nmop</a:t>
+            </a:r>
+            <a:r>
+              <a:rPr lang="en-US" sz="1700" dirty="0">
+                <a:hlinkClick r:id="rId3"/>
+              </a:rPr>
+              <a:t>-terminology</a:t>
+            </a:r>
+            <a:r>
               <a:rPr lang="en-US" sz="1700" dirty="0"/>
+              <a:t> and </a:t>
+            </a:r>
+            <a:r>
+              <a:rPr lang="en-US" sz="1700" dirty="0">
+                <a:hlinkClick r:id="rId2"/>
+              </a:rPr>
+              <a:t>draft-</a:t>
+            </a:r>
+            <a:r>
+              <a:rPr lang="en-US" sz="1700" dirty="0" err="1">
+                <a:hlinkClick r:id="rId2"/>
+              </a:rPr>
+              <a:t>netana</a:t>
+            </a:r>
+            <a:r>
+              <a:rPr lang="en-US" sz="1700" dirty="0">
+                <a:hlinkClick r:id="rId2"/>
+              </a:rPr>
               <a:t>-</a:t>
             </a:r>
             <a:r>
-              <a:rPr lang="en-US" sz="1700" dirty="0" err="1"/>
+              <a:rPr lang="en-US" sz="1700" dirty="0" err="1">
+                <a:hlinkClick r:id="rId2"/>
+              </a:rPr>
               <a:t>nmop</a:t>
             </a:r>
             <a:r>
-              <a:rPr lang="en-US" sz="1700" dirty="0"/>
-              <a:t>-terminology and draft-</a:t>
-            </a:r>
-            <a:r>
-              <a:rPr lang="en-US" sz="1700" dirty="0" err="1"/>
-              <a:t>netana</a:t>
-            </a:r>
-            <a:r>
-              <a:rPr lang="en-US" sz="1700" dirty="0"/>
-              <a:t>-</a:t>
-            </a:r>
-            <a:r>
-              <a:rPr lang="en-US" sz="1700" dirty="0" err="1"/>
-              <a:t>nmop</a:t>
-            </a:r>
-            <a:r>
-              <a:rPr lang="en-US" sz="1700" dirty="0"/>
+              <a:rPr lang="en-US" sz="1700" dirty="0">
+                <a:hlinkClick r:id="rId2"/>
+              </a:rPr>
               <a:t>-network-anomaly-architecture</a:t>
             </a:r>
+            <a:endParaRPr lang="en-US" sz="1700" dirty="0"/>
           </a:p>
           <a:p>
             <a:pPr marR="0">
@@ -14870,24 +16605,39 @@
             </a:pPr>
             <a:r>
               <a:rPr lang="en-US" sz="1700" dirty="0"/>
-              <a:t>Moved data mesh and outlier detection section to draft-</a:t>
-            </a:r>
-            <a:r>
-              <a:rPr lang="en-US" sz="1700" dirty="0" err="1"/>
+              <a:t>Moved data mesh and outlier detection section to </a:t>
+            </a:r>
+            <a:r>
+              <a:rPr lang="en-US" sz="1700" dirty="0">
+                <a:hlinkClick r:id="rId2"/>
+              </a:rPr>
+              <a:t>draft-</a:t>
+            </a:r>
+            <a:r>
+              <a:rPr lang="en-US" sz="1700" dirty="0" err="1">
+                <a:hlinkClick r:id="rId2"/>
+              </a:rPr>
               <a:t>netana</a:t>
             </a:r>
             <a:r>
-              <a:rPr lang="en-US" sz="1700" dirty="0"/>
+              <a:rPr lang="en-US" sz="1700" dirty="0">
+                <a:hlinkClick r:id="rId2"/>
+              </a:rPr>
               <a:t>-</a:t>
             </a:r>
             <a:r>
-              <a:rPr lang="en-US" sz="1700" dirty="0" err="1"/>
+              <a:rPr lang="en-US" sz="1700" dirty="0" err="1">
+                <a:hlinkClick r:id="rId2"/>
+              </a:rPr>
               <a:t>nmop</a:t>
             </a:r>
             <a:r>
-              <a:rPr lang="en-US" sz="1700" dirty="0"/>
+              <a:rPr lang="en-US" sz="1700" dirty="0">
+                <a:hlinkClick r:id="rId2"/>
+              </a:rPr>
               <a:t>-network-anomaly-architecture</a:t>
             </a:r>
+            <a:endParaRPr lang="en-US" sz="1700" dirty="0"/>
           </a:p>
           <a:p>
             <a:pPr marL="0" indent="0">
@@ -14912,7 +16662,24 @@
                   <a:srgbClr val="FF0000"/>
                 </a:solidFill>
               </a:rPr>
-              <a:t>Request adoption for all 3 documents starting with draft-netana-nmop-network-anomaly-architecture-00.</a:t>
+              <a:t>Request adoption for all 3 documents starting with </a:t>
+            </a:r>
+            <a:r>
+              <a:rPr lang="en-US" sz="1700" b="1" dirty="0">
+                <a:solidFill>
+                  <a:srgbClr val="FF0000"/>
+                </a:solidFill>
+                <a:hlinkClick r:id="rId4"/>
+              </a:rPr>
+              <a:t>draft-netana-nmop-network-anomaly-architecture-00</a:t>
+            </a:r>
+            <a:r>
+              <a:rPr lang="en-US" sz="1700" b="1" dirty="0">
+                <a:solidFill>
+                  <a:srgbClr val="FF0000"/>
+                </a:solidFill>
+              </a:rPr>
+              <a:t>.</a:t>
             </a:r>
           </a:p>
           <a:p>
@@ -14965,7 +16732,7 @@
           <p:nvPr/>
         </p:nvPicPr>
         <p:blipFill>
-          <a:blip r:embed="rId2"/>
+          <a:blip r:embed="rId5"/>
           <a:stretch>
             <a:fillRect/>
           </a:stretch>

--- a/120/NMOP/draft-netana-nmop-network-anomaly-architecture-semantics-lifecycle.pptx
+++ b/120/NMOP/draft-netana-nmop-network-anomaly-architecture-semantics-lifecycle.pptx
@@ -5,7 +5,7 @@
     <p:sldMasterId id="2147483648" r:id="rId1"/>
   </p:sldMasterIdLst>
   <p:notesMasterIdLst>
-    <p:notesMasterId r:id="rId15"/>
+    <p:notesMasterId r:id="rId16"/>
   </p:notesMasterIdLst>
   <p:sldIdLst>
     <p:sldId id="1041" r:id="rId2"/>
@@ -14,13 +14,14 @@
     <p:sldId id="2145706226" r:id="rId5"/>
     <p:sldId id="2145706261" r:id="rId6"/>
     <p:sldId id="2145706258" r:id="rId7"/>
-    <p:sldId id="2145706239" r:id="rId8"/>
-    <p:sldId id="2145706240" r:id="rId9"/>
-    <p:sldId id="2145706242" r:id="rId10"/>
-    <p:sldId id="279" r:id="rId11"/>
-    <p:sldId id="1064" r:id="rId12"/>
-    <p:sldId id="1070" r:id="rId13"/>
-    <p:sldId id="2145706234" r:id="rId14"/>
+    <p:sldId id="2145706240" r:id="rId8"/>
+    <p:sldId id="263" r:id="rId9"/>
+    <p:sldId id="264" r:id="rId10"/>
+    <p:sldId id="2145706262" r:id="rId11"/>
+    <p:sldId id="2145706282" r:id="rId12"/>
+    <p:sldId id="2145706283" r:id="rId13"/>
+    <p:sldId id="2145706242" r:id="rId14"/>
+    <p:sldId id="2145706234" r:id="rId15"/>
   </p:sldIdLst>
   <p:sldSz cx="12192000" cy="6858000"/>
   <p:notesSz cx="6858000" cy="9144000"/>
@@ -130,7 +131,7 @@
 <file path=ppt/revisionInfo.xml><?xml version="1.0" encoding="utf-8"?>
 <p1510:revInfo xmlns:a="http://schemas.openxmlformats.org/drawingml/2006/main" xmlns:r="http://schemas.openxmlformats.org/officeDocument/2006/relationships" xmlns:p1510="http://schemas.microsoft.com/office/powerpoint/2015/10/main">
   <p1510:revLst>
-    <p1510:client id="{0EC2C4AF-B001-4E93-8F3B-E0791B647571}" v="21" dt="2024-07-12T11:44:28.293"/>
+    <p1510:client id="{D5F81756-EA00-4B65-9234-A0FB2F3D032D}" v="8" dt="2024-07-13T15:47:32.435"/>
   </p1510:revLst>
 </p1510:revInfo>
 </file>
@@ -138,623 +139,43 @@
 <file path=ppt/changesInfos/changesInfo1.xml><?xml version="1.0" encoding="utf-8"?>
 <pc:chgInfo xmlns:a="http://schemas.openxmlformats.org/drawingml/2006/main" xmlns:r="http://schemas.openxmlformats.org/officeDocument/2006/relationships" xmlns:ac="http://schemas.microsoft.com/office/drawing/2013/main/command" xmlns:pc="http://schemas.microsoft.com/office/powerpoint/2013/main/command">
   <pc:docChgLst>
-    <pc:chgData name="Graf Thomas, INI-NET-VNC-HCS" userId="487bc3e3-9ce7-4cdd-b7b4-8899ea88d289" providerId="ADAL" clId="{0EC2C4AF-B001-4E93-8F3B-E0791B647571}"/>
-    <pc:docChg chg="undo custSel addSld delSld modSld sldOrd">
-      <pc:chgData name="Graf Thomas, INI-NET-VNC-HCS" userId="487bc3e3-9ce7-4cdd-b7b4-8899ea88d289" providerId="ADAL" clId="{0EC2C4AF-B001-4E93-8F3B-E0791B647571}" dt="2024-07-12T11:54:14.269" v="1754" actId="20577"/>
+    <pc:chgData name="Graf Thomas, INI-NET-VNC-HCS" userId="487bc3e3-9ce7-4cdd-b7b4-8899ea88d289" providerId="ADAL" clId="{D5F81756-EA00-4B65-9234-A0FB2F3D032D}"/>
+    <pc:docChg chg="undo custSel addSld delSld modSld sldOrd delMainMaster">
+      <pc:chgData name="Graf Thomas, INI-NET-VNC-HCS" userId="487bc3e3-9ce7-4cdd-b7b4-8899ea88d289" providerId="ADAL" clId="{D5F81756-EA00-4B65-9234-A0FB2F3D032D}" dt="2024-07-13T16:11:15.469" v="599" actId="20577"/>
       <pc:docMkLst>
         <pc:docMk/>
       </pc:docMkLst>
-      <pc:sldChg chg="add">
-        <pc:chgData name="Graf Thomas, INI-NET-VNC-HCS" userId="487bc3e3-9ce7-4cdd-b7b4-8899ea88d289" providerId="ADAL" clId="{0EC2C4AF-B001-4E93-8F3B-E0791B647571}" dt="2024-07-12T11:44:28.283" v="1751"/>
+      <pc:sldChg chg="modSp del mod">
+        <pc:chgData name="Graf Thomas, INI-NET-VNC-HCS" userId="487bc3e3-9ce7-4cdd-b7b4-8899ea88d289" providerId="ADAL" clId="{D5F81756-EA00-4B65-9234-A0FB2F3D032D}" dt="2024-07-13T15:46:30.021" v="77" actId="47"/>
         <pc:sldMkLst>
           <pc:docMk/>
-          <pc:sldMk cId="3284505603" sldId="279"/>
+          <pc:sldMk cId="692774623" sldId="952"/>
         </pc:sldMkLst>
+        <pc:spChg chg="mod">
+          <ac:chgData name="Graf Thomas, INI-NET-VNC-HCS" userId="487bc3e3-9ce7-4cdd-b7b4-8899ea88d289" providerId="ADAL" clId="{D5F81756-EA00-4B65-9234-A0FB2F3D032D}" dt="2024-07-13T15:41:55.414" v="59" actId="20577"/>
+          <ac:spMkLst>
+            <pc:docMk/>
+            <pc:sldMk cId="692774623" sldId="952"/>
+            <ac:spMk id="5" creationId="{AE0C8B0E-A4DE-0F83-CE09-A20D71FC3655}"/>
+          </ac:spMkLst>
+        </pc:spChg>
+        <pc:spChg chg="mod">
+          <ac:chgData name="Graf Thomas, INI-NET-VNC-HCS" userId="487bc3e3-9ce7-4cdd-b7b4-8899ea88d289" providerId="ADAL" clId="{D5F81756-EA00-4B65-9234-A0FB2F3D032D}" dt="2024-07-13T15:39:04.108" v="2" actId="20577"/>
+          <ac:spMkLst>
+            <pc:docMk/>
+            <pc:sldMk cId="692774623" sldId="952"/>
+            <ac:spMk id="25" creationId="{6DC81F34-7EA9-C84D-D7BC-2F5514AC4CE4}"/>
+          </ac:spMkLst>
+        </pc:spChg>
       </pc:sldChg>
       <pc:sldChg chg="modSp mod">
-        <pc:chgData name="Graf Thomas, INI-NET-VNC-HCS" userId="487bc3e3-9ce7-4cdd-b7b4-8899ea88d289" providerId="ADAL" clId="{0EC2C4AF-B001-4E93-8F3B-E0791B647571}" dt="2024-07-12T11:54:14.269" v="1754" actId="20577"/>
+        <pc:chgData name="Graf Thomas, INI-NET-VNC-HCS" userId="487bc3e3-9ce7-4cdd-b7b4-8899ea88d289" providerId="ADAL" clId="{D5F81756-EA00-4B65-9234-A0FB2F3D032D}" dt="2024-07-13T16:11:15.469" v="599" actId="20577"/>
         <pc:sldMkLst>
           <pc:docMk/>
           <pc:sldMk cId="3578665336" sldId="1041"/>
         </pc:sldMkLst>
         <pc:spChg chg="mod">
-          <ac:chgData name="Graf Thomas, INI-NET-VNC-HCS" userId="487bc3e3-9ce7-4cdd-b7b4-8899ea88d289" providerId="ADAL" clId="{0EC2C4AF-B001-4E93-8F3B-E0791B647571}" dt="2024-07-09T06:49:10.113" v="13" actId="20577"/>
-          <ac:spMkLst>
-            <pc:docMk/>
-            <pc:sldMk cId="3578665336" sldId="1041"/>
-            <ac:spMk id="5" creationId="{C26208B2-0D10-4C23-B2DE-372A62E98644}"/>
-          </ac:spMkLst>
-        </pc:spChg>
-        <pc:spChg chg="mod">
-          <ac:chgData name="Graf Thomas, INI-NET-VNC-HCS" userId="487bc3e3-9ce7-4cdd-b7b4-8899ea88d289" providerId="ADAL" clId="{0EC2C4AF-B001-4E93-8F3B-E0791B647571}" dt="2024-07-12T11:54:14.269" v="1754" actId="20577"/>
-          <ac:spMkLst>
-            <pc:docMk/>
-            <pc:sldMk cId="3578665336" sldId="1041"/>
-            <ac:spMk id="6" creationId="{6CAA0765-1318-4A03-8F91-D3ECC43D8FA7}"/>
-          </ac:spMkLst>
-        </pc:spChg>
-      </pc:sldChg>
-      <pc:sldChg chg="add">
-        <pc:chgData name="Graf Thomas, INI-NET-VNC-HCS" userId="487bc3e3-9ce7-4cdd-b7b4-8899ea88d289" providerId="ADAL" clId="{0EC2C4AF-B001-4E93-8F3B-E0791B647571}" dt="2024-07-12T11:44:28.283" v="1751"/>
-        <pc:sldMkLst>
-          <pc:docMk/>
-          <pc:sldMk cId="1988495658" sldId="1064"/>
-        </pc:sldMkLst>
-      </pc:sldChg>
-      <pc:sldChg chg="add del">
-        <pc:chgData name="Graf Thomas, INI-NET-VNC-HCS" userId="487bc3e3-9ce7-4cdd-b7b4-8899ea88d289" providerId="ADAL" clId="{0EC2C4AF-B001-4E93-8F3B-E0791B647571}" dt="2024-07-12T11:44:58.032" v="1752" actId="47"/>
-        <pc:sldMkLst>
-          <pc:docMk/>
-          <pc:sldMk cId="3187198366" sldId="1066"/>
-        </pc:sldMkLst>
-      </pc:sldChg>
-      <pc:sldChg chg="add del">
-        <pc:chgData name="Graf Thomas, INI-NET-VNC-HCS" userId="487bc3e3-9ce7-4cdd-b7b4-8899ea88d289" providerId="ADAL" clId="{0EC2C4AF-B001-4E93-8F3B-E0791B647571}" dt="2024-07-12T11:44:58.032" v="1752" actId="47"/>
-        <pc:sldMkLst>
-          <pc:docMk/>
-          <pc:sldMk cId="430891808" sldId="1069"/>
-        </pc:sldMkLst>
-      </pc:sldChg>
-      <pc:sldChg chg="add">
-        <pc:chgData name="Graf Thomas, INI-NET-VNC-HCS" userId="487bc3e3-9ce7-4cdd-b7b4-8899ea88d289" providerId="ADAL" clId="{0EC2C4AF-B001-4E93-8F3B-E0791B647571}" dt="2024-07-12T11:44:28.283" v="1751"/>
-        <pc:sldMkLst>
-          <pc:docMk/>
-          <pc:sldMk cId="3433436125" sldId="1070"/>
-        </pc:sldMkLst>
-      </pc:sldChg>
-      <pc:sldChg chg="del">
-        <pc:chgData name="Graf Thomas, INI-NET-VNC-HCS" userId="487bc3e3-9ce7-4cdd-b7b4-8899ea88d289" providerId="ADAL" clId="{0EC2C4AF-B001-4E93-8F3B-E0791B647571}" dt="2024-07-09T06:54:49.414" v="41" actId="47"/>
-        <pc:sldMkLst>
-          <pc:docMk/>
-          <pc:sldMk cId="3264932988" sldId="26418"/>
-        </pc:sldMkLst>
-      </pc:sldChg>
-      <pc:sldChg chg="del ord">
-        <pc:chgData name="Graf Thomas, INI-NET-VNC-HCS" userId="487bc3e3-9ce7-4cdd-b7b4-8899ea88d289" providerId="ADAL" clId="{0EC2C4AF-B001-4E93-8F3B-E0791B647571}" dt="2024-07-09T07:35:59.459" v="1184" actId="47"/>
-        <pc:sldMkLst>
-          <pc:docMk/>
-          <pc:sldMk cId="1088069469" sldId="26422"/>
-        </pc:sldMkLst>
-      </pc:sldChg>
-      <pc:sldChg chg="modSp add del mod">
-        <pc:chgData name="Graf Thomas, INI-NET-VNC-HCS" userId="487bc3e3-9ce7-4cdd-b7b4-8899ea88d289" providerId="ADAL" clId="{0EC2C4AF-B001-4E93-8F3B-E0791B647571}" dt="2024-07-09T06:56:18.741" v="43" actId="47"/>
-        <pc:sldMkLst>
-          <pc:docMk/>
-          <pc:sldMk cId="3241116723" sldId="2145706200"/>
-        </pc:sldMkLst>
-        <pc:spChg chg="mod">
-          <ac:chgData name="Graf Thomas, INI-NET-VNC-HCS" userId="487bc3e3-9ce7-4cdd-b7b4-8899ea88d289" providerId="ADAL" clId="{0EC2C4AF-B001-4E93-8F3B-E0791B647571}" dt="2024-07-09T06:52:45.842" v="38" actId="27636"/>
-          <ac:spMkLst>
-            <pc:docMk/>
-            <pc:sldMk cId="3241116723" sldId="2145706200"/>
-            <ac:spMk id="5" creationId="{8CAEE21E-0CF2-4355-A68A-655C5FDE8F93}"/>
-          </ac:spMkLst>
-        </pc:spChg>
-      </pc:sldChg>
-      <pc:sldChg chg="del">
-        <pc:chgData name="Graf Thomas, INI-NET-VNC-HCS" userId="487bc3e3-9ce7-4cdd-b7b4-8899ea88d289" providerId="ADAL" clId="{0EC2C4AF-B001-4E93-8F3B-E0791B647571}" dt="2024-07-09T06:54:49.414" v="41" actId="47"/>
-        <pc:sldMkLst>
-          <pc:docMk/>
-          <pc:sldMk cId="670772560" sldId="2145706220"/>
-        </pc:sldMkLst>
-      </pc:sldChg>
-      <pc:sldChg chg="addSp modSp add del mod">
-        <pc:chgData name="Graf Thomas, INI-NET-VNC-HCS" userId="487bc3e3-9ce7-4cdd-b7b4-8899ea88d289" providerId="ADAL" clId="{0EC2C4AF-B001-4E93-8F3B-E0791B647571}" dt="2024-07-09T07:05:38.285" v="140" actId="1038"/>
-        <pc:sldMkLst>
-          <pc:docMk/>
-          <pc:sldMk cId="1081037514" sldId="2145706225"/>
-        </pc:sldMkLst>
-        <pc:spChg chg="add mod">
-          <ac:chgData name="Graf Thomas, INI-NET-VNC-HCS" userId="487bc3e3-9ce7-4cdd-b7b4-8899ea88d289" providerId="ADAL" clId="{0EC2C4AF-B001-4E93-8F3B-E0791B647571}" dt="2024-07-09T07:05:38.285" v="140" actId="1038"/>
-          <ac:spMkLst>
-            <pc:docMk/>
-            <pc:sldMk cId="1081037514" sldId="2145706225"/>
-            <ac:spMk id="5" creationId="{66A4E115-1F77-20A8-3DA1-68ED2196E5C6}"/>
-          </ac:spMkLst>
-        </pc:spChg>
-        <pc:spChg chg="mod">
-          <ac:chgData name="Graf Thomas, INI-NET-VNC-HCS" userId="487bc3e3-9ce7-4cdd-b7b4-8899ea88d289" providerId="ADAL" clId="{0EC2C4AF-B001-4E93-8F3B-E0791B647571}" dt="2024-07-09T07:05:00.199" v="104" actId="1036"/>
-          <ac:spMkLst>
-            <pc:docMk/>
-            <pc:sldMk cId="1081037514" sldId="2145706225"/>
-            <ac:spMk id="39" creationId="{E2C5DAC4-E571-363C-E57D-8F3EA7B6E611}"/>
-          </ac:spMkLst>
-        </pc:spChg>
-        <pc:spChg chg="mod">
-          <ac:chgData name="Graf Thomas, INI-NET-VNC-HCS" userId="487bc3e3-9ce7-4cdd-b7b4-8899ea88d289" providerId="ADAL" clId="{0EC2C4AF-B001-4E93-8F3B-E0791B647571}" dt="2024-07-09T07:05:27.612" v="119" actId="1035"/>
-          <ac:spMkLst>
-            <pc:docMk/>
-            <pc:sldMk cId="1081037514" sldId="2145706225"/>
-            <ac:spMk id="50" creationId="{E6F4D9EF-7813-54D5-B0A7-BB6DFF65B9B1}"/>
-          </ac:spMkLst>
-        </pc:spChg>
-        <pc:grpChg chg="mod">
-          <ac:chgData name="Graf Thomas, INI-NET-VNC-HCS" userId="487bc3e3-9ce7-4cdd-b7b4-8899ea88d289" providerId="ADAL" clId="{0EC2C4AF-B001-4E93-8F3B-E0791B647571}" dt="2024-07-09T07:05:27.612" v="119" actId="1035"/>
-          <ac:grpSpMkLst>
-            <pc:docMk/>
-            <pc:sldMk cId="1081037514" sldId="2145706225"/>
-            <ac:grpSpMk id="2" creationId="{593A3D2C-AF3C-4647-1B02-6C5086C62287}"/>
-          </ac:grpSpMkLst>
-        </pc:grpChg>
-        <pc:picChg chg="mod">
-          <ac:chgData name="Graf Thomas, INI-NET-VNC-HCS" userId="487bc3e3-9ce7-4cdd-b7b4-8899ea88d289" providerId="ADAL" clId="{0EC2C4AF-B001-4E93-8F3B-E0791B647571}" dt="2024-07-09T07:05:27.612" v="119" actId="1035"/>
-          <ac:picMkLst>
-            <pc:docMk/>
-            <pc:sldMk cId="1081037514" sldId="2145706225"/>
-            <ac:picMk id="32" creationId="{C770A491-1DB5-77FC-712B-35F7A47E2F99}"/>
-          </ac:picMkLst>
-        </pc:picChg>
-        <pc:cxnChg chg="mod">
-          <ac:chgData name="Graf Thomas, INI-NET-VNC-HCS" userId="487bc3e3-9ce7-4cdd-b7b4-8899ea88d289" providerId="ADAL" clId="{0EC2C4AF-B001-4E93-8F3B-E0791B647571}" dt="2024-07-09T07:05:00.199" v="104" actId="1036"/>
-          <ac:cxnSpMkLst>
-            <pc:docMk/>
-            <pc:sldMk cId="1081037514" sldId="2145706225"/>
-            <ac:cxnSpMk id="38" creationId="{10DC3853-02C8-D495-EDB1-B0129F6F9E30}"/>
-          </ac:cxnSpMkLst>
-        </pc:cxnChg>
-        <pc:cxnChg chg="mod">
-          <ac:chgData name="Graf Thomas, INI-NET-VNC-HCS" userId="487bc3e3-9ce7-4cdd-b7b4-8899ea88d289" providerId="ADAL" clId="{0EC2C4AF-B001-4E93-8F3B-E0791B647571}" dt="2024-07-09T07:05:27.612" v="119" actId="1035"/>
-          <ac:cxnSpMkLst>
-            <pc:docMk/>
-            <pc:sldMk cId="1081037514" sldId="2145706225"/>
-            <ac:cxnSpMk id="47" creationId="{1E3CC50D-6BF1-E751-D746-D130EE998D4B}"/>
-          </ac:cxnSpMkLst>
-        </pc:cxnChg>
-      </pc:sldChg>
-      <pc:sldChg chg="modSp add mod ord">
-        <pc:chgData name="Graf Thomas, INI-NET-VNC-HCS" userId="487bc3e3-9ce7-4cdd-b7b4-8899ea88d289" providerId="ADAL" clId="{0EC2C4AF-B001-4E93-8F3B-E0791B647571}" dt="2024-07-09T07:06:30.902" v="183" actId="20577"/>
-        <pc:sldMkLst>
-          <pc:docMk/>
-          <pc:sldMk cId="3384652948" sldId="2145706226"/>
-        </pc:sldMkLst>
-        <pc:spChg chg="mod">
-          <ac:chgData name="Graf Thomas, INI-NET-VNC-HCS" userId="487bc3e3-9ce7-4cdd-b7b4-8899ea88d289" providerId="ADAL" clId="{0EC2C4AF-B001-4E93-8F3B-E0791B647571}" dt="2024-07-09T07:06:30.902" v="183" actId="20577"/>
-          <ac:spMkLst>
-            <pc:docMk/>
-            <pc:sldMk cId="3384652948" sldId="2145706226"/>
-            <ac:spMk id="3" creationId="{01913334-AF3D-1C65-5BD7-83A59BC04A95}"/>
-          </ac:spMkLst>
-        </pc:spChg>
-      </pc:sldChg>
-      <pc:sldChg chg="del">
-        <pc:chgData name="Graf Thomas, INI-NET-VNC-HCS" userId="487bc3e3-9ce7-4cdd-b7b4-8899ea88d289" providerId="ADAL" clId="{0EC2C4AF-B001-4E93-8F3B-E0791B647571}" dt="2024-07-09T06:54:49.414" v="41" actId="47"/>
-        <pc:sldMkLst>
-          <pc:docMk/>
-          <pc:sldMk cId="1980732846" sldId="2145706229"/>
-        </pc:sldMkLst>
-      </pc:sldChg>
-      <pc:sldChg chg="add">
-        <pc:chgData name="Graf Thomas, INI-NET-VNC-HCS" userId="487bc3e3-9ce7-4cdd-b7b4-8899ea88d289" providerId="ADAL" clId="{0EC2C4AF-B001-4E93-8F3B-E0791B647571}" dt="2024-07-09T06:54:07.138" v="40"/>
-        <pc:sldMkLst>
-          <pc:docMk/>
-          <pc:sldMk cId="663711217" sldId="2145706234"/>
-        </pc:sldMkLst>
-      </pc:sldChg>
-      <pc:sldChg chg="del">
-        <pc:chgData name="Graf Thomas, INI-NET-VNC-HCS" userId="487bc3e3-9ce7-4cdd-b7b4-8899ea88d289" providerId="ADAL" clId="{0EC2C4AF-B001-4E93-8F3B-E0791B647571}" dt="2024-07-09T06:59:42.695" v="52" actId="47"/>
-        <pc:sldMkLst>
-          <pc:docMk/>
-          <pc:sldMk cId="3864283889" sldId="2145706236"/>
-        </pc:sldMkLst>
-      </pc:sldChg>
-      <pc:sldChg chg="modSp add mod ord">
-        <pc:chgData name="Graf Thomas, INI-NET-VNC-HCS" userId="487bc3e3-9ce7-4cdd-b7b4-8899ea88d289" providerId="ADAL" clId="{0EC2C4AF-B001-4E93-8F3B-E0791B647571}" dt="2024-07-12T11:40:15.453" v="1741" actId="20577"/>
-        <pc:sldMkLst>
-          <pc:docMk/>
-          <pc:sldMk cId="2249733078" sldId="2145706239"/>
-        </pc:sldMkLst>
-        <pc:spChg chg="mod">
-          <ac:chgData name="Graf Thomas, INI-NET-VNC-HCS" userId="487bc3e3-9ce7-4cdd-b7b4-8899ea88d289" providerId="ADAL" clId="{0EC2C4AF-B001-4E93-8F3B-E0791B647571}" dt="2024-07-12T11:40:15.453" v="1741" actId="20577"/>
-          <ac:spMkLst>
-            <pc:docMk/>
-            <pc:sldMk cId="2249733078" sldId="2145706239"/>
-            <ac:spMk id="2" creationId="{EBBAF0DF-61DF-B89D-2978-12F7F1BE7C53}"/>
-          </ac:spMkLst>
-        </pc:spChg>
-        <pc:spChg chg="mod">
-          <ac:chgData name="Graf Thomas, INI-NET-VNC-HCS" userId="487bc3e3-9ce7-4cdd-b7b4-8899ea88d289" providerId="ADAL" clId="{0EC2C4AF-B001-4E93-8F3B-E0791B647571}" dt="2024-07-09T07:29:40.246" v="839"/>
-          <ac:spMkLst>
-            <pc:docMk/>
-            <pc:sldMk cId="2249733078" sldId="2145706239"/>
-            <ac:spMk id="19" creationId="{56D79134-17A9-8BC8-B7D0-97BCFFB9A6B2}"/>
-          </ac:spMkLst>
-        </pc:spChg>
-      </pc:sldChg>
-      <pc:sldChg chg="modSp add mod ord">
-        <pc:chgData name="Graf Thomas, INI-NET-VNC-HCS" userId="487bc3e3-9ce7-4cdd-b7b4-8899ea88d289" providerId="ADAL" clId="{0EC2C4AF-B001-4E93-8F3B-E0791B647571}" dt="2024-07-12T11:37:22.670" v="1736" actId="14100"/>
-        <pc:sldMkLst>
-          <pc:docMk/>
-          <pc:sldMk cId="540899312" sldId="2145706240"/>
-        </pc:sldMkLst>
-        <pc:spChg chg="mod">
-          <ac:chgData name="Graf Thomas, INI-NET-VNC-HCS" userId="487bc3e3-9ce7-4cdd-b7b4-8899ea88d289" providerId="ADAL" clId="{0EC2C4AF-B001-4E93-8F3B-E0791B647571}" dt="2024-07-12T11:37:07.622" v="1733" actId="20577"/>
-          <ac:spMkLst>
-            <pc:docMk/>
-            <pc:sldMk cId="540899312" sldId="2145706240"/>
-            <ac:spMk id="3" creationId="{29C0DFD4-432D-4B0C-93DF-790441DCF5B9}"/>
-          </ac:spMkLst>
-        </pc:spChg>
-        <pc:spChg chg="mod">
-          <ac:chgData name="Graf Thomas, INI-NET-VNC-HCS" userId="487bc3e3-9ce7-4cdd-b7b4-8899ea88d289" providerId="ADAL" clId="{0EC2C4AF-B001-4E93-8F3B-E0791B647571}" dt="2024-07-09T07:29:10.236" v="838" actId="20577"/>
-          <ac:spMkLst>
-            <pc:docMk/>
-            <pc:sldMk cId="540899312" sldId="2145706240"/>
-            <ac:spMk id="6" creationId="{ABB61075-2877-B162-7D8F-97EC17B8DF39}"/>
-          </ac:spMkLst>
-        </pc:spChg>
-        <pc:spChg chg="mod">
-          <ac:chgData name="Graf Thomas, INI-NET-VNC-HCS" userId="487bc3e3-9ce7-4cdd-b7b4-8899ea88d289" providerId="ADAL" clId="{0EC2C4AF-B001-4E93-8F3B-E0791B647571}" dt="2024-07-12T11:28:50.475" v="1203" actId="14100"/>
-          <ac:spMkLst>
-            <pc:docMk/>
-            <pc:sldMk cId="540899312" sldId="2145706240"/>
-            <ac:spMk id="7" creationId="{E751AA3A-A181-4E76-CC75-041686EB2C20}"/>
-          </ac:spMkLst>
-        </pc:spChg>
-        <pc:spChg chg="mod">
-          <ac:chgData name="Graf Thomas, INI-NET-VNC-HCS" userId="487bc3e3-9ce7-4cdd-b7b4-8899ea88d289" providerId="ADAL" clId="{0EC2C4AF-B001-4E93-8F3B-E0791B647571}" dt="2024-07-12T11:27:24.070" v="1185"/>
-          <ac:spMkLst>
-            <pc:docMk/>
-            <pc:sldMk cId="540899312" sldId="2145706240"/>
-            <ac:spMk id="17" creationId="{8F78EE4C-6EFD-4363-A98F-3E5608669DF5}"/>
-          </ac:spMkLst>
-        </pc:spChg>
-        <pc:spChg chg="mod">
-          <ac:chgData name="Graf Thomas, INI-NET-VNC-HCS" userId="487bc3e3-9ce7-4cdd-b7b4-8899ea88d289" providerId="ADAL" clId="{0EC2C4AF-B001-4E93-8F3B-E0791B647571}" dt="2024-07-12T11:28:54.613" v="1204" actId="14100"/>
-          <ac:spMkLst>
-            <pc:docMk/>
-            <pc:sldMk cId="540899312" sldId="2145706240"/>
-            <ac:spMk id="19" creationId="{B0AC9776-B227-44FD-A2AC-1FDE0B6F1445}"/>
-          </ac:spMkLst>
-        </pc:spChg>
-        <pc:spChg chg="mod">
-          <ac:chgData name="Graf Thomas, INI-NET-VNC-HCS" userId="487bc3e3-9ce7-4cdd-b7b4-8899ea88d289" providerId="ADAL" clId="{0EC2C4AF-B001-4E93-8F3B-E0791B647571}" dt="2024-07-12T11:28:38.019" v="1201" actId="14100"/>
-          <ac:spMkLst>
-            <pc:docMk/>
-            <pc:sldMk cId="540899312" sldId="2145706240"/>
-            <ac:spMk id="24" creationId="{1F53FB5C-08C3-503A-DD3F-DC336AED5134}"/>
-          </ac:spMkLst>
-        </pc:spChg>
-        <pc:spChg chg="mod">
-          <ac:chgData name="Graf Thomas, INI-NET-VNC-HCS" userId="487bc3e3-9ce7-4cdd-b7b4-8899ea88d289" providerId="ADAL" clId="{0EC2C4AF-B001-4E93-8F3B-E0791B647571}" dt="2024-07-12T11:28:13.966" v="1192" actId="1036"/>
-          <ac:spMkLst>
-            <pc:docMk/>
-            <pc:sldMk cId="540899312" sldId="2145706240"/>
-            <ac:spMk id="25" creationId="{69934E68-7859-6F55-01F2-D3CD39C036AD}"/>
-          </ac:spMkLst>
-        </pc:spChg>
-        <pc:cxnChg chg="mod">
-          <ac:chgData name="Graf Thomas, INI-NET-VNC-HCS" userId="487bc3e3-9ce7-4cdd-b7b4-8899ea88d289" providerId="ADAL" clId="{0EC2C4AF-B001-4E93-8F3B-E0791B647571}" dt="2024-07-12T11:37:14.056" v="1734" actId="14100"/>
-          <ac:cxnSpMkLst>
-            <pc:docMk/>
-            <pc:sldMk cId="540899312" sldId="2145706240"/>
-            <ac:cxnSpMk id="13" creationId="{ABDEEB90-F9DE-4579-466A-4391823DABF7}"/>
-          </ac:cxnSpMkLst>
-        </pc:cxnChg>
-        <pc:cxnChg chg="mod">
-          <ac:chgData name="Graf Thomas, INI-NET-VNC-HCS" userId="487bc3e3-9ce7-4cdd-b7b4-8899ea88d289" providerId="ADAL" clId="{0EC2C4AF-B001-4E93-8F3B-E0791B647571}" dt="2024-07-12T11:37:22.670" v="1736" actId="14100"/>
-          <ac:cxnSpMkLst>
-            <pc:docMk/>
-            <pc:sldMk cId="540899312" sldId="2145706240"/>
-            <ac:cxnSpMk id="26" creationId="{26AA4EF1-0515-5E5A-5D45-BE133079F190}"/>
-          </ac:cxnSpMkLst>
-        </pc:cxnChg>
-        <pc:cxnChg chg="mod">
-          <ac:chgData name="Graf Thomas, INI-NET-VNC-HCS" userId="487bc3e3-9ce7-4cdd-b7b4-8899ea88d289" providerId="ADAL" clId="{0EC2C4AF-B001-4E93-8F3B-E0791B647571}" dt="2024-07-12T11:37:18.301" v="1735" actId="14100"/>
-          <ac:cxnSpMkLst>
-            <pc:docMk/>
-            <pc:sldMk cId="540899312" sldId="2145706240"/>
-            <ac:cxnSpMk id="27" creationId="{D1F71D91-0AD5-1DD4-6BC3-A469C348859D}"/>
-          </ac:cxnSpMkLst>
-        </pc:cxnChg>
-      </pc:sldChg>
-      <pc:sldChg chg="modSp mod ord">
-        <pc:chgData name="Graf Thomas, INI-NET-VNC-HCS" userId="487bc3e3-9ce7-4cdd-b7b4-8899ea88d289" providerId="ADAL" clId="{0EC2C4AF-B001-4E93-8F3B-E0791B647571}" dt="2024-07-09T07:35:38.615" v="1183" actId="20577"/>
-        <pc:sldMkLst>
-          <pc:docMk/>
-          <pc:sldMk cId="2617504443" sldId="2145706242"/>
-        </pc:sldMkLst>
-        <pc:spChg chg="mod">
-          <ac:chgData name="Graf Thomas, INI-NET-VNC-HCS" userId="487bc3e3-9ce7-4cdd-b7b4-8899ea88d289" providerId="ADAL" clId="{0EC2C4AF-B001-4E93-8F3B-E0791B647571}" dt="2024-07-09T07:30:45.267" v="844"/>
-          <ac:spMkLst>
-            <pc:docMk/>
-            <pc:sldMk cId="2617504443" sldId="2145706242"/>
-            <ac:spMk id="2" creationId="{FF20F271-6F0D-4AC0-BB1D-F5C338165C13}"/>
-          </ac:spMkLst>
-        </pc:spChg>
-        <pc:spChg chg="mod">
-          <ac:chgData name="Graf Thomas, INI-NET-VNC-HCS" userId="487bc3e3-9ce7-4cdd-b7b4-8899ea88d289" providerId="ADAL" clId="{0EC2C4AF-B001-4E93-8F3B-E0791B647571}" dt="2024-07-09T07:35:38.615" v="1183" actId="20577"/>
-          <ac:spMkLst>
-            <pc:docMk/>
-            <pc:sldMk cId="2617504443" sldId="2145706242"/>
-            <ac:spMk id="3" creationId="{29C0DFD4-432D-4B0C-93DF-790441DCF5B9}"/>
-          </ac:spMkLst>
-        </pc:spChg>
-      </pc:sldChg>
-      <pc:sldChg chg="del">
-        <pc:chgData name="Graf Thomas, INI-NET-VNC-HCS" userId="487bc3e3-9ce7-4cdd-b7b4-8899ea88d289" providerId="ADAL" clId="{0EC2C4AF-B001-4E93-8F3B-E0791B647571}" dt="2024-07-09T06:54:49.414" v="41" actId="47"/>
-        <pc:sldMkLst>
-          <pc:docMk/>
-          <pc:sldMk cId="2325717052" sldId="2145706246"/>
-        </pc:sldMkLst>
-      </pc:sldChg>
-      <pc:sldChg chg="del">
-        <pc:chgData name="Graf Thomas, INI-NET-VNC-HCS" userId="487bc3e3-9ce7-4cdd-b7b4-8899ea88d289" providerId="ADAL" clId="{0EC2C4AF-B001-4E93-8F3B-E0791B647571}" dt="2024-07-09T06:54:49.414" v="41" actId="47"/>
-        <pc:sldMkLst>
-          <pc:docMk/>
-          <pc:sldMk cId="1916646710" sldId="2145706248"/>
-        </pc:sldMkLst>
-      </pc:sldChg>
-      <pc:sldChg chg="del">
-        <pc:chgData name="Graf Thomas, INI-NET-VNC-HCS" userId="487bc3e3-9ce7-4cdd-b7b4-8899ea88d289" providerId="ADAL" clId="{0EC2C4AF-B001-4E93-8F3B-E0791B647571}" dt="2024-07-09T06:54:49.414" v="41" actId="47"/>
-        <pc:sldMkLst>
-          <pc:docMk/>
-          <pc:sldMk cId="3471801430" sldId="2145706249"/>
-        </pc:sldMkLst>
-      </pc:sldChg>
-      <pc:sldChg chg="del">
-        <pc:chgData name="Graf Thomas, INI-NET-VNC-HCS" userId="487bc3e3-9ce7-4cdd-b7b4-8899ea88d289" providerId="ADAL" clId="{0EC2C4AF-B001-4E93-8F3B-E0791B647571}" dt="2024-07-09T06:54:49.414" v="41" actId="47"/>
-        <pc:sldMkLst>
-          <pc:docMk/>
-          <pc:sldMk cId="2503304106" sldId="2145706250"/>
-        </pc:sldMkLst>
-      </pc:sldChg>
-      <pc:sldChg chg="del">
-        <pc:chgData name="Graf Thomas, INI-NET-VNC-HCS" userId="487bc3e3-9ce7-4cdd-b7b4-8899ea88d289" providerId="ADAL" clId="{0EC2C4AF-B001-4E93-8F3B-E0791B647571}" dt="2024-07-09T06:54:49.414" v="41" actId="47"/>
-        <pc:sldMkLst>
-          <pc:docMk/>
-          <pc:sldMk cId="2799895506" sldId="2145706251"/>
-        </pc:sldMkLst>
-      </pc:sldChg>
-      <pc:sldChg chg="del ord">
-        <pc:chgData name="Graf Thomas, INI-NET-VNC-HCS" userId="487bc3e3-9ce7-4cdd-b7b4-8899ea88d289" providerId="ADAL" clId="{0EC2C4AF-B001-4E93-8F3B-E0791B647571}" dt="2024-07-09T07:00:42.867" v="57" actId="47"/>
-        <pc:sldMkLst>
-          <pc:docMk/>
-          <pc:sldMk cId="651944872" sldId="2145706254"/>
-        </pc:sldMkLst>
-      </pc:sldChg>
-      <pc:sldChg chg="del">
-        <pc:chgData name="Graf Thomas, INI-NET-VNC-HCS" userId="487bc3e3-9ce7-4cdd-b7b4-8899ea88d289" providerId="ADAL" clId="{0EC2C4AF-B001-4E93-8F3B-E0791B647571}" dt="2024-07-09T06:54:49.414" v="41" actId="47"/>
-        <pc:sldMkLst>
-          <pc:docMk/>
-          <pc:sldMk cId="3678903494" sldId="2145706255"/>
-        </pc:sldMkLst>
-      </pc:sldChg>
-      <pc:sldChg chg="del">
-        <pc:chgData name="Graf Thomas, INI-NET-VNC-HCS" userId="487bc3e3-9ce7-4cdd-b7b4-8899ea88d289" providerId="ADAL" clId="{0EC2C4AF-B001-4E93-8F3B-E0791B647571}" dt="2024-07-09T06:54:49.414" v="41" actId="47"/>
-        <pc:sldMkLst>
-          <pc:docMk/>
-          <pc:sldMk cId="2701002203" sldId="2145706256"/>
-        </pc:sldMkLst>
-      </pc:sldChg>
-      <pc:sldChg chg="del">
-        <pc:chgData name="Graf Thomas, INI-NET-VNC-HCS" userId="487bc3e3-9ce7-4cdd-b7b4-8899ea88d289" providerId="ADAL" clId="{0EC2C4AF-B001-4E93-8F3B-E0791B647571}" dt="2024-07-09T06:54:49.414" v="41" actId="47"/>
-        <pc:sldMkLst>
-          <pc:docMk/>
-          <pc:sldMk cId="3965782337" sldId="2145706257"/>
-        </pc:sldMkLst>
-      </pc:sldChg>
-      <pc:sldChg chg="addSp delSp modSp mod ord">
-        <pc:chgData name="Graf Thomas, INI-NET-VNC-HCS" userId="487bc3e3-9ce7-4cdd-b7b4-8899ea88d289" providerId="ADAL" clId="{0EC2C4AF-B001-4E93-8F3B-E0791B647571}" dt="2024-07-12T11:41:48.966" v="1750" actId="1076"/>
-        <pc:sldMkLst>
-          <pc:docMk/>
-          <pc:sldMk cId="2684272815" sldId="2145706258"/>
-        </pc:sldMkLst>
-        <pc:spChg chg="mod">
-          <ac:chgData name="Graf Thomas, INI-NET-VNC-HCS" userId="487bc3e3-9ce7-4cdd-b7b4-8899ea88d289" providerId="ADAL" clId="{0EC2C4AF-B001-4E93-8F3B-E0791B647571}" dt="2024-07-09T07:27:13.892" v="826" actId="14100"/>
-          <ac:spMkLst>
-            <pc:docMk/>
-            <pc:sldMk cId="2684272815" sldId="2145706258"/>
-            <ac:spMk id="3" creationId="{29C0DFD4-432D-4B0C-93DF-790441DCF5B9}"/>
-          </ac:spMkLst>
-        </pc:spChg>
-        <pc:spChg chg="mod">
-          <ac:chgData name="Graf Thomas, INI-NET-VNC-HCS" userId="487bc3e3-9ce7-4cdd-b7b4-8899ea88d289" providerId="ADAL" clId="{0EC2C4AF-B001-4E93-8F3B-E0791B647571}" dt="2024-07-09T07:10:21.783" v="259" actId="14100"/>
-          <ac:spMkLst>
-            <pc:docMk/>
-            <pc:sldMk cId="2684272815" sldId="2145706258"/>
-            <ac:spMk id="6" creationId="{ABB61075-2877-B162-7D8F-97EC17B8DF39}"/>
-          </ac:spMkLst>
-        </pc:spChg>
-        <pc:picChg chg="add mod">
-          <ac:chgData name="Graf Thomas, INI-NET-VNC-HCS" userId="487bc3e3-9ce7-4cdd-b7b4-8899ea88d289" providerId="ADAL" clId="{0EC2C4AF-B001-4E93-8F3B-E0791B647571}" dt="2024-07-12T11:41:48.966" v="1750" actId="1076"/>
-          <ac:picMkLst>
-            <pc:docMk/>
-            <pc:sldMk cId="2684272815" sldId="2145706258"/>
-            <ac:picMk id="4" creationId="{1EDE8EAA-7D7F-518E-A4DA-52FB92383941}"/>
-          </ac:picMkLst>
-        </pc:picChg>
-        <pc:picChg chg="del">
-          <ac:chgData name="Graf Thomas, INI-NET-VNC-HCS" userId="487bc3e3-9ce7-4cdd-b7b4-8899ea88d289" providerId="ADAL" clId="{0EC2C4AF-B001-4E93-8F3B-E0791B647571}" dt="2024-07-09T07:08:46.221" v="184" actId="478"/>
-          <ac:picMkLst>
-            <pc:docMk/>
-            <pc:sldMk cId="2684272815" sldId="2145706258"/>
-            <ac:picMk id="4" creationId="{7966EF60-4572-6C60-B040-DFC7E219032C}"/>
-          </ac:picMkLst>
-        </pc:picChg>
-        <pc:picChg chg="add del mod">
-          <ac:chgData name="Graf Thomas, INI-NET-VNC-HCS" userId="487bc3e3-9ce7-4cdd-b7b4-8899ea88d289" providerId="ADAL" clId="{0EC2C4AF-B001-4E93-8F3B-E0791B647571}" dt="2024-07-12T11:41:36.518" v="1742" actId="478"/>
-          <ac:picMkLst>
-            <pc:docMk/>
-            <pc:sldMk cId="2684272815" sldId="2145706258"/>
-            <ac:picMk id="5" creationId="{24889B1B-2ACB-C917-3479-5F1FDA3ECF73}"/>
-          </ac:picMkLst>
-        </pc:picChg>
-      </pc:sldChg>
-      <pc:sldChg chg="modSp add mod">
-        <pc:chgData name="Graf Thomas, INI-NET-VNC-HCS" userId="487bc3e3-9ce7-4cdd-b7b4-8899ea88d289" providerId="ADAL" clId="{0EC2C4AF-B001-4E93-8F3B-E0791B647571}" dt="2024-07-09T07:06:19.637" v="162" actId="20577"/>
-        <pc:sldMkLst>
-          <pc:docMk/>
-          <pc:sldMk cId="85069519" sldId="2145706259"/>
-        </pc:sldMkLst>
-        <pc:spChg chg="mod">
-          <ac:chgData name="Graf Thomas, INI-NET-VNC-HCS" userId="487bc3e3-9ce7-4cdd-b7b4-8899ea88d289" providerId="ADAL" clId="{0EC2C4AF-B001-4E93-8F3B-E0791B647571}" dt="2024-07-09T07:06:19.637" v="162" actId="20577"/>
-          <ac:spMkLst>
-            <pc:docMk/>
-            <pc:sldMk cId="85069519" sldId="2145706259"/>
-            <ac:spMk id="5" creationId="{8CAEE21E-0CF2-4355-A68A-655C5FDE8F93}"/>
-          </ac:spMkLst>
-        </pc:spChg>
-      </pc:sldChg>
-      <pc:sldChg chg="del">
-        <pc:chgData name="Graf Thomas, INI-NET-VNC-HCS" userId="487bc3e3-9ce7-4cdd-b7b4-8899ea88d289" providerId="ADAL" clId="{0EC2C4AF-B001-4E93-8F3B-E0791B647571}" dt="2024-07-09T06:54:49.414" v="41" actId="47"/>
-        <pc:sldMkLst>
-          <pc:docMk/>
-          <pc:sldMk cId="2945280267" sldId="2145706259"/>
-        </pc:sldMkLst>
-      </pc:sldChg>
-      <pc:sldChg chg="del">
-        <pc:chgData name="Graf Thomas, INI-NET-VNC-HCS" userId="487bc3e3-9ce7-4cdd-b7b4-8899ea88d289" providerId="ADAL" clId="{0EC2C4AF-B001-4E93-8F3B-E0791B647571}" dt="2024-07-09T06:54:49.414" v="41" actId="47"/>
-        <pc:sldMkLst>
-          <pc:docMk/>
-          <pc:sldMk cId="1767383836" sldId="2145706260"/>
-        </pc:sldMkLst>
-      </pc:sldChg>
-      <pc:sldChg chg="add del ord">
-        <pc:chgData name="Graf Thomas, INI-NET-VNC-HCS" userId="487bc3e3-9ce7-4cdd-b7b4-8899ea88d289" providerId="ADAL" clId="{0EC2C4AF-B001-4E93-8F3B-E0791B647571}" dt="2024-07-09T07:05:58.306" v="141" actId="47"/>
-        <pc:sldMkLst>
-          <pc:docMk/>
-          <pc:sldMk cId="2446321909" sldId="2145706260"/>
-        </pc:sldMkLst>
-      </pc:sldChg>
-      <pc:sldChg chg="del">
-        <pc:chgData name="Graf Thomas, INI-NET-VNC-HCS" userId="487bc3e3-9ce7-4cdd-b7b4-8899ea88d289" providerId="ADAL" clId="{0EC2C4AF-B001-4E93-8F3B-E0791B647571}" dt="2024-07-09T06:54:49.414" v="41" actId="47"/>
-        <pc:sldMkLst>
-          <pc:docMk/>
-          <pc:sldMk cId="22946092" sldId="2145706261"/>
-        </pc:sldMkLst>
-      </pc:sldChg>
-      <pc:sldChg chg="add">
-        <pc:chgData name="Graf Thomas, INI-NET-VNC-HCS" userId="487bc3e3-9ce7-4cdd-b7b4-8899ea88d289" providerId="ADAL" clId="{0EC2C4AF-B001-4E93-8F3B-E0791B647571}" dt="2024-07-09T06:56:15.549" v="42"/>
-        <pc:sldMkLst>
-          <pc:docMk/>
-          <pc:sldMk cId="1580938111" sldId="2145706261"/>
-        </pc:sldMkLst>
-      </pc:sldChg>
-      <pc:sldChg chg="del">
-        <pc:chgData name="Graf Thomas, INI-NET-VNC-HCS" userId="487bc3e3-9ce7-4cdd-b7b4-8899ea88d289" providerId="ADAL" clId="{0EC2C4AF-B001-4E93-8F3B-E0791B647571}" dt="2024-07-09T06:54:49.414" v="41" actId="47"/>
-        <pc:sldMkLst>
-          <pc:docMk/>
-          <pc:sldMk cId="241911226" sldId="2145706262"/>
-        </pc:sldMkLst>
-      </pc:sldChg>
-      <pc:sldMasterChg chg="delSldLayout">
-        <pc:chgData name="Graf Thomas, INI-NET-VNC-HCS" userId="487bc3e3-9ce7-4cdd-b7b4-8899ea88d289" providerId="ADAL" clId="{0EC2C4AF-B001-4E93-8F3B-E0791B647571}" dt="2024-07-09T06:54:49.414" v="41" actId="47"/>
-        <pc:sldMasterMkLst>
-          <pc:docMk/>
-          <pc:sldMasterMk cId="1575956613" sldId="2147483648"/>
-        </pc:sldMasterMkLst>
-        <pc:sldLayoutChg chg="del">
-          <pc:chgData name="Graf Thomas, INI-NET-VNC-HCS" userId="487bc3e3-9ce7-4cdd-b7b4-8899ea88d289" providerId="ADAL" clId="{0EC2C4AF-B001-4E93-8F3B-E0791B647571}" dt="2024-07-09T06:54:49.414" v="41" actId="47"/>
-          <pc:sldLayoutMkLst>
-            <pc:docMk/>
-            <pc:sldMasterMk cId="1575956613" sldId="2147483648"/>
-            <pc:sldLayoutMk cId="2836146050" sldId="2147483661"/>
-          </pc:sldLayoutMkLst>
-        </pc:sldLayoutChg>
-      </pc:sldMasterChg>
-    </pc:docChg>
-  </pc:docChgLst>
-  <pc:docChgLst>
-    <pc:chgData name="Graf Thomas, INI-NET-VNC-HCS" userId="487bc3e3-9ce7-4cdd-b7b4-8899ea88d289" providerId="ADAL" clId="{EB110180-FE40-41A5-A7A7-BD63C96EDD0C}"/>
-    <pc:docChg chg="custSel modSld">
-      <pc:chgData name="Graf Thomas, INI-NET-VNC-HCS" userId="487bc3e3-9ce7-4cdd-b7b4-8899ea88d289" providerId="ADAL" clId="{EB110180-FE40-41A5-A7A7-BD63C96EDD0C}" dt="2024-07-03T08:08:16.152" v="130" actId="478"/>
-      <pc:docMkLst>
-        <pc:docMk/>
-      </pc:docMkLst>
-      <pc:sldChg chg="modSp mod">
-        <pc:chgData name="Graf Thomas, INI-NET-VNC-HCS" userId="487bc3e3-9ce7-4cdd-b7b4-8899ea88d289" providerId="ADAL" clId="{EB110180-FE40-41A5-A7A7-BD63C96EDD0C}" dt="2024-07-03T08:08:08.944" v="129" actId="20577"/>
-        <pc:sldMkLst>
-          <pc:docMk/>
-          <pc:sldMk cId="3578665336" sldId="1041"/>
-        </pc:sldMkLst>
-        <pc:spChg chg="mod">
-          <ac:chgData name="Graf Thomas, INI-NET-VNC-HCS" userId="487bc3e3-9ce7-4cdd-b7b4-8899ea88d289" providerId="ADAL" clId="{EB110180-FE40-41A5-A7A7-BD63C96EDD0C}" dt="2024-07-03T08:08:08.944" v="129" actId="20577"/>
-          <ac:spMkLst>
-            <pc:docMk/>
-            <pc:sldMk cId="3578665336" sldId="1041"/>
-            <ac:spMk id="5" creationId="{C26208B2-0D10-4C23-B2DE-372A62E98644}"/>
-          </ac:spMkLst>
-        </pc:spChg>
-        <pc:spChg chg="mod">
-          <ac:chgData name="Graf Thomas, INI-NET-VNC-HCS" userId="487bc3e3-9ce7-4cdd-b7b4-8899ea88d289" providerId="ADAL" clId="{EB110180-FE40-41A5-A7A7-BD63C96EDD0C}" dt="2024-07-03T08:06:06.005" v="127" actId="20577"/>
-          <ac:spMkLst>
-            <pc:docMk/>
-            <pc:sldMk cId="3578665336" sldId="1041"/>
-            <ac:spMk id="6" creationId="{6CAA0765-1318-4A03-8F91-D3ECC43D8FA7}"/>
-          </ac:spMkLst>
-        </pc:spChg>
-      </pc:sldChg>
-      <pc:sldChg chg="delSp mod">
-        <pc:chgData name="Graf Thomas, INI-NET-VNC-HCS" userId="487bc3e3-9ce7-4cdd-b7b4-8899ea88d289" providerId="ADAL" clId="{EB110180-FE40-41A5-A7A7-BD63C96EDD0C}" dt="2024-07-03T08:08:16.152" v="130" actId="478"/>
-        <pc:sldMkLst>
-          <pc:docMk/>
-          <pc:sldMk cId="1916646710" sldId="2145706248"/>
-        </pc:sldMkLst>
-        <pc:spChg chg="del">
-          <ac:chgData name="Graf Thomas, INI-NET-VNC-HCS" userId="487bc3e3-9ce7-4cdd-b7b4-8899ea88d289" providerId="ADAL" clId="{EB110180-FE40-41A5-A7A7-BD63C96EDD0C}" dt="2024-07-03T08:08:16.152" v="130" actId="478"/>
-          <ac:spMkLst>
-            <pc:docMk/>
-            <pc:sldMk cId="1916646710" sldId="2145706248"/>
-            <ac:spMk id="56" creationId="{09029945-3AFE-7E1C-A103-BDA3D6654C67}"/>
-          </ac:spMkLst>
-        </pc:spChg>
-        <pc:grpChg chg="del">
-          <ac:chgData name="Graf Thomas, INI-NET-VNC-HCS" userId="487bc3e3-9ce7-4cdd-b7b4-8899ea88d289" providerId="ADAL" clId="{EB110180-FE40-41A5-A7A7-BD63C96EDD0C}" dt="2024-07-03T08:08:16.152" v="130" actId="478"/>
-          <ac:grpSpMkLst>
-            <pc:docMk/>
-            <pc:sldMk cId="1916646710" sldId="2145706248"/>
-            <ac:grpSpMk id="5" creationId="{3B251C8B-3DF7-9016-69AF-BE92FC105632}"/>
-          </ac:grpSpMkLst>
-        </pc:grpChg>
-        <pc:picChg chg="del">
-          <ac:chgData name="Graf Thomas, INI-NET-VNC-HCS" userId="487bc3e3-9ce7-4cdd-b7b4-8899ea88d289" providerId="ADAL" clId="{EB110180-FE40-41A5-A7A7-BD63C96EDD0C}" dt="2024-07-03T08:08:16.152" v="130" actId="478"/>
-          <ac:picMkLst>
-            <pc:docMk/>
-            <pc:sldMk cId="1916646710" sldId="2145706248"/>
-            <ac:picMk id="60" creationId="{4755309F-4AB7-B7AE-1EBC-631DA2DAB40D}"/>
-          </ac:picMkLst>
-        </pc:picChg>
-      </pc:sldChg>
-      <pc:sldChg chg="modSp mod">
-        <pc:chgData name="Graf Thomas, INI-NET-VNC-HCS" userId="487bc3e3-9ce7-4cdd-b7b4-8899ea88d289" providerId="ADAL" clId="{EB110180-FE40-41A5-A7A7-BD63C96EDD0C}" dt="2024-07-03T08:07:11.499" v="128" actId="20577"/>
-        <pc:sldMkLst>
-          <pc:docMk/>
-          <pc:sldMk cId="22946092" sldId="2145706261"/>
-        </pc:sldMkLst>
-        <pc:spChg chg="mod">
-          <ac:chgData name="Graf Thomas, INI-NET-VNC-HCS" userId="487bc3e3-9ce7-4cdd-b7b4-8899ea88d289" providerId="ADAL" clId="{EB110180-FE40-41A5-A7A7-BD63C96EDD0C}" dt="2024-07-03T08:07:11.499" v="128" actId="20577"/>
-          <ac:spMkLst>
-            <pc:docMk/>
-            <pc:sldMk cId="22946092" sldId="2145706261"/>
-            <ac:spMk id="2" creationId="{FF20F271-6F0D-4AC0-BB1D-F5C338165C13}"/>
-          </ac:spMkLst>
-        </pc:spChg>
-        <pc:spChg chg="mod">
-          <ac:chgData name="Graf Thomas, INI-NET-VNC-HCS" userId="487bc3e3-9ce7-4cdd-b7b4-8899ea88d289" providerId="ADAL" clId="{EB110180-FE40-41A5-A7A7-BD63C96EDD0C}" dt="2024-07-03T08:05:55.429" v="119" actId="113"/>
-          <ac:spMkLst>
-            <pc:docMk/>
-            <pc:sldMk cId="22946092" sldId="2145706261"/>
-            <ac:spMk id="3" creationId="{29C0DFD4-432D-4B0C-93DF-790441DCF5B9}"/>
-          </ac:spMkLst>
-        </pc:spChg>
-      </pc:sldChg>
-    </pc:docChg>
-  </pc:docChgLst>
-  <pc:docChgLst>
-    <pc:chgData name="Graf Thomas, INI-NET-VNC-HCS" userId="487bc3e3-9ce7-4cdd-b7b4-8899ea88d289" providerId="ADAL" clId="{278F4D00-A84F-403D-B695-8FF15EEE87AE}"/>
-    <pc:docChg chg="modSld">
-      <pc:chgData name="Graf Thomas, INI-NET-VNC-HCS" userId="487bc3e3-9ce7-4cdd-b7b4-8899ea88d289" providerId="ADAL" clId="{278F4D00-A84F-403D-B695-8FF15EEE87AE}" dt="2024-03-15T22:52:30.548" v="19" actId="113"/>
-      <pc:docMkLst>
-        <pc:docMk/>
-      </pc:docMkLst>
-      <pc:sldChg chg="modSp mod">
-        <pc:chgData name="Graf Thomas, INI-NET-VNC-HCS" userId="487bc3e3-9ce7-4cdd-b7b4-8899ea88d289" providerId="ADAL" clId="{278F4D00-A84F-403D-B695-8FF15EEE87AE}" dt="2024-03-15T22:51:49.859" v="13" actId="20577"/>
-        <pc:sldMkLst>
-          <pc:docMk/>
-          <pc:sldMk cId="3578665336" sldId="1041"/>
-        </pc:sldMkLst>
-        <pc:spChg chg="mod">
-          <ac:chgData name="Graf Thomas, INI-NET-VNC-HCS" userId="487bc3e3-9ce7-4cdd-b7b4-8899ea88d289" providerId="ADAL" clId="{278F4D00-A84F-403D-B695-8FF15EEE87AE}" dt="2024-03-15T22:51:49.859" v="13" actId="20577"/>
+          <ac:chgData name="Graf Thomas, INI-NET-VNC-HCS" userId="487bc3e3-9ce7-4cdd-b7b4-8899ea88d289" providerId="ADAL" clId="{D5F81756-EA00-4B65-9234-A0FB2F3D032D}" dt="2024-07-13T16:11:15.469" v="599" actId="20577"/>
           <ac:spMkLst>
             <pc:docMk/>
             <pc:sldMk cId="3578665336" sldId="1041"/>
@@ -763,38 +184,1143 @@
         </pc:spChg>
       </pc:sldChg>
       <pc:sldChg chg="modSp mod">
-        <pc:chgData name="Graf Thomas, INI-NET-VNC-HCS" userId="487bc3e3-9ce7-4cdd-b7b4-8899ea88d289" providerId="ADAL" clId="{278F4D00-A84F-403D-B695-8FF15EEE87AE}" dt="2024-03-15T22:51:54.685" v="14" actId="20577"/>
+        <pc:chgData name="Graf Thomas, INI-NET-VNC-HCS" userId="487bc3e3-9ce7-4cdd-b7b4-8899ea88d289" providerId="ADAL" clId="{D5F81756-EA00-4B65-9234-A0FB2F3D032D}" dt="2024-07-13T16:07:59.264" v="587" actId="20577"/>
         <pc:sldMkLst>
           <pc:docMk/>
           <pc:sldMk cId="2617504443" sldId="2145706242"/>
         </pc:sldMkLst>
         <pc:spChg chg="mod">
-          <ac:chgData name="Graf Thomas, INI-NET-VNC-HCS" userId="487bc3e3-9ce7-4cdd-b7b4-8899ea88d289" providerId="ADAL" clId="{278F4D00-A84F-403D-B695-8FF15EEE87AE}" dt="2024-03-15T22:51:54.685" v="14" actId="20577"/>
+          <ac:chgData name="Graf Thomas, INI-NET-VNC-HCS" userId="487bc3e3-9ce7-4cdd-b7b4-8899ea88d289" providerId="ADAL" clId="{D5F81756-EA00-4B65-9234-A0FB2F3D032D}" dt="2024-07-13T16:07:59.264" v="587" actId="20577"/>
           <ac:spMkLst>
             <pc:docMk/>
             <pc:sldMk cId="2617504443" sldId="2145706242"/>
-            <ac:spMk id="4" creationId="{6E210162-8BA9-2D0F-F527-CE596B88B5FF}"/>
+            <ac:spMk id="3" creationId="{29C0DFD4-432D-4B0C-93DF-790441DCF5B9}"/>
           </ac:spMkLst>
         </pc:spChg>
       </pc:sldChg>
-      <pc:sldChg chg="modSp mod">
-        <pc:chgData name="Graf Thomas, INI-NET-VNC-HCS" userId="487bc3e3-9ce7-4cdd-b7b4-8899ea88d289" providerId="ADAL" clId="{278F4D00-A84F-403D-B695-8FF15EEE87AE}" dt="2024-03-15T22:52:30.548" v="19" actId="113"/>
+      <pc:sldChg chg="modSp del mod">
+        <pc:chgData name="Graf Thomas, INI-NET-VNC-HCS" userId="487bc3e3-9ce7-4cdd-b7b4-8899ea88d289" providerId="ADAL" clId="{D5F81756-EA00-4B65-9234-A0FB2F3D032D}" dt="2024-07-13T15:49:07.497" v="91" actId="47"/>
         <pc:sldMkLst>
           <pc:docMk/>
-          <pc:sldMk cId="3471801430" sldId="2145706249"/>
+          <pc:sldMk cId="2058983617" sldId="2145706281"/>
         </pc:sldMkLst>
         <pc:spChg chg="mod">
-          <ac:chgData name="Graf Thomas, INI-NET-VNC-HCS" userId="487bc3e3-9ce7-4cdd-b7b4-8899ea88d289" providerId="ADAL" clId="{278F4D00-A84F-403D-B695-8FF15EEE87AE}" dt="2024-03-15T22:52:30.548" v="19" actId="113"/>
+          <ac:chgData name="Graf Thomas, INI-NET-VNC-HCS" userId="487bc3e3-9ce7-4cdd-b7b4-8899ea88d289" providerId="ADAL" clId="{D5F81756-EA00-4B65-9234-A0FB2F3D032D}" dt="2024-07-13T15:41:19.683" v="45" actId="6549"/>
           <ac:spMkLst>
             <pc:docMk/>
-            <pc:sldMk cId="3471801430" sldId="2145706249"/>
-            <ac:spMk id="5" creationId="{0194B37B-813A-99FE-7B78-4D87D8C30D44}"/>
+            <pc:sldMk cId="2058983617" sldId="2145706281"/>
+            <ac:spMk id="25" creationId="{6DC81F34-7EA9-C84D-D7BC-2F5514AC4CE4}"/>
           </ac:spMkLst>
         </pc:spChg>
       </pc:sldChg>
+      <pc:sldChg chg="addSp delSp modSp add mod ord">
+        <pc:chgData name="Graf Thomas, INI-NET-VNC-HCS" userId="487bc3e3-9ce7-4cdd-b7b4-8899ea88d289" providerId="ADAL" clId="{D5F81756-EA00-4B65-9234-A0FB2F3D032D}" dt="2024-07-13T16:10:57.757" v="597" actId="20577"/>
+        <pc:sldMkLst>
+          <pc:docMk/>
+          <pc:sldMk cId="492372888" sldId="2145706282"/>
+        </pc:sldMkLst>
+        <pc:spChg chg="add del mod">
+          <ac:chgData name="Graf Thomas, INI-NET-VNC-HCS" userId="487bc3e3-9ce7-4cdd-b7b4-8899ea88d289" providerId="ADAL" clId="{D5F81756-EA00-4B65-9234-A0FB2F3D032D}" dt="2024-07-13T15:42:40.903" v="64" actId="478"/>
+          <ac:spMkLst>
+            <pc:docMk/>
+            <pc:sldMk cId="492372888" sldId="2145706282"/>
+            <ac:spMk id="3" creationId="{D099B97B-EFDF-7A8B-15ED-4422F65B415B}"/>
+          </ac:spMkLst>
+        </pc:spChg>
+        <pc:spChg chg="add del mod">
+          <ac:chgData name="Graf Thomas, INI-NET-VNC-HCS" userId="487bc3e3-9ce7-4cdd-b7b4-8899ea88d289" providerId="ADAL" clId="{D5F81756-EA00-4B65-9234-A0FB2F3D032D}" dt="2024-07-13T15:42:51.299" v="66"/>
+          <ac:spMkLst>
+            <pc:docMk/>
+            <pc:sldMk cId="492372888" sldId="2145706282"/>
+            <ac:spMk id="4" creationId="{8748F633-411F-6C4B-5820-5D1591D0E5E7}"/>
+          </ac:spMkLst>
+        </pc:spChg>
+        <pc:spChg chg="add del mod">
+          <ac:chgData name="Graf Thomas, INI-NET-VNC-HCS" userId="487bc3e3-9ce7-4cdd-b7b4-8899ea88d289" providerId="ADAL" clId="{D5F81756-EA00-4B65-9234-A0FB2F3D032D}" dt="2024-07-13T15:42:51.299" v="66"/>
+          <ac:spMkLst>
+            <pc:docMk/>
+            <pc:sldMk cId="492372888" sldId="2145706282"/>
+            <ac:spMk id="8" creationId="{E6A51280-FDCD-6D74-B080-283B20F77985}"/>
+          </ac:spMkLst>
+        </pc:spChg>
+        <pc:spChg chg="add del mod">
+          <ac:chgData name="Graf Thomas, INI-NET-VNC-HCS" userId="487bc3e3-9ce7-4cdd-b7b4-8899ea88d289" providerId="ADAL" clId="{D5F81756-EA00-4B65-9234-A0FB2F3D032D}" dt="2024-07-13T15:42:51.299" v="66"/>
+          <ac:spMkLst>
+            <pc:docMk/>
+            <pc:sldMk cId="492372888" sldId="2145706282"/>
+            <ac:spMk id="9" creationId="{868ED622-EB69-8FA0-3C05-15EF02533CA1}"/>
+          </ac:spMkLst>
+        </pc:spChg>
+        <pc:spChg chg="add del mod">
+          <ac:chgData name="Graf Thomas, INI-NET-VNC-HCS" userId="487bc3e3-9ce7-4cdd-b7b4-8899ea88d289" providerId="ADAL" clId="{D5F81756-EA00-4B65-9234-A0FB2F3D032D}" dt="2024-07-13T15:42:51.299" v="66"/>
+          <ac:spMkLst>
+            <pc:docMk/>
+            <pc:sldMk cId="492372888" sldId="2145706282"/>
+            <ac:spMk id="10" creationId="{8FC984B8-604A-0AC4-59A3-B1AFAFCC1867}"/>
+          </ac:spMkLst>
+        </pc:spChg>
+        <pc:spChg chg="add del mod">
+          <ac:chgData name="Graf Thomas, INI-NET-VNC-HCS" userId="487bc3e3-9ce7-4cdd-b7b4-8899ea88d289" providerId="ADAL" clId="{D5F81756-EA00-4B65-9234-A0FB2F3D032D}" dt="2024-07-13T15:42:51.299" v="66"/>
+          <ac:spMkLst>
+            <pc:docMk/>
+            <pc:sldMk cId="492372888" sldId="2145706282"/>
+            <ac:spMk id="12" creationId="{11A74DC7-D2F9-8B53-D072-B3DC5954EA5F}"/>
+          </ac:spMkLst>
+        </pc:spChg>
+        <pc:spChg chg="add del mod">
+          <ac:chgData name="Graf Thomas, INI-NET-VNC-HCS" userId="487bc3e3-9ce7-4cdd-b7b4-8899ea88d289" providerId="ADAL" clId="{D5F81756-EA00-4B65-9234-A0FB2F3D032D}" dt="2024-07-13T15:42:51.299" v="66"/>
+          <ac:spMkLst>
+            <pc:docMk/>
+            <pc:sldMk cId="492372888" sldId="2145706282"/>
+            <ac:spMk id="13" creationId="{8D3181D0-0454-74AD-4A03-6F2B89E06545}"/>
+          </ac:spMkLst>
+        </pc:spChg>
+        <pc:spChg chg="add mod">
+          <ac:chgData name="Graf Thomas, INI-NET-VNC-HCS" userId="487bc3e3-9ce7-4cdd-b7b4-8899ea88d289" providerId="ADAL" clId="{D5F81756-EA00-4B65-9234-A0FB2F3D032D}" dt="2024-07-13T15:43:15.123" v="68" actId="2711"/>
+          <ac:spMkLst>
+            <pc:docMk/>
+            <pc:sldMk cId="492372888" sldId="2145706282"/>
+            <ac:spMk id="14" creationId="{46649985-4213-9CB3-CD81-79D4DB248DAF}"/>
+          </ac:spMkLst>
+        </pc:spChg>
+        <pc:spChg chg="add mod">
+          <ac:chgData name="Graf Thomas, INI-NET-VNC-HCS" userId="487bc3e3-9ce7-4cdd-b7b4-8899ea88d289" providerId="ADAL" clId="{D5F81756-EA00-4B65-9234-A0FB2F3D032D}" dt="2024-07-13T15:43:15.123" v="68" actId="2711"/>
+          <ac:spMkLst>
+            <pc:docMk/>
+            <pc:sldMk cId="492372888" sldId="2145706282"/>
+            <ac:spMk id="18" creationId="{076CE855-379A-5BE7-9E3E-05D784B2CF9D}"/>
+          </ac:spMkLst>
+        </pc:spChg>
+        <pc:spChg chg="add mod">
+          <ac:chgData name="Graf Thomas, INI-NET-VNC-HCS" userId="487bc3e3-9ce7-4cdd-b7b4-8899ea88d289" providerId="ADAL" clId="{D5F81756-EA00-4B65-9234-A0FB2F3D032D}" dt="2024-07-13T15:43:15.123" v="68" actId="2711"/>
+          <ac:spMkLst>
+            <pc:docMk/>
+            <pc:sldMk cId="492372888" sldId="2145706282"/>
+            <ac:spMk id="20" creationId="{6DEE297B-FA92-D4CB-4DB8-B62139988C22}"/>
+          </ac:spMkLst>
+        </pc:spChg>
+        <pc:spChg chg="add mod">
+          <ac:chgData name="Graf Thomas, INI-NET-VNC-HCS" userId="487bc3e3-9ce7-4cdd-b7b4-8899ea88d289" providerId="ADAL" clId="{D5F81756-EA00-4B65-9234-A0FB2F3D032D}" dt="2024-07-13T15:43:15.123" v="68" actId="2711"/>
+          <ac:spMkLst>
+            <pc:docMk/>
+            <pc:sldMk cId="492372888" sldId="2145706282"/>
+            <ac:spMk id="21" creationId="{85D4E516-F628-FE69-DA43-10B3210E9A28}"/>
+          </ac:spMkLst>
+        </pc:spChg>
+        <pc:spChg chg="add mod">
+          <ac:chgData name="Graf Thomas, INI-NET-VNC-HCS" userId="487bc3e3-9ce7-4cdd-b7b4-8899ea88d289" providerId="ADAL" clId="{D5F81756-EA00-4B65-9234-A0FB2F3D032D}" dt="2024-07-13T15:43:15.123" v="68" actId="2711"/>
+          <ac:spMkLst>
+            <pc:docMk/>
+            <pc:sldMk cId="492372888" sldId="2145706282"/>
+            <ac:spMk id="23" creationId="{91B0341B-389C-4CE5-4F90-6C77E3EDD7E5}"/>
+          </ac:spMkLst>
+        </pc:spChg>
+        <pc:spChg chg="add mod">
+          <ac:chgData name="Graf Thomas, INI-NET-VNC-HCS" userId="487bc3e3-9ce7-4cdd-b7b4-8899ea88d289" providerId="ADAL" clId="{D5F81756-EA00-4B65-9234-A0FB2F3D032D}" dt="2024-07-13T16:09:32.658" v="589" actId="20577"/>
+          <ac:spMkLst>
+            <pc:docMk/>
+            <pc:sldMk cId="492372888" sldId="2145706282"/>
+            <ac:spMk id="24" creationId="{F74844DB-3C3D-6251-630D-7240D0A70D82}"/>
+          </ac:spMkLst>
+        </pc:spChg>
+        <pc:spChg chg="del">
+          <ac:chgData name="Graf Thomas, INI-NET-VNC-HCS" userId="487bc3e3-9ce7-4cdd-b7b4-8899ea88d289" providerId="ADAL" clId="{D5F81756-EA00-4B65-9234-A0FB2F3D032D}" dt="2024-07-13T15:42:38.707" v="63" actId="478"/>
+          <ac:spMkLst>
+            <pc:docMk/>
+            <pc:sldMk cId="492372888" sldId="2145706282"/>
+            <ac:spMk id="226" creationId="{00000000-0000-0000-0000-000000000000}"/>
+          </ac:spMkLst>
+        </pc:spChg>
+        <pc:spChg chg="del">
+          <ac:chgData name="Graf Thomas, INI-NET-VNC-HCS" userId="487bc3e3-9ce7-4cdd-b7b4-8899ea88d289" providerId="ADAL" clId="{D5F81756-EA00-4B65-9234-A0FB2F3D032D}" dt="2024-07-13T15:42:38.707" v="63" actId="478"/>
+          <ac:spMkLst>
+            <pc:docMk/>
+            <pc:sldMk cId="492372888" sldId="2145706282"/>
+            <ac:spMk id="227" creationId="{00000000-0000-0000-0000-000000000000}"/>
+          </ac:spMkLst>
+        </pc:spChg>
+        <pc:spChg chg="del">
+          <ac:chgData name="Graf Thomas, INI-NET-VNC-HCS" userId="487bc3e3-9ce7-4cdd-b7b4-8899ea88d289" providerId="ADAL" clId="{D5F81756-EA00-4B65-9234-A0FB2F3D032D}" dt="2024-07-13T15:42:38.707" v="63" actId="478"/>
+          <ac:spMkLst>
+            <pc:docMk/>
+            <pc:sldMk cId="492372888" sldId="2145706282"/>
+            <ac:spMk id="228" creationId="{00000000-0000-0000-0000-000000000000}"/>
+          </ac:spMkLst>
+        </pc:spChg>
+        <pc:spChg chg="mod">
+          <ac:chgData name="Graf Thomas, INI-NET-VNC-HCS" userId="487bc3e3-9ce7-4cdd-b7b4-8899ea88d289" providerId="ADAL" clId="{D5F81756-EA00-4B65-9234-A0FB2F3D032D}" dt="2024-07-13T16:10:57.757" v="597" actId="20577"/>
+          <ac:spMkLst>
+            <pc:docMk/>
+            <pc:sldMk cId="492372888" sldId="2145706282"/>
+            <ac:spMk id="231" creationId="{00000000-0000-0000-0000-000000000000}"/>
+          </ac:spMkLst>
+        </pc:spChg>
+        <pc:spChg chg="del">
+          <ac:chgData name="Graf Thomas, INI-NET-VNC-HCS" userId="487bc3e3-9ce7-4cdd-b7b4-8899ea88d289" providerId="ADAL" clId="{D5F81756-EA00-4B65-9234-A0FB2F3D032D}" dt="2024-07-13T15:42:38.707" v="63" actId="478"/>
+          <ac:spMkLst>
+            <pc:docMk/>
+            <pc:sldMk cId="492372888" sldId="2145706282"/>
+            <ac:spMk id="232" creationId="{00000000-0000-0000-0000-000000000000}"/>
+          </ac:spMkLst>
+        </pc:spChg>
+        <pc:spChg chg="del">
+          <ac:chgData name="Graf Thomas, INI-NET-VNC-HCS" userId="487bc3e3-9ce7-4cdd-b7b4-8899ea88d289" providerId="ADAL" clId="{D5F81756-EA00-4B65-9234-A0FB2F3D032D}" dt="2024-07-13T15:42:38.707" v="63" actId="478"/>
+          <ac:spMkLst>
+            <pc:docMk/>
+            <pc:sldMk cId="492372888" sldId="2145706282"/>
+            <ac:spMk id="234" creationId="{00000000-0000-0000-0000-000000000000}"/>
+          </ac:spMkLst>
+        </pc:spChg>
+        <pc:spChg chg="del">
+          <ac:chgData name="Graf Thomas, INI-NET-VNC-HCS" userId="487bc3e3-9ce7-4cdd-b7b4-8899ea88d289" providerId="ADAL" clId="{D5F81756-EA00-4B65-9234-A0FB2F3D032D}" dt="2024-07-13T15:42:38.707" v="63" actId="478"/>
+          <ac:spMkLst>
+            <pc:docMk/>
+            <pc:sldMk cId="492372888" sldId="2145706282"/>
+            <ac:spMk id="235" creationId="{00000000-0000-0000-0000-000000000000}"/>
+          </ac:spMkLst>
+        </pc:spChg>
+        <pc:graphicFrameChg chg="add mod">
+          <ac:chgData name="Graf Thomas, INI-NET-VNC-HCS" userId="487bc3e3-9ce7-4cdd-b7b4-8899ea88d289" providerId="ADAL" clId="{D5F81756-EA00-4B65-9234-A0FB2F3D032D}" dt="2024-07-13T15:42:59.419" v="67"/>
+          <ac:graphicFrameMkLst>
+            <pc:docMk/>
+            <pc:sldMk cId="492372888" sldId="2145706282"/>
+            <ac:graphicFrameMk id="19" creationId="{A546FED3-E59F-243C-BAB2-70CE2751222B}"/>
+          </ac:graphicFrameMkLst>
+        </pc:graphicFrameChg>
+        <pc:cxnChg chg="add del mod">
+          <ac:chgData name="Graf Thomas, INI-NET-VNC-HCS" userId="487bc3e3-9ce7-4cdd-b7b4-8899ea88d289" providerId="ADAL" clId="{D5F81756-EA00-4B65-9234-A0FB2F3D032D}" dt="2024-07-13T15:42:51.299" v="66"/>
+          <ac:cxnSpMkLst>
+            <pc:docMk/>
+            <pc:sldMk cId="492372888" sldId="2145706282"/>
+            <ac:cxnSpMk id="5" creationId="{CFED5EEF-A24D-2EC1-E7C6-6BD6F36F592F}"/>
+          </ac:cxnSpMkLst>
+        </pc:cxnChg>
+        <pc:cxnChg chg="add del mod">
+          <ac:chgData name="Graf Thomas, INI-NET-VNC-HCS" userId="487bc3e3-9ce7-4cdd-b7b4-8899ea88d289" providerId="ADAL" clId="{D5F81756-EA00-4B65-9234-A0FB2F3D032D}" dt="2024-07-13T15:42:51.299" v="66"/>
+          <ac:cxnSpMkLst>
+            <pc:docMk/>
+            <pc:sldMk cId="492372888" sldId="2145706282"/>
+            <ac:cxnSpMk id="6" creationId="{13607882-6C1A-8940-9D55-D4E6DCE1513B}"/>
+          </ac:cxnSpMkLst>
+        </pc:cxnChg>
+        <pc:cxnChg chg="add del mod">
+          <ac:chgData name="Graf Thomas, INI-NET-VNC-HCS" userId="487bc3e3-9ce7-4cdd-b7b4-8899ea88d289" providerId="ADAL" clId="{D5F81756-EA00-4B65-9234-A0FB2F3D032D}" dt="2024-07-13T15:42:51.299" v="66"/>
+          <ac:cxnSpMkLst>
+            <pc:docMk/>
+            <pc:sldMk cId="492372888" sldId="2145706282"/>
+            <ac:cxnSpMk id="7" creationId="{2B8EBC6D-12EF-A0DA-AB94-467C7F7C5037}"/>
+          </ac:cxnSpMkLst>
+        </pc:cxnChg>
+        <pc:cxnChg chg="add del mod">
+          <ac:chgData name="Graf Thomas, INI-NET-VNC-HCS" userId="487bc3e3-9ce7-4cdd-b7b4-8899ea88d289" providerId="ADAL" clId="{D5F81756-EA00-4B65-9234-A0FB2F3D032D}" dt="2024-07-13T15:42:51.299" v="66"/>
+          <ac:cxnSpMkLst>
+            <pc:docMk/>
+            <pc:sldMk cId="492372888" sldId="2145706282"/>
+            <ac:cxnSpMk id="11" creationId="{585C6FE7-44D1-C925-9320-6E4605858B32}"/>
+          </ac:cxnSpMkLst>
+        </pc:cxnChg>
+        <pc:cxnChg chg="add mod">
+          <ac:chgData name="Graf Thomas, INI-NET-VNC-HCS" userId="487bc3e3-9ce7-4cdd-b7b4-8899ea88d289" providerId="ADAL" clId="{D5F81756-EA00-4B65-9234-A0FB2F3D032D}" dt="2024-07-13T15:42:59.419" v="67"/>
+          <ac:cxnSpMkLst>
+            <pc:docMk/>
+            <pc:sldMk cId="492372888" sldId="2145706282"/>
+            <ac:cxnSpMk id="15" creationId="{CEF6A92B-B282-4279-BF45-3D3805A69CFD}"/>
+          </ac:cxnSpMkLst>
+        </pc:cxnChg>
+        <pc:cxnChg chg="add mod">
+          <ac:chgData name="Graf Thomas, INI-NET-VNC-HCS" userId="487bc3e3-9ce7-4cdd-b7b4-8899ea88d289" providerId="ADAL" clId="{D5F81756-EA00-4B65-9234-A0FB2F3D032D}" dt="2024-07-13T15:42:59.419" v="67"/>
+          <ac:cxnSpMkLst>
+            <pc:docMk/>
+            <pc:sldMk cId="492372888" sldId="2145706282"/>
+            <ac:cxnSpMk id="16" creationId="{1DCCF47F-8DC3-9197-7101-4DE7468021A8}"/>
+          </ac:cxnSpMkLst>
+        </pc:cxnChg>
+        <pc:cxnChg chg="add mod">
+          <ac:chgData name="Graf Thomas, INI-NET-VNC-HCS" userId="487bc3e3-9ce7-4cdd-b7b4-8899ea88d289" providerId="ADAL" clId="{D5F81756-EA00-4B65-9234-A0FB2F3D032D}" dt="2024-07-13T15:42:59.419" v="67"/>
+          <ac:cxnSpMkLst>
+            <pc:docMk/>
+            <pc:sldMk cId="492372888" sldId="2145706282"/>
+            <ac:cxnSpMk id="17" creationId="{CA870199-91A5-610F-5CB6-418A1191A95D}"/>
+          </ac:cxnSpMkLst>
+        </pc:cxnChg>
+        <pc:cxnChg chg="add mod">
+          <ac:chgData name="Graf Thomas, INI-NET-VNC-HCS" userId="487bc3e3-9ce7-4cdd-b7b4-8899ea88d289" providerId="ADAL" clId="{D5F81756-EA00-4B65-9234-A0FB2F3D032D}" dt="2024-07-13T15:42:59.419" v="67"/>
+          <ac:cxnSpMkLst>
+            <pc:docMk/>
+            <pc:sldMk cId="492372888" sldId="2145706282"/>
+            <ac:cxnSpMk id="22" creationId="{FBEAF735-DF81-0A3B-9CB7-88B14D0CC205}"/>
+          </ac:cxnSpMkLst>
+        </pc:cxnChg>
+        <pc:cxnChg chg="del mod">
+          <ac:chgData name="Graf Thomas, INI-NET-VNC-HCS" userId="487bc3e3-9ce7-4cdd-b7b4-8899ea88d289" providerId="ADAL" clId="{D5F81756-EA00-4B65-9234-A0FB2F3D032D}" dt="2024-07-13T15:42:38.707" v="63" actId="478"/>
+          <ac:cxnSpMkLst>
+            <pc:docMk/>
+            <pc:sldMk cId="492372888" sldId="2145706282"/>
+            <ac:cxnSpMk id="229" creationId="{00000000-0000-0000-0000-000000000000}"/>
+          </ac:cxnSpMkLst>
+        </pc:cxnChg>
+        <pc:cxnChg chg="del mod">
+          <ac:chgData name="Graf Thomas, INI-NET-VNC-HCS" userId="487bc3e3-9ce7-4cdd-b7b4-8899ea88d289" providerId="ADAL" clId="{D5F81756-EA00-4B65-9234-A0FB2F3D032D}" dt="2024-07-13T15:42:38.707" v="63" actId="478"/>
+          <ac:cxnSpMkLst>
+            <pc:docMk/>
+            <pc:sldMk cId="492372888" sldId="2145706282"/>
+            <ac:cxnSpMk id="233" creationId="{00000000-0000-0000-0000-000000000000}"/>
+          </ac:cxnSpMkLst>
+        </pc:cxnChg>
+        <pc:cxnChg chg="del mod">
+          <ac:chgData name="Graf Thomas, INI-NET-VNC-HCS" userId="487bc3e3-9ce7-4cdd-b7b4-8899ea88d289" providerId="ADAL" clId="{D5F81756-EA00-4B65-9234-A0FB2F3D032D}" dt="2024-07-13T15:42:38.707" v="63" actId="478"/>
+          <ac:cxnSpMkLst>
+            <pc:docMk/>
+            <pc:sldMk cId="492372888" sldId="2145706282"/>
+            <ac:cxnSpMk id="236" creationId="{00000000-0000-0000-0000-000000000000}"/>
+          </ac:cxnSpMkLst>
+        </pc:cxnChg>
+        <pc:cxnChg chg="del mod">
+          <ac:chgData name="Graf Thomas, INI-NET-VNC-HCS" userId="487bc3e3-9ce7-4cdd-b7b4-8899ea88d289" providerId="ADAL" clId="{D5F81756-EA00-4B65-9234-A0FB2F3D032D}" dt="2024-07-13T15:42:38.707" v="63" actId="478"/>
+          <ac:cxnSpMkLst>
+            <pc:docMk/>
+            <pc:sldMk cId="492372888" sldId="2145706282"/>
+            <ac:cxnSpMk id="237" creationId="{00000000-0000-0000-0000-000000000000}"/>
+          </ac:cxnSpMkLst>
+        </pc:cxnChg>
+      </pc:sldChg>
+      <pc:sldChg chg="addSp delSp modSp add mod">
+        <pc:chgData name="Graf Thomas, INI-NET-VNC-HCS" userId="487bc3e3-9ce7-4cdd-b7b4-8899ea88d289" providerId="ADAL" clId="{D5F81756-EA00-4B65-9234-A0FB2F3D032D}" dt="2024-07-13T15:58:35.681" v="276" actId="20577"/>
+        <pc:sldMkLst>
+          <pc:docMk/>
+          <pc:sldMk cId="1108719720" sldId="2145706283"/>
+        </pc:sldMkLst>
+        <pc:spChg chg="add del mod">
+          <ac:chgData name="Graf Thomas, INI-NET-VNC-HCS" userId="487bc3e3-9ce7-4cdd-b7b4-8899ea88d289" providerId="ADAL" clId="{D5F81756-EA00-4B65-9234-A0FB2F3D032D}" dt="2024-07-13T15:47:23.241" v="81"/>
+          <ac:spMkLst>
+            <pc:docMk/>
+            <pc:sldMk cId="1108719720" sldId="2145706283"/>
+            <ac:spMk id="3" creationId="{0100B90D-F460-5A0A-24D1-D29B6E2D0FB2}"/>
+          </ac:spMkLst>
+        </pc:spChg>
+        <pc:spChg chg="add del mod">
+          <ac:chgData name="Graf Thomas, INI-NET-VNC-HCS" userId="487bc3e3-9ce7-4cdd-b7b4-8899ea88d289" providerId="ADAL" clId="{D5F81756-EA00-4B65-9234-A0FB2F3D032D}" dt="2024-07-13T15:47:23.241" v="81"/>
+          <ac:spMkLst>
+            <pc:docMk/>
+            <pc:sldMk cId="1108719720" sldId="2145706283"/>
+            <ac:spMk id="7" creationId="{339B05DA-E142-B0D1-30FA-2B0A78AE648F}"/>
+          </ac:spMkLst>
+        </pc:spChg>
+        <pc:spChg chg="add del mod">
+          <ac:chgData name="Graf Thomas, INI-NET-VNC-HCS" userId="487bc3e3-9ce7-4cdd-b7b4-8899ea88d289" providerId="ADAL" clId="{D5F81756-EA00-4B65-9234-A0FB2F3D032D}" dt="2024-07-13T15:47:23.241" v="81"/>
+          <ac:spMkLst>
+            <pc:docMk/>
+            <pc:sldMk cId="1108719720" sldId="2145706283"/>
+            <ac:spMk id="8" creationId="{3C4DD14F-D5F7-106A-E69C-446BB91F75DD}"/>
+          </ac:spMkLst>
+        </pc:spChg>
+        <pc:spChg chg="add del mod">
+          <ac:chgData name="Graf Thomas, INI-NET-VNC-HCS" userId="487bc3e3-9ce7-4cdd-b7b4-8899ea88d289" providerId="ADAL" clId="{D5F81756-EA00-4B65-9234-A0FB2F3D032D}" dt="2024-07-13T15:47:23.241" v="81"/>
+          <ac:spMkLst>
+            <pc:docMk/>
+            <pc:sldMk cId="1108719720" sldId="2145706283"/>
+            <ac:spMk id="9" creationId="{E08498DF-5D5E-9733-E373-63463ABC80E0}"/>
+          </ac:spMkLst>
+        </pc:spChg>
+        <pc:spChg chg="add del mod">
+          <ac:chgData name="Graf Thomas, INI-NET-VNC-HCS" userId="487bc3e3-9ce7-4cdd-b7b4-8899ea88d289" providerId="ADAL" clId="{D5F81756-EA00-4B65-9234-A0FB2F3D032D}" dt="2024-07-13T15:47:23.241" v="81"/>
+          <ac:spMkLst>
+            <pc:docMk/>
+            <pc:sldMk cId="1108719720" sldId="2145706283"/>
+            <ac:spMk id="10" creationId="{FCE5642A-0F6A-9531-73FF-ED1885B60AAB}"/>
+          </ac:spMkLst>
+        </pc:spChg>
+        <pc:spChg chg="add mod">
+          <ac:chgData name="Graf Thomas, INI-NET-VNC-HCS" userId="487bc3e3-9ce7-4cdd-b7b4-8899ea88d289" providerId="ADAL" clId="{D5F81756-EA00-4B65-9234-A0FB2F3D032D}" dt="2024-07-13T15:56:12.819" v="230" actId="255"/>
+          <ac:spMkLst>
+            <pc:docMk/>
+            <pc:sldMk cId="1108719720" sldId="2145706283"/>
+            <ac:spMk id="12" creationId="{AD9C517B-83D2-54B1-E453-87AB53D758AC}"/>
+          </ac:spMkLst>
+        </pc:spChg>
+        <pc:spChg chg="del">
+          <ac:chgData name="Graf Thomas, INI-NET-VNC-HCS" userId="487bc3e3-9ce7-4cdd-b7b4-8899ea88d289" providerId="ADAL" clId="{D5F81756-EA00-4B65-9234-A0FB2F3D032D}" dt="2024-07-13T15:47:13.984" v="78" actId="478"/>
+          <ac:spMkLst>
+            <pc:docMk/>
+            <pc:sldMk cId="1108719720" sldId="2145706283"/>
+            <ac:spMk id="14" creationId="{46649985-4213-9CB3-CD81-79D4DB248DAF}"/>
+          </ac:spMkLst>
+        </pc:spChg>
+        <pc:spChg chg="del">
+          <ac:chgData name="Graf Thomas, INI-NET-VNC-HCS" userId="487bc3e3-9ce7-4cdd-b7b4-8899ea88d289" providerId="ADAL" clId="{D5F81756-EA00-4B65-9234-A0FB2F3D032D}" dt="2024-07-13T15:47:13.984" v="78" actId="478"/>
+          <ac:spMkLst>
+            <pc:docMk/>
+            <pc:sldMk cId="1108719720" sldId="2145706283"/>
+            <ac:spMk id="18" creationId="{076CE855-379A-5BE7-9E3E-05D784B2CF9D}"/>
+          </ac:spMkLst>
+        </pc:spChg>
+        <pc:spChg chg="del">
+          <ac:chgData name="Graf Thomas, INI-NET-VNC-HCS" userId="487bc3e3-9ce7-4cdd-b7b4-8899ea88d289" providerId="ADAL" clId="{D5F81756-EA00-4B65-9234-A0FB2F3D032D}" dt="2024-07-13T15:47:13.984" v="78" actId="478"/>
+          <ac:spMkLst>
+            <pc:docMk/>
+            <pc:sldMk cId="1108719720" sldId="2145706283"/>
+            <ac:spMk id="20" creationId="{6DEE297B-FA92-D4CB-4DB8-B62139988C22}"/>
+          </ac:spMkLst>
+        </pc:spChg>
+        <pc:spChg chg="del">
+          <ac:chgData name="Graf Thomas, INI-NET-VNC-HCS" userId="487bc3e3-9ce7-4cdd-b7b4-8899ea88d289" providerId="ADAL" clId="{D5F81756-EA00-4B65-9234-A0FB2F3D032D}" dt="2024-07-13T15:47:13.984" v="78" actId="478"/>
+          <ac:spMkLst>
+            <pc:docMk/>
+            <pc:sldMk cId="1108719720" sldId="2145706283"/>
+            <ac:spMk id="21" creationId="{85D4E516-F628-FE69-DA43-10B3210E9A28}"/>
+          </ac:spMkLst>
+        </pc:spChg>
+        <pc:spChg chg="del">
+          <ac:chgData name="Graf Thomas, INI-NET-VNC-HCS" userId="487bc3e3-9ce7-4cdd-b7b4-8899ea88d289" providerId="ADAL" clId="{D5F81756-EA00-4B65-9234-A0FB2F3D032D}" dt="2024-07-13T15:47:13.984" v="78" actId="478"/>
+          <ac:spMkLst>
+            <pc:docMk/>
+            <pc:sldMk cId="1108719720" sldId="2145706283"/>
+            <ac:spMk id="23" creationId="{91B0341B-389C-4CE5-4F90-6C77E3EDD7E5}"/>
+          </ac:spMkLst>
+        </pc:spChg>
+        <pc:spChg chg="mod">
+          <ac:chgData name="Graf Thomas, INI-NET-VNC-HCS" userId="487bc3e3-9ce7-4cdd-b7b4-8899ea88d289" providerId="ADAL" clId="{D5F81756-EA00-4B65-9234-A0FB2F3D032D}" dt="2024-07-13T15:58:35.681" v="276" actId="20577"/>
+          <ac:spMkLst>
+            <pc:docMk/>
+            <pc:sldMk cId="1108719720" sldId="2145706283"/>
+            <ac:spMk id="24" creationId="{F74844DB-3C3D-6251-630D-7240D0A70D82}"/>
+          </ac:spMkLst>
+        </pc:spChg>
+        <pc:spChg chg="add mod">
+          <ac:chgData name="Graf Thomas, INI-NET-VNC-HCS" userId="487bc3e3-9ce7-4cdd-b7b4-8899ea88d289" providerId="ADAL" clId="{D5F81756-EA00-4B65-9234-A0FB2F3D032D}" dt="2024-07-13T15:56:12.819" v="230" actId="255"/>
+          <ac:spMkLst>
+            <pc:docMk/>
+            <pc:sldMk cId="1108719720" sldId="2145706283"/>
+            <ac:spMk id="27" creationId="{A0A23C6E-629E-964B-D209-55C41415F495}"/>
+          </ac:spMkLst>
+        </pc:spChg>
+        <pc:spChg chg="add mod">
+          <ac:chgData name="Graf Thomas, INI-NET-VNC-HCS" userId="487bc3e3-9ce7-4cdd-b7b4-8899ea88d289" providerId="ADAL" clId="{D5F81756-EA00-4B65-9234-A0FB2F3D032D}" dt="2024-07-13T15:56:12.819" v="230" actId="255"/>
+          <ac:spMkLst>
+            <pc:docMk/>
+            <pc:sldMk cId="1108719720" sldId="2145706283"/>
+            <ac:spMk id="29" creationId="{809AFD71-3FC6-697F-22C0-8EC176FB8038}"/>
+          </ac:spMkLst>
+        </pc:spChg>
+        <pc:spChg chg="add mod">
+          <ac:chgData name="Graf Thomas, INI-NET-VNC-HCS" userId="487bc3e3-9ce7-4cdd-b7b4-8899ea88d289" providerId="ADAL" clId="{D5F81756-EA00-4B65-9234-A0FB2F3D032D}" dt="2024-07-13T15:56:12.819" v="230" actId="255"/>
+          <ac:spMkLst>
+            <pc:docMk/>
+            <pc:sldMk cId="1108719720" sldId="2145706283"/>
+            <ac:spMk id="30" creationId="{004890FF-C65E-F04C-7769-5B2592C0DF5A}"/>
+          </ac:spMkLst>
+        </pc:spChg>
+        <pc:spChg chg="add mod">
+          <ac:chgData name="Graf Thomas, INI-NET-VNC-HCS" userId="487bc3e3-9ce7-4cdd-b7b4-8899ea88d289" providerId="ADAL" clId="{D5F81756-EA00-4B65-9234-A0FB2F3D032D}" dt="2024-07-13T15:56:12.819" v="230" actId="255"/>
+          <ac:spMkLst>
+            <pc:docMk/>
+            <pc:sldMk cId="1108719720" sldId="2145706283"/>
+            <ac:spMk id="31" creationId="{6A6F152D-314F-BC9C-874B-092EFB581BAC}"/>
+          </ac:spMkLst>
+        </pc:spChg>
+        <pc:spChg chg="mod">
+          <ac:chgData name="Graf Thomas, INI-NET-VNC-HCS" userId="487bc3e3-9ce7-4cdd-b7b4-8899ea88d289" providerId="ADAL" clId="{D5F81756-EA00-4B65-9234-A0FB2F3D032D}" dt="2024-07-13T15:55:50.133" v="228" actId="20577"/>
+          <ac:spMkLst>
+            <pc:docMk/>
+            <pc:sldMk cId="1108719720" sldId="2145706283"/>
+            <ac:spMk id="231" creationId="{00000000-0000-0000-0000-000000000000}"/>
+          </ac:spMkLst>
+        </pc:spChg>
+        <pc:graphicFrameChg chg="del">
+          <ac:chgData name="Graf Thomas, INI-NET-VNC-HCS" userId="487bc3e3-9ce7-4cdd-b7b4-8899ea88d289" providerId="ADAL" clId="{D5F81756-EA00-4B65-9234-A0FB2F3D032D}" dt="2024-07-13T15:47:18.845" v="79" actId="478"/>
+          <ac:graphicFrameMkLst>
+            <pc:docMk/>
+            <pc:sldMk cId="1108719720" sldId="2145706283"/>
+            <ac:graphicFrameMk id="19" creationId="{A546FED3-E59F-243C-BAB2-70CE2751222B}"/>
+          </ac:graphicFrameMkLst>
+        </pc:graphicFrameChg>
+        <pc:graphicFrameChg chg="add mod">
+          <ac:chgData name="Graf Thomas, INI-NET-VNC-HCS" userId="487bc3e3-9ce7-4cdd-b7b4-8899ea88d289" providerId="ADAL" clId="{D5F81756-EA00-4B65-9234-A0FB2F3D032D}" dt="2024-07-13T15:47:32.435" v="82"/>
+          <ac:graphicFrameMkLst>
+            <pc:docMk/>
+            <pc:sldMk cId="1108719720" sldId="2145706283"/>
+            <ac:graphicFrameMk id="28" creationId="{E462DE10-6669-9C49-0CAA-BEE5932E0368}"/>
+          </ac:graphicFrameMkLst>
+        </pc:graphicFrameChg>
+        <pc:cxnChg chg="add del mod">
+          <ac:chgData name="Graf Thomas, INI-NET-VNC-HCS" userId="487bc3e3-9ce7-4cdd-b7b4-8899ea88d289" providerId="ADAL" clId="{D5F81756-EA00-4B65-9234-A0FB2F3D032D}" dt="2024-07-13T15:47:23.241" v="81"/>
+          <ac:cxnSpMkLst>
+            <pc:docMk/>
+            <pc:sldMk cId="1108719720" sldId="2145706283"/>
+            <ac:cxnSpMk id="2" creationId="{91BF4AF3-83FF-48F0-5F61-F2C3AF6C8B90}"/>
+          </ac:cxnSpMkLst>
+        </pc:cxnChg>
+        <pc:cxnChg chg="add del mod">
+          <ac:chgData name="Graf Thomas, INI-NET-VNC-HCS" userId="487bc3e3-9ce7-4cdd-b7b4-8899ea88d289" providerId="ADAL" clId="{D5F81756-EA00-4B65-9234-A0FB2F3D032D}" dt="2024-07-13T15:47:23.241" v="81"/>
+          <ac:cxnSpMkLst>
+            <pc:docMk/>
+            <pc:sldMk cId="1108719720" sldId="2145706283"/>
+            <ac:cxnSpMk id="4" creationId="{DB7C81B7-5B7A-C5E8-0CC4-59BEC3F63339}"/>
+          </ac:cxnSpMkLst>
+        </pc:cxnChg>
+        <pc:cxnChg chg="add del mod">
+          <ac:chgData name="Graf Thomas, INI-NET-VNC-HCS" userId="487bc3e3-9ce7-4cdd-b7b4-8899ea88d289" providerId="ADAL" clId="{D5F81756-EA00-4B65-9234-A0FB2F3D032D}" dt="2024-07-13T15:47:23.241" v="81"/>
+          <ac:cxnSpMkLst>
+            <pc:docMk/>
+            <pc:sldMk cId="1108719720" sldId="2145706283"/>
+            <ac:cxnSpMk id="5" creationId="{34C9EB8B-6A2D-BCAC-E7D4-33FDD74CAAE4}"/>
+          </ac:cxnSpMkLst>
+        </pc:cxnChg>
+        <pc:cxnChg chg="add del mod">
+          <ac:chgData name="Graf Thomas, INI-NET-VNC-HCS" userId="487bc3e3-9ce7-4cdd-b7b4-8899ea88d289" providerId="ADAL" clId="{D5F81756-EA00-4B65-9234-A0FB2F3D032D}" dt="2024-07-13T15:47:23.241" v="81"/>
+          <ac:cxnSpMkLst>
+            <pc:docMk/>
+            <pc:sldMk cId="1108719720" sldId="2145706283"/>
+            <ac:cxnSpMk id="6" creationId="{6713B1AC-ED37-5018-7B79-0B935CE84417}"/>
+          </ac:cxnSpMkLst>
+        </pc:cxnChg>
+        <pc:cxnChg chg="add mod">
+          <ac:chgData name="Graf Thomas, INI-NET-VNC-HCS" userId="487bc3e3-9ce7-4cdd-b7b4-8899ea88d289" providerId="ADAL" clId="{D5F81756-EA00-4B65-9234-A0FB2F3D032D}" dt="2024-07-13T15:47:32.435" v="82"/>
+          <ac:cxnSpMkLst>
+            <pc:docMk/>
+            <pc:sldMk cId="1108719720" sldId="2145706283"/>
+            <ac:cxnSpMk id="11" creationId="{062C5BA3-5F91-9A56-0FB2-A157ECDE4645}"/>
+          </ac:cxnSpMkLst>
+        </pc:cxnChg>
+        <pc:cxnChg chg="add mod">
+          <ac:chgData name="Graf Thomas, INI-NET-VNC-HCS" userId="487bc3e3-9ce7-4cdd-b7b4-8899ea88d289" providerId="ADAL" clId="{D5F81756-EA00-4B65-9234-A0FB2F3D032D}" dt="2024-07-13T15:47:32.435" v="82"/>
+          <ac:cxnSpMkLst>
+            <pc:docMk/>
+            <pc:sldMk cId="1108719720" sldId="2145706283"/>
+            <ac:cxnSpMk id="13" creationId="{CEF329FF-9858-805F-3FE2-E6ED779C859D}"/>
+          </ac:cxnSpMkLst>
+        </pc:cxnChg>
+        <pc:cxnChg chg="del">
+          <ac:chgData name="Graf Thomas, INI-NET-VNC-HCS" userId="487bc3e3-9ce7-4cdd-b7b4-8899ea88d289" providerId="ADAL" clId="{D5F81756-EA00-4B65-9234-A0FB2F3D032D}" dt="2024-07-13T15:47:13.984" v="78" actId="478"/>
+          <ac:cxnSpMkLst>
+            <pc:docMk/>
+            <pc:sldMk cId="1108719720" sldId="2145706283"/>
+            <ac:cxnSpMk id="15" creationId="{CEF6A92B-B282-4279-BF45-3D3805A69CFD}"/>
+          </ac:cxnSpMkLst>
+        </pc:cxnChg>
+        <pc:cxnChg chg="del">
+          <ac:chgData name="Graf Thomas, INI-NET-VNC-HCS" userId="487bc3e3-9ce7-4cdd-b7b4-8899ea88d289" providerId="ADAL" clId="{D5F81756-EA00-4B65-9234-A0FB2F3D032D}" dt="2024-07-13T15:47:13.984" v="78" actId="478"/>
+          <ac:cxnSpMkLst>
+            <pc:docMk/>
+            <pc:sldMk cId="1108719720" sldId="2145706283"/>
+            <ac:cxnSpMk id="16" creationId="{1DCCF47F-8DC3-9197-7101-4DE7468021A8}"/>
+          </ac:cxnSpMkLst>
+        </pc:cxnChg>
+        <pc:cxnChg chg="del">
+          <ac:chgData name="Graf Thomas, INI-NET-VNC-HCS" userId="487bc3e3-9ce7-4cdd-b7b4-8899ea88d289" providerId="ADAL" clId="{D5F81756-EA00-4B65-9234-A0FB2F3D032D}" dt="2024-07-13T15:47:13.984" v="78" actId="478"/>
+          <ac:cxnSpMkLst>
+            <pc:docMk/>
+            <pc:sldMk cId="1108719720" sldId="2145706283"/>
+            <ac:cxnSpMk id="17" creationId="{CA870199-91A5-610F-5CB6-418A1191A95D}"/>
+          </ac:cxnSpMkLst>
+        </pc:cxnChg>
+        <pc:cxnChg chg="del">
+          <ac:chgData name="Graf Thomas, INI-NET-VNC-HCS" userId="487bc3e3-9ce7-4cdd-b7b4-8899ea88d289" providerId="ADAL" clId="{D5F81756-EA00-4B65-9234-A0FB2F3D032D}" dt="2024-07-13T15:47:13.984" v="78" actId="478"/>
+          <ac:cxnSpMkLst>
+            <pc:docMk/>
+            <pc:sldMk cId="1108719720" sldId="2145706283"/>
+            <ac:cxnSpMk id="22" creationId="{FBEAF735-DF81-0A3B-9CB7-88B14D0CC205}"/>
+          </ac:cxnSpMkLst>
+        </pc:cxnChg>
+        <pc:cxnChg chg="add mod">
+          <ac:chgData name="Graf Thomas, INI-NET-VNC-HCS" userId="487bc3e3-9ce7-4cdd-b7b4-8899ea88d289" providerId="ADAL" clId="{D5F81756-EA00-4B65-9234-A0FB2F3D032D}" dt="2024-07-13T15:47:32.435" v="82"/>
+          <ac:cxnSpMkLst>
+            <pc:docMk/>
+            <pc:sldMk cId="1108719720" sldId="2145706283"/>
+            <ac:cxnSpMk id="25" creationId="{AF5E5FD4-37C3-D6F8-F40D-7E093B667EC3}"/>
+          </ac:cxnSpMkLst>
+        </pc:cxnChg>
+        <pc:cxnChg chg="add mod">
+          <ac:chgData name="Graf Thomas, INI-NET-VNC-HCS" userId="487bc3e3-9ce7-4cdd-b7b4-8899ea88d289" providerId="ADAL" clId="{D5F81756-EA00-4B65-9234-A0FB2F3D032D}" dt="2024-07-13T15:47:32.435" v="82"/>
+          <ac:cxnSpMkLst>
+            <pc:docMk/>
+            <pc:sldMk cId="1108719720" sldId="2145706283"/>
+            <ac:cxnSpMk id="26" creationId="{FC2ED9A3-59E2-4C02-0C42-7DF18209075A}"/>
+          </ac:cxnSpMkLst>
+        </pc:cxnChg>
+      </pc:sldChg>
+      <pc:sldMasterChg chg="del delSldLayout">
+        <pc:chgData name="Graf Thomas, INI-NET-VNC-HCS" userId="487bc3e3-9ce7-4cdd-b7b4-8899ea88d289" providerId="ADAL" clId="{D5F81756-EA00-4B65-9234-A0FB2F3D032D}" dt="2024-07-13T15:49:07.497" v="91" actId="47"/>
+        <pc:sldMasterMkLst>
+          <pc:docMk/>
+          <pc:sldMasterMk cId="199130848" sldId="2147483661"/>
+        </pc:sldMasterMkLst>
+        <pc:sldLayoutChg chg="del">
+          <pc:chgData name="Graf Thomas, INI-NET-VNC-HCS" userId="487bc3e3-9ce7-4cdd-b7b4-8899ea88d289" providerId="ADAL" clId="{D5F81756-EA00-4B65-9234-A0FB2F3D032D}" dt="2024-07-13T15:49:07.497" v="91" actId="47"/>
+          <pc:sldLayoutMkLst>
+            <pc:docMk/>
+            <pc:sldMasterMk cId="199130848" sldId="2147483661"/>
+            <pc:sldLayoutMk cId="1681043081" sldId="2147483662"/>
+          </pc:sldLayoutMkLst>
+        </pc:sldLayoutChg>
+        <pc:sldLayoutChg chg="del">
+          <pc:chgData name="Graf Thomas, INI-NET-VNC-HCS" userId="487bc3e3-9ce7-4cdd-b7b4-8899ea88d289" providerId="ADAL" clId="{D5F81756-EA00-4B65-9234-A0FB2F3D032D}" dt="2024-07-13T15:49:07.497" v="91" actId="47"/>
+          <pc:sldLayoutMkLst>
+            <pc:docMk/>
+            <pc:sldMasterMk cId="199130848" sldId="2147483661"/>
+            <pc:sldLayoutMk cId="2977211289" sldId="2147483663"/>
+          </pc:sldLayoutMkLst>
+        </pc:sldLayoutChg>
+        <pc:sldLayoutChg chg="del">
+          <pc:chgData name="Graf Thomas, INI-NET-VNC-HCS" userId="487bc3e3-9ce7-4cdd-b7b4-8899ea88d289" providerId="ADAL" clId="{D5F81756-EA00-4B65-9234-A0FB2F3D032D}" dt="2024-07-13T15:49:07.497" v="91" actId="47"/>
+          <pc:sldLayoutMkLst>
+            <pc:docMk/>
+            <pc:sldMasterMk cId="199130848" sldId="2147483661"/>
+            <pc:sldLayoutMk cId="243128613" sldId="2147483664"/>
+          </pc:sldLayoutMkLst>
+        </pc:sldLayoutChg>
+        <pc:sldLayoutChg chg="del">
+          <pc:chgData name="Graf Thomas, INI-NET-VNC-HCS" userId="487bc3e3-9ce7-4cdd-b7b4-8899ea88d289" providerId="ADAL" clId="{D5F81756-EA00-4B65-9234-A0FB2F3D032D}" dt="2024-07-13T15:49:07.497" v="91" actId="47"/>
+          <pc:sldLayoutMkLst>
+            <pc:docMk/>
+            <pc:sldMasterMk cId="199130848" sldId="2147483661"/>
+            <pc:sldLayoutMk cId="2963072395" sldId="2147483665"/>
+          </pc:sldLayoutMkLst>
+        </pc:sldLayoutChg>
+        <pc:sldLayoutChg chg="del">
+          <pc:chgData name="Graf Thomas, INI-NET-VNC-HCS" userId="487bc3e3-9ce7-4cdd-b7b4-8899ea88d289" providerId="ADAL" clId="{D5F81756-EA00-4B65-9234-A0FB2F3D032D}" dt="2024-07-13T15:49:07.497" v="91" actId="47"/>
+          <pc:sldLayoutMkLst>
+            <pc:docMk/>
+            <pc:sldMasterMk cId="199130848" sldId="2147483661"/>
+            <pc:sldLayoutMk cId="1090302247" sldId="2147483666"/>
+          </pc:sldLayoutMkLst>
+        </pc:sldLayoutChg>
+        <pc:sldLayoutChg chg="del">
+          <pc:chgData name="Graf Thomas, INI-NET-VNC-HCS" userId="487bc3e3-9ce7-4cdd-b7b4-8899ea88d289" providerId="ADAL" clId="{D5F81756-EA00-4B65-9234-A0FB2F3D032D}" dt="2024-07-13T15:49:07.497" v="91" actId="47"/>
+          <pc:sldLayoutMkLst>
+            <pc:docMk/>
+            <pc:sldMasterMk cId="199130848" sldId="2147483661"/>
+            <pc:sldLayoutMk cId="389885364" sldId="2147483667"/>
+          </pc:sldLayoutMkLst>
+        </pc:sldLayoutChg>
+        <pc:sldLayoutChg chg="del">
+          <pc:chgData name="Graf Thomas, INI-NET-VNC-HCS" userId="487bc3e3-9ce7-4cdd-b7b4-8899ea88d289" providerId="ADAL" clId="{D5F81756-EA00-4B65-9234-A0FB2F3D032D}" dt="2024-07-13T15:49:07.497" v="91" actId="47"/>
+          <pc:sldLayoutMkLst>
+            <pc:docMk/>
+            <pc:sldMasterMk cId="199130848" sldId="2147483661"/>
+            <pc:sldLayoutMk cId="2449008765" sldId="2147483668"/>
+          </pc:sldLayoutMkLst>
+        </pc:sldLayoutChg>
+        <pc:sldLayoutChg chg="del">
+          <pc:chgData name="Graf Thomas, INI-NET-VNC-HCS" userId="487bc3e3-9ce7-4cdd-b7b4-8899ea88d289" providerId="ADAL" clId="{D5F81756-EA00-4B65-9234-A0FB2F3D032D}" dt="2024-07-13T15:49:07.497" v="91" actId="47"/>
+          <pc:sldLayoutMkLst>
+            <pc:docMk/>
+            <pc:sldMasterMk cId="199130848" sldId="2147483661"/>
+            <pc:sldLayoutMk cId="2646644082" sldId="2147483669"/>
+          </pc:sldLayoutMkLst>
+        </pc:sldLayoutChg>
+        <pc:sldLayoutChg chg="del">
+          <pc:chgData name="Graf Thomas, INI-NET-VNC-HCS" userId="487bc3e3-9ce7-4cdd-b7b4-8899ea88d289" providerId="ADAL" clId="{D5F81756-EA00-4B65-9234-A0FB2F3D032D}" dt="2024-07-13T15:49:07.497" v="91" actId="47"/>
+          <pc:sldLayoutMkLst>
+            <pc:docMk/>
+            <pc:sldMasterMk cId="199130848" sldId="2147483661"/>
+            <pc:sldLayoutMk cId="2784012227" sldId="2147483670"/>
+          </pc:sldLayoutMkLst>
+        </pc:sldLayoutChg>
+        <pc:sldLayoutChg chg="del">
+          <pc:chgData name="Graf Thomas, INI-NET-VNC-HCS" userId="487bc3e3-9ce7-4cdd-b7b4-8899ea88d289" providerId="ADAL" clId="{D5F81756-EA00-4B65-9234-A0FB2F3D032D}" dt="2024-07-13T15:49:07.497" v="91" actId="47"/>
+          <pc:sldLayoutMkLst>
+            <pc:docMk/>
+            <pc:sldMasterMk cId="199130848" sldId="2147483661"/>
+            <pc:sldLayoutMk cId="4016650525" sldId="2147483671"/>
+          </pc:sldLayoutMkLst>
+        </pc:sldLayoutChg>
+        <pc:sldLayoutChg chg="del">
+          <pc:chgData name="Graf Thomas, INI-NET-VNC-HCS" userId="487bc3e3-9ce7-4cdd-b7b4-8899ea88d289" providerId="ADAL" clId="{D5F81756-EA00-4B65-9234-A0FB2F3D032D}" dt="2024-07-13T15:49:07.497" v="91" actId="47"/>
+          <pc:sldLayoutMkLst>
+            <pc:docMk/>
+            <pc:sldMasterMk cId="199130848" sldId="2147483661"/>
+            <pc:sldLayoutMk cId="2538429098" sldId="2147483672"/>
+          </pc:sldLayoutMkLst>
+        </pc:sldLayoutChg>
+        <pc:sldLayoutChg chg="del">
+          <pc:chgData name="Graf Thomas, INI-NET-VNC-HCS" userId="487bc3e3-9ce7-4cdd-b7b4-8899ea88d289" providerId="ADAL" clId="{D5F81756-EA00-4B65-9234-A0FB2F3D032D}" dt="2024-07-13T15:49:07.497" v="91" actId="47"/>
+          <pc:sldLayoutMkLst>
+            <pc:docMk/>
+            <pc:sldMasterMk cId="199130848" sldId="2147483661"/>
+            <pc:sldLayoutMk cId="582256069" sldId="2147483673"/>
+          </pc:sldLayoutMkLst>
+        </pc:sldLayoutChg>
+        <pc:sldLayoutChg chg="del">
+          <pc:chgData name="Graf Thomas, INI-NET-VNC-HCS" userId="487bc3e3-9ce7-4cdd-b7b4-8899ea88d289" providerId="ADAL" clId="{D5F81756-EA00-4B65-9234-A0FB2F3D032D}" dt="2024-07-13T15:49:07.497" v="91" actId="47"/>
+          <pc:sldLayoutMkLst>
+            <pc:docMk/>
+            <pc:sldMasterMk cId="199130848" sldId="2147483661"/>
+            <pc:sldLayoutMk cId="129671145" sldId="2147483674"/>
+          </pc:sldLayoutMkLst>
+        </pc:sldLayoutChg>
+        <pc:sldLayoutChg chg="del">
+          <pc:chgData name="Graf Thomas, INI-NET-VNC-HCS" userId="487bc3e3-9ce7-4cdd-b7b4-8899ea88d289" providerId="ADAL" clId="{D5F81756-EA00-4B65-9234-A0FB2F3D032D}" dt="2024-07-13T15:49:07.497" v="91" actId="47"/>
+          <pc:sldLayoutMkLst>
+            <pc:docMk/>
+            <pc:sldMasterMk cId="199130848" sldId="2147483661"/>
+            <pc:sldLayoutMk cId="3821018312" sldId="2147483675"/>
+          </pc:sldLayoutMkLst>
+        </pc:sldLayoutChg>
+        <pc:sldLayoutChg chg="del">
+          <pc:chgData name="Graf Thomas, INI-NET-VNC-HCS" userId="487bc3e3-9ce7-4cdd-b7b4-8899ea88d289" providerId="ADAL" clId="{D5F81756-EA00-4B65-9234-A0FB2F3D032D}" dt="2024-07-13T15:49:07.497" v="91" actId="47"/>
+          <pc:sldLayoutMkLst>
+            <pc:docMk/>
+            <pc:sldMasterMk cId="199130848" sldId="2147483661"/>
+            <pc:sldLayoutMk cId="3076956421" sldId="2147483676"/>
+          </pc:sldLayoutMkLst>
+        </pc:sldLayoutChg>
+        <pc:sldLayoutChg chg="del">
+          <pc:chgData name="Graf Thomas, INI-NET-VNC-HCS" userId="487bc3e3-9ce7-4cdd-b7b4-8899ea88d289" providerId="ADAL" clId="{D5F81756-EA00-4B65-9234-A0FB2F3D032D}" dt="2024-07-13T15:49:07.497" v="91" actId="47"/>
+          <pc:sldLayoutMkLst>
+            <pc:docMk/>
+            <pc:sldMasterMk cId="199130848" sldId="2147483661"/>
+            <pc:sldLayoutMk cId="1408353582" sldId="2147483677"/>
+          </pc:sldLayoutMkLst>
+        </pc:sldLayoutChg>
+        <pc:sldLayoutChg chg="del">
+          <pc:chgData name="Graf Thomas, INI-NET-VNC-HCS" userId="487bc3e3-9ce7-4cdd-b7b4-8899ea88d289" providerId="ADAL" clId="{D5F81756-EA00-4B65-9234-A0FB2F3D032D}" dt="2024-07-13T15:49:07.497" v="91" actId="47"/>
+          <pc:sldLayoutMkLst>
+            <pc:docMk/>
+            <pc:sldMasterMk cId="199130848" sldId="2147483661"/>
+            <pc:sldLayoutMk cId="3406652537" sldId="2147483678"/>
+          </pc:sldLayoutMkLst>
+        </pc:sldLayoutChg>
+        <pc:sldLayoutChg chg="del">
+          <pc:chgData name="Graf Thomas, INI-NET-VNC-HCS" userId="487bc3e3-9ce7-4cdd-b7b4-8899ea88d289" providerId="ADAL" clId="{D5F81756-EA00-4B65-9234-A0FB2F3D032D}" dt="2024-07-13T15:49:07.497" v="91" actId="47"/>
+          <pc:sldLayoutMkLst>
+            <pc:docMk/>
+            <pc:sldMasterMk cId="199130848" sldId="2147483661"/>
+            <pc:sldLayoutMk cId="4120502027" sldId="2147483679"/>
+          </pc:sldLayoutMkLst>
+        </pc:sldLayoutChg>
+        <pc:sldLayoutChg chg="del">
+          <pc:chgData name="Graf Thomas, INI-NET-VNC-HCS" userId="487bc3e3-9ce7-4cdd-b7b4-8899ea88d289" providerId="ADAL" clId="{D5F81756-EA00-4B65-9234-A0FB2F3D032D}" dt="2024-07-13T15:49:07.497" v="91" actId="47"/>
+          <pc:sldLayoutMkLst>
+            <pc:docMk/>
+            <pc:sldMasterMk cId="199130848" sldId="2147483661"/>
+            <pc:sldLayoutMk cId="896036100" sldId="2147483680"/>
+          </pc:sldLayoutMkLst>
+        </pc:sldLayoutChg>
+        <pc:sldLayoutChg chg="del">
+          <pc:chgData name="Graf Thomas, INI-NET-VNC-HCS" userId="487bc3e3-9ce7-4cdd-b7b4-8899ea88d289" providerId="ADAL" clId="{D5F81756-EA00-4B65-9234-A0FB2F3D032D}" dt="2024-07-13T15:49:07.497" v="91" actId="47"/>
+          <pc:sldLayoutMkLst>
+            <pc:docMk/>
+            <pc:sldMasterMk cId="199130848" sldId="2147483661"/>
+            <pc:sldLayoutMk cId="2984139602" sldId="2147483681"/>
+          </pc:sldLayoutMkLst>
+        </pc:sldLayoutChg>
+      </pc:sldMasterChg>
     </pc:docChg>
   </pc:docChgLst>
 </pc:chgInfo>
+</file>
+
+<file path=ppt/charts/chart1.xml><?xml version="1.0" encoding="utf-8"?>
+<c:chartSpace xmlns:c="http://schemas.openxmlformats.org/drawingml/2006/chart" xmlns:a="http://schemas.openxmlformats.org/drawingml/2006/main" xmlns:r="http://schemas.openxmlformats.org/officeDocument/2006/relationships" xmlns:c16r2="http://schemas.microsoft.com/office/drawing/2015/06/chart">
+  <c:date1904 val="0"/>
+  <c:lang val="en-US"/>
+  <c:roundedCorners val="0"/>
+  <mc:AlternateContent xmlns:mc="http://schemas.openxmlformats.org/markup-compatibility/2006">
+    <mc:Choice xmlns:c14="http://schemas.microsoft.com/office/drawing/2007/8/2/chart" Requires="c14">
+      <c14:style val="102"/>
+    </mc:Choice>
+    <mc:Fallback>
+      <c:style val="2"/>
+    </mc:Fallback>
+  </mc:AlternateContent>
+  <c:chart>
+    <c:autoTitleDeleted val="1"/>
+    <c:plotArea>
+      <c:layout>
+        <c:manualLayout>
+          <c:layoutTarget val="inner"/>
+          <c:xMode val="edge"/>
+          <c:yMode val="edge"/>
+          <c:x val="3.2089569160997734E-2"/>
+          <c:y val="3.2089852607709753E-2"/>
+          <c:w val="0.9358205782312925"/>
+          <c:h val="0.9358205782312925"/>
+        </c:manualLayout>
+      </c:layout>
+      <c:doughnutChart>
+        <c:varyColors val="1"/>
+        <c:ser>
+          <c:idx val="0"/>
+          <c:order val="0"/>
+          <c:tx>
+            <c:strRef>
+              <c:f>Tabelle1!$B$1</c:f>
+              <c:strCache>
+                <c:ptCount val="1"/>
+                <c:pt idx="0">
+                  <c:v>Spalte1</c:v>
+                </c:pt>
+              </c:strCache>
+            </c:strRef>
+          </c:tx>
+          <c:spPr>
+            <a:ln w="28575">
+              <a:solidFill>
+                <a:schemeClr val="bg1"/>
+              </a:solidFill>
+            </a:ln>
+          </c:spPr>
+          <c:dPt>
+            <c:idx val="0"/>
+            <c:bubble3D val="0"/>
+            <c:spPr>
+              <a:solidFill>
+                <a:srgbClr val="00B050"/>
+              </a:solidFill>
+              <a:ln w="28575">
+                <a:solidFill>
+                  <a:schemeClr val="bg1"/>
+                </a:solidFill>
+              </a:ln>
+            </c:spPr>
+            <c:extLst>
+              <c:ext xmlns:c16="http://schemas.microsoft.com/office/drawing/2014/chart" uri="{C3380CC4-5D6E-409C-BE32-E72D297353CC}">
+                <c16:uniqueId val="{00000001-7078-4526-9CAC-793690511593}"/>
+              </c:ext>
+            </c:extLst>
+          </c:dPt>
+          <c:dPt>
+            <c:idx val="1"/>
+            <c:bubble3D val="0"/>
+            <c:spPr>
+              <a:solidFill>
+                <a:srgbClr val="FF0000"/>
+              </a:solidFill>
+              <a:ln w="28575">
+                <a:solidFill>
+                  <a:schemeClr val="bg1"/>
+                </a:solidFill>
+              </a:ln>
+            </c:spPr>
+            <c:extLst>
+              <c:ext xmlns:c16="http://schemas.microsoft.com/office/drawing/2014/chart" uri="{C3380CC4-5D6E-409C-BE32-E72D297353CC}">
+                <c16:uniqueId val="{00000003-7078-4526-9CAC-793690511593}"/>
+              </c:ext>
+            </c:extLst>
+          </c:dPt>
+          <c:dPt>
+            <c:idx val="2"/>
+            <c:bubble3D val="0"/>
+            <c:spPr>
+              <a:solidFill>
+                <a:srgbClr val="FFC000"/>
+              </a:solidFill>
+              <a:ln w="28575">
+                <a:solidFill>
+                  <a:schemeClr val="bg1"/>
+                </a:solidFill>
+              </a:ln>
+            </c:spPr>
+            <c:extLst>
+              <c:ext xmlns:c16="http://schemas.microsoft.com/office/drawing/2014/chart" uri="{C3380CC4-5D6E-409C-BE32-E72D297353CC}">
+                <c16:uniqueId val="{00000005-7078-4526-9CAC-793690511593}"/>
+              </c:ext>
+            </c:extLst>
+          </c:dPt>
+          <c:dPt>
+            <c:idx val="3"/>
+            <c:bubble3D val="0"/>
+            <c:spPr>
+              <a:solidFill>
+                <a:srgbClr val="92D050"/>
+              </a:solidFill>
+              <a:ln w="28575">
+                <a:solidFill>
+                  <a:schemeClr val="bg1"/>
+                </a:solidFill>
+              </a:ln>
+            </c:spPr>
+            <c:extLst>
+              <c:ext xmlns:c16="http://schemas.microsoft.com/office/drawing/2014/chart" uri="{C3380CC4-5D6E-409C-BE32-E72D297353CC}">
+                <c16:uniqueId val="{00000007-7078-4526-9CAC-793690511593}"/>
+              </c:ext>
+            </c:extLst>
+          </c:dPt>
+          <c:cat>
+            <c:strRef>
+              <c:f>Tabelle1!$A$2:$A$5</c:f>
+              <c:strCache>
+                <c:ptCount val="4"/>
+                <c:pt idx="0">
+                  <c:v>Realtime</c:v>
+                </c:pt>
+                <c:pt idx="1">
+                  <c:v>Replay</c:v>
+                </c:pt>
+                <c:pt idx="2">
+                  <c:v>Falls Delay</c:v>
+                </c:pt>
+                <c:pt idx="3">
+                  <c:v>Falls Previous</c:v>
+                </c:pt>
+              </c:strCache>
+            </c:strRef>
+          </c:cat>
+          <c:val>
+            <c:numRef>
+              <c:f>Tabelle1!$B$2:$B$5</c:f>
+              <c:numCache>
+                <c:formatCode>General</c:formatCode>
+                <c:ptCount val="4"/>
+                <c:pt idx="0">
+                  <c:v>7</c:v>
+                </c:pt>
+                <c:pt idx="1">
+                  <c:v>3</c:v>
+                </c:pt>
+                <c:pt idx="2">
+                  <c:v>11</c:v>
+                </c:pt>
+                <c:pt idx="3">
+                  <c:v>3</c:v>
+                </c:pt>
+              </c:numCache>
+            </c:numRef>
+          </c:val>
+          <c:extLst>
+            <c:ext xmlns:c16="http://schemas.microsoft.com/office/drawing/2014/chart" uri="{C3380CC4-5D6E-409C-BE32-E72D297353CC}">
+              <c16:uniqueId val="{00000008-7078-4526-9CAC-793690511593}"/>
+            </c:ext>
+          </c:extLst>
+        </c:ser>
+        <c:dLbls>
+          <c:showLegendKey val="0"/>
+          <c:showVal val="0"/>
+          <c:showCatName val="0"/>
+          <c:showSerName val="0"/>
+          <c:showPercent val="0"/>
+          <c:showBubbleSize val="0"/>
+          <c:showLeaderLines val="1"/>
+        </c:dLbls>
+        <c:firstSliceAng val="0"/>
+        <c:holeSize val="64"/>
+      </c:doughnutChart>
+    </c:plotArea>
+    <c:plotVisOnly val="1"/>
+    <c:dispBlanksAs val="gap"/>
+    <c:showDLblsOverMax val="0"/>
+  </c:chart>
+  <c:txPr>
+    <a:bodyPr/>
+    <a:lstStyle/>
+    <a:p>
+      <a:pPr>
+        <a:defRPr sz="1800"/>
+      </a:pPr>
+      <a:endParaRPr lang="de-DE"/>
+    </a:p>
+  </c:txPr>
+  <c:externalData r:id="rId1">
+    <c:autoUpdate val="0"/>
+  </c:externalData>
+</c:chartSpace>
+</file>
+
+<file path=ppt/charts/chart2.xml><?xml version="1.0" encoding="utf-8"?>
+<c:chartSpace xmlns:c="http://schemas.openxmlformats.org/drawingml/2006/chart" xmlns:a="http://schemas.openxmlformats.org/drawingml/2006/main" xmlns:r="http://schemas.openxmlformats.org/officeDocument/2006/relationships" xmlns:c16r2="http://schemas.microsoft.com/office/drawing/2015/06/chart">
+  <c:date1904 val="0"/>
+  <c:lang val="en-US"/>
+  <c:roundedCorners val="0"/>
+  <mc:AlternateContent xmlns:mc="http://schemas.openxmlformats.org/markup-compatibility/2006">
+    <mc:Choice xmlns:c14="http://schemas.microsoft.com/office/drawing/2007/8/2/chart" Requires="c14">
+      <c14:style val="102"/>
+    </mc:Choice>
+    <mc:Fallback>
+      <c:style val="2"/>
+    </mc:Fallback>
+  </mc:AlternateContent>
+  <c:chart>
+    <c:autoTitleDeleted val="1"/>
+    <c:plotArea>
+      <c:layout>
+        <c:manualLayout>
+          <c:layoutTarget val="inner"/>
+          <c:xMode val="edge"/>
+          <c:yMode val="edge"/>
+          <c:x val="3.2089569160997734E-2"/>
+          <c:y val="3.2089852607709753E-2"/>
+          <c:w val="0.9358205782312925"/>
+          <c:h val="0.9358205782312925"/>
+        </c:manualLayout>
+      </c:layout>
+      <c:doughnutChart>
+        <c:varyColors val="1"/>
+        <c:ser>
+          <c:idx val="0"/>
+          <c:order val="0"/>
+          <c:tx>
+            <c:strRef>
+              <c:f>Tabelle1!$B$1</c:f>
+              <c:strCache>
+                <c:ptCount val="1"/>
+                <c:pt idx="0">
+                  <c:v>Spalte1</c:v>
+                </c:pt>
+              </c:strCache>
+            </c:strRef>
+          </c:tx>
+          <c:spPr>
+            <a:ln w="28575">
+              <a:solidFill>
+                <a:schemeClr val="bg1"/>
+              </a:solidFill>
+            </a:ln>
+          </c:spPr>
+          <c:dPt>
+            <c:idx val="0"/>
+            <c:bubble3D val="0"/>
+            <c:spPr>
+              <a:solidFill>
+                <a:srgbClr val="FFFF00"/>
+              </a:solidFill>
+              <a:ln w="28575">
+                <a:solidFill>
+                  <a:schemeClr val="bg1"/>
+                </a:solidFill>
+              </a:ln>
+            </c:spPr>
+            <c:extLst>
+              <c:ext xmlns:c16="http://schemas.microsoft.com/office/drawing/2014/chart" uri="{C3380CC4-5D6E-409C-BE32-E72D297353CC}">
+                <c16:uniqueId val="{00000001-2861-456B-B7E3-5C063004379B}"/>
+              </c:ext>
+            </c:extLst>
+          </c:dPt>
+          <c:dPt>
+            <c:idx val="1"/>
+            <c:bubble3D val="0"/>
+            <c:spPr>
+              <a:solidFill>
+                <a:srgbClr val="00B050"/>
+              </a:solidFill>
+              <a:ln w="28575">
+                <a:solidFill>
+                  <a:schemeClr val="bg1"/>
+                </a:solidFill>
+              </a:ln>
+            </c:spPr>
+            <c:extLst>
+              <c:ext xmlns:c16="http://schemas.microsoft.com/office/drawing/2014/chart" uri="{C3380CC4-5D6E-409C-BE32-E72D297353CC}">
+                <c16:uniqueId val="{00000003-2861-456B-B7E3-5C063004379B}"/>
+              </c:ext>
+            </c:extLst>
+          </c:dPt>
+          <c:dPt>
+            <c:idx val="2"/>
+            <c:bubble3D val="0"/>
+            <c:spPr>
+              <a:solidFill>
+                <a:srgbClr val="92D050"/>
+              </a:solidFill>
+              <a:ln w="28575">
+                <a:solidFill>
+                  <a:schemeClr val="bg1"/>
+                </a:solidFill>
+              </a:ln>
+            </c:spPr>
+            <c:extLst>
+              <c:ext xmlns:c16="http://schemas.microsoft.com/office/drawing/2014/chart" uri="{C3380CC4-5D6E-409C-BE32-E72D297353CC}">
+                <c16:uniqueId val="{00000005-2861-456B-B7E3-5C063004379B}"/>
+              </c:ext>
+            </c:extLst>
+          </c:dPt>
+          <c:dPt>
+            <c:idx val="3"/>
+            <c:bubble3D val="0"/>
+            <c:spPr>
+              <a:solidFill>
+                <a:srgbClr val="FFC000"/>
+              </a:solidFill>
+              <a:ln w="28575">
+                <a:solidFill>
+                  <a:schemeClr val="bg1"/>
+                </a:solidFill>
+              </a:ln>
+            </c:spPr>
+            <c:extLst>
+              <c:ext xmlns:c16="http://schemas.microsoft.com/office/drawing/2014/chart" uri="{C3380CC4-5D6E-409C-BE32-E72D297353CC}">
+                <c16:uniqueId val="{00000007-2861-456B-B7E3-5C063004379B}"/>
+              </c:ext>
+            </c:extLst>
+          </c:dPt>
+          <c:cat>
+            <c:strRef>
+              <c:f>Tabelle1!$A$2:$A$5</c:f>
+              <c:strCache>
+                <c:ptCount val="4"/>
+                <c:pt idx="0">
+                  <c:v>One</c:v>
+                </c:pt>
+                <c:pt idx="1">
+                  <c:v>Two</c:v>
+                </c:pt>
+                <c:pt idx="2">
+                  <c:v>Three</c:v>
+                </c:pt>
+                <c:pt idx="3">
+                  <c:v>Four</c:v>
+                </c:pt>
+              </c:strCache>
+            </c:strRef>
+          </c:cat>
+          <c:val>
+            <c:numRef>
+              <c:f>Tabelle1!$B$2:$B$5</c:f>
+              <c:numCache>
+                <c:formatCode>General</c:formatCode>
+                <c:ptCount val="4"/>
+                <c:pt idx="0">
+                  <c:v>3</c:v>
+                </c:pt>
+                <c:pt idx="1">
+                  <c:v>8</c:v>
+                </c:pt>
+                <c:pt idx="2">
+                  <c:v>6</c:v>
+                </c:pt>
+                <c:pt idx="3">
+                  <c:v>2</c:v>
+                </c:pt>
+              </c:numCache>
+            </c:numRef>
+          </c:val>
+          <c:extLst>
+            <c:ext xmlns:c16="http://schemas.microsoft.com/office/drawing/2014/chart" uri="{C3380CC4-5D6E-409C-BE32-E72D297353CC}">
+              <c16:uniqueId val="{00000008-2861-456B-B7E3-5C063004379B}"/>
+            </c:ext>
+          </c:extLst>
+        </c:ser>
+        <c:dLbls>
+          <c:showLegendKey val="0"/>
+          <c:showVal val="0"/>
+          <c:showCatName val="0"/>
+          <c:showSerName val="0"/>
+          <c:showPercent val="0"/>
+          <c:showBubbleSize val="0"/>
+          <c:showLeaderLines val="1"/>
+        </c:dLbls>
+        <c:firstSliceAng val="0"/>
+        <c:holeSize val="64"/>
+      </c:doughnutChart>
+    </c:plotArea>
+    <c:plotVisOnly val="1"/>
+    <c:dispBlanksAs val="gap"/>
+    <c:showDLblsOverMax val="0"/>
+  </c:chart>
+  <c:txPr>
+    <a:bodyPr/>
+    <a:lstStyle/>
+    <a:p>
+      <a:pPr>
+        <a:defRPr sz="1800"/>
+      </a:pPr>
+      <a:endParaRPr lang="de-DE"/>
+    </a:p>
+  </c:txPr>
+  <c:externalData r:id="rId1">
+    <c:autoUpdate val="0"/>
+  </c:externalData>
+</c:chartSpace>
 </file>
 
 <file path=ppt/notesMasters/notesMaster1.xml><?xml version="1.0" encoding="utf-8"?>
@@ -879,7 +1405,7 @@
           <a:p>
             <a:fld id="{E5E705E9-673F-4AC4-B29E-A7B26F3B8523}" type="datetimeFigureOut">
               <a:rPr lang="de-CH" smtClean="0"/>
-              <a:t>12.07.2024</a:t>
+              <a:t>13.07.2024</a:t>
             </a:fld>
             <a:endParaRPr lang="de-CH"/>
           </a:p>
@@ -1400,11 +1926,11 @@
 </file>
 
 <file path=ppt/notesSlides/notesSlide4.xml><?xml version="1.0" encoding="utf-8"?>
-<p:notes xmlns:a="http://schemas.openxmlformats.org/drawingml/2006/main" xmlns:r="http://schemas.openxmlformats.org/officeDocument/2006/relationships" xmlns:p="http://schemas.openxmlformats.org/presentationml/2006/main">
+<p:notes xmlns:a="http://schemas.openxmlformats.org/drawingml/2006/main" xmlns:r="http://schemas.openxmlformats.org/officeDocument/2006/relationships" xmlns:p="http://schemas.openxmlformats.org/presentationml/2006/main" showMasterSp="0" showMasterPhAnim="0">
   <p:cSld>
     <p:spTree>
       <p:nvGrpSpPr>
-        <p:cNvPr id="1" name=""/>
+        <p:cNvPr id="1" name="Shape 212"/>
         <p:cNvGrpSpPr/>
         <p:nvPr/>
       </p:nvGrpSpPr>
@@ -1418,44 +1944,295 @@
       </p:grpSpPr>
       <p:sp>
         <p:nvSpPr>
-          <p:cNvPr id="2" name="Folienbildplatzhalter 1"/>
-          <p:cNvSpPr>
-            <a:spLocks noGrp="1" noRot="1" noChangeAspect="1"/>
-          </p:cNvSpPr>
-          <p:nvPr>
-            <p:ph type="sldImg"/>
-          </p:nvPr>
-        </p:nvSpPr>
-        <p:spPr>
-          <a:xfrm>
-            <a:off x="381000" y="685800"/>
-            <a:ext cx="6096000" cy="3429000"/>
-          </a:xfrm>
-        </p:spPr>
-      </p:sp>
-      <p:sp>
-        <p:nvSpPr>
-          <p:cNvPr id="3" name="Notizenplatzhalter 2"/>
-          <p:cNvSpPr>
+          <p:cNvPr id="213" name="Google Shape;213;p8:notes"/>
+          <p:cNvSpPr txBox="1">
             <a:spLocks noGrp="1"/>
           </p:cNvSpPr>
           <p:nvPr>
             <p:ph type="body" idx="1"/>
           </p:nvPr>
         </p:nvSpPr>
-        <p:spPr/>
+        <p:spPr>
+          <a:xfrm>
+            <a:off x="685800" y="4400550"/>
+            <a:ext cx="5486400" cy="3600450"/>
+          </a:xfrm>
+          <a:prstGeom prst="rect">
+            <a:avLst/>
+          </a:prstGeom>
+        </p:spPr>
         <p:txBody>
-          <a:bodyPr/>
+          <a:bodyPr spcFirstLastPara="1" wrap="square" lIns="91425" tIns="45700" rIns="91425" bIns="45700" anchor="t" anchorCtr="0">
+            <a:noAutofit/>
+          </a:bodyPr>
           <a:lstStyle/>
           <a:p>
-            <a:endParaRPr lang="de-CH"/>
+            <a:pPr marL="0" lvl="0" indent="0" algn="l" rtl="0">
+              <a:spcBef>
+                <a:spcPts val="0"/>
+              </a:spcBef>
+              <a:spcAft>
+                <a:spcPts val="0"/>
+              </a:spcAft>
+              <a:buNone/>
+            </a:pPr>
+            <a:endParaRPr/>
           </a:p>
         </p:txBody>
+      </p:sp>
+      <p:sp>
+        <p:nvSpPr>
+          <p:cNvPr id="214" name="Google Shape;214;p8:notes"/>
+          <p:cNvSpPr>
+            <a:spLocks noGrp="1" noRot="1" noChangeAspect="1"/>
+          </p:cNvSpPr>
+          <p:nvPr>
+            <p:ph type="sldImg" idx="2"/>
+          </p:nvPr>
+        </p:nvSpPr>
+        <p:spPr>
+          <a:xfrm>
+            <a:off x="685800" y="1143000"/>
+            <a:ext cx="5486400" cy="3086100"/>
+          </a:xfrm>
+          <a:custGeom>
+            <a:avLst/>
+            <a:gdLst/>
+            <a:ahLst/>
+            <a:cxnLst/>
+            <a:rect l="l" t="t" r="r" b="b"/>
+            <a:pathLst>
+              <a:path w="120000" h="120000" extrusionOk="0">
+                <a:moveTo>
+                  <a:pt x="0" y="0"/>
+                </a:moveTo>
+                <a:lnTo>
+                  <a:pt x="120000" y="0"/>
+                </a:lnTo>
+                <a:lnTo>
+                  <a:pt x="120000" y="120000"/>
+                </a:lnTo>
+                <a:lnTo>
+                  <a:pt x="0" y="120000"/>
+                </a:lnTo>
+                <a:close/>
+              </a:path>
+            </a:pathLst>
+          </a:custGeom>
+        </p:spPr>
+      </p:sp>
+    </p:spTree>
+  </p:cSld>
+  <p:clrMapOvr>
+    <a:masterClrMapping/>
+  </p:clrMapOvr>
+</p:notes>
+</file>
+
+<file path=ppt/notesSlides/notesSlide5.xml><?xml version="1.0" encoding="utf-8"?>
+<p:notes xmlns:a="http://schemas.openxmlformats.org/drawingml/2006/main" xmlns:r="http://schemas.openxmlformats.org/officeDocument/2006/relationships" xmlns:p="http://schemas.openxmlformats.org/presentationml/2006/main" showMasterSp="0" showMasterPhAnim="0">
+  <p:cSld>
+    <p:spTree>
+      <p:nvGrpSpPr>
+        <p:cNvPr id="1" name="Shape 222"/>
+        <p:cNvGrpSpPr/>
+        <p:nvPr/>
+      </p:nvGrpSpPr>
+      <p:grpSpPr>
+        <a:xfrm>
+          <a:off x="0" y="0"/>
+          <a:ext cx="0" cy="0"/>
+          <a:chOff x="0" y="0"/>
+          <a:chExt cx="0" cy="0"/>
+        </a:xfrm>
+      </p:grpSpPr>
+      <p:sp>
+        <p:nvSpPr>
+          <p:cNvPr id="223" name="Google Shape;223;p9:notes"/>
+          <p:cNvSpPr txBox="1">
+            <a:spLocks noGrp="1"/>
+          </p:cNvSpPr>
+          <p:nvPr>
+            <p:ph type="body" idx="1"/>
+          </p:nvPr>
+        </p:nvSpPr>
+        <p:spPr>
+          <a:xfrm>
+            <a:off x="685800" y="4400550"/>
+            <a:ext cx="5486400" cy="3600450"/>
+          </a:xfrm>
+          <a:prstGeom prst="rect">
+            <a:avLst/>
+          </a:prstGeom>
+        </p:spPr>
+        <p:txBody>
+          <a:bodyPr spcFirstLastPara="1" wrap="square" lIns="91425" tIns="45700" rIns="91425" bIns="45700" anchor="t" anchorCtr="0">
+            <a:noAutofit/>
+          </a:bodyPr>
+          <a:lstStyle/>
+          <a:p>
+            <a:pPr marL="0" lvl="0" indent="0" algn="l" rtl="0">
+              <a:spcBef>
+                <a:spcPts val="0"/>
+              </a:spcBef>
+              <a:spcAft>
+                <a:spcPts val="0"/>
+              </a:spcAft>
+              <a:buNone/>
+            </a:pPr>
+            <a:endParaRPr/>
+          </a:p>
+        </p:txBody>
+      </p:sp>
+      <p:sp>
+        <p:nvSpPr>
+          <p:cNvPr id="224" name="Google Shape;224;p9:notes"/>
+          <p:cNvSpPr>
+            <a:spLocks noGrp="1" noRot="1" noChangeAspect="1"/>
+          </p:cNvSpPr>
+          <p:nvPr>
+            <p:ph type="sldImg" idx="2"/>
+          </p:nvPr>
+        </p:nvSpPr>
+        <p:spPr>
+          <a:xfrm>
+            <a:off x="685800" y="1143000"/>
+            <a:ext cx="5486400" cy="3086100"/>
+          </a:xfrm>
+          <a:custGeom>
+            <a:avLst/>
+            <a:gdLst/>
+            <a:ahLst/>
+            <a:cxnLst/>
+            <a:rect l="l" t="t" r="r" b="b"/>
+            <a:pathLst>
+              <a:path w="120000" h="120000" extrusionOk="0">
+                <a:moveTo>
+                  <a:pt x="0" y="0"/>
+                </a:moveTo>
+                <a:lnTo>
+                  <a:pt x="120000" y="0"/>
+                </a:lnTo>
+                <a:lnTo>
+                  <a:pt x="120000" y="120000"/>
+                </a:lnTo>
+                <a:lnTo>
+                  <a:pt x="0" y="120000"/>
+                </a:lnTo>
+                <a:close/>
+              </a:path>
+            </a:pathLst>
+          </a:custGeom>
+        </p:spPr>
+      </p:sp>
+    </p:spTree>
+  </p:cSld>
+  <p:clrMapOvr>
+    <a:masterClrMapping/>
+  </p:clrMapOvr>
+</p:notes>
+</file>
+
+<file path=ppt/notesSlides/notesSlide6.xml><?xml version="1.0" encoding="utf-8"?>
+<p:notes xmlns:a="http://schemas.openxmlformats.org/drawingml/2006/main" xmlns:r="http://schemas.openxmlformats.org/officeDocument/2006/relationships" xmlns:p="http://schemas.openxmlformats.org/presentationml/2006/main" showMasterSp="0" showMasterPhAnim="0">
+  <p:cSld>
+    <p:spTree>
+      <p:nvGrpSpPr>
+        <p:cNvPr id="1" name="Shape 222"/>
+        <p:cNvGrpSpPr/>
+        <p:nvPr/>
+      </p:nvGrpSpPr>
+      <p:grpSpPr>
+        <a:xfrm>
+          <a:off x="0" y="0"/>
+          <a:ext cx="0" cy="0"/>
+          <a:chOff x="0" y="0"/>
+          <a:chExt cx="0" cy="0"/>
+        </a:xfrm>
+      </p:grpSpPr>
+      <p:sp>
+        <p:nvSpPr>
+          <p:cNvPr id="223" name="Google Shape;223;p9:notes"/>
+          <p:cNvSpPr txBox="1">
+            <a:spLocks noGrp="1"/>
+          </p:cNvSpPr>
+          <p:nvPr>
+            <p:ph type="body" idx="1"/>
+          </p:nvPr>
+        </p:nvSpPr>
+        <p:spPr>
+          <a:xfrm>
+            <a:off x="685800" y="4400550"/>
+            <a:ext cx="5486400" cy="3600450"/>
+          </a:xfrm>
+          <a:prstGeom prst="rect">
+            <a:avLst/>
+          </a:prstGeom>
+        </p:spPr>
+        <p:txBody>
+          <a:bodyPr spcFirstLastPara="1" wrap="square" lIns="91425" tIns="45700" rIns="91425" bIns="45700" anchor="t" anchorCtr="0">
+            <a:noAutofit/>
+          </a:bodyPr>
+          <a:lstStyle/>
+          <a:p>
+            <a:pPr marL="0" lvl="0" indent="0" algn="l" rtl="0">
+              <a:spcBef>
+                <a:spcPts val="0"/>
+              </a:spcBef>
+              <a:spcAft>
+                <a:spcPts val="0"/>
+              </a:spcAft>
+              <a:buNone/>
+            </a:pPr>
+            <a:endParaRPr dirty="0"/>
+          </a:p>
+        </p:txBody>
+      </p:sp>
+      <p:sp>
+        <p:nvSpPr>
+          <p:cNvPr id="224" name="Google Shape;224;p9:notes"/>
+          <p:cNvSpPr>
+            <a:spLocks noGrp="1" noRot="1" noChangeAspect="1"/>
+          </p:cNvSpPr>
+          <p:nvPr>
+            <p:ph type="sldImg" idx="2"/>
+          </p:nvPr>
+        </p:nvSpPr>
+        <p:spPr>
+          <a:xfrm>
+            <a:off x="685800" y="1143000"/>
+            <a:ext cx="5486400" cy="3086100"/>
+          </a:xfrm>
+          <a:custGeom>
+            <a:avLst/>
+            <a:gdLst/>
+            <a:ahLst/>
+            <a:cxnLst/>
+            <a:rect l="l" t="t" r="r" b="b"/>
+            <a:pathLst>
+              <a:path w="120000" h="120000" extrusionOk="0">
+                <a:moveTo>
+                  <a:pt x="0" y="0"/>
+                </a:moveTo>
+                <a:lnTo>
+                  <a:pt x="120000" y="0"/>
+                </a:lnTo>
+                <a:lnTo>
+                  <a:pt x="120000" y="120000"/>
+                </a:lnTo>
+                <a:lnTo>
+                  <a:pt x="0" y="120000"/>
+                </a:lnTo>
+                <a:close/>
+              </a:path>
+            </a:pathLst>
+          </a:custGeom>
+        </p:spPr>
       </p:sp>
     </p:spTree>
     <p:extLst>
       <p:ext uri="{BB962C8B-B14F-4D97-AF65-F5344CB8AC3E}">
-        <p14:creationId xmlns:p14="http://schemas.microsoft.com/office/powerpoint/2010/main" val="250323745"/>
+        <p14:creationId xmlns:p14="http://schemas.microsoft.com/office/powerpoint/2010/main" val="3012623328"/>
       </p:ext>
     </p:extLst>
   </p:cSld>
@@ -1465,7 +2242,225 @@
 </p:notes>
 </file>
 
-<file path=ppt/notesSlides/notesSlide5.xml><?xml version="1.0" encoding="utf-8"?>
+<file path=ppt/notesSlides/notesSlide7.xml><?xml version="1.0" encoding="utf-8"?>
+<p:notes xmlns:a="http://schemas.openxmlformats.org/drawingml/2006/main" xmlns:r="http://schemas.openxmlformats.org/officeDocument/2006/relationships" xmlns:p="http://schemas.openxmlformats.org/presentationml/2006/main" showMasterSp="0" showMasterPhAnim="0">
+  <p:cSld>
+    <p:spTree>
+      <p:nvGrpSpPr>
+        <p:cNvPr id="1" name="Shape 222"/>
+        <p:cNvGrpSpPr/>
+        <p:nvPr/>
+      </p:nvGrpSpPr>
+      <p:grpSpPr>
+        <a:xfrm>
+          <a:off x="0" y="0"/>
+          <a:ext cx="0" cy="0"/>
+          <a:chOff x="0" y="0"/>
+          <a:chExt cx="0" cy="0"/>
+        </a:xfrm>
+      </p:grpSpPr>
+      <p:sp>
+        <p:nvSpPr>
+          <p:cNvPr id="223" name="Google Shape;223;p9:notes"/>
+          <p:cNvSpPr txBox="1">
+            <a:spLocks noGrp="1"/>
+          </p:cNvSpPr>
+          <p:nvPr>
+            <p:ph type="body" idx="1"/>
+          </p:nvPr>
+        </p:nvSpPr>
+        <p:spPr>
+          <a:xfrm>
+            <a:off x="685800" y="4400550"/>
+            <a:ext cx="5486400" cy="3600450"/>
+          </a:xfrm>
+          <a:prstGeom prst="rect">
+            <a:avLst/>
+          </a:prstGeom>
+        </p:spPr>
+        <p:txBody>
+          <a:bodyPr spcFirstLastPara="1" wrap="square" lIns="91425" tIns="45700" rIns="91425" bIns="45700" anchor="t" anchorCtr="0">
+            <a:noAutofit/>
+          </a:bodyPr>
+          <a:lstStyle/>
+          <a:p>
+            <a:pPr marL="0" lvl="0" indent="0" algn="l" rtl="0">
+              <a:spcBef>
+                <a:spcPts val="0"/>
+              </a:spcBef>
+              <a:spcAft>
+                <a:spcPts val="0"/>
+              </a:spcAft>
+              <a:buNone/>
+            </a:pPr>
+            <a:endParaRPr dirty="0"/>
+          </a:p>
+        </p:txBody>
+      </p:sp>
+      <p:sp>
+        <p:nvSpPr>
+          <p:cNvPr id="224" name="Google Shape;224;p9:notes"/>
+          <p:cNvSpPr>
+            <a:spLocks noGrp="1" noRot="1" noChangeAspect="1"/>
+          </p:cNvSpPr>
+          <p:nvPr>
+            <p:ph type="sldImg" idx="2"/>
+          </p:nvPr>
+        </p:nvSpPr>
+        <p:spPr>
+          <a:xfrm>
+            <a:off x="685800" y="1143000"/>
+            <a:ext cx="5486400" cy="3086100"/>
+          </a:xfrm>
+          <a:custGeom>
+            <a:avLst/>
+            <a:gdLst/>
+            <a:ahLst/>
+            <a:cxnLst/>
+            <a:rect l="l" t="t" r="r" b="b"/>
+            <a:pathLst>
+              <a:path w="120000" h="120000" extrusionOk="0">
+                <a:moveTo>
+                  <a:pt x="0" y="0"/>
+                </a:moveTo>
+                <a:lnTo>
+                  <a:pt x="120000" y="0"/>
+                </a:lnTo>
+                <a:lnTo>
+                  <a:pt x="120000" y="120000"/>
+                </a:lnTo>
+                <a:lnTo>
+                  <a:pt x="0" y="120000"/>
+                </a:lnTo>
+                <a:close/>
+              </a:path>
+            </a:pathLst>
+          </a:custGeom>
+        </p:spPr>
+      </p:sp>
+    </p:spTree>
+    <p:extLst>
+      <p:ext uri="{BB962C8B-B14F-4D97-AF65-F5344CB8AC3E}">
+        <p14:creationId xmlns:p14="http://schemas.microsoft.com/office/powerpoint/2010/main" val="1257486003"/>
+      </p:ext>
+    </p:extLst>
+  </p:cSld>
+  <p:clrMapOvr>
+    <a:masterClrMapping/>
+  </p:clrMapOvr>
+</p:notes>
+</file>
+
+<file path=ppt/notesSlides/notesSlide8.xml><?xml version="1.0" encoding="utf-8"?>
+<p:notes xmlns:a="http://schemas.openxmlformats.org/drawingml/2006/main" xmlns:r="http://schemas.openxmlformats.org/officeDocument/2006/relationships" xmlns:p="http://schemas.openxmlformats.org/presentationml/2006/main" showMasterSp="0" showMasterPhAnim="0">
+  <p:cSld>
+    <p:spTree>
+      <p:nvGrpSpPr>
+        <p:cNvPr id="1" name="Shape 222"/>
+        <p:cNvGrpSpPr/>
+        <p:nvPr/>
+      </p:nvGrpSpPr>
+      <p:grpSpPr>
+        <a:xfrm>
+          <a:off x="0" y="0"/>
+          <a:ext cx="0" cy="0"/>
+          <a:chOff x="0" y="0"/>
+          <a:chExt cx="0" cy="0"/>
+        </a:xfrm>
+      </p:grpSpPr>
+      <p:sp>
+        <p:nvSpPr>
+          <p:cNvPr id="223" name="Google Shape;223;p9:notes"/>
+          <p:cNvSpPr txBox="1">
+            <a:spLocks noGrp="1"/>
+          </p:cNvSpPr>
+          <p:nvPr>
+            <p:ph type="body" idx="1"/>
+          </p:nvPr>
+        </p:nvSpPr>
+        <p:spPr>
+          <a:xfrm>
+            <a:off x="685800" y="4400550"/>
+            <a:ext cx="5486400" cy="3600450"/>
+          </a:xfrm>
+          <a:prstGeom prst="rect">
+            <a:avLst/>
+          </a:prstGeom>
+        </p:spPr>
+        <p:txBody>
+          <a:bodyPr spcFirstLastPara="1" wrap="square" lIns="91425" tIns="45700" rIns="91425" bIns="45700" anchor="t" anchorCtr="0">
+            <a:noAutofit/>
+          </a:bodyPr>
+          <a:lstStyle/>
+          <a:p>
+            <a:pPr marL="0" lvl="0" indent="0" algn="l" rtl="0">
+              <a:spcBef>
+                <a:spcPts val="0"/>
+              </a:spcBef>
+              <a:spcAft>
+                <a:spcPts val="0"/>
+              </a:spcAft>
+              <a:buNone/>
+            </a:pPr>
+            <a:endParaRPr dirty="0"/>
+          </a:p>
+        </p:txBody>
+      </p:sp>
+      <p:sp>
+        <p:nvSpPr>
+          <p:cNvPr id="224" name="Google Shape;224;p9:notes"/>
+          <p:cNvSpPr>
+            <a:spLocks noGrp="1" noRot="1" noChangeAspect="1"/>
+          </p:cNvSpPr>
+          <p:nvPr>
+            <p:ph type="sldImg" idx="2"/>
+          </p:nvPr>
+        </p:nvSpPr>
+        <p:spPr>
+          <a:xfrm>
+            <a:off x="685800" y="1143000"/>
+            <a:ext cx="5486400" cy="3086100"/>
+          </a:xfrm>
+          <a:custGeom>
+            <a:avLst/>
+            <a:gdLst/>
+            <a:ahLst/>
+            <a:cxnLst/>
+            <a:rect l="l" t="t" r="r" b="b"/>
+            <a:pathLst>
+              <a:path w="120000" h="120000" extrusionOk="0">
+                <a:moveTo>
+                  <a:pt x="0" y="0"/>
+                </a:moveTo>
+                <a:lnTo>
+                  <a:pt x="120000" y="0"/>
+                </a:lnTo>
+                <a:lnTo>
+                  <a:pt x="120000" y="120000"/>
+                </a:lnTo>
+                <a:lnTo>
+                  <a:pt x="0" y="120000"/>
+                </a:lnTo>
+                <a:close/>
+              </a:path>
+            </a:pathLst>
+          </a:custGeom>
+        </p:spPr>
+      </p:sp>
+    </p:spTree>
+    <p:extLst>
+      <p:ext uri="{BB962C8B-B14F-4D97-AF65-F5344CB8AC3E}">
+        <p14:creationId xmlns:p14="http://schemas.microsoft.com/office/powerpoint/2010/main" val="2117762564"/>
+      </p:ext>
+    </p:extLst>
+  </p:cSld>
+  <p:clrMapOvr>
+    <a:masterClrMapping/>
+  </p:clrMapOvr>
+</p:notes>
+</file>
+
+<file path=ppt/notesSlides/notesSlide9.xml><?xml version="1.0" encoding="utf-8"?>
 <p:notes xmlns:a="http://schemas.openxmlformats.org/drawingml/2006/main" xmlns:r="http://schemas.openxmlformats.org/officeDocument/2006/relationships" xmlns:p="http://schemas.openxmlformats.org/presentationml/2006/main">
   <p:cSld>
     <p:spTree>
@@ -1530,7 +2525,7 @@
           <a:p>
             <a:fld id="{574FFD1E-068C-4775-AB61-A06ECF97265E}" type="slidenum">
               <a:rPr lang="de-CH" smtClean="0"/>
-              <a:t>13</a:t>
+              <a:t>14</a:t>
             </a:fld>
             <a:endParaRPr lang="de-CH"/>
           </a:p>
@@ -1698,7 +2693,7 @@
           <a:p>
             <a:fld id="{9E9B238C-2335-4007-98C9-471C02CC43B6}" type="datetimeFigureOut">
               <a:rPr lang="de-CH" smtClean="0"/>
-              <a:t>12.07.2024</a:t>
+              <a:t>13.07.2024</a:t>
             </a:fld>
             <a:endParaRPr lang="de-CH"/>
           </a:p>
@@ -1898,7 +2893,7 @@
           <a:p>
             <a:fld id="{9E9B238C-2335-4007-98C9-471C02CC43B6}" type="datetimeFigureOut">
               <a:rPr lang="de-CH" smtClean="0"/>
-              <a:t>12.07.2024</a:t>
+              <a:t>13.07.2024</a:t>
             </a:fld>
             <a:endParaRPr lang="de-CH"/>
           </a:p>
@@ -2108,7 +3103,7 @@
           <a:p>
             <a:fld id="{9E9B238C-2335-4007-98C9-471C02CC43B6}" type="datetimeFigureOut">
               <a:rPr lang="de-CH" smtClean="0"/>
-              <a:t>12.07.2024</a:t>
+              <a:t>13.07.2024</a:t>
             </a:fld>
             <a:endParaRPr lang="de-CH"/>
           </a:p>
@@ -2410,137 +3405,6 @@
 </p:sldLayout>
 </file>
 
-<file path=ppt/slideLayouts/slideLayout13.xml><?xml version="1.0" encoding="utf-8"?>
-<p:sldLayout xmlns:a="http://schemas.openxmlformats.org/drawingml/2006/main" xmlns:r="http://schemas.openxmlformats.org/officeDocument/2006/relationships" xmlns:p="http://schemas.openxmlformats.org/presentationml/2006/main" showMasterSp="0" type="tx">
-  <p:cSld name="1_Title and Content">
-    <p:spTree>
-      <p:nvGrpSpPr>
-        <p:cNvPr id="1" name=""/>
-        <p:cNvGrpSpPr/>
-        <p:nvPr/>
-      </p:nvGrpSpPr>
-      <p:grpSpPr>
-        <a:xfrm>
-          <a:off x="0" y="0"/>
-          <a:ext cx="0" cy="0"/>
-          <a:chOff x="0" y="0"/>
-          <a:chExt cx="0" cy="0"/>
-        </a:xfrm>
-      </p:grpSpPr>
-      <p:sp>
-        <p:nvSpPr>
-          <p:cNvPr id="21" name="Title Text"/>
-          <p:cNvSpPr txBox="1">
-            <a:spLocks noGrp="1"/>
-          </p:cNvSpPr>
-          <p:nvPr>
-            <p:ph type="title"/>
-          </p:nvPr>
-        </p:nvSpPr>
-        <p:spPr>
-          <a:prstGeom prst="rect">
-            <a:avLst/>
-          </a:prstGeom>
-        </p:spPr>
-        <p:txBody>
-          <a:bodyPr/>
-          <a:lstStyle/>
-          <a:p>
-            <a:r>
-              <a:t>Title Text</a:t>
-            </a:r>
-          </a:p>
-        </p:txBody>
-      </p:sp>
-      <p:sp>
-        <p:nvSpPr>
-          <p:cNvPr id="22" name="Body Level One…"/>
-          <p:cNvSpPr txBox="1">
-            <a:spLocks noGrp="1"/>
-          </p:cNvSpPr>
-          <p:nvPr>
-            <p:ph type="body" idx="1"/>
-          </p:nvPr>
-        </p:nvSpPr>
-        <p:spPr>
-          <a:prstGeom prst="rect">
-            <a:avLst/>
-          </a:prstGeom>
-        </p:spPr>
-        <p:txBody>
-          <a:bodyPr/>
-          <a:lstStyle/>
-          <a:p>
-            <a:r>
-              <a:t>Body Level One</a:t>
-            </a:r>
-          </a:p>
-          <a:p>
-            <a:pPr lvl="1"/>
-            <a:r>
-              <a:t>Body Level Two</a:t>
-            </a:r>
-          </a:p>
-          <a:p>
-            <a:pPr lvl="2"/>
-            <a:r>
-              <a:t>Body Level Three</a:t>
-            </a:r>
-          </a:p>
-          <a:p>
-            <a:pPr lvl="3"/>
-            <a:r>
-              <a:t>Body Level Four</a:t>
-            </a:r>
-          </a:p>
-          <a:p>
-            <a:pPr lvl="4"/>
-            <a:r>
-              <a:t>Body Level Five</a:t>
-            </a:r>
-          </a:p>
-        </p:txBody>
-      </p:sp>
-      <p:sp>
-        <p:nvSpPr>
-          <p:cNvPr id="23" name="Slide Number"/>
-          <p:cNvSpPr txBox="1">
-            <a:spLocks noGrp="1"/>
-          </p:cNvSpPr>
-          <p:nvPr>
-            <p:ph type="sldNum" sz="quarter" idx="2"/>
-          </p:nvPr>
-        </p:nvSpPr>
-        <p:spPr>
-          <a:prstGeom prst="rect">
-            <a:avLst/>
-          </a:prstGeom>
-        </p:spPr>
-        <p:txBody>
-          <a:bodyPr/>
-          <a:lstStyle/>
-          <a:p>
-            <a:fld id="{86CB4B4D-7CA3-9044-876B-883B54F8677D}" type="slidenum">
-              <a:t>‹#›</a:t>
-            </a:fld>
-            <a:endParaRPr/>
-          </a:p>
-        </p:txBody>
-      </p:sp>
-    </p:spTree>
-    <p:extLst>
-      <p:ext uri="{BB962C8B-B14F-4D97-AF65-F5344CB8AC3E}">
-        <p14:creationId xmlns:p14="http://schemas.microsoft.com/office/powerpoint/2010/main" val="2486505044"/>
-      </p:ext>
-    </p:extLst>
-  </p:cSld>
-  <p:clrMapOvr>
-    <a:masterClrMapping/>
-  </p:clrMapOvr>
-  <p:transition spd="med"/>
-</p:sldLayout>
-</file>
-
 <file path=ppt/slideLayouts/slideLayout2.xml><?xml version="1.0" encoding="utf-8"?>
 <p:sldLayout xmlns:a="http://schemas.openxmlformats.org/drawingml/2006/main" xmlns:r="http://schemas.openxmlformats.org/officeDocument/2006/relationships" xmlns:p="http://schemas.openxmlformats.org/presentationml/2006/main" type="obj" preserve="1">
   <p:cSld name="Title and Content">
@@ -2668,7 +3532,7 @@
           <a:p>
             <a:fld id="{9E9B238C-2335-4007-98C9-471C02CC43B6}" type="datetimeFigureOut">
               <a:rPr lang="de-CH" smtClean="0"/>
-              <a:t>12.07.2024</a:t>
+              <a:t>13.07.2024</a:t>
             </a:fld>
             <a:endParaRPr lang="de-CH"/>
           </a:p>
@@ -2944,7 +3808,7 @@
           <a:p>
             <a:fld id="{9E9B238C-2335-4007-98C9-471C02CC43B6}" type="datetimeFigureOut">
               <a:rPr lang="de-CH" smtClean="0"/>
-              <a:t>12.07.2024</a:t>
+              <a:t>13.07.2024</a:t>
             </a:fld>
             <a:endParaRPr lang="de-CH"/>
           </a:p>
@@ -3212,7 +4076,7 @@
           <a:p>
             <a:fld id="{9E9B238C-2335-4007-98C9-471C02CC43B6}" type="datetimeFigureOut">
               <a:rPr lang="de-CH" smtClean="0"/>
-              <a:t>12.07.2024</a:t>
+              <a:t>13.07.2024</a:t>
             </a:fld>
             <a:endParaRPr lang="de-CH"/>
           </a:p>
@@ -3627,7 +4491,7 @@
           <a:p>
             <a:fld id="{9E9B238C-2335-4007-98C9-471C02CC43B6}" type="datetimeFigureOut">
               <a:rPr lang="de-CH" smtClean="0"/>
-              <a:t>12.07.2024</a:t>
+              <a:t>13.07.2024</a:t>
             </a:fld>
             <a:endParaRPr lang="de-CH"/>
           </a:p>
@@ -3769,7 +4633,7 @@
           <a:p>
             <a:fld id="{9E9B238C-2335-4007-98C9-471C02CC43B6}" type="datetimeFigureOut">
               <a:rPr lang="de-CH" smtClean="0"/>
-              <a:t>12.07.2024</a:t>
+              <a:t>13.07.2024</a:t>
             </a:fld>
             <a:endParaRPr lang="de-CH"/>
           </a:p>
@@ -3882,7 +4746,7 @@
           <a:p>
             <a:fld id="{9E9B238C-2335-4007-98C9-471C02CC43B6}" type="datetimeFigureOut">
               <a:rPr lang="de-CH" smtClean="0"/>
-              <a:t>12.07.2024</a:t>
+              <a:t>13.07.2024</a:t>
             </a:fld>
             <a:endParaRPr lang="de-CH"/>
           </a:p>
@@ -4195,7 +5059,7 @@
           <a:p>
             <a:fld id="{9E9B238C-2335-4007-98C9-471C02CC43B6}" type="datetimeFigureOut">
               <a:rPr lang="de-CH" smtClean="0"/>
-              <a:t>12.07.2024</a:t>
+              <a:t>13.07.2024</a:t>
             </a:fld>
             <a:endParaRPr lang="de-CH"/>
           </a:p>
@@ -4484,7 +5348,7 @@
           <a:p>
             <a:fld id="{9E9B238C-2335-4007-98C9-471C02CC43B6}" type="datetimeFigureOut">
               <a:rPr lang="de-CH" smtClean="0"/>
-              <a:t>12.07.2024</a:t>
+              <a:t>13.07.2024</a:t>
             </a:fld>
             <a:endParaRPr lang="de-CH"/>
           </a:p>
@@ -4727,7 +5591,7 @@
           <a:p>
             <a:fld id="{9E9B238C-2335-4007-98C9-471C02CC43B6}" type="datetimeFigureOut">
               <a:rPr lang="de-CH" smtClean="0"/>
-              <a:t>12.07.2024</a:t>
+              <a:t>13.07.2024</a:t>
             </a:fld>
             <a:endParaRPr lang="de-CH"/>
           </a:p>
@@ -4844,7 +5708,6 @@
     <p:sldLayoutId id="2147483658" r:id="rId10"/>
     <p:sldLayoutId id="2147483659" r:id="rId11"/>
     <p:sldLayoutId id="2147483660" r:id="rId12"/>
-    <p:sldLayoutId id="2147483661" r:id="rId13"/>
   </p:sldLayoutIdLst>
   <p:txStyles>
     <p:titleStyle>
@@ -5551,10 +6414,10 @@
               <a:buNone/>
             </a:pPr>
             <a:r>
-              <a:rPr lang="de-CH" sz="1400">
+              <a:rPr lang="de-CH" sz="1400" dirty="0">
                 <a:latin typeface="+mj-lt"/>
               </a:rPr>
-              <a:t>12. </a:t>
+              <a:t>13. </a:t>
             </a:r>
             <a:r>
               <a:rPr lang="de-CH" sz="1400" dirty="0" err="1">
@@ -5604,7 +6467,7 @@
   <p:cSld>
     <p:spTree>
       <p:nvGrpSpPr>
-        <p:cNvPr id="1" name=""/>
+        <p:cNvPr id="1" name="Shape 225"/>
         <p:cNvGrpSpPr/>
         <p:nvPr/>
       </p:nvGrpSpPr>
@@ -5618,7 +6481,53 @@
       </p:grpSpPr>
       <p:sp>
         <p:nvSpPr>
-          <p:cNvPr id="1452" name="Title 1"/>
+          <p:cNvPr id="230" name="Google Shape;230;p9"/>
+          <p:cNvSpPr txBox="1">
+            <a:spLocks noGrp="1"/>
+          </p:cNvSpPr>
+          <p:nvPr>
+            <p:ph type="sldNum" idx="12"/>
+          </p:nvPr>
+        </p:nvSpPr>
+        <p:spPr>
+          <a:xfrm>
+            <a:off x="11587892" y="6361637"/>
+            <a:ext cx="414251" cy="365125"/>
+          </a:xfrm>
+          <a:prstGeom prst="rect">
+            <a:avLst/>
+          </a:prstGeom>
+          <a:noFill/>
+          <a:ln>
+            <a:noFill/>
+          </a:ln>
+        </p:spPr>
+        <p:txBody>
+          <a:bodyPr spcFirstLastPara="1" wrap="square" lIns="91425" tIns="45700" rIns="91425" bIns="45700" anchor="ctr" anchorCtr="0">
+            <a:noAutofit/>
+          </a:bodyPr>
+          <a:lstStyle/>
+          <a:p>
+            <a:pPr marL="0" lvl="0" indent="0" algn="r" rtl="0">
+              <a:spcBef>
+                <a:spcPts val="0"/>
+              </a:spcBef>
+              <a:spcAft>
+                <a:spcPts val="0"/>
+              </a:spcAft>
+              <a:buNone/>
+            </a:pPr>
+            <a:fld id="{00000000-1234-1234-1234-123412341234}" type="slidenum">
+              <a:rPr lang="en-US" sz="1400"/>
+              <a:t>10</a:t>
+            </a:fld>
+            <a:endParaRPr sz="1400"/>
+          </a:p>
+        </p:txBody>
+      </p:sp>
+      <p:sp>
+        <p:nvSpPr>
+          <p:cNvPr id="231" name="Google Shape;231;p9"/>
           <p:cNvSpPr txBox="1">
             <a:spLocks noGrp="1"/>
           </p:cNvSpPr>
@@ -5628,72 +6537,553 @@
         </p:nvSpPr>
         <p:spPr>
           <a:xfrm>
-            <a:off x="609600" y="173038"/>
-            <a:ext cx="9523896" cy="1143001"/>
+            <a:off x="838200" y="365125"/>
+            <a:ext cx="10515600" cy="1325563"/>
           </a:xfrm>
           <a:prstGeom prst="rect">
             <a:avLst/>
           </a:prstGeom>
+          <a:noFill/>
+          <a:ln>
+            <a:noFill/>
+          </a:ln>
         </p:spPr>
         <p:txBody>
-          <a:bodyPr>
+          <a:bodyPr spcFirstLastPara="1" wrap="square" lIns="91425" tIns="45700" rIns="91425" bIns="45700" anchor="ctr" anchorCtr="0">
             <a:normAutofit/>
           </a:bodyPr>
           <a:lstStyle/>
           <a:p>
-            <a:r>
-              <a:rPr sz="4267" dirty="0"/>
-              <a:t>Hackathon </a:t>
-            </a:r>
-            <a:r>
-              <a:rPr lang="en-US" sz="4267" dirty="0"/>
-              <a:t>– Software      </a:t>
-            </a:r>
-            <a:endParaRPr sz="4267" dirty="0"/>
+            <a:pPr marL="0" lvl="0" indent="0" algn="l" rtl="0">
+              <a:lnSpc>
+                <a:spcPct val="90000"/>
+              </a:lnSpc>
+              <a:spcBef>
+                <a:spcPts val="0"/>
+              </a:spcBef>
+              <a:spcAft>
+                <a:spcPts val="0"/>
+              </a:spcAft>
+              <a:buClr>
+                <a:schemeClr val="dk1"/>
+              </a:buClr>
+              <a:buSzPts val="2800"/>
+              <a:buFont typeface="Calibri"/>
+              <a:buNone/>
+            </a:pPr>
+            <a:r>
+              <a:rPr lang="en-US" sz="2800" b="1" dirty="0">
+                <a:solidFill>
+                  <a:srgbClr val="FF0000"/>
+                </a:solidFill>
+              </a:rPr>
+              <a:t>Experiment: </a:t>
+            </a:r>
+            <a:r>
+              <a:rPr lang="en-US" sz="2800" b="1" dirty="0"/>
+              <a:t>Antagonist</a:t>
+            </a:r>
+            <a:br>
+              <a:rPr lang="en-US" sz="3600" dirty="0"/>
+            </a:br>
+            <a:r>
+              <a:rPr lang="en-US" sz="2800" u="sng" dirty="0">
+                <a:solidFill>
+                  <a:srgbClr val="ACABAB"/>
+                </a:solidFill>
+              </a:rPr>
+              <a:t>an</a:t>
+            </a:r>
+            <a:r>
+              <a:rPr lang="en-US" sz="2800" dirty="0">
+                <a:solidFill>
+                  <a:srgbClr val="ACABAB"/>
+                </a:solidFill>
+              </a:rPr>
+              <a:t>omaly </a:t>
+            </a:r>
+            <a:r>
+              <a:rPr lang="en-US" sz="2800" u="sng" dirty="0">
+                <a:solidFill>
+                  <a:srgbClr val="ACABAB"/>
+                </a:solidFill>
+              </a:rPr>
+              <a:t>tag</a:t>
+            </a:r>
+            <a:r>
+              <a:rPr lang="en-US" sz="2800" dirty="0">
+                <a:solidFill>
+                  <a:srgbClr val="ACABAB"/>
+                </a:solidFill>
+              </a:rPr>
+              <a:t>ging </a:t>
+            </a:r>
+            <a:r>
+              <a:rPr lang="en-US" sz="2800" u="sng" dirty="0">
+                <a:solidFill>
+                  <a:srgbClr val="ACABAB"/>
+                </a:solidFill>
+              </a:rPr>
+              <a:t>on</a:t>
+            </a:r>
+            <a:r>
+              <a:rPr lang="en-US" sz="2800" dirty="0">
+                <a:solidFill>
+                  <a:srgbClr val="ACABAB"/>
+                </a:solidFill>
+              </a:rPr>
+              <a:t> h</a:t>
+            </a:r>
+            <a:r>
+              <a:rPr lang="en-US" sz="2800" u="sng" dirty="0">
+                <a:solidFill>
+                  <a:srgbClr val="ACABAB"/>
+                </a:solidFill>
+              </a:rPr>
+              <a:t>ist</a:t>
+            </a:r>
+            <a:r>
+              <a:rPr lang="en-US" sz="2800" dirty="0">
+                <a:solidFill>
+                  <a:srgbClr val="ACABAB"/>
+                </a:solidFill>
+              </a:rPr>
+              <a:t>orical data</a:t>
+            </a:r>
+            <a:endParaRPr sz="2700" dirty="0">
+              <a:solidFill>
+                <a:srgbClr val="FF0000"/>
+              </a:solidFill>
+            </a:endParaRPr>
           </a:p>
         </p:txBody>
       </p:sp>
       <p:pic>
         <p:nvPicPr>
-          <p:cNvPr id="2" name="Picture 1">
+          <p:cNvPr id="4" name="Google Shape;243;g2ebc266c09e_0_0">
             <a:extLst>
               <a:ext uri="{FF2B5EF4-FFF2-40B4-BE49-F238E27FC236}">
-                <a16:creationId xmlns:a16="http://schemas.microsoft.com/office/drawing/2014/main" id="{42DF6B95-88D4-40E1-AC23-A76E32A04B16}"/>
+                <a16:creationId xmlns:a16="http://schemas.microsoft.com/office/drawing/2014/main" id="{22E2714B-53D9-2F81-D442-D0C13721756A}"/>
               </a:ext>
             </a:extLst>
           </p:cNvPr>
-          <p:cNvPicPr>
-            <a:picLocks noChangeAspect="1"/>
-          </p:cNvPicPr>
+          <p:cNvPicPr preferRelativeResize="0"/>
           <p:nvPr/>
         </p:nvPicPr>
         <p:blipFill>
-          <a:blip r:embed="rId2"/>
+          <a:blip r:embed="rId3">
+            <a:alphaModFix/>
+          </a:blip>
           <a:stretch>
             <a:fillRect/>
           </a:stretch>
         </p:blipFill>
         <p:spPr>
           <a:xfrm>
-            <a:off x="50801" y="1316039"/>
-            <a:ext cx="11998476" cy="5405087"/>
+            <a:off x="33163" y="1798827"/>
+            <a:ext cx="7037733" cy="3673201"/>
           </a:xfrm>
           <a:prstGeom prst="rect">
             <a:avLst/>
           </a:prstGeom>
+          <a:noFill/>
+          <a:ln>
+            <a:noFill/>
+          </a:ln>
         </p:spPr>
       </p:pic>
+      <p:sp>
+        <p:nvSpPr>
+          <p:cNvPr id="5" name="Google Shape;244;g2ebc266c09e_0_0">
+            <a:extLst>
+              <a:ext uri="{FF2B5EF4-FFF2-40B4-BE49-F238E27FC236}">
+                <a16:creationId xmlns:a16="http://schemas.microsoft.com/office/drawing/2014/main" id="{559CA179-8EDF-F04E-7B96-050CE2C67590}"/>
+              </a:ext>
+            </a:extLst>
+          </p:cNvPr>
+          <p:cNvSpPr txBox="1"/>
+          <p:nvPr/>
+        </p:nvSpPr>
+        <p:spPr>
+          <a:xfrm>
+            <a:off x="7240555" y="151130"/>
+            <a:ext cx="4674637" cy="6529952"/>
+          </a:xfrm>
+          <a:prstGeom prst="rect">
+            <a:avLst/>
+          </a:prstGeom>
+          <a:noFill/>
+          <a:ln>
+            <a:noFill/>
+          </a:ln>
+        </p:spPr>
+        <p:txBody>
+          <a:bodyPr spcFirstLastPara="1" wrap="square" lIns="121900" tIns="121900" rIns="121900" bIns="121900" anchor="t" anchorCtr="0">
+            <a:spAutoFit/>
+          </a:bodyPr>
+          <a:lstStyle/>
+          <a:p>
+            <a:pPr marL="0" lvl="0" indent="0" algn="l" rtl="0">
+              <a:spcBef>
+                <a:spcPts val="0"/>
+              </a:spcBef>
+              <a:spcAft>
+                <a:spcPts val="0"/>
+              </a:spcAft>
+              <a:buNone/>
+            </a:pPr>
+            <a:r>
+              <a:rPr lang="en-US" sz="2000" b="1" dirty="0"/>
+              <a:t>Goals:</a:t>
+            </a:r>
+          </a:p>
+          <a:p>
+            <a:pPr marL="285750" lvl="0" indent="-285750">
+              <a:lnSpc>
+                <a:spcPct val="90000"/>
+              </a:lnSpc>
+              <a:spcBef>
+                <a:spcPts val="1000"/>
+              </a:spcBef>
+              <a:spcAft>
+                <a:spcPts val="0"/>
+              </a:spcAft>
+              <a:buClr>
+                <a:schemeClr val="dk2"/>
+              </a:buClr>
+              <a:buSzPts val="1700"/>
+              <a:buFont typeface="Wingdings" panose="05000000000000000000" pitchFamily="2" charset="2"/>
+              <a:buChar char="Ø"/>
+            </a:pPr>
+            <a:r>
+              <a:rPr lang="en-US" sz="2000" dirty="0"/>
+              <a:t>Prove that YANG models contain all the necessary information</a:t>
+            </a:r>
+          </a:p>
+          <a:p>
+            <a:pPr marL="285750" indent="-285750">
+              <a:lnSpc>
+                <a:spcPct val="90000"/>
+              </a:lnSpc>
+              <a:buClr>
+                <a:schemeClr val="dk2"/>
+              </a:buClr>
+              <a:buSzPts val="1700"/>
+              <a:buFont typeface="Wingdings" panose="05000000000000000000" pitchFamily="2" charset="2"/>
+              <a:buChar char="Ø"/>
+            </a:pPr>
+            <a:r>
+              <a:rPr lang="en-US" sz="2000" dirty="0"/>
+              <a:t>Validate models across a wide range of use-cases</a:t>
+            </a:r>
+          </a:p>
+          <a:p>
+            <a:pPr marL="285750" indent="-285750">
+              <a:lnSpc>
+                <a:spcPct val="90000"/>
+              </a:lnSpc>
+              <a:buClr>
+                <a:schemeClr val="dk2"/>
+              </a:buClr>
+              <a:buSzPts val="1700"/>
+              <a:buFont typeface="Wingdings" panose="05000000000000000000" pitchFamily="2" charset="2"/>
+              <a:buChar char="Ø"/>
+            </a:pPr>
+            <a:r>
+              <a:rPr lang="en-US" sz="2000" dirty="0"/>
+              <a:t>Show interoperability between </a:t>
+            </a:r>
+          </a:p>
+          <a:p>
+            <a:pPr marL="0" lvl="0" indent="0" algn="l" rtl="0">
+              <a:lnSpc>
+                <a:spcPct val="115000"/>
+              </a:lnSpc>
+              <a:spcBef>
+                <a:spcPts val="1200"/>
+              </a:spcBef>
+              <a:spcAft>
+                <a:spcPts val="0"/>
+              </a:spcAft>
+              <a:buNone/>
+            </a:pPr>
+            <a:r>
+              <a:rPr lang="en-US" sz="2000" b="1" dirty="0"/>
+              <a:t>Done so far:</a:t>
+            </a:r>
+            <a:endParaRPr sz="2000" b="1" dirty="0"/>
+          </a:p>
+          <a:p>
+            <a:pPr marL="285750" lvl="0" indent="-285750">
+              <a:lnSpc>
+                <a:spcPct val="90000"/>
+              </a:lnSpc>
+              <a:spcBef>
+                <a:spcPts val="600"/>
+              </a:spcBef>
+              <a:spcAft>
+                <a:spcPts val="0"/>
+              </a:spcAft>
+              <a:buClr>
+                <a:schemeClr val="dk2"/>
+              </a:buClr>
+              <a:buSzPts val="1700"/>
+              <a:buFont typeface="Wingdings" panose="05000000000000000000" pitchFamily="2" charset="2"/>
+              <a:buChar char="ü"/>
+            </a:pPr>
+            <a:r>
+              <a:rPr lang="en-US" sz="2000" dirty="0"/>
+              <a:t>Validation with real operational data (Cloud monitoring)</a:t>
+            </a:r>
+            <a:endParaRPr sz="2000" dirty="0"/>
+          </a:p>
+          <a:p>
+            <a:pPr marL="285750" lvl="0" indent="-285750">
+              <a:lnSpc>
+                <a:spcPct val="90000"/>
+              </a:lnSpc>
+              <a:spcBef>
+                <a:spcPts val="0"/>
+              </a:spcBef>
+              <a:spcAft>
+                <a:spcPts val="0"/>
+              </a:spcAft>
+              <a:buClr>
+                <a:schemeClr val="dk2"/>
+              </a:buClr>
+              <a:buSzPts val="1700"/>
+              <a:buFont typeface="Wingdings" panose="05000000000000000000" pitchFamily="2" charset="2"/>
+              <a:buChar char="ü"/>
+            </a:pPr>
+            <a:r>
+              <a:rPr lang="en-US" sz="2000" dirty="0"/>
+              <a:t>Validation with rule-based Network Anomaly Detector (SAIN RFC9417/RFC9418)</a:t>
+            </a:r>
+            <a:endParaRPr sz="2000" dirty="0"/>
+          </a:p>
+          <a:p>
+            <a:pPr marL="285750" lvl="0" indent="-285750">
+              <a:lnSpc>
+                <a:spcPct val="90000"/>
+              </a:lnSpc>
+              <a:spcBef>
+                <a:spcPts val="0"/>
+              </a:spcBef>
+              <a:spcAft>
+                <a:spcPts val="0"/>
+              </a:spcAft>
+              <a:buClr>
+                <a:schemeClr val="dk2"/>
+              </a:buClr>
+              <a:buSzPts val="1700"/>
+              <a:buFont typeface="Wingdings" panose="05000000000000000000" pitchFamily="2" charset="2"/>
+              <a:buChar char="ü"/>
+            </a:pPr>
+            <a:r>
+              <a:rPr lang="en-US" sz="2000" dirty="0"/>
+              <a:t>Validation with a ML-based Network Anomaly Detector (Autoencoder)</a:t>
+            </a:r>
+            <a:endParaRPr sz="2000" dirty="0"/>
+          </a:p>
+          <a:p>
+            <a:pPr marL="285750" lvl="0" indent="-285750">
+              <a:lnSpc>
+                <a:spcPct val="90000"/>
+              </a:lnSpc>
+              <a:spcBef>
+                <a:spcPts val="0"/>
+              </a:spcBef>
+              <a:spcAft>
+                <a:spcPts val="0"/>
+              </a:spcAft>
+              <a:buClr>
+                <a:schemeClr val="dk2"/>
+              </a:buClr>
+              <a:buSzPts val="1700"/>
+              <a:buFont typeface="Wingdings" panose="05000000000000000000" pitchFamily="2" charset="2"/>
+              <a:buChar char="ü"/>
+            </a:pPr>
+            <a:r>
+              <a:rPr lang="en-US" sz="2000" dirty="0"/>
+              <a:t>Add support for Re-training of ML-based models</a:t>
+            </a:r>
+            <a:endParaRPr sz="2000" dirty="0"/>
+          </a:p>
+          <a:p>
+            <a:pPr marL="285750" lvl="0" indent="-285750">
+              <a:lnSpc>
+                <a:spcPct val="90000"/>
+              </a:lnSpc>
+              <a:spcBef>
+                <a:spcPts val="0"/>
+              </a:spcBef>
+              <a:spcAft>
+                <a:spcPts val="0"/>
+              </a:spcAft>
+              <a:buClr>
+                <a:schemeClr val="dk2"/>
+              </a:buClr>
+              <a:buSzPts val="1700"/>
+              <a:buFont typeface="Wingdings" panose="05000000000000000000" pitchFamily="2" charset="2"/>
+              <a:buChar char="ü"/>
+            </a:pPr>
+            <a:r>
+              <a:rPr lang="en-US" sz="2000" dirty="0"/>
+              <a:t>Add partial support for Metadata Filtering and search</a:t>
+            </a:r>
+            <a:endParaRPr sz="2000" dirty="0"/>
+          </a:p>
+          <a:p>
+            <a:pPr marL="285750" lvl="0" indent="-285750">
+              <a:lnSpc>
+                <a:spcPct val="90000"/>
+              </a:lnSpc>
+              <a:spcBef>
+                <a:spcPts val="0"/>
+              </a:spcBef>
+              <a:spcAft>
+                <a:spcPts val="0"/>
+              </a:spcAft>
+              <a:buClr>
+                <a:schemeClr val="dk2"/>
+              </a:buClr>
+              <a:buSzPts val="1700"/>
+              <a:buFont typeface="Wingdings" panose="05000000000000000000" pitchFamily="2" charset="2"/>
+              <a:buChar char="ü"/>
+            </a:pPr>
+            <a:r>
+              <a:rPr lang="en-US" sz="2000" dirty="0"/>
+              <a:t>YANG model refinements to reflect the results of the coding</a:t>
+            </a:r>
+            <a:endParaRPr sz="2000" dirty="0"/>
+          </a:p>
+          <a:p>
+            <a:pPr marL="285750" lvl="0" indent="-285750">
+              <a:lnSpc>
+                <a:spcPct val="90000"/>
+              </a:lnSpc>
+              <a:spcBef>
+                <a:spcPts val="0"/>
+              </a:spcBef>
+              <a:spcAft>
+                <a:spcPts val="0"/>
+              </a:spcAft>
+              <a:buClr>
+                <a:schemeClr val="dk2"/>
+              </a:buClr>
+              <a:buSzPts val="1700"/>
+              <a:buFont typeface="Wingdings" panose="05000000000000000000" pitchFamily="2" charset="2"/>
+              <a:buChar char="ü"/>
+            </a:pPr>
+            <a:r>
+              <a:rPr lang="en-US" sz="2000" dirty="0"/>
+              <a:t>Automatic dashboard generation</a:t>
+            </a:r>
+          </a:p>
+        </p:txBody>
+      </p:sp>
+      <p:sp>
+        <p:nvSpPr>
+          <p:cNvPr id="9" name="TextBox 8">
+            <a:extLst>
+              <a:ext uri="{FF2B5EF4-FFF2-40B4-BE49-F238E27FC236}">
+                <a16:creationId xmlns:a16="http://schemas.microsoft.com/office/drawing/2014/main" id="{C88EE4A3-9182-D4E3-B18C-1D84CB7DF39B}"/>
+              </a:ext>
+            </a:extLst>
+          </p:cNvPr>
+          <p:cNvSpPr txBox="1"/>
+          <p:nvPr/>
+        </p:nvSpPr>
+        <p:spPr>
+          <a:xfrm>
+            <a:off x="838200" y="5580167"/>
+            <a:ext cx="6232696" cy="1000274"/>
+          </a:xfrm>
+          <a:prstGeom prst="rect">
+            <a:avLst/>
+          </a:prstGeom>
+          <a:noFill/>
+        </p:spPr>
+        <p:txBody>
+          <a:bodyPr wrap="square">
+            <a:spAutoFit/>
+          </a:bodyPr>
+          <a:lstStyle/>
+          <a:p>
+            <a:pPr>
+              <a:lnSpc>
+                <a:spcPct val="115000"/>
+              </a:lnSpc>
+              <a:spcBef>
+                <a:spcPts val="1200"/>
+              </a:spcBef>
+            </a:pPr>
+            <a:r>
+              <a:rPr lang="en-US" sz="2000" b="1" dirty="0">
+                <a:solidFill>
+                  <a:srgbClr val="FF0000"/>
+                </a:solidFill>
+              </a:rPr>
+              <a:t>Next Steps:</a:t>
+            </a:r>
+          </a:p>
+          <a:p>
+            <a:pPr marL="285750" indent="-285750">
+              <a:lnSpc>
+                <a:spcPct val="90000"/>
+              </a:lnSpc>
+              <a:spcBef>
+                <a:spcPts val="0"/>
+              </a:spcBef>
+              <a:buClr>
+                <a:schemeClr val="dk2"/>
+              </a:buClr>
+              <a:buSzPts val="1700"/>
+              <a:buFont typeface="Wingdings" panose="05000000000000000000" pitchFamily="2" charset="2"/>
+              <a:buChar char="Ø"/>
+            </a:pPr>
+            <a:r>
+              <a:rPr lang="en-US" sz="2000" dirty="0"/>
+              <a:t>Improve scalability</a:t>
+            </a:r>
+          </a:p>
+          <a:p>
+            <a:pPr marL="285750" indent="-285750">
+              <a:lnSpc>
+                <a:spcPct val="90000"/>
+              </a:lnSpc>
+              <a:spcBef>
+                <a:spcPts val="0"/>
+              </a:spcBef>
+              <a:buClr>
+                <a:schemeClr val="dk2"/>
+              </a:buClr>
+              <a:buSzPts val="1700"/>
+              <a:buFont typeface="Wingdings" panose="05000000000000000000" pitchFamily="2" charset="2"/>
+              <a:buChar char="Ø"/>
+            </a:pPr>
+            <a:r>
+              <a:rPr lang="en-US" sz="2000" dirty="0"/>
+              <a:t>Validate with Swisscom Data</a:t>
+            </a:r>
+            <a:endParaRPr lang="en-US" sz="2000" dirty="0">
+              <a:solidFill>
+                <a:schemeClr val="dk2"/>
+              </a:solidFill>
+            </a:endParaRPr>
+          </a:p>
+        </p:txBody>
+      </p:sp>
     </p:spTree>
     <p:extLst>
       <p:ext uri="{BB962C8B-B14F-4D97-AF65-F5344CB8AC3E}">
-        <p14:creationId xmlns:p14="http://schemas.microsoft.com/office/powerpoint/2010/main" val="3284505603"/>
+        <p14:creationId xmlns:p14="http://schemas.microsoft.com/office/powerpoint/2010/main" val="1914204504"/>
       </p:ext>
     </p:extLst>
   </p:cSld>
   <p:clrMapOvr>
     <a:masterClrMapping/>
   </p:clrMapOvr>
-  <p:transition spd="med"/>
 </p:sld>
 </file>
 
@@ -5702,7 +7092,7 @@
   <p:cSld>
     <p:spTree>
       <p:nvGrpSpPr>
-        <p:cNvPr id="1" name=""/>
+        <p:cNvPr id="1" name="Shape 225"/>
         <p:cNvGrpSpPr/>
         <p:nvPr/>
       </p:nvGrpSpPr>
@@ -5716,468 +7106,18 @@
       </p:grpSpPr>
       <p:sp>
         <p:nvSpPr>
-          <p:cNvPr id="16" name="Slide Number Placeholder 1">
-            <a:extLst>
-              <a:ext uri="{FF2B5EF4-FFF2-40B4-BE49-F238E27FC236}">
-                <a16:creationId xmlns:a16="http://schemas.microsoft.com/office/drawing/2014/main" id="{4D0044F8-1C12-4A59-883A-7B56B9370029}"/>
-              </a:ext>
-            </a:extLst>
-          </p:cNvPr>
-          <p:cNvSpPr>
+          <p:cNvPr id="230" name="Google Shape;230;p9"/>
+          <p:cNvSpPr txBox="1">
             <a:spLocks noGrp="1"/>
           </p:cNvSpPr>
           <p:nvPr>
-            <p:ph type="sldNum" sz="quarter" idx="4294967295"/>
+            <p:ph type="sldNum" idx="12"/>
           </p:nvPr>
         </p:nvSpPr>
         <p:spPr>
           <a:xfrm>
-            <a:off x="11480800" y="8475133"/>
-            <a:ext cx="3657600" cy="486833"/>
-          </a:xfrm>
-          <a:prstGeom prst="rect">
-            <a:avLst/>
-          </a:prstGeom>
-        </p:spPr>
-        <p:txBody>
-          <a:bodyPr vert="horz" lIns="121920" tIns="60960" rIns="121920" bIns="60960" rtlCol="0" anchor="ctr"/>
-          <a:lstStyle>
-            <a:defPPr>
-              <a:defRPr lang="de-DE"/>
-            </a:defPPr>
-            <a:lvl1pPr marL="0" algn="r" defTabSz="1219170" rtl="0" eaLnBrk="1" latinLnBrk="0" hangingPunct="1">
-              <a:defRPr sz="1600" kern="1200">
-                <a:solidFill>
-                  <a:schemeClr val="tx1">
-                    <a:tint val="75000"/>
-                  </a:schemeClr>
-                </a:solidFill>
-                <a:latin typeface="+mn-lt"/>
-                <a:ea typeface="+mn-ea"/>
-                <a:cs typeface="+mn-cs"/>
-              </a:defRPr>
-            </a:lvl1pPr>
-            <a:lvl2pPr marL="609585" algn="l" defTabSz="1219170" rtl="0" eaLnBrk="1" latinLnBrk="0" hangingPunct="1">
-              <a:defRPr sz="2400" kern="1200">
-                <a:solidFill>
-                  <a:schemeClr val="tx1"/>
-                </a:solidFill>
-                <a:latin typeface="+mn-lt"/>
-                <a:ea typeface="+mn-ea"/>
-                <a:cs typeface="+mn-cs"/>
-              </a:defRPr>
-            </a:lvl2pPr>
-            <a:lvl3pPr marL="1219170" algn="l" defTabSz="1219170" rtl="0" eaLnBrk="1" latinLnBrk="0" hangingPunct="1">
-              <a:defRPr sz="2400" kern="1200">
-                <a:solidFill>
-                  <a:schemeClr val="tx1"/>
-                </a:solidFill>
-                <a:latin typeface="+mn-lt"/>
-                <a:ea typeface="+mn-ea"/>
-                <a:cs typeface="+mn-cs"/>
-              </a:defRPr>
-            </a:lvl3pPr>
-            <a:lvl4pPr marL="1828754" algn="l" defTabSz="1219170" rtl="0" eaLnBrk="1" latinLnBrk="0" hangingPunct="1">
-              <a:defRPr sz="2400" kern="1200">
-                <a:solidFill>
-                  <a:schemeClr val="tx1"/>
-                </a:solidFill>
-                <a:latin typeface="+mn-lt"/>
-                <a:ea typeface="+mn-ea"/>
-                <a:cs typeface="+mn-cs"/>
-              </a:defRPr>
-            </a:lvl4pPr>
-            <a:lvl5pPr marL="2438339" algn="l" defTabSz="1219170" rtl="0" eaLnBrk="1" latinLnBrk="0" hangingPunct="1">
-              <a:defRPr sz="2400" kern="1200">
-                <a:solidFill>
-                  <a:schemeClr val="tx1"/>
-                </a:solidFill>
-                <a:latin typeface="+mn-lt"/>
-                <a:ea typeface="+mn-ea"/>
-                <a:cs typeface="+mn-cs"/>
-              </a:defRPr>
-            </a:lvl5pPr>
-            <a:lvl6pPr marL="3047924" algn="l" defTabSz="1219170" rtl="0" eaLnBrk="1" latinLnBrk="0" hangingPunct="1">
-              <a:defRPr sz="2400" kern="1200">
-                <a:solidFill>
-                  <a:schemeClr val="tx1"/>
-                </a:solidFill>
-                <a:latin typeface="+mn-lt"/>
-                <a:ea typeface="+mn-ea"/>
-                <a:cs typeface="+mn-cs"/>
-              </a:defRPr>
-            </a:lvl6pPr>
-            <a:lvl7pPr marL="3657509" algn="l" defTabSz="1219170" rtl="0" eaLnBrk="1" latinLnBrk="0" hangingPunct="1">
-              <a:defRPr sz="2400" kern="1200">
-                <a:solidFill>
-                  <a:schemeClr val="tx1"/>
-                </a:solidFill>
-                <a:latin typeface="+mn-lt"/>
-                <a:ea typeface="+mn-ea"/>
-                <a:cs typeface="+mn-cs"/>
-              </a:defRPr>
-            </a:lvl7pPr>
-            <a:lvl8pPr marL="4267093" algn="l" defTabSz="1219170" rtl="0" eaLnBrk="1" latinLnBrk="0" hangingPunct="1">
-              <a:defRPr sz="2400" kern="1200">
-                <a:solidFill>
-                  <a:schemeClr val="tx1"/>
-                </a:solidFill>
-                <a:latin typeface="+mn-lt"/>
-                <a:ea typeface="+mn-ea"/>
-                <a:cs typeface="+mn-cs"/>
-              </a:defRPr>
-            </a:lvl8pPr>
-            <a:lvl9pPr marL="4876678" algn="l" defTabSz="1219170" rtl="0" eaLnBrk="1" latinLnBrk="0" hangingPunct="1">
-              <a:defRPr sz="2400" kern="1200">
-                <a:solidFill>
-                  <a:schemeClr val="tx1"/>
-                </a:solidFill>
-                <a:latin typeface="+mn-lt"/>
-                <a:ea typeface="+mn-ea"/>
-                <a:cs typeface="+mn-cs"/>
-              </a:defRPr>
-            </a:lvl9pPr>
-          </a:lstStyle>
-          <a:p>
-            <a:fld id="{FC4AC485-25DE-431E-B345-9C0A15BB7F8A}" type="slidenum">
-              <a:rPr lang="de-CH" smtClean="0"/>
-              <a:pPr/>
-              <a:t>11</a:t>
-            </a:fld>
-            <a:endParaRPr lang="en-US" sz="2200"/>
-          </a:p>
-        </p:txBody>
-      </p:sp>
-      <p:sp>
-        <p:nvSpPr>
-          <p:cNvPr id="17" name="Title 1">
-            <a:extLst>
-              <a:ext uri="{FF2B5EF4-FFF2-40B4-BE49-F238E27FC236}">
-                <a16:creationId xmlns:a16="http://schemas.microsoft.com/office/drawing/2014/main" id="{B98D60A1-3155-46F6-B1C8-E3FA03DB1EBB}"/>
-              </a:ext>
-            </a:extLst>
-          </p:cNvPr>
-          <p:cNvSpPr txBox="1">
-            <a:spLocks/>
-          </p:cNvSpPr>
-          <p:nvPr/>
-        </p:nvSpPr>
-        <p:spPr>
-          <a:xfrm>
-            <a:off x="455427" y="145721"/>
-            <a:ext cx="10972800" cy="1143001"/>
-          </a:xfrm>
-          <a:prstGeom prst="rect">
-            <a:avLst/>
-          </a:prstGeom>
-          <a:ln w="12700">
-            <a:miter lim="400000"/>
-          </a:ln>
-          <a:extLst>
-            <a:ext uri="{C572A759-6A51-4108-AA02-DFA0A04FC94B}">
-              <ma14:wrappingTextBoxFlag xmlns:ma14="http://schemas.microsoft.com/office/mac/drawingml/2011/main" xmlns="" val="1"/>
-            </a:ext>
-          </a:extLst>
-        </p:spPr>
-        <p:txBody>
-          <a:bodyPr lIns="60959" rIns="60959" anchor="ctr">
-            <a:normAutofit/>
-          </a:bodyPr>
-          <a:lstStyle>
-            <a:lvl1pPr marL="0" marR="0" indent="0" algn="ctr" defTabSz="457200" rtl="0" latinLnBrk="0">
-              <a:lnSpc>
-                <a:spcPct val="100000"/>
-              </a:lnSpc>
-              <a:spcBef>
-                <a:spcPts val="0"/>
-              </a:spcBef>
-              <a:spcAft>
-                <a:spcPts val="0"/>
-              </a:spcAft>
-              <a:buClrTx/>
-              <a:buSzTx/>
-              <a:buFontTx/>
-              <a:buNone/>
-              <a:tabLst/>
-              <a:defRPr sz="4400" b="0" i="0" u="none" strike="noStrike" cap="none" spc="0" baseline="0">
-                <a:ln>
-                  <a:noFill/>
-                </a:ln>
-                <a:solidFill>
-                  <a:srgbClr val="000000"/>
-                </a:solidFill>
-                <a:uFillTx/>
-                <a:latin typeface="+mj-lt"/>
-                <a:ea typeface="+mj-ea"/>
-                <a:cs typeface="+mj-cs"/>
-                <a:sym typeface="Calibri"/>
-              </a:defRPr>
-            </a:lvl1pPr>
-            <a:lvl2pPr marL="0" marR="0" indent="0" algn="ctr" defTabSz="457200" rtl="0" latinLnBrk="0">
-              <a:lnSpc>
-                <a:spcPct val="100000"/>
-              </a:lnSpc>
-              <a:spcBef>
-                <a:spcPts val="0"/>
-              </a:spcBef>
-              <a:spcAft>
-                <a:spcPts val="0"/>
-              </a:spcAft>
-              <a:buClrTx/>
-              <a:buSzTx/>
-              <a:buFontTx/>
-              <a:buNone/>
-              <a:tabLst/>
-              <a:defRPr sz="4400" b="0" i="0" u="none" strike="noStrike" cap="none" spc="0" baseline="0">
-                <a:ln>
-                  <a:noFill/>
-                </a:ln>
-                <a:solidFill>
-                  <a:srgbClr val="000000"/>
-                </a:solidFill>
-                <a:uFillTx/>
-                <a:latin typeface="+mj-lt"/>
-                <a:ea typeface="+mj-ea"/>
-                <a:cs typeface="+mj-cs"/>
-                <a:sym typeface="Calibri"/>
-              </a:defRPr>
-            </a:lvl2pPr>
-            <a:lvl3pPr marL="0" marR="0" indent="0" algn="ctr" defTabSz="457200" rtl="0" latinLnBrk="0">
-              <a:lnSpc>
-                <a:spcPct val="100000"/>
-              </a:lnSpc>
-              <a:spcBef>
-                <a:spcPts val="0"/>
-              </a:spcBef>
-              <a:spcAft>
-                <a:spcPts val="0"/>
-              </a:spcAft>
-              <a:buClrTx/>
-              <a:buSzTx/>
-              <a:buFontTx/>
-              <a:buNone/>
-              <a:tabLst/>
-              <a:defRPr sz="4400" b="0" i="0" u="none" strike="noStrike" cap="none" spc="0" baseline="0">
-                <a:ln>
-                  <a:noFill/>
-                </a:ln>
-                <a:solidFill>
-                  <a:srgbClr val="000000"/>
-                </a:solidFill>
-                <a:uFillTx/>
-                <a:latin typeface="+mj-lt"/>
-                <a:ea typeface="+mj-ea"/>
-                <a:cs typeface="+mj-cs"/>
-                <a:sym typeface="Calibri"/>
-              </a:defRPr>
-            </a:lvl3pPr>
-            <a:lvl4pPr marL="0" marR="0" indent="0" algn="ctr" defTabSz="457200" rtl="0" latinLnBrk="0">
-              <a:lnSpc>
-                <a:spcPct val="100000"/>
-              </a:lnSpc>
-              <a:spcBef>
-                <a:spcPts val="0"/>
-              </a:spcBef>
-              <a:spcAft>
-                <a:spcPts val="0"/>
-              </a:spcAft>
-              <a:buClrTx/>
-              <a:buSzTx/>
-              <a:buFontTx/>
-              <a:buNone/>
-              <a:tabLst/>
-              <a:defRPr sz="4400" b="0" i="0" u="none" strike="noStrike" cap="none" spc="0" baseline="0">
-                <a:ln>
-                  <a:noFill/>
-                </a:ln>
-                <a:solidFill>
-                  <a:srgbClr val="000000"/>
-                </a:solidFill>
-                <a:uFillTx/>
-                <a:latin typeface="+mj-lt"/>
-                <a:ea typeface="+mj-ea"/>
-                <a:cs typeface="+mj-cs"/>
-                <a:sym typeface="Calibri"/>
-              </a:defRPr>
-            </a:lvl4pPr>
-            <a:lvl5pPr marL="0" marR="0" indent="0" algn="ctr" defTabSz="457200" rtl="0" latinLnBrk="0">
-              <a:lnSpc>
-                <a:spcPct val="100000"/>
-              </a:lnSpc>
-              <a:spcBef>
-                <a:spcPts val="0"/>
-              </a:spcBef>
-              <a:spcAft>
-                <a:spcPts val="0"/>
-              </a:spcAft>
-              <a:buClrTx/>
-              <a:buSzTx/>
-              <a:buFontTx/>
-              <a:buNone/>
-              <a:tabLst/>
-              <a:defRPr sz="4400" b="0" i="0" u="none" strike="noStrike" cap="none" spc="0" baseline="0">
-                <a:ln>
-                  <a:noFill/>
-                </a:ln>
-                <a:solidFill>
-                  <a:srgbClr val="000000"/>
-                </a:solidFill>
-                <a:uFillTx/>
-                <a:latin typeface="+mj-lt"/>
-                <a:ea typeface="+mj-ea"/>
-                <a:cs typeface="+mj-cs"/>
-                <a:sym typeface="Calibri"/>
-              </a:defRPr>
-            </a:lvl5pPr>
-            <a:lvl6pPr marL="0" marR="0" indent="0" algn="ctr" defTabSz="457200" rtl="0" latinLnBrk="0">
-              <a:lnSpc>
-                <a:spcPct val="100000"/>
-              </a:lnSpc>
-              <a:spcBef>
-                <a:spcPts val="0"/>
-              </a:spcBef>
-              <a:spcAft>
-                <a:spcPts val="0"/>
-              </a:spcAft>
-              <a:buClrTx/>
-              <a:buSzTx/>
-              <a:buFontTx/>
-              <a:buNone/>
-              <a:tabLst/>
-              <a:defRPr sz="4400" b="0" i="0" u="none" strike="noStrike" cap="none" spc="0" baseline="0">
-                <a:ln>
-                  <a:noFill/>
-                </a:ln>
-                <a:solidFill>
-                  <a:srgbClr val="000000"/>
-                </a:solidFill>
-                <a:uFillTx/>
-                <a:latin typeface="+mj-lt"/>
-                <a:ea typeface="+mj-ea"/>
-                <a:cs typeface="+mj-cs"/>
-                <a:sym typeface="Calibri"/>
-              </a:defRPr>
-            </a:lvl6pPr>
-            <a:lvl7pPr marL="0" marR="0" indent="0" algn="ctr" defTabSz="457200" rtl="0" latinLnBrk="0">
-              <a:lnSpc>
-                <a:spcPct val="100000"/>
-              </a:lnSpc>
-              <a:spcBef>
-                <a:spcPts val="0"/>
-              </a:spcBef>
-              <a:spcAft>
-                <a:spcPts val="0"/>
-              </a:spcAft>
-              <a:buClrTx/>
-              <a:buSzTx/>
-              <a:buFontTx/>
-              <a:buNone/>
-              <a:tabLst/>
-              <a:defRPr sz="4400" b="0" i="0" u="none" strike="noStrike" cap="none" spc="0" baseline="0">
-                <a:ln>
-                  <a:noFill/>
-                </a:ln>
-                <a:solidFill>
-                  <a:srgbClr val="000000"/>
-                </a:solidFill>
-                <a:uFillTx/>
-                <a:latin typeface="+mj-lt"/>
-                <a:ea typeface="+mj-ea"/>
-                <a:cs typeface="+mj-cs"/>
-                <a:sym typeface="Calibri"/>
-              </a:defRPr>
-            </a:lvl7pPr>
-            <a:lvl8pPr marL="0" marR="0" indent="0" algn="ctr" defTabSz="457200" rtl="0" latinLnBrk="0">
-              <a:lnSpc>
-                <a:spcPct val="100000"/>
-              </a:lnSpc>
-              <a:spcBef>
-                <a:spcPts val="0"/>
-              </a:spcBef>
-              <a:spcAft>
-                <a:spcPts val="0"/>
-              </a:spcAft>
-              <a:buClrTx/>
-              <a:buSzTx/>
-              <a:buFontTx/>
-              <a:buNone/>
-              <a:tabLst/>
-              <a:defRPr sz="4400" b="0" i="0" u="none" strike="noStrike" cap="none" spc="0" baseline="0">
-                <a:ln>
-                  <a:noFill/>
-                </a:ln>
-                <a:solidFill>
-                  <a:srgbClr val="000000"/>
-                </a:solidFill>
-                <a:uFillTx/>
-                <a:latin typeface="+mj-lt"/>
-                <a:ea typeface="+mj-ea"/>
-                <a:cs typeface="+mj-cs"/>
-                <a:sym typeface="Calibri"/>
-              </a:defRPr>
-            </a:lvl8pPr>
-            <a:lvl9pPr marL="0" marR="0" indent="0" algn="ctr" defTabSz="457200" rtl="0" latinLnBrk="0">
-              <a:lnSpc>
-                <a:spcPct val="100000"/>
-              </a:lnSpc>
-              <a:spcBef>
-                <a:spcPts val="0"/>
-              </a:spcBef>
-              <a:spcAft>
-                <a:spcPts val="0"/>
-              </a:spcAft>
-              <a:buClrTx/>
-              <a:buSzTx/>
-              <a:buFontTx/>
-              <a:buNone/>
-              <a:tabLst/>
-              <a:defRPr sz="4400" b="0" i="0" u="none" strike="noStrike" cap="none" spc="0" baseline="0">
-                <a:ln>
-                  <a:noFill/>
-                </a:ln>
-                <a:solidFill>
-                  <a:srgbClr val="000000"/>
-                </a:solidFill>
-                <a:uFillTx/>
-                <a:latin typeface="+mj-lt"/>
-                <a:ea typeface="+mj-ea"/>
-                <a:cs typeface="+mj-cs"/>
-                <a:sym typeface="Calibri"/>
-              </a:defRPr>
-            </a:lvl9pPr>
-          </a:lstStyle>
-          <a:p>
-            <a:pPr hangingPunct="1"/>
-            <a:r>
-              <a:rPr lang="en-US" sz="4267" dirty="0"/>
-              <a:t>Antagonist – Labelling a Symptom</a:t>
-            </a:r>
-          </a:p>
-        </p:txBody>
-      </p:sp>
-      <p:pic>
-        <p:nvPicPr>
-          <p:cNvPr id="10" name="Google Shape;54;p13">
-            <a:extLst>
-              <a:ext uri="{FF2B5EF4-FFF2-40B4-BE49-F238E27FC236}">
-                <a16:creationId xmlns:a16="http://schemas.microsoft.com/office/drawing/2014/main" id="{8A154FF9-EDED-40BF-BF0D-98AA6FFED7B8}"/>
-              </a:ext>
-            </a:extLst>
-          </p:cNvPr>
-          <p:cNvPicPr preferRelativeResize="0"/>
-          <p:nvPr/>
-        </p:nvPicPr>
-        <p:blipFill rotWithShape="1">
-          <a:blip r:embed="rId3">
-            <a:alphaModFix/>
-          </a:blip>
-          <a:srcRect r="799"/>
-          <a:stretch/>
-        </p:blipFill>
-        <p:spPr>
-          <a:xfrm>
-            <a:off x="455427" y="1136323"/>
-            <a:ext cx="11413135" cy="5410651"/>
+            <a:off x="11587892" y="6361637"/>
+            <a:ext cx="414251" cy="365125"/>
           </a:xfrm>
           <a:prstGeom prst="rect">
             <a:avLst/>
@@ -6187,22 +7127,2612 @@
             <a:noFill/>
           </a:ln>
         </p:spPr>
-      </p:pic>
+        <p:txBody>
+          <a:bodyPr spcFirstLastPara="1" wrap="square" lIns="91425" tIns="45700" rIns="91425" bIns="45700" anchor="ctr" anchorCtr="0">
+            <a:noAutofit/>
+          </a:bodyPr>
+          <a:lstStyle/>
+          <a:p>
+            <a:pPr marL="0" lvl="0" indent="0" algn="r" rtl="0">
+              <a:spcBef>
+                <a:spcPts val="0"/>
+              </a:spcBef>
+              <a:spcAft>
+                <a:spcPts val="0"/>
+              </a:spcAft>
+              <a:buNone/>
+            </a:pPr>
+            <a:fld id="{00000000-1234-1234-1234-123412341234}" type="slidenum">
+              <a:rPr lang="en-US" sz="1400"/>
+              <a:t>11</a:t>
+            </a:fld>
+            <a:endParaRPr sz="1400"/>
+          </a:p>
+        </p:txBody>
+      </p:sp>
+      <p:sp>
+        <p:nvSpPr>
+          <p:cNvPr id="231" name="Google Shape;231;p9"/>
+          <p:cNvSpPr txBox="1">
+            <a:spLocks noGrp="1"/>
+          </p:cNvSpPr>
+          <p:nvPr>
+            <p:ph type="title"/>
+          </p:nvPr>
+        </p:nvSpPr>
+        <p:spPr>
+          <a:xfrm>
+            <a:off x="838200" y="365125"/>
+            <a:ext cx="10515600" cy="1325563"/>
+          </a:xfrm>
+          <a:prstGeom prst="rect">
+            <a:avLst/>
+          </a:prstGeom>
+          <a:noFill/>
+          <a:ln>
+            <a:noFill/>
+          </a:ln>
+        </p:spPr>
+        <p:txBody>
+          <a:bodyPr spcFirstLastPara="1" wrap="square" lIns="91425" tIns="45700" rIns="91425" bIns="45700" anchor="ctr" anchorCtr="0">
+            <a:normAutofit/>
+          </a:bodyPr>
+          <a:lstStyle/>
+          <a:p>
+            <a:pPr marL="0" lvl="0" indent="0" algn="l" rtl="0">
+              <a:lnSpc>
+                <a:spcPct val="90000"/>
+              </a:lnSpc>
+              <a:spcBef>
+                <a:spcPts val="0"/>
+              </a:spcBef>
+              <a:spcAft>
+                <a:spcPts val="0"/>
+              </a:spcAft>
+              <a:buClr>
+                <a:schemeClr val="dk1"/>
+              </a:buClr>
+              <a:buSzPts val="2800"/>
+              <a:buFont typeface="Calibri"/>
+              <a:buNone/>
+            </a:pPr>
+            <a:r>
+              <a:rPr lang="en-US" sz="2800" b="1" dirty="0">
+                <a:solidFill>
+                  <a:srgbClr val="FF0000"/>
+                </a:solidFill>
+              </a:rPr>
+              <a:t>Swisscom </a:t>
+            </a:r>
+            <a:r>
+              <a:rPr lang="en-US" sz="2800" b="1" dirty="0"/>
+              <a:t>- Cosmos Bright Lights PoC Summary</a:t>
+            </a:r>
+            <a:br>
+              <a:rPr lang="en-US" sz="3600" dirty="0"/>
+            </a:br>
+            <a:r>
+              <a:rPr lang="en-US" sz="2700" dirty="0">
+                <a:solidFill>
+                  <a:srgbClr val="AEABAB"/>
+                </a:solidFill>
+              </a:rPr>
+              <a:t>After 20 Incidents and 18 Months Time</a:t>
+            </a:r>
+            <a:endParaRPr sz="2700" dirty="0">
+              <a:solidFill>
+                <a:srgbClr val="FF0000"/>
+              </a:solidFill>
+            </a:endParaRPr>
+          </a:p>
+        </p:txBody>
+      </p:sp>
+      <p:sp>
+        <p:nvSpPr>
+          <p:cNvPr id="14" name="Rechteck 13">
+            <a:extLst>
+              <a:ext uri="{FF2B5EF4-FFF2-40B4-BE49-F238E27FC236}">
+                <a16:creationId xmlns:a16="http://schemas.microsoft.com/office/drawing/2014/main" id="{46649985-4213-9CB3-CD81-79D4DB248DAF}"/>
+              </a:ext>
+            </a:extLst>
+          </p:cNvPr>
+          <p:cNvSpPr/>
+          <p:nvPr/>
+        </p:nvSpPr>
+        <p:spPr bwMode="gray">
+          <a:xfrm>
+            <a:off x="384041" y="4063873"/>
+            <a:ext cx="2023256" cy="1105288"/>
+          </a:xfrm>
+          <a:prstGeom prst="rect">
+            <a:avLst/>
+          </a:prstGeom>
+          <a:noFill/>
+          <a:ln w="9525">
+            <a:noFill/>
+          </a:ln>
+        </p:spPr>
+        <p:style>
+          <a:lnRef idx="2">
+            <a:schemeClr val="accent1">
+              <a:shade val="50000"/>
+            </a:schemeClr>
+          </a:lnRef>
+          <a:fillRef idx="1">
+            <a:schemeClr val="accent1"/>
+          </a:fillRef>
+          <a:effectRef idx="0">
+            <a:schemeClr val="accent1"/>
+          </a:effectRef>
+          <a:fontRef idx="minor">
+            <a:schemeClr val="lt1"/>
+          </a:fontRef>
+        </p:style>
+        <p:txBody>
+          <a:bodyPr lIns="0" tIns="82800" rIns="0" bIns="0" rtlCol="0" anchor="t" anchorCtr="0"/>
+          <a:lstStyle/>
+          <a:p>
+            <a:pPr marL="0" marR="0" lvl="0" indent="0" algn="l" defTabSz="914400" rtl="0" eaLnBrk="1" fontAlgn="auto" latinLnBrk="0" hangingPunct="1">
+              <a:lnSpc>
+                <a:spcPct val="100000"/>
+              </a:lnSpc>
+              <a:spcBef>
+                <a:spcPts val="0"/>
+              </a:spcBef>
+              <a:spcAft>
+                <a:spcPts val="0"/>
+              </a:spcAft>
+              <a:buClrTx/>
+              <a:buSzTx/>
+              <a:buFontTx/>
+              <a:buNone/>
+              <a:tabLst/>
+              <a:defRPr/>
+            </a:pPr>
+            <a:r>
+              <a:rPr kumimoji="0" lang="en-US" sz="2200" b="1" i="0" u="none" strike="noStrike" kern="1200" cap="none" spc="0" normalizeH="0" baseline="0" noProof="0" dirty="0">
+                <a:ln>
+                  <a:noFill/>
+                </a:ln>
+                <a:solidFill>
+                  <a:srgbClr val="333333"/>
+                </a:solidFill>
+                <a:effectLst/>
+                <a:uLnTx/>
+                <a:uFillTx/>
+                <a:ea typeface="+mn-ea"/>
+                <a:cs typeface="+mn-cs"/>
+              </a:rPr>
+              <a:t>46</a:t>
+            </a:r>
+          </a:p>
+          <a:p>
+            <a:pPr marL="0" marR="0" lvl="0" indent="0" algn="l" defTabSz="914400" rtl="0" eaLnBrk="1" fontAlgn="auto" latinLnBrk="0" hangingPunct="1">
+              <a:lnSpc>
+                <a:spcPct val="100000"/>
+              </a:lnSpc>
+              <a:spcBef>
+                <a:spcPts val="0"/>
+              </a:spcBef>
+              <a:spcAft>
+                <a:spcPts val="0"/>
+              </a:spcAft>
+              <a:buClrTx/>
+              <a:buSzTx/>
+              <a:buFontTx/>
+              <a:buNone/>
+              <a:tabLst/>
+              <a:defRPr/>
+            </a:pPr>
+            <a:r>
+              <a:rPr kumimoji="0" lang="en-US" sz="2000" b="0" i="0" u="none" strike="noStrike" kern="1200" cap="none" spc="0" normalizeH="0" baseline="0" noProof="0" dirty="0">
+                <a:ln>
+                  <a:noFill/>
+                </a:ln>
+                <a:solidFill>
+                  <a:srgbClr val="333333"/>
+                </a:solidFill>
+                <a:effectLst/>
+                <a:uLnTx/>
+                <a:uFillTx/>
+                <a:ea typeface="+mn-ea"/>
+                <a:cs typeface="+mn-cs"/>
+              </a:rPr>
+              <a:t>Falls Positive due to Apache Druid delayed ingestion</a:t>
+            </a:r>
+          </a:p>
+        </p:txBody>
+      </p:sp>
+      <p:cxnSp>
+        <p:nvCxnSpPr>
+          <p:cNvPr id="15" name="Gerade Verbindung 36">
+            <a:extLst>
+              <a:ext uri="{FF2B5EF4-FFF2-40B4-BE49-F238E27FC236}">
+                <a16:creationId xmlns:a16="http://schemas.microsoft.com/office/drawing/2014/main" id="{CEF6A92B-B282-4279-BF45-3D3805A69CFD}"/>
+              </a:ext>
+            </a:extLst>
+          </p:cNvPr>
+          <p:cNvCxnSpPr>
+            <a:cxnSpLocks/>
+          </p:cNvCxnSpPr>
+          <p:nvPr/>
+        </p:nvCxnSpPr>
+        <p:spPr bwMode="gray">
+          <a:xfrm>
+            <a:off x="5671317" y="4353128"/>
+            <a:ext cx="2250472" cy="0"/>
+          </a:xfrm>
+          <a:prstGeom prst="line">
+            <a:avLst/>
+          </a:prstGeom>
+          <a:ln>
+            <a:solidFill>
+              <a:schemeClr val="accent6"/>
+            </a:solidFill>
+          </a:ln>
+        </p:spPr>
+        <p:style>
+          <a:lnRef idx="1">
+            <a:schemeClr val="accent1"/>
+          </a:lnRef>
+          <a:fillRef idx="0">
+            <a:schemeClr val="accent1"/>
+          </a:fillRef>
+          <a:effectRef idx="0">
+            <a:schemeClr val="accent1"/>
+          </a:effectRef>
+          <a:fontRef idx="minor">
+            <a:schemeClr val="tx1"/>
+          </a:fontRef>
+        </p:style>
+      </p:cxnSp>
+      <p:cxnSp>
+        <p:nvCxnSpPr>
+          <p:cNvPr id="16" name="Gerade Verbindung 41">
+            <a:extLst>
+              <a:ext uri="{FF2B5EF4-FFF2-40B4-BE49-F238E27FC236}">
+                <a16:creationId xmlns:a16="http://schemas.microsoft.com/office/drawing/2014/main" id="{1DCCF47F-8DC3-9197-7101-4DE7468021A8}"/>
+              </a:ext>
+            </a:extLst>
+          </p:cNvPr>
+          <p:cNvCxnSpPr>
+            <a:cxnSpLocks/>
+          </p:cNvCxnSpPr>
+          <p:nvPr/>
+        </p:nvCxnSpPr>
+        <p:spPr bwMode="gray">
+          <a:xfrm>
+            <a:off x="4886269" y="2552944"/>
+            <a:ext cx="3035520" cy="0"/>
+          </a:xfrm>
+          <a:prstGeom prst="line">
+            <a:avLst/>
+          </a:prstGeom>
+          <a:ln>
+            <a:solidFill>
+              <a:schemeClr val="accent6"/>
+            </a:solidFill>
+          </a:ln>
+        </p:spPr>
+        <p:style>
+          <a:lnRef idx="1">
+            <a:schemeClr val="accent1"/>
+          </a:lnRef>
+          <a:fillRef idx="0">
+            <a:schemeClr val="accent1"/>
+          </a:fillRef>
+          <a:effectRef idx="0">
+            <a:schemeClr val="accent1"/>
+          </a:effectRef>
+          <a:fontRef idx="minor">
+            <a:schemeClr val="tx1"/>
+          </a:fontRef>
+        </p:style>
+      </p:cxnSp>
+      <p:cxnSp>
+        <p:nvCxnSpPr>
+          <p:cNvPr id="17" name="Gerade Verbindung 41">
+            <a:extLst>
+              <a:ext uri="{FF2B5EF4-FFF2-40B4-BE49-F238E27FC236}">
+                <a16:creationId xmlns:a16="http://schemas.microsoft.com/office/drawing/2014/main" id="{CA870199-91A5-610F-5CB6-418A1191A95D}"/>
+              </a:ext>
+            </a:extLst>
+          </p:cNvPr>
+          <p:cNvCxnSpPr>
+            <a:cxnSpLocks/>
+          </p:cNvCxnSpPr>
+          <p:nvPr/>
+        </p:nvCxnSpPr>
+        <p:spPr bwMode="gray">
+          <a:xfrm>
+            <a:off x="384041" y="2263689"/>
+            <a:ext cx="3035520" cy="0"/>
+          </a:xfrm>
+          <a:prstGeom prst="line">
+            <a:avLst/>
+          </a:prstGeom>
+          <a:ln>
+            <a:solidFill>
+              <a:schemeClr val="accent6"/>
+            </a:solidFill>
+          </a:ln>
+        </p:spPr>
+        <p:style>
+          <a:lnRef idx="1">
+            <a:schemeClr val="accent1"/>
+          </a:lnRef>
+          <a:fillRef idx="0">
+            <a:schemeClr val="accent1"/>
+          </a:fillRef>
+          <a:effectRef idx="0">
+            <a:schemeClr val="accent1"/>
+          </a:effectRef>
+          <a:fontRef idx="minor">
+            <a:schemeClr val="tx1"/>
+          </a:fontRef>
+        </p:style>
+      </p:cxnSp>
+      <p:sp>
+        <p:nvSpPr>
+          <p:cNvPr id="18" name="Rechteck 17">
+            <a:extLst>
+              <a:ext uri="{FF2B5EF4-FFF2-40B4-BE49-F238E27FC236}">
+                <a16:creationId xmlns:a16="http://schemas.microsoft.com/office/drawing/2014/main" id="{076CE855-379A-5BE7-9E3E-05D784B2CF9D}"/>
+              </a:ext>
+            </a:extLst>
+          </p:cNvPr>
+          <p:cNvSpPr/>
+          <p:nvPr/>
+        </p:nvSpPr>
+        <p:spPr bwMode="gray">
+          <a:xfrm>
+            <a:off x="384041" y="2263689"/>
+            <a:ext cx="2023256" cy="1105288"/>
+          </a:xfrm>
+          <a:prstGeom prst="rect">
+            <a:avLst/>
+          </a:prstGeom>
+          <a:noFill/>
+          <a:ln w="9525">
+            <a:noFill/>
+          </a:ln>
+        </p:spPr>
+        <p:style>
+          <a:lnRef idx="2">
+            <a:schemeClr val="accent1">
+              <a:shade val="50000"/>
+            </a:schemeClr>
+          </a:lnRef>
+          <a:fillRef idx="1">
+            <a:schemeClr val="accent1"/>
+          </a:fillRef>
+          <a:effectRef idx="0">
+            <a:schemeClr val="accent1"/>
+          </a:effectRef>
+          <a:fontRef idx="minor">
+            <a:schemeClr val="lt1"/>
+          </a:fontRef>
+        </p:style>
+        <p:txBody>
+          <a:bodyPr lIns="0" tIns="82800" rIns="0" bIns="0" rtlCol="0" anchor="t" anchorCtr="0"/>
+          <a:lstStyle/>
+          <a:p>
+            <a:pPr marL="0" marR="0" lvl="0" indent="0" algn="l" defTabSz="914400" rtl="0" eaLnBrk="1" fontAlgn="auto" latinLnBrk="0" hangingPunct="1">
+              <a:lnSpc>
+                <a:spcPct val="100000"/>
+              </a:lnSpc>
+              <a:spcBef>
+                <a:spcPts val="0"/>
+              </a:spcBef>
+              <a:spcAft>
+                <a:spcPts val="0"/>
+              </a:spcAft>
+              <a:buClrTx/>
+              <a:buSzTx/>
+              <a:buFontTx/>
+              <a:buNone/>
+              <a:tabLst/>
+              <a:defRPr/>
+            </a:pPr>
+            <a:r>
+              <a:rPr kumimoji="0" lang="en-US" sz="2200" b="1" i="0" u="none" strike="noStrike" kern="1200" cap="none" spc="0" normalizeH="0" baseline="0" noProof="0" dirty="0">
+                <a:ln>
+                  <a:noFill/>
+                </a:ln>
+                <a:solidFill>
+                  <a:srgbClr val="FF0000"/>
+                </a:solidFill>
+                <a:effectLst/>
+                <a:uLnTx/>
+                <a:uFillTx/>
+                <a:ea typeface="+mn-ea"/>
+                <a:cs typeface="+mn-cs"/>
+              </a:rPr>
+              <a:t>5</a:t>
+            </a:r>
+          </a:p>
+          <a:p>
+            <a:pPr marL="0" marR="0" lvl="0" indent="0" algn="l" defTabSz="914400" rtl="0" eaLnBrk="1" fontAlgn="auto" latinLnBrk="0" hangingPunct="1">
+              <a:lnSpc>
+                <a:spcPct val="100000"/>
+              </a:lnSpc>
+              <a:spcBef>
+                <a:spcPts val="0"/>
+              </a:spcBef>
+              <a:spcAft>
+                <a:spcPts val="0"/>
+              </a:spcAft>
+              <a:buClrTx/>
+              <a:buSzTx/>
+              <a:buFontTx/>
+              <a:buNone/>
+              <a:tabLst/>
+              <a:defRPr/>
+            </a:pPr>
+            <a:r>
+              <a:rPr kumimoji="0" lang="en-US" sz="2000" b="0" i="0" u="none" strike="noStrike" kern="1200" cap="none" spc="0" normalizeH="0" baseline="0" noProof="0" dirty="0">
+                <a:ln>
+                  <a:noFill/>
+                </a:ln>
+                <a:solidFill>
+                  <a:srgbClr val="333333"/>
+                </a:solidFill>
+                <a:effectLst/>
+                <a:uLnTx/>
+                <a:uFillTx/>
+                <a:ea typeface="+mn-ea"/>
+                <a:cs typeface="+mn-cs"/>
+              </a:rPr>
+              <a:t>In Replay </a:t>
+            </a:r>
+            <a:br>
+              <a:rPr kumimoji="0" lang="en-US" sz="2000" b="0" i="0" u="none" strike="noStrike" kern="1200" cap="none" spc="0" normalizeH="0" baseline="0" noProof="0" dirty="0">
+                <a:ln>
+                  <a:noFill/>
+                </a:ln>
+                <a:solidFill>
+                  <a:srgbClr val="333333"/>
+                </a:solidFill>
+                <a:effectLst/>
+                <a:uLnTx/>
+                <a:uFillTx/>
+                <a:ea typeface="+mn-ea"/>
+                <a:cs typeface="+mn-cs"/>
+              </a:rPr>
+            </a:br>
+            <a:r>
+              <a:rPr kumimoji="0" lang="en-US" sz="2000" b="0" i="0" u="none" strike="noStrike" kern="1200" cap="none" spc="0" normalizeH="0" baseline="0" noProof="0" dirty="0">
+                <a:ln>
+                  <a:noFill/>
+                </a:ln>
+                <a:solidFill>
+                  <a:srgbClr val="333333"/>
+                </a:solidFill>
+                <a:effectLst/>
+                <a:uLnTx/>
+                <a:uFillTx/>
+                <a:ea typeface="+mn-ea"/>
+                <a:cs typeface="+mn-cs"/>
+              </a:rPr>
+              <a:t>Incident Detected</a:t>
+            </a:r>
+          </a:p>
+        </p:txBody>
+      </p:sp>
+      <p:graphicFrame>
+        <p:nvGraphicFramePr>
+          <p:cNvPr id="19" name="Diagramm 6">
+            <a:extLst>
+              <a:ext uri="{FF2B5EF4-FFF2-40B4-BE49-F238E27FC236}">
+                <a16:creationId xmlns:a16="http://schemas.microsoft.com/office/drawing/2014/main" id="{A546FED3-E59F-243C-BAB2-70CE2751222B}"/>
+              </a:ext>
+            </a:extLst>
+          </p:cNvPr>
+          <p:cNvGraphicFramePr/>
+          <p:nvPr>
+            <p:custDataLst>
+              <p:tags r:id="rId1"/>
+            </p:custDataLst>
+          </p:nvPr>
+        </p:nvGraphicFramePr>
+        <p:xfrm>
+          <a:off x="2329558" y="1211721"/>
+          <a:ext cx="3663559" cy="4834963"/>
+        </p:xfrm>
+        <a:graphic>
+          <a:graphicData uri="http://schemas.openxmlformats.org/drawingml/2006/chart">
+            <c:chart xmlns:c="http://schemas.openxmlformats.org/drawingml/2006/chart" xmlns:r="http://schemas.openxmlformats.org/officeDocument/2006/relationships" r:id="rId4"/>
+          </a:graphicData>
+        </a:graphic>
+      </p:graphicFrame>
+      <p:sp>
+        <p:nvSpPr>
+          <p:cNvPr id="20" name="Rechteck 7">
+            <a:extLst>
+              <a:ext uri="{FF2B5EF4-FFF2-40B4-BE49-F238E27FC236}">
+                <a16:creationId xmlns:a16="http://schemas.microsoft.com/office/drawing/2014/main" id="{6DEE297B-FA92-D4CB-4DB8-B62139988C22}"/>
+              </a:ext>
+            </a:extLst>
+          </p:cNvPr>
+          <p:cNvSpPr/>
+          <p:nvPr/>
+        </p:nvSpPr>
+        <p:spPr bwMode="gray">
+          <a:xfrm>
+            <a:off x="5750364" y="2552944"/>
+            <a:ext cx="2171425" cy="1105288"/>
+          </a:xfrm>
+          <a:prstGeom prst="rect">
+            <a:avLst/>
+          </a:prstGeom>
+          <a:noFill/>
+          <a:ln w="9525">
+            <a:noFill/>
+          </a:ln>
+        </p:spPr>
+        <p:style>
+          <a:lnRef idx="2">
+            <a:schemeClr val="accent1">
+              <a:shade val="50000"/>
+            </a:schemeClr>
+          </a:lnRef>
+          <a:fillRef idx="1">
+            <a:schemeClr val="accent1"/>
+          </a:fillRef>
+          <a:effectRef idx="0">
+            <a:schemeClr val="accent1"/>
+          </a:effectRef>
+          <a:fontRef idx="minor">
+            <a:schemeClr val="lt1"/>
+          </a:fontRef>
+        </p:style>
+        <p:txBody>
+          <a:bodyPr lIns="0" tIns="82800" rIns="0" bIns="0" rtlCol="0" anchor="t" anchorCtr="0"/>
+          <a:lstStyle/>
+          <a:p>
+            <a:pPr marL="0" marR="0" lvl="0" indent="0" algn="r" defTabSz="914400" rtl="0" eaLnBrk="1" fontAlgn="auto" latinLnBrk="0" hangingPunct="1">
+              <a:lnSpc>
+                <a:spcPct val="100000"/>
+              </a:lnSpc>
+              <a:spcBef>
+                <a:spcPts val="0"/>
+              </a:spcBef>
+              <a:spcAft>
+                <a:spcPts val="0"/>
+              </a:spcAft>
+              <a:buClrTx/>
+              <a:buSzTx/>
+              <a:buFontTx/>
+              <a:buNone/>
+              <a:tabLst/>
+              <a:defRPr/>
+            </a:pPr>
+            <a:r>
+              <a:rPr kumimoji="0" lang="en-US" sz="2200" b="1" i="0" u="none" strike="noStrike" kern="1200" cap="none" spc="0" normalizeH="0" baseline="0" noProof="0" dirty="0">
+                <a:ln>
+                  <a:noFill/>
+                </a:ln>
+                <a:solidFill>
+                  <a:srgbClr val="FF0000"/>
+                </a:solidFill>
+                <a:effectLst/>
+                <a:uLnTx/>
+                <a:uFillTx/>
+                <a:ea typeface="+mn-ea"/>
+                <a:cs typeface="+mn-cs"/>
+              </a:rPr>
+              <a:t>15</a:t>
+            </a:r>
+          </a:p>
+          <a:p>
+            <a:pPr marL="0" marR="0" lvl="0" indent="0" algn="r" defTabSz="914400" rtl="0" eaLnBrk="1" fontAlgn="auto" latinLnBrk="0" hangingPunct="1">
+              <a:lnSpc>
+                <a:spcPct val="100000"/>
+              </a:lnSpc>
+              <a:spcBef>
+                <a:spcPts val="0"/>
+              </a:spcBef>
+              <a:spcAft>
+                <a:spcPts val="0"/>
+              </a:spcAft>
+              <a:buClrTx/>
+              <a:buSzTx/>
+              <a:buFontTx/>
+              <a:buNone/>
+              <a:tabLst/>
+              <a:defRPr/>
+            </a:pPr>
+            <a:r>
+              <a:rPr kumimoji="0" lang="en-US" sz="2000" b="0" i="0" u="none" strike="noStrike" kern="1200" cap="none" spc="0" normalizeH="0" baseline="0" noProof="0" dirty="0">
+                <a:ln>
+                  <a:noFill/>
+                </a:ln>
+                <a:solidFill>
+                  <a:srgbClr val="333333"/>
+                </a:solidFill>
+                <a:effectLst/>
+                <a:uLnTx/>
+                <a:uFillTx/>
+                <a:ea typeface="+mn-ea"/>
+                <a:cs typeface="+mn-cs"/>
+              </a:rPr>
+              <a:t>In Near Real-Time Incident Detected </a:t>
+            </a:r>
+          </a:p>
+        </p:txBody>
+      </p:sp>
+      <p:sp>
+        <p:nvSpPr>
+          <p:cNvPr id="21" name="Rechteck 10">
+            <a:extLst>
+              <a:ext uri="{FF2B5EF4-FFF2-40B4-BE49-F238E27FC236}">
+                <a16:creationId xmlns:a16="http://schemas.microsoft.com/office/drawing/2014/main" id="{85D4E516-F628-FE69-DA43-10B3210E9A28}"/>
+              </a:ext>
+            </a:extLst>
+          </p:cNvPr>
+          <p:cNvSpPr/>
+          <p:nvPr/>
+        </p:nvSpPr>
+        <p:spPr bwMode="gray">
+          <a:xfrm>
+            <a:off x="5750364" y="4353128"/>
+            <a:ext cx="2171425" cy="1105288"/>
+          </a:xfrm>
+          <a:prstGeom prst="rect">
+            <a:avLst/>
+          </a:prstGeom>
+          <a:noFill/>
+          <a:ln w="9525">
+            <a:noFill/>
+          </a:ln>
+        </p:spPr>
+        <p:style>
+          <a:lnRef idx="2">
+            <a:schemeClr val="accent1">
+              <a:shade val="50000"/>
+            </a:schemeClr>
+          </a:lnRef>
+          <a:fillRef idx="1">
+            <a:schemeClr val="accent1"/>
+          </a:fillRef>
+          <a:effectRef idx="0">
+            <a:schemeClr val="accent1"/>
+          </a:effectRef>
+          <a:fontRef idx="minor">
+            <a:schemeClr val="lt1"/>
+          </a:fontRef>
+        </p:style>
+        <p:txBody>
+          <a:bodyPr lIns="0" tIns="82800" rIns="0" bIns="0" rtlCol="0" anchor="t" anchorCtr="0"/>
+          <a:lstStyle/>
+          <a:p>
+            <a:pPr marL="0" marR="0" lvl="0" indent="0" algn="r" defTabSz="914400" rtl="0" eaLnBrk="1" fontAlgn="auto" latinLnBrk="0" hangingPunct="1">
+              <a:lnSpc>
+                <a:spcPct val="100000"/>
+              </a:lnSpc>
+              <a:spcBef>
+                <a:spcPts val="0"/>
+              </a:spcBef>
+              <a:spcAft>
+                <a:spcPts val="0"/>
+              </a:spcAft>
+              <a:buClrTx/>
+              <a:buSzTx/>
+              <a:buFontTx/>
+              <a:buNone/>
+              <a:tabLst/>
+              <a:defRPr/>
+            </a:pPr>
+            <a:r>
+              <a:rPr kumimoji="0" lang="en-US" sz="2200" b="1" i="0" u="none" strike="noStrike" kern="1200" cap="none" spc="0" normalizeH="0" baseline="0" noProof="0" dirty="0">
+                <a:ln>
+                  <a:noFill/>
+                </a:ln>
+                <a:solidFill>
+                  <a:srgbClr val="333333"/>
+                </a:solidFill>
+                <a:effectLst/>
+                <a:uLnTx/>
+                <a:uFillTx/>
+                <a:ea typeface="+mn-ea"/>
+                <a:cs typeface="+mn-cs"/>
+              </a:rPr>
+              <a:t>6</a:t>
+            </a:r>
+          </a:p>
+          <a:p>
+            <a:pPr marL="0" marR="0" lvl="0" indent="0" algn="r" defTabSz="914400" rtl="0" eaLnBrk="1" fontAlgn="auto" latinLnBrk="0" hangingPunct="1">
+              <a:lnSpc>
+                <a:spcPct val="100000"/>
+              </a:lnSpc>
+              <a:spcBef>
+                <a:spcPts val="0"/>
+              </a:spcBef>
+              <a:spcAft>
+                <a:spcPts val="0"/>
+              </a:spcAft>
+              <a:buClrTx/>
+              <a:buSzTx/>
+              <a:buFontTx/>
+              <a:buNone/>
+              <a:tabLst/>
+              <a:defRPr/>
+            </a:pPr>
+            <a:r>
+              <a:rPr kumimoji="0" lang="en-US" sz="2000" b="0" i="0" u="none" strike="noStrike" kern="1200" cap="none" spc="0" normalizeH="0" baseline="0" noProof="0" dirty="0">
+                <a:ln>
+                  <a:noFill/>
+                </a:ln>
+                <a:solidFill>
+                  <a:srgbClr val="333333"/>
+                </a:solidFill>
+                <a:effectLst/>
+                <a:uLnTx/>
+                <a:uFillTx/>
+                <a:ea typeface="+mn-ea"/>
+                <a:cs typeface="+mn-cs"/>
+              </a:rPr>
+              <a:t>Falls Positive due to previous week data not comparable</a:t>
+            </a:r>
+          </a:p>
+        </p:txBody>
+      </p:sp>
+      <p:cxnSp>
+        <p:nvCxnSpPr>
+          <p:cNvPr id="22" name="Gerade Verbindung 36">
+            <a:extLst>
+              <a:ext uri="{FF2B5EF4-FFF2-40B4-BE49-F238E27FC236}">
+                <a16:creationId xmlns:a16="http://schemas.microsoft.com/office/drawing/2014/main" id="{FBEAF735-DF81-0A3B-9CB7-88B14D0CC205}"/>
+              </a:ext>
+            </a:extLst>
+          </p:cNvPr>
+          <p:cNvCxnSpPr>
+            <a:cxnSpLocks/>
+          </p:cNvCxnSpPr>
+          <p:nvPr/>
+        </p:nvCxnSpPr>
+        <p:spPr bwMode="gray">
+          <a:xfrm>
+            <a:off x="398029" y="4063873"/>
+            <a:ext cx="2250472" cy="0"/>
+          </a:xfrm>
+          <a:prstGeom prst="line">
+            <a:avLst/>
+          </a:prstGeom>
+          <a:ln>
+            <a:solidFill>
+              <a:schemeClr val="accent6"/>
+            </a:solidFill>
+          </a:ln>
+        </p:spPr>
+        <p:style>
+          <a:lnRef idx="1">
+            <a:schemeClr val="accent1"/>
+          </a:lnRef>
+          <a:fillRef idx="0">
+            <a:schemeClr val="accent1"/>
+          </a:fillRef>
+          <a:effectRef idx="0">
+            <a:schemeClr val="accent1"/>
+          </a:effectRef>
+          <a:fontRef idx="minor">
+            <a:schemeClr val="tx1"/>
+          </a:fontRef>
+        </p:style>
+      </p:cxnSp>
+      <p:sp>
+        <p:nvSpPr>
+          <p:cNvPr id="23" name="Ellipse 35">
+            <a:extLst>
+              <a:ext uri="{FF2B5EF4-FFF2-40B4-BE49-F238E27FC236}">
+                <a16:creationId xmlns:a16="http://schemas.microsoft.com/office/drawing/2014/main" id="{91B0341B-389C-4CE5-4F90-6C77E3EDD7E5}"/>
+              </a:ext>
+            </a:extLst>
+          </p:cNvPr>
+          <p:cNvSpPr/>
+          <p:nvPr/>
+        </p:nvSpPr>
+        <p:spPr bwMode="gray">
+          <a:xfrm>
+            <a:off x="2943585" y="2337822"/>
+            <a:ext cx="2435503" cy="2486898"/>
+          </a:xfrm>
+          <a:prstGeom prst="ellipse">
+            <a:avLst/>
+          </a:prstGeom>
+          <a:noFill/>
+          <a:ln w="9525">
+            <a:noFill/>
+          </a:ln>
+        </p:spPr>
+        <p:style>
+          <a:lnRef idx="2">
+            <a:schemeClr val="accent1">
+              <a:shade val="50000"/>
+            </a:schemeClr>
+          </a:lnRef>
+          <a:fillRef idx="1">
+            <a:schemeClr val="accent1"/>
+          </a:fillRef>
+          <a:effectRef idx="0">
+            <a:schemeClr val="accent1"/>
+          </a:effectRef>
+          <a:fontRef idx="minor">
+            <a:schemeClr val="lt1"/>
+          </a:fontRef>
+        </p:style>
+        <p:txBody>
+          <a:bodyPr wrap="square" rtlCol="0" anchor="ctr"/>
+          <a:lstStyle/>
+          <a:p>
+            <a:pPr marL="0" marR="0" lvl="0" indent="0" algn="ctr" defTabSz="914400" rtl="0" eaLnBrk="1" fontAlgn="auto" latinLnBrk="0" hangingPunct="1">
+              <a:lnSpc>
+                <a:spcPct val="100000"/>
+              </a:lnSpc>
+              <a:spcBef>
+                <a:spcPts val="0"/>
+              </a:spcBef>
+              <a:spcAft>
+                <a:spcPts val="0"/>
+              </a:spcAft>
+              <a:buClrTx/>
+              <a:buSzTx/>
+              <a:buFontTx/>
+              <a:buNone/>
+              <a:tabLst/>
+              <a:defRPr/>
+            </a:pPr>
+            <a:r>
+              <a:rPr kumimoji="0" lang="en-US" sz="2000" b="1" i="0" u="none" strike="noStrike" kern="1200" cap="none" spc="0" normalizeH="0" baseline="0" noProof="0" dirty="0">
+                <a:ln>
+                  <a:noFill/>
+                </a:ln>
+                <a:solidFill>
+                  <a:srgbClr val="333333"/>
+                </a:solidFill>
+                <a:effectLst/>
+                <a:uLnTx/>
+                <a:uFillTx/>
+                <a:ea typeface="+mn-ea"/>
+                <a:cs typeface="+mn-cs"/>
+              </a:rPr>
+              <a:t>72 Alert Notifications</a:t>
+            </a:r>
+          </a:p>
+        </p:txBody>
+      </p:sp>
+      <p:sp>
+        <p:nvSpPr>
+          <p:cNvPr id="24" name="Inhaltsplatzhalter 1">
+            <a:extLst>
+              <a:ext uri="{FF2B5EF4-FFF2-40B4-BE49-F238E27FC236}">
+                <a16:creationId xmlns:a16="http://schemas.microsoft.com/office/drawing/2014/main" id="{F74844DB-3C3D-6251-630D-7240D0A70D82}"/>
+              </a:ext>
+            </a:extLst>
+          </p:cNvPr>
+          <p:cNvSpPr txBox="1">
+            <a:spLocks/>
+          </p:cNvSpPr>
+          <p:nvPr/>
+        </p:nvSpPr>
+        <p:spPr bwMode="black">
+          <a:xfrm>
+            <a:off x="8465954" y="365125"/>
+            <a:ext cx="3342005" cy="4540647"/>
+          </a:xfrm>
+          <a:prstGeom prst="rect">
+            <a:avLst/>
+          </a:prstGeom>
+          <a:noFill/>
+        </p:spPr>
+        <p:txBody>
+          <a:bodyPr lIns="0" tIns="0" rIns="0" bIns="0"/>
+          <a:lstStyle>
+            <a:lvl1pPr marL="0" indent="0" algn="l" defTabSz="914400" rtl="0" eaLnBrk="1" latinLnBrk="0" hangingPunct="1">
+              <a:lnSpc>
+                <a:spcPct val="110000"/>
+              </a:lnSpc>
+              <a:spcBef>
+                <a:spcPts val="600"/>
+              </a:spcBef>
+              <a:spcAft>
+                <a:spcPts val="600"/>
+              </a:spcAft>
+              <a:buFont typeface="Arial" panose="020B0604020202020204" pitchFamily="34" charset="0"/>
+              <a:buNone/>
+              <a:defRPr sz="1600" b="0" kern="1200">
+                <a:solidFill>
+                  <a:schemeClr val="tx1"/>
+                </a:solidFill>
+                <a:latin typeface="+mn-lt"/>
+                <a:ea typeface="+mn-ea"/>
+                <a:cs typeface="+mn-cs"/>
+              </a:defRPr>
+            </a:lvl1pPr>
+            <a:lvl2pPr marL="180000" indent="-180000" algn="l" defTabSz="914400" rtl="0" eaLnBrk="1" latinLnBrk="0" hangingPunct="1">
+              <a:lnSpc>
+                <a:spcPct val="110000"/>
+              </a:lnSpc>
+              <a:spcBef>
+                <a:spcPts val="200"/>
+              </a:spcBef>
+              <a:spcAft>
+                <a:spcPts val="200"/>
+              </a:spcAft>
+              <a:buFont typeface="Arial" panose="020B0604020202020204" pitchFamily="34" charset="0"/>
+              <a:buChar char="•"/>
+              <a:defRPr sz="1600" kern="1200">
+                <a:solidFill>
+                  <a:schemeClr val="tx1"/>
+                </a:solidFill>
+                <a:latin typeface="+mn-lt"/>
+                <a:ea typeface="+mn-ea"/>
+                <a:cs typeface="+mn-cs"/>
+              </a:defRPr>
+            </a:lvl2pPr>
+            <a:lvl3pPr marL="360000" indent="-180000" algn="l" defTabSz="914400" rtl="0" eaLnBrk="1" latinLnBrk="0" hangingPunct="1">
+              <a:lnSpc>
+                <a:spcPct val="110000"/>
+              </a:lnSpc>
+              <a:spcBef>
+                <a:spcPts val="200"/>
+              </a:spcBef>
+              <a:spcAft>
+                <a:spcPts val="200"/>
+              </a:spcAft>
+              <a:buFont typeface="TheSans Swisscom Light" panose="020B0300040303060204" pitchFamily="34" charset="0"/>
+              <a:buChar char="−"/>
+              <a:defRPr sz="1600" kern="1200">
+                <a:solidFill>
+                  <a:schemeClr val="tx1"/>
+                </a:solidFill>
+                <a:latin typeface="+mn-lt"/>
+                <a:ea typeface="+mn-ea"/>
+                <a:cs typeface="+mn-cs"/>
+              </a:defRPr>
+            </a:lvl3pPr>
+            <a:lvl4pPr marL="540000" indent="-180000" algn="l" defTabSz="914400" rtl="0" eaLnBrk="1" latinLnBrk="0" hangingPunct="1">
+              <a:lnSpc>
+                <a:spcPct val="110000"/>
+              </a:lnSpc>
+              <a:spcBef>
+                <a:spcPts val="200"/>
+              </a:spcBef>
+              <a:spcAft>
+                <a:spcPts val="200"/>
+              </a:spcAft>
+              <a:buFont typeface="TheSans Swisscom Light" panose="020B0300040303060204" pitchFamily="34" charset="0"/>
+              <a:buChar char="−"/>
+              <a:defRPr sz="1600" kern="1200">
+                <a:solidFill>
+                  <a:schemeClr val="tx1"/>
+                </a:solidFill>
+                <a:latin typeface="+mn-lt"/>
+                <a:ea typeface="+mn-ea"/>
+                <a:cs typeface="+mn-cs"/>
+              </a:defRPr>
+            </a:lvl4pPr>
+            <a:lvl5pPr marL="540000" indent="-180000" algn="l" defTabSz="914400" rtl="0" eaLnBrk="1" latinLnBrk="0" hangingPunct="1">
+              <a:lnSpc>
+                <a:spcPct val="110000"/>
+              </a:lnSpc>
+              <a:spcBef>
+                <a:spcPts val="200"/>
+              </a:spcBef>
+              <a:spcAft>
+                <a:spcPts val="200"/>
+              </a:spcAft>
+              <a:buFont typeface="TheSans Swisscom Light" panose="020B0300040303060204" pitchFamily="34" charset="0"/>
+              <a:buChar char="−"/>
+              <a:defRPr sz="1600" kern="1200">
+                <a:solidFill>
+                  <a:schemeClr val="tx1"/>
+                </a:solidFill>
+                <a:latin typeface="+mn-lt"/>
+                <a:ea typeface="+mn-ea"/>
+                <a:cs typeface="+mn-cs"/>
+              </a:defRPr>
+            </a:lvl5pPr>
+            <a:lvl6pPr marL="540000" indent="-180000" algn="l" defTabSz="914400" rtl="0" eaLnBrk="1" latinLnBrk="0" hangingPunct="1">
+              <a:lnSpc>
+                <a:spcPct val="110000"/>
+              </a:lnSpc>
+              <a:spcBef>
+                <a:spcPts val="200"/>
+              </a:spcBef>
+              <a:spcAft>
+                <a:spcPts val="200"/>
+              </a:spcAft>
+              <a:buFont typeface="TheSans Swisscom Light" panose="020B0300040303060204" pitchFamily="34" charset="0"/>
+              <a:buChar char="−"/>
+              <a:defRPr sz="1600" kern="1200">
+                <a:solidFill>
+                  <a:schemeClr val="tx1"/>
+                </a:solidFill>
+                <a:latin typeface="+mn-lt"/>
+                <a:ea typeface="+mn-ea"/>
+                <a:cs typeface="+mn-cs"/>
+              </a:defRPr>
+            </a:lvl6pPr>
+            <a:lvl7pPr marL="540000" indent="-180000" algn="l" defTabSz="914400" rtl="0" eaLnBrk="1" latinLnBrk="0" hangingPunct="1">
+              <a:lnSpc>
+                <a:spcPct val="110000"/>
+              </a:lnSpc>
+              <a:spcBef>
+                <a:spcPts val="200"/>
+              </a:spcBef>
+              <a:spcAft>
+                <a:spcPts val="200"/>
+              </a:spcAft>
+              <a:buFont typeface="TheSans Swisscom Light" panose="020B0300040303060204" pitchFamily="34" charset="0"/>
+              <a:buChar char="−"/>
+              <a:defRPr sz="1600" kern="1200">
+                <a:solidFill>
+                  <a:schemeClr val="tx1"/>
+                </a:solidFill>
+                <a:latin typeface="+mn-lt"/>
+                <a:ea typeface="+mn-ea"/>
+                <a:cs typeface="+mn-cs"/>
+              </a:defRPr>
+            </a:lvl7pPr>
+            <a:lvl8pPr marL="540000" indent="-180000" algn="l" defTabSz="914400" rtl="0" eaLnBrk="1" latinLnBrk="0" hangingPunct="1">
+              <a:lnSpc>
+                <a:spcPct val="110000"/>
+              </a:lnSpc>
+              <a:spcBef>
+                <a:spcPts val="200"/>
+              </a:spcBef>
+              <a:spcAft>
+                <a:spcPts val="200"/>
+              </a:spcAft>
+              <a:buFont typeface="TheSans Swisscom Light" panose="020B0300040303060204" pitchFamily="34" charset="0"/>
+              <a:buChar char="−"/>
+              <a:defRPr sz="1600" kern="1200">
+                <a:solidFill>
+                  <a:schemeClr val="tx1"/>
+                </a:solidFill>
+                <a:latin typeface="+mn-lt"/>
+                <a:ea typeface="+mn-ea"/>
+                <a:cs typeface="+mn-cs"/>
+              </a:defRPr>
+            </a:lvl8pPr>
+            <a:lvl9pPr marL="540000" indent="-180000" algn="l" defTabSz="914400" rtl="0" eaLnBrk="1" latinLnBrk="0" hangingPunct="1">
+              <a:lnSpc>
+                <a:spcPct val="110000"/>
+              </a:lnSpc>
+              <a:spcBef>
+                <a:spcPts val="200"/>
+              </a:spcBef>
+              <a:spcAft>
+                <a:spcPts val="200"/>
+              </a:spcAft>
+              <a:buFont typeface="TheSans Swisscom Light" panose="020B0300040303060204" pitchFamily="34" charset="0"/>
+              <a:buChar char="−"/>
+              <a:defRPr sz="1600" kern="1200">
+                <a:solidFill>
+                  <a:schemeClr val="tx1"/>
+                </a:solidFill>
+                <a:latin typeface="+mn-lt"/>
+                <a:ea typeface="+mn-ea"/>
+                <a:cs typeface="+mn-cs"/>
+              </a:defRPr>
+            </a:lvl9pPr>
+          </a:lstStyle>
+          <a:p>
+            <a:pPr marR="0" fontAlgn="auto">
+              <a:lnSpc>
+                <a:spcPct val="110000"/>
+              </a:lnSpc>
+              <a:spcBef>
+                <a:spcPts val="0"/>
+              </a:spcBef>
+              <a:buClrTx/>
+              <a:buSzTx/>
+              <a:tabLst/>
+              <a:defRPr/>
+            </a:pPr>
+            <a:r>
+              <a:rPr lang="en-US" sz="2000" b="1" dirty="0"/>
+              <a:t>Key Facts in V0 (2023-2024)</a:t>
+            </a:r>
+          </a:p>
+          <a:p>
+            <a:pPr marL="285750" indent="-285750">
+              <a:lnSpc>
+                <a:spcPct val="90000"/>
+              </a:lnSpc>
+              <a:spcBef>
+                <a:spcPct val="20000"/>
+              </a:spcBef>
+              <a:spcAft>
+                <a:spcPts val="300"/>
+              </a:spcAft>
+              <a:buClr>
+                <a:schemeClr val="dk2"/>
+              </a:buClr>
+              <a:buSzPts val="1700"/>
+              <a:buFont typeface="Wingdings" panose="05000000000000000000" pitchFamily="2" charset="2"/>
+              <a:buChar char="Ø"/>
+            </a:pPr>
+            <a:r>
+              <a:rPr lang="en-US" sz="2000" dirty="0"/>
+              <a:t>16 L3 VPNs proactively monitored.</a:t>
+            </a:r>
+          </a:p>
+          <a:p>
+            <a:pPr marL="285750" marR="0" lvl="0" indent="-285750" fontAlgn="auto">
+              <a:lnSpc>
+                <a:spcPct val="90000"/>
+              </a:lnSpc>
+              <a:spcBef>
+                <a:spcPct val="20000"/>
+              </a:spcBef>
+              <a:spcAft>
+                <a:spcPts val="300"/>
+              </a:spcAft>
+              <a:buClr>
+                <a:schemeClr val="dk2"/>
+              </a:buClr>
+              <a:buSzPts val="1700"/>
+              <a:buFont typeface="Wingdings" panose="05000000000000000000" pitchFamily="2" charset="2"/>
+              <a:buChar char="Ø"/>
+              <a:tabLst/>
+              <a:defRPr/>
+            </a:pPr>
+            <a:r>
+              <a:rPr lang="en-US" sz="2000" dirty="0"/>
+              <a:t>Individual Service Disruption Detection rule accuracy is beyond 90%. Summed accuracy is beyond 95%.</a:t>
+            </a:r>
+          </a:p>
+          <a:p>
+            <a:pPr marL="285750" marR="0" lvl="0" indent="-285750" fontAlgn="auto">
+              <a:lnSpc>
+                <a:spcPct val="90000"/>
+              </a:lnSpc>
+              <a:spcBef>
+                <a:spcPct val="20000"/>
+              </a:spcBef>
+              <a:spcAft>
+                <a:spcPts val="300"/>
+              </a:spcAft>
+              <a:buClr>
+                <a:schemeClr val="dk2"/>
+              </a:buClr>
+              <a:buSzPts val="1700"/>
+              <a:buFont typeface="Wingdings" panose="05000000000000000000" pitchFamily="2" charset="2"/>
+              <a:buChar char="Ø"/>
+              <a:tabLst/>
+              <a:defRPr/>
+            </a:pPr>
+            <a:r>
+              <a:rPr lang="en-US" sz="2000" dirty="0"/>
+              <a:t>Max Concern score ranged between 0.06 and 0.85. In average 0.46.</a:t>
+            </a:r>
+          </a:p>
+          <a:p>
+            <a:pPr marL="285750" marR="0" lvl="0" indent="-285750" fontAlgn="auto">
+              <a:lnSpc>
+                <a:spcPct val="90000"/>
+              </a:lnSpc>
+              <a:spcBef>
+                <a:spcPct val="20000"/>
+              </a:spcBef>
+              <a:spcAft>
+                <a:spcPts val="300"/>
+              </a:spcAft>
+              <a:buClr>
+                <a:schemeClr val="dk2"/>
+              </a:buClr>
+              <a:buSzPts val="1700"/>
+              <a:buFont typeface="Wingdings" panose="05000000000000000000" pitchFamily="2" charset="2"/>
+              <a:buChar char="Ø"/>
+              <a:tabLst/>
+              <a:defRPr/>
+            </a:pPr>
+            <a:r>
+              <a:rPr lang="en-US" sz="2000" dirty="0"/>
+              <a:t>In 4 cases additional YANG, in 13 cases additional BMP, in 2 cases Netconf Transaction-ID and 1 case additional </a:t>
+            </a:r>
+            <a:br>
+              <a:rPr lang="en-US" sz="2000" dirty="0"/>
+            </a:br>
+            <a:r>
+              <a:rPr lang="en-US" sz="2000" dirty="0"/>
+              <a:t>L2 IPFIX metrics would have helped to gain more visibility.</a:t>
+            </a:r>
+          </a:p>
+          <a:p>
+            <a:pPr marL="285750" marR="0" lvl="0" indent="-285750" fontAlgn="auto">
+              <a:lnSpc>
+                <a:spcPct val="90000"/>
+              </a:lnSpc>
+              <a:spcBef>
+                <a:spcPct val="20000"/>
+              </a:spcBef>
+              <a:spcAft>
+                <a:spcPts val="300"/>
+              </a:spcAft>
+              <a:buClr>
+                <a:schemeClr val="dk2"/>
+              </a:buClr>
+              <a:buSzPts val="1700"/>
+              <a:buFont typeface="Wingdings" panose="05000000000000000000" pitchFamily="2" charset="2"/>
+              <a:buChar char="Ø"/>
+              <a:tabLst/>
+              <a:defRPr/>
+            </a:pPr>
+            <a:r>
+              <a:rPr lang="en-US" sz="2000" dirty="0"/>
+              <a:t>Key observability feature missing: BMP Local RIB with Path Marking.</a:t>
+            </a:r>
+          </a:p>
+        </p:txBody>
+      </p:sp>
     </p:spTree>
     <p:extLst>
       <p:ext uri="{BB962C8B-B14F-4D97-AF65-F5344CB8AC3E}">
-        <p14:creationId xmlns:p14="http://schemas.microsoft.com/office/powerpoint/2010/main" val="1988495658"/>
+        <p14:creationId xmlns:p14="http://schemas.microsoft.com/office/powerpoint/2010/main" val="492372888"/>
       </p:ext>
     </p:extLst>
   </p:cSld>
   <p:clrMapOvr>
     <a:masterClrMapping/>
   </p:clrMapOvr>
-  <p:transition spd="med"/>
 </p:sld>
 </file>
 
 <file path=ppt/slides/slide12.xml><?xml version="1.0" encoding="utf-8"?>
+<p:sld xmlns:a="http://schemas.openxmlformats.org/drawingml/2006/main" xmlns:r="http://schemas.openxmlformats.org/officeDocument/2006/relationships" xmlns:p="http://schemas.openxmlformats.org/presentationml/2006/main">
+  <p:cSld>
+    <p:spTree>
+      <p:nvGrpSpPr>
+        <p:cNvPr id="1" name="Shape 225"/>
+        <p:cNvGrpSpPr/>
+        <p:nvPr/>
+      </p:nvGrpSpPr>
+      <p:grpSpPr>
+        <a:xfrm>
+          <a:off x="0" y="0"/>
+          <a:ext cx="0" cy="0"/>
+          <a:chOff x="0" y="0"/>
+          <a:chExt cx="0" cy="0"/>
+        </a:xfrm>
+      </p:grpSpPr>
+      <p:sp>
+        <p:nvSpPr>
+          <p:cNvPr id="230" name="Google Shape;230;p9"/>
+          <p:cNvSpPr txBox="1">
+            <a:spLocks noGrp="1"/>
+          </p:cNvSpPr>
+          <p:nvPr>
+            <p:ph type="sldNum" idx="12"/>
+          </p:nvPr>
+        </p:nvSpPr>
+        <p:spPr>
+          <a:xfrm>
+            <a:off x="11587892" y="6361637"/>
+            <a:ext cx="414251" cy="365125"/>
+          </a:xfrm>
+          <a:prstGeom prst="rect">
+            <a:avLst/>
+          </a:prstGeom>
+          <a:noFill/>
+          <a:ln>
+            <a:noFill/>
+          </a:ln>
+        </p:spPr>
+        <p:txBody>
+          <a:bodyPr spcFirstLastPara="1" wrap="square" lIns="91425" tIns="45700" rIns="91425" bIns="45700" anchor="ctr" anchorCtr="0">
+            <a:noAutofit/>
+          </a:bodyPr>
+          <a:lstStyle/>
+          <a:p>
+            <a:pPr marL="0" lvl="0" indent="0" algn="r" rtl="0">
+              <a:spcBef>
+                <a:spcPts val="0"/>
+              </a:spcBef>
+              <a:spcAft>
+                <a:spcPts val="0"/>
+              </a:spcAft>
+              <a:buNone/>
+            </a:pPr>
+            <a:fld id="{00000000-1234-1234-1234-123412341234}" type="slidenum">
+              <a:rPr lang="en-US" sz="1400"/>
+              <a:t>12</a:t>
+            </a:fld>
+            <a:endParaRPr sz="1400"/>
+          </a:p>
+        </p:txBody>
+      </p:sp>
+      <p:sp>
+        <p:nvSpPr>
+          <p:cNvPr id="231" name="Google Shape;231;p9"/>
+          <p:cNvSpPr txBox="1">
+            <a:spLocks noGrp="1"/>
+          </p:cNvSpPr>
+          <p:nvPr>
+            <p:ph type="title"/>
+          </p:nvPr>
+        </p:nvSpPr>
+        <p:spPr>
+          <a:xfrm>
+            <a:off x="838200" y="365125"/>
+            <a:ext cx="10515600" cy="1325563"/>
+          </a:xfrm>
+          <a:prstGeom prst="rect">
+            <a:avLst/>
+          </a:prstGeom>
+          <a:noFill/>
+          <a:ln>
+            <a:noFill/>
+          </a:ln>
+        </p:spPr>
+        <p:txBody>
+          <a:bodyPr spcFirstLastPara="1" wrap="square" lIns="91425" tIns="45700" rIns="91425" bIns="45700" anchor="ctr" anchorCtr="0">
+            <a:normAutofit/>
+          </a:bodyPr>
+          <a:lstStyle/>
+          <a:p>
+            <a:pPr marL="0" lvl="0" indent="0" algn="l" rtl="0">
+              <a:lnSpc>
+                <a:spcPct val="90000"/>
+              </a:lnSpc>
+              <a:spcBef>
+                <a:spcPts val="0"/>
+              </a:spcBef>
+              <a:spcAft>
+                <a:spcPts val="0"/>
+              </a:spcAft>
+              <a:buClr>
+                <a:schemeClr val="dk1"/>
+              </a:buClr>
+              <a:buSzPts val="2800"/>
+              <a:buFont typeface="Calibri"/>
+              <a:buNone/>
+            </a:pPr>
+            <a:r>
+              <a:rPr lang="en-US" sz="2800" b="1" dirty="0">
+                <a:solidFill>
+                  <a:srgbClr val="FF0000"/>
+                </a:solidFill>
+              </a:rPr>
+              <a:t>Swisscom </a:t>
+            </a:r>
+            <a:r>
+              <a:rPr lang="en-US" sz="2800" b="1" dirty="0"/>
+              <a:t>- Cosmos Bright Lights PoC Detail</a:t>
+            </a:r>
+            <a:br>
+              <a:rPr lang="en-US" sz="3600" dirty="0"/>
+            </a:br>
+            <a:r>
+              <a:rPr lang="en-US" sz="2700" dirty="0">
+                <a:solidFill>
+                  <a:srgbClr val="AEABAB"/>
+                </a:solidFill>
+              </a:rPr>
+              <a:t>Multiple Perspectives increases Accuracy</a:t>
+            </a:r>
+            <a:endParaRPr sz="2700" dirty="0">
+              <a:solidFill>
+                <a:srgbClr val="FF0000"/>
+              </a:solidFill>
+            </a:endParaRPr>
+          </a:p>
+        </p:txBody>
+      </p:sp>
+      <p:sp>
+        <p:nvSpPr>
+          <p:cNvPr id="24" name="Inhaltsplatzhalter 1">
+            <a:extLst>
+              <a:ext uri="{FF2B5EF4-FFF2-40B4-BE49-F238E27FC236}">
+                <a16:creationId xmlns:a16="http://schemas.microsoft.com/office/drawing/2014/main" id="{F74844DB-3C3D-6251-630D-7240D0A70D82}"/>
+              </a:ext>
+            </a:extLst>
+          </p:cNvPr>
+          <p:cNvSpPr txBox="1">
+            <a:spLocks/>
+          </p:cNvSpPr>
+          <p:nvPr/>
+        </p:nvSpPr>
+        <p:spPr bwMode="black">
+          <a:xfrm>
+            <a:off x="8465954" y="298580"/>
+            <a:ext cx="3342005" cy="4607192"/>
+          </a:xfrm>
+          <a:prstGeom prst="rect">
+            <a:avLst/>
+          </a:prstGeom>
+          <a:noFill/>
+        </p:spPr>
+        <p:txBody>
+          <a:bodyPr lIns="0" tIns="0" rIns="0" bIns="0"/>
+          <a:lstStyle>
+            <a:lvl1pPr marL="0" indent="0" algn="l" defTabSz="914400" rtl="0" eaLnBrk="1" latinLnBrk="0" hangingPunct="1">
+              <a:lnSpc>
+                <a:spcPct val="110000"/>
+              </a:lnSpc>
+              <a:spcBef>
+                <a:spcPts val="600"/>
+              </a:spcBef>
+              <a:spcAft>
+                <a:spcPts val="600"/>
+              </a:spcAft>
+              <a:buFont typeface="Arial" panose="020B0604020202020204" pitchFamily="34" charset="0"/>
+              <a:buNone/>
+              <a:defRPr sz="1600" b="0" kern="1200">
+                <a:solidFill>
+                  <a:schemeClr val="tx1"/>
+                </a:solidFill>
+                <a:latin typeface="+mn-lt"/>
+                <a:ea typeface="+mn-ea"/>
+                <a:cs typeface="+mn-cs"/>
+              </a:defRPr>
+            </a:lvl1pPr>
+            <a:lvl2pPr marL="180000" indent="-180000" algn="l" defTabSz="914400" rtl="0" eaLnBrk="1" latinLnBrk="0" hangingPunct="1">
+              <a:lnSpc>
+                <a:spcPct val="110000"/>
+              </a:lnSpc>
+              <a:spcBef>
+                <a:spcPts val="200"/>
+              </a:spcBef>
+              <a:spcAft>
+                <a:spcPts val="200"/>
+              </a:spcAft>
+              <a:buFont typeface="Arial" panose="020B0604020202020204" pitchFamily="34" charset="0"/>
+              <a:buChar char="•"/>
+              <a:defRPr sz="1600" kern="1200">
+                <a:solidFill>
+                  <a:schemeClr val="tx1"/>
+                </a:solidFill>
+                <a:latin typeface="+mn-lt"/>
+                <a:ea typeface="+mn-ea"/>
+                <a:cs typeface="+mn-cs"/>
+              </a:defRPr>
+            </a:lvl2pPr>
+            <a:lvl3pPr marL="360000" indent="-180000" algn="l" defTabSz="914400" rtl="0" eaLnBrk="1" latinLnBrk="0" hangingPunct="1">
+              <a:lnSpc>
+                <a:spcPct val="110000"/>
+              </a:lnSpc>
+              <a:spcBef>
+                <a:spcPts val="200"/>
+              </a:spcBef>
+              <a:spcAft>
+                <a:spcPts val="200"/>
+              </a:spcAft>
+              <a:buFont typeface="TheSans Swisscom Light" panose="020B0300040303060204" pitchFamily="34" charset="0"/>
+              <a:buChar char="−"/>
+              <a:defRPr sz="1600" kern="1200">
+                <a:solidFill>
+                  <a:schemeClr val="tx1"/>
+                </a:solidFill>
+                <a:latin typeface="+mn-lt"/>
+                <a:ea typeface="+mn-ea"/>
+                <a:cs typeface="+mn-cs"/>
+              </a:defRPr>
+            </a:lvl3pPr>
+            <a:lvl4pPr marL="540000" indent="-180000" algn="l" defTabSz="914400" rtl="0" eaLnBrk="1" latinLnBrk="0" hangingPunct="1">
+              <a:lnSpc>
+                <a:spcPct val="110000"/>
+              </a:lnSpc>
+              <a:spcBef>
+                <a:spcPts val="200"/>
+              </a:spcBef>
+              <a:spcAft>
+                <a:spcPts val="200"/>
+              </a:spcAft>
+              <a:buFont typeface="TheSans Swisscom Light" panose="020B0300040303060204" pitchFamily="34" charset="0"/>
+              <a:buChar char="−"/>
+              <a:defRPr sz="1600" kern="1200">
+                <a:solidFill>
+                  <a:schemeClr val="tx1"/>
+                </a:solidFill>
+                <a:latin typeface="+mn-lt"/>
+                <a:ea typeface="+mn-ea"/>
+                <a:cs typeface="+mn-cs"/>
+              </a:defRPr>
+            </a:lvl4pPr>
+            <a:lvl5pPr marL="540000" indent="-180000" algn="l" defTabSz="914400" rtl="0" eaLnBrk="1" latinLnBrk="0" hangingPunct="1">
+              <a:lnSpc>
+                <a:spcPct val="110000"/>
+              </a:lnSpc>
+              <a:spcBef>
+                <a:spcPts val="200"/>
+              </a:spcBef>
+              <a:spcAft>
+                <a:spcPts val="200"/>
+              </a:spcAft>
+              <a:buFont typeface="TheSans Swisscom Light" panose="020B0300040303060204" pitchFamily="34" charset="0"/>
+              <a:buChar char="−"/>
+              <a:defRPr sz="1600" kern="1200">
+                <a:solidFill>
+                  <a:schemeClr val="tx1"/>
+                </a:solidFill>
+                <a:latin typeface="+mn-lt"/>
+                <a:ea typeface="+mn-ea"/>
+                <a:cs typeface="+mn-cs"/>
+              </a:defRPr>
+            </a:lvl5pPr>
+            <a:lvl6pPr marL="540000" indent="-180000" algn="l" defTabSz="914400" rtl="0" eaLnBrk="1" latinLnBrk="0" hangingPunct="1">
+              <a:lnSpc>
+                <a:spcPct val="110000"/>
+              </a:lnSpc>
+              <a:spcBef>
+                <a:spcPts val="200"/>
+              </a:spcBef>
+              <a:spcAft>
+                <a:spcPts val="200"/>
+              </a:spcAft>
+              <a:buFont typeface="TheSans Swisscom Light" panose="020B0300040303060204" pitchFamily="34" charset="0"/>
+              <a:buChar char="−"/>
+              <a:defRPr sz="1600" kern="1200">
+                <a:solidFill>
+                  <a:schemeClr val="tx1"/>
+                </a:solidFill>
+                <a:latin typeface="+mn-lt"/>
+                <a:ea typeface="+mn-ea"/>
+                <a:cs typeface="+mn-cs"/>
+              </a:defRPr>
+            </a:lvl6pPr>
+            <a:lvl7pPr marL="540000" indent="-180000" algn="l" defTabSz="914400" rtl="0" eaLnBrk="1" latinLnBrk="0" hangingPunct="1">
+              <a:lnSpc>
+                <a:spcPct val="110000"/>
+              </a:lnSpc>
+              <a:spcBef>
+                <a:spcPts val="200"/>
+              </a:spcBef>
+              <a:spcAft>
+                <a:spcPts val="200"/>
+              </a:spcAft>
+              <a:buFont typeface="TheSans Swisscom Light" panose="020B0300040303060204" pitchFamily="34" charset="0"/>
+              <a:buChar char="−"/>
+              <a:defRPr sz="1600" kern="1200">
+                <a:solidFill>
+                  <a:schemeClr val="tx1"/>
+                </a:solidFill>
+                <a:latin typeface="+mn-lt"/>
+                <a:ea typeface="+mn-ea"/>
+                <a:cs typeface="+mn-cs"/>
+              </a:defRPr>
+            </a:lvl7pPr>
+            <a:lvl8pPr marL="540000" indent="-180000" algn="l" defTabSz="914400" rtl="0" eaLnBrk="1" latinLnBrk="0" hangingPunct="1">
+              <a:lnSpc>
+                <a:spcPct val="110000"/>
+              </a:lnSpc>
+              <a:spcBef>
+                <a:spcPts val="200"/>
+              </a:spcBef>
+              <a:spcAft>
+                <a:spcPts val="200"/>
+              </a:spcAft>
+              <a:buFont typeface="TheSans Swisscom Light" panose="020B0300040303060204" pitchFamily="34" charset="0"/>
+              <a:buChar char="−"/>
+              <a:defRPr sz="1600" kern="1200">
+                <a:solidFill>
+                  <a:schemeClr val="tx1"/>
+                </a:solidFill>
+                <a:latin typeface="+mn-lt"/>
+                <a:ea typeface="+mn-ea"/>
+                <a:cs typeface="+mn-cs"/>
+              </a:defRPr>
+            </a:lvl8pPr>
+            <a:lvl9pPr marL="540000" indent="-180000" algn="l" defTabSz="914400" rtl="0" eaLnBrk="1" latinLnBrk="0" hangingPunct="1">
+              <a:lnSpc>
+                <a:spcPct val="110000"/>
+              </a:lnSpc>
+              <a:spcBef>
+                <a:spcPts val="200"/>
+              </a:spcBef>
+              <a:spcAft>
+                <a:spcPts val="200"/>
+              </a:spcAft>
+              <a:buFont typeface="TheSans Swisscom Light" panose="020B0300040303060204" pitchFamily="34" charset="0"/>
+              <a:buChar char="−"/>
+              <a:defRPr sz="1600" kern="1200">
+                <a:solidFill>
+                  <a:schemeClr val="tx1"/>
+                </a:solidFill>
+                <a:latin typeface="+mn-lt"/>
+                <a:ea typeface="+mn-ea"/>
+                <a:cs typeface="+mn-cs"/>
+              </a:defRPr>
+            </a:lvl9pPr>
+          </a:lstStyle>
+          <a:p>
+            <a:pPr lvl="0">
+              <a:spcBef>
+                <a:spcPts val="0"/>
+              </a:spcBef>
+              <a:defRPr/>
+            </a:pPr>
+            <a:r>
+              <a:rPr lang="en-US" sz="2000" b="1" dirty="0"/>
+              <a:t>Key Improvements in V1 (2024)</a:t>
+            </a:r>
+          </a:p>
+          <a:p>
+            <a:pPr marL="285750" indent="-285750">
+              <a:lnSpc>
+                <a:spcPct val="90000"/>
+              </a:lnSpc>
+              <a:spcBef>
+                <a:spcPct val="20000"/>
+              </a:spcBef>
+              <a:spcAft>
+                <a:spcPts val="300"/>
+              </a:spcAft>
+              <a:buClr>
+                <a:schemeClr val="dk2"/>
+              </a:buClr>
+              <a:buSzPts val="1700"/>
+              <a:buFont typeface="Wingdings" panose="05000000000000000000" pitchFamily="2" charset="2"/>
+              <a:buChar char="Ø"/>
+            </a:pPr>
+            <a:r>
+              <a:rPr lang="en-US" sz="2000" dirty="0"/>
+              <a:t>&gt;12000 L3 VPNs proactively monitored since June 2024.</a:t>
+            </a:r>
+          </a:p>
+          <a:p>
+            <a:pPr marL="285750" indent="-285750">
+              <a:lnSpc>
+                <a:spcPct val="90000"/>
+              </a:lnSpc>
+              <a:spcBef>
+                <a:spcPct val="20000"/>
+              </a:spcBef>
+              <a:spcAft>
+                <a:spcPts val="300"/>
+              </a:spcAft>
+              <a:buClr>
+                <a:schemeClr val="dk2"/>
+              </a:buClr>
+              <a:buSzPts val="1700"/>
+              <a:buFont typeface="Wingdings" panose="05000000000000000000" pitchFamily="2" charset="2"/>
+              <a:buChar char="Ø"/>
+            </a:pPr>
+            <a:r>
+              <a:rPr lang="en-US" sz="2000" dirty="0"/>
+              <a:t>Realtime Streaming eliminates delayed ingestion falls positives and scaling.</a:t>
+            </a:r>
+          </a:p>
+          <a:p>
+            <a:pPr marL="285750" indent="-285750">
+              <a:lnSpc>
+                <a:spcPct val="90000"/>
+              </a:lnSpc>
+              <a:spcBef>
+                <a:spcPct val="20000"/>
+              </a:spcBef>
+              <a:spcAft>
+                <a:spcPts val="300"/>
+              </a:spcAft>
+              <a:buClr>
+                <a:schemeClr val="dk2"/>
+              </a:buClr>
+              <a:buSzPts val="1700"/>
+              <a:buFont typeface="Wingdings" panose="05000000000000000000" pitchFamily="2" charset="2"/>
+              <a:buChar char="Ø"/>
+            </a:pPr>
+            <a:r>
+              <a:rPr lang="en-US" sz="2000" dirty="0"/>
+              <a:t>Improved profiling. Compares to multiple previous weeks and discard largest deviation eliminates falls positives. </a:t>
+            </a:r>
+            <a:br>
+              <a:rPr lang="en-US" sz="2000" dirty="0"/>
+            </a:br>
+            <a:r>
+              <a:rPr lang="en-US" sz="2000" dirty="0">
+                <a:solidFill>
+                  <a:srgbClr val="FF0000"/>
+                </a:solidFill>
+              </a:rPr>
+              <a:t>-&gt; Work In progress</a:t>
+            </a:r>
+          </a:p>
+          <a:p>
+            <a:pPr marR="0" fontAlgn="auto">
+              <a:buClr>
+                <a:schemeClr val="dk2"/>
+              </a:buClr>
+              <a:buSzPts val="1700"/>
+              <a:tabLst/>
+              <a:defRPr/>
+            </a:pPr>
+            <a:r>
+              <a:rPr lang="en-US" sz="2000" b="1" dirty="0"/>
+              <a:t>Key Improvements in V2 (2025)</a:t>
+            </a:r>
+          </a:p>
+          <a:p>
+            <a:pPr marL="285750" marR="0" lvl="0" indent="-285750" fontAlgn="auto">
+              <a:lnSpc>
+                <a:spcPct val="90000"/>
+              </a:lnSpc>
+              <a:spcBef>
+                <a:spcPct val="20000"/>
+              </a:spcBef>
+              <a:spcAft>
+                <a:spcPts val="300"/>
+              </a:spcAft>
+              <a:buClr>
+                <a:schemeClr val="dk2"/>
+              </a:buClr>
+              <a:buSzPts val="1700"/>
+              <a:buFont typeface="Wingdings" panose="05000000000000000000" pitchFamily="2" charset="2"/>
+              <a:buChar char="Ø"/>
+              <a:tabLst/>
+              <a:defRPr/>
+            </a:pPr>
+            <a:r>
+              <a:rPr lang="en-US" sz="2000" dirty="0"/>
+              <a:t>Annotate operational and analytical Network Incident data for reproduction. </a:t>
+            </a:r>
+          </a:p>
+          <a:p>
+            <a:pPr marL="285750" marR="0" lvl="0" indent="-285750" fontAlgn="auto">
+              <a:lnSpc>
+                <a:spcPct val="90000"/>
+              </a:lnSpc>
+              <a:spcBef>
+                <a:spcPct val="20000"/>
+              </a:spcBef>
+              <a:spcAft>
+                <a:spcPts val="300"/>
+              </a:spcAft>
+              <a:buClr>
+                <a:schemeClr val="dk2"/>
+              </a:buClr>
+              <a:buSzPts val="1700"/>
+              <a:buFont typeface="Wingdings" panose="05000000000000000000" pitchFamily="2" charset="2"/>
+              <a:buChar char="Ø"/>
+              <a:tabLst/>
+              <a:defRPr/>
+            </a:pPr>
+            <a:r>
+              <a:rPr lang="en-US" sz="2000" dirty="0"/>
+              <a:t>Enabling automated workflow. From PowerPoint slide decks to data driven actionable insights.</a:t>
+            </a:r>
+          </a:p>
+        </p:txBody>
+      </p:sp>
+      <p:cxnSp>
+        <p:nvCxnSpPr>
+          <p:cNvPr id="11" name="Gerade Verbindung 36">
+            <a:extLst>
+              <a:ext uri="{FF2B5EF4-FFF2-40B4-BE49-F238E27FC236}">
+                <a16:creationId xmlns:a16="http://schemas.microsoft.com/office/drawing/2014/main" id="{062C5BA3-5F91-9A56-0FB2-A157ECDE4645}"/>
+              </a:ext>
+            </a:extLst>
+          </p:cNvPr>
+          <p:cNvCxnSpPr>
+            <a:cxnSpLocks/>
+          </p:cNvCxnSpPr>
+          <p:nvPr/>
+        </p:nvCxnSpPr>
+        <p:spPr bwMode="gray">
+          <a:xfrm>
+            <a:off x="398029" y="4063873"/>
+            <a:ext cx="2250472" cy="0"/>
+          </a:xfrm>
+          <a:prstGeom prst="line">
+            <a:avLst/>
+          </a:prstGeom>
+          <a:ln>
+            <a:solidFill>
+              <a:schemeClr val="accent6"/>
+            </a:solidFill>
+          </a:ln>
+        </p:spPr>
+        <p:style>
+          <a:lnRef idx="1">
+            <a:schemeClr val="accent1"/>
+          </a:lnRef>
+          <a:fillRef idx="0">
+            <a:schemeClr val="accent1"/>
+          </a:fillRef>
+          <a:effectRef idx="0">
+            <a:schemeClr val="accent1"/>
+          </a:effectRef>
+          <a:fontRef idx="minor">
+            <a:schemeClr val="tx1"/>
+          </a:fontRef>
+        </p:style>
+      </p:cxnSp>
+      <p:sp>
+        <p:nvSpPr>
+          <p:cNvPr id="12" name="Rechteck 13">
+            <a:extLst>
+              <a:ext uri="{FF2B5EF4-FFF2-40B4-BE49-F238E27FC236}">
+                <a16:creationId xmlns:a16="http://schemas.microsoft.com/office/drawing/2014/main" id="{AD9C517B-83D2-54B1-E453-87AB53D758AC}"/>
+              </a:ext>
+            </a:extLst>
+          </p:cNvPr>
+          <p:cNvSpPr/>
+          <p:nvPr/>
+        </p:nvSpPr>
+        <p:spPr bwMode="gray">
+          <a:xfrm>
+            <a:off x="384041" y="4063873"/>
+            <a:ext cx="2023256" cy="1105288"/>
+          </a:xfrm>
+          <a:prstGeom prst="rect">
+            <a:avLst/>
+          </a:prstGeom>
+          <a:noFill/>
+          <a:ln w="9525">
+            <a:noFill/>
+          </a:ln>
+        </p:spPr>
+        <p:style>
+          <a:lnRef idx="2">
+            <a:schemeClr val="accent1">
+              <a:shade val="50000"/>
+            </a:schemeClr>
+          </a:lnRef>
+          <a:fillRef idx="1">
+            <a:schemeClr val="accent1"/>
+          </a:fillRef>
+          <a:effectRef idx="0">
+            <a:schemeClr val="accent1"/>
+          </a:effectRef>
+          <a:fontRef idx="minor">
+            <a:schemeClr val="lt1"/>
+          </a:fontRef>
+        </p:style>
+        <p:txBody>
+          <a:bodyPr lIns="0" tIns="82800" rIns="0" bIns="0" rtlCol="0" anchor="t" anchorCtr="0"/>
+          <a:lstStyle/>
+          <a:p>
+            <a:pPr marL="0" marR="0" lvl="0" indent="0" algn="l" defTabSz="914400" rtl="0" eaLnBrk="1" fontAlgn="auto" latinLnBrk="0" hangingPunct="1">
+              <a:lnSpc>
+                <a:spcPct val="100000"/>
+              </a:lnSpc>
+              <a:spcBef>
+                <a:spcPts val="0"/>
+              </a:spcBef>
+              <a:spcAft>
+                <a:spcPts val="0"/>
+              </a:spcAft>
+              <a:buClrTx/>
+              <a:buSzTx/>
+              <a:buFontTx/>
+              <a:buNone/>
+              <a:tabLst/>
+              <a:defRPr/>
+            </a:pPr>
+            <a:r>
+              <a:rPr kumimoji="0" lang="en-US" sz="2000" b="1" i="0" u="none" strike="noStrike" kern="1200" cap="none" spc="0" normalizeH="0" baseline="0" noProof="0" dirty="0">
+                <a:ln>
+                  <a:noFill/>
+                </a:ln>
+                <a:solidFill>
+                  <a:srgbClr val="333333"/>
+                </a:solidFill>
+                <a:effectLst/>
+                <a:uLnTx/>
+                <a:uFillTx/>
+                <a:ea typeface="+mn-ea"/>
+                <a:cs typeface="+mn-cs"/>
+              </a:rPr>
+              <a:t>6</a:t>
+            </a:r>
+          </a:p>
+          <a:p>
+            <a:pPr marL="0" marR="0" lvl="0" indent="0" algn="l" defTabSz="914400" rtl="0" eaLnBrk="1" fontAlgn="auto" latinLnBrk="0" hangingPunct="1">
+              <a:lnSpc>
+                <a:spcPct val="100000"/>
+              </a:lnSpc>
+              <a:spcBef>
+                <a:spcPts val="0"/>
+              </a:spcBef>
+              <a:spcAft>
+                <a:spcPts val="0"/>
+              </a:spcAft>
+              <a:buClrTx/>
+              <a:buSzTx/>
+              <a:buFontTx/>
+              <a:buNone/>
+              <a:tabLst/>
+              <a:defRPr/>
+            </a:pPr>
+            <a:r>
+              <a:rPr kumimoji="0" lang="en-US" sz="2000" b="1" i="0" u="none" strike="noStrike" kern="1200" cap="none" spc="0" normalizeH="0" baseline="0" noProof="0" dirty="0">
+                <a:ln>
+                  <a:noFill/>
+                </a:ln>
+                <a:solidFill>
+                  <a:srgbClr val="FF0000"/>
+                </a:solidFill>
+                <a:effectLst/>
+                <a:uLnTx/>
+                <a:uFillTx/>
+                <a:ea typeface="+mn-ea"/>
+                <a:cs typeface="+mn-cs"/>
+              </a:rPr>
+              <a:t>Three </a:t>
+            </a:r>
+            <a:r>
+              <a:rPr kumimoji="0" lang="en-US" sz="2000" b="0" i="0" u="none" strike="noStrike" kern="1200" cap="none" spc="0" normalizeH="0" baseline="0" noProof="0" dirty="0">
+                <a:ln>
+                  <a:noFill/>
+                </a:ln>
+                <a:solidFill>
+                  <a:srgbClr val="333333"/>
+                </a:solidFill>
+                <a:effectLst/>
+                <a:uLnTx/>
+                <a:uFillTx/>
+                <a:ea typeface="+mn-ea"/>
+                <a:cs typeface="+mn-cs"/>
+              </a:rPr>
+              <a:t>out of Six checks</a:t>
+            </a:r>
+          </a:p>
+        </p:txBody>
+      </p:sp>
+      <p:cxnSp>
+        <p:nvCxnSpPr>
+          <p:cNvPr id="13" name="Gerade Verbindung 36">
+            <a:extLst>
+              <a:ext uri="{FF2B5EF4-FFF2-40B4-BE49-F238E27FC236}">
+                <a16:creationId xmlns:a16="http://schemas.microsoft.com/office/drawing/2014/main" id="{CEF329FF-9858-805F-3FE2-E6ED779C859D}"/>
+              </a:ext>
+            </a:extLst>
+          </p:cNvPr>
+          <p:cNvCxnSpPr>
+            <a:cxnSpLocks/>
+          </p:cNvCxnSpPr>
+          <p:nvPr/>
+        </p:nvCxnSpPr>
+        <p:spPr bwMode="gray">
+          <a:xfrm>
+            <a:off x="5671317" y="4353128"/>
+            <a:ext cx="2250472" cy="0"/>
+          </a:xfrm>
+          <a:prstGeom prst="line">
+            <a:avLst/>
+          </a:prstGeom>
+          <a:ln>
+            <a:solidFill>
+              <a:schemeClr val="accent6"/>
+            </a:solidFill>
+          </a:ln>
+        </p:spPr>
+        <p:style>
+          <a:lnRef idx="1">
+            <a:schemeClr val="accent1"/>
+          </a:lnRef>
+          <a:fillRef idx="0">
+            <a:schemeClr val="accent1"/>
+          </a:fillRef>
+          <a:effectRef idx="0">
+            <a:schemeClr val="accent1"/>
+          </a:effectRef>
+          <a:fontRef idx="minor">
+            <a:schemeClr val="tx1"/>
+          </a:fontRef>
+        </p:style>
+      </p:cxnSp>
+      <p:cxnSp>
+        <p:nvCxnSpPr>
+          <p:cNvPr id="25" name="Gerade Verbindung 41">
+            <a:extLst>
+              <a:ext uri="{FF2B5EF4-FFF2-40B4-BE49-F238E27FC236}">
+                <a16:creationId xmlns:a16="http://schemas.microsoft.com/office/drawing/2014/main" id="{AF5E5FD4-37C3-D6F8-F40D-7E093B667EC3}"/>
+              </a:ext>
+            </a:extLst>
+          </p:cNvPr>
+          <p:cNvCxnSpPr>
+            <a:cxnSpLocks/>
+          </p:cNvCxnSpPr>
+          <p:nvPr/>
+        </p:nvCxnSpPr>
+        <p:spPr bwMode="gray">
+          <a:xfrm>
+            <a:off x="4886269" y="2123730"/>
+            <a:ext cx="3035520" cy="0"/>
+          </a:xfrm>
+          <a:prstGeom prst="line">
+            <a:avLst/>
+          </a:prstGeom>
+          <a:ln>
+            <a:solidFill>
+              <a:schemeClr val="accent6"/>
+            </a:solidFill>
+          </a:ln>
+        </p:spPr>
+        <p:style>
+          <a:lnRef idx="1">
+            <a:schemeClr val="accent1"/>
+          </a:lnRef>
+          <a:fillRef idx="0">
+            <a:schemeClr val="accent1"/>
+          </a:fillRef>
+          <a:effectRef idx="0">
+            <a:schemeClr val="accent1"/>
+          </a:effectRef>
+          <a:fontRef idx="minor">
+            <a:schemeClr val="tx1"/>
+          </a:fontRef>
+        </p:style>
+      </p:cxnSp>
+      <p:cxnSp>
+        <p:nvCxnSpPr>
+          <p:cNvPr id="26" name="Gerade Verbindung 41">
+            <a:extLst>
+              <a:ext uri="{FF2B5EF4-FFF2-40B4-BE49-F238E27FC236}">
+                <a16:creationId xmlns:a16="http://schemas.microsoft.com/office/drawing/2014/main" id="{FC2ED9A3-59E2-4C02-0C42-7DF18209075A}"/>
+              </a:ext>
+            </a:extLst>
+          </p:cNvPr>
+          <p:cNvCxnSpPr>
+            <a:cxnSpLocks/>
+          </p:cNvCxnSpPr>
+          <p:nvPr/>
+        </p:nvCxnSpPr>
+        <p:spPr bwMode="gray">
+          <a:xfrm>
+            <a:off x="384041" y="2067743"/>
+            <a:ext cx="3035520" cy="0"/>
+          </a:xfrm>
+          <a:prstGeom prst="line">
+            <a:avLst/>
+          </a:prstGeom>
+          <a:ln>
+            <a:solidFill>
+              <a:schemeClr val="accent6"/>
+            </a:solidFill>
+          </a:ln>
+        </p:spPr>
+        <p:style>
+          <a:lnRef idx="1">
+            <a:schemeClr val="accent1"/>
+          </a:lnRef>
+          <a:fillRef idx="0">
+            <a:schemeClr val="accent1"/>
+          </a:fillRef>
+          <a:effectRef idx="0">
+            <a:schemeClr val="accent1"/>
+          </a:effectRef>
+          <a:fontRef idx="minor">
+            <a:schemeClr val="tx1"/>
+          </a:fontRef>
+        </p:style>
+      </p:cxnSp>
+      <p:sp>
+        <p:nvSpPr>
+          <p:cNvPr id="27" name="Rechteck 17">
+            <a:extLst>
+              <a:ext uri="{FF2B5EF4-FFF2-40B4-BE49-F238E27FC236}">
+                <a16:creationId xmlns:a16="http://schemas.microsoft.com/office/drawing/2014/main" id="{A0A23C6E-629E-964B-D209-55C41415F495}"/>
+              </a:ext>
+            </a:extLst>
+          </p:cNvPr>
+          <p:cNvSpPr/>
+          <p:nvPr/>
+        </p:nvSpPr>
+        <p:spPr bwMode="gray">
+          <a:xfrm>
+            <a:off x="384041" y="2067743"/>
+            <a:ext cx="2023256" cy="1105288"/>
+          </a:xfrm>
+          <a:prstGeom prst="rect">
+            <a:avLst/>
+          </a:prstGeom>
+          <a:noFill/>
+          <a:ln w="9525">
+            <a:noFill/>
+          </a:ln>
+        </p:spPr>
+        <p:style>
+          <a:lnRef idx="2">
+            <a:schemeClr val="accent1">
+              <a:shade val="50000"/>
+            </a:schemeClr>
+          </a:lnRef>
+          <a:fillRef idx="1">
+            <a:schemeClr val="accent1"/>
+          </a:fillRef>
+          <a:effectRef idx="0">
+            <a:schemeClr val="accent1"/>
+          </a:effectRef>
+          <a:fontRef idx="minor">
+            <a:schemeClr val="lt1"/>
+          </a:fontRef>
+        </p:style>
+        <p:txBody>
+          <a:bodyPr lIns="0" tIns="82800" rIns="0" bIns="0" rtlCol="0" anchor="t" anchorCtr="0"/>
+          <a:lstStyle/>
+          <a:p>
+            <a:pPr marL="0" marR="0" lvl="0" indent="0" algn="l" defTabSz="914400" rtl="0" eaLnBrk="1" fontAlgn="auto" latinLnBrk="0" hangingPunct="1">
+              <a:lnSpc>
+                <a:spcPct val="100000"/>
+              </a:lnSpc>
+              <a:spcBef>
+                <a:spcPts val="0"/>
+              </a:spcBef>
+              <a:spcAft>
+                <a:spcPts val="0"/>
+              </a:spcAft>
+              <a:buClrTx/>
+              <a:buSzTx/>
+              <a:buFontTx/>
+              <a:buNone/>
+              <a:tabLst/>
+              <a:defRPr/>
+            </a:pPr>
+            <a:r>
+              <a:rPr kumimoji="0" lang="en-US" sz="2000" b="1" i="0" u="none" strike="noStrike" kern="1200" cap="none" spc="0" normalizeH="0" baseline="0" noProof="0" dirty="0">
+                <a:ln>
+                  <a:noFill/>
+                </a:ln>
+                <a:solidFill>
+                  <a:srgbClr val="333333"/>
+                </a:solidFill>
+                <a:effectLst/>
+                <a:uLnTx/>
+                <a:uFillTx/>
+                <a:ea typeface="+mn-ea"/>
+                <a:cs typeface="+mn-cs"/>
+              </a:rPr>
+              <a:t>3</a:t>
+            </a:r>
+          </a:p>
+          <a:p>
+            <a:pPr marL="0" marR="0" lvl="0" indent="0" algn="l" defTabSz="914400" rtl="0" eaLnBrk="1" fontAlgn="auto" latinLnBrk="0" hangingPunct="1">
+              <a:lnSpc>
+                <a:spcPct val="100000"/>
+              </a:lnSpc>
+              <a:spcBef>
+                <a:spcPts val="0"/>
+              </a:spcBef>
+              <a:spcAft>
+                <a:spcPts val="0"/>
+              </a:spcAft>
+              <a:buClrTx/>
+              <a:buSzTx/>
+              <a:buFontTx/>
+              <a:buNone/>
+              <a:tabLst/>
+              <a:defRPr/>
+            </a:pPr>
+            <a:r>
+              <a:rPr kumimoji="0" lang="en-US" sz="2000" b="1" i="0" u="none" strike="noStrike" kern="1200" cap="none" spc="0" normalizeH="0" baseline="0" noProof="0" dirty="0">
+                <a:ln>
+                  <a:noFill/>
+                </a:ln>
+                <a:solidFill>
+                  <a:srgbClr val="FF0000"/>
+                </a:solidFill>
+                <a:effectLst/>
+                <a:uLnTx/>
+                <a:uFillTx/>
+                <a:ea typeface="+mn-ea"/>
+                <a:cs typeface="+mn-cs"/>
+              </a:rPr>
+              <a:t>One</a:t>
+            </a:r>
+            <a:r>
+              <a:rPr kumimoji="0" lang="en-US" sz="2000" b="1" i="0" u="none" strike="noStrike" kern="1200" cap="none" spc="0" normalizeH="0" baseline="0" noProof="0" dirty="0">
+                <a:ln>
+                  <a:noFill/>
+                </a:ln>
+                <a:solidFill>
+                  <a:srgbClr val="333333"/>
+                </a:solidFill>
+                <a:effectLst/>
+                <a:uLnTx/>
+                <a:uFillTx/>
+                <a:ea typeface="+mn-ea"/>
+                <a:cs typeface="+mn-cs"/>
+              </a:rPr>
+              <a:t> </a:t>
+            </a:r>
+            <a:r>
+              <a:rPr kumimoji="0" lang="en-US" sz="2000" b="0" i="0" u="none" strike="noStrike" kern="1200" cap="none" spc="0" normalizeH="0" baseline="0" noProof="0" dirty="0">
+                <a:ln>
+                  <a:noFill/>
+                </a:ln>
+                <a:solidFill>
+                  <a:srgbClr val="333333"/>
+                </a:solidFill>
+                <a:effectLst/>
+                <a:uLnTx/>
+                <a:uFillTx/>
+                <a:ea typeface="+mn-ea"/>
+                <a:cs typeface="+mn-cs"/>
+              </a:rPr>
+              <a:t>out of Six checks</a:t>
+            </a:r>
+          </a:p>
+        </p:txBody>
+      </p:sp>
+      <p:graphicFrame>
+        <p:nvGraphicFramePr>
+          <p:cNvPr id="28" name="Diagramm 6">
+            <a:extLst>
+              <a:ext uri="{FF2B5EF4-FFF2-40B4-BE49-F238E27FC236}">
+                <a16:creationId xmlns:a16="http://schemas.microsoft.com/office/drawing/2014/main" id="{E462DE10-6669-9C49-0CAA-BEE5932E0368}"/>
+              </a:ext>
+            </a:extLst>
+          </p:cNvPr>
+          <p:cNvGraphicFramePr/>
+          <p:nvPr>
+            <p:custDataLst>
+              <p:tags r:id="rId1"/>
+            </p:custDataLst>
+          </p:nvPr>
+        </p:nvGraphicFramePr>
+        <p:xfrm>
+          <a:off x="2329558" y="1211721"/>
+          <a:ext cx="3663559" cy="4834963"/>
+        </p:xfrm>
+        <a:graphic>
+          <a:graphicData uri="http://schemas.openxmlformats.org/drawingml/2006/chart">
+            <c:chart xmlns:c="http://schemas.openxmlformats.org/drawingml/2006/chart" xmlns:r="http://schemas.openxmlformats.org/officeDocument/2006/relationships" r:id="rId4"/>
+          </a:graphicData>
+        </a:graphic>
+      </p:graphicFrame>
+      <p:sp>
+        <p:nvSpPr>
+          <p:cNvPr id="29" name="Rechteck 7">
+            <a:extLst>
+              <a:ext uri="{FF2B5EF4-FFF2-40B4-BE49-F238E27FC236}">
+                <a16:creationId xmlns:a16="http://schemas.microsoft.com/office/drawing/2014/main" id="{809AFD71-3FC6-697F-22C0-8EC176FB8038}"/>
+              </a:ext>
+            </a:extLst>
+          </p:cNvPr>
+          <p:cNvSpPr/>
+          <p:nvPr/>
+        </p:nvSpPr>
+        <p:spPr bwMode="gray">
+          <a:xfrm>
+            <a:off x="5750364" y="2123730"/>
+            <a:ext cx="2171425" cy="1105288"/>
+          </a:xfrm>
+          <a:prstGeom prst="rect">
+            <a:avLst/>
+          </a:prstGeom>
+          <a:noFill/>
+          <a:ln w="9525">
+            <a:noFill/>
+          </a:ln>
+        </p:spPr>
+        <p:style>
+          <a:lnRef idx="2">
+            <a:schemeClr val="accent1">
+              <a:shade val="50000"/>
+            </a:schemeClr>
+          </a:lnRef>
+          <a:fillRef idx="1">
+            <a:schemeClr val="accent1"/>
+          </a:fillRef>
+          <a:effectRef idx="0">
+            <a:schemeClr val="accent1"/>
+          </a:effectRef>
+          <a:fontRef idx="minor">
+            <a:schemeClr val="lt1"/>
+          </a:fontRef>
+        </p:style>
+        <p:txBody>
+          <a:bodyPr lIns="0" tIns="82800" rIns="0" bIns="0" rtlCol="0" anchor="t" anchorCtr="0"/>
+          <a:lstStyle/>
+          <a:p>
+            <a:pPr marL="0" marR="0" lvl="0" indent="0" algn="r" defTabSz="914400" rtl="0" eaLnBrk="1" fontAlgn="auto" latinLnBrk="0" hangingPunct="1">
+              <a:lnSpc>
+                <a:spcPct val="100000"/>
+              </a:lnSpc>
+              <a:spcBef>
+                <a:spcPts val="0"/>
+              </a:spcBef>
+              <a:spcAft>
+                <a:spcPts val="0"/>
+              </a:spcAft>
+              <a:buClrTx/>
+              <a:buSzTx/>
+              <a:buFontTx/>
+              <a:buNone/>
+              <a:tabLst/>
+              <a:defRPr/>
+            </a:pPr>
+            <a:r>
+              <a:rPr kumimoji="0" lang="en-US" sz="2000" b="1" i="0" u="none" strike="noStrike" kern="1200" cap="none" spc="0" normalizeH="0" baseline="0" noProof="0" dirty="0">
+                <a:ln>
+                  <a:noFill/>
+                </a:ln>
+                <a:solidFill>
+                  <a:srgbClr val="333333"/>
+                </a:solidFill>
+                <a:effectLst/>
+                <a:uLnTx/>
+                <a:uFillTx/>
+                <a:ea typeface="+mn-ea"/>
+                <a:cs typeface="+mn-cs"/>
+              </a:rPr>
+              <a:t>2</a:t>
+            </a:r>
+          </a:p>
+          <a:p>
+            <a:pPr marL="0" marR="0" lvl="0" indent="0" algn="r" defTabSz="914400" rtl="0" eaLnBrk="1" fontAlgn="auto" latinLnBrk="0" hangingPunct="1">
+              <a:lnSpc>
+                <a:spcPct val="100000"/>
+              </a:lnSpc>
+              <a:spcBef>
+                <a:spcPts val="0"/>
+              </a:spcBef>
+              <a:spcAft>
+                <a:spcPts val="0"/>
+              </a:spcAft>
+              <a:buClrTx/>
+              <a:buSzTx/>
+              <a:buFontTx/>
+              <a:buNone/>
+              <a:tabLst/>
+              <a:defRPr/>
+            </a:pPr>
+            <a:r>
+              <a:rPr kumimoji="0" lang="en-US" sz="2000" b="1" i="0" u="none" strike="noStrike" kern="1200" cap="none" spc="0" normalizeH="0" baseline="0" noProof="0" dirty="0">
+                <a:ln>
+                  <a:noFill/>
+                </a:ln>
+                <a:solidFill>
+                  <a:srgbClr val="FF0000"/>
+                </a:solidFill>
+                <a:effectLst/>
+                <a:uLnTx/>
+                <a:uFillTx/>
+                <a:ea typeface="+mn-ea"/>
+                <a:cs typeface="+mn-cs"/>
+              </a:rPr>
+              <a:t>Four</a:t>
+            </a:r>
+            <a:r>
+              <a:rPr kumimoji="0" lang="en-US" sz="2000" b="0" i="0" u="none" strike="noStrike" kern="1200" cap="none" spc="0" normalizeH="0" baseline="0" noProof="0" dirty="0">
+                <a:ln>
+                  <a:noFill/>
+                </a:ln>
+                <a:solidFill>
+                  <a:srgbClr val="333333"/>
+                </a:solidFill>
+                <a:effectLst/>
+                <a:uLnTx/>
+                <a:uFillTx/>
+                <a:ea typeface="+mn-ea"/>
+                <a:cs typeface="+mn-cs"/>
+              </a:rPr>
+              <a:t> out of Six checks</a:t>
+            </a:r>
+          </a:p>
+        </p:txBody>
+      </p:sp>
+      <p:sp>
+        <p:nvSpPr>
+          <p:cNvPr id="30" name="Rechteck 10">
+            <a:extLst>
+              <a:ext uri="{FF2B5EF4-FFF2-40B4-BE49-F238E27FC236}">
+                <a16:creationId xmlns:a16="http://schemas.microsoft.com/office/drawing/2014/main" id="{004890FF-C65E-F04C-7769-5B2592C0DF5A}"/>
+              </a:ext>
+            </a:extLst>
+          </p:cNvPr>
+          <p:cNvSpPr/>
+          <p:nvPr/>
+        </p:nvSpPr>
+        <p:spPr bwMode="gray">
+          <a:xfrm>
+            <a:off x="5750364" y="4353128"/>
+            <a:ext cx="2171425" cy="1105288"/>
+          </a:xfrm>
+          <a:prstGeom prst="rect">
+            <a:avLst/>
+          </a:prstGeom>
+          <a:noFill/>
+          <a:ln w="9525">
+            <a:noFill/>
+          </a:ln>
+        </p:spPr>
+        <p:style>
+          <a:lnRef idx="2">
+            <a:schemeClr val="accent1">
+              <a:shade val="50000"/>
+            </a:schemeClr>
+          </a:lnRef>
+          <a:fillRef idx="1">
+            <a:schemeClr val="accent1"/>
+          </a:fillRef>
+          <a:effectRef idx="0">
+            <a:schemeClr val="accent1"/>
+          </a:effectRef>
+          <a:fontRef idx="minor">
+            <a:schemeClr val="lt1"/>
+          </a:fontRef>
+        </p:style>
+        <p:txBody>
+          <a:bodyPr lIns="0" tIns="82800" rIns="0" bIns="0" rtlCol="0" anchor="t" anchorCtr="0"/>
+          <a:lstStyle/>
+          <a:p>
+            <a:pPr marL="0" marR="0" lvl="0" indent="0" algn="r" defTabSz="914400" rtl="0" eaLnBrk="1" fontAlgn="auto" latinLnBrk="0" hangingPunct="1">
+              <a:lnSpc>
+                <a:spcPct val="100000"/>
+              </a:lnSpc>
+              <a:spcBef>
+                <a:spcPts val="0"/>
+              </a:spcBef>
+              <a:spcAft>
+                <a:spcPts val="0"/>
+              </a:spcAft>
+              <a:buClrTx/>
+              <a:buSzTx/>
+              <a:buFontTx/>
+              <a:buNone/>
+              <a:tabLst/>
+              <a:defRPr/>
+            </a:pPr>
+            <a:r>
+              <a:rPr kumimoji="0" lang="en-US" sz="2000" b="1" i="0" u="none" strike="noStrike" kern="1200" cap="none" spc="0" normalizeH="0" baseline="0" noProof="0" dirty="0">
+                <a:ln>
+                  <a:noFill/>
+                </a:ln>
+                <a:solidFill>
+                  <a:srgbClr val="333333"/>
+                </a:solidFill>
+                <a:effectLst/>
+                <a:uLnTx/>
+                <a:uFillTx/>
+                <a:ea typeface="+mn-ea"/>
+                <a:cs typeface="+mn-cs"/>
+              </a:rPr>
+              <a:t>8</a:t>
+            </a:r>
+          </a:p>
+          <a:p>
+            <a:pPr marL="0" marR="0" lvl="0" indent="0" algn="r" defTabSz="914400" rtl="0" eaLnBrk="1" fontAlgn="auto" latinLnBrk="0" hangingPunct="1">
+              <a:lnSpc>
+                <a:spcPct val="100000"/>
+              </a:lnSpc>
+              <a:spcBef>
+                <a:spcPts val="0"/>
+              </a:spcBef>
+              <a:spcAft>
+                <a:spcPts val="0"/>
+              </a:spcAft>
+              <a:buClrTx/>
+              <a:buSzTx/>
+              <a:buFontTx/>
+              <a:buNone/>
+              <a:tabLst/>
+              <a:defRPr/>
+            </a:pPr>
+            <a:r>
+              <a:rPr kumimoji="0" lang="en-US" sz="2000" b="1" i="0" u="none" strike="noStrike" kern="1200" cap="none" spc="0" normalizeH="0" baseline="0" noProof="0" dirty="0">
+                <a:ln>
+                  <a:noFill/>
+                </a:ln>
+                <a:solidFill>
+                  <a:srgbClr val="FF0000"/>
+                </a:solidFill>
+                <a:effectLst/>
+                <a:uLnTx/>
+                <a:uFillTx/>
+                <a:ea typeface="+mn-ea"/>
+                <a:cs typeface="+mn-cs"/>
+              </a:rPr>
+              <a:t>Two</a:t>
+            </a:r>
+            <a:r>
+              <a:rPr kumimoji="0" lang="en-US" sz="2000" b="0" i="0" u="none" strike="noStrike" kern="1200" cap="none" spc="0" normalizeH="0" baseline="0" noProof="0" dirty="0">
+                <a:ln>
+                  <a:noFill/>
+                </a:ln>
+                <a:solidFill>
+                  <a:srgbClr val="333333"/>
+                </a:solidFill>
+                <a:effectLst/>
+                <a:uLnTx/>
+                <a:uFillTx/>
+                <a:ea typeface="+mn-ea"/>
+                <a:cs typeface="+mn-cs"/>
+              </a:rPr>
+              <a:t> out of Six checks</a:t>
+            </a:r>
+          </a:p>
+        </p:txBody>
+      </p:sp>
+      <p:sp>
+        <p:nvSpPr>
+          <p:cNvPr id="31" name="Ellipse 35">
+            <a:extLst>
+              <a:ext uri="{FF2B5EF4-FFF2-40B4-BE49-F238E27FC236}">
+                <a16:creationId xmlns:a16="http://schemas.microsoft.com/office/drawing/2014/main" id="{6A6F152D-314F-BC9C-874B-092EFB581BAC}"/>
+              </a:ext>
+            </a:extLst>
+          </p:cNvPr>
+          <p:cNvSpPr/>
+          <p:nvPr/>
+        </p:nvSpPr>
+        <p:spPr bwMode="gray">
+          <a:xfrm>
+            <a:off x="2943585" y="2337822"/>
+            <a:ext cx="2435503" cy="2486898"/>
+          </a:xfrm>
+          <a:prstGeom prst="ellipse">
+            <a:avLst/>
+          </a:prstGeom>
+          <a:noFill/>
+          <a:ln w="9525">
+            <a:noFill/>
+          </a:ln>
+        </p:spPr>
+        <p:style>
+          <a:lnRef idx="2">
+            <a:schemeClr val="accent1">
+              <a:shade val="50000"/>
+            </a:schemeClr>
+          </a:lnRef>
+          <a:fillRef idx="1">
+            <a:schemeClr val="accent1"/>
+          </a:fillRef>
+          <a:effectRef idx="0">
+            <a:schemeClr val="accent1"/>
+          </a:effectRef>
+          <a:fontRef idx="minor">
+            <a:schemeClr val="lt1"/>
+          </a:fontRef>
+        </p:style>
+        <p:txBody>
+          <a:bodyPr wrap="square" rtlCol="0" anchor="ctr"/>
+          <a:lstStyle/>
+          <a:p>
+            <a:pPr marL="0" marR="0" lvl="0" indent="0" algn="ctr" defTabSz="914400" rtl="0" eaLnBrk="1" fontAlgn="auto" latinLnBrk="0" hangingPunct="1">
+              <a:lnSpc>
+                <a:spcPct val="100000"/>
+              </a:lnSpc>
+              <a:spcBef>
+                <a:spcPts val="0"/>
+              </a:spcBef>
+              <a:spcAft>
+                <a:spcPts val="0"/>
+              </a:spcAft>
+              <a:buClrTx/>
+              <a:buSzTx/>
+              <a:buFontTx/>
+              <a:buNone/>
+              <a:tabLst/>
+              <a:defRPr/>
+            </a:pPr>
+            <a:r>
+              <a:rPr kumimoji="0" lang="en-US" sz="2000" b="1" i="0" u="none" strike="noStrike" kern="1200" cap="none" spc="0" normalizeH="0" baseline="0" noProof="0" dirty="0">
+                <a:ln>
+                  <a:noFill/>
+                </a:ln>
+                <a:solidFill>
+                  <a:srgbClr val="333333"/>
+                </a:solidFill>
+                <a:effectLst/>
+                <a:uLnTx/>
+                <a:uFillTx/>
+                <a:ea typeface="+mn-ea"/>
+                <a:cs typeface="+mn-cs"/>
+              </a:rPr>
+              <a:t>20 Network Incidents</a:t>
+            </a:r>
+          </a:p>
+        </p:txBody>
+      </p:sp>
+    </p:spTree>
+    <p:extLst>
+      <p:ext uri="{BB962C8B-B14F-4D97-AF65-F5344CB8AC3E}">
+        <p14:creationId xmlns:p14="http://schemas.microsoft.com/office/powerpoint/2010/main" val="1108719720"/>
+      </p:ext>
+    </p:extLst>
+  </p:cSld>
+  <p:clrMapOvr>
+    <a:masterClrMapping/>
+  </p:clrMapOvr>
+</p:sld>
+</file>
+
+<file path=ppt/slides/slide13.xml><?xml version="1.0" encoding="utf-8"?>
 <p:sld xmlns:a="http://schemas.openxmlformats.org/drawingml/2006/main" xmlns:r="http://schemas.openxmlformats.org/officeDocument/2006/relationships" xmlns:p="http://schemas.openxmlformats.org/presentationml/2006/main">
   <p:cSld>
     <p:spTree>
@@ -6224,7 +9754,7 @@
           <p:cNvPr id="2" name="Title 1">
             <a:extLst>
               <a:ext uri="{FF2B5EF4-FFF2-40B4-BE49-F238E27FC236}">
-                <a16:creationId xmlns:a16="http://schemas.microsoft.com/office/drawing/2014/main" id="{7EAD5462-5EAF-40CF-BE0A-ED9BC33113B2}"/>
+                <a16:creationId xmlns:a16="http://schemas.microsoft.com/office/drawing/2014/main" id="{FF20F271-6F0D-4AC0-BB1D-F5C338165C13}"/>
               </a:ext>
             </a:extLst>
           </p:cNvPr>
@@ -6243,19 +9773,395 @@
           <a:lstStyle/>
           <a:p>
             <a:r>
-              <a:rPr lang="en-IE" sz="4267" dirty="0"/>
-              <a:t>Antagonist – Exposure of the Network Anomalies</a:t>
-            </a:r>
-            <a:endParaRPr lang="en-US" sz="4267" dirty="0"/>
+              <a:rPr lang="en-US" sz="2800" b="1" dirty="0"/>
+              <a:t>An Architecture for a Network Anomaly Detection Framework</a:t>
+            </a:r>
+            <a:br>
+              <a:rPr lang="en-GB" sz="3600" dirty="0"/>
+            </a:br>
+            <a:r>
+              <a:rPr lang="en-GB" sz="2700" dirty="0">
+                <a:solidFill>
+                  <a:schemeClr val="bg2">
+                    <a:lumMod val="75000"/>
+                  </a:schemeClr>
+                </a:solidFill>
+              </a:rPr>
+              <a:t>Status, Summary and </a:t>
+            </a:r>
+            <a:r>
+              <a:rPr lang="en-US" sz="2700" dirty="0">
+                <a:solidFill>
+                  <a:schemeClr val="bg2">
+                    <a:lumMod val="75000"/>
+                  </a:schemeClr>
+                </a:solidFill>
+              </a:rPr>
+              <a:t>Next steps</a:t>
+            </a:r>
+          </a:p>
+        </p:txBody>
+      </p:sp>
+      <p:sp>
+        <p:nvSpPr>
+          <p:cNvPr id="3" name="Content Placeholder 2">
+            <a:extLst>
+              <a:ext uri="{FF2B5EF4-FFF2-40B4-BE49-F238E27FC236}">
+                <a16:creationId xmlns:a16="http://schemas.microsoft.com/office/drawing/2014/main" id="{29C0DFD4-432D-4B0C-93DF-790441DCF5B9}"/>
+              </a:ext>
+            </a:extLst>
+          </p:cNvPr>
+          <p:cNvSpPr>
+            <a:spLocks noGrp="1"/>
+          </p:cNvSpPr>
+          <p:nvPr>
+            <p:ph idx="1"/>
+          </p:nvPr>
+        </p:nvSpPr>
+        <p:spPr>
+          <a:xfrm>
+            <a:off x="838199" y="1564850"/>
+            <a:ext cx="8660364" cy="4612114"/>
+          </a:xfrm>
+        </p:spPr>
+        <p:txBody>
+          <a:bodyPr>
+            <a:noAutofit/>
+          </a:bodyPr>
+          <a:lstStyle/>
+          <a:p>
+            <a:pPr marL="0" indent="0">
+              <a:buNone/>
+            </a:pPr>
+            <a:r>
+              <a:rPr lang="en-US" sz="1700" b="1" dirty="0"/>
+              <a:t>Status of draft-netana-nmop-network-anomaly-architecture-00</a:t>
+            </a:r>
+          </a:p>
+          <a:p>
+            <a:pPr>
+              <a:spcBef>
+                <a:spcPts val="300"/>
+              </a:spcBef>
+            </a:pPr>
+            <a:r>
+              <a:rPr lang="en-US" sz="1700" dirty="0"/>
+              <a:t>Initial document published. Requesting feedback from the working group. </a:t>
+            </a:r>
+          </a:p>
+          <a:p>
+            <a:pPr marL="0" indent="0">
+              <a:buNone/>
+            </a:pPr>
+            <a:r>
+              <a:rPr lang="en-US" sz="1700" b="1" dirty="0"/>
+              <a:t>Status of draft-netana-nmop-network-anomaly-semantics-02 and draft-netana-nmop-network-anomaly-lifecycle-03</a:t>
+            </a:r>
+          </a:p>
+          <a:p>
+            <a:pPr marR="0">
+              <a:spcBef>
+                <a:spcPts val="300"/>
+              </a:spcBef>
+              <a:spcAft>
+                <a:spcPts val="0"/>
+              </a:spcAft>
+            </a:pPr>
+            <a:r>
+              <a:rPr lang="en-US" sz="1700" dirty="0"/>
+              <a:t>Referred to </a:t>
+            </a:r>
+            <a:r>
+              <a:rPr lang="en-US" sz="1700" dirty="0">
+                <a:hlinkClick r:id="rId2"/>
+              </a:rPr>
+              <a:t>draft-</a:t>
+            </a:r>
+            <a:r>
+              <a:rPr lang="en-US" sz="1700" dirty="0" err="1">
+                <a:hlinkClick r:id="rId2"/>
+              </a:rPr>
+              <a:t>netana</a:t>
+            </a:r>
+            <a:r>
+              <a:rPr lang="en-US" sz="1700" dirty="0">
+                <a:hlinkClick r:id="rId2"/>
+              </a:rPr>
+              <a:t>-</a:t>
+            </a:r>
+            <a:r>
+              <a:rPr lang="en-US" sz="1700" dirty="0" err="1">
+                <a:hlinkClick r:id="rId2"/>
+              </a:rPr>
+              <a:t>nmop</a:t>
+            </a:r>
+            <a:r>
+              <a:rPr lang="en-US" sz="1700" dirty="0">
+                <a:hlinkClick r:id="rId2"/>
+              </a:rPr>
+              <a:t>-network-anomaly-architecture</a:t>
+            </a:r>
+            <a:r>
+              <a:rPr lang="en-US" sz="1700" dirty="0"/>
+              <a:t> as the architecture document.</a:t>
+            </a:r>
+          </a:p>
+          <a:p>
+            <a:pPr marR="0">
+              <a:spcBef>
+                <a:spcPts val="600"/>
+              </a:spcBef>
+              <a:spcAft>
+                <a:spcPts val="0"/>
+              </a:spcAft>
+            </a:pPr>
+            <a:r>
+              <a:rPr lang="en-US" sz="1700" dirty="0"/>
+              <a:t>Change the term source to annotator and updated the YANG modules accordingly.</a:t>
+            </a:r>
+          </a:p>
+          <a:p>
+            <a:pPr marR="0">
+              <a:spcBef>
+                <a:spcPts val="600"/>
+              </a:spcBef>
+              <a:spcAft>
+                <a:spcPts val="0"/>
+              </a:spcAft>
+            </a:pPr>
+            <a:r>
+              <a:rPr lang="en-US" sz="1700" dirty="0"/>
+              <a:t>Added/updated terminology section with references to </a:t>
+            </a:r>
+            <a:r>
+              <a:rPr lang="en-US" sz="1700" dirty="0">
+                <a:hlinkClick r:id="rId3"/>
+              </a:rPr>
+              <a:t>draft-</a:t>
+            </a:r>
+            <a:r>
+              <a:rPr lang="en-US" sz="1700" dirty="0" err="1">
+                <a:hlinkClick r:id="rId3"/>
+              </a:rPr>
+              <a:t>ietf</a:t>
+            </a:r>
+            <a:r>
+              <a:rPr lang="en-US" sz="1700" dirty="0">
+                <a:hlinkClick r:id="rId3"/>
+              </a:rPr>
+              <a:t>-</a:t>
+            </a:r>
+            <a:r>
+              <a:rPr lang="en-US" sz="1700" dirty="0" err="1">
+                <a:hlinkClick r:id="rId3"/>
+              </a:rPr>
+              <a:t>nmop</a:t>
+            </a:r>
+            <a:r>
+              <a:rPr lang="en-US" sz="1700" dirty="0">
+                <a:hlinkClick r:id="rId3"/>
+              </a:rPr>
+              <a:t>-terminology</a:t>
+            </a:r>
+            <a:r>
+              <a:rPr lang="en-US" sz="1700" dirty="0"/>
+              <a:t> and </a:t>
+            </a:r>
+            <a:r>
+              <a:rPr lang="en-US" sz="1700" dirty="0">
+                <a:hlinkClick r:id="rId2"/>
+              </a:rPr>
+              <a:t>draft-</a:t>
+            </a:r>
+            <a:r>
+              <a:rPr lang="en-US" sz="1700" dirty="0" err="1">
+                <a:hlinkClick r:id="rId2"/>
+              </a:rPr>
+              <a:t>netana</a:t>
+            </a:r>
+            <a:r>
+              <a:rPr lang="en-US" sz="1700" dirty="0">
+                <a:hlinkClick r:id="rId2"/>
+              </a:rPr>
+              <a:t>-</a:t>
+            </a:r>
+            <a:r>
+              <a:rPr lang="en-US" sz="1700" dirty="0" err="1">
+                <a:hlinkClick r:id="rId2"/>
+              </a:rPr>
+              <a:t>nmop</a:t>
+            </a:r>
+            <a:r>
+              <a:rPr lang="en-US" sz="1700" dirty="0">
+                <a:hlinkClick r:id="rId2"/>
+              </a:rPr>
+              <a:t>-network-anomaly-architecture</a:t>
+            </a:r>
+            <a:r>
+              <a:rPr lang="en-US" sz="1700" dirty="0"/>
+              <a:t>.</a:t>
+            </a:r>
+          </a:p>
+          <a:p>
+            <a:pPr marR="0">
+              <a:spcBef>
+                <a:spcPts val="600"/>
+              </a:spcBef>
+              <a:spcAft>
+                <a:spcPts val="0"/>
+              </a:spcAft>
+            </a:pPr>
+            <a:r>
+              <a:rPr lang="en-US" sz="1700" dirty="0"/>
+              <a:t>Moved data mesh and outlier detection section to </a:t>
+            </a:r>
+            <a:r>
+              <a:rPr lang="en-US" sz="1700" dirty="0">
+                <a:hlinkClick r:id="rId2"/>
+              </a:rPr>
+              <a:t>draft-</a:t>
+            </a:r>
+            <a:r>
+              <a:rPr lang="en-US" sz="1700" dirty="0" err="1">
+                <a:hlinkClick r:id="rId2"/>
+              </a:rPr>
+              <a:t>netana</a:t>
+            </a:r>
+            <a:r>
+              <a:rPr lang="en-US" sz="1700" dirty="0">
+                <a:hlinkClick r:id="rId2"/>
+              </a:rPr>
+              <a:t>-</a:t>
+            </a:r>
+            <a:r>
+              <a:rPr lang="en-US" sz="1700" dirty="0" err="1">
+                <a:hlinkClick r:id="rId2"/>
+              </a:rPr>
+              <a:t>nmop</a:t>
+            </a:r>
+            <a:r>
+              <a:rPr lang="en-US" sz="1700" dirty="0">
+                <a:hlinkClick r:id="rId2"/>
+              </a:rPr>
+              <a:t>-network-anomaly-architecture</a:t>
+            </a:r>
+            <a:r>
+              <a:rPr lang="en-US" sz="1700" dirty="0"/>
+              <a:t>.</a:t>
+            </a:r>
+          </a:p>
+          <a:p>
+            <a:pPr marL="0" indent="0">
+              <a:spcBef>
+                <a:spcPts val="1200"/>
+              </a:spcBef>
+              <a:buNone/>
+            </a:pPr>
+            <a:r>
+              <a:rPr lang="en-US" sz="1700" b="1" dirty="0">
+                <a:solidFill>
+                  <a:srgbClr val="FF0000"/>
+                </a:solidFill>
+              </a:rPr>
+              <a:t>Next Steps</a:t>
+            </a:r>
+          </a:p>
+          <a:p>
+            <a:pPr>
+              <a:spcBef>
+                <a:spcPts val="300"/>
+              </a:spcBef>
+              <a:buFont typeface="Wingdings" panose="05000000000000000000" pitchFamily="2" charset="2"/>
+              <a:buChar char="Ø"/>
+            </a:pPr>
+            <a:r>
+              <a:rPr lang="en-US" sz="1700" b="1" dirty="0">
+                <a:solidFill>
+                  <a:srgbClr val="FF0000"/>
+                </a:solidFill>
+              </a:rPr>
+              <a:t>Request adoption for all 3 anomaly detection documents starting with </a:t>
+            </a:r>
+            <a:br>
+              <a:rPr lang="en-US" sz="1700" b="1" dirty="0">
+                <a:solidFill>
+                  <a:srgbClr val="FF0000"/>
+                </a:solidFill>
+              </a:rPr>
+            </a:br>
+            <a:r>
+              <a:rPr lang="en-US" sz="1700" b="1" dirty="0">
+                <a:solidFill>
+                  <a:srgbClr val="FF0000"/>
+                </a:solidFill>
+                <a:hlinkClick r:id="rId4"/>
+              </a:rPr>
+              <a:t>draft-netana-nmop-network-anomaly-architecture-00</a:t>
+            </a:r>
+            <a:r>
+              <a:rPr lang="en-US" sz="1700" b="1" dirty="0">
+                <a:solidFill>
+                  <a:srgbClr val="FF0000"/>
+                </a:solidFill>
+              </a:rPr>
+              <a:t>.</a:t>
+            </a:r>
+          </a:p>
+          <a:p>
+            <a:pPr>
+              <a:spcBef>
+                <a:spcPts val="600"/>
+              </a:spcBef>
+              <a:buFont typeface="Wingdings" panose="05000000000000000000" pitchFamily="2" charset="2"/>
+              <a:buChar char="Ø"/>
+            </a:pPr>
+            <a:r>
+              <a:rPr lang="en-US" sz="1700" b="1" dirty="0"/>
+              <a:t>NMOP interim meeting on September 11</a:t>
+            </a:r>
+            <a:r>
+              <a:rPr lang="en-US" sz="1700" b="1" baseline="30000" dirty="0"/>
+              <a:t>th </a:t>
+            </a:r>
+            <a:r>
+              <a:rPr lang="en-US" sz="1700" b="1" dirty="0"/>
+              <a:t>proposal</a:t>
+            </a:r>
+          </a:p>
+          <a:p>
+            <a:pPr lvl="1">
+              <a:spcBef>
+                <a:spcPts val="300"/>
+              </a:spcBef>
+              <a:buFont typeface="Wingdings" panose="05000000000000000000" pitchFamily="2" charset="2"/>
+              <a:buChar char="Ø"/>
+            </a:pPr>
+            <a:r>
+              <a:rPr lang="en-US" sz="1700" b="1" dirty="0"/>
+              <a:t>Network incident postmortem examples from Swisscom and Bell Canada</a:t>
+            </a:r>
+          </a:p>
+          <a:p>
+            <a:pPr lvl="1">
+              <a:spcBef>
+                <a:spcPts val="300"/>
+              </a:spcBef>
+              <a:buFont typeface="Wingdings" panose="05000000000000000000" pitchFamily="2" charset="2"/>
+              <a:buChar char="Ø"/>
+            </a:pPr>
+            <a:r>
+              <a:rPr lang="en-US" sz="1700" b="1" dirty="0"/>
+              <a:t>Detailing documents, updates and hackathon experiment results</a:t>
+            </a:r>
           </a:p>
         </p:txBody>
       </p:sp>
       <p:pic>
         <p:nvPicPr>
-          <p:cNvPr id="3" name="Picture 2">
+          <p:cNvPr id="6" name="Picture 5">
             <a:extLst>
               <a:ext uri="{FF2B5EF4-FFF2-40B4-BE49-F238E27FC236}">
-                <a16:creationId xmlns:a16="http://schemas.microsoft.com/office/drawing/2014/main" id="{4BA87D43-57F7-4D07-B576-DAEA5DB892AF}"/>
+                <a16:creationId xmlns:a16="http://schemas.microsoft.com/office/drawing/2014/main" id="{D4F5E154-1C25-441B-90CF-A1443F6D1EF8}"/>
               </a:ext>
             </a:extLst>
           </p:cNvPr>
@@ -6265,15 +10171,15 @@
           <p:nvPr/>
         </p:nvPicPr>
         <p:blipFill>
-          <a:blip r:embed="rId2"/>
+          <a:blip r:embed="rId5"/>
           <a:stretch>
             <a:fillRect/>
           </a:stretch>
         </p:blipFill>
         <p:spPr>
           <a:xfrm>
-            <a:off x="0" y="1417640"/>
-            <a:ext cx="12075192" cy="5440361"/>
+            <a:off x="9713236" y="1230284"/>
+            <a:ext cx="2220143" cy="4019821"/>
           </a:xfrm>
           <a:prstGeom prst="rect">
             <a:avLst/>
@@ -6282,83 +10188,52 @@
       </p:pic>
       <p:sp>
         <p:nvSpPr>
-          <p:cNvPr id="5" name="Rectangle 4">
+          <p:cNvPr id="8" name="Slide Number Placeholder 1">
             <a:extLst>
               <a:ext uri="{FF2B5EF4-FFF2-40B4-BE49-F238E27FC236}">
-                <a16:creationId xmlns:a16="http://schemas.microsoft.com/office/drawing/2014/main" id="{18FE283E-5111-4782-B70F-A87C08C89CDE}"/>
+                <a16:creationId xmlns:a16="http://schemas.microsoft.com/office/drawing/2014/main" id="{F03D7BF8-F90A-4F8C-8FCE-B1DB1DEC687A}"/>
               </a:ext>
             </a:extLst>
           </p:cNvPr>
-          <p:cNvSpPr/>
-          <p:nvPr/>
+          <p:cNvSpPr>
+            <a:spLocks noGrp="1"/>
+          </p:cNvSpPr>
+          <p:nvPr>
+            <p:ph type="sldNum" sz="quarter" idx="12"/>
+          </p:nvPr>
         </p:nvSpPr>
         <p:spPr>
           <a:xfrm>
-            <a:off x="11582400" y="6337144"/>
-            <a:ext cx="492792" cy="492440"/>
+            <a:off x="11587892" y="6361637"/>
+            <a:ext cx="414251" cy="365125"/>
           </a:xfrm>
-          <a:prstGeom prst="rect">
-            <a:avLst/>
-          </a:prstGeom>
-          <a:solidFill>
-            <a:schemeClr val="bg1"/>
-          </a:solidFill>
-          <a:ln w="25400" cap="flat">
-            <a:solidFill>
-              <a:schemeClr val="bg1"/>
-            </a:solidFill>
-            <a:prstDash val="solid"/>
-            <a:round/>
-          </a:ln>
-          <a:effectLst/>
-          <a:sp3d/>
         </p:spPr>
-        <p:style>
-          <a:lnRef idx="0">
-            <a:scrgbClr r="0" g="0" b="0"/>
-          </a:lnRef>
-          <a:fillRef idx="0">
-            <a:scrgbClr r="0" g="0" b="0"/>
-          </a:fillRef>
-          <a:effectRef idx="0">
-            <a:scrgbClr r="0" g="0" b="0"/>
-          </a:effectRef>
-          <a:fontRef idx="none"/>
-        </p:style>
         <p:txBody>
-          <a:bodyPr rot="0" spcFirstLastPara="1" vertOverflow="overflow" horzOverflow="overflow" vert="horz" wrap="square" lIns="60959" tIns="60959" rIns="60959" bIns="60959" numCol="1" spcCol="38100" rtlCol="0" anchor="ctr">
-            <a:spAutoFit/>
-          </a:bodyPr>
+          <a:bodyPr/>
           <a:lstStyle/>
           <a:p>
-            <a:pPr defTabSz="609585" hangingPunct="0"/>
-            <a:endParaRPr lang="en-US" sz="2400">
-              <a:solidFill>
-                <a:srgbClr val="000000"/>
-              </a:solidFill>
-              <a:latin typeface="+mj-lt"/>
-              <a:ea typeface="+mj-ea"/>
-              <a:cs typeface="+mj-cs"/>
-              <a:sym typeface="Calibri"/>
-            </a:endParaRPr>
+            <a:fld id="{FC4AC485-25DE-431E-B345-9C0A15BB7F8A}" type="slidenum">
+              <a:rPr lang="de-CH" sz="1400" smtClean="0"/>
+              <a:t>13</a:t>
+            </a:fld>
+            <a:endParaRPr lang="de-CH" sz="1400" dirty="0"/>
           </a:p>
         </p:txBody>
       </p:sp>
     </p:spTree>
     <p:extLst>
       <p:ext uri="{BB962C8B-B14F-4D97-AF65-F5344CB8AC3E}">
-        <p14:creationId xmlns:p14="http://schemas.microsoft.com/office/powerpoint/2010/main" val="3433436125"/>
+        <p14:creationId xmlns:p14="http://schemas.microsoft.com/office/powerpoint/2010/main" val="2617504443"/>
       </p:ext>
     </p:extLst>
   </p:cSld>
   <p:clrMapOvr>
     <a:masterClrMapping/>
   </p:clrMapOvr>
-  <p:transition spd="med"/>
 </p:sld>
 </file>
 
-<file path=ppt/slides/slide13.xml><?xml version="1.0" encoding="utf-8"?>
+<file path=ppt/slides/slide14.xml><?xml version="1.0" encoding="utf-8"?>
 <p:sld xmlns:a="http://schemas.openxmlformats.org/drawingml/2006/main" xmlns:r="http://schemas.openxmlformats.org/officeDocument/2006/relationships" xmlns:p="http://schemas.openxmlformats.org/presentationml/2006/main">
   <p:cSld>
     <p:spTree>
@@ -6452,7 +10327,7 @@
                 <a:tabLst/>
                 <a:defRPr/>
               </a:pPr>
-              <a:t>13</a:t>
+              <a:t>14</a:t>
             </a:fld>
             <a:endParaRPr kumimoji="0" lang="de-CH" sz="1400" b="0" i="0" u="none" strike="noStrike" kern="1200" cap="none" spc="0" normalizeH="0" baseline="0" noProof="0" dirty="0">
               <a:ln>
@@ -13953,514 +17828,6 @@
       </p:grpSpPr>
       <p:sp>
         <p:nvSpPr>
-          <p:cNvPr id="6" name="Slide Number Placeholder 1">
-            <a:extLst>
-              <a:ext uri="{FF2B5EF4-FFF2-40B4-BE49-F238E27FC236}">
-                <a16:creationId xmlns:a16="http://schemas.microsoft.com/office/drawing/2014/main" id="{024DC3B6-499C-4E15-9336-2F15A0DFB843}"/>
-              </a:ext>
-            </a:extLst>
-          </p:cNvPr>
-          <p:cNvSpPr>
-            <a:spLocks noGrp="1"/>
-          </p:cNvSpPr>
-          <p:nvPr>
-            <p:ph type="sldNum" sz="quarter" idx="12"/>
-          </p:nvPr>
-        </p:nvSpPr>
-        <p:spPr>
-          <a:xfrm>
-            <a:off x="11587892" y="6361637"/>
-            <a:ext cx="414251" cy="365125"/>
-          </a:xfrm>
-        </p:spPr>
-        <p:txBody>
-          <a:bodyPr/>
-          <a:lstStyle/>
-          <a:p>
-            <a:fld id="{FC4AC485-25DE-431E-B345-9C0A15BB7F8A}" type="slidenum">
-              <a:rPr lang="de-CH" sz="1400" smtClean="0"/>
-              <a:t>7</a:t>
-            </a:fld>
-            <a:endParaRPr lang="de-CH" sz="1400" dirty="0"/>
-          </a:p>
-        </p:txBody>
-      </p:sp>
-      <p:sp>
-        <p:nvSpPr>
-          <p:cNvPr id="19" name="Title 1">
-            <a:extLst>
-              <a:ext uri="{FF2B5EF4-FFF2-40B4-BE49-F238E27FC236}">
-                <a16:creationId xmlns:a16="http://schemas.microsoft.com/office/drawing/2014/main" id="{56D79134-17A9-8BC8-B7D0-97BCFFB9A6B2}"/>
-              </a:ext>
-            </a:extLst>
-          </p:cNvPr>
-          <p:cNvSpPr>
-            <a:spLocks noGrp="1"/>
-          </p:cNvSpPr>
-          <p:nvPr>
-            <p:ph type="title"/>
-          </p:nvPr>
-        </p:nvSpPr>
-        <p:spPr>
-          <a:xfrm>
-            <a:off x="838200" y="365125"/>
-            <a:ext cx="10515600" cy="1325563"/>
-          </a:xfrm>
-        </p:spPr>
-        <p:txBody>
-          <a:bodyPr>
-            <a:normAutofit/>
-          </a:bodyPr>
-          <a:lstStyle/>
-          <a:p>
-            <a:r>
-              <a:rPr lang="en-US" sz="2800" b="1" dirty="0"/>
-              <a:t>Experiment: Network Anomaly Lifecycle</a:t>
-            </a:r>
-            <a:br>
-              <a:rPr lang="en-US" sz="3600" dirty="0"/>
-            </a:br>
-            <a:r>
-              <a:rPr lang="en-US" sz="2700" dirty="0">
-                <a:solidFill>
-                  <a:schemeClr val="bg2">
-                    <a:lumMod val="75000"/>
-                  </a:schemeClr>
-                </a:solidFill>
-              </a:rPr>
-              <a:t>draft-</a:t>
-            </a:r>
-            <a:r>
-              <a:rPr lang="en-US" sz="2700" dirty="0" err="1">
-                <a:solidFill>
-                  <a:schemeClr val="bg2">
-                    <a:lumMod val="75000"/>
-                  </a:schemeClr>
-                </a:solidFill>
-              </a:rPr>
-              <a:t>netana</a:t>
-            </a:r>
-            <a:r>
-              <a:rPr lang="en-US" sz="2700" dirty="0">
-                <a:solidFill>
-                  <a:schemeClr val="bg2">
-                    <a:lumMod val="75000"/>
-                  </a:schemeClr>
-                </a:solidFill>
-              </a:rPr>
-              <a:t>-</a:t>
-            </a:r>
-            <a:r>
-              <a:rPr lang="en-US" sz="2700" dirty="0" err="1">
-                <a:solidFill>
-                  <a:schemeClr val="bg2">
-                    <a:lumMod val="75000"/>
-                  </a:schemeClr>
-                </a:solidFill>
-              </a:rPr>
-              <a:t>nmop</a:t>
-            </a:r>
-            <a:r>
-              <a:rPr lang="en-US" sz="2700" dirty="0">
-                <a:solidFill>
-                  <a:schemeClr val="bg2">
-                    <a:lumMod val="75000"/>
-                  </a:schemeClr>
-                </a:solidFill>
-              </a:rPr>
-              <a:t>-network-anomaly-lifecycle</a:t>
-            </a:r>
-          </a:p>
-        </p:txBody>
-      </p:sp>
-      <p:pic>
-        <p:nvPicPr>
-          <p:cNvPr id="3" name="Picture 2">
-            <a:extLst>
-              <a:ext uri="{FF2B5EF4-FFF2-40B4-BE49-F238E27FC236}">
-                <a16:creationId xmlns:a16="http://schemas.microsoft.com/office/drawing/2014/main" id="{80EF3365-92B8-4BFF-5B4A-D90DDCF803B4}"/>
-              </a:ext>
-            </a:extLst>
-          </p:cNvPr>
-          <p:cNvPicPr>
-            <a:picLocks noChangeAspect="1"/>
-          </p:cNvPicPr>
-          <p:nvPr/>
-        </p:nvPicPr>
-        <p:blipFill>
-          <a:blip r:embed="rId2"/>
-          <a:stretch>
-            <a:fillRect/>
-          </a:stretch>
-        </p:blipFill>
-        <p:spPr>
-          <a:xfrm>
-            <a:off x="444500" y="2099129"/>
-            <a:ext cx="6958286" cy="3976164"/>
-          </a:xfrm>
-          <a:prstGeom prst="rect">
-            <a:avLst/>
-          </a:prstGeom>
-        </p:spPr>
-      </p:pic>
-      <p:sp>
-        <p:nvSpPr>
-          <p:cNvPr id="7" name="Oval 6">
-            <a:extLst>
-              <a:ext uri="{FF2B5EF4-FFF2-40B4-BE49-F238E27FC236}">
-                <a16:creationId xmlns:a16="http://schemas.microsoft.com/office/drawing/2014/main" id="{33891599-1C33-654D-733C-99580AE756F1}"/>
-              </a:ext>
-            </a:extLst>
-          </p:cNvPr>
-          <p:cNvSpPr/>
-          <p:nvPr/>
-        </p:nvSpPr>
-        <p:spPr>
-          <a:xfrm>
-            <a:off x="5654675" y="3372836"/>
-            <a:ext cx="1480009" cy="509047"/>
-          </a:xfrm>
-          <a:prstGeom prst="ellipse">
-            <a:avLst/>
-          </a:prstGeom>
-          <a:solidFill>
-            <a:srgbClr val="FF0000">
-              <a:alpha val="10000"/>
-            </a:srgbClr>
-          </a:solidFill>
-          <a:ln>
-            <a:solidFill>
-              <a:srgbClr val="FF0000"/>
-            </a:solidFill>
-          </a:ln>
-        </p:spPr>
-        <p:style>
-          <a:lnRef idx="2">
-            <a:schemeClr val="accent1">
-              <a:shade val="50000"/>
-            </a:schemeClr>
-          </a:lnRef>
-          <a:fillRef idx="1">
-            <a:schemeClr val="accent1"/>
-          </a:fillRef>
-          <a:effectRef idx="0">
-            <a:schemeClr val="accent1"/>
-          </a:effectRef>
-          <a:fontRef idx="minor">
-            <a:schemeClr val="lt1"/>
-          </a:fontRef>
-        </p:style>
-        <p:txBody>
-          <a:bodyPr rtlCol="0" anchor="ctr"/>
-          <a:lstStyle/>
-          <a:p>
-            <a:pPr algn="ctr"/>
-            <a:endParaRPr lang="de-CH"/>
-          </a:p>
-        </p:txBody>
-      </p:sp>
-      <p:sp>
-        <p:nvSpPr>
-          <p:cNvPr id="2" name="Inhaltsplatzhalter 2">
-            <a:extLst>
-              <a:ext uri="{FF2B5EF4-FFF2-40B4-BE49-F238E27FC236}">
-                <a16:creationId xmlns:a16="http://schemas.microsoft.com/office/drawing/2014/main" id="{EBBAF0DF-61DF-B89D-2978-12F7F1BE7C53}"/>
-              </a:ext>
-            </a:extLst>
-          </p:cNvPr>
-          <p:cNvSpPr txBox="1">
-            <a:spLocks/>
-          </p:cNvSpPr>
-          <p:nvPr/>
-        </p:nvSpPr>
-        <p:spPr bwMode="black">
-          <a:xfrm>
-            <a:off x="7556501" y="609600"/>
-            <a:ext cx="4191000" cy="4415201"/>
-          </a:xfrm>
-          <a:prstGeom prst="rect">
-            <a:avLst/>
-          </a:prstGeom>
-        </p:spPr>
-        <p:txBody>
-          <a:bodyPr wrap="square" lIns="0" tIns="0" rIns="0" bIns="0"/>
-          <a:lstStyle>
-            <a:lvl1pPr marL="0" indent="0" algn="l" defTabSz="914400" rtl="0" eaLnBrk="1" latinLnBrk="0" hangingPunct="1">
-              <a:lnSpc>
-                <a:spcPct val="110000"/>
-              </a:lnSpc>
-              <a:spcBef>
-                <a:spcPts val="600"/>
-              </a:spcBef>
-              <a:spcAft>
-                <a:spcPts val="600"/>
-              </a:spcAft>
-              <a:buFont typeface="Arial" panose="020B0604020202020204" pitchFamily="34" charset="0"/>
-              <a:buNone/>
-              <a:defRPr sz="2000" b="0" kern="1200">
-                <a:solidFill>
-                  <a:schemeClr val="tx1"/>
-                </a:solidFill>
-                <a:latin typeface="+mn-lt"/>
-                <a:ea typeface="+mn-ea"/>
-                <a:cs typeface="+mn-cs"/>
-              </a:defRPr>
-            </a:lvl1pPr>
-            <a:lvl2pPr marL="216000" indent="-216000" algn="l" defTabSz="914400" rtl="0" eaLnBrk="1" latinLnBrk="0" hangingPunct="1">
-              <a:lnSpc>
-                <a:spcPct val="110000"/>
-              </a:lnSpc>
-              <a:spcBef>
-                <a:spcPts val="200"/>
-              </a:spcBef>
-              <a:spcAft>
-                <a:spcPts val="200"/>
-              </a:spcAft>
-              <a:buFont typeface="Arial" panose="020B0604020202020204" pitchFamily="34" charset="0"/>
-              <a:buChar char="•"/>
-              <a:defRPr sz="2000" kern="1200">
-                <a:solidFill>
-                  <a:schemeClr val="tx1"/>
-                </a:solidFill>
-                <a:latin typeface="+mn-lt"/>
-                <a:ea typeface="+mn-ea"/>
-                <a:cs typeface="+mn-cs"/>
-              </a:defRPr>
-            </a:lvl2pPr>
-            <a:lvl3pPr marL="504000" indent="-288000" algn="l" defTabSz="914400" rtl="0" eaLnBrk="1" latinLnBrk="0" hangingPunct="1">
-              <a:lnSpc>
-                <a:spcPct val="110000"/>
-              </a:lnSpc>
-              <a:spcBef>
-                <a:spcPts val="200"/>
-              </a:spcBef>
-              <a:spcAft>
-                <a:spcPts val="200"/>
-              </a:spcAft>
-              <a:buFont typeface="TheSans Swisscom Light" panose="020B0300040303060204" pitchFamily="34" charset="0"/>
-              <a:buChar char="−"/>
-              <a:defRPr sz="2000" kern="1200">
-                <a:solidFill>
-                  <a:schemeClr val="tx1"/>
-                </a:solidFill>
-                <a:latin typeface="+mn-lt"/>
-                <a:ea typeface="+mn-ea"/>
-                <a:cs typeface="+mn-cs"/>
-              </a:defRPr>
-            </a:lvl3pPr>
-            <a:lvl4pPr marL="792000" indent="-288000" algn="l" defTabSz="914400" rtl="0" eaLnBrk="1" latinLnBrk="0" hangingPunct="1">
-              <a:lnSpc>
-                <a:spcPct val="110000"/>
-              </a:lnSpc>
-              <a:spcBef>
-                <a:spcPts val="200"/>
-              </a:spcBef>
-              <a:spcAft>
-                <a:spcPts val="200"/>
-              </a:spcAft>
-              <a:buFont typeface="TheSans Swisscom Light" panose="020B0300040303060204" pitchFamily="34" charset="0"/>
-              <a:buChar char="−"/>
-              <a:defRPr sz="2000" kern="1200">
-                <a:solidFill>
-                  <a:schemeClr val="tx1"/>
-                </a:solidFill>
-                <a:latin typeface="+mn-lt"/>
-                <a:ea typeface="+mn-ea"/>
-                <a:cs typeface="+mn-cs"/>
-              </a:defRPr>
-            </a:lvl4pPr>
-            <a:lvl5pPr marL="792000" indent="-288000" algn="l" defTabSz="914400" rtl="0" eaLnBrk="1" latinLnBrk="0" hangingPunct="1">
-              <a:lnSpc>
-                <a:spcPct val="110000"/>
-              </a:lnSpc>
-              <a:spcBef>
-                <a:spcPts val="200"/>
-              </a:spcBef>
-              <a:spcAft>
-                <a:spcPts val="200"/>
-              </a:spcAft>
-              <a:buFont typeface="TheSans Swisscom Light" panose="020B0300040303060204" pitchFamily="34" charset="0"/>
-              <a:buChar char="−"/>
-              <a:defRPr sz="2000" kern="1200">
-                <a:solidFill>
-                  <a:schemeClr val="tx1"/>
-                </a:solidFill>
-                <a:latin typeface="+mn-lt"/>
-                <a:ea typeface="+mn-ea"/>
-                <a:cs typeface="+mn-cs"/>
-              </a:defRPr>
-            </a:lvl5pPr>
-            <a:lvl6pPr marL="792000" indent="-288000" algn="l" defTabSz="914400" rtl="0" eaLnBrk="1" latinLnBrk="0" hangingPunct="1">
-              <a:lnSpc>
-                <a:spcPct val="110000"/>
-              </a:lnSpc>
-              <a:spcBef>
-                <a:spcPts val="200"/>
-              </a:spcBef>
-              <a:spcAft>
-                <a:spcPts val="200"/>
-              </a:spcAft>
-              <a:buFont typeface="TheSans Swisscom Light" panose="020B0300040303060204" pitchFamily="34" charset="0"/>
-              <a:buChar char="−"/>
-              <a:defRPr sz="2000" kern="1200">
-                <a:solidFill>
-                  <a:schemeClr val="tx1"/>
-                </a:solidFill>
-                <a:latin typeface="+mn-lt"/>
-                <a:ea typeface="+mn-ea"/>
-                <a:cs typeface="+mn-cs"/>
-              </a:defRPr>
-            </a:lvl6pPr>
-            <a:lvl7pPr marL="792000" indent="-288000" algn="l" defTabSz="914400" rtl="0" eaLnBrk="1" latinLnBrk="0" hangingPunct="1">
-              <a:lnSpc>
-                <a:spcPct val="110000"/>
-              </a:lnSpc>
-              <a:spcBef>
-                <a:spcPts val="200"/>
-              </a:spcBef>
-              <a:spcAft>
-                <a:spcPts val="200"/>
-              </a:spcAft>
-              <a:buFont typeface="TheSans Swisscom Light" panose="020B0300040303060204" pitchFamily="34" charset="0"/>
-              <a:buChar char="−"/>
-              <a:defRPr sz="2000" kern="1200">
-                <a:solidFill>
-                  <a:schemeClr val="tx1"/>
-                </a:solidFill>
-                <a:latin typeface="+mn-lt"/>
-                <a:ea typeface="+mn-ea"/>
-                <a:cs typeface="+mn-cs"/>
-              </a:defRPr>
-            </a:lvl7pPr>
-            <a:lvl8pPr marL="792000" indent="-288000" algn="l" defTabSz="914400" rtl="0" eaLnBrk="1" latinLnBrk="0" hangingPunct="1">
-              <a:lnSpc>
-                <a:spcPct val="110000"/>
-              </a:lnSpc>
-              <a:spcBef>
-                <a:spcPts val="200"/>
-              </a:spcBef>
-              <a:spcAft>
-                <a:spcPts val="200"/>
-              </a:spcAft>
-              <a:buFont typeface="TheSans Swisscom Light" panose="020B0300040303060204" pitchFamily="34" charset="0"/>
-              <a:buChar char="−"/>
-              <a:defRPr sz="2000" kern="1200">
-                <a:solidFill>
-                  <a:schemeClr val="tx1"/>
-                </a:solidFill>
-                <a:latin typeface="+mn-lt"/>
-                <a:ea typeface="+mn-ea"/>
-                <a:cs typeface="+mn-cs"/>
-              </a:defRPr>
-            </a:lvl8pPr>
-            <a:lvl9pPr marL="792000" indent="-288000" algn="l" defTabSz="914400" rtl="0" eaLnBrk="1" latinLnBrk="0" hangingPunct="1">
-              <a:lnSpc>
-                <a:spcPct val="110000"/>
-              </a:lnSpc>
-              <a:spcBef>
-                <a:spcPts val="200"/>
-              </a:spcBef>
-              <a:spcAft>
-                <a:spcPts val="200"/>
-              </a:spcAft>
-              <a:buFont typeface="TheSans Swisscom Light" panose="020B0300040303060204" pitchFamily="34" charset="0"/>
-              <a:buChar char="−"/>
-              <a:defRPr sz="2000" kern="1200">
-                <a:solidFill>
-                  <a:schemeClr val="tx1"/>
-                </a:solidFill>
-                <a:latin typeface="+mn-lt"/>
-                <a:ea typeface="+mn-ea"/>
-                <a:cs typeface="+mn-cs"/>
-              </a:defRPr>
-            </a:lvl9pPr>
-          </a:lstStyle>
-          <a:p>
-            <a:r>
-              <a:rPr lang="en-US" b="1" dirty="0">
-                <a:solidFill>
-                  <a:srgbClr val="FF0000"/>
-                </a:solidFill>
-              </a:rPr>
-              <a:t>Detection:  </a:t>
-            </a:r>
-            <a:r>
-              <a:rPr lang="en-US" dirty="0"/>
-              <a:t>The Network Anomaly Detection stage is about the continuous monitoring of the network through Network Telemetry </a:t>
-            </a:r>
-            <a:r>
-              <a:rPr lang="en-US" dirty="0">
-                <a:hlinkClick r:id="rId3"/>
-              </a:rPr>
-              <a:t>RFC 9232</a:t>
-            </a:r>
-            <a:r>
-              <a:rPr lang="en-US" dirty="0"/>
-              <a:t> and the identification of symptoms.</a:t>
-            </a:r>
-          </a:p>
-          <a:p>
-            <a:r>
-              <a:rPr lang="en-US" b="1" dirty="0">
-                <a:solidFill>
-                  <a:srgbClr val="FF0000"/>
-                </a:solidFill>
-              </a:rPr>
-              <a:t>Validation:  </a:t>
-            </a:r>
-            <a:r>
-              <a:rPr lang="en-US" dirty="0"/>
-              <a:t>Decides if the detected symptoms are signaling a real incident or if they are to be treated as false positives.</a:t>
-            </a:r>
-          </a:p>
-          <a:p>
-            <a:r>
-              <a:rPr lang="en-US" b="1" dirty="0">
-                <a:solidFill>
-                  <a:srgbClr val="FF0000"/>
-                </a:solidFill>
-              </a:rPr>
-              <a:t>Refinement:  </a:t>
-            </a:r>
-            <a:r>
-              <a:rPr lang="en-US" dirty="0"/>
-              <a:t>Network operator performs detailed postmortem analysis of the network incident, collected Network Telemetry data and detected anomaly with the objective to identify useful adjustments in the Network Telemetry data collection and Anomaly Detection system.</a:t>
-            </a:r>
-          </a:p>
-        </p:txBody>
-      </p:sp>
-    </p:spTree>
-    <p:extLst>
-      <p:ext uri="{BB962C8B-B14F-4D97-AF65-F5344CB8AC3E}">
-        <p14:creationId xmlns:p14="http://schemas.microsoft.com/office/powerpoint/2010/main" val="2249733078"/>
-      </p:ext>
-    </p:extLst>
-  </p:cSld>
-  <p:clrMapOvr>
-    <a:masterClrMapping/>
-  </p:clrMapOvr>
-</p:sld>
-</file>
-
-<file path=ppt/slides/slide8.xml><?xml version="1.0" encoding="utf-8"?>
-<p:sld xmlns:a="http://schemas.openxmlformats.org/drawingml/2006/main" xmlns:r="http://schemas.openxmlformats.org/officeDocument/2006/relationships" xmlns:p="http://schemas.openxmlformats.org/presentationml/2006/main">
-  <p:cSld>
-    <p:spTree>
-      <p:nvGrpSpPr>
-        <p:cNvPr id="1" name=""/>
-        <p:cNvGrpSpPr/>
-        <p:nvPr/>
-      </p:nvGrpSpPr>
-      <p:grpSpPr>
-        <a:xfrm>
-          <a:off x="0" y="0"/>
-          <a:ext cx="0" cy="0"/>
-          <a:chOff x="0" y="0"/>
-          <a:chExt cx="0" cy="0"/>
-        </a:xfrm>
-      </p:grpSpPr>
-      <p:sp>
-        <p:nvSpPr>
           <p:cNvPr id="17" name="TextBox 16">
             <a:extLst>
               <a:ext uri="{FF2B5EF4-FFF2-40B4-BE49-F238E27FC236}">
@@ -15916,7 +19283,7 @@
           <a:p>
             <a:fld id="{FC4AC485-25DE-431E-B345-9C0A15BB7F8A}" type="slidenum">
               <a:rPr lang="de-CH" sz="1400" smtClean="0"/>
-              <a:t>8</a:t>
+              <a:t>7</a:t>
             </a:fld>
             <a:endParaRPr lang="de-CH" sz="1400" dirty="0"/>
           </a:p>
@@ -16327,12 +19694,12 @@
 </p:sld>
 </file>
 
-<file path=ppt/slides/slide9.xml><?xml version="1.0" encoding="utf-8"?>
+<file path=ppt/slides/slide8.xml><?xml version="1.0" encoding="utf-8"?>
 <p:sld xmlns:a="http://schemas.openxmlformats.org/drawingml/2006/main" xmlns:r="http://schemas.openxmlformats.org/officeDocument/2006/relationships" xmlns:p="http://schemas.openxmlformats.org/presentationml/2006/main">
   <p:cSld>
     <p:spTree>
       <p:nvGrpSpPr>
-        <p:cNvPr id="1" name=""/>
+        <p:cNvPr id="1" name="Shape 215"/>
         <p:cNvGrpSpPr/>
         <p:nvPr/>
       </p:nvGrpSpPr>
@@ -16346,421 +19713,12 @@
       </p:grpSpPr>
       <p:sp>
         <p:nvSpPr>
-          <p:cNvPr id="2" name="Title 1">
-            <a:extLst>
-              <a:ext uri="{FF2B5EF4-FFF2-40B4-BE49-F238E27FC236}">
-                <a16:creationId xmlns:a16="http://schemas.microsoft.com/office/drawing/2014/main" id="{FF20F271-6F0D-4AC0-BB1D-F5C338165C13}"/>
-              </a:ext>
-            </a:extLst>
-          </p:cNvPr>
-          <p:cNvSpPr>
+          <p:cNvPr id="216" name="Google Shape;216;p8"/>
+          <p:cNvSpPr txBox="1">
             <a:spLocks noGrp="1"/>
           </p:cNvSpPr>
           <p:nvPr>
-            <p:ph type="title"/>
-          </p:nvPr>
-        </p:nvSpPr>
-        <p:spPr/>
-        <p:txBody>
-          <a:bodyPr>
-            <a:normAutofit/>
-          </a:bodyPr>
-          <a:lstStyle/>
-          <a:p>
-            <a:r>
-              <a:rPr lang="en-US" sz="2800" b="1" dirty="0"/>
-              <a:t>An Architecture for a Network Anomaly Detection Framework</a:t>
-            </a:r>
-            <a:br>
-              <a:rPr lang="en-GB" sz="3600" dirty="0"/>
-            </a:br>
-            <a:r>
-              <a:rPr lang="en-GB" sz="2700" dirty="0">
-                <a:solidFill>
-                  <a:schemeClr val="bg2">
-                    <a:lumMod val="75000"/>
-                  </a:schemeClr>
-                </a:solidFill>
-              </a:rPr>
-              <a:t>Status, Summary and </a:t>
-            </a:r>
-            <a:r>
-              <a:rPr lang="en-US" sz="2700" dirty="0">
-                <a:solidFill>
-                  <a:schemeClr val="bg2">
-                    <a:lumMod val="75000"/>
-                  </a:schemeClr>
-                </a:solidFill>
-              </a:rPr>
-              <a:t>Next steps</a:t>
-            </a:r>
-          </a:p>
-        </p:txBody>
-      </p:sp>
-      <p:sp>
-        <p:nvSpPr>
-          <p:cNvPr id="3" name="Content Placeholder 2">
-            <a:extLst>
-              <a:ext uri="{FF2B5EF4-FFF2-40B4-BE49-F238E27FC236}">
-                <a16:creationId xmlns:a16="http://schemas.microsoft.com/office/drawing/2014/main" id="{29C0DFD4-432D-4B0C-93DF-790441DCF5B9}"/>
-              </a:ext>
-            </a:extLst>
-          </p:cNvPr>
-          <p:cNvSpPr>
-            <a:spLocks noGrp="1"/>
-          </p:cNvSpPr>
-          <p:nvPr>
-            <p:ph idx="1"/>
-          </p:nvPr>
-        </p:nvSpPr>
-        <p:spPr>
-          <a:xfrm>
-            <a:off x="838199" y="1564850"/>
-            <a:ext cx="8560325" cy="4612114"/>
-          </a:xfrm>
-        </p:spPr>
-        <p:txBody>
-          <a:bodyPr>
-            <a:noAutofit/>
-          </a:bodyPr>
-          <a:lstStyle/>
-          <a:p>
-            <a:pPr marL="0" indent="0">
-              <a:buNone/>
-            </a:pPr>
-            <a:r>
-              <a:rPr lang="en-US" sz="1700" b="1" dirty="0"/>
-              <a:t>Status of draft-netana-nmop-network-anomaly-architecture-00</a:t>
-            </a:r>
-          </a:p>
-          <a:p>
-            <a:pPr>
-              <a:spcBef>
-                <a:spcPts val="300"/>
-              </a:spcBef>
-            </a:pPr>
-            <a:r>
-              <a:rPr lang="en-US" sz="1700" dirty="0"/>
-              <a:t>Initial document published. Requesting feedback from the working group. </a:t>
-            </a:r>
-          </a:p>
-          <a:p>
-            <a:pPr marL="0" indent="0">
-              <a:buNone/>
-            </a:pPr>
-            <a:r>
-              <a:rPr lang="en-US" sz="1700" b="1" dirty="0"/>
-              <a:t>Status of draft-netana-nmop-network-anomaly-semantics-02 and draft-netana-nmop-network-anomaly-lifecycle-03</a:t>
-            </a:r>
-          </a:p>
-          <a:p>
-            <a:pPr marR="0">
-              <a:spcBef>
-                <a:spcPts val="300"/>
-              </a:spcBef>
-              <a:spcAft>
-                <a:spcPts val="0"/>
-              </a:spcAft>
-            </a:pPr>
-            <a:r>
-              <a:rPr lang="en-US" sz="1700" dirty="0"/>
-              <a:t>Referred to </a:t>
-            </a:r>
-            <a:r>
-              <a:rPr lang="en-US" sz="1700" dirty="0">
-                <a:hlinkClick r:id="rId2"/>
-              </a:rPr>
-              <a:t>draft-</a:t>
-            </a:r>
-            <a:r>
-              <a:rPr lang="en-US" sz="1700" dirty="0" err="1">
-                <a:hlinkClick r:id="rId2"/>
-              </a:rPr>
-              <a:t>netana</a:t>
-            </a:r>
-            <a:r>
-              <a:rPr lang="en-US" sz="1700" dirty="0">
-                <a:hlinkClick r:id="rId2"/>
-              </a:rPr>
-              <a:t>-</a:t>
-            </a:r>
-            <a:r>
-              <a:rPr lang="en-US" sz="1700" dirty="0" err="1">
-                <a:hlinkClick r:id="rId2"/>
-              </a:rPr>
-              <a:t>nmop</a:t>
-            </a:r>
-            <a:r>
-              <a:rPr lang="en-US" sz="1700" dirty="0">
-                <a:hlinkClick r:id="rId2"/>
-              </a:rPr>
-              <a:t>-network-anomaly-architecture</a:t>
-            </a:r>
-            <a:r>
-              <a:rPr lang="en-US" sz="1700" dirty="0"/>
-              <a:t> as the main document for the architecture</a:t>
-            </a:r>
-          </a:p>
-          <a:p>
-            <a:pPr marR="0">
-              <a:spcBef>
-                <a:spcPts val="300"/>
-              </a:spcBef>
-              <a:spcAft>
-                <a:spcPts val="0"/>
-              </a:spcAft>
-            </a:pPr>
-            <a:r>
-              <a:rPr lang="en-US" sz="1700" dirty="0"/>
-              <a:t>Change the term source to annotator and updated the YANG modules accordingly</a:t>
-            </a:r>
-          </a:p>
-          <a:p>
-            <a:pPr marR="0">
-              <a:spcBef>
-                <a:spcPts val="300"/>
-              </a:spcBef>
-              <a:spcAft>
-                <a:spcPts val="0"/>
-              </a:spcAft>
-            </a:pPr>
-            <a:r>
-              <a:rPr lang="en-US" sz="1700" dirty="0"/>
-              <a:t>Added/updated terminology section with references to </a:t>
-            </a:r>
-            <a:r>
-              <a:rPr lang="en-US" sz="1700" dirty="0">
-                <a:hlinkClick r:id="rId3"/>
-              </a:rPr>
-              <a:t>draft-</a:t>
-            </a:r>
-            <a:r>
-              <a:rPr lang="en-US" sz="1700" dirty="0" err="1">
-                <a:hlinkClick r:id="rId3"/>
-              </a:rPr>
-              <a:t>ietf</a:t>
-            </a:r>
-            <a:r>
-              <a:rPr lang="en-US" sz="1700" dirty="0">
-                <a:hlinkClick r:id="rId3"/>
-              </a:rPr>
-              <a:t>-</a:t>
-            </a:r>
-            <a:r>
-              <a:rPr lang="en-US" sz="1700" dirty="0" err="1">
-                <a:hlinkClick r:id="rId3"/>
-              </a:rPr>
-              <a:t>nmop</a:t>
-            </a:r>
-            <a:r>
-              <a:rPr lang="en-US" sz="1700" dirty="0">
-                <a:hlinkClick r:id="rId3"/>
-              </a:rPr>
-              <a:t>-terminology</a:t>
-            </a:r>
-            <a:r>
-              <a:rPr lang="en-US" sz="1700" dirty="0"/>
-              <a:t> and </a:t>
-            </a:r>
-            <a:r>
-              <a:rPr lang="en-US" sz="1700" dirty="0">
-                <a:hlinkClick r:id="rId2"/>
-              </a:rPr>
-              <a:t>draft-</a:t>
-            </a:r>
-            <a:r>
-              <a:rPr lang="en-US" sz="1700" dirty="0" err="1">
-                <a:hlinkClick r:id="rId2"/>
-              </a:rPr>
-              <a:t>netana</a:t>
-            </a:r>
-            <a:r>
-              <a:rPr lang="en-US" sz="1700" dirty="0">
-                <a:hlinkClick r:id="rId2"/>
-              </a:rPr>
-              <a:t>-</a:t>
-            </a:r>
-            <a:r>
-              <a:rPr lang="en-US" sz="1700" dirty="0" err="1">
-                <a:hlinkClick r:id="rId2"/>
-              </a:rPr>
-              <a:t>nmop</a:t>
-            </a:r>
-            <a:r>
-              <a:rPr lang="en-US" sz="1700" dirty="0">
-                <a:hlinkClick r:id="rId2"/>
-              </a:rPr>
-              <a:t>-network-anomaly-architecture</a:t>
-            </a:r>
-            <a:endParaRPr lang="en-US" sz="1700" dirty="0"/>
-          </a:p>
-          <a:p>
-            <a:pPr marR="0">
-              <a:spcBef>
-                <a:spcPts val="300"/>
-              </a:spcBef>
-              <a:spcAft>
-                <a:spcPts val="0"/>
-              </a:spcAft>
-            </a:pPr>
-            <a:r>
-              <a:rPr lang="en-US" sz="1700" dirty="0"/>
-              <a:t>Moved data mesh and outlier detection section to </a:t>
-            </a:r>
-            <a:r>
-              <a:rPr lang="en-US" sz="1700" dirty="0">
-                <a:hlinkClick r:id="rId2"/>
-              </a:rPr>
-              <a:t>draft-</a:t>
-            </a:r>
-            <a:r>
-              <a:rPr lang="en-US" sz="1700" dirty="0" err="1">
-                <a:hlinkClick r:id="rId2"/>
-              </a:rPr>
-              <a:t>netana</a:t>
-            </a:r>
-            <a:r>
-              <a:rPr lang="en-US" sz="1700" dirty="0">
-                <a:hlinkClick r:id="rId2"/>
-              </a:rPr>
-              <a:t>-</a:t>
-            </a:r>
-            <a:r>
-              <a:rPr lang="en-US" sz="1700" dirty="0" err="1">
-                <a:hlinkClick r:id="rId2"/>
-              </a:rPr>
-              <a:t>nmop</a:t>
-            </a:r>
-            <a:r>
-              <a:rPr lang="en-US" sz="1700" dirty="0">
-                <a:hlinkClick r:id="rId2"/>
-              </a:rPr>
-              <a:t>-network-anomaly-architecture</a:t>
-            </a:r>
-            <a:endParaRPr lang="en-US" sz="1700" dirty="0"/>
-          </a:p>
-          <a:p>
-            <a:pPr marL="0" indent="0">
-              <a:buNone/>
-            </a:pPr>
-            <a:r>
-              <a:rPr lang="en-US" sz="1700" b="1" dirty="0"/>
-              <a:t>Next Steps</a:t>
-            </a:r>
-          </a:p>
-          <a:p>
-            <a:pPr>
-              <a:spcBef>
-                <a:spcPts val="300"/>
-              </a:spcBef>
-              <a:buFont typeface="Wingdings" panose="05000000000000000000" pitchFamily="2" charset="2"/>
-              <a:buChar char="Ø"/>
-            </a:pPr>
-            <a:r>
-              <a:rPr lang="en-US" sz="1700" b="1" dirty="0">
-                <a:solidFill>
-                  <a:srgbClr val="FF0000"/>
-                </a:solidFill>
-              </a:rPr>
-              <a:t>Request adoption for all 3 documents starting with </a:t>
-            </a:r>
-            <a:r>
-              <a:rPr lang="en-US" sz="1700" b="1" dirty="0">
-                <a:solidFill>
-                  <a:srgbClr val="FF0000"/>
-                </a:solidFill>
-                <a:hlinkClick r:id="rId4"/>
-              </a:rPr>
-              <a:t>draft-netana-nmop-network-anomaly-architecture-00</a:t>
-            </a:r>
-            <a:r>
-              <a:rPr lang="en-US" sz="1700" b="1" dirty="0">
-                <a:solidFill>
-                  <a:srgbClr val="FF0000"/>
-                </a:solidFill>
-              </a:rPr>
-              <a:t>.</a:t>
-            </a:r>
-          </a:p>
-          <a:p>
-            <a:pPr>
-              <a:spcBef>
-                <a:spcPts val="300"/>
-              </a:spcBef>
-              <a:buFont typeface="Wingdings" panose="05000000000000000000" pitchFamily="2" charset="2"/>
-              <a:buChar char="Ø"/>
-            </a:pPr>
-            <a:r>
-              <a:rPr lang="en-US" sz="1700" b="1" dirty="0">
-                <a:solidFill>
-                  <a:srgbClr val="FF0000"/>
-                </a:solidFill>
-              </a:rPr>
-              <a:t>In-depth coverage at NMOP interim meeting on September 11</a:t>
-            </a:r>
-            <a:r>
-              <a:rPr lang="en-US" sz="1700" b="1" baseline="30000" dirty="0">
-                <a:solidFill>
-                  <a:srgbClr val="FF0000"/>
-                </a:solidFill>
-              </a:rPr>
-              <a:t>th</a:t>
-            </a:r>
-            <a:r>
-              <a:rPr lang="en-US" sz="1700" b="1" dirty="0">
-                <a:solidFill>
-                  <a:srgbClr val="FF0000"/>
-                </a:solidFill>
-              </a:rPr>
-              <a:t>.</a:t>
-            </a:r>
-          </a:p>
-        </p:txBody>
-      </p:sp>
-      <p:pic>
-        <p:nvPicPr>
-          <p:cNvPr id="6" name="Picture 5">
-            <a:extLst>
-              <a:ext uri="{FF2B5EF4-FFF2-40B4-BE49-F238E27FC236}">
-                <a16:creationId xmlns:a16="http://schemas.microsoft.com/office/drawing/2014/main" id="{D4F5E154-1C25-441B-90CF-A1443F6D1EF8}"/>
-              </a:ext>
-            </a:extLst>
-          </p:cNvPr>
-          <p:cNvPicPr>
-            <a:picLocks noChangeAspect="1"/>
-          </p:cNvPicPr>
-          <p:nvPr/>
-        </p:nvPicPr>
-        <p:blipFill>
-          <a:blip r:embed="rId5"/>
-          <a:stretch>
-            <a:fillRect/>
-          </a:stretch>
-        </p:blipFill>
-        <p:spPr>
-          <a:xfrm>
-            <a:off x="9713236" y="1230284"/>
-            <a:ext cx="2220143" cy="4019821"/>
-          </a:xfrm>
-          <a:prstGeom prst="rect">
-            <a:avLst/>
-          </a:prstGeom>
-        </p:spPr>
-      </p:pic>
-      <p:sp>
-        <p:nvSpPr>
-          <p:cNvPr id="8" name="Slide Number Placeholder 1">
-            <a:extLst>
-              <a:ext uri="{FF2B5EF4-FFF2-40B4-BE49-F238E27FC236}">
-                <a16:creationId xmlns:a16="http://schemas.microsoft.com/office/drawing/2014/main" id="{F03D7BF8-F90A-4F8C-8FCE-B1DB1DEC687A}"/>
-              </a:ext>
-            </a:extLst>
-          </p:cNvPr>
-          <p:cNvSpPr>
-            <a:spLocks noGrp="1"/>
-          </p:cNvSpPr>
-          <p:nvPr>
-            <p:ph type="sldNum" sz="quarter" idx="12"/>
+            <p:ph type="sldNum" idx="12"/>
           </p:nvPr>
         </p:nvSpPr>
         <p:spPr>
@@ -16768,25 +19726,1604 @@
             <a:off x="11587892" y="6361637"/>
             <a:ext cx="414251" cy="365125"/>
           </a:xfrm>
+          <a:prstGeom prst="rect">
+            <a:avLst/>
+          </a:prstGeom>
+          <a:noFill/>
+          <a:ln>
+            <a:noFill/>
+          </a:ln>
         </p:spPr>
         <p:txBody>
-          <a:bodyPr/>
+          <a:bodyPr spcFirstLastPara="1" wrap="square" lIns="91425" tIns="45700" rIns="91425" bIns="45700" anchor="ctr" anchorCtr="0">
+            <a:noAutofit/>
+          </a:bodyPr>
           <a:lstStyle/>
           <a:p>
-            <a:fld id="{FC4AC485-25DE-431E-B345-9C0A15BB7F8A}" type="slidenum">
-              <a:rPr lang="de-CH" sz="1400" smtClean="0"/>
-              <a:t>9</a:t>
+            <a:pPr marL="0" lvl="0" indent="0" algn="r" rtl="0">
+              <a:spcBef>
+                <a:spcPts val="0"/>
+              </a:spcBef>
+              <a:spcAft>
+                <a:spcPts val="0"/>
+              </a:spcAft>
+              <a:buNone/>
+            </a:pPr>
+            <a:fld id="{00000000-1234-1234-1234-123412341234}" type="slidenum">
+              <a:rPr lang="en-US" sz="1400"/>
+              <a:t>8</a:t>
             </a:fld>
-            <a:endParaRPr lang="de-CH" sz="1400" dirty="0"/>
+            <a:endParaRPr sz="1400"/>
+          </a:p>
+        </p:txBody>
+      </p:sp>
+      <p:sp>
+        <p:nvSpPr>
+          <p:cNvPr id="217" name="Google Shape;217;p8"/>
+          <p:cNvSpPr txBox="1">
+            <a:spLocks noGrp="1"/>
+          </p:cNvSpPr>
+          <p:nvPr>
+            <p:ph type="title"/>
+          </p:nvPr>
+        </p:nvSpPr>
+        <p:spPr>
+          <a:xfrm>
+            <a:off x="838200" y="365125"/>
+            <a:ext cx="10515600" cy="1325563"/>
+          </a:xfrm>
+          <a:prstGeom prst="rect">
+            <a:avLst/>
+          </a:prstGeom>
+          <a:noFill/>
+          <a:ln>
+            <a:noFill/>
+          </a:ln>
+        </p:spPr>
+        <p:txBody>
+          <a:bodyPr spcFirstLastPara="1" wrap="square" lIns="91425" tIns="45700" rIns="91425" bIns="45700" anchor="ctr" anchorCtr="0">
+            <a:normAutofit/>
+          </a:bodyPr>
+          <a:lstStyle/>
+          <a:p>
+            <a:pPr marL="0" lvl="0" indent="0" algn="l" rtl="0">
+              <a:lnSpc>
+                <a:spcPct val="90000"/>
+              </a:lnSpc>
+              <a:spcBef>
+                <a:spcPts val="0"/>
+              </a:spcBef>
+              <a:spcAft>
+                <a:spcPts val="0"/>
+              </a:spcAft>
+              <a:buClr>
+                <a:schemeClr val="dk1"/>
+              </a:buClr>
+              <a:buSzPts val="2800"/>
+              <a:buFont typeface="Calibri"/>
+              <a:buNone/>
+            </a:pPr>
+            <a:r>
+              <a:rPr lang="en-US" sz="2800" b="1" dirty="0">
+                <a:solidFill>
+                  <a:srgbClr val="FF0000"/>
+                </a:solidFill>
+              </a:rPr>
+              <a:t>Experiment: </a:t>
+            </a:r>
+            <a:r>
+              <a:rPr lang="en-US" sz="2800" b="1" dirty="0"/>
+              <a:t>Network Anomaly Lifecycle</a:t>
+            </a:r>
+            <a:br>
+              <a:rPr lang="en-US" sz="3600" dirty="0"/>
+            </a:br>
+            <a:r>
+              <a:rPr lang="en-US" sz="2700" dirty="0">
+                <a:solidFill>
+                  <a:srgbClr val="AEABAB"/>
+                </a:solidFill>
+              </a:rPr>
+              <a:t>draft-</a:t>
+            </a:r>
+            <a:r>
+              <a:rPr lang="en-US" sz="2700" dirty="0" err="1">
+                <a:solidFill>
+                  <a:srgbClr val="AEABAB"/>
+                </a:solidFill>
+              </a:rPr>
+              <a:t>netana</a:t>
+            </a:r>
+            <a:r>
+              <a:rPr lang="en-US" sz="2700" dirty="0">
+                <a:solidFill>
+                  <a:srgbClr val="AEABAB"/>
+                </a:solidFill>
+              </a:rPr>
+              <a:t>-</a:t>
+            </a:r>
+            <a:r>
+              <a:rPr lang="en-US" sz="2700" dirty="0" err="1">
+                <a:solidFill>
+                  <a:srgbClr val="AEABAB"/>
+                </a:solidFill>
+              </a:rPr>
+              <a:t>nmop</a:t>
+            </a:r>
+            <a:r>
+              <a:rPr lang="en-US" sz="2700" dirty="0">
+                <a:solidFill>
+                  <a:srgbClr val="AEABAB"/>
+                </a:solidFill>
+              </a:rPr>
+              <a:t>-network-anomaly-lifecycle</a:t>
+            </a:r>
+            <a:endParaRPr dirty="0"/>
+          </a:p>
+        </p:txBody>
+      </p:sp>
+      <p:pic>
+        <p:nvPicPr>
+          <p:cNvPr id="218" name="Google Shape;218;p8"/>
+          <p:cNvPicPr preferRelativeResize="0"/>
+          <p:nvPr/>
+        </p:nvPicPr>
+        <p:blipFill rotWithShape="1">
+          <a:blip r:embed="rId3">
+            <a:alphaModFix/>
+          </a:blip>
+          <a:srcRect/>
+          <a:stretch/>
+        </p:blipFill>
+        <p:spPr>
+          <a:xfrm>
+            <a:off x="444500" y="2556329"/>
+            <a:ext cx="6958285" cy="3976164"/>
+          </a:xfrm>
+          <a:prstGeom prst="rect">
+            <a:avLst/>
+          </a:prstGeom>
+          <a:noFill/>
+          <a:ln>
+            <a:noFill/>
+          </a:ln>
+        </p:spPr>
+      </p:pic>
+      <p:sp>
+        <p:nvSpPr>
+          <p:cNvPr id="219" name="Google Shape;219;p8"/>
+          <p:cNvSpPr/>
+          <p:nvPr/>
+        </p:nvSpPr>
+        <p:spPr>
+          <a:xfrm>
+            <a:off x="5717600" y="3813261"/>
+            <a:ext cx="1479900" cy="509100"/>
+          </a:xfrm>
+          <a:prstGeom prst="ellipse">
+            <a:avLst/>
+          </a:prstGeom>
+          <a:solidFill>
+            <a:srgbClr val="FF0000">
+              <a:alpha val="9803"/>
+            </a:srgbClr>
+          </a:solidFill>
+          <a:ln w="12700" cap="flat" cmpd="sng">
+            <a:solidFill>
+              <a:srgbClr val="FF0000"/>
+            </a:solidFill>
+            <a:prstDash val="solid"/>
+            <a:miter lim="800000"/>
+            <a:headEnd type="none" w="sm" len="sm"/>
+            <a:tailEnd type="none" w="sm" len="sm"/>
+          </a:ln>
+        </p:spPr>
+        <p:txBody>
+          <a:bodyPr spcFirstLastPara="1" wrap="square" lIns="91425" tIns="45700" rIns="91425" bIns="45700" anchor="ctr" anchorCtr="0">
+            <a:noAutofit/>
+          </a:bodyPr>
+          <a:lstStyle/>
+          <a:p>
+            <a:pPr marL="0" marR="0" lvl="0" indent="0" algn="ctr" rtl="0">
+              <a:spcBef>
+                <a:spcPts val="0"/>
+              </a:spcBef>
+              <a:spcAft>
+                <a:spcPts val="0"/>
+              </a:spcAft>
+              <a:buNone/>
+            </a:pPr>
+            <a:endParaRPr sz="1800" b="0" i="0" u="none" strike="noStrike" cap="none">
+              <a:solidFill>
+                <a:schemeClr val="lt1"/>
+              </a:solidFill>
+              <a:latin typeface="Calibri"/>
+              <a:ea typeface="Calibri"/>
+              <a:cs typeface="Calibri"/>
+              <a:sym typeface="Calibri"/>
+            </a:endParaRPr>
+          </a:p>
+        </p:txBody>
+      </p:sp>
+      <p:sp>
+        <p:nvSpPr>
+          <p:cNvPr id="220" name="Google Shape;220;p8"/>
+          <p:cNvSpPr txBox="1"/>
+          <p:nvPr/>
+        </p:nvSpPr>
+        <p:spPr>
+          <a:xfrm>
+            <a:off x="7556501" y="609600"/>
+            <a:ext cx="4191000" cy="4415201"/>
+          </a:xfrm>
+          <a:prstGeom prst="rect">
+            <a:avLst/>
+          </a:prstGeom>
+          <a:noFill/>
+          <a:ln>
+            <a:noFill/>
+          </a:ln>
+        </p:spPr>
+        <p:txBody>
+          <a:bodyPr spcFirstLastPara="1" wrap="square" lIns="0" tIns="0" rIns="0" bIns="0" anchor="t" anchorCtr="0">
+            <a:noAutofit/>
+          </a:bodyPr>
+          <a:lstStyle/>
+          <a:p>
+            <a:pPr marL="0" marR="0" lvl="0" indent="0" algn="l" rtl="0">
+              <a:lnSpc>
+                <a:spcPct val="110000"/>
+              </a:lnSpc>
+              <a:spcBef>
+                <a:spcPts val="0"/>
+              </a:spcBef>
+              <a:spcAft>
+                <a:spcPts val="0"/>
+              </a:spcAft>
+              <a:buClr>
+                <a:srgbClr val="FF0000"/>
+              </a:buClr>
+              <a:buSzPts val="2000"/>
+              <a:buFont typeface="Arial"/>
+              <a:buNone/>
+            </a:pPr>
+            <a:r>
+              <a:rPr lang="en-US" sz="2000" b="1" i="0" u="none" strike="noStrike" cap="none" dirty="0">
+                <a:solidFill>
+                  <a:srgbClr val="FF0000"/>
+                </a:solidFill>
+                <a:ea typeface="Calibri"/>
+                <a:cs typeface="Calibri"/>
+                <a:sym typeface="Calibri"/>
+              </a:rPr>
+              <a:t>Detection:  </a:t>
+            </a:r>
+            <a:r>
+              <a:rPr lang="en-US" sz="2000" b="0" i="0" u="none" strike="noStrike" cap="none" dirty="0">
+                <a:solidFill>
+                  <a:schemeClr val="dk1"/>
+                </a:solidFill>
+                <a:ea typeface="Calibri"/>
+                <a:cs typeface="Calibri"/>
+                <a:sym typeface="Calibri"/>
+              </a:rPr>
+              <a:t>The Network Anomaly Detection stage is about the continuous monitoring of the network through Network Telemetry [RFC9232] and the identification of symptoms.</a:t>
+            </a:r>
+            <a:endParaRPr dirty="0"/>
+          </a:p>
+          <a:p>
+            <a:pPr marL="0" marR="0" lvl="0" indent="0" algn="l" rtl="0">
+              <a:lnSpc>
+                <a:spcPct val="110000"/>
+              </a:lnSpc>
+              <a:spcBef>
+                <a:spcPts val="1200"/>
+              </a:spcBef>
+              <a:spcAft>
+                <a:spcPts val="0"/>
+              </a:spcAft>
+              <a:buClr>
+                <a:srgbClr val="FF0000"/>
+              </a:buClr>
+              <a:buSzPts val="2000"/>
+              <a:buFont typeface="Arial"/>
+              <a:buNone/>
+            </a:pPr>
+            <a:r>
+              <a:rPr lang="en-US" sz="2000" b="1" i="0" u="none" strike="noStrike" cap="none" dirty="0">
+                <a:solidFill>
+                  <a:srgbClr val="FF0000"/>
+                </a:solidFill>
+                <a:ea typeface="Calibri"/>
+                <a:cs typeface="Calibri"/>
+                <a:sym typeface="Calibri"/>
+              </a:rPr>
+              <a:t>Validation:  </a:t>
+            </a:r>
+            <a:r>
+              <a:rPr lang="en-US" sz="2000" b="0" i="0" u="none" strike="noStrike" cap="none" dirty="0">
+                <a:solidFill>
+                  <a:schemeClr val="dk1"/>
+                </a:solidFill>
+                <a:ea typeface="Calibri"/>
+                <a:cs typeface="Calibri"/>
+                <a:sym typeface="Calibri"/>
+              </a:rPr>
+              <a:t>Decides if the detected symptoms are signaling a real incident or if they are to be treated as false positives.</a:t>
+            </a:r>
+            <a:endParaRPr dirty="0"/>
+          </a:p>
+          <a:p>
+            <a:pPr marL="0" marR="0" lvl="0" indent="0" algn="l" rtl="0">
+              <a:lnSpc>
+                <a:spcPct val="110000"/>
+              </a:lnSpc>
+              <a:spcBef>
+                <a:spcPts val="1200"/>
+              </a:spcBef>
+              <a:spcAft>
+                <a:spcPts val="0"/>
+              </a:spcAft>
+              <a:buClr>
+                <a:srgbClr val="FF0000"/>
+              </a:buClr>
+              <a:buSzPts val="2000"/>
+              <a:buFont typeface="Arial"/>
+              <a:buNone/>
+            </a:pPr>
+            <a:r>
+              <a:rPr lang="en-US" sz="2000" b="1" i="0" u="none" strike="noStrike" cap="none" dirty="0">
+                <a:solidFill>
+                  <a:srgbClr val="FF0000"/>
+                </a:solidFill>
+                <a:ea typeface="Calibri"/>
+                <a:cs typeface="Calibri"/>
+                <a:sym typeface="Calibri"/>
+              </a:rPr>
+              <a:t>Refinement:  </a:t>
+            </a:r>
+            <a:r>
+              <a:rPr lang="en-US" sz="2000" b="0" i="0" u="none" strike="noStrike" cap="none" dirty="0">
+                <a:solidFill>
+                  <a:schemeClr val="dk1"/>
+                </a:solidFill>
+                <a:ea typeface="Calibri"/>
+                <a:cs typeface="Calibri"/>
+                <a:sym typeface="Calibri"/>
+              </a:rPr>
+              <a:t>Network operator performs detailed postmortem analysis of the network incident, collected Network Telemetry data and detected anomaly with the objective to identify useful adjustments in the Network Telemetry data collection and Anomaly Detection system.</a:t>
+            </a:r>
+            <a:endParaRPr dirty="0"/>
+          </a:p>
+        </p:txBody>
+      </p:sp>
+      <p:sp>
+        <p:nvSpPr>
+          <p:cNvPr id="221" name="Google Shape;221;p8"/>
+          <p:cNvSpPr txBox="1"/>
+          <p:nvPr/>
+        </p:nvSpPr>
+        <p:spPr>
+          <a:xfrm>
+            <a:off x="1106650" y="1568050"/>
+            <a:ext cx="5424000" cy="800400"/>
+          </a:xfrm>
+          <a:prstGeom prst="rect">
+            <a:avLst/>
+          </a:prstGeom>
+          <a:solidFill>
+            <a:schemeClr val="lt2"/>
+          </a:solidFill>
+          <a:ln>
+            <a:noFill/>
+          </a:ln>
+        </p:spPr>
+        <p:txBody>
+          <a:bodyPr spcFirstLastPara="1" wrap="square" lIns="91425" tIns="91425" rIns="91425" bIns="91425" anchor="t" anchorCtr="0">
+            <a:spAutoFit/>
+          </a:bodyPr>
+          <a:lstStyle/>
+          <a:p>
+            <a:pPr marL="0" lvl="0" indent="0" algn="ctr" rtl="0">
+              <a:spcBef>
+                <a:spcPts val="0"/>
+              </a:spcBef>
+              <a:spcAft>
+                <a:spcPts val="0"/>
+              </a:spcAft>
+              <a:buNone/>
+            </a:pPr>
+            <a:r>
+              <a:rPr lang="en-US" sz="2000" b="1" dirty="0"/>
+              <a:t>«</a:t>
+            </a:r>
+            <a:r>
+              <a:rPr lang="en-US" sz="2000" b="1" dirty="0">
+                <a:solidFill>
+                  <a:schemeClr val="dk1"/>
+                </a:solidFill>
+                <a:ea typeface="Calibri"/>
+                <a:cs typeface="Calibri"/>
+                <a:sym typeface="Calibri"/>
+              </a:rPr>
+              <a:t> Network Anomaly Detection is an iterative process that requires continuous improvement </a:t>
+            </a:r>
+            <a:r>
+              <a:rPr lang="de-CH" sz="2000" b="1" dirty="0"/>
+              <a:t>»</a:t>
+            </a:r>
+            <a:endParaRPr sz="2000" b="1" dirty="0">
+              <a:solidFill>
+                <a:schemeClr val="dk1"/>
+              </a:solidFill>
+              <a:ea typeface="Calibri"/>
+              <a:cs typeface="Calibri"/>
+              <a:sym typeface="Calibri"/>
+            </a:endParaRPr>
           </a:p>
         </p:txBody>
       </p:sp>
     </p:spTree>
-    <p:extLst>
-      <p:ext uri="{BB962C8B-B14F-4D97-AF65-F5344CB8AC3E}">
-        <p14:creationId xmlns:p14="http://schemas.microsoft.com/office/powerpoint/2010/main" val="2617504443"/>
-      </p:ext>
-    </p:extLst>
+  </p:cSld>
+  <p:clrMapOvr>
+    <a:masterClrMapping/>
+  </p:clrMapOvr>
+</p:sld>
+</file>
+
+<file path=ppt/slides/slide9.xml><?xml version="1.0" encoding="utf-8"?>
+<p:sld xmlns:a="http://schemas.openxmlformats.org/drawingml/2006/main" xmlns:r="http://schemas.openxmlformats.org/officeDocument/2006/relationships" xmlns:p="http://schemas.openxmlformats.org/presentationml/2006/main">
+  <p:cSld>
+    <p:spTree>
+      <p:nvGrpSpPr>
+        <p:cNvPr id="1" name="Shape 225"/>
+        <p:cNvGrpSpPr/>
+        <p:nvPr/>
+      </p:nvGrpSpPr>
+      <p:grpSpPr>
+        <a:xfrm>
+          <a:off x="0" y="0"/>
+          <a:ext cx="0" cy="0"/>
+          <a:chOff x="0" y="0"/>
+          <a:chExt cx="0" cy="0"/>
+        </a:xfrm>
+      </p:grpSpPr>
+      <p:sp>
+        <p:nvSpPr>
+          <p:cNvPr id="226" name="Google Shape;226;p9"/>
+          <p:cNvSpPr txBox="1"/>
+          <p:nvPr/>
+        </p:nvSpPr>
+        <p:spPr>
+          <a:xfrm>
+            <a:off x="838198" y="1484344"/>
+            <a:ext cx="4373880" cy="2329677"/>
+          </a:xfrm>
+          <a:prstGeom prst="rect">
+            <a:avLst/>
+          </a:prstGeom>
+          <a:noFill/>
+          <a:ln>
+            <a:noFill/>
+          </a:ln>
+        </p:spPr>
+        <p:txBody>
+          <a:bodyPr spcFirstLastPara="1" wrap="square" lIns="91425" tIns="45700" rIns="91425" bIns="45700" anchor="t" anchorCtr="0">
+            <a:spAutoFit/>
+          </a:bodyPr>
+          <a:lstStyle/>
+          <a:p>
+            <a:pPr marL="0" marR="0" lvl="0" indent="0" algn="l" rtl="0">
+              <a:lnSpc>
+                <a:spcPct val="107000"/>
+              </a:lnSpc>
+              <a:spcBef>
+                <a:spcPts val="0"/>
+              </a:spcBef>
+              <a:spcAft>
+                <a:spcPts val="0"/>
+              </a:spcAft>
+              <a:buNone/>
+            </a:pPr>
+            <a:r>
+              <a:rPr lang="en-US" sz="850" b="0" i="0" u="none" strike="noStrike" cap="none">
+                <a:solidFill>
+                  <a:schemeClr val="dk1"/>
+                </a:solidFill>
+                <a:latin typeface="Courier New"/>
+                <a:ea typeface="Courier New"/>
+                <a:cs typeface="Courier New"/>
+                <a:sym typeface="Courier New"/>
+              </a:rPr>
+              <a:t>module: ietf-network-anomaly-metadata</a:t>
+            </a:r>
+            <a:endParaRPr/>
+          </a:p>
+          <a:p>
+            <a:pPr marL="0" marR="0" lvl="0" indent="0" algn="l" rtl="0">
+              <a:lnSpc>
+                <a:spcPct val="107000"/>
+              </a:lnSpc>
+              <a:spcBef>
+                <a:spcPts val="0"/>
+              </a:spcBef>
+              <a:spcAft>
+                <a:spcPts val="0"/>
+              </a:spcAft>
+              <a:buNone/>
+            </a:pPr>
+            <a:r>
+              <a:rPr lang="en-US" sz="850" b="0" i="0" u="none" strike="noStrike" cap="none">
+                <a:solidFill>
+                  <a:schemeClr val="dk1"/>
+                </a:solidFill>
+                <a:latin typeface="Courier New"/>
+                <a:ea typeface="Courier New"/>
+                <a:cs typeface="Courier New"/>
+                <a:sym typeface="Courier New"/>
+              </a:rPr>
+              <a:t>  +--rw network-anomalies</a:t>
+            </a:r>
+            <a:endParaRPr/>
+          </a:p>
+          <a:p>
+            <a:pPr marL="0" marR="0" lvl="0" indent="0" algn="l" rtl="0">
+              <a:lnSpc>
+                <a:spcPct val="107000"/>
+              </a:lnSpc>
+              <a:spcBef>
+                <a:spcPts val="0"/>
+              </a:spcBef>
+              <a:spcAft>
+                <a:spcPts val="0"/>
+              </a:spcAft>
+              <a:buNone/>
+            </a:pPr>
+            <a:r>
+              <a:rPr lang="en-US" sz="850" b="0" i="0" u="none" strike="noStrike" cap="none">
+                <a:solidFill>
+                  <a:schemeClr val="dk1"/>
+                </a:solidFill>
+                <a:latin typeface="Courier New"/>
+                <a:ea typeface="Courier New"/>
+                <a:cs typeface="Courier New"/>
+                <a:sym typeface="Courier New"/>
+              </a:rPr>
+              <a:t>    +--rw network-anomaly* [id version]</a:t>
+            </a:r>
+            <a:endParaRPr/>
+          </a:p>
+          <a:p>
+            <a:pPr marL="0" marR="0" lvl="0" indent="0" algn="l" rtl="0">
+              <a:lnSpc>
+                <a:spcPct val="107000"/>
+              </a:lnSpc>
+              <a:spcBef>
+                <a:spcPts val="0"/>
+              </a:spcBef>
+              <a:spcAft>
+                <a:spcPts val="0"/>
+              </a:spcAft>
+              <a:buNone/>
+            </a:pPr>
+            <a:r>
+              <a:rPr lang="en-US" sz="850" b="0" i="0" u="none" strike="noStrike" cap="none">
+                <a:solidFill>
+                  <a:schemeClr val="dk1"/>
+                </a:solidFill>
+                <a:latin typeface="Courier New"/>
+                <a:ea typeface="Courier New"/>
+                <a:cs typeface="Courier New"/>
+                <a:sym typeface="Courier New"/>
+              </a:rPr>
+              <a:t>      +--rw id             yang:uuid</a:t>
+            </a:r>
+            <a:endParaRPr sz="850" b="0" i="0" u="none" strike="noStrike" cap="none">
+              <a:solidFill>
+                <a:schemeClr val="dk1"/>
+              </a:solidFill>
+              <a:latin typeface="Courier New"/>
+              <a:ea typeface="Courier New"/>
+              <a:cs typeface="Courier New"/>
+              <a:sym typeface="Courier New"/>
+            </a:endParaRPr>
+          </a:p>
+          <a:p>
+            <a:pPr marL="0" marR="0" lvl="0" indent="0" algn="l" rtl="0">
+              <a:lnSpc>
+                <a:spcPct val="107000"/>
+              </a:lnSpc>
+              <a:spcBef>
+                <a:spcPts val="0"/>
+              </a:spcBef>
+              <a:spcAft>
+                <a:spcPts val="0"/>
+              </a:spcAft>
+              <a:buNone/>
+            </a:pPr>
+            <a:r>
+              <a:rPr lang="en-US" sz="850" b="0" i="0" u="none" strike="noStrike" cap="none">
+                <a:solidFill>
+                  <a:schemeClr val="dk1"/>
+                </a:solidFill>
+                <a:latin typeface="Courier New"/>
+                <a:ea typeface="Courier New"/>
+                <a:cs typeface="Courier New"/>
+                <a:sym typeface="Courier New"/>
+              </a:rPr>
+              <a:t>      +--rw version        uint32</a:t>
+            </a:r>
+            <a:endParaRPr/>
+          </a:p>
+          <a:p>
+            <a:pPr marL="0" marR="0" lvl="0" indent="0" algn="l" rtl="0">
+              <a:lnSpc>
+                <a:spcPct val="107000"/>
+              </a:lnSpc>
+              <a:spcBef>
+                <a:spcPts val="0"/>
+              </a:spcBef>
+              <a:spcAft>
+                <a:spcPts val="0"/>
+              </a:spcAft>
+              <a:buNone/>
+            </a:pPr>
+            <a:r>
+              <a:rPr lang="en-US" sz="850" b="0" i="0" u="none" strike="noStrike" cap="none">
+                <a:solidFill>
+                  <a:schemeClr val="dk1"/>
+                </a:solidFill>
+                <a:latin typeface="Courier New"/>
+                <a:ea typeface="Courier New"/>
+                <a:cs typeface="Courier New"/>
+                <a:sym typeface="Courier New"/>
+              </a:rPr>
+              <a:t>      +--rw description?   string</a:t>
+            </a:r>
+            <a:endParaRPr/>
+          </a:p>
+          <a:p>
+            <a:pPr marL="0" marR="0" lvl="0" indent="0" algn="l" rtl="0">
+              <a:lnSpc>
+                <a:spcPct val="107000"/>
+              </a:lnSpc>
+              <a:spcBef>
+                <a:spcPts val="0"/>
+              </a:spcBef>
+              <a:spcAft>
+                <a:spcPts val="0"/>
+              </a:spcAft>
+              <a:buNone/>
+            </a:pPr>
+            <a:r>
+              <a:rPr lang="en-US" sz="850" b="0" i="0" u="none" strike="noStrike" cap="none">
+                <a:solidFill>
+                  <a:schemeClr val="dk1"/>
+                </a:solidFill>
+                <a:latin typeface="Courier New"/>
+                <a:ea typeface="Courier New"/>
+                <a:cs typeface="Courier New"/>
+                <a:sym typeface="Courier New"/>
+              </a:rPr>
+              <a:t>      +--rw state          identityref</a:t>
+            </a:r>
+            <a:endParaRPr sz="850" b="0" i="0" u="none" strike="noStrike" cap="none">
+              <a:solidFill>
+                <a:schemeClr val="dk1"/>
+              </a:solidFill>
+              <a:latin typeface="Courier New"/>
+              <a:ea typeface="Courier New"/>
+              <a:cs typeface="Courier New"/>
+              <a:sym typeface="Courier New"/>
+            </a:endParaRPr>
+          </a:p>
+          <a:p>
+            <a:pPr marL="0" marR="0" lvl="0" indent="0" algn="l" rtl="0">
+              <a:lnSpc>
+                <a:spcPct val="107000"/>
+              </a:lnSpc>
+              <a:spcBef>
+                <a:spcPts val="0"/>
+              </a:spcBef>
+              <a:spcAft>
+                <a:spcPts val="0"/>
+              </a:spcAft>
+              <a:buNone/>
+            </a:pPr>
+            <a:r>
+              <a:rPr lang="en-US" sz="850" b="0" i="0" u="none" strike="noStrike" cap="none">
+                <a:solidFill>
+                  <a:schemeClr val="dk1"/>
+                </a:solidFill>
+                <a:latin typeface="Courier New"/>
+                <a:ea typeface="Courier New"/>
+                <a:cs typeface="Courier New"/>
+                <a:sym typeface="Courier New"/>
+              </a:rPr>
+              <a:t>      +--rw annotator</a:t>
+            </a:r>
+            <a:endParaRPr/>
+          </a:p>
+          <a:p>
+            <a:pPr marL="0" marR="0" lvl="0" indent="0" algn="l" rtl="0">
+              <a:lnSpc>
+                <a:spcPct val="107000"/>
+              </a:lnSpc>
+              <a:spcBef>
+                <a:spcPts val="0"/>
+              </a:spcBef>
+              <a:spcAft>
+                <a:spcPts val="0"/>
+              </a:spcAft>
+              <a:buNone/>
+            </a:pPr>
+            <a:r>
+              <a:rPr lang="en-US" sz="850" b="0" i="0" u="none" strike="noStrike" cap="none">
+                <a:solidFill>
+                  <a:schemeClr val="dk1"/>
+                </a:solidFill>
+                <a:latin typeface="Courier New"/>
+                <a:ea typeface="Courier New"/>
+                <a:cs typeface="Courier New"/>
+                <a:sym typeface="Courier New"/>
+              </a:rPr>
+              <a:t>      |  +--rw (annotator-type)</a:t>
+            </a:r>
+            <a:endParaRPr/>
+          </a:p>
+          <a:p>
+            <a:pPr marL="0" marR="0" lvl="0" indent="0" algn="l" rtl="0">
+              <a:lnSpc>
+                <a:spcPct val="107000"/>
+              </a:lnSpc>
+              <a:spcBef>
+                <a:spcPts val="0"/>
+              </a:spcBef>
+              <a:spcAft>
+                <a:spcPts val="0"/>
+              </a:spcAft>
+              <a:buNone/>
+            </a:pPr>
+            <a:r>
+              <a:rPr lang="en-US" sz="850" b="0" i="0" u="none" strike="noStrike" cap="none">
+                <a:solidFill>
+                  <a:schemeClr val="dk1"/>
+                </a:solidFill>
+                <a:latin typeface="Courier New"/>
+                <a:ea typeface="Courier New"/>
+                <a:cs typeface="Courier New"/>
+                <a:sym typeface="Courier New"/>
+              </a:rPr>
+              <a:t>      |  |  +--:(human)</a:t>
+            </a:r>
+            <a:endParaRPr/>
+          </a:p>
+          <a:p>
+            <a:pPr marL="0" marR="0" lvl="0" indent="0" algn="l" rtl="0">
+              <a:lnSpc>
+                <a:spcPct val="107000"/>
+              </a:lnSpc>
+              <a:spcBef>
+                <a:spcPts val="0"/>
+              </a:spcBef>
+              <a:spcAft>
+                <a:spcPts val="0"/>
+              </a:spcAft>
+              <a:buNone/>
+            </a:pPr>
+            <a:r>
+              <a:rPr lang="en-US" sz="850" b="0" i="0" u="none" strike="noStrike" cap="none">
+                <a:solidFill>
+                  <a:schemeClr val="dk1"/>
+                </a:solidFill>
+                <a:latin typeface="Courier New"/>
+                <a:ea typeface="Courier New"/>
+                <a:cs typeface="Courier New"/>
+                <a:sym typeface="Courier New"/>
+              </a:rPr>
+              <a:t>      |  |  |  +--rw human        empty</a:t>
+            </a:r>
+            <a:endParaRPr/>
+          </a:p>
+          <a:p>
+            <a:pPr marL="0" marR="0" lvl="0" indent="0" algn="l" rtl="0">
+              <a:lnSpc>
+                <a:spcPct val="107000"/>
+              </a:lnSpc>
+              <a:spcBef>
+                <a:spcPts val="0"/>
+              </a:spcBef>
+              <a:spcAft>
+                <a:spcPts val="0"/>
+              </a:spcAft>
+              <a:buNone/>
+            </a:pPr>
+            <a:r>
+              <a:rPr lang="en-US" sz="850" b="0" i="0" u="none" strike="noStrike" cap="none">
+                <a:solidFill>
+                  <a:schemeClr val="dk1"/>
+                </a:solidFill>
+                <a:latin typeface="Courier New"/>
+                <a:ea typeface="Courier New"/>
+                <a:cs typeface="Courier New"/>
+                <a:sym typeface="Courier New"/>
+              </a:rPr>
+              <a:t>      |  |  +--:(algorithm)</a:t>
+            </a:r>
+            <a:endParaRPr/>
+          </a:p>
+          <a:p>
+            <a:pPr marL="0" marR="0" lvl="0" indent="0" algn="l" rtl="0">
+              <a:lnSpc>
+                <a:spcPct val="107000"/>
+              </a:lnSpc>
+              <a:spcBef>
+                <a:spcPts val="0"/>
+              </a:spcBef>
+              <a:spcAft>
+                <a:spcPts val="0"/>
+              </a:spcAft>
+              <a:buNone/>
+            </a:pPr>
+            <a:r>
+              <a:rPr lang="en-US" sz="850" b="0" i="0" u="none" strike="noStrike" cap="none">
+                <a:solidFill>
+                  <a:schemeClr val="dk1"/>
+                </a:solidFill>
+                <a:latin typeface="Courier New"/>
+                <a:ea typeface="Courier New"/>
+                <a:cs typeface="Courier New"/>
+                <a:sym typeface="Courier New"/>
+              </a:rPr>
+              <a:t>      |  |     +--rw algorithm    empty</a:t>
+            </a:r>
+            <a:endParaRPr/>
+          </a:p>
+          <a:p>
+            <a:pPr marL="0" marR="0" lvl="0" indent="0" algn="l" rtl="0">
+              <a:lnSpc>
+                <a:spcPct val="107000"/>
+              </a:lnSpc>
+              <a:spcBef>
+                <a:spcPts val="0"/>
+              </a:spcBef>
+              <a:spcAft>
+                <a:spcPts val="0"/>
+              </a:spcAft>
+              <a:buNone/>
+            </a:pPr>
+            <a:r>
+              <a:rPr lang="en-US" sz="850" b="0" i="0" u="none" strike="noStrike" cap="none">
+                <a:solidFill>
+                  <a:schemeClr val="dk1"/>
+                </a:solidFill>
+                <a:latin typeface="Courier New"/>
+                <a:ea typeface="Courier New"/>
+                <a:cs typeface="Courier New"/>
+                <a:sym typeface="Courier New"/>
+              </a:rPr>
+              <a:t>      |  +--rw name?              empty</a:t>
+            </a:r>
+            <a:endParaRPr/>
+          </a:p>
+          <a:p>
+            <a:pPr marL="0" marR="0" lvl="0" indent="0" algn="l" rtl="0">
+              <a:lnSpc>
+                <a:spcPct val="107000"/>
+              </a:lnSpc>
+              <a:spcBef>
+                <a:spcPts val="0"/>
+              </a:spcBef>
+              <a:spcAft>
+                <a:spcPts val="0"/>
+              </a:spcAft>
+              <a:buNone/>
+            </a:pPr>
+            <a:r>
+              <a:rPr lang="en-US" sz="850" b="0" i="0" u="none" strike="noStrike" cap="none">
+                <a:solidFill>
+                  <a:schemeClr val="dk1"/>
+                </a:solidFill>
+                <a:latin typeface="Courier New"/>
+                <a:ea typeface="Courier New"/>
+                <a:cs typeface="Courier New"/>
+                <a:sym typeface="Courier New"/>
+              </a:rPr>
+              <a:t>      +--rw symptoms* [symptom_id]</a:t>
+            </a:r>
+            <a:endParaRPr/>
+          </a:p>
+          <a:p>
+            <a:pPr marL="0" marR="0" lvl="0" indent="0" algn="l" rtl="0">
+              <a:lnSpc>
+                <a:spcPct val="107000"/>
+              </a:lnSpc>
+              <a:spcBef>
+                <a:spcPts val="0"/>
+              </a:spcBef>
+              <a:spcAft>
+                <a:spcPts val="0"/>
+              </a:spcAft>
+              <a:buNone/>
+            </a:pPr>
+            <a:r>
+              <a:rPr lang="en-US" sz="850" b="0" i="0" u="none" strike="noStrike" cap="none">
+                <a:solidFill>
+                  <a:schemeClr val="dk1"/>
+                </a:solidFill>
+                <a:latin typeface="Courier New"/>
+                <a:ea typeface="Courier New"/>
+                <a:cs typeface="Courier New"/>
+                <a:sym typeface="Courier New"/>
+              </a:rPr>
+              <a:t>        +--rw symptom_id    yang:uuid</a:t>
+            </a:r>
+            <a:endParaRPr sz="850" b="0" i="0" u="none" strike="noStrike" cap="none">
+              <a:solidFill>
+                <a:schemeClr val="dk1"/>
+              </a:solidFill>
+              <a:latin typeface="Courier New"/>
+              <a:ea typeface="Courier New"/>
+              <a:cs typeface="Courier New"/>
+              <a:sym typeface="Courier New"/>
+            </a:endParaRPr>
+          </a:p>
+        </p:txBody>
+      </p:sp>
+      <p:sp>
+        <p:nvSpPr>
+          <p:cNvPr id="227" name="Google Shape;227;p9"/>
+          <p:cNvSpPr txBox="1">
+            <a:spLocks noGrp="1"/>
+          </p:cNvSpPr>
+          <p:nvPr>
+            <p:ph type="body" idx="1"/>
+          </p:nvPr>
+        </p:nvSpPr>
+        <p:spPr>
+          <a:xfrm>
+            <a:off x="6193410" y="1929384"/>
+            <a:ext cx="5229402" cy="3823716"/>
+          </a:xfrm>
+          <a:prstGeom prst="rect">
+            <a:avLst/>
+          </a:prstGeom>
+          <a:noFill/>
+          <a:ln>
+            <a:noFill/>
+          </a:ln>
+        </p:spPr>
+        <p:txBody>
+          <a:bodyPr spcFirstLastPara="1" wrap="square" lIns="91425" tIns="45700" rIns="91425" bIns="45700" anchor="t" anchorCtr="0">
+            <a:noAutofit/>
+          </a:bodyPr>
+          <a:lstStyle/>
+          <a:p>
+            <a:pPr marL="228600" lvl="0" indent="-228600" algn="l" rtl="0">
+              <a:lnSpc>
+                <a:spcPct val="90000"/>
+              </a:lnSpc>
+              <a:spcBef>
+                <a:spcPts val="0"/>
+              </a:spcBef>
+              <a:spcAft>
+                <a:spcPts val="0"/>
+              </a:spcAft>
+              <a:buClr>
+                <a:srgbClr val="FF0000"/>
+              </a:buClr>
+              <a:buSzPts val="2000"/>
+              <a:buChar char="•"/>
+            </a:pPr>
+            <a:r>
+              <a:rPr lang="en-US" sz="2000" b="1" dirty="0">
+                <a:solidFill>
+                  <a:srgbClr val="FF0000"/>
+                </a:solidFill>
+              </a:rPr>
+              <a:t>ID and Description</a:t>
+            </a:r>
+            <a:r>
+              <a:rPr lang="en-US" sz="2000" dirty="0"/>
+              <a:t> uniquely identifies the detected network anomaly (as a container of symptoms).</a:t>
+            </a:r>
+            <a:endParaRPr dirty="0"/>
+          </a:p>
+          <a:p>
+            <a:pPr marL="228600" lvl="0" indent="-228600" algn="l" rtl="0">
+              <a:lnSpc>
+                <a:spcPct val="90000"/>
+              </a:lnSpc>
+              <a:spcBef>
+                <a:spcPts val="1000"/>
+              </a:spcBef>
+              <a:spcAft>
+                <a:spcPts val="0"/>
+              </a:spcAft>
+              <a:buClr>
+                <a:srgbClr val="FF0000"/>
+              </a:buClr>
+              <a:buSzPts val="2000"/>
+              <a:buChar char="•"/>
+            </a:pPr>
+            <a:r>
+              <a:rPr lang="en-US" sz="2000" b="1" dirty="0">
+                <a:solidFill>
+                  <a:srgbClr val="FF0000"/>
+                </a:solidFill>
+              </a:rPr>
+              <a:t>Description and State </a:t>
+            </a:r>
+            <a:r>
+              <a:rPr lang="en-US" sz="2000" dirty="0"/>
+              <a:t>provide general information regarding the anomaly and . </a:t>
+            </a:r>
+            <a:endParaRPr dirty="0"/>
+          </a:p>
+          <a:p>
+            <a:pPr marL="228600" lvl="0" indent="-228600" algn="l" rtl="0">
+              <a:lnSpc>
+                <a:spcPct val="90000"/>
+              </a:lnSpc>
+              <a:spcBef>
+                <a:spcPts val="1000"/>
+              </a:spcBef>
+              <a:spcAft>
+                <a:spcPts val="0"/>
+              </a:spcAft>
+              <a:buClr>
+                <a:srgbClr val="FF0000"/>
+              </a:buClr>
+              <a:buSzPts val="2000"/>
+              <a:buChar char="•"/>
+            </a:pPr>
+            <a:r>
+              <a:rPr lang="en-US" sz="2000" b="1" dirty="0">
+                <a:solidFill>
+                  <a:srgbClr val="FF0000"/>
+                </a:solidFill>
+              </a:rPr>
+              <a:t>Annotator </a:t>
+            </a:r>
+            <a:r>
+              <a:rPr lang="en-US" sz="2000" dirty="0"/>
+              <a:t>describes the entity that observed the network anomaly: this can be a human or an algorithm (anomaly detection system). </a:t>
+            </a:r>
+            <a:endParaRPr dirty="0"/>
+          </a:p>
+          <a:p>
+            <a:pPr marL="228600" lvl="0" indent="-228600" algn="l" rtl="0">
+              <a:lnSpc>
+                <a:spcPct val="90000"/>
+              </a:lnSpc>
+              <a:spcBef>
+                <a:spcPts val="1000"/>
+              </a:spcBef>
+              <a:spcAft>
+                <a:spcPts val="0"/>
+              </a:spcAft>
+              <a:buClr>
+                <a:srgbClr val="FF0000"/>
+              </a:buClr>
+              <a:buSzPts val="2000"/>
+              <a:buChar char="•"/>
+            </a:pPr>
+            <a:r>
+              <a:rPr lang="en-US" sz="2000" b="1" dirty="0">
+                <a:solidFill>
+                  <a:srgbClr val="FF0000"/>
+                </a:solidFill>
+              </a:rPr>
+              <a:t>Symptoms </a:t>
+            </a:r>
+            <a:r>
+              <a:rPr lang="en-US" sz="2000" dirty="0"/>
+              <a:t>provides a list of symptoms (based on </a:t>
+            </a:r>
+            <a:r>
+              <a:rPr lang="en-US" sz="2000" dirty="0" err="1"/>
+              <a:t>ietf</a:t>
+            </a:r>
+            <a:r>
+              <a:rPr lang="en-US" sz="2000" dirty="0"/>
+              <a:t>-symptom-metadata) that are part of this network anomaly.</a:t>
+            </a:r>
+            <a:endParaRPr dirty="0"/>
+          </a:p>
+        </p:txBody>
+      </p:sp>
+      <p:sp>
+        <p:nvSpPr>
+          <p:cNvPr id="228" name="Google Shape;228;p9"/>
+          <p:cNvSpPr/>
+          <p:nvPr/>
+        </p:nvSpPr>
+        <p:spPr>
+          <a:xfrm>
+            <a:off x="1063625" y="1810474"/>
+            <a:ext cx="3038400" cy="416400"/>
+          </a:xfrm>
+          <a:prstGeom prst="rect">
+            <a:avLst/>
+          </a:prstGeom>
+          <a:solidFill>
+            <a:schemeClr val="accent6">
+              <a:alpha val="9803"/>
+            </a:schemeClr>
+          </a:solidFill>
+          <a:ln w="25400" cap="flat" cmpd="sng">
+            <a:solidFill>
+              <a:schemeClr val="accent6"/>
+            </a:solidFill>
+            <a:prstDash val="solid"/>
+            <a:miter lim="800000"/>
+            <a:headEnd type="none" w="sm" len="sm"/>
+            <a:tailEnd type="none" w="sm" len="sm"/>
+          </a:ln>
+        </p:spPr>
+        <p:txBody>
+          <a:bodyPr spcFirstLastPara="1" wrap="square" lIns="91425" tIns="45700" rIns="91425" bIns="45700" anchor="ctr" anchorCtr="0">
+            <a:noAutofit/>
+          </a:bodyPr>
+          <a:lstStyle/>
+          <a:p>
+            <a:pPr marL="0" marR="0" lvl="0" indent="0" algn="ctr" rtl="0">
+              <a:spcBef>
+                <a:spcPts val="0"/>
+              </a:spcBef>
+              <a:spcAft>
+                <a:spcPts val="0"/>
+              </a:spcAft>
+              <a:buNone/>
+            </a:pPr>
+            <a:endParaRPr sz="1800" b="0" i="0" u="none" strike="noStrike" cap="none">
+              <a:solidFill>
+                <a:schemeClr val="lt1"/>
+              </a:solidFill>
+              <a:latin typeface="Calibri"/>
+              <a:ea typeface="Calibri"/>
+              <a:cs typeface="Calibri"/>
+              <a:sym typeface="Calibri"/>
+            </a:endParaRPr>
+          </a:p>
+        </p:txBody>
+      </p:sp>
+      <p:cxnSp>
+        <p:nvCxnSpPr>
+          <p:cNvPr id="229" name="Google Shape;229;p9"/>
+          <p:cNvCxnSpPr>
+            <a:stCxn id="228" idx="3"/>
+          </p:cNvCxnSpPr>
+          <p:nvPr/>
+        </p:nvCxnSpPr>
+        <p:spPr>
+          <a:xfrm>
+            <a:off x="4102025" y="2018674"/>
+            <a:ext cx="2091300" cy="90300"/>
+          </a:xfrm>
+          <a:prstGeom prst="straightConnector1">
+            <a:avLst/>
+          </a:prstGeom>
+          <a:noFill/>
+          <a:ln w="25400" cap="flat" cmpd="sng">
+            <a:solidFill>
+              <a:schemeClr val="accent6"/>
+            </a:solidFill>
+            <a:prstDash val="solid"/>
+            <a:miter lim="800000"/>
+            <a:headEnd type="none" w="sm" len="sm"/>
+            <a:tailEnd type="none" w="sm" len="sm"/>
+          </a:ln>
+        </p:spPr>
+      </p:cxnSp>
+      <p:sp>
+        <p:nvSpPr>
+          <p:cNvPr id="230" name="Google Shape;230;p9"/>
+          <p:cNvSpPr txBox="1">
+            <a:spLocks noGrp="1"/>
+          </p:cNvSpPr>
+          <p:nvPr>
+            <p:ph type="sldNum" idx="12"/>
+          </p:nvPr>
+        </p:nvSpPr>
+        <p:spPr>
+          <a:xfrm>
+            <a:off x="11587892" y="6361637"/>
+            <a:ext cx="414251" cy="365125"/>
+          </a:xfrm>
+          <a:prstGeom prst="rect">
+            <a:avLst/>
+          </a:prstGeom>
+          <a:noFill/>
+          <a:ln>
+            <a:noFill/>
+          </a:ln>
+        </p:spPr>
+        <p:txBody>
+          <a:bodyPr spcFirstLastPara="1" wrap="square" lIns="91425" tIns="45700" rIns="91425" bIns="45700" anchor="ctr" anchorCtr="0">
+            <a:noAutofit/>
+          </a:bodyPr>
+          <a:lstStyle/>
+          <a:p>
+            <a:pPr marL="0" lvl="0" indent="0" algn="r" rtl="0">
+              <a:spcBef>
+                <a:spcPts val="0"/>
+              </a:spcBef>
+              <a:spcAft>
+                <a:spcPts val="0"/>
+              </a:spcAft>
+              <a:buNone/>
+            </a:pPr>
+            <a:fld id="{00000000-1234-1234-1234-123412341234}" type="slidenum">
+              <a:rPr lang="en-US" sz="1400"/>
+              <a:t>9</a:t>
+            </a:fld>
+            <a:endParaRPr sz="1400"/>
+          </a:p>
+        </p:txBody>
+      </p:sp>
+      <p:sp>
+        <p:nvSpPr>
+          <p:cNvPr id="231" name="Google Shape;231;p9"/>
+          <p:cNvSpPr txBox="1">
+            <a:spLocks noGrp="1"/>
+          </p:cNvSpPr>
+          <p:nvPr>
+            <p:ph type="title"/>
+          </p:nvPr>
+        </p:nvSpPr>
+        <p:spPr>
+          <a:xfrm>
+            <a:off x="838200" y="365125"/>
+            <a:ext cx="10515600" cy="1325563"/>
+          </a:xfrm>
+          <a:prstGeom prst="rect">
+            <a:avLst/>
+          </a:prstGeom>
+          <a:noFill/>
+          <a:ln>
+            <a:noFill/>
+          </a:ln>
+        </p:spPr>
+        <p:txBody>
+          <a:bodyPr spcFirstLastPara="1" wrap="square" lIns="91425" tIns="45700" rIns="91425" bIns="45700" anchor="ctr" anchorCtr="0">
+            <a:normAutofit/>
+          </a:bodyPr>
+          <a:lstStyle/>
+          <a:p>
+            <a:pPr marL="0" lvl="0" indent="0" algn="l" rtl="0">
+              <a:lnSpc>
+                <a:spcPct val="90000"/>
+              </a:lnSpc>
+              <a:spcBef>
+                <a:spcPts val="0"/>
+              </a:spcBef>
+              <a:spcAft>
+                <a:spcPts val="0"/>
+              </a:spcAft>
+              <a:buClr>
+                <a:schemeClr val="dk1"/>
+              </a:buClr>
+              <a:buSzPts val="2800"/>
+              <a:buFont typeface="Calibri"/>
+              <a:buNone/>
+            </a:pPr>
+            <a:r>
+              <a:rPr lang="en-US" sz="2800" b="1" dirty="0">
+                <a:solidFill>
+                  <a:srgbClr val="FF0000"/>
+                </a:solidFill>
+              </a:rPr>
+              <a:t>Experiment: </a:t>
+            </a:r>
+            <a:r>
+              <a:rPr lang="en-US" sz="2800" b="1" dirty="0"/>
+              <a:t>Network Anomaly Lifecycle</a:t>
+            </a:r>
+            <a:br>
+              <a:rPr lang="en-US" sz="3600" dirty="0"/>
+            </a:br>
+            <a:r>
+              <a:rPr lang="en-US" sz="2700" dirty="0">
+                <a:solidFill>
+                  <a:srgbClr val="AEABAB"/>
+                </a:solidFill>
+              </a:rPr>
+              <a:t>draft-</a:t>
+            </a:r>
+            <a:r>
+              <a:rPr lang="en-US" sz="2700" dirty="0" err="1">
+                <a:solidFill>
+                  <a:srgbClr val="AEABAB"/>
+                </a:solidFill>
+              </a:rPr>
+              <a:t>netana</a:t>
+            </a:r>
+            <a:r>
+              <a:rPr lang="en-US" sz="2700" dirty="0">
+                <a:solidFill>
+                  <a:srgbClr val="AEABAB"/>
+                </a:solidFill>
+              </a:rPr>
+              <a:t>-</a:t>
+            </a:r>
+            <a:r>
+              <a:rPr lang="en-US" sz="2700" dirty="0" err="1">
+                <a:solidFill>
+                  <a:srgbClr val="AEABAB"/>
+                </a:solidFill>
+              </a:rPr>
+              <a:t>nmop</a:t>
+            </a:r>
+            <a:r>
+              <a:rPr lang="en-US" sz="2700" dirty="0">
+                <a:solidFill>
+                  <a:srgbClr val="AEABAB"/>
+                </a:solidFill>
+              </a:rPr>
+              <a:t>-network-anomaly-lifecycle</a:t>
+            </a:r>
+            <a:endParaRPr sz="2700" dirty="0">
+              <a:solidFill>
+                <a:srgbClr val="FF0000"/>
+              </a:solidFill>
+            </a:endParaRPr>
+          </a:p>
+        </p:txBody>
+      </p:sp>
+      <p:sp>
+        <p:nvSpPr>
+          <p:cNvPr id="232" name="Google Shape;232;p9"/>
+          <p:cNvSpPr/>
+          <p:nvPr/>
+        </p:nvSpPr>
+        <p:spPr>
+          <a:xfrm>
+            <a:off x="1063625" y="2506394"/>
+            <a:ext cx="3038475" cy="955944"/>
+          </a:xfrm>
+          <a:prstGeom prst="rect">
+            <a:avLst/>
+          </a:prstGeom>
+          <a:solidFill>
+            <a:schemeClr val="accent4">
+              <a:alpha val="9803"/>
+            </a:schemeClr>
+          </a:solidFill>
+          <a:ln w="25400" cap="flat" cmpd="sng">
+            <a:solidFill>
+              <a:schemeClr val="accent4"/>
+            </a:solidFill>
+            <a:prstDash val="solid"/>
+            <a:miter lim="800000"/>
+            <a:headEnd type="none" w="sm" len="sm"/>
+            <a:tailEnd type="none" w="sm" len="sm"/>
+          </a:ln>
+        </p:spPr>
+        <p:txBody>
+          <a:bodyPr spcFirstLastPara="1" wrap="square" lIns="91425" tIns="45700" rIns="91425" bIns="45700" anchor="ctr" anchorCtr="0">
+            <a:noAutofit/>
+          </a:bodyPr>
+          <a:lstStyle/>
+          <a:p>
+            <a:pPr marL="0" marR="0" lvl="0" indent="0" algn="ctr" rtl="0">
+              <a:spcBef>
+                <a:spcPts val="0"/>
+              </a:spcBef>
+              <a:spcAft>
+                <a:spcPts val="0"/>
+              </a:spcAft>
+              <a:buNone/>
+            </a:pPr>
+            <a:endParaRPr sz="1800" b="0" i="0" u="none" strike="noStrike" cap="none">
+              <a:solidFill>
+                <a:schemeClr val="lt1"/>
+              </a:solidFill>
+              <a:latin typeface="Calibri"/>
+              <a:ea typeface="Calibri"/>
+              <a:cs typeface="Calibri"/>
+              <a:sym typeface="Calibri"/>
+            </a:endParaRPr>
+          </a:p>
+        </p:txBody>
+      </p:sp>
+      <p:cxnSp>
+        <p:nvCxnSpPr>
+          <p:cNvPr id="233" name="Google Shape;233;p9"/>
+          <p:cNvCxnSpPr>
+            <a:stCxn id="232" idx="3"/>
+          </p:cNvCxnSpPr>
+          <p:nvPr/>
+        </p:nvCxnSpPr>
+        <p:spPr>
+          <a:xfrm>
+            <a:off x="4102100" y="2984366"/>
+            <a:ext cx="1993800" cy="716700"/>
+          </a:xfrm>
+          <a:prstGeom prst="straightConnector1">
+            <a:avLst/>
+          </a:prstGeom>
+          <a:noFill/>
+          <a:ln w="25400" cap="flat" cmpd="sng">
+            <a:solidFill>
+              <a:schemeClr val="accent4"/>
+            </a:solidFill>
+            <a:prstDash val="solid"/>
+            <a:miter lim="800000"/>
+            <a:headEnd type="none" w="sm" len="sm"/>
+            <a:tailEnd type="none" w="sm" len="sm"/>
+          </a:ln>
+        </p:spPr>
+      </p:cxnSp>
+      <p:sp>
+        <p:nvSpPr>
+          <p:cNvPr id="234" name="Google Shape;234;p9"/>
+          <p:cNvSpPr/>
+          <p:nvPr/>
+        </p:nvSpPr>
+        <p:spPr>
+          <a:xfrm>
+            <a:off x="1063625" y="3480070"/>
+            <a:ext cx="3038475" cy="287068"/>
+          </a:xfrm>
+          <a:prstGeom prst="rect">
+            <a:avLst/>
+          </a:prstGeom>
+          <a:solidFill>
+            <a:schemeClr val="accent2">
+              <a:alpha val="9803"/>
+            </a:schemeClr>
+          </a:solidFill>
+          <a:ln w="25400" cap="flat" cmpd="sng">
+            <a:solidFill>
+              <a:schemeClr val="accent2"/>
+            </a:solidFill>
+            <a:prstDash val="solid"/>
+            <a:miter lim="800000"/>
+            <a:headEnd type="none" w="sm" len="sm"/>
+            <a:tailEnd type="none" w="sm" len="sm"/>
+          </a:ln>
+        </p:spPr>
+        <p:txBody>
+          <a:bodyPr spcFirstLastPara="1" wrap="square" lIns="91425" tIns="45700" rIns="91425" bIns="45700" anchor="ctr" anchorCtr="0">
+            <a:noAutofit/>
+          </a:bodyPr>
+          <a:lstStyle/>
+          <a:p>
+            <a:pPr marL="0" marR="0" lvl="0" indent="0" algn="ctr" rtl="0">
+              <a:spcBef>
+                <a:spcPts val="0"/>
+              </a:spcBef>
+              <a:spcAft>
+                <a:spcPts val="0"/>
+              </a:spcAft>
+              <a:buNone/>
+            </a:pPr>
+            <a:endParaRPr sz="1800" b="0" i="0" u="none" strike="noStrike" cap="none">
+              <a:solidFill>
+                <a:schemeClr val="lt1"/>
+              </a:solidFill>
+              <a:latin typeface="Calibri"/>
+              <a:ea typeface="Calibri"/>
+              <a:cs typeface="Calibri"/>
+              <a:sym typeface="Calibri"/>
+            </a:endParaRPr>
+          </a:p>
+        </p:txBody>
+      </p:sp>
+      <p:sp>
+        <p:nvSpPr>
+          <p:cNvPr id="235" name="Google Shape;235;p9"/>
+          <p:cNvSpPr/>
+          <p:nvPr/>
+        </p:nvSpPr>
+        <p:spPr>
+          <a:xfrm>
+            <a:off x="1063625" y="2253473"/>
+            <a:ext cx="3038400" cy="241200"/>
+          </a:xfrm>
+          <a:prstGeom prst="rect">
+            <a:avLst/>
+          </a:prstGeom>
+          <a:solidFill>
+            <a:schemeClr val="accent1">
+              <a:alpha val="9803"/>
+            </a:schemeClr>
+          </a:solidFill>
+          <a:ln w="25400" cap="flat" cmpd="sng">
+            <a:solidFill>
+              <a:schemeClr val="accent1"/>
+            </a:solidFill>
+            <a:prstDash val="solid"/>
+            <a:miter lim="800000"/>
+            <a:headEnd type="none" w="sm" len="sm"/>
+            <a:tailEnd type="none" w="sm" len="sm"/>
+          </a:ln>
+        </p:spPr>
+        <p:txBody>
+          <a:bodyPr spcFirstLastPara="1" wrap="square" lIns="91425" tIns="45700" rIns="91425" bIns="45700" anchor="ctr" anchorCtr="0">
+            <a:noAutofit/>
+          </a:bodyPr>
+          <a:lstStyle/>
+          <a:p>
+            <a:pPr marL="0" marR="0" lvl="0" indent="0" algn="ctr" rtl="0">
+              <a:spcBef>
+                <a:spcPts val="0"/>
+              </a:spcBef>
+              <a:spcAft>
+                <a:spcPts val="0"/>
+              </a:spcAft>
+              <a:buNone/>
+            </a:pPr>
+            <a:endParaRPr sz="1800" b="0" i="0" u="none" strike="noStrike" cap="none">
+              <a:solidFill>
+                <a:schemeClr val="lt1"/>
+              </a:solidFill>
+              <a:latin typeface="Calibri"/>
+              <a:ea typeface="Calibri"/>
+              <a:cs typeface="Calibri"/>
+              <a:sym typeface="Calibri"/>
+            </a:endParaRPr>
+          </a:p>
+        </p:txBody>
+      </p:sp>
+      <p:cxnSp>
+        <p:nvCxnSpPr>
+          <p:cNvPr id="236" name="Google Shape;236;p9"/>
+          <p:cNvCxnSpPr>
+            <a:stCxn id="235" idx="3"/>
+          </p:cNvCxnSpPr>
+          <p:nvPr/>
+        </p:nvCxnSpPr>
+        <p:spPr>
+          <a:xfrm>
+            <a:off x="4102025" y="2374073"/>
+            <a:ext cx="2091300" cy="402600"/>
+          </a:xfrm>
+          <a:prstGeom prst="straightConnector1">
+            <a:avLst/>
+          </a:prstGeom>
+          <a:noFill/>
+          <a:ln w="25400" cap="flat" cmpd="sng">
+            <a:solidFill>
+              <a:schemeClr val="accent5"/>
+            </a:solidFill>
+            <a:prstDash val="solid"/>
+            <a:miter lim="800000"/>
+            <a:headEnd type="none" w="sm" len="sm"/>
+            <a:tailEnd type="none" w="sm" len="sm"/>
+          </a:ln>
+        </p:spPr>
+      </p:cxnSp>
+      <p:cxnSp>
+        <p:nvCxnSpPr>
+          <p:cNvPr id="237" name="Google Shape;237;p9"/>
+          <p:cNvCxnSpPr>
+            <a:stCxn id="234" idx="3"/>
+          </p:cNvCxnSpPr>
+          <p:nvPr/>
+        </p:nvCxnSpPr>
+        <p:spPr>
+          <a:xfrm>
+            <a:off x="4102100" y="3623604"/>
+            <a:ext cx="2091300" cy="1082100"/>
+          </a:xfrm>
+          <a:prstGeom prst="straightConnector1">
+            <a:avLst/>
+          </a:prstGeom>
+          <a:noFill/>
+          <a:ln w="25400" cap="flat" cmpd="sng">
+            <a:solidFill>
+              <a:schemeClr val="accent2"/>
+            </a:solidFill>
+            <a:prstDash val="solid"/>
+            <a:miter lim="800000"/>
+            <a:headEnd type="none" w="sm" len="sm"/>
+            <a:tailEnd type="none" w="sm" len="sm"/>
+          </a:ln>
+        </p:spPr>
+      </p:cxnSp>
+    </p:spTree>
   </p:cSld>
   <p:clrMapOvr>
     <a:masterClrMapping/>
@@ -16797,6 +21334,18 @@
 <file path=ppt/tags/tag1.xml><?xml version="1.0" encoding="utf-8"?>
 <p:tagLst xmlns:a="http://schemas.openxmlformats.org/drawingml/2006/main" xmlns:r="http://schemas.openxmlformats.org/officeDocument/2006/relationships" xmlns:p="http://schemas.openxmlformats.org/presentationml/2006/main">
   <p:tag name="VCT_BODYSTYLE" val="1"/>
+</p:tagLst>
+</file>
+
+<file path=ppt/tags/tag10.xml><?xml version="1.0" encoding="utf-8"?>
+<p:tagLst xmlns:a="http://schemas.openxmlformats.org/drawingml/2006/main" xmlns:r="http://schemas.openxmlformats.org/officeDocument/2006/relationships" xmlns:p="http://schemas.openxmlformats.org/presentationml/2006/main">
+  <p:tag name="THINKCELLSHAPEDONOTDELETE" val="pyiYfMyCJfkeJ7zPCYZol5A"/>
+</p:tagLst>
+</file>
+
+<file path=ppt/tags/tag11.xml><?xml version="1.0" encoding="utf-8"?>
+<p:tagLst xmlns:a="http://schemas.openxmlformats.org/drawingml/2006/main" xmlns:r="http://schemas.openxmlformats.org/officeDocument/2006/relationships" xmlns:p="http://schemas.openxmlformats.org/presentationml/2006/main">
+  <p:tag name="THINKCELLSHAPEDONOTDELETE" val="pyiYfMyCJfkeJ7zPCYZol5A"/>
 </p:tagLst>
 </file>
 

--- a/120/NMOP/draft-netana-nmop-network-anomaly-architecture-semantics-lifecycle.pptx
+++ b/120/NMOP/draft-netana-nmop-network-anomaly-architecture-semantics-lifecycle.pptx
@@ -131,7 +131,7 @@
 <file path=ppt/revisionInfo.xml><?xml version="1.0" encoding="utf-8"?>
 <p1510:revInfo xmlns:a="http://schemas.openxmlformats.org/drawingml/2006/main" xmlns:r="http://schemas.openxmlformats.org/officeDocument/2006/relationships" xmlns:p1510="http://schemas.microsoft.com/office/powerpoint/2015/10/main">
   <p1510:revLst>
-    <p1510:client id="{D5F81756-EA00-4B65-9234-A0FB2F3D032D}" v="8" dt="2024-07-13T15:47:32.435"/>
+    <p1510:client id="{D5F81756-EA00-4B65-9234-A0FB2F3D032D}" v="10" dt="2024-07-16T10:25:21.879"/>
   </p1510:revLst>
 </p1510:revInfo>
 </file>
@@ -141,7 +141,7 @@
   <pc:docChgLst>
     <pc:chgData name="Graf Thomas, INI-NET-VNC-HCS" userId="487bc3e3-9ce7-4cdd-b7b4-8899ea88d289" providerId="ADAL" clId="{D5F81756-EA00-4B65-9234-A0FB2F3D032D}"/>
     <pc:docChg chg="undo custSel addSld delSld modSld sldOrd delMainMaster">
-      <pc:chgData name="Graf Thomas, INI-NET-VNC-HCS" userId="487bc3e3-9ce7-4cdd-b7b4-8899ea88d289" providerId="ADAL" clId="{D5F81756-EA00-4B65-9234-A0FB2F3D032D}" dt="2024-07-13T16:11:15.469" v="599" actId="20577"/>
+      <pc:chgData name="Graf Thomas, INI-NET-VNC-HCS" userId="487bc3e3-9ce7-4cdd-b7b4-8899ea88d289" providerId="ADAL" clId="{D5F81756-EA00-4B65-9234-A0FB2F3D032D}" dt="2024-07-16T10:26:57.315" v="612" actId="20577"/>
       <pc:docMkLst>
         <pc:docMk/>
       </pc:docMkLst>
@@ -169,13 +169,21 @@
         </pc:spChg>
       </pc:sldChg>
       <pc:sldChg chg="modSp mod">
-        <pc:chgData name="Graf Thomas, INI-NET-VNC-HCS" userId="487bc3e3-9ce7-4cdd-b7b4-8899ea88d289" providerId="ADAL" clId="{D5F81756-EA00-4B65-9234-A0FB2F3D032D}" dt="2024-07-13T16:11:15.469" v="599" actId="20577"/>
+        <pc:chgData name="Graf Thomas, INI-NET-VNC-HCS" userId="487bc3e3-9ce7-4cdd-b7b4-8899ea88d289" providerId="ADAL" clId="{D5F81756-EA00-4B65-9234-A0FB2F3D032D}" dt="2024-07-16T10:25:23.840" v="610"/>
         <pc:sldMkLst>
           <pc:docMk/>
           <pc:sldMk cId="3578665336" sldId="1041"/>
         </pc:sldMkLst>
         <pc:spChg chg="mod">
-          <ac:chgData name="Graf Thomas, INI-NET-VNC-HCS" userId="487bc3e3-9ce7-4cdd-b7b4-8899ea88d289" providerId="ADAL" clId="{D5F81756-EA00-4B65-9234-A0FB2F3D032D}" dt="2024-07-13T16:11:15.469" v="599" actId="20577"/>
+          <ac:chgData name="Graf Thomas, INI-NET-VNC-HCS" userId="487bc3e3-9ce7-4cdd-b7b4-8899ea88d289" providerId="ADAL" clId="{D5F81756-EA00-4B65-9234-A0FB2F3D032D}" dt="2024-07-16T10:23:59.543" v="602" actId="20577"/>
+          <ac:spMkLst>
+            <pc:docMk/>
+            <pc:sldMk cId="3578665336" sldId="1041"/>
+            <ac:spMk id="5" creationId="{C26208B2-0D10-4C23-B2DE-372A62E98644}"/>
+          </ac:spMkLst>
+        </pc:spChg>
+        <pc:spChg chg="mod">
+          <ac:chgData name="Graf Thomas, INI-NET-VNC-HCS" userId="487bc3e3-9ce7-4cdd-b7b4-8899ea88d289" providerId="ADAL" clId="{D5F81756-EA00-4B65-9234-A0FB2F3D032D}" dt="2024-07-16T10:25:23.840" v="610"/>
           <ac:spMkLst>
             <pc:docMk/>
             <pc:sldMk cId="3578665336" sldId="1041"/>
@@ -198,6 +206,21 @@
           </ac:spMkLst>
         </pc:spChg>
       </pc:sldChg>
+      <pc:sldChg chg="modSp mod">
+        <pc:chgData name="Graf Thomas, INI-NET-VNC-HCS" userId="487bc3e3-9ce7-4cdd-b7b4-8899ea88d289" providerId="ADAL" clId="{D5F81756-EA00-4B65-9234-A0FB2F3D032D}" dt="2024-07-16T10:26:57.315" v="612" actId="20577"/>
+        <pc:sldMkLst>
+          <pc:docMk/>
+          <pc:sldMk cId="85069519" sldId="2145706259"/>
+        </pc:sldMkLst>
+        <pc:spChg chg="mod">
+          <ac:chgData name="Graf Thomas, INI-NET-VNC-HCS" userId="487bc3e3-9ce7-4cdd-b7b4-8899ea88d289" providerId="ADAL" clId="{D5F81756-EA00-4B65-9234-A0FB2F3D032D}" dt="2024-07-16T10:26:57.315" v="612" actId="20577"/>
+          <ac:spMkLst>
+            <pc:docMk/>
+            <pc:sldMk cId="85069519" sldId="2145706259"/>
+            <ac:spMk id="13" creationId="{509802C0-BFFB-9B0F-A529-E60CDD518439}"/>
+          </ac:spMkLst>
+        </pc:spChg>
+      </pc:sldChg>
       <pc:sldChg chg="modSp del mod">
         <pc:chgData name="Graf Thomas, INI-NET-VNC-HCS" userId="487bc3e3-9ce7-4cdd-b7b4-8899ea88d289" providerId="ADAL" clId="{D5F81756-EA00-4B65-9234-A0FB2F3D032D}" dt="2024-07-13T15:49:07.497" v="91" actId="47"/>
         <pc:sldMkLst>
@@ -214,7 +237,7 @@
         </pc:spChg>
       </pc:sldChg>
       <pc:sldChg chg="addSp delSp modSp add mod ord">
-        <pc:chgData name="Graf Thomas, INI-NET-VNC-HCS" userId="487bc3e3-9ce7-4cdd-b7b4-8899ea88d289" providerId="ADAL" clId="{D5F81756-EA00-4B65-9234-A0FB2F3D032D}" dt="2024-07-13T16:10:57.757" v="597" actId="20577"/>
+        <pc:chgData name="Graf Thomas, INI-NET-VNC-HCS" userId="487bc3e3-9ce7-4cdd-b7b4-8899ea88d289" providerId="ADAL" clId="{D5F81756-EA00-4B65-9234-A0FB2F3D032D}" dt="2024-07-13T16:18:17.736" v="601" actId="20577"/>
         <pc:sldMkLst>
           <pc:docMk/>
           <pc:sldMk cId="492372888" sldId="2145706282"/>
@@ -316,7 +339,7 @@
           </ac:spMkLst>
         </pc:spChg>
         <pc:spChg chg="add mod">
-          <ac:chgData name="Graf Thomas, INI-NET-VNC-HCS" userId="487bc3e3-9ce7-4cdd-b7b4-8899ea88d289" providerId="ADAL" clId="{D5F81756-EA00-4B65-9234-A0FB2F3D032D}" dt="2024-07-13T16:09:32.658" v="589" actId="20577"/>
+          <ac:chgData name="Graf Thomas, INI-NET-VNC-HCS" userId="487bc3e3-9ce7-4cdd-b7b4-8899ea88d289" providerId="ADAL" clId="{D5F81756-EA00-4B65-9234-A0FB2F3D032D}" dt="2024-07-13T16:18:17.736" v="601" actId="20577"/>
           <ac:spMkLst>
             <pc:docMk/>
             <pc:sldMk cId="492372888" sldId="2145706282"/>
@@ -1405,7 +1428,7 @@
           <a:p>
             <a:fld id="{E5E705E9-673F-4AC4-B29E-A7B26F3B8523}" type="datetimeFigureOut">
               <a:rPr lang="de-CH" smtClean="0"/>
-              <a:t>13.07.2024</a:t>
+              <a:t>16.07.2024</a:t>
             </a:fld>
             <a:endParaRPr lang="de-CH"/>
           </a:p>
@@ -2693,7 +2716,7 @@
           <a:p>
             <a:fld id="{9E9B238C-2335-4007-98C9-471C02CC43B6}" type="datetimeFigureOut">
               <a:rPr lang="de-CH" smtClean="0"/>
-              <a:t>13.07.2024</a:t>
+              <a:t>16.07.2024</a:t>
             </a:fld>
             <a:endParaRPr lang="de-CH"/>
           </a:p>
@@ -2893,7 +2916,7 @@
           <a:p>
             <a:fld id="{9E9B238C-2335-4007-98C9-471C02CC43B6}" type="datetimeFigureOut">
               <a:rPr lang="de-CH" smtClean="0"/>
-              <a:t>13.07.2024</a:t>
+              <a:t>16.07.2024</a:t>
             </a:fld>
             <a:endParaRPr lang="de-CH"/>
           </a:p>
@@ -3103,7 +3126,7 @@
           <a:p>
             <a:fld id="{9E9B238C-2335-4007-98C9-471C02CC43B6}" type="datetimeFigureOut">
               <a:rPr lang="de-CH" smtClean="0"/>
-              <a:t>13.07.2024</a:t>
+              <a:t>16.07.2024</a:t>
             </a:fld>
             <a:endParaRPr lang="de-CH"/>
           </a:p>
@@ -3532,7 +3555,7 @@
           <a:p>
             <a:fld id="{9E9B238C-2335-4007-98C9-471C02CC43B6}" type="datetimeFigureOut">
               <a:rPr lang="de-CH" smtClean="0"/>
-              <a:t>13.07.2024</a:t>
+              <a:t>16.07.2024</a:t>
             </a:fld>
             <a:endParaRPr lang="de-CH"/>
           </a:p>
@@ -3808,7 +3831,7 @@
           <a:p>
             <a:fld id="{9E9B238C-2335-4007-98C9-471C02CC43B6}" type="datetimeFigureOut">
               <a:rPr lang="de-CH" smtClean="0"/>
-              <a:t>13.07.2024</a:t>
+              <a:t>16.07.2024</a:t>
             </a:fld>
             <a:endParaRPr lang="de-CH"/>
           </a:p>
@@ -4076,7 +4099,7 @@
           <a:p>
             <a:fld id="{9E9B238C-2335-4007-98C9-471C02CC43B6}" type="datetimeFigureOut">
               <a:rPr lang="de-CH" smtClean="0"/>
-              <a:t>13.07.2024</a:t>
+              <a:t>16.07.2024</a:t>
             </a:fld>
             <a:endParaRPr lang="de-CH"/>
           </a:p>
@@ -4491,7 +4514,7 @@
           <a:p>
             <a:fld id="{9E9B238C-2335-4007-98C9-471C02CC43B6}" type="datetimeFigureOut">
               <a:rPr lang="de-CH" smtClean="0"/>
-              <a:t>13.07.2024</a:t>
+              <a:t>16.07.2024</a:t>
             </a:fld>
             <a:endParaRPr lang="de-CH"/>
           </a:p>
@@ -4633,7 +4656,7 @@
           <a:p>
             <a:fld id="{9E9B238C-2335-4007-98C9-471C02CC43B6}" type="datetimeFigureOut">
               <a:rPr lang="de-CH" smtClean="0"/>
-              <a:t>13.07.2024</a:t>
+              <a:t>16.07.2024</a:t>
             </a:fld>
             <a:endParaRPr lang="de-CH"/>
           </a:p>
@@ -4746,7 +4769,7 @@
           <a:p>
             <a:fld id="{9E9B238C-2335-4007-98C9-471C02CC43B6}" type="datetimeFigureOut">
               <a:rPr lang="de-CH" smtClean="0"/>
-              <a:t>13.07.2024</a:t>
+              <a:t>16.07.2024</a:t>
             </a:fld>
             <a:endParaRPr lang="de-CH"/>
           </a:p>
@@ -5059,7 +5082,7 @@
           <a:p>
             <a:fld id="{9E9B238C-2335-4007-98C9-471C02CC43B6}" type="datetimeFigureOut">
               <a:rPr lang="de-CH" smtClean="0"/>
-              <a:t>13.07.2024</a:t>
+              <a:t>16.07.2024</a:t>
             </a:fld>
             <a:endParaRPr lang="de-CH"/>
           </a:p>
@@ -5348,7 +5371,7 @@
           <a:p>
             <a:fld id="{9E9B238C-2335-4007-98C9-471C02CC43B6}" type="datetimeFigureOut">
               <a:rPr lang="de-CH" smtClean="0"/>
-              <a:t>13.07.2024</a:t>
+              <a:t>16.07.2024</a:t>
             </a:fld>
             <a:endParaRPr lang="de-CH"/>
           </a:p>
@@ -5591,7 +5614,7 @@
           <a:p>
             <a:fld id="{9E9B238C-2335-4007-98C9-471C02CC43B6}" type="datetimeFigureOut">
               <a:rPr lang="de-CH" smtClean="0"/>
-              <a:t>13.07.2024</a:t>
+              <a:t>16.07.2024</a:t>
             </a:fld>
             <a:endParaRPr lang="de-CH"/>
           </a:p>
@@ -6104,7 +6127,7 @@
                   </a:schemeClr>
                 </a:solidFill>
               </a:rPr>
-              <a:t>	and the relationship to other documents describing</a:t>
+              <a:t>	and the relationships to other documents describing</a:t>
             </a:r>
           </a:p>
           <a:p>
@@ -6180,7 +6203,7 @@
         </p:spPr>
         <p:txBody>
           <a:bodyPr vert="horz" lIns="91440" tIns="45720" rIns="91440" bIns="45720" rtlCol="0">
-            <a:normAutofit fontScale="92500" lnSpcReduction="20000"/>
+            <a:normAutofit fontScale="85000" lnSpcReduction="20000"/>
           </a:bodyPr>
           <a:lstStyle>
             <a:lvl1pPr marL="228600" indent="-228600" algn="l" defTabSz="914400" rtl="0" eaLnBrk="1" latinLnBrk="0" hangingPunct="1">
@@ -6402,6 +6425,17 @@
                 <a:latin typeface="+mj-lt"/>
               </a:rPr>
             </a:br>
+            <a:r>
+              <a:rPr lang="de-CH" sz="1400" dirty="0">
+                <a:latin typeface="+mj-lt"/>
+              </a:rPr>
+              <a:t>alex.huang-feng@insa-lyon.fr</a:t>
+            </a:r>
+            <a:br>
+              <a:rPr lang="de-CH" sz="1400" dirty="0">
+                <a:latin typeface="+mj-lt"/>
+              </a:rPr>
+            </a:br>
             <a:endParaRPr lang="de-CH" sz="1400" dirty="0">
               <a:latin typeface="+mj-lt"/>
             </a:endParaRPr>
@@ -6417,7 +6451,7 @@
               <a:rPr lang="de-CH" sz="1400" dirty="0">
                 <a:latin typeface="+mj-lt"/>
               </a:rPr>
-              <a:t>13. </a:t>
+              <a:t>16. </a:t>
             </a:r>
             <a:r>
               <a:rPr lang="de-CH" sz="1400" dirty="0" err="1">
@@ -14187,14 +14221,24 @@
               <a:rPr lang="en-GB" sz="3600" dirty="0"/>
             </a:br>
             <a:r>
-              <a:rPr lang="en-US" sz="2700" dirty="0">
+              <a:rPr lang="en-US" sz="2700">
                 <a:solidFill>
                   <a:schemeClr val="bg2">
                     <a:lumMod val="75000"/>
                   </a:schemeClr>
                 </a:solidFill>
               </a:rPr>
-              <a:t>Which operational metrics are collected</a:t>
+              <a:t>Which metrics </a:t>
+            </a:r>
+            <a:r>
+              <a:rPr lang="en-US" sz="2700" dirty="0">
+                <a:solidFill>
+                  <a:schemeClr val="bg2">
+                    <a:lumMod val="75000"/>
+                  </a:schemeClr>
+                </a:solidFill>
+              </a:rPr>
+              <a:t>are collected</a:t>
             </a:r>
           </a:p>
         </p:txBody>

--- a/120/NMOP/draft-netana-nmop-network-anomaly-architecture-semantics-lifecycle.pptx
+++ b/120/NMOP/draft-netana-nmop-network-anomaly-architecture-semantics-lifecycle.pptx
@@ -5,23 +5,24 @@
     <p:sldMasterId id="2147483648" r:id="rId1"/>
   </p:sldMasterIdLst>
   <p:notesMasterIdLst>
-    <p:notesMasterId r:id="rId16"/>
+    <p:notesMasterId r:id="rId17"/>
   </p:notesMasterIdLst>
   <p:sldIdLst>
     <p:sldId id="1041" r:id="rId2"/>
-    <p:sldId id="2145706225" r:id="rId3"/>
-    <p:sldId id="2145706259" r:id="rId4"/>
-    <p:sldId id="2145706226" r:id="rId5"/>
-    <p:sldId id="2145706261" r:id="rId6"/>
-    <p:sldId id="2145706258" r:id="rId7"/>
-    <p:sldId id="2145706240" r:id="rId8"/>
-    <p:sldId id="263" r:id="rId9"/>
-    <p:sldId id="264" r:id="rId10"/>
-    <p:sldId id="2145706262" r:id="rId11"/>
-    <p:sldId id="2145706282" r:id="rId12"/>
-    <p:sldId id="2145706283" r:id="rId13"/>
-    <p:sldId id="2145706242" r:id="rId14"/>
-    <p:sldId id="2145706234" r:id="rId15"/>
+    <p:sldId id="2145706284" r:id="rId3"/>
+    <p:sldId id="2145706225" r:id="rId4"/>
+    <p:sldId id="2145706259" r:id="rId5"/>
+    <p:sldId id="2145706226" r:id="rId6"/>
+    <p:sldId id="2145706261" r:id="rId7"/>
+    <p:sldId id="2145706258" r:id="rId8"/>
+    <p:sldId id="2145706240" r:id="rId9"/>
+    <p:sldId id="263" r:id="rId10"/>
+    <p:sldId id="264" r:id="rId11"/>
+    <p:sldId id="2145706262" r:id="rId12"/>
+    <p:sldId id="2145706282" r:id="rId13"/>
+    <p:sldId id="2145706283" r:id="rId14"/>
+    <p:sldId id="2145706242" r:id="rId15"/>
+    <p:sldId id="256" r:id="rId16"/>
   </p:sldIdLst>
   <p:sldSz cx="12192000" cy="6858000"/>
   <p:notesSz cx="6858000" cy="9144000"/>
@@ -131,7 +132,7 @@
 <file path=ppt/revisionInfo.xml><?xml version="1.0" encoding="utf-8"?>
 <p1510:revInfo xmlns:a="http://schemas.openxmlformats.org/drawingml/2006/main" xmlns:r="http://schemas.openxmlformats.org/officeDocument/2006/relationships" xmlns:p1510="http://schemas.microsoft.com/office/powerpoint/2015/10/main">
   <p1510:revLst>
-    <p1510:client id="{D5F81756-EA00-4B65-9234-A0FB2F3D032D}" v="10" dt="2024-07-16T10:25:21.879"/>
+    <p1510:client id="{D5F81756-EA00-4B65-9234-A0FB2F3D032D}" v="13" dt="2024-07-22T20:58:00.995"/>
   </p1510:revLst>
 </p1510:revInfo>
 </file>
@@ -140,11 +141,33 @@
 <pc:chgInfo xmlns:a="http://schemas.openxmlformats.org/drawingml/2006/main" xmlns:r="http://schemas.openxmlformats.org/officeDocument/2006/relationships" xmlns:ac="http://schemas.microsoft.com/office/drawing/2013/main/command" xmlns:pc="http://schemas.microsoft.com/office/powerpoint/2013/main/command">
   <pc:docChgLst>
     <pc:chgData name="Graf Thomas, INI-NET-VNC-HCS" userId="487bc3e3-9ce7-4cdd-b7b4-8899ea88d289" providerId="ADAL" clId="{D5F81756-EA00-4B65-9234-A0FB2F3D032D}"/>
-    <pc:docChg chg="undo custSel addSld delSld modSld sldOrd delMainMaster">
-      <pc:chgData name="Graf Thomas, INI-NET-VNC-HCS" userId="487bc3e3-9ce7-4cdd-b7b4-8899ea88d289" providerId="ADAL" clId="{D5F81756-EA00-4B65-9234-A0FB2F3D032D}" dt="2024-07-16T10:26:57.315" v="612" actId="20577"/>
+    <pc:docChg chg="undo redo custSel addSld delSld modSld sldOrd delMainMaster">
+      <pc:chgData name="Graf Thomas, INI-NET-VNC-HCS" userId="487bc3e3-9ce7-4cdd-b7b4-8899ea88d289" providerId="ADAL" clId="{D5F81756-EA00-4B65-9234-A0FB2F3D032D}" dt="2024-07-22T21:11:11.993" v="1200" actId="20577"/>
       <pc:docMkLst>
         <pc:docMk/>
       </pc:docMkLst>
+      <pc:sldChg chg="add">
+        <pc:chgData name="Graf Thomas, INI-NET-VNC-HCS" userId="487bc3e3-9ce7-4cdd-b7b4-8899ea88d289" providerId="ADAL" clId="{D5F81756-EA00-4B65-9234-A0FB2F3D032D}" dt="2024-07-22T20:58:00.993" v="815"/>
+        <pc:sldMkLst>
+          <pc:docMk/>
+          <pc:sldMk cId="0" sldId="256"/>
+        </pc:sldMkLst>
+      </pc:sldChg>
+      <pc:sldChg chg="modSp mod">
+        <pc:chgData name="Graf Thomas, INI-NET-VNC-HCS" userId="487bc3e3-9ce7-4cdd-b7b4-8899ea88d289" providerId="ADAL" clId="{D5F81756-EA00-4B65-9234-A0FB2F3D032D}" dt="2024-07-22T20:50:00.951" v="622" actId="20577"/>
+        <pc:sldMkLst>
+          <pc:docMk/>
+          <pc:sldMk cId="0" sldId="263"/>
+        </pc:sldMkLst>
+        <pc:spChg chg="mod">
+          <ac:chgData name="Graf Thomas, INI-NET-VNC-HCS" userId="487bc3e3-9ce7-4cdd-b7b4-8899ea88d289" providerId="ADAL" clId="{D5F81756-EA00-4B65-9234-A0FB2F3D032D}" dt="2024-07-22T20:50:00.951" v="622" actId="20577"/>
+          <ac:spMkLst>
+            <pc:docMk/>
+            <pc:sldMk cId="0" sldId="263"/>
+            <ac:spMk id="217" creationId="{00000000-0000-0000-0000-000000000000}"/>
+          </ac:spMkLst>
+        </pc:spChg>
+      </pc:sldChg>
       <pc:sldChg chg="modSp del mod">
         <pc:chgData name="Graf Thomas, INI-NET-VNC-HCS" userId="487bc3e3-9ce7-4cdd-b7b4-8899ea88d289" providerId="ADAL" clId="{D5F81756-EA00-4B65-9234-A0FB2F3D032D}" dt="2024-07-13T15:46:30.021" v="77" actId="47"/>
         <pc:sldMkLst>
@@ -169,7 +192,7 @@
         </pc:spChg>
       </pc:sldChg>
       <pc:sldChg chg="modSp mod">
-        <pc:chgData name="Graf Thomas, INI-NET-VNC-HCS" userId="487bc3e3-9ce7-4cdd-b7b4-8899ea88d289" providerId="ADAL" clId="{D5F81756-EA00-4B65-9234-A0FB2F3D032D}" dt="2024-07-16T10:25:23.840" v="610"/>
+        <pc:chgData name="Graf Thomas, INI-NET-VNC-HCS" userId="487bc3e3-9ce7-4cdd-b7b4-8899ea88d289" providerId="ADAL" clId="{D5F81756-EA00-4B65-9234-A0FB2F3D032D}" dt="2024-07-22T20:46:16.336" v="616" actId="20577"/>
         <pc:sldMkLst>
           <pc:docMk/>
           <pc:sldMk cId="3578665336" sldId="1041"/>
@@ -183,7 +206,7 @@
           </ac:spMkLst>
         </pc:spChg>
         <pc:spChg chg="mod">
-          <ac:chgData name="Graf Thomas, INI-NET-VNC-HCS" userId="487bc3e3-9ce7-4cdd-b7b4-8899ea88d289" providerId="ADAL" clId="{D5F81756-EA00-4B65-9234-A0FB2F3D032D}" dt="2024-07-16T10:25:23.840" v="610"/>
+          <ac:chgData name="Graf Thomas, INI-NET-VNC-HCS" userId="487bc3e3-9ce7-4cdd-b7b4-8899ea88d289" providerId="ADAL" clId="{D5F81756-EA00-4B65-9234-A0FB2F3D032D}" dt="2024-07-22T20:46:16.336" v="616" actId="20577"/>
           <ac:spMkLst>
             <pc:docMk/>
             <pc:sldMk cId="3578665336" sldId="1041"/>
@@ -192,13 +215,35 @@
         </pc:spChg>
       </pc:sldChg>
       <pc:sldChg chg="modSp mod">
-        <pc:chgData name="Graf Thomas, INI-NET-VNC-HCS" userId="487bc3e3-9ce7-4cdd-b7b4-8899ea88d289" providerId="ADAL" clId="{D5F81756-EA00-4B65-9234-A0FB2F3D032D}" dt="2024-07-13T16:07:59.264" v="587" actId="20577"/>
+        <pc:chgData name="Graf Thomas, INI-NET-VNC-HCS" userId="487bc3e3-9ce7-4cdd-b7b4-8899ea88d289" providerId="ADAL" clId="{D5F81756-EA00-4B65-9234-A0FB2F3D032D}" dt="2024-07-22T21:02:30.025" v="853" actId="20577"/>
+        <pc:sldMkLst>
+          <pc:docMk/>
+          <pc:sldMk cId="1081037514" sldId="2145706225"/>
+        </pc:sldMkLst>
+        <pc:spChg chg="mod">
+          <ac:chgData name="Graf Thomas, INI-NET-VNC-HCS" userId="487bc3e3-9ce7-4cdd-b7b4-8899ea88d289" providerId="ADAL" clId="{D5F81756-EA00-4B65-9234-A0FB2F3D032D}" dt="2024-07-22T21:02:30.025" v="853" actId="20577"/>
+          <ac:spMkLst>
+            <pc:docMk/>
+            <pc:sldMk cId="1081037514" sldId="2145706225"/>
+            <ac:spMk id="48" creationId="{A48B1DB7-BCDC-5D18-F56D-8A1447F1B8BA}"/>
+          </ac:spMkLst>
+        </pc:spChg>
+      </pc:sldChg>
+      <pc:sldChg chg="add del">
+        <pc:chgData name="Graf Thomas, INI-NET-VNC-HCS" userId="487bc3e3-9ce7-4cdd-b7b4-8899ea88d289" providerId="ADAL" clId="{D5F81756-EA00-4B65-9234-A0FB2F3D032D}" dt="2024-07-22T21:02:03.415" v="826" actId="47"/>
+        <pc:sldMkLst>
+          <pc:docMk/>
+          <pc:sldMk cId="663711217" sldId="2145706234"/>
+        </pc:sldMkLst>
+      </pc:sldChg>
+      <pc:sldChg chg="modSp mod">
+        <pc:chgData name="Graf Thomas, INI-NET-VNC-HCS" userId="487bc3e3-9ce7-4cdd-b7b4-8899ea88d289" providerId="ADAL" clId="{D5F81756-EA00-4B65-9234-A0FB2F3D032D}" dt="2024-07-22T20:57:24.900" v="814" actId="20577"/>
         <pc:sldMkLst>
           <pc:docMk/>
           <pc:sldMk cId="2617504443" sldId="2145706242"/>
         </pc:sldMkLst>
         <pc:spChg chg="mod">
-          <ac:chgData name="Graf Thomas, INI-NET-VNC-HCS" userId="487bc3e3-9ce7-4cdd-b7b4-8899ea88d289" providerId="ADAL" clId="{D5F81756-EA00-4B65-9234-A0FB2F3D032D}" dt="2024-07-13T16:07:59.264" v="587" actId="20577"/>
+          <ac:chgData name="Graf Thomas, INI-NET-VNC-HCS" userId="487bc3e3-9ce7-4cdd-b7b4-8899ea88d289" providerId="ADAL" clId="{D5F81756-EA00-4B65-9234-A0FB2F3D032D}" dt="2024-07-22T20:57:24.900" v="814" actId="20577"/>
           <ac:spMkLst>
             <pc:docMk/>
             <pc:sldMk cId="2617504443" sldId="2145706242"/>
@@ -237,7 +282,7 @@
         </pc:spChg>
       </pc:sldChg>
       <pc:sldChg chg="addSp delSp modSp add mod ord">
-        <pc:chgData name="Graf Thomas, INI-NET-VNC-HCS" userId="487bc3e3-9ce7-4cdd-b7b4-8899ea88d289" providerId="ADAL" clId="{D5F81756-EA00-4B65-9234-A0FB2F3D032D}" dt="2024-07-13T16:18:17.736" v="601" actId="20577"/>
+        <pc:chgData name="Graf Thomas, INI-NET-VNC-HCS" userId="487bc3e3-9ce7-4cdd-b7b4-8899ea88d289" providerId="ADAL" clId="{D5F81756-EA00-4B65-9234-A0FB2F3D032D}" dt="2024-07-22T20:51:04.197" v="628" actId="20577"/>
         <pc:sldMkLst>
           <pc:docMk/>
           <pc:sldMk cId="492372888" sldId="2145706282"/>
@@ -371,7 +416,7 @@
           </ac:spMkLst>
         </pc:spChg>
         <pc:spChg chg="mod">
-          <ac:chgData name="Graf Thomas, INI-NET-VNC-HCS" userId="487bc3e3-9ce7-4cdd-b7b4-8899ea88d289" providerId="ADAL" clId="{D5F81756-EA00-4B65-9234-A0FB2F3D032D}" dt="2024-07-13T16:10:57.757" v="597" actId="20577"/>
+          <ac:chgData name="Graf Thomas, INI-NET-VNC-HCS" userId="487bc3e3-9ce7-4cdd-b7b4-8899ea88d289" providerId="ADAL" clId="{D5F81756-EA00-4B65-9234-A0FB2F3D032D}" dt="2024-07-22T20:51:04.197" v="628" actId="20577"/>
           <ac:spMkLst>
             <pc:docMk/>
             <pc:sldMk cId="492372888" sldId="2145706282"/>
@@ -508,7 +553,7 @@
         </pc:cxnChg>
       </pc:sldChg>
       <pc:sldChg chg="addSp delSp modSp add mod">
-        <pc:chgData name="Graf Thomas, INI-NET-VNC-HCS" userId="487bc3e3-9ce7-4cdd-b7b4-8899ea88d289" providerId="ADAL" clId="{D5F81756-EA00-4B65-9234-A0FB2F3D032D}" dt="2024-07-13T15:58:35.681" v="276" actId="20577"/>
+        <pc:chgData name="Graf Thomas, INI-NET-VNC-HCS" userId="487bc3e3-9ce7-4cdd-b7b4-8899ea88d289" providerId="ADAL" clId="{D5F81756-EA00-4B65-9234-A0FB2F3D032D}" dt="2024-07-22T20:52:32.077" v="732" actId="20577"/>
         <pc:sldMkLst>
           <pc:docMk/>
           <pc:sldMk cId="1108719720" sldId="2145706283"/>
@@ -642,7 +687,7 @@
           </ac:spMkLst>
         </pc:spChg>
         <pc:spChg chg="mod">
-          <ac:chgData name="Graf Thomas, INI-NET-VNC-HCS" userId="487bc3e3-9ce7-4cdd-b7b4-8899ea88d289" providerId="ADAL" clId="{D5F81756-EA00-4B65-9234-A0FB2F3D032D}" dt="2024-07-13T15:55:50.133" v="228" actId="20577"/>
+          <ac:chgData name="Graf Thomas, INI-NET-VNC-HCS" userId="487bc3e3-9ce7-4cdd-b7b4-8899ea88d289" providerId="ADAL" clId="{D5F81756-EA00-4B65-9234-A0FB2F3D032D}" dt="2024-07-22T20:52:32.077" v="732" actId="20577"/>
           <ac:spMkLst>
             <pc:docMk/>
             <pc:sldMk cId="1108719720" sldId="2145706283"/>
@@ -761,6 +806,37 @@
             <ac:cxnSpMk id="26" creationId="{FC2ED9A3-59E2-4C02-0C42-7DF18209075A}"/>
           </ac:cxnSpMkLst>
         </pc:cxnChg>
+      </pc:sldChg>
+      <pc:sldChg chg="delSp modSp add mod ord">
+        <pc:chgData name="Graf Thomas, INI-NET-VNC-HCS" userId="487bc3e3-9ce7-4cdd-b7b4-8899ea88d289" providerId="ADAL" clId="{D5F81756-EA00-4B65-9234-A0FB2F3D032D}" dt="2024-07-22T21:11:11.993" v="1200" actId="20577"/>
+        <pc:sldMkLst>
+          <pc:docMk/>
+          <pc:sldMk cId="102978613" sldId="2145706284"/>
+        </pc:sldMkLst>
+        <pc:spChg chg="mod">
+          <ac:chgData name="Graf Thomas, INI-NET-VNC-HCS" userId="487bc3e3-9ce7-4cdd-b7b4-8899ea88d289" providerId="ADAL" clId="{D5F81756-EA00-4B65-9234-A0FB2F3D032D}" dt="2024-07-22T21:11:11.993" v="1200" actId="20577"/>
+          <ac:spMkLst>
+            <pc:docMk/>
+            <pc:sldMk cId="102978613" sldId="2145706284"/>
+            <ac:spMk id="5" creationId="{0194B37B-813A-99FE-7B78-4D87D8C30D44}"/>
+          </ac:spMkLst>
+        </pc:spChg>
+        <pc:spChg chg="del">
+          <ac:chgData name="Graf Thomas, INI-NET-VNC-HCS" userId="487bc3e3-9ce7-4cdd-b7b4-8899ea88d289" providerId="ADAL" clId="{D5F81756-EA00-4B65-9234-A0FB2F3D032D}" dt="2024-07-22T21:04:00.154" v="871" actId="478"/>
+          <ac:spMkLst>
+            <pc:docMk/>
+            <pc:sldMk cId="102978613" sldId="2145706284"/>
+            <ac:spMk id="18" creationId="{B283EDB4-CFDF-D6B9-8AF9-9CFA563360E3}"/>
+          </ac:spMkLst>
+        </pc:spChg>
+        <pc:spChg chg="mod">
+          <ac:chgData name="Graf Thomas, INI-NET-VNC-HCS" userId="487bc3e3-9ce7-4cdd-b7b4-8899ea88d289" providerId="ADAL" clId="{D5F81756-EA00-4B65-9234-A0FB2F3D032D}" dt="2024-07-22T21:03:13.424" v="870" actId="20577"/>
+          <ac:spMkLst>
+            <pc:docMk/>
+            <pc:sldMk cId="102978613" sldId="2145706284"/>
+            <ac:spMk id="19" creationId="{56D79134-17A9-8BC8-B7D0-97BCFFB9A6B2}"/>
+          </ac:spMkLst>
+        </pc:spChg>
       </pc:sldChg>
       <pc:sldMasterChg chg="del delSldLayout">
         <pc:chgData name="Graf Thomas, INI-NET-VNC-HCS" userId="487bc3e3-9ce7-4cdd-b7b4-8899ea88d289" providerId="ADAL" clId="{D5F81756-EA00-4B65-9234-A0FB2F3D032D}" dt="2024-07-13T15:49:07.497" v="91" actId="47"/>
@@ -1428,7 +1504,7 @@
           <a:p>
             <a:fld id="{E5E705E9-673F-4AC4-B29E-A7B26F3B8523}" type="datetimeFigureOut">
               <a:rPr lang="de-CH" smtClean="0"/>
-              <a:t>16.07.2024</a:t>
+              <a:t>22.07.2024</a:t>
             </a:fld>
             <a:endParaRPr lang="de-CH"/>
           </a:p>
@@ -1761,7 +1837,7 @@
           <a:p>
             <a:fld id="{574FFD1E-068C-4775-AB61-A06ECF97265E}" type="slidenum">
               <a:rPr lang="de-CH" smtClean="0"/>
-              <a:t>2</a:t>
+              <a:t>3</a:t>
             </a:fld>
             <a:endParaRPr lang="de-CH"/>
           </a:p>
@@ -1845,7 +1921,7 @@
           <a:p>
             <a:fld id="{574FFD1E-068C-4775-AB61-A06ECF97265E}" type="slidenum">
               <a:rPr lang="de-CH" smtClean="0"/>
-              <a:t>4</a:t>
+              <a:t>5</a:t>
             </a:fld>
             <a:endParaRPr lang="de-CH"/>
           </a:p>
@@ -1929,7 +2005,7 @@
           <a:p>
             <a:fld id="{2BBC52A0-2F3F-497F-8536-39D60282E9C2}" type="slidenum">
               <a:rPr lang="de-CH" smtClean="0"/>
-              <a:t>6</a:t>
+              <a:t>7</a:t>
             </a:fld>
             <a:endParaRPr lang="de-CH"/>
           </a:p>
@@ -2527,7 +2603,7 @@
           <a:bodyPr/>
           <a:lstStyle/>
           <a:p>
-            <a:endParaRPr lang="en-US" dirty="0"/>
+            <a:endParaRPr lang="de-CH" dirty="0"/>
           </a:p>
         </p:txBody>
       </p:sp>
@@ -2546,7 +2622,7 @@
           <a:bodyPr/>
           <a:lstStyle/>
           <a:p>
-            <a:fld id="{574FFD1E-068C-4775-AB61-A06ECF97265E}" type="slidenum">
+            <a:fld id="{2BBC52A0-2F3F-497F-8536-39D60282E9C2}" type="slidenum">
               <a:rPr lang="de-CH" smtClean="0"/>
               <a:t>14</a:t>
             </a:fld>
@@ -2557,7 +2633,7 @@
     </p:spTree>
     <p:extLst>
       <p:ext uri="{BB962C8B-B14F-4D97-AF65-F5344CB8AC3E}">
-        <p14:creationId xmlns:p14="http://schemas.microsoft.com/office/powerpoint/2010/main" val="899548081"/>
+        <p14:creationId xmlns:p14="http://schemas.microsoft.com/office/powerpoint/2010/main" val="1107056533"/>
       </p:ext>
     </p:extLst>
   </p:cSld>
@@ -2716,7 +2792,7 @@
           <a:p>
             <a:fld id="{9E9B238C-2335-4007-98C9-471C02CC43B6}" type="datetimeFigureOut">
               <a:rPr lang="de-CH" smtClean="0"/>
-              <a:t>16.07.2024</a:t>
+              <a:t>22.07.2024</a:t>
             </a:fld>
             <a:endParaRPr lang="de-CH"/>
           </a:p>
@@ -2916,7 +2992,7 @@
           <a:p>
             <a:fld id="{9E9B238C-2335-4007-98C9-471C02CC43B6}" type="datetimeFigureOut">
               <a:rPr lang="de-CH" smtClean="0"/>
-              <a:t>16.07.2024</a:t>
+              <a:t>22.07.2024</a:t>
             </a:fld>
             <a:endParaRPr lang="de-CH"/>
           </a:p>
@@ -3126,7 +3202,7 @@
           <a:p>
             <a:fld id="{9E9B238C-2335-4007-98C9-471C02CC43B6}" type="datetimeFigureOut">
               <a:rPr lang="de-CH" smtClean="0"/>
-              <a:t>16.07.2024</a:t>
+              <a:t>22.07.2024</a:t>
             </a:fld>
             <a:endParaRPr lang="de-CH"/>
           </a:p>
@@ -3555,7 +3631,7 @@
           <a:p>
             <a:fld id="{9E9B238C-2335-4007-98C9-471C02CC43B6}" type="datetimeFigureOut">
               <a:rPr lang="de-CH" smtClean="0"/>
-              <a:t>16.07.2024</a:t>
+              <a:t>22.07.2024</a:t>
             </a:fld>
             <a:endParaRPr lang="de-CH"/>
           </a:p>
@@ -3831,7 +3907,7 @@
           <a:p>
             <a:fld id="{9E9B238C-2335-4007-98C9-471C02CC43B6}" type="datetimeFigureOut">
               <a:rPr lang="de-CH" smtClean="0"/>
-              <a:t>16.07.2024</a:t>
+              <a:t>22.07.2024</a:t>
             </a:fld>
             <a:endParaRPr lang="de-CH"/>
           </a:p>
@@ -4099,7 +4175,7 @@
           <a:p>
             <a:fld id="{9E9B238C-2335-4007-98C9-471C02CC43B6}" type="datetimeFigureOut">
               <a:rPr lang="de-CH" smtClean="0"/>
-              <a:t>16.07.2024</a:t>
+              <a:t>22.07.2024</a:t>
             </a:fld>
             <a:endParaRPr lang="de-CH"/>
           </a:p>
@@ -4514,7 +4590,7 @@
           <a:p>
             <a:fld id="{9E9B238C-2335-4007-98C9-471C02CC43B6}" type="datetimeFigureOut">
               <a:rPr lang="de-CH" smtClean="0"/>
-              <a:t>16.07.2024</a:t>
+              <a:t>22.07.2024</a:t>
             </a:fld>
             <a:endParaRPr lang="de-CH"/>
           </a:p>
@@ -4656,7 +4732,7 @@
           <a:p>
             <a:fld id="{9E9B238C-2335-4007-98C9-471C02CC43B6}" type="datetimeFigureOut">
               <a:rPr lang="de-CH" smtClean="0"/>
-              <a:t>16.07.2024</a:t>
+              <a:t>22.07.2024</a:t>
             </a:fld>
             <a:endParaRPr lang="de-CH"/>
           </a:p>
@@ -4769,7 +4845,7 @@
           <a:p>
             <a:fld id="{9E9B238C-2335-4007-98C9-471C02CC43B6}" type="datetimeFigureOut">
               <a:rPr lang="de-CH" smtClean="0"/>
-              <a:t>16.07.2024</a:t>
+              <a:t>22.07.2024</a:t>
             </a:fld>
             <a:endParaRPr lang="de-CH"/>
           </a:p>
@@ -5082,7 +5158,7 @@
           <a:p>
             <a:fld id="{9E9B238C-2335-4007-98C9-471C02CC43B6}" type="datetimeFigureOut">
               <a:rPr lang="de-CH" smtClean="0"/>
-              <a:t>16.07.2024</a:t>
+              <a:t>22.07.2024</a:t>
             </a:fld>
             <a:endParaRPr lang="de-CH"/>
           </a:p>
@@ -5371,7 +5447,7 @@
           <a:p>
             <a:fld id="{9E9B238C-2335-4007-98C9-471C02CC43B6}" type="datetimeFigureOut">
               <a:rPr lang="de-CH" smtClean="0"/>
-              <a:t>16.07.2024</a:t>
+              <a:t>22.07.2024</a:t>
             </a:fld>
             <a:endParaRPr lang="de-CH"/>
           </a:p>
@@ -5614,7 +5690,7 @@
           <a:p>
             <a:fld id="{9E9B238C-2335-4007-98C9-471C02CC43B6}" type="datetimeFigureOut">
               <a:rPr lang="de-CH" smtClean="0"/>
-              <a:t>16.07.2024</a:t>
+              <a:t>22.07.2024</a:t>
             </a:fld>
             <a:endParaRPr lang="de-CH"/>
           </a:p>
@@ -6451,7 +6527,7 @@
               <a:rPr lang="de-CH" sz="1400" dirty="0">
                 <a:latin typeface="+mj-lt"/>
               </a:rPr>
-              <a:t>16. </a:t>
+              <a:t>22. </a:t>
             </a:r>
             <a:r>
               <a:rPr lang="de-CH" sz="1400" dirty="0" err="1">
@@ -6497,6 +6573,1166 @@
 </file>
 
 <file path=ppt/slides/slide10.xml><?xml version="1.0" encoding="utf-8"?>
+<p:sld xmlns:a="http://schemas.openxmlformats.org/drawingml/2006/main" xmlns:r="http://schemas.openxmlformats.org/officeDocument/2006/relationships" xmlns:p="http://schemas.openxmlformats.org/presentationml/2006/main">
+  <p:cSld>
+    <p:spTree>
+      <p:nvGrpSpPr>
+        <p:cNvPr id="1" name="Shape 225"/>
+        <p:cNvGrpSpPr/>
+        <p:nvPr/>
+      </p:nvGrpSpPr>
+      <p:grpSpPr>
+        <a:xfrm>
+          <a:off x="0" y="0"/>
+          <a:ext cx="0" cy="0"/>
+          <a:chOff x="0" y="0"/>
+          <a:chExt cx="0" cy="0"/>
+        </a:xfrm>
+      </p:grpSpPr>
+      <p:sp>
+        <p:nvSpPr>
+          <p:cNvPr id="226" name="Google Shape;226;p9"/>
+          <p:cNvSpPr txBox="1"/>
+          <p:nvPr/>
+        </p:nvSpPr>
+        <p:spPr>
+          <a:xfrm>
+            <a:off x="838198" y="1484344"/>
+            <a:ext cx="4373880" cy="2329677"/>
+          </a:xfrm>
+          <a:prstGeom prst="rect">
+            <a:avLst/>
+          </a:prstGeom>
+          <a:noFill/>
+          <a:ln>
+            <a:noFill/>
+          </a:ln>
+        </p:spPr>
+        <p:txBody>
+          <a:bodyPr spcFirstLastPara="1" wrap="square" lIns="91425" tIns="45700" rIns="91425" bIns="45700" anchor="t" anchorCtr="0">
+            <a:spAutoFit/>
+          </a:bodyPr>
+          <a:lstStyle/>
+          <a:p>
+            <a:pPr marL="0" marR="0" lvl="0" indent="0" algn="l" rtl="0">
+              <a:lnSpc>
+                <a:spcPct val="107000"/>
+              </a:lnSpc>
+              <a:spcBef>
+                <a:spcPts val="0"/>
+              </a:spcBef>
+              <a:spcAft>
+                <a:spcPts val="0"/>
+              </a:spcAft>
+              <a:buNone/>
+            </a:pPr>
+            <a:r>
+              <a:rPr lang="en-US" sz="850" b="0" i="0" u="none" strike="noStrike" cap="none">
+                <a:solidFill>
+                  <a:schemeClr val="dk1"/>
+                </a:solidFill>
+                <a:latin typeface="Courier New"/>
+                <a:ea typeface="Courier New"/>
+                <a:cs typeface="Courier New"/>
+                <a:sym typeface="Courier New"/>
+              </a:rPr>
+              <a:t>module: ietf-network-anomaly-metadata</a:t>
+            </a:r>
+            <a:endParaRPr/>
+          </a:p>
+          <a:p>
+            <a:pPr marL="0" marR="0" lvl="0" indent="0" algn="l" rtl="0">
+              <a:lnSpc>
+                <a:spcPct val="107000"/>
+              </a:lnSpc>
+              <a:spcBef>
+                <a:spcPts val="0"/>
+              </a:spcBef>
+              <a:spcAft>
+                <a:spcPts val="0"/>
+              </a:spcAft>
+              <a:buNone/>
+            </a:pPr>
+            <a:r>
+              <a:rPr lang="en-US" sz="850" b="0" i="0" u="none" strike="noStrike" cap="none">
+                <a:solidFill>
+                  <a:schemeClr val="dk1"/>
+                </a:solidFill>
+                <a:latin typeface="Courier New"/>
+                <a:ea typeface="Courier New"/>
+                <a:cs typeface="Courier New"/>
+                <a:sym typeface="Courier New"/>
+              </a:rPr>
+              <a:t>  +--rw network-anomalies</a:t>
+            </a:r>
+            <a:endParaRPr/>
+          </a:p>
+          <a:p>
+            <a:pPr marL="0" marR="0" lvl="0" indent="0" algn="l" rtl="0">
+              <a:lnSpc>
+                <a:spcPct val="107000"/>
+              </a:lnSpc>
+              <a:spcBef>
+                <a:spcPts val="0"/>
+              </a:spcBef>
+              <a:spcAft>
+                <a:spcPts val="0"/>
+              </a:spcAft>
+              <a:buNone/>
+            </a:pPr>
+            <a:r>
+              <a:rPr lang="en-US" sz="850" b="0" i="0" u="none" strike="noStrike" cap="none">
+                <a:solidFill>
+                  <a:schemeClr val="dk1"/>
+                </a:solidFill>
+                <a:latin typeface="Courier New"/>
+                <a:ea typeface="Courier New"/>
+                <a:cs typeface="Courier New"/>
+                <a:sym typeface="Courier New"/>
+              </a:rPr>
+              <a:t>    +--rw network-anomaly* [id version]</a:t>
+            </a:r>
+            <a:endParaRPr/>
+          </a:p>
+          <a:p>
+            <a:pPr marL="0" marR="0" lvl="0" indent="0" algn="l" rtl="0">
+              <a:lnSpc>
+                <a:spcPct val="107000"/>
+              </a:lnSpc>
+              <a:spcBef>
+                <a:spcPts val="0"/>
+              </a:spcBef>
+              <a:spcAft>
+                <a:spcPts val="0"/>
+              </a:spcAft>
+              <a:buNone/>
+            </a:pPr>
+            <a:r>
+              <a:rPr lang="en-US" sz="850" b="0" i="0" u="none" strike="noStrike" cap="none">
+                <a:solidFill>
+                  <a:schemeClr val="dk1"/>
+                </a:solidFill>
+                <a:latin typeface="Courier New"/>
+                <a:ea typeface="Courier New"/>
+                <a:cs typeface="Courier New"/>
+                <a:sym typeface="Courier New"/>
+              </a:rPr>
+              <a:t>      +--rw id             yang:uuid</a:t>
+            </a:r>
+            <a:endParaRPr sz="850" b="0" i="0" u="none" strike="noStrike" cap="none">
+              <a:solidFill>
+                <a:schemeClr val="dk1"/>
+              </a:solidFill>
+              <a:latin typeface="Courier New"/>
+              <a:ea typeface="Courier New"/>
+              <a:cs typeface="Courier New"/>
+              <a:sym typeface="Courier New"/>
+            </a:endParaRPr>
+          </a:p>
+          <a:p>
+            <a:pPr marL="0" marR="0" lvl="0" indent="0" algn="l" rtl="0">
+              <a:lnSpc>
+                <a:spcPct val="107000"/>
+              </a:lnSpc>
+              <a:spcBef>
+                <a:spcPts val="0"/>
+              </a:spcBef>
+              <a:spcAft>
+                <a:spcPts val="0"/>
+              </a:spcAft>
+              <a:buNone/>
+            </a:pPr>
+            <a:r>
+              <a:rPr lang="en-US" sz="850" b="0" i="0" u="none" strike="noStrike" cap="none">
+                <a:solidFill>
+                  <a:schemeClr val="dk1"/>
+                </a:solidFill>
+                <a:latin typeface="Courier New"/>
+                <a:ea typeface="Courier New"/>
+                <a:cs typeface="Courier New"/>
+                <a:sym typeface="Courier New"/>
+              </a:rPr>
+              <a:t>      +--rw version        uint32</a:t>
+            </a:r>
+            <a:endParaRPr/>
+          </a:p>
+          <a:p>
+            <a:pPr marL="0" marR="0" lvl="0" indent="0" algn="l" rtl="0">
+              <a:lnSpc>
+                <a:spcPct val="107000"/>
+              </a:lnSpc>
+              <a:spcBef>
+                <a:spcPts val="0"/>
+              </a:spcBef>
+              <a:spcAft>
+                <a:spcPts val="0"/>
+              </a:spcAft>
+              <a:buNone/>
+            </a:pPr>
+            <a:r>
+              <a:rPr lang="en-US" sz="850" b="0" i="0" u="none" strike="noStrike" cap="none">
+                <a:solidFill>
+                  <a:schemeClr val="dk1"/>
+                </a:solidFill>
+                <a:latin typeface="Courier New"/>
+                <a:ea typeface="Courier New"/>
+                <a:cs typeface="Courier New"/>
+                <a:sym typeface="Courier New"/>
+              </a:rPr>
+              <a:t>      +--rw description?   string</a:t>
+            </a:r>
+            <a:endParaRPr/>
+          </a:p>
+          <a:p>
+            <a:pPr marL="0" marR="0" lvl="0" indent="0" algn="l" rtl="0">
+              <a:lnSpc>
+                <a:spcPct val="107000"/>
+              </a:lnSpc>
+              <a:spcBef>
+                <a:spcPts val="0"/>
+              </a:spcBef>
+              <a:spcAft>
+                <a:spcPts val="0"/>
+              </a:spcAft>
+              <a:buNone/>
+            </a:pPr>
+            <a:r>
+              <a:rPr lang="en-US" sz="850" b="0" i="0" u="none" strike="noStrike" cap="none">
+                <a:solidFill>
+                  <a:schemeClr val="dk1"/>
+                </a:solidFill>
+                <a:latin typeface="Courier New"/>
+                <a:ea typeface="Courier New"/>
+                <a:cs typeface="Courier New"/>
+                <a:sym typeface="Courier New"/>
+              </a:rPr>
+              <a:t>      +--rw state          identityref</a:t>
+            </a:r>
+            <a:endParaRPr sz="850" b="0" i="0" u="none" strike="noStrike" cap="none">
+              <a:solidFill>
+                <a:schemeClr val="dk1"/>
+              </a:solidFill>
+              <a:latin typeface="Courier New"/>
+              <a:ea typeface="Courier New"/>
+              <a:cs typeface="Courier New"/>
+              <a:sym typeface="Courier New"/>
+            </a:endParaRPr>
+          </a:p>
+          <a:p>
+            <a:pPr marL="0" marR="0" lvl="0" indent="0" algn="l" rtl="0">
+              <a:lnSpc>
+                <a:spcPct val="107000"/>
+              </a:lnSpc>
+              <a:spcBef>
+                <a:spcPts val="0"/>
+              </a:spcBef>
+              <a:spcAft>
+                <a:spcPts val="0"/>
+              </a:spcAft>
+              <a:buNone/>
+            </a:pPr>
+            <a:r>
+              <a:rPr lang="en-US" sz="850" b="0" i="0" u="none" strike="noStrike" cap="none">
+                <a:solidFill>
+                  <a:schemeClr val="dk1"/>
+                </a:solidFill>
+                <a:latin typeface="Courier New"/>
+                <a:ea typeface="Courier New"/>
+                <a:cs typeface="Courier New"/>
+                <a:sym typeface="Courier New"/>
+              </a:rPr>
+              <a:t>      +--rw annotator</a:t>
+            </a:r>
+            <a:endParaRPr/>
+          </a:p>
+          <a:p>
+            <a:pPr marL="0" marR="0" lvl="0" indent="0" algn="l" rtl="0">
+              <a:lnSpc>
+                <a:spcPct val="107000"/>
+              </a:lnSpc>
+              <a:spcBef>
+                <a:spcPts val="0"/>
+              </a:spcBef>
+              <a:spcAft>
+                <a:spcPts val="0"/>
+              </a:spcAft>
+              <a:buNone/>
+            </a:pPr>
+            <a:r>
+              <a:rPr lang="en-US" sz="850" b="0" i="0" u="none" strike="noStrike" cap="none">
+                <a:solidFill>
+                  <a:schemeClr val="dk1"/>
+                </a:solidFill>
+                <a:latin typeface="Courier New"/>
+                <a:ea typeface="Courier New"/>
+                <a:cs typeface="Courier New"/>
+                <a:sym typeface="Courier New"/>
+              </a:rPr>
+              <a:t>      |  +--rw (annotator-type)</a:t>
+            </a:r>
+            <a:endParaRPr/>
+          </a:p>
+          <a:p>
+            <a:pPr marL="0" marR="0" lvl="0" indent="0" algn="l" rtl="0">
+              <a:lnSpc>
+                <a:spcPct val="107000"/>
+              </a:lnSpc>
+              <a:spcBef>
+                <a:spcPts val="0"/>
+              </a:spcBef>
+              <a:spcAft>
+                <a:spcPts val="0"/>
+              </a:spcAft>
+              <a:buNone/>
+            </a:pPr>
+            <a:r>
+              <a:rPr lang="en-US" sz="850" b="0" i="0" u="none" strike="noStrike" cap="none">
+                <a:solidFill>
+                  <a:schemeClr val="dk1"/>
+                </a:solidFill>
+                <a:latin typeface="Courier New"/>
+                <a:ea typeface="Courier New"/>
+                <a:cs typeface="Courier New"/>
+                <a:sym typeface="Courier New"/>
+              </a:rPr>
+              <a:t>      |  |  +--:(human)</a:t>
+            </a:r>
+            <a:endParaRPr/>
+          </a:p>
+          <a:p>
+            <a:pPr marL="0" marR="0" lvl="0" indent="0" algn="l" rtl="0">
+              <a:lnSpc>
+                <a:spcPct val="107000"/>
+              </a:lnSpc>
+              <a:spcBef>
+                <a:spcPts val="0"/>
+              </a:spcBef>
+              <a:spcAft>
+                <a:spcPts val="0"/>
+              </a:spcAft>
+              <a:buNone/>
+            </a:pPr>
+            <a:r>
+              <a:rPr lang="en-US" sz="850" b="0" i="0" u="none" strike="noStrike" cap="none">
+                <a:solidFill>
+                  <a:schemeClr val="dk1"/>
+                </a:solidFill>
+                <a:latin typeface="Courier New"/>
+                <a:ea typeface="Courier New"/>
+                <a:cs typeface="Courier New"/>
+                <a:sym typeface="Courier New"/>
+              </a:rPr>
+              <a:t>      |  |  |  +--rw human        empty</a:t>
+            </a:r>
+            <a:endParaRPr/>
+          </a:p>
+          <a:p>
+            <a:pPr marL="0" marR="0" lvl="0" indent="0" algn="l" rtl="0">
+              <a:lnSpc>
+                <a:spcPct val="107000"/>
+              </a:lnSpc>
+              <a:spcBef>
+                <a:spcPts val="0"/>
+              </a:spcBef>
+              <a:spcAft>
+                <a:spcPts val="0"/>
+              </a:spcAft>
+              <a:buNone/>
+            </a:pPr>
+            <a:r>
+              <a:rPr lang="en-US" sz="850" b="0" i="0" u="none" strike="noStrike" cap="none">
+                <a:solidFill>
+                  <a:schemeClr val="dk1"/>
+                </a:solidFill>
+                <a:latin typeface="Courier New"/>
+                <a:ea typeface="Courier New"/>
+                <a:cs typeface="Courier New"/>
+                <a:sym typeface="Courier New"/>
+              </a:rPr>
+              <a:t>      |  |  +--:(algorithm)</a:t>
+            </a:r>
+            <a:endParaRPr/>
+          </a:p>
+          <a:p>
+            <a:pPr marL="0" marR="0" lvl="0" indent="0" algn="l" rtl="0">
+              <a:lnSpc>
+                <a:spcPct val="107000"/>
+              </a:lnSpc>
+              <a:spcBef>
+                <a:spcPts val="0"/>
+              </a:spcBef>
+              <a:spcAft>
+                <a:spcPts val="0"/>
+              </a:spcAft>
+              <a:buNone/>
+            </a:pPr>
+            <a:r>
+              <a:rPr lang="en-US" sz="850" b="0" i="0" u="none" strike="noStrike" cap="none">
+                <a:solidFill>
+                  <a:schemeClr val="dk1"/>
+                </a:solidFill>
+                <a:latin typeface="Courier New"/>
+                <a:ea typeface="Courier New"/>
+                <a:cs typeface="Courier New"/>
+                <a:sym typeface="Courier New"/>
+              </a:rPr>
+              <a:t>      |  |     +--rw algorithm    empty</a:t>
+            </a:r>
+            <a:endParaRPr/>
+          </a:p>
+          <a:p>
+            <a:pPr marL="0" marR="0" lvl="0" indent="0" algn="l" rtl="0">
+              <a:lnSpc>
+                <a:spcPct val="107000"/>
+              </a:lnSpc>
+              <a:spcBef>
+                <a:spcPts val="0"/>
+              </a:spcBef>
+              <a:spcAft>
+                <a:spcPts val="0"/>
+              </a:spcAft>
+              <a:buNone/>
+            </a:pPr>
+            <a:r>
+              <a:rPr lang="en-US" sz="850" b="0" i="0" u="none" strike="noStrike" cap="none">
+                <a:solidFill>
+                  <a:schemeClr val="dk1"/>
+                </a:solidFill>
+                <a:latin typeface="Courier New"/>
+                <a:ea typeface="Courier New"/>
+                <a:cs typeface="Courier New"/>
+                <a:sym typeface="Courier New"/>
+              </a:rPr>
+              <a:t>      |  +--rw name?              empty</a:t>
+            </a:r>
+            <a:endParaRPr/>
+          </a:p>
+          <a:p>
+            <a:pPr marL="0" marR="0" lvl="0" indent="0" algn="l" rtl="0">
+              <a:lnSpc>
+                <a:spcPct val="107000"/>
+              </a:lnSpc>
+              <a:spcBef>
+                <a:spcPts val="0"/>
+              </a:spcBef>
+              <a:spcAft>
+                <a:spcPts val="0"/>
+              </a:spcAft>
+              <a:buNone/>
+            </a:pPr>
+            <a:r>
+              <a:rPr lang="en-US" sz="850" b="0" i="0" u="none" strike="noStrike" cap="none">
+                <a:solidFill>
+                  <a:schemeClr val="dk1"/>
+                </a:solidFill>
+                <a:latin typeface="Courier New"/>
+                <a:ea typeface="Courier New"/>
+                <a:cs typeface="Courier New"/>
+                <a:sym typeface="Courier New"/>
+              </a:rPr>
+              <a:t>      +--rw symptoms* [symptom_id]</a:t>
+            </a:r>
+            <a:endParaRPr/>
+          </a:p>
+          <a:p>
+            <a:pPr marL="0" marR="0" lvl="0" indent="0" algn="l" rtl="0">
+              <a:lnSpc>
+                <a:spcPct val="107000"/>
+              </a:lnSpc>
+              <a:spcBef>
+                <a:spcPts val="0"/>
+              </a:spcBef>
+              <a:spcAft>
+                <a:spcPts val="0"/>
+              </a:spcAft>
+              <a:buNone/>
+            </a:pPr>
+            <a:r>
+              <a:rPr lang="en-US" sz="850" b="0" i="0" u="none" strike="noStrike" cap="none">
+                <a:solidFill>
+                  <a:schemeClr val="dk1"/>
+                </a:solidFill>
+                <a:latin typeface="Courier New"/>
+                <a:ea typeface="Courier New"/>
+                <a:cs typeface="Courier New"/>
+                <a:sym typeface="Courier New"/>
+              </a:rPr>
+              <a:t>        +--rw symptom_id    yang:uuid</a:t>
+            </a:r>
+            <a:endParaRPr sz="850" b="0" i="0" u="none" strike="noStrike" cap="none">
+              <a:solidFill>
+                <a:schemeClr val="dk1"/>
+              </a:solidFill>
+              <a:latin typeface="Courier New"/>
+              <a:ea typeface="Courier New"/>
+              <a:cs typeface="Courier New"/>
+              <a:sym typeface="Courier New"/>
+            </a:endParaRPr>
+          </a:p>
+        </p:txBody>
+      </p:sp>
+      <p:sp>
+        <p:nvSpPr>
+          <p:cNvPr id="227" name="Google Shape;227;p9"/>
+          <p:cNvSpPr txBox="1">
+            <a:spLocks noGrp="1"/>
+          </p:cNvSpPr>
+          <p:nvPr>
+            <p:ph type="body" idx="1"/>
+          </p:nvPr>
+        </p:nvSpPr>
+        <p:spPr>
+          <a:xfrm>
+            <a:off x="6193410" y="1929384"/>
+            <a:ext cx="5229402" cy="3823716"/>
+          </a:xfrm>
+          <a:prstGeom prst="rect">
+            <a:avLst/>
+          </a:prstGeom>
+          <a:noFill/>
+          <a:ln>
+            <a:noFill/>
+          </a:ln>
+        </p:spPr>
+        <p:txBody>
+          <a:bodyPr spcFirstLastPara="1" wrap="square" lIns="91425" tIns="45700" rIns="91425" bIns="45700" anchor="t" anchorCtr="0">
+            <a:noAutofit/>
+          </a:bodyPr>
+          <a:lstStyle/>
+          <a:p>
+            <a:pPr marL="228600" lvl="0" indent="-228600" algn="l" rtl="0">
+              <a:lnSpc>
+                <a:spcPct val="90000"/>
+              </a:lnSpc>
+              <a:spcBef>
+                <a:spcPts val="0"/>
+              </a:spcBef>
+              <a:spcAft>
+                <a:spcPts val="0"/>
+              </a:spcAft>
+              <a:buClr>
+                <a:srgbClr val="FF0000"/>
+              </a:buClr>
+              <a:buSzPts val="2000"/>
+              <a:buChar char="•"/>
+            </a:pPr>
+            <a:r>
+              <a:rPr lang="en-US" sz="2000" b="1" dirty="0">
+                <a:solidFill>
+                  <a:srgbClr val="FF0000"/>
+                </a:solidFill>
+              </a:rPr>
+              <a:t>ID and Description</a:t>
+            </a:r>
+            <a:r>
+              <a:rPr lang="en-US" sz="2000" dirty="0"/>
+              <a:t> uniquely identifies the detected network anomaly (as a container of symptoms).</a:t>
+            </a:r>
+            <a:endParaRPr dirty="0"/>
+          </a:p>
+          <a:p>
+            <a:pPr marL="228600" lvl="0" indent="-228600" algn="l" rtl="0">
+              <a:lnSpc>
+                <a:spcPct val="90000"/>
+              </a:lnSpc>
+              <a:spcBef>
+                <a:spcPts val="1000"/>
+              </a:spcBef>
+              <a:spcAft>
+                <a:spcPts val="0"/>
+              </a:spcAft>
+              <a:buClr>
+                <a:srgbClr val="FF0000"/>
+              </a:buClr>
+              <a:buSzPts val="2000"/>
+              <a:buChar char="•"/>
+            </a:pPr>
+            <a:r>
+              <a:rPr lang="en-US" sz="2000" b="1" dirty="0">
+                <a:solidFill>
+                  <a:srgbClr val="FF0000"/>
+                </a:solidFill>
+              </a:rPr>
+              <a:t>Description and State </a:t>
+            </a:r>
+            <a:r>
+              <a:rPr lang="en-US" sz="2000" dirty="0"/>
+              <a:t>provide general information regarding the anomaly and . </a:t>
+            </a:r>
+            <a:endParaRPr dirty="0"/>
+          </a:p>
+          <a:p>
+            <a:pPr marL="228600" lvl="0" indent="-228600" algn="l" rtl="0">
+              <a:lnSpc>
+                <a:spcPct val="90000"/>
+              </a:lnSpc>
+              <a:spcBef>
+                <a:spcPts val="1000"/>
+              </a:spcBef>
+              <a:spcAft>
+                <a:spcPts val="0"/>
+              </a:spcAft>
+              <a:buClr>
+                <a:srgbClr val="FF0000"/>
+              </a:buClr>
+              <a:buSzPts val="2000"/>
+              <a:buChar char="•"/>
+            </a:pPr>
+            <a:r>
+              <a:rPr lang="en-US" sz="2000" b="1" dirty="0">
+                <a:solidFill>
+                  <a:srgbClr val="FF0000"/>
+                </a:solidFill>
+              </a:rPr>
+              <a:t>Annotator </a:t>
+            </a:r>
+            <a:r>
+              <a:rPr lang="en-US" sz="2000" dirty="0"/>
+              <a:t>describes the entity that observed the network anomaly: this can be a human or an algorithm (anomaly detection system). </a:t>
+            </a:r>
+            <a:endParaRPr dirty="0"/>
+          </a:p>
+          <a:p>
+            <a:pPr marL="228600" lvl="0" indent="-228600" algn="l" rtl="0">
+              <a:lnSpc>
+                <a:spcPct val="90000"/>
+              </a:lnSpc>
+              <a:spcBef>
+                <a:spcPts val="1000"/>
+              </a:spcBef>
+              <a:spcAft>
+                <a:spcPts val="0"/>
+              </a:spcAft>
+              <a:buClr>
+                <a:srgbClr val="FF0000"/>
+              </a:buClr>
+              <a:buSzPts val="2000"/>
+              <a:buChar char="•"/>
+            </a:pPr>
+            <a:r>
+              <a:rPr lang="en-US" sz="2000" b="1" dirty="0">
+                <a:solidFill>
+                  <a:srgbClr val="FF0000"/>
+                </a:solidFill>
+              </a:rPr>
+              <a:t>Symptoms </a:t>
+            </a:r>
+            <a:r>
+              <a:rPr lang="en-US" sz="2000" dirty="0"/>
+              <a:t>provides a list of symptoms (based on </a:t>
+            </a:r>
+            <a:r>
+              <a:rPr lang="en-US" sz="2000" dirty="0" err="1"/>
+              <a:t>ietf</a:t>
+            </a:r>
+            <a:r>
+              <a:rPr lang="en-US" sz="2000" dirty="0"/>
+              <a:t>-symptom-metadata) that are part of this network anomaly.</a:t>
+            </a:r>
+            <a:endParaRPr dirty="0"/>
+          </a:p>
+        </p:txBody>
+      </p:sp>
+      <p:sp>
+        <p:nvSpPr>
+          <p:cNvPr id="228" name="Google Shape;228;p9"/>
+          <p:cNvSpPr/>
+          <p:nvPr/>
+        </p:nvSpPr>
+        <p:spPr>
+          <a:xfrm>
+            <a:off x="1063625" y="1810474"/>
+            <a:ext cx="3038400" cy="416400"/>
+          </a:xfrm>
+          <a:prstGeom prst="rect">
+            <a:avLst/>
+          </a:prstGeom>
+          <a:solidFill>
+            <a:schemeClr val="accent6">
+              <a:alpha val="9803"/>
+            </a:schemeClr>
+          </a:solidFill>
+          <a:ln w="25400" cap="flat" cmpd="sng">
+            <a:solidFill>
+              <a:schemeClr val="accent6"/>
+            </a:solidFill>
+            <a:prstDash val="solid"/>
+            <a:miter lim="800000"/>
+            <a:headEnd type="none" w="sm" len="sm"/>
+            <a:tailEnd type="none" w="sm" len="sm"/>
+          </a:ln>
+        </p:spPr>
+        <p:txBody>
+          <a:bodyPr spcFirstLastPara="1" wrap="square" lIns="91425" tIns="45700" rIns="91425" bIns="45700" anchor="ctr" anchorCtr="0">
+            <a:noAutofit/>
+          </a:bodyPr>
+          <a:lstStyle/>
+          <a:p>
+            <a:pPr marL="0" marR="0" lvl="0" indent="0" algn="ctr" rtl="0">
+              <a:spcBef>
+                <a:spcPts val="0"/>
+              </a:spcBef>
+              <a:spcAft>
+                <a:spcPts val="0"/>
+              </a:spcAft>
+              <a:buNone/>
+            </a:pPr>
+            <a:endParaRPr sz="1800" b="0" i="0" u="none" strike="noStrike" cap="none">
+              <a:solidFill>
+                <a:schemeClr val="lt1"/>
+              </a:solidFill>
+              <a:latin typeface="Calibri"/>
+              <a:ea typeface="Calibri"/>
+              <a:cs typeface="Calibri"/>
+              <a:sym typeface="Calibri"/>
+            </a:endParaRPr>
+          </a:p>
+        </p:txBody>
+      </p:sp>
+      <p:cxnSp>
+        <p:nvCxnSpPr>
+          <p:cNvPr id="229" name="Google Shape;229;p9"/>
+          <p:cNvCxnSpPr>
+            <a:stCxn id="228" idx="3"/>
+          </p:cNvCxnSpPr>
+          <p:nvPr/>
+        </p:nvCxnSpPr>
+        <p:spPr>
+          <a:xfrm>
+            <a:off x="4102025" y="2018674"/>
+            <a:ext cx="2091300" cy="90300"/>
+          </a:xfrm>
+          <a:prstGeom prst="straightConnector1">
+            <a:avLst/>
+          </a:prstGeom>
+          <a:noFill/>
+          <a:ln w="25400" cap="flat" cmpd="sng">
+            <a:solidFill>
+              <a:schemeClr val="accent6"/>
+            </a:solidFill>
+            <a:prstDash val="solid"/>
+            <a:miter lim="800000"/>
+            <a:headEnd type="none" w="sm" len="sm"/>
+            <a:tailEnd type="none" w="sm" len="sm"/>
+          </a:ln>
+        </p:spPr>
+      </p:cxnSp>
+      <p:sp>
+        <p:nvSpPr>
+          <p:cNvPr id="230" name="Google Shape;230;p9"/>
+          <p:cNvSpPr txBox="1">
+            <a:spLocks noGrp="1"/>
+          </p:cNvSpPr>
+          <p:nvPr>
+            <p:ph type="sldNum" idx="12"/>
+          </p:nvPr>
+        </p:nvSpPr>
+        <p:spPr>
+          <a:xfrm>
+            <a:off x="11587892" y="6361637"/>
+            <a:ext cx="414251" cy="365125"/>
+          </a:xfrm>
+          <a:prstGeom prst="rect">
+            <a:avLst/>
+          </a:prstGeom>
+          <a:noFill/>
+          <a:ln>
+            <a:noFill/>
+          </a:ln>
+        </p:spPr>
+        <p:txBody>
+          <a:bodyPr spcFirstLastPara="1" wrap="square" lIns="91425" tIns="45700" rIns="91425" bIns="45700" anchor="ctr" anchorCtr="0">
+            <a:noAutofit/>
+          </a:bodyPr>
+          <a:lstStyle/>
+          <a:p>
+            <a:pPr marL="0" lvl="0" indent="0" algn="r" rtl="0">
+              <a:spcBef>
+                <a:spcPts val="0"/>
+              </a:spcBef>
+              <a:spcAft>
+                <a:spcPts val="0"/>
+              </a:spcAft>
+              <a:buNone/>
+            </a:pPr>
+            <a:fld id="{00000000-1234-1234-1234-123412341234}" type="slidenum">
+              <a:rPr lang="en-US" sz="1400"/>
+              <a:t>10</a:t>
+            </a:fld>
+            <a:endParaRPr sz="1400"/>
+          </a:p>
+        </p:txBody>
+      </p:sp>
+      <p:sp>
+        <p:nvSpPr>
+          <p:cNvPr id="231" name="Google Shape;231;p9"/>
+          <p:cNvSpPr txBox="1">
+            <a:spLocks noGrp="1"/>
+          </p:cNvSpPr>
+          <p:nvPr>
+            <p:ph type="title"/>
+          </p:nvPr>
+        </p:nvSpPr>
+        <p:spPr>
+          <a:xfrm>
+            <a:off x="838200" y="365125"/>
+            <a:ext cx="10515600" cy="1325563"/>
+          </a:xfrm>
+          <a:prstGeom prst="rect">
+            <a:avLst/>
+          </a:prstGeom>
+          <a:noFill/>
+          <a:ln>
+            <a:noFill/>
+          </a:ln>
+        </p:spPr>
+        <p:txBody>
+          <a:bodyPr spcFirstLastPara="1" wrap="square" lIns="91425" tIns="45700" rIns="91425" bIns="45700" anchor="ctr" anchorCtr="0">
+            <a:normAutofit/>
+          </a:bodyPr>
+          <a:lstStyle/>
+          <a:p>
+            <a:pPr marL="0" lvl="0" indent="0" algn="l" rtl="0">
+              <a:lnSpc>
+                <a:spcPct val="90000"/>
+              </a:lnSpc>
+              <a:spcBef>
+                <a:spcPts val="0"/>
+              </a:spcBef>
+              <a:spcAft>
+                <a:spcPts val="0"/>
+              </a:spcAft>
+              <a:buClr>
+                <a:schemeClr val="dk1"/>
+              </a:buClr>
+              <a:buSzPts val="2800"/>
+              <a:buFont typeface="Calibri"/>
+              <a:buNone/>
+            </a:pPr>
+            <a:r>
+              <a:rPr lang="en-US" sz="2800" b="1" dirty="0">
+                <a:solidFill>
+                  <a:srgbClr val="FF0000"/>
+                </a:solidFill>
+              </a:rPr>
+              <a:t>Experiment: </a:t>
+            </a:r>
+            <a:r>
+              <a:rPr lang="en-US" sz="2800" b="1" dirty="0"/>
+              <a:t>Network Anomaly Lifecycle</a:t>
+            </a:r>
+            <a:br>
+              <a:rPr lang="en-US" sz="3600" dirty="0"/>
+            </a:br>
+            <a:r>
+              <a:rPr lang="en-US" sz="2700" dirty="0">
+                <a:solidFill>
+                  <a:srgbClr val="AEABAB"/>
+                </a:solidFill>
+              </a:rPr>
+              <a:t>draft-</a:t>
+            </a:r>
+            <a:r>
+              <a:rPr lang="en-US" sz="2700" dirty="0" err="1">
+                <a:solidFill>
+                  <a:srgbClr val="AEABAB"/>
+                </a:solidFill>
+              </a:rPr>
+              <a:t>netana</a:t>
+            </a:r>
+            <a:r>
+              <a:rPr lang="en-US" sz="2700" dirty="0">
+                <a:solidFill>
+                  <a:srgbClr val="AEABAB"/>
+                </a:solidFill>
+              </a:rPr>
+              <a:t>-</a:t>
+            </a:r>
+            <a:r>
+              <a:rPr lang="en-US" sz="2700" dirty="0" err="1">
+                <a:solidFill>
+                  <a:srgbClr val="AEABAB"/>
+                </a:solidFill>
+              </a:rPr>
+              <a:t>nmop</a:t>
+            </a:r>
+            <a:r>
+              <a:rPr lang="en-US" sz="2700" dirty="0">
+                <a:solidFill>
+                  <a:srgbClr val="AEABAB"/>
+                </a:solidFill>
+              </a:rPr>
+              <a:t>-network-anomaly-lifecycle</a:t>
+            </a:r>
+            <a:endParaRPr sz="2700" dirty="0">
+              <a:solidFill>
+                <a:srgbClr val="FF0000"/>
+              </a:solidFill>
+            </a:endParaRPr>
+          </a:p>
+        </p:txBody>
+      </p:sp>
+      <p:sp>
+        <p:nvSpPr>
+          <p:cNvPr id="232" name="Google Shape;232;p9"/>
+          <p:cNvSpPr/>
+          <p:nvPr/>
+        </p:nvSpPr>
+        <p:spPr>
+          <a:xfrm>
+            <a:off x="1063625" y="2506394"/>
+            <a:ext cx="3038475" cy="955944"/>
+          </a:xfrm>
+          <a:prstGeom prst="rect">
+            <a:avLst/>
+          </a:prstGeom>
+          <a:solidFill>
+            <a:schemeClr val="accent4">
+              <a:alpha val="9803"/>
+            </a:schemeClr>
+          </a:solidFill>
+          <a:ln w="25400" cap="flat" cmpd="sng">
+            <a:solidFill>
+              <a:schemeClr val="accent4"/>
+            </a:solidFill>
+            <a:prstDash val="solid"/>
+            <a:miter lim="800000"/>
+            <a:headEnd type="none" w="sm" len="sm"/>
+            <a:tailEnd type="none" w="sm" len="sm"/>
+          </a:ln>
+        </p:spPr>
+        <p:txBody>
+          <a:bodyPr spcFirstLastPara="1" wrap="square" lIns="91425" tIns="45700" rIns="91425" bIns="45700" anchor="ctr" anchorCtr="0">
+            <a:noAutofit/>
+          </a:bodyPr>
+          <a:lstStyle/>
+          <a:p>
+            <a:pPr marL="0" marR="0" lvl="0" indent="0" algn="ctr" rtl="0">
+              <a:spcBef>
+                <a:spcPts val="0"/>
+              </a:spcBef>
+              <a:spcAft>
+                <a:spcPts val="0"/>
+              </a:spcAft>
+              <a:buNone/>
+            </a:pPr>
+            <a:endParaRPr sz="1800" b="0" i="0" u="none" strike="noStrike" cap="none">
+              <a:solidFill>
+                <a:schemeClr val="lt1"/>
+              </a:solidFill>
+              <a:latin typeface="Calibri"/>
+              <a:ea typeface="Calibri"/>
+              <a:cs typeface="Calibri"/>
+              <a:sym typeface="Calibri"/>
+            </a:endParaRPr>
+          </a:p>
+        </p:txBody>
+      </p:sp>
+      <p:cxnSp>
+        <p:nvCxnSpPr>
+          <p:cNvPr id="233" name="Google Shape;233;p9"/>
+          <p:cNvCxnSpPr>
+            <a:stCxn id="232" idx="3"/>
+          </p:cNvCxnSpPr>
+          <p:nvPr/>
+        </p:nvCxnSpPr>
+        <p:spPr>
+          <a:xfrm>
+            <a:off x="4102100" y="2984366"/>
+            <a:ext cx="1993800" cy="716700"/>
+          </a:xfrm>
+          <a:prstGeom prst="straightConnector1">
+            <a:avLst/>
+          </a:prstGeom>
+          <a:noFill/>
+          <a:ln w="25400" cap="flat" cmpd="sng">
+            <a:solidFill>
+              <a:schemeClr val="accent4"/>
+            </a:solidFill>
+            <a:prstDash val="solid"/>
+            <a:miter lim="800000"/>
+            <a:headEnd type="none" w="sm" len="sm"/>
+            <a:tailEnd type="none" w="sm" len="sm"/>
+          </a:ln>
+        </p:spPr>
+      </p:cxnSp>
+      <p:sp>
+        <p:nvSpPr>
+          <p:cNvPr id="234" name="Google Shape;234;p9"/>
+          <p:cNvSpPr/>
+          <p:nvPr/>
+        </p:nvSpPr>
+        <p:spPr>
+          <a:xfrm>
+            <a:off x="1063625" y="3480070"/>
+            <a:ext cx="3038475" cy="287068"/>
+          </a:xfrm>
+          <a:prstGeom prst="rect">
+            <a:avLst/>
+          </a:prstGeom>
+          <a:solidFill>
+            <a:schemeClr val="accent2">
+              <a:alpha val="9803"/>
+            </a:schemeClr>
+          </a:solidFill>
+          <a:ln w="25400" cap="flat" cmpd="sng">
+            <a:solidFill>
+              <a:schemeClr val="accent2"/>
+            </a:solidFill>
+            <a:prstDash val="solid"/>
+            <a:miter lim="800000"/>
+            <a:headEnd type="none" w="sm" len="sm"/>
+            <a:tailEnd type="none" w="sm" len="sm"/>
+          </a:ln>
+        </p:spPr>
+        <p:txBody>
+          <a:bodyPr spcFirstLastPara="1" wrap="square" lIns="91425" tIns="45700" rIns="91425" bIns="45700" anchor="ctr" anchorCtr="0">
+            <a:noAutofit/>
+          </a:bodyPr>
+          <a:lstStyle/>
+          <a:p>
+            <a:pPr marL="0" marR="0" lvl="0" indent="0" algn="ctr" rtl="0">
+              <a:spcBef>
+                <a:spcPts val="0"/>
+              </a:spcBef>
+              <a:spcAft>
+                <a:spcPts val="0"/>
+              </a:spcAft>
+              <a:buNone/>
+            </a:pPr>
+            <a:endParaRPr sz="1800" b="0" i="0" u="none" strike="noStrike" cap="none">
+              <a:solidFill>
+                <a:schemeClr val="lt1"/>
+              </a:solidFill>
+              <a:latin typeface="Calibri"/>
+              <a:ea typeface="Calibri"/>
+              <a:cs typeface="Calibri"/>
+              <a:sym typeface="Calibri"/>
+            </a:endParaRPr>
+          </a:p>
+        </p:txBody>
+      </p:sp>
+      <p:sp>
+        <p:nvSpPr>
+          <p:cNvPr id="235" name="Google Shape;235;p9"/>
+          <p:cNvSpPr/>
+          <p:nvPr/>
+        </p:nvSpPr>
+        <p:spPr>
+          <a:xfrm>
+            <a:off x="1063625" y="2253473"/>
+            <a:ext cx="3038400" cy="241200"/>
+          </a:xfrm>
+          <a:prstGeom prst="rect">
+            <a:avLst/>
+          </a:prstGeom>
+          <a:solidFill>
+            <a:schemeClr val="accent1">
+              <a:alpha val="9803"/>
+            </a:schemeClr>
+          </a:solidFill>
+          <a:ln w="25400" cap="flat" cmpd="sng">
+            <a:solidFill>
+              <a:schemeClr val="accent1"/>
+            </a:solidFill>
+            <a:prstDash val="solid"/>
+            <a:miter lim="800000"/>
+            <a:headEnd type="none" w="sm" len="sm"/>
+            <a:tailEnd type="none" w="sm" len="sm"/>
+          </a:ln>
+        </p:spPr>
+        <p:txBody>
+          <a:bodyPr spcFirstLastPara="1" wrap="square" lIns="91425" tIns="45700" rIns="91425" bIns="45700" anchor="ctr" anchorCtr="0">
+            <a:noAutofit/>
+          </a:bodyPr>
+          <a:lstStyle/>
+          <a:p>
+            <a:pPr marL="0" marR="0" lvl="0" indent="0" algn="ctr" rtl="0">
+              <a:spcBef>
+                <a:spcPts val="0"/>
+              </a:spcBef>
+              <a:spcAft>
+                <a:spcPts val="0"/>
+              </a:spcAft>
+              <a:buNone/>
+            </a:pPr>
+            <a:endParaRPr sz="1800" b="0" i="0" u="none" strike="noStrike" cap="none">
+              <a:solidFill>
+                <a:schemeClr val="lt1"/>
+              </a:solidFill>
+              <a:latin typeface="Calibri"/>
+              <a:ea typeface="Calibri"/>
+              <a:cs typeface="Calibri"/>
+              <a:sym typeface="Calibri"/>
+            </a:endParaRPr>
+          </a:p>
+        </p:txBody>
+      </p:sp>
+      <p:cxnSp>
+        <p:nvCxnSpPr>
+          <p:cNvPr id="236" name="Google Shape;236;p9"/>
+          <p:cNvCxnSpPr>
+            <a:stCxn id="235" idx="3"/>
+          </p:cNvCxnSpPr>
+          <p:nvPr/>
+        </p:nvCxnSpPr>
+        <p:spPr>
+          <a:xfrm>
+            <a:off x="4102025" y="2374073"/>
+            <a:ext cx="2091300" cy="402600"/>
+          </a:xfrm>
+          <a:prstGeom prst="straightConnector1">
+            <a:avLst/>
+          </a:prstGeom>
+          <a:noFill/>
+          <a:ln w="25400" cap="flat" cmpd="sng">
+            <a:solidFill>
+              <a:schemeClr val="accent5"/>
+            </a:solidFill>
+            <a:prstDash val="solid"/>
+            <a:miter lim="800000"/>
+            <a:headEnd type="none" w="sm" len="sm"/>
+            <a:tailEnd type="none" w="sm" len="sm"/>
+          </a:ln>
+        </p:spPr>
+      </p:cxnSp>
+      <p:cxnSp>
+        <p:nvCxnSpPr>
+          <p:cNvPr id="237" name="Google Shape;237;p9"/>
+          <p:cNvCxnSpPr>
+            <a:stCxn id="234" idx="3"/>
+          </p:cNvCxnSpPr>
+          <p:nvPr/>
+        </p:nvCxnSpPr>
+        <p:spPr>
+          <a:xfrm>
+            <a:off x="4102100" y="3623604"/>
+            <a:ext cx="2091300" cy="1082100"/>
+          </a:xfrm>
+          <a:prstGeom prst="straightConnector1">
+            <a:avLst/>
+          </a:prstGeom>
+          <a:noFill/>
+          <a:ln w="25400" cap="flat" cmpd="sng">
+            <a:solidFill>
+              <a:schemeClr val="accent2"/>
+            </a:solidFill>
+            <a:prstDash val="solid"/>
+            <a:miter lim="800000"/>
+            <a:headEnd type="none" w="sm" len="sm"/>
+            <a:tailEnd type="none" w="sm" len="sm"/>
+          </a:ln>
+        </p:spPr>
+      </p:cxnSp>
+    </p:spTree>
+  </p:cSld>
+  <p:clrMapOvr>
+    <a:masterClrMapping/>
+  </p:clrMapOvr>
+</p:sld>
+</file>
+
+<file path=ppt/slides/slide11.xml><?xml version="1.0" encoding="utf-8"?>
 <p:sld xmlns:a="http://schemas.openxmlformats.org/drawingml/2006/main" xmlns:r="http://schemas.openxmlformats.org/officeDocument/2006/relationships" xmlns:p="http://schemas.openxmlformats.org/presentationml/2006/main">
   <p:cSld>
     <p:spTree>
@@ -6553,7 +7789,7 @@
             </a:pPr>
             <a:fld id="{00000000-1234-1234-1234-123412341234}" type="slidenum">
               <a:rPr lang="en-US" sz="1400"/>
-              <a:t>10</a:t>
+              <a:t>11</a:t>
             </a:fld>
             <a:endParaRPr sz="1400"/>
           </a:p>
@@ -7121,7 +8357,7 @@
 </p:sld>
 </file>
 
-<file path=ppt/slides/slide11.xml><?xml version="1.0" encoding="utf-8"?>
+<file path=ppt/slides/slide12.xml><?xml version="1.0" encoding="utf-8"?>
 <p:sld xmlns:a="http://schemas.openxmlformats.org/drawingml/2006/main" xmlns:r="http://schemas.openxmlformats.org/officeDocument/2006/relationships" xmlns:p="http://schemas.openxmlformats.org/presentationml/2006/main">
   <p:cSld>
     <p:spTree>
@@ -7178,7 +8414,7 @@
             </a:pPr>
             <a:fld id="{00000000-1234-1234-1234-123412341234}" type="slidenum">
               <a:rPr lang="en-US" sz="1400"/>
-              <a:t>11</a:t>
+              <a:t>12</a:t>
             </a:fld>
             <a:endParaRPr sz="1400"/>
           </a:p>
@@ -8415,7 +9651,7 @@
 </p:sld>
 </file>
 
-<file path=ppt/slides/slide12.xml><?xml version="1.0" encoding="utf-8"?>
+<file path=ppt/slides/slide13.xml><?xml version="1.0" encoding="utf-8"?>
 <p:sld xmlns:a="http://schemas.openxmlformats.org/drawingml/2006/main" xmlns:r="http://schemas.openxmlformats.org/officeDocument/2006/relationships" xmlns:p="http://schemas.openxmlformats.org/presentationml/2006/main">
   <p:cSld>
     <p:spTree>
@@ -8472,7 +9708,7 @@
             </a:pPr>
             <a:fld id="{00000000-1234-1234-1234-123412341234}" type="slidenum">
               <a:rPr lang="en-US" sz="1400"/>
-              <a:t>12</a:t>
+              <a:t>13</a:t>
             </a:fld>
             <a:endParaRPr sz="1400"/>
           </a:p>
@@ -8534,7 +9770,7 @@
             </a:r>
             <a:r>
               <a:rPr lang="en-US" sz="2800" b="1" dirty="0"/>
-              <a:t>- Cosmos Bright Lights PoC Detail</a:t>
+              <a:t>– PoC Detail and Outlook</a:t>
             </a:r>
             <a:br>
               <a:rPr lang="en-US" sz="3600" dirty="0"/>
@@ -9766,7 +11002,7 @@
 </p:sld>
 </file>
 
-<file path=ppt/slides/slide13.xml><?xml version="1.0" encoding="utf-8"?>
+<file path=ppt/slides/slide14.xml><?xml version="1.0" encoding="utf-8"?>
 <p:sld xmlns:a="http://schemas.openxmlformats.org/drawingml/2006/main" xmlns:r="http://schemas.openxmlformats.org/officeDocument/2006/relationships" xmlns:p="http://schemas.openxmlformats.org/presentationml/2006/main">
   <p:cSld>
     <p:spTree>
@@ -9869,7 +11105,23 @@
             </a:pPr>
             <a:r>
               <a:rPr lang="en-US" sz="1700" b="1" dirty="0"/>
-              <a:t>Status of draft-netana-nmop-network-anomaly-architecture-00</a:t>
+              <a:t>Status of draft-</a:t>
+            </a:r>
+            <a:r>
+              <a:rPr lang="en-US" sz="1700" b="1" dirty="0" err="1"/>
+              <a:t>netana</a:t>
+            </a:r>
+            <a:r>
+              <a:rPr lang="en-US" sz="1700" b="1" dirty="0"/>
+              <a:t>-</a:t>
+            </a:r>
+            <a:r>
+              <a:rPr lang="en-US" sz="1700" b="1" dirty="0" err="1"/>
+              <a:t>nmop</a:t>
+            </a:r>
+            <a:r>
+              <a:rPr lang="en-US" sz="1700" b="1" dirty="0"/>
+              <a:t>-network-anomaly-architecture</a:t>
             </a:r>
           </a:p>
           <a:p>
@@ -9880,7 +11132,7 @@
             </a:pPr>
             <a:r>
               <a:rPr lang="en-US" sz="1700" dirty="0"/>
-              <a:t>Initial document published. Requesting feedback from the working group. </a:t>
+              <a:t>Reference document to anchor anomaly detection work items. </a:t>
             </a:r>
           </a:p>
           <a:p>
@@ -9889,7 +11141,39 @@
             </a:pPr>
             <a:r>
               <a:rPr lang="en-US" sz="1700" b="1" dirty="0"/>
-              <a:t>Status of draft-netana-nmop-network-anomaly-semantics-02 and draft-netana-nmop-network-anomaly-lifecycle-03</a:t>
+              <a:t>Status of draft-</a:t>
+            </a:r>
+            <a:r>
+              <a:rPr lang="en-US" sz="1700" b="1" dirty="0" err="1"/>
+              <a:t>netana</a:t>
+            </a:r>
+            <a:r>
+              <a:rPr lang="en-US" sz="1700" b="1" dirty="0"/>
+              <a:t>-</a:t>
+            </a:r>
+            <a:r>
+              <a:rPr lang="en-US" sz="1700" b="1" dirty="0" err="1"/>
+              <a:t>nmop</a:t>
+            </a:r>
+            <a:r>
+              <a:rPr lang="en-US" sz="1700" b="1" dirty="0"/>
+              <a:t>-network-anomaly-semantics and draft-</a:t>
+            </a:r>
+            <a:r>
+              <a:rPr lang="en-US" sz="1700" b="1" dirty="0" err="1"/>
+              <a:t>netana</a:t>
+            </a:r>
+            <a:r>
+              <a:rPr lang="en-US" sz="1700" b="1" dirty="0"/>
+              <a:t>-</a:t>
+            </a:r>
+            <a:r>
+              <a:rPr lang="en-US" sz="1700" b="1" dirty="0" err="1"/>
+              <a:t>nmop</a:t>
+            </a:r>
+            <a:r>
+              <a:rPr lang="en-US" sz="1700" b="1" dirty="0"/>
+              <a:t>-network-anomaly-lifecycle</a:t>
             </a:r>
           </a:p>
           <a:p>
@@ -9903,35 +11187,35 @@
             </a:pPr>
             <a:r>
               <a:rPr lang="en-US" sz="1700" dirty="0"/>
-              <a:t>Referred to </a:t>
+              <a:t>Referenced </a:t>
             </a:r>
             <a:r>
               <a:rPr lang="en-US" sz="1700" dirty="0">
-                <a:hlinkClick r:id="rId2"/>
+                <a:hlinkClick r:id="rId3"/>
               </a:rPr>
               <a:t>draft-</a:t>
             </a:r>
             <a:r>
               <a:rPr lang="en-US" sz="1700" dirty="0" err="1">
-                <a:hlinkClick r:id="rId2"/>
+                <a:hlinkClick r:id="rId3"/>
               </a:rPr>
               <a:t>netana</a:t>
             </a:r>
             <a:r>
               <a:rPr lang="en-US" sz="1700" dirty="0">
-                <a:hlinkClick r:id="rId2"/>
+                <a:hlinkClick r:id="rId3"/>
               </a:rPr>
               <a:t>-</a:t>
             </a:r>
             <a:r>
               <a:rPr lang="en-US" sz="1700" dirty="0" err="1">
-                <a:hlinkClick r:id="rId2"/>
+                <a:hlinkClick r:id="rId3"/>
               </a:rPr>
               <a:t>nmop</a:t>
             </a:r>
             <a:r>
               <a:rPr lang="en-US" sz="1700" dirty="0">
-                <a:hlinkClick r:id="rId2"/>
+                <a:hlinkClick r:id="rId3"/>
               </a:rPr>
               <a:t>-network-anomaly-architecture</a:t>
             </a:r>
@@ -9969,6 +11253,40 @@
             </a:r>
             <a:r>
               <a:rPr lang="en-US" sz="1700" dirty="0">
+                <a:hlinkClick r:id="rId4"/>
+              </a:rPr>
+              <a:t>draft-</a:t>
+            </a:r>
+            <a:r>
+              <a:rPr lang="en-US" sz="1700" dirty="0" err="1">
+                <a:hlinkClick r:id="rId4"/>
+              </a:rPr>
+              <a:t>ietf</a:t>
+            </a:r>
+            <a:r>
+              <a:rPr lang="en-US" sz="1700" dirty="0">
+                <a:hlinkClick r:id="rId4"/>
+              </a:rPr>
+              <a:t>-</a:t>
+            </a:r>
+            <a:r>
+              <a:rPr lang="en-US" sz="1700" dirty="0" err="1">
+                <a:hlinkClick r:id="rId4"/>
+              </a:rPr>
+              <a:t>nmop</a:t>
+            </a:r>
+            <a:r>
+              <a:rPr lang="en-US" sz="1700" dirty="0">
+                <a:hlinkClick r:id="rId4"/>
+              </a:rPr>
+              <a:t>-terminology</a:t>
+            </a:r>
+            <a:r>
+              <a:rPr lang="en-US" sz="1700" dirty="0"/>
+              <a:t> and </a:t>
+            </a:r>
+            <a:r>
+              <a:rPr lang="en-US" sz="1700" dirty="0">
                 <a:hlinkClick r:id="rId3"/>
               </a:rPr>
               <a:t>draft-</a:t>
@@ -9977,7 +11295,7 @@
               <a:rPr lang="en-US" sz="1700" dirty="0" err="1">
                 <a:hlinkClick r:id="rId3"/>
               </a:rPr>
-              <a:t>ietf</a:t>
+              <a:t>netana</a:t>
             </a:r>
             <a:r>
               <a:rPr lang="en-US" sz="1700" dirty="0">
@@ -9995,40 +11313,6 @@
               <a:rPr lang="en-US" sz="1700" dirty="0">
                 <a:hlinkClick r:id="rId3"/>
               </a:rPr>
-              <a:t>-terminology</a:t>
-            </a:r>
-            <a:r>
-              <a:rPr lang="en-US" sz="1700" dirty="0"/>
-              <a:t> and </a:t>
-            </a:r>
-            <a:r>
-              <a:rPr lang="en-US" sz="1700" dirty="0">
-                <a:hlinkClick r:id="rId2"/>
-              </a:rPr>
-              <a:t>draft-</a:t>
-            </a:r>
-            <a:r>
-              <a:rPr lang="en-US" sz="1700" dirty="0" err="1">
-                <a:hlinkClick r:id="rId2"/>
-              </a:rPr>
-              <a:t>netana</a:t>
-            </a:r>
-            <a:r>
-              <a:rPr lang="en-US" sz="1700" dirty="0">
-                <a:hlinkClick r:id="rId2"/>
-              </a:rPr>
-              <a:t>-</a:t>
-            </a:r>
-            <a:r>
-              <a:rPr lang="en-US" sz="1700" dirty="0" err="1">
-                <a:hlinkClick r:id="rId2"/>
-              </a:rPr>
-              <a:t>nmop</a:t>
-            </a:r>
-            <a:r>
-              <a:rPr lang="en-US" sz="1700" dirty="0">
-                <a:hlinkClick r:id="rId2"/>
-              </a:rPr>
               <a:t>-network-anomaly-architecture</a:t>
             </a:r>
             <a:r>
@@ -10051,31 +11335,31 @@
             </a:r>
             <a:r>
               <a:rPr lang="en-US" sz="1700" dirty="0">
-                <a:hlinkClick r:id="rId2"/>
+                <a:hlinkClick r:id="rId3"/>
               </a:rPr>
               <a:t>draft-</a:t>
             </a:r>
             <a:r>
               <a:rPr lang="en-US" sz="1700" dirty="0" err="1">
-                <a:hlinkClick r:id="rId2"/>
+                <a:hlinkClick r:id="rId3"/>
               </a:rPr>
               <a:t>netana</a:t>
             </a:r>
             <a:r>
               <a:rPr lang="en-US" sz="1700" dirty="0">
-                <a:hlinkClick r:id="rId2"/>
+                <a:hlinkClick r:id="rId3"/>
               </a:rPr>
               <a:t>-</a:t>
             </a:r>
             <a:r>
               <a:rPr lang="en-US" sz="1700" dirty="0" err="1">
-                <a:hlinkClick r:id="rId2"/>
+                <a:hlinkClick r:id="rId3"/>
               </a:rPr>
               <a:t>nmop</a:t>
             </a:r>
             <a:r>
               <a:rPr lang="en-US" sz="1700" dirty="0">
-                <a:hlinkClick r:id="rId2"/>
+                <a:hlinkClick r:id="rId3"/>
               </a:rPr>
               <a:t>-network-anomaly-architecture</a:t>
             </a:r>
@@ -10128,9 +11412,45 @@
                 <a:solidFill>
                   <a:srgbClr val="FF0000"/>
                 </a:solidFill>
-                <a:hlinkClick r:id="rId4"/>
-              </a:rPr>
-              <a:t>draft-netana-nmop-network-anomaly-architecture-00</a:t>
+                <a:hlinkClick r:id="rId5"/>
+              </a:rPr>
+              <a:t>draft-</a:t>
+            </a:r>
+            <a:r>
+              <a:rPr lang="en-US" sz="1700" b="1" dirty="0" err="1">
+                <a:solidFill>
+                  <a:srgbClr val="FF0000"/>
+                </a:solidFill>
+                <a:hlinkClick r:id="rId5"/>
+              </a:rPr>
+              <a:t>netana</a:t>
+            </a:r>
+            <a:r>
+              <a:rPr lang="en-US" sz="1700" b="1" dirty="0">
+                <a:solidFill>
+                  <a:srgbClr val="FF0000"/>
+                </a:solidFill>
+                <a:hlinkClick r:id="rId5"/>
+              </a:rPr>
+              <a:t>-</a:t>
+            </a:r>
+            <a:r>
+              <a:rPr lang="en-US" sz="1700" b="1" dirty="0" err="1">
+                <a:solidFill>
+                  <a:srgbClr val="FF0000"/>
+                </a:solidFill>
+                <a:hlinkClick r:id="rId5"/>
+              </a:rPr>
+              <a:t>nmop</a:t>
+            </a:r>
+            <a:r>
+              <a:rPr lang="en-US" sz="1700" b="1" dirty="0">
+                <a:solidFill>
+                  <a:srgbClr val="FF0000"/>
+                </a:solidFill>
+                <a:hlinkClick r:id="rId5"/>
+              </a:rPr>
+              <a:t>-network-anomaly-architecture</a:t>
             </a:r>
             <a:r>
               <a:rPr lang="en-US" sz="1700" b="1" dirty="0">
@@ -10186,6 +11506,19 @@
             <a:r>
               <a:rPr lang="en-US" sz="1700" b="1" dirty="0"/>
               <a:t>Detailing documents, updates and hackathon experiment results</a:t>
+            </a:r>
+          </a:p>
+          <a:p>
+            <a:pPr lvl="1">
+              <a:spcBef>
+                <a:spcPts val="300"/>
+              </a:spcBef>
+              <a:buFont typeface="Wingdings" panose="05000000000000000000" pitchFamily="2" charset="2"/>
+              <a:buChar char="Ø"/>
+            </a:pPr>
+            <a:r>
+              <a:rPr lang="en-US" sz="1700" b="1" dirty="0"/>
+              <a:t>Invite other operators to contribute on experiments</a:t>
             </a:r>
           </a:p>
         </p:txBody>
@@ -10205,7 +11538,7 @@
           <p:nvPr/>
         </p:nvPicPr>
         <p:blipFill>
-          <a:blip r:embed="rId5"/>
+          <a:blip r:embed="rId6"/>
           <a:stretch>
             <a:fillRect/>
           </a:stretch>
@@ -10248,7 +11581,7 @@
           <a:p>
             <a:fld id="{FC4AC485-25DE-431E-B345-9C0A15BB7F8A}" type="slidenum">
               <a:rPr lang="de-CH" sz="1400" smtClean="0"/>
-              <a:t>13</a:t>
+              <a:t>14</a:t>
             </a:fld>
             <a:endParaRPr lang="de-CH" sz="1400" dirty="0"/>
           </a:p>
@@ -10267,7 +11600,7 @@
 </p:sld>
 </file>
 
-<file path=ppt/slides/slide14.xml><?xml version="1.0" encoding="utf-8"?>
+<file path=ppt/slides/slide15.xml><?xml version="1.0" encoding="utf-8"?>
 <p:sld xmlns:a="http://schemas.openxmlformats.org/drawingml/2006/main" xmlns:r="http://schemas.openxmlformats.org/officeDocument/2006/relationships" xmlns:p="http://schemas.openxmlformats.org/presentationml/2006/main">
   <p:cSld>
     <p:spTree>
@@ -10286,112 +11619,48 @@
       </p:grpSpPr>
       <p:sp>
         <p:nvSpPr>
-          <p:cNvPr id="6" name="Slide Number Placeholder 1">
-            <a:extLst>
-              <a:ext uri="{FF2B5EF4-FFF2-40B4-BE49-F238E27FC236}">
-                <a16:creationId xmlns:a16="http://schemas.microsoft.com/office/drawing/2014/main" id="{024DC3B6-499C-4E15-9336-2F15A0DFB843}"/>
-              </a:ext>
-            </a:extLst>
-          </p:cNvPr>
-          <p:cNvSpPr>
+          <p:cNvPr id="124" name="Slide Number Placeholder 1"/>
+          <p:cNvSpPr txBox="1">
             <a:spLocks noGrp="1"/>
           </p:cNvSpPr>
           <p:nvPr>
-            <p:ph type="sldNum" sz="quarter" idx="12"/>
+            <p:ph type="sldNum" sz="quarter" idx="4294967295"/>
           </p:nvPr>
         </p:nvSpPr>
         <p:spPr>
           <a:xfrm>
-            <a:off x="11587892" y="6361637"/>
-            <a:ext cx="414251" cy="365125"/>
+            <a:off x="11807887" y="6403799"/>
+            <a:ext cx="194256" cy="280800"/>
           </a:xfrm>
+          <a:prstGeom prst="rect">
+            <a:avLst/>
+          </a:prstGeom>
+          <a:extLst>
+            <a:ext uri="{C572A759-6A51-4108-AA02-DFA0A04FC94B}">
+              <ma14:wrappingTextBoxFlag xmlns="" xmlns:m="http://schemas.openxmlformats.org/officeDocument/2006/math" xmlns:a14="http://schemas.microsoft.com/office/drawing/2010/main" xmlns:ma14="http://schemas.microsoft.com/office/mac/drawingml/2011/main" val="1"/>
+            </a:ext>
+          </a:extLst>
         </p:spPr>
         <p:txBody>
           <a:bodyPr/>
-          <a:lstStyle/>
-          <a:p>
-            <a:pPr marL="0" marR="0" lvl="0" indent="0" algn="r" defTabSz="914400" rtl="0" eaLnBrk="1" fontAlgn="auto" latinLnBrk="0" hangingPunct="1">
-              <a:lnSpc>
-                <a:spcPct val="100000"/>
-              </a:lnSpc>
-              <a:spcBef>
-                <a:spcPts val="0"/>
-              </a:spcBef>
-              <a:spcAft>
-                <a:spcPts val="0"/>
-              </a:spcAft>
-              <a:buClrTx/>
-              <a:buSzTx/>
-              <a:buFontTx/>
-              <a:buNone/>
-              <a:tabLst/>
-              <a:defRPr/>
-            </a:pPr>
-            <a:fld id="{FC4AC485-25DE-431E-B345-9C0A15BB7F8A}" type="slidenum">
-              <a:rPr kumimoji="0" lang="de-CH" sz="1400" b="0" i="0" u="none" strike="noStrike" kern="1200" cap="none" spc="0" normalizeH="0" baseline="0" noProof="0" smtClean="0">
-                <a:ln>
-                  <a:noFill/>
-                </a:ln>
-                <a:solidFill>
-                  <a:prstClr val="black">
-                    <a:tint val="75000"/>
-                  </a:prstClr>
-                </a:solidFill>
-                <a:effectLst/>
-                <a:uLnTx/>
-                <a:uFillTx/>
-                <a:latin typeface="Calibri" panose="020F0502020204030204"/>
-                <a:ea typeface="+mn-ea"/>
-                <a:cs typeface="+mn-cs"/>
-              </a:rPr>
-              <a:pPr marL="0" marR="0" lvl="0" indent="0" algn="r" defTabSz="914400" rtl="0" eaLnBrk="1" fontAlgn="auto" latinLnBrk="0" hangingPunct="1">
-                <a:lnSpc>
-                  <a:spcPct val="100000"/>
-                </a:lnSpc>
-                <a:spcBef>
-                  <a:spcPts val="0"/>
-                </a:spcBef>
-                <a:spcAft>
-                  <a:spcPts val="0"/>
-                </a:spcAft>
-                <a:buClrTx/>
-                <a:buSzTx/>
-                <a:buFontTx/>
-                <a:buNone/>
-                <a:tabLst/>
-                <a:defRPr/>
-              </a:pPr>
-              <a:t>14</a:t>
+          <a:lstStyle>
+            <a:lvl1pPr>
+              <a:defRPr sz="1400"/>
+            </a:lvl1pPr>
+          </a:lstStyle>
+          <a:p>
+            <a:fld id="{86CB4B4D-7CA3-9044-876B-883B54F8677D}" type="slidenum">
+              <a:rPr/>
+              <a:t>15</a:t>
             </a:fld>
-            <a:endParaRPr kumimoji="0" lang="de-CH" sz="1400" b="0" i="0" u="none" strike="noStrike" kern="1200" cap="none" spc="0" normalizeH="0" baseline="0" noProof="0" dirty="0">
-              <a:ln>
-                <a:noFill/>
-              </a:ln>
-              <a:solidFill>
-                <a:prstClr val="black">
-                  <a:tint val="75000"/>
-                </a:prstClr>
-              </a:solidFill>
-              <a:effectLst/>
-              <a:uLnTx/>
-              <a:uFillTx/>
-              <a:latin typeface="Calibri" panose="020F0502020204030204"/>
-              <a:ea typeface="+mn-ea"/>
-              <a:cs typeface="+mn-cs"/>
-            </a:endParaRPr>
+            <a:endParaRPr/>
           </a:p>
         </p:txBody>
       </p:sp>
       <p:sp>
         <p:nvSpPr>
-          <p:cNvPr id="19" name="Title 1">
-            <a:extLst>
-              <a:ext uri="{FF2B5EF4-FFF2-40B4-BE49-F238E27FC236}">
-                <a16:creationId xmlns:a16="http://schemas.microsoft.com/office/drawing/2014/main" id="{56D79134-17A9-8BC8-B7D0-97BCFFB9A6B2}"/>
-              </a:ext>
-            </a:extLst>
-          </p:cNvPr>
-          <p:cNvSpPr>
+          <p:cNvPr id="125" name="Title 1"/>
+          <p:cNvSpPr txBox="1">
             <a:spLocks noGrp="1"/>
           </p:cNvSpPr>
           <p:nvPr>
@@ -10400,405 +11669,289 @@
         </p:nvSpPr>
         <p:spPr>
           <a:xfrm>
-            <a:off x="838200" y="365125"/>
-            <a:ext cx="10515600" cy="1325563"/>
+            <a:off x="838200" y="276225"/>
+            <a:ext cx="10515600" cy="859757"/>
           </a:xfrm>
+          <a:prstGeom prst="rect">
+            <a:avLst/>
+          </a:prstGeom>
         </p:spPr>
         <p:txBody>
-          <a:bodyPr>
-            <a:normAutofit/>
-          </a:bodyPr>
-          <a:lstStyle/>
-          <a:p>
-            <a:r>
-              <a:rPr lang="en-US" sz="2800" b="1" dirty="0"/>
+          <a:bodyPr/>
+          <a:lstStyle>
+            <a:lvl1pPr>
+              <a:defRPr sz="2800"/>
+            </a:lvl1pPr>
+          </a:lstStyle>
+          <a:p>
+            <a:r>
               <a:t>Relevant Papers for more Details</a:t>
             </a:r>
-            <a:endParaRPr lang="en-US" sz="2700" dirty="0">
-              <a:solidFill>
-                <a:srgbClr val="FF0000"/>
-              </a:solidFill>
-            </a:endParaRPr>
           </a:p>
         </p:txBody>
       </p:sp>
       <p:sp>
         <p:nvSpPr>
-          <p:cNvPr id="4" name="TextBox 3">
-            <a:extLst>
-              <a:ext uri="{FF2B5EF4-FFF2-40B4-BE49-F238E27FC236}">
-                <a16:creationId xmlns:a16="http://schemas.microsoft.com/office/drawing/2014/main" id="{279CCA46-54CC-70D9-B2CA-4E872F0A18BD}"/>
-              </a:ext>
-            </a:extLst>
-          </p:cNvPr>
+          <p:cNvPr id="126" name="TextBox 3"/>
           <p:cNvSpPr txBox="1"/>
           <p:nvPr/>
         </p:nvSpPr>
         <p:spPr>
           <a:xfrm>
-            <a:off x="6777879" y="5422918"/>
-            <a:ext cx="4746153" cy="1877437"/>
+            <a:off x="6711814" y="5319923"/>
+            <a:ext cx="4878284" cy="1869788"/>
           </a:xfrm>
           <a:prstGeom prst="rect">
             <a:avLst/>
           </a:prstGeom>
-          <a:noFill/>
+          <a:ln w="12700">
+            <a:miter lim="400000"/>
+          </a:ln>
+          <a:extLst>
+            <a:ext uri="{C572A759-6A51-4108-AA02-DFA0A04FC94B}">
+              <ma14:wrappingTextBoxFlag xmlns="" xmlns:m="http://schemas.openxmlformats.org/officeDocument/2006/math" xmlns:a14="http://schemas.microsoft.com/office/drawing/2010/main" xmlns:ma14="http://schemas.microsoft.com/office/mac/drawingml/2011/main" val="1"/>
+            </a:ext>
+          </a:extLst>
         </p:spPr>
         <p:txBody>
-          <a:bodyPr wrap="square">
+          <a:bodyPr lIns="45719" rIns="45719">
             <a:spAutoFit/>
           </a:bodyPr>
           <a:lstStyle/>
           <a:p>
-            <a:pPr algn="ctr"/>
-            <a:r>
-              <a:rPr lang="en-GB" sz="1600" dirty="0">
+            <a:pPr algn="ctr">
+              <a:defRPr sz="1600">
                 <a:solidFill>
                   <a:srgbClr val="595959"/>
                 </a:solidFill>
-                <a:latin typeface="Lato" panose="020F0502020204030203" pitchFamily="34" charset="0"/>
-              </a:rPr>
+                <a:latin typeface="Lato"/>
+                <a:ea typeface="Lato"/>
+                <a:cs typeface="Lato"/>
+                <a:sym typeface="Lato"/>
+              </a:defRPr>
+            </a:pPr>
+            <a:r>
               <a:t>Paper “</a:t>
             </a:r>
             <a:r>
-              <a:rPr lang="en-GB" sz="1600" b="1" dirty="0">
+              <a:rPr b="1">
                 <a:solidFill>
                   <a:srgbClr val="FF0000"/>
                 </a:solidFill>
-                <a:latin typeface="Lato" panose="020F0502020204030203" pitchFamily="34" charset="0"/>
               </a:rPr>
               <a:t>Daisy: Practical Anomaly Detection in large BGP/MPLS and BGP/SRv6 VPN Networks</a:t>
             </a:r>
             <a:r>
-              <a:rPr lang="en-GB" sz="1600" dirty="0">
-                <a:solidFill>
-                  <a:srgbClr val="595959"/>
-                </a:solidFill>
-                <a:latin typeface="Lato" panose="020F0502020204030203" pitchFamily="34" charset="0"/>
-              </a:rPr>
               <a:t>” </a:t>
             </a:r>
             <a:r>
-              <a:rPr lang="en-GB" sz="1600" dirty="0">
-                <a:solidFill>
-                  <a:schemeClr val="bg2">
-                    <a:lumMod val="75000"/>
-                  </a:schemeClr>
-                </a:solidFill>
+              <a:rPr>
+                <a:solidFill>
+                  <a:srgbClr val="AFABAB"/>
+                </a:solidFill>
+                <a:latin typeface="+mj-lt"/>
+                <a:ea typeface="+mj-ea"/>
+                <a:cs typeface="+mj-cs"/>
+                <a:sym typeface="Calibri"/>
               </a:rPr>
               <a:t>published at ACM/IRTF ANRW’23  </a:t>
             </a:r>
           </a:p>
           <a:p>
-            <a:pPr algn="ctr"/>
-            <a:r>
-              <a:rPr lang="en-GB" sz="1600" dirty="0">
-                <a:solidFill>
-                  <a:schemeClr val="bg2">
-                    <a:lumMod val="75000"/>
-                  </a:schemeClr>
-                </a:solidFill>
-              </a:rPr>
+            <a:pPr algn="ctr">
+              <a:defRPr sz="1600">
+                <a:solidFill>
+                  <a:srgbClr val="AFABAB"/>
+                </a:solidFill>
+              </a:defRPr>
+            </a:pPr>
+            <a:r>
               <a:t>San Francisco, USA (24 July 2023)</a:t>
             </a:r>
           </a:p>
           <a:p>
-            <a:pPr algn="ctr"/>
-            <a:r>
-              <a:rPr lang="en-GB" sz="1600" dirty="0">
-                <a:solidFill>
-                  <a:schemeClr val="bg2">
-                    <a:lumMod val="75000"/>
-                  </a:schemeClr>
-                </a:solidFill>
-              </a:rPr>
+            <a:pPr algn="ctr">
+              <a:defRPr sz="1600">
+                <a:solidFill>
+                  <a:srgbClr val="AFABAB"/>
+                </a:solidFill>
+              </a:defRPr>
+            </a:pPr>
+            <a:r>
               <a:t>Open access: </a:t>
             </a:r>
             <a:r>
-              <a:rPr lang="en-GB" sz="1600" dirty="0">
-                <a:solidFill>
-                  <a:schemeClr val="bg2">
-                    <a:lumMod val="75000"/>
-                  </a:schemeClr>
-                </a:solidFill>
-                <a:hlinkClick r:id="rId3">
-                  <a:extLst>
-                    <a:ext uri="{A12FA001-AC4F-418D-AE19-62706E023703}">
-                      <ahyp:hlinkClr xmlns:ahyp="http://schemas.microsoft.com/office/drawing/2018/hyperlinkcolor" val="tx"/>
-                    </a:ext>
-                  </a:extLst>
-                </a:hlinkClick>
+              <a:rPr u="sng">
+                <a:solidFill>
+                  <a:srgbClr val="0563C1"/>
+                </a:solidFill>
+                <a:uFill>
+                  <a:solidFill>
+                    <a:srgbClr val="0563C1"/>
+                  </a:solidFill>
+                </a:uFill>
+                <a:hlinkClick r:id="rId2"/>
               </a:rPr>
               <a:t>http://hal.science/hal-04307611</a:t>
             </a:r>
             <a:r>
-              <a:rPr lang="en-GB" sz="1600" dirty="0">
-                <a:solidFill>
-                  <a:schemeClr val="bg2">
-                    <a:lumMod val="75000"/>
-                  </a:schemeClr>
-                </a:solidFill>
-              </a:rPr>
               <a:t> </a:t>
             </a:r>
           </a:p>
           <a:p>
-            <a:br>
-              <a:rPr lang="en-GB" dirty="0"/>
-            </a:br>
-            <a:endParaRPr lang="en-CH" dirty="0"/>
+            <a:br/>
+            <a:endParaRPr/>
           </a:p>
         </p:txBody>
       </p:sp>
       <p:sp>
         <p:nvSpPr>
-          <p:cNvPr id="8" name="TextBox 7">
-            <a:extLst>
-              <a:ext uri="{FF2B5EF4-FFF2-40B4-BE49-F238E27FC236}">
-                <a16:creationId xmlns:a16="http://schemas.microsoft.com/office/drawing/2014/main" id="{84DD77D7-EFA0-3B7E-AB08-B58948BB11B6}"/>
-              </a:ext>
-            </a:extLst>
-          </p:cNvPr>
+          <p:cNvPr id="127" name="TextBox 7"/>
           <p:cNvSpPr txBox="1"/>
           <p:nvPr/>
         </p:nvSpPr>
         <p:spPr>
           <a:xfrm>
-            <a:off x="1246023" y="5169986"/>
-            <a:ext cx="4672864" cy="1569660"/>
+            <a:off x="966381" y="5285332"/>
+            <a:ext cx="5547593" cy="1291194"/>
           </a:xfrm>
           <a:prstGeom prst="rect">
             <a:avLst/>
           </a:prstGeom>
-          <a:noFill/>
+          <a:ln w="12700">
+            <a:miter lim="400000"/>
+          </a:ln>
+          <a:extLst>
+            <a:ext uri="{C572A759-6A51-4108-AA02-DFA0A04FC94B}">
+              <ma14:wrappingTextBoxFlag xmlns="" xmlns:m="http://schemas.openxmlformats.org/officeDocument/2006/math" xmlns:a14="http://schemas.microsoft.com/office/drawing/2010/main" xmlns:ma14="http://schemas.microsoft.com/office/mac/drawingml/2011/main" val="1"/>
+            </a:ext>
+          </a:extLst>
         </p:spPr>
         <p:txBody>
-          <a:bodyPr wrap="square">
+          <a:bodyPr lIns="45719" rIns="45719">
             <a:spAutoFit/>
           </a:bodyPr>
           <a:lstStyle/>
           <a:p>
-            <a:pPr algn="ctr" rtl="0">
-              <a:spcBef>
-                <a:spcPts val="0"/>
-              </a:spcBef>
-              <a:spcAft>
-                <a:spcPts val="0"/>
-              </a:spcAft>
+            <a:pPr algn="ctr">
+              <a:defRPr sz="1600">
+                <a:solidFill>
+                  <a:srgbClr val="595959"/>
+                </a:solidFill>
+                <a:latin typeface="Lato"/>
+                <a:ea typeface="Lato"/>
+                <a:cs typeface="Lato"/>
+                <a:sym typeface="Lato"/>
+              </a:defRPr>
             </a:pPr>
             <a:r>
-              <a:rPr lang="en-GB" sz="1600" b="0" i="0" u="none" strike="noStrike" dirty="0">
-                <a:solidFill>
-                  <a:srgbClr val="595959"/>
-                </a:solidFill>
-                <a:effectLst/>
-                <a:latin typeface="Lato" panose="020F0502020204030203" pitchFamily="34" charset="0"/>
-              </a:rPr>
               <a:t>Paper “</a:t>
             </a:r>
             <a:r>
-              <a:rPr lang="en-GB" sz="1600" b="1" i="0" u="none" strike="noStrike" dirty="0">
+              <a:rPr b="1">
                 <a:solidFill>
                   <a:srgbClr val="FF0000"/>
                 </a:solidFill>
-                <a:effectLst/>
-                <a:latin typeface="Lato" panose="020F0502020204030203" pitchFamily="34" charset="0"/>
               </a:rPr>
               <a:t>Practical Anomaly Detection in Internet Services: An ISP centric approach</a:t>
             </a:r>
             <a:r>
-              <a:rPr lang="en-GB" sz="1600" b="0" i="0" u="none" strike="noStrike" dirty="0">
-                <a:solidFill>
-                  <a:srgbClr val="595959"/>
-                </a:solidFill>
-                <a:effectLst/>
-                <a:latin typeface="Lato" panose="020F0502020204030203" pitchFamily="34" charset="0"/>
-              </a:rPr>
               <a:t>” </a:t>
             </a:r>
           </a:p>
           <a:p>
-            <a:pPr algn="ctr" rtl="0">
-              <a:spcBef>
-                <a:spcPts val="0"/>
-              </a:spcBef>
-              <a:spcAft>
-                <a:spcPts val="0"/>
-              </a:spcAft>
+            <a:pPr algn="ctr">
+              <a:defRPr sz="1600">
+                <a:solidFill>
+                  <a:srgbClr val="AFABAB"/>
+                </a:solidFill>
+              </a:defRPr>
             </a:pPr>
             <a:r>
-              <a:rPr lang="en-GB" sz="1600" dirty="0">
-                <a:solidFill>
-                  <a:schemeClr val="bg2">
-                    <a:lumMod val="75000"/>
-                  </a:schemeClr>
-                </a:solidFill>
-              </a:rPr>
-              <a:t>accepted at AnNet’24 </a:t>
-            </a:r>
-          </a:p>
-          <a:p>
-            <a:pPr algn="ctr" rtl="0">
-              <a:spcBef>
-                <a:spcPts val="0"/>
-              </a:spcBef>
-              <a:spcAft>
-                <a:spcPts val="0"/>
-              </a:spcAft>
+              <a:t>Published at AnNet Workshop (In conjunction with IEEE NOMS)</a:t>
+            </a:r>
+          </a:p>
+          <a:p>
+            <a:pPr algn="ctr">
+              <a:defRPr sz="1600">
+                <a:solidFill>
+                  <a:srgbClr val="AFABAB"/>
+                </a:solidFill>
+              </a:defRPr>
             </a:pPr>
             <a:r>
-              <a:rPr lang="en-GB" sz="1600" dirty="0">
-                <a:solidFill>
-                  <a:schemeClr val="bg2">
-                    <a:lumMod val="75000"/>
-                  </a:schemeClr>
-                </a:solidFill>
-              </a:rPr>
-              <a:t>(in conjunction with IEEE NOMS’24) </a:t>
-            </a:r>
-          </a:p>
-          <a:p>
-            <a:pPr algn="ctr" rtl="0">
-              <a:spcBef>
-                <a:spcPts val="0"/>
-              </a:spcBef>
-              <a:spcAft>
-                <a:spcPts val="0"/>
-              </a:spcAft>
+              <a:t>Seoul, South Korea (6–10 May 2024)</a:t>
+            </a:r>
+          </a:p>
+          <a:p>
+            <a:pPr algn="ctr">
+              <a:defRPr sz="1600">
+                <a:solidFill>
+                  <a:srgbClr val="AFABAB"/>
+                </a:solidFill>
+              </a:defRPr>
             </a:pPr>
             <a:r>
-              <a:rPr lang="en-GB" sz="1600" dirty="0">
-                <a:solidFill>
-                  <a:schemeClr val="bg2">
-                    <a:lumMod val="75000"/>
-                  </a:schemeClr>
-                </a:solidFill>
-              </a:rPr>
-              <a:t>Seoul, Korea (6–10 May 2024)</a:t>
-            </a:r>
-          </a:p>
-          <a:p>
-            <a:pPr algn="ctr" rtl="0">
-              <a:spcBef>
-                <a:spcPts val="0"/>
-              </a:spcBef>
-              <a:spcAft>
-                <a:spcPts val="0"/>
-              </a:spcAft>
-            </a:pPr>
-            <a:r>
-              <a:rPr lang="en-GB" sz="1600" dirty="0">
-                <a:solidFill>
-                  <a:schemeClr val="bg2">
-                    <a:lumMod val="75000"/>
-                  </a:schemeClr>
-                </a:solidFill>
-              </a:rPr>
-              <a:t>[Will be presented as a poster the May 6th 2024]</a:t>
+              <a:t>DOI: 10.1109/NOMS59830.2024.10575071</a:t>
             </a:r>
           </a:p>
         </p:txBody>
       </p:sp>
       <p:pic>
         <p:nvPicPr>
-          <p:cNvPr id="2052" name="Picture 4">
-            <a:extLst>
-              <a:ext uri="{FF2B5EF4-FFF2-40B4-BE49-F238E27FC236}">
-                <a16:creationId xmlns:a16="http://schemas.microsoft.com/office/drawing/2014/main" id="{7022990C-B30E-1C4B-DB2B-0970BB16BEFD}"/>
-              </a:ext>
-            </a:extLst>
-          </p:cNvPr>
+          <p:cNvPr id="128" name="Picture 6" descr="Picture 6"/>
           <p:cNvPicPr>
-            <a:picLocks noChangeAspect="1" noChangeArrowheads="1"/>
+            <a:picLocks noChangeAspect="1"/>
           </p:cNvPicPr>
           <p:nvPr/>
         </p:nvPicPr>
         <p:blipFill>
-          <a:blip r:embed="rId4">
-            <a:extLst>
-              <a:ext uri="{28A0092B-C50C-407E-A947-70E740481C1C}">
-                <a14:useLocalDpi xmlns:a14="http://schemas.microsoft.com/office/drawing/2010/main" val="0"/>
-              </a:ext>
-            </a:extLst>
-          </a:blip>
-          <a:srcRect/>
+          <a:blip r:embed="rId3"/>
           <a:stretch>
             <a:fillRect/>
           </a:stretch>
         </p:blipFill>
-        <p:spPr bwMode="auto">
+        <p:spPr>
           <a:xfrm>
-            <a:off x="1257375" y="2099749"/>
-            <a:ext cx="4878686" cy="2658502"/>
+            <a:off x="7586136" y="1132392"/>
+            <a:ext cx="3129642" cy="4040661"/>
           </a:xfrm>
           <a:prstGeom prst="rect">
             <a:avLst/>
           </a:prstGeom>
-          <a:noFill/>
-          <a:extLst>
-            <a:ext uri="{909E8E84-426E-40DD-AFC4-6F175D3DCCD1}">
-              <a14:hiddenFill xmlns:a14="http://schemas.microsoft.com/office/drawing/2010/main">
-                <a:solidFill>
-                  <a:srgbClr val="FFFFFF"/>
-                </a:solidFill>
-              </a14:hiddenFill>
-            </a:ext>
-          </a:extLst>
+          <a:ln w="12700">
+            <a:miter lim="400000"/>
+          </a:ln>
         </p:spPr>
       </p:pic>
       <p:pic>
         <p:nvPicPr>
-          <p:cNvPr id="2054" name="Picture 6">
-            <a:extLst>
-              <a:ext uri="{FF2B5EF4-FFF2-40B4-BE49-F238E27FC236}">
-                <a16:creationId xmlns:a16="http://schemas.microsoft.com/office/drawing/2014/main" id="{41A4F91E-8E8C-E756-1039-D2CC2AC865B3}"/>
-              </a:ext>
-            </a:extLst>
-          </p:cNvPr>
+          <p:cNvPr id="129" name="Screenshot 2024-07-21 at 22.41.27.png" descr="Screenshot 2024-07-21 at 22.41.27.png"/>
           <p:cNvPicPr>
-            <a:picLocks noChangeAspect="1" noChangeArrowheads="1"/>
+            <a:picLocks noChangeAspect="1"/>
           </p:cNvPicPr>
           <p:nvPr/>
         </p:nvPicPr>
         <p:blipFill>
-          <a:blip r:embed="rId5">
-            <a:extLst>
-              <a:ext uri="{28A0092B-C50C-407E-A947-70E740481C1C}">
-                <a14:useLocalDpi xmlns:a14="http://schemas.microsoft.com/office/drawing/2010/main" val="0"/>
-              </a:ext>
-            </a:extLst>
-          </a:blip>
-          <a:srcRect/>
+          <a:blip r:embed="rId4"/>
           <a:stretch>
             <a:fillRect/>
           </a:stretch>
         </p:blipFill>
-        <p:spPr bwMode="auto">
+        <p:spPr>
           <a:xfrm>
-            <a:off x="7586136" y="1129326"/>
-            <a:ext cx="3129641" cy="4040660"/>
+            <a:off x="2216696" y="1188060"/>
+            <a:ext cx="3046964" cy="3929324"/>
           </a:xfrm>
           <a:prstGeom prst="rect">
             <a:avLst/>
           </a:prstGeom>
-          <a:noFill/>
-          <a:extLst>
-            <a:ext uri="{909E8E84-426E-40DD-AFC4-6F175D3DCCD1}">
-              <a14:hiddenFill xmlns:a14="http://schemas.microsoft.com/office/drawing/2010/main">
-                <a:solidFill>
-                  <a:srgbClr val="FFFFFF"/>
-                </a:solidFill>
-              </a14:hiddenFill>
-            </a:ext>
-          </a:extLst>
+          <a:ln w="12700">
+            <a:miter lim="400000"/>
+          </a:ln>
         </p:spPr>
       </p:pic>
     </p:spTree>
-    <p:extLst>
-      <p:ext uri="{BB962C8B-B14F-4D97-AF65-F5344CB8AC3E}">
-        <p14:creationId xmlns:p14="http://schemas.microsoft.com/office/powerpoint/2010/main" val="663711217"/>
-      </p:ext>
-    </p:extLst>
   </p:cSld>
   <p:clrMapOvr>
     <a:masterClrMapping/>
@@ -10849,6 +12002,398 @@
           <a:bodyPr/>
           <a:lstStyle/>
           <a:p>
+            <a:fld id="{FC4AC485-25DE-431E-B345-9C0A15BB7F8A}" type="slidenum">
+              <a:rPr lang="de-CH" sz="1400" smtClean="0"/>
+              <a:t>2</a:t>
+            </a:fld>
+            <a:endParaRPr lang="de-CH" sz="1400" dirty="0"/>
+          </a:p>
+        </p:txBody>
+      </p:sp>
+      <p:sp>
+        <p:nvSpPr>
+          <p:cNvPr id="5" name="Inhaltsplatzhalter 2">
+            <a:extLst>
+              <a:ext uri="{FF2B5EF4-FFF2-40B4-BE49-F238E27FC236}">
+                <a16:creationId xmlns:a16="http://schemas.microsoft.com/office/drawing/2014/main" id="{0194B37B-813A-99FE-7B78-4D87D8C30D44}"/>
+              </a:ext>
+            </a:extLst>
+          </p:cNvPr>
+          <p:cNvSpPr txBox="1">
+            <a:spLocks/>
+          </p:cNvSpPr>
+          <p:nvPr/>
+        </p:nvSpPr>
+        <p:spPr bwMode="black">
+          <a:xfrm>
+            <a:off x="961533" y="2011679"/>
+            <a:ext cx="4982067" cy="4171630"/>
+          </a:xfrm>
+          <a:prstGeom prst="rect">
+            <a:avLst/>
+          </a:prstGeom>
+        </p:spPr>
+        <p:txBody>
+          <a:bodyPr wrap="square" lIns="0" tIns="0" rIns="0" bIns="0"/>
+          <a:lstStyle>
+            <a:lvl1pPr marL="0" indent="0" algn="l" defTabSz="914400" rtl="0" eaLnBrk="1" latinLnBrk="0" hangingPunct="1">
+              <a:lnSpc>
+                <a:spcPct val="110000"/>
+              </a:lnSpc>
+              <a:spcBef>
+                <a:spcPts val="600"/>
+              </a:spcBef>
+              <a:spcAft>
+                <a:spcPts val="600"/>
+              </a:spcAft>
+              <a:buFont typeface="Arial" panose="020B0604020202020204" pitchFamily="34" charset="0"/>
+              <a:buNone/>
+              <a:defRPr sz="2000" b="0" kern="1200">
+                <a:solidFill>
+                  <a:schemeClr val="tx1"/>
+                </a:solidFill>
+                <a:latin typeface="+mn-lt"/>
+                <a:ea typeface="+mn-ea"/>
+                <a:cs typeface="+mn-cs"/>
+              </a:defRPr>
+            </a:lvl1pPr>
+            <a:lvl2pPr marL="216000" indent="-216000" algn="l" defTabSz="914400" rtl="0" eaLnBrk="1" latinLnBrk="0" hangingPunct="1">
+              <a:lnSpc>
+                <a:spcPct val="110000"/>
+              </a:lnSpc>
+              <a:spcBef>
+                <a:spcPts val="200"/>
+              </a:spcBef>
+              <a:spcAft>
+                <a:spcPts val="200"/>
+              </a:spcAft>
+              <a:buFont typeface="Arial" panose="020B0604020202020204" pitchFamily="34" charset="0"/>
+              <a:buChar char="•"/>
+              <a:defRPr sz="2000" kern="1200">
+                <a:solidFill>
+                  <a:schemeClr val="tx1"/>
+                </a:solidFill>
+                <a:latin typeface="+mn-lt"/>
+                <a:ea typeface="+mn-ea"/>
+                <a:cs typeface="+mn-cs"/>
+              </a:defRPr>
+            </a:lvl2pPr>
+            <a:lvl3pPr marL="504000" indent="-288000" algn="l" defTabSz="914400" rtl="0" eaLnBrk="1" latinLnBrk="0" hangingPunct="1">
+              <a:lnSpc>
+                <a:spcPct val="110000"/>
+              </a:lnSpc>
+              <a:spcBef>
+                <a:spcPts val="200"/>
+              </a:spcBef>
+              <a:spcAft>
+                <a:spcPts val="200"/>
+              </a:spcAft>
+              <a:buFont typeface="TheSans Swisscom Light" panose="020B0300040303060204" pitchFamily="34" charset="0"/>
+              <a:buChar char="−"/>
+              <a:defRPr sz="2000" kern="1200">
+                <a:solidFill>
+                  <a:schemeClr val="tx1"/>
+                </a:solidFill>
+                <a:latin typeface="+mn-lt"/>
+                <a:ea typeface="+mn-ea"/>
+                <a:cs typeface="+mn-cs"/>
+              </a:defRPr>
+            </a:lvl3pPr>
+            <a:lvl4pPr marL="792000" indent="-288000" algn="l" defTabSz="914400" rtl="0" eaLnBrk="1" latinLnBrk="0" hangingPunct="1">
+              <a:lnSpc>
+                <a:spcPct val="110000"/>
+              </a:lnSpc>
+              <a:spcBef>
+                <a:spcPts val="200"/>
+              </a:spcBef>
+              <a:spcAft>
+                <a:spcPts val="200"/>
+              </a:spcAft>
+              <a:buFont typeface="TheSans Swisscom Light" panose="020B0300040303060204" pitchFamily="34" charset="0"/>
+              <a:buChar char="−"/>
+              <a:defRPr sz="2000" kern="1200">
+                <a:solidFill>
+                  <a:schemeClr val="tx1"/>
+                </a:solidFill>
+                <a:latin typeface="+mn-lt"/>
+                <a:ea typeface="+mn-ea"/>
+                <a:cs typeface="+mn-cs"/>
+              </a:defRPr>
+            </a:lvl4pPr>
+            <a:lvl5pPr marL="792000" indent="-288000" algn="l" defTabSz="914400" rtl="0" eaLnBrk="1" latinLnBrk="0" hangingPunct="1">
+              <a:lnSpc>
+                <a:spcPct val="110000"/>
+              </a:lnSpc>
+              <a:spcBef>
+                <a:spcPts val="200"/>
+              </a:spcBef>
+              <a:spcAft>
+                <a:spcPts val="200"/>
+              </a:spcAft>
+              <a:buFont typeface="TheSans Swisscom Light" panose="020B0300040303060204" pitchFamily="34" charset="0"/>
+              <a:buChar char="−"/>
+              <a:defRPr sz="2000" kern="1200">
+                <a:solidFill>
+                  <a:schemeClr val="tx1"/>
+                </a:solidFill>
+                <a:latin typeface="+mn-lt"/>
+                <a:ea typeface="+mn-ea"/>
+                <a:cs typeface="+mn-cs"/>
+              </a:defRPr>
+            </a:lvl5pPr>
+            <a:lvl6pPr marL="792000" indent="-288000" algn="l" defTabSz="914400" rtl="0" eaLnBrk="1" latinLnBrk="0" hangingPunct="1">
+              <a:lnSpc>
+                <a:spcPct val="110000"/>
+              </a:lnSpc>
+              <a:spcBef>
+                <a:spcPts val="200"/>
+              </a:spcBef>
+              <a:spcAft>
+                <a:spcPts val="200"/>
+              </a:spcAft>
+              <a:buFont typeface="TheSans Swisscom Light" panose="020B0300040303060204" pitchFamily="34" charset="0"/>
+              <a:buChar char="−"/>
+              <a:defRPr sz="2000" kern="1200">
+                <a:solidFill>
+                  <a:schemeClr val="tx1"/>
+                </a:solidFill>
+                <a:latin typeface="+mn-lt"/>
+                <a:ea typeface="+mn-ea"/>
+                <a:cs typeface="+mn-cs"/>
+              </a:defRPr>
+            </a:lvl6pPr>
+            <a:lvl7pPr marL="792000" indent="-288000" algn="l" defTabSz="914400" rtl="0" eaLnBrk="1" latinLnBrk="0" hangingPunct="1">
+              <a:lnSpc>
+                <a:spcPct val="110000"/>
+              </a:lnSpc>
+              <a:spcBef>
+                <a:spcPts val="200"/>
+              </a:spcBef>
+              <a:spcAft>
+                <a:spcPts val="200"/>
+              </a:spcAft>
+              <a:buFont typeface="TheSans Swisscom Light" panose="020B0300040303060204" pitchFamily="34" charset="0"/>
+              <a:buChar char="−"/>
+              <a:defRPr sz="2000" kern="1200">
+                <a:solidFill>
+                  <a:schemeClr val="tx1"/>
+                </a:solidFill>
+                <a:latin typeface="+mn-lt"/>
+                <a:ea typeface="+mn-ea"/>
+                <a:cs typeface="+mn-cs"/>
+              </a:defRPr>
+            </a:lvl7pPr>
+            <a:lvl8pPr marL="792000" indent="-288000" algn="l" defTabSz="914400" rtl="0" eaLnBrk="1" latinLnBrk="0" hangingPunct="1">
+              <a:lnSpc>
+                <a:spcPct val="110000"/>
+              </a:lnSpc>
+              <a:spcBef>
+                <a:spcPts val="200"/>
+              </a:spcBef>
+              <a:spcAft>
+                <a:spcPts val="200"/>
+              </a:spcAft>
+              <a:buFont typeface="TheSans Swisscom Light" panose="020B0300040303060204" pitchFamily="34" charset="0"/>
+              <a:buChar char="−"/>
+              <a:defRPr sz="2000" kern="1200">
+                <a:solidFill>
+                  <a:schemeClr val="tx1"/>
+                </a:solidFill>
+                <a:latin typeface="+mn-lt"/>
+                <a:ea typeface="+mn-ea"/>
+                <a:cs typeface="+mn-cs"/>
+              </a:defRPr>
+            </a:lvl8pPr>
+            <a:lvl9pPr marL="792000" indent="-288000" algn="l" defTabSz="914400" rtl="0" eaLnBrk="1" latinLnBrk="0" hangingPunct="1">
+              <a:lnSpc>
+                <a:spcPct val="110000"/>
+              </a:lnSpc>
+              <a:spcBef>
+                <a:spcPts val="200"/>
+              </a:spcBef>
+              <a:spcAft>
+                <a:spcPts val="200"/>
+              </a:spcAft>
+              <a:buFont typeface="TheSans Swisscom Light" panose="020B0300040303060204" pitchFamily="34" charset="0"/>
+              <a:buChar char="−"/>
+              <a:defRPr sz="2000" kern="1200">
+                <a:solidFill>
+                  <a:schemeClr val="tx1"/>
+                </a:solidFill>
+                <a:latin typeface="+mn-lt"/>
+                <a:ea typeface="+mn-ea"/>
+                <a:cs typeface="+mn-cs"/>
+              </a:defRPr>
+            </a:lvl9pPr>
+          </a:lstStyle>
+          <a:p>
+            <a:pPr marL="342900" indent="-342900">
+              <a:buFont typeface="Wingdings" panose="05000000000000000000" pitchFamily="2" charset="2"/>
+              <a:buChar char="Ø"/>
+            </a:pPr>
+            <a:r>
+              <a:rPr lang="en-US" dirty="0"/>
+              <a:t>This document describes motivation and a generic and extensible architecture of a Network Anomaly Detection Framework.</a:t>
+            </a:r>
+          </a:p>
+          <a:p>
+            <a:pPr marL="342900" indent="-342900">
+              <a:buFont typeface="Wingdings" panose="05000000000000000000" pitchFamily="2" charset="2"/>
+              <a:buChar char="Ø"/>
+            </a:pPr>
+            <a:r>
+              <a:rPr lang="en-US" dirty="0"/>
+              <a:t>Anchors draft-</a:t>
+            </a:r>
+            <a:r>
+              <a:rPr lang="en-US" dirty="0" err="1"/>
+              <a:t>netana</a:t>
+            </a:r>
+            <a:r>
+              <a:rPr lang="en-US" dirty="0"/>
+              <a:t>-</a:t>
+            </a:r>
+            <a:r>
+              <a:rPr lang="en-US" dirty="0" err="1"/>
+              <a:t>nmop</a:t>
+            </a:r>
+            <a:r>
+              <a:rPr lang="en-US" dirty="0"/>
+              <a:t>-network-anomaly-semantics and draft-</a:t>
+            </a:r>
+            <a:r>
+              <a:rPr lang="en-US" dirty="0" err="1"/>
+              <a:t>netana</a:t>
+            </a:r>
+            <a:r>
+              <a:rPr lang="en-US" dirty="0"/>
+              <a:t>-</a:t>
+            </a:r>
+            <a:r>
+              <a:rPr lang="en-US" dirty="0" err="1"/>
+              <a:t>nmop</a:t>
+            </a:r>
+            <a:r>
+              <a:rPr lang="en-US" dirty="0"/>
+              <a:t>-network-anomaly-lifecycle documents.</a:t>
+            </a:r>
+          </a:p>
+          <a:p>
+            <a:pPr marL="342900" indent="-342900">
+              <a:buFont typeface="Wingdings" panose="05000000000000000000" pitchFamily="2" charset="2"/>
+              <a:buChar char="Ø"/>
+            </a:pPr>
+            <a:r>
+              <a:rPr lang="en-US" dirty="0"/>
+              <a:t>Different applications will be described and exampled with open-source running code.</a:t>
+            </a:r>
+          </a:p>
+        </p:txBody>
+      </p:sp>
+      <p:sp>
+        <p:nvSpPr>
+          <p:cNvPr id="19" name="Title 1">
+            <a:extLst>
+              <a:ext uri="{FF2B5EF4-FFF2-40B4-BE49-F238E27FC236}">
+                <a16:creationId xmlns:a16="http://schemas.microsoft.com/office/drawing/2014/main" id="{56D79134-17A9-8BC8-B7D0-97BCFFB9A6B2}"/>
+              </a:ext>
+            </a:extLst>
+          </p:cNvPr>
+          <p:cNvSpPr>
+            <a:spLocks noGrp="1"/>
+          </p:cNvSpPr>
+          <p:nvPr>
+            <p:ph type="title"/>
+          </p:nvPr>
+        </p:nvSpPr>
+        <p:spPr>
+          <a:xfrm>
+            <a:off x="838200" y="365125"/>
+            <a:ext cx="10515600" cy="1325563"/>
+          </a:xfrm>
+        </p:spPr>
+        <p:txBody>
+          <a:bodyPr>
+            <a:normAutofit/>
+          </a:bodyPr>
+          <a:lstStyle/>
+          <a:p>
+            <a:r>
+              <a:rPr lang="en-US" sz="2800" b="1" dirty="0"/>
+              <a:t>Why This I-D?</a:t>
+            </a:r>
+            <a:br>
+              <a:rPr lang="en-US" sz="3600" dirty="0"/>
+            </a:br>
+            <a:r>
+              <a:rPr lang="en-US" sz="2700" dirty="0">
+                <a:solidFill>
+                  <a:schemeClr val="bg2">
+                    <a:lumMod val="75000"/>
+                  </a:schemeClr>
+                </a:solidFill>
+              </a:rPr>
+              <a:t>A Reminder</a:t>
+            </a:r>
+          </a:p>
+        </p:txBody>
+      </p:sp>
+    </p:spTree>
+    <p:extLst>
+      <p:ext uri="{BB962C8B-B14F-4D97-AF65-F5344CB8AC3E}">
+        <p14:creationId xmlns:p14="http://schemas.microsoft.com/office/powerpoint/2010/main" val="102978613"/>
+      </p:ext>
+    </p:extLst>
+  </p:cSld>
+  <p:clrMapOvr>
+    <a:masterClrMapping/>
+  </p:clrMapOvr>
+</p:sld>
+</file>
+
+<file path=ppt/slides/slide3.xml><?xml version="1.0" encoding="utf-8"?>
+<p:sld xmlns:a="http://schemas.openxmlformats.org/drawingml/2006/main" xmlns:r="http://schemas.openxmlformats.org/officeDocument/2006/relationships" xmlns:p="http://schemas.openxmlformats.org/presentationml/2006/main">
+  <p:cSld>
+    <p:spTree>
+      <p:nvGrpSpPr>
+        <p:cNvPr id="1" name=""/>
+        <p:cNvGrpSpPr/>
+        <p:nvPr/>
+      </p:nvGrpSpPr>
+      <p:grpSpPr>
+        <a:xfrm>
+          <a:off x="0" y="0"/>
+          <a:ext cx="0" cy="0"/>
+          <a:chOff x="0" y="0"/>
+          <a:chExt cx="0" cy="0"/>
+        </a:xfrm>
+      </p:grpSpPr>
+      <p:sp>
+        <p:nvSpPr>
+          <p:cNvPr id="6" name="Slide Number Placeholder 1">
+            <a:extLst>
+              <a:ext uri="{FF2B5EF4-FFF2-40B4-BE49-F238E27FC236}">
+                <a16:creationId xmlns:a16="http://schemas.microsoft.com/office/drawing/2014/main" id="{024DC3B6-499C-4E15-9336-2F15A0DFB843}"/>
+              </a:ext>
+            </a:extLst>
+          </p:cNvPr>
+          <p:cNvSpPr>
+            <a:spLocks noGrp="1"/>
+          </p:cNvSpPr>
+          <p:nvPr>
+            <p:ph type="sldNum" sz="quarter" idx="12"/>
+          </p:nvPr>
+        </p:nvSpPr>
+        <p:spPr>
+          <a:xfrm>
+            <a:off x="11587892" y="6361637"/>
+            <a:ext cx="414251" cy="365125"/>
+          </a:xfrm>
+        </p:spPr>
+        <p:txBody>
+          <a:bodyPr/>
+          <a:lstStyle/>
+          <a:p>
             <a:pPr marL="0" marR="0" lvl="0" indent="0" algn="r" defTabSz="914400" rtl="0" eaLnBrk="1" fontAlgn="auto" latinLnBrk="0" hangingPunct="1">
               <a:lnSpc>
                 <a:spcPct val="100000"/>
@@ -10900,7 +12445,7 @@
                 <a:tabLst/>
                 <a:defRPr/>
               </a:pPr>
-              <a:t>2</a:t>
+              <a:t>3</a:t>
             </a:fld>
             <a:endParaRPr kumimoji="0" lang="de-CH" sz="1400" b="0" i="0" u="none" strike="noStrike" kern="1200" cap="none" spc="0" normalizeH="0" baseline="0" noProof="0" dirty="0">
               <a:ln>
@@ -13444,7 +14989,7 @@
           <a:p>
             <a:r>
               <a:rPr lang="en-US" sz="2800" b="1" dirty="0"/>
-              <a:t>Data Mesh organizes Data in Organizations</a:t>
+              <a:t>Structuring Anomaly Detection NMOP Effort</a:t>
             </a:r>
             <a:br>
               <a:rPr lang="en-GB" sz="3600" dirty="0"/>
@@ -13457,7 +15002,7 @@
                   </a:schemeClr>
                 </a:solidFill>
               </a:rPr>
-              <a:t>Enables Network Analytics use cases</a:t>
+              <a:t>Integrates into Data Mesh</a:t>
             </a:r>
           </a:p>
         </p:txBody>
@@ -14020,7 +15565,7 @@
 </p:sld>
 </file>
 
-<file path=ppt/slides/slide3.xml><?xml version="1.0" encoding="utf-8"?>
+<file path=ppt/slides/slide4.xml><?xml version="1.0" encoding="utf-8"?>
 <p:sld xmlns:a="http://schemas.openxmlformats.org/drawingml/2006/main" xmlns:r="http://schemas.openxmlformats.org/officeDocument/2006/relationships" xmlns:p="http://schemas.openxmlformats.org/presentationml/2006/main">
   <p:cSld>
     <p:spTree>
@@ -14149,7 +15694,7 @@
           <a:p>
             <a:fld id="{FC4AC485-25DE-431E-B345-9C0A15BB7F8A}" type="slidenum">
               <a:rPr lang="de-CH" sz="1400" smtClean="0"/>
-              <a:t>3</a:t>
+              <a:t>4</a:t>
             </a:fld>
             <a:endParaRPr lang="de-CH" sz="1400" dirty="0"/>
           </a:p>
@@ -14221,24 +15766,14 @@
               <a:rPr lang="en-GB" sz="3600" dirty="0"/>
             </a:br>
             <a:r>
-              <a:rPr lang="en-US" sz="2700">
+              <a:rPr lang="en-US" sz="2700" dirty="0">
                 <a:solidFill>
                   <a:schemeClr val="bg2">
                     <a:lumMod val="75000"/>
                   </a:schemeClr>
                 </a:solidFill>
               </a:rPr>
-              <a:t>Which metrics </a:t>
-            </a:r>
-            <a:r>
-              <a:rPr lang="en-US" sz="2700" dirty="0">
-                <a:solidFill>
-                  <a:schemeClr val="bg2">
-                    <a:lumMod val="75000"/>
-                  </a:schemeClr>
-                </a:solidFill>
-              </a:rPr>
-              <a:t>are collected</a:t>
+              <a:t>Which metrics are collected</a:t>
             </a:r>
           </a:p>
         </p:txBody>
@@ -14383,7 +15918,7 @@
 </p:sld>
 </file>
 
-<file path=ppt/slides/slide4.xml><?xml version="1.0" encoding="utf-8"?>
+<file path=ppt/slides/slide5.xml><?xml version="1.0" encoding="utf-8"?>
 <p:sld xmlns:a="http://schemas.openxmlformats.org/drawingml/2006/main" xmlns:r="http://schemas.openxmlformats.org/officeDocument/2006/relationships" xmlns:p="http://schemas.openxmlformats.org/presentationml/2006/main">
   <p:cSld>
     <p:spTree>
@@ -14477,7 +16012,7 @@
                 <a:tabLst/>
                 <a:defRPr/>
               </a:pPr>
-              <a:t>4</a:t>
+              <a:t>5</a:t>
             </a:fld>
             <a:endParaRPr kumimoji="0" lang="en-US" sz="1400" b="0" i="0" u="none" strike="noStrike" kern="1200" cap="none" spc="0" normalizeH="0" baseline="0" noProof="0" dirty="0">
               <a:ln>
@@ -16976,7 +18511,7 @@
 </p:sld>
 </file>
 
-<file path=ppt/slides/slide5.xml><?xml version="1.0" encoding="utf-8"?>
+<file path=ppt/slides/slide6.xml><?xml version="1.0" encoding="utf-8"?>
 <p:sld xmlns:a="http://schemas.openxmlformats.org/drawingml/2006/main" xmlns:r="http://schemas.openxmlformats.org/officeDocument/2006/relationships" xmlns:p="http://schemas.openxmlformats.org/presentationml/2006/main">
   <p:cSld>
     <p:spTree>
@@ -17021,7 +18556,7 @@
           <a:p>
             <a:fld id="{FC4AC485-25DE-431E-B345-9C0A15BB7F8A}" type="slidenum">
               <a:rPr lang="de-CH" sz="1400" smtClean="0"/>
-              <a:t>5</a:t>
+              <a:t>6</a:t>
             </a:fld>
             <a:endParaRPr lang="de-CH" sz="1400" dirty="0"/>
           </a:p>
@@ -17440,7 +18975,7 @@
 </p:sld>
 </file>
 
-<file path=ppt/slides/slide6.xml><?xml version="1.0" encoding="utf-8"?>
+<file path=ppt/slides/slide7.xml><?xml version="1.0" encoding="utf-8"?>
 <p:sld xmlns:a="http://schemas.openxmlformats.org/drawingml/2006/main" xmlns:r="http://schemas.openxmlformats.org/officeDocument/2006/relationships" xmlns:p="http://schemas.openxmlformats.org/presentationml/2006/main">
   <p:cSld>
     <p:spTree>
@@ -17761,7 +19296,7 @@
           <a:p>
             <a:fld id="{FC4AC485-25DE-431E-B345-9C0A15BB7F8A}" type="slidenum">
               <a:rPr lang="de-CH" sz="1400" smtClean="0"/>
-              <a:t>6</a:t>
+              <a:t>7</a:t>
             </a:fld>
             <a:endParaRPr lang="de-CH" sz="1400" dirty="0"/>
           </a:p>
@@ -17853,7 +19388,7 @@
 </p:sld>
 </file>
 
-<file path=ppt/slides/slide7.xml><?xml version="1.0" encoding="utf-8"?>
+<file path=ppt/slides/slide8.xml><?xml version="1.0" encoding="utf-8"?>
 <p:sld xmlns:a="http://schemas.openxmlformats.org/drawingml/2006/main" xmlns:r="http://schemas.openxmlformats.org/officeDocument/2006/relationships" xmlns:p="http://schemas.openxmlformats.org/presentationml/2006/main">
   <p:cSld>
     <p:spTree>
@@ -19327,7 +20862,7 @@
           <a:p>
             <a:fld id="{FC4AC485-25DE-431E-B345-9C0A15BB7F8A}" type="slidenum">
               <a:rPr lang="de-CH" sz="1400" smtClean="0"/>
-              <a:t>7</a:t>
+              <a:t>8</a:t>
             </a:fld>
             <a:endParaRPr lang="de-CH" sz="1400" dirty="0"/>
           </a:p>
@@ -19738,7 +21273,7 @@
 </p:sld>
 </file>
 
-<file path=ppt/slides/slide8.xml><?xml version="1.0" encoding="utf-8"?>
+<file path=ppt/slides/slide9.xml><?xml version="1.0" encoding="utf-8"?>
 <p:sld xmlns:a="http://schemas.openxmlformats.org/drawingml/2006/main" xmlns:r="http://schemas.openxmlformats.org/officeDocument/2006/relationships" xmlns:p="http://schemas.openxmlformats.org/presentationml/2006/main">
   <p:cSld>
     <p:spTree>
@@ -19795,7 +21330,7 @@
             </a:pPr>
             <a:fld id="{00000000-1234-1234-1234-123412341234}" type="slidenum">
               <a:rPr lang="en-US" sz="1400"/>
-              <a:t>8</a:t>
+              <a:t>9</a:t>
             </a:fld>
             <a:endParaRPr sz="1400"/>
           </a:p>
@@ -20207,1166 +21742,6 @@
           </a:p>
         </p:txBody>
       </p:sp>
-    </p:spTree>
-  </p:cSld>
-  <p:clrMapOvr>
-    <a:masterClrMapping/>
-  </p:clrMapOvr>
-</p:sld>
-</file>
-
-<file path=ppt/slides/slide9.xml><?xml version="1.0" encoding="utf-8"?>
-<p:sld xmlns:a="http://schemas.openxmlformats.org/drawingml/2006/main" xmlns:r="http://schemas.openxmlformats.org/officeDocument/2006/relationships" xmlns:p="http://schemas.openxmlformats.org/presentationml/2006/main">
-  <p:cSld>
-    <p:spTree>
-      <p:nvGrpSpPr>
-        <p:cNvPr id="1" name="Shape 225"/>
-        <p:cNvGrpSpPr/>
-        <p:nvPr/>
-      </p:nvGrpSpPr>
-      <p:grpSpPr>
-        <a:xfrm>
-          <a:off x="0" y="0"/>
-          <a:ext cx="0" cy="0"/>
-          <a:chOff x="0" y="0"/>
-          <a:chExt cx="0" cy="0"/>
-        </a:xfrm>
-      </p:grpSpPr>
-      <p:sp>
-        <p:nvSpPr>
-          <p:cNvPr id="226" name="Google Shape;226;p9"/>
-          <p:cNvSpPr txBox="1"/>
-          <p:nvPr/>
-        </p:nvSpPr>
-        <p:spPr>
-          <a:xfrm>
-            <a:off x="838198" y="1484344"/>
-            <a:ext cx="4373880" cy="2329677"/>
-          </a:xfrm>
-          <a:prstGeom prst="rect">
-            <a:avLst/>
-          </a:prstGeom>
-          <a:noFill/>
-          <a:ln>
-            <a:noFill/>
-          </a:ln>
-        </p:spPr>
-        <p:txBody>
-          <a:bodyPr spcFirstLastPara="1" wrap="square" lIns="91425" tIns="45700" rIns="91425" bIns="45700" anchor="t" anchorCtr="0">
-            <a:spAutoFit/>
-          </a:bodyPr>
-          <a:lstStyle/>
-          <a:p>
-            <a:pPr marL="0" marR="0" lvl="0" indent="0" algn="l" rtl="0">
-              <a:lnSpc>
-                <a:spcPct val="107000"/>
-              </a:lnSpc>
-              <a:spcBef>
-                <a:spcPts val="0"/>
-              </a:spcBef>
-              <a:spcAft>
-                <a:spcPts val="0"/>
-              </a:spcAft>
-              <a:buNone/>
-            </a:pPr>
-            <a:r>
-              <a:rPr lang="en-US" sz="850" b="0" i="0" u="none" strike="noStrike" cap="none">
-                <a:solidFill>
-                  <a:schemeClr val="dk1"/>
-                </a:solidFill>
-                <a:latin typeface="Courier New"/>
-                <a:ea typeface="Courier New"/>
-                <a:cs typeface="Courier New"/>
-                <a:sym typeface="Courier New"/>
-              </a:rPr>
-              <a:t>module: ietf-network-anomaly-metadata</a:t>
-            </a:r>
-            <a:endParaRPr/>
-          </a:p>
-          <a:p>
-            <a:pPr marL="0" marR="0" lvl="0" indent="0" algn="l" rtl="0">
-              <a:lnSpc>
-                <a:spcPct val="107000"/>
-              </a:lnSpc>
-              <a:spcBef>
-                <a:spcPts val="0"/>
-              </a:spcBef>
-              <a:spcAft>
-                <a:spcPts val="0"/>
-              </a:spcAft>
-              <a:buNone/>
-            </a:pPr>
-            <a:r>
-              <a:rPr lang="en-US" sz="850" b="0" i="0" u="none" strike="noStrike" cap="none">
-                <a:solidFill>
-                  <a:schemeClr val="dk1"/>
-                </a:solidFill>
-                <a:latin typeface="Courier New"/>
-                <a:ea typeface="Courier New"/>
-                <a:cs typeface="Courier New"/>
-                <a:sym typeface="Courier New"/>
-              </a:rPr>
-              <a:t>  +--rw network-anomalies</a:t>
-            </a:r>
-            <a:endParaRPr/>
-          </a:p>
-          <a:p>
-            <a:pPr marL="0" marR="0" lvl="0" indent="0" algn="l" rtl="0">
-              <a:lnSpc>
-                <a:spcPct val="107000"/>
-              </a:lnSpc>
-              <a:spcBef>
-                <a:spcPts val="0"/>
-              </a:spcBef>
-              <a:spcAft>
-                <a:spcPts val="0"/>
-              </a:spcAft>
-              <a:buNone/>
-            </a:pPr>
-            <a:r>
-              <a:rPr lang="en-US" sz="850" b="0" i="0" u="none" strike="noStrike" cap="none">
-                <a:solidFill>
-                  <a:schemeClr val="dk1"/>
-                </a:solidFill>
-                <a:latin typeface="Courier New"/>
-                <a:ea typeface="Courier New"/>
-                <a:cs typeface="Courier New"/>
-                <a:sym typeface="Courier New"/>
-              </a:rPr>
-              <a:t>    +--rw network-anomaly* [id version]</a:t>
-            </a:r>
-            <a:endParaRPr/>
-          </a:p>
-          <a:p>
-            <a:pPr marL="0" marR="0" lvl="0" indent="0" algn="l" rtl="0">
-              <a:lnSpc>
-                <a:spcPct val="107000"/>
-              </a:lnSpc>
-              <a:spcBef>
-                <a:spcPts val="0"/>
-              </a:spcBef>
-              <a:spcAft>
-                <a:spcPts val="0"/>
-              </a:spcAft>
-              <a:buNone/>
-            </a:pPr>
-            <a:r>
-              <a:rPr lang="en-US" sz="850" b="0" i="0" u="none" strike="noStrike" cap="none">
-                <a:solidFill>
-                  <a:schemeClr val="dk1"/>
-                </a:solidFill>
-                <a:latin typeface="Courier New"/>
-                <a:ea typeface="Courier New"/>
-                <a:cs typeface="Courier New"/>
-                <a:sym typeface="Courier New"/>
-              </a:rPr>
-              <a:t>      +--rw id             yang:uuid</a:t>
-            </a:r>
-            <a:endParaRPr sz="850" b="0" i="0" u="none" strike="noStrike" cap="none">
-              <a:solidFill>
-                <a:schemeClr val="dk1"/>
-              </a:solidFill>
-              <a:latin typeface="Courier New"/>
-              <a:ea typeface="Courier New"/>
-              <a:cs typeface="Courier New"/>
-              <a:sym typeface="Courier New"/>
-            </a:endParaRPr>
-          </a:p>
-          <a:p>
-            <a:pPr marL="0" marR="0" lvl="0" indent="0" algn="l" rtl="0">
-              <a:lnSpc>
-                <a:spcPct val="107000"/>
-              </a:lnSpc>
-              <a:spcBef>
-                <a:spcPts val="0"/>
-              </a:spcBef>
-              <a:spcAft>
-                <a:spcPts val="0"/>
-              </a:spcAft>
-              <a:buNone/>
-            </a:pPr>
-            <a:r>
-              <a:rPr lang="en-US" sz="850" b="0" i="0" u="none" strike="noStrike" cap="none">
-                <a:solidFill>
-                  <a:schemeClr val="dk1"/>
-                </a:solidFill>
-                <a:latin typeface="Courier New"/>
-                <a:ea typeface="Courier New"/>
-                <a:cs typeface="Courier New"/>
-                <a:sym typeface="Courier New"/>
-              </a:rPr>
-              <a:t>      +--rw version        uint32</a:t>
-            </a:r>
-            <a:endParaRPr/>
-          </a:p>
-          <a:p>
-            <a:pPr marL="0" marR="0" lvl="0" indent="0" algn="l" rtl="0">
-              <a:lnSpc>
-                <a:spcPct val="107000"/>
-              </a:lnSpc>
-              <a:spcBef>
-                <a:spcPts val="0"/>
-              </a:spcBef>
-              <a:spcAft>
-                <a:spcPts val="0"/>
-              </a:spcAft>
-              <a:buNone/>
-            </a:pPr>
-            <a:r>
-              <a:rPr lang="en-US" sz="850" b="0" i="0" u="none" strike="noStrike" cap="none">
-                <a:solidFill>
-                  <a:schemeClr val="dk1"/>
-                </a:solidFill>
-                <a:latin typeface="Courier New"/>
-                <a:ea typeface="Courier New"/>
-                <a:cs typeface="Courier New"/>
-                <a:sym typeface="Courier New"/>
-              </a:rPr>
-              <a:t>      +--rw description?   string</a:t>
-            </a:r>
-            <a:endParaRPr/>
-          </a:p>
-          <a:p>
-            <a:pPr marL="0" marR="0" lvl="0" indent="0" algn="l" rtl="0">
-              <a:lnSpc>
-                <a:spcPct val="107000"/>
-              </a:lnSpc>
-              <a:spcBef>
-                <a:spcPts val="0"/>
-              </a:spcBef>
-              <a:spcAft>
-                <a:spcPts val="0"/>
-              </a:spcAft>
-              <a:buNone/>
-            </a:pPr>
-            <a:r>
-              <a:rPr lang="en-US" sz="850" b="0" i="0" u="none" strike="noStrike" cap="none">
-                <a:solidFill>
-                  <a:schemeClr val="dk1"/>
-                </a:solidFill>
-                <a:latin typeface="Courier New"/>
-                <a:ea typeface="Courier New"/>
-                <a:cs typeface="Courier New"/>
-                <a:sym typeface="Courier New"/>
-              </a:rPr>
-              <a:t>      +--rw state          identityref</a:t>
-            </a:r>
-            <a:endParaRPr sz="850" b="0" i="0" u="none" strike="noStrike" cap="none">
-              <a:solidFill>
-                <a:schemeClr val="dk1"/>
-              </a:solidFill>
-              <a:latin typeface="Courier New"/>
-              <a:ea typeface="Courier New"/>
-              <a:cs typeface="Courier New"/>
-              <a:sym typeface="Courier New"/>
-            </a:endParaRPr>
-          </a:p>
-          <a:p>
-            <a:pPr marL="0" marR="0" lvl="0" indent="0" algn="l" rtl="0">
-              <a:lnSpc>
-                <a:spcPct val="107000"/>
-              </a:lnSpc>
-              <a:spcBef>
-                <a:spcPts val="0"/>
-              </a:spcBef>
-              <a:spcAft>
-                <a:spcPts val="0"/>
-              </a:spcAft>
-              <a:buNone/>
-            </a:pPr>
-            <a:r>
-              <a:rPr lang="en-US" sz="850" b="0" i="0" u="none" strike="noStrike" cap="none">
-                <a:solidFill>
-                  <a:schemeClr val="dk1"/>
-                </a:solidFill>
-                <a:latin typeface="Courier New"/>
-                <a:ea typeface="Courier New"/>
-                <a:cs typeface="Courier New"/>
-                <a:sym typeface="Courier New"/>
-              </a:rPr>
-              <a:t>      +--rw annotator</a:t>
-            </a:r>
-            <a:endParaRPr/>
-          </a:p>
-          <a:p>
-            <a:pPr marL="0" marR="0" lvl="0" indent="0" algn="l" rtl="0">
-              <a:lnSpc>
-                <a:spcPct val="107000"/>
-              </a:lnSpc>
-              <a:spcBef>
-                <a:spcPts val="0"/>
-              </a:spcBef>
-              <a:spcAft>
-                <a:spcPts val="0"/>
-              </a:spcAft>
-              <a:buNone/>
-            </a:pPr>
-            <a:r>
-              <a:rPr lang="en-US" sz="850" b="0" i="0" u="none" strike="noStrike" cap="none">
-                <a:solidFill>
-                  <a:schemeClr val="dk1"/>
-                </a:solidFill>
-                <a:latin typeface="Courier New"/>
-                <a:ea typeface="Courier New"/>
-                <a:cs typeface="Courier New"/>
-                <a:sym typeface="Courier New"/>
-              </a:rPr>
-              <a:t>      |  +--rw (annotator-type)</a:t>
-            </a:r>
-            <a:endParaRPr/>
-          </a:p>
-          <a:p>
-            <a:pPr marL="0" marR="0" lvl="0" indent="0" algn="l" rtl="0">
-              <a:lnSpc>
-                <a:spcPct val="107000"/>
-              </a:lnSpc>
-              <a:spcBef>
-                <a:spcPts val="0"/>
-              </a:spcBef>
-              <a:spcAft>
-                <a:spcPts val="0"/>
-              </a:spcAft>
-              <a:buNone/>
-            </a:pPr>
-            <a:r>
-              <a:rPr lang="en-US" sz="850" b="0" i="0" u="none" strike="noStrike" cap="none">
-                <a:solidFill>
-                  <a:schemeClr val="dk1"/>
-                </a:solidFill>
-                <a:latin typeface="Courier New"/>
-                <a:ea typeface="Courier New"/>
-                <a:cs typeface="Courier New"/>
-                <a:sym typeface="Courier New"/>
-              </a:rPr>
-              <a:t>      |  |  +--:(human)</a:t>
-            </a:r>
-            <a:endParaRPr/>
-          </a:p>
-          <a:p>
-            <a:pPr marL="0" marR="0" lvl="0" indent="0" algn="l" rtl="0">
-              <a:lnSpc>
-                <a:spcPct val="107000"/>
-              </a:lnSpc>
-              <a:spcBef>
-                <a:spcPts val="0"/>
-              </a:spcBef>
-              <a:spcAft>
-                <a:spcPts val="0"/>
-              </a:spcAft>
-              <a:buNone/>
-            </a:pPr>
-            <a:r>
-              <a:rPr lang="en-US" sz="850" b="0" i="0" u="none" strike="noStrike" cap="none">
-                <a:solidFill>
-                  <a:schemeClr val="dk1"/>
-                </a:solidFill>
-                <a:latin typeface="Courier New"/>
-                <a:ea typeface="Courier New"/>
-                <a:cs typeface="Courier New"/>
-                <a:sym typeface="Courier New"/>
-              </a:rPr>
-              <a:t>      |  |  |  +--rw human        empty</a:t>
-            </a:r>
-            <a:endParaRPr/>
-          </a:p>
-          <a:p>
-            <a:pPr marL="0" marR="0" lvl="0" indent="0" algn="l" rtl="0">
-              <a:lnSpc>
-                <a:spcPct val="107000"/>
-              </a:lnSpc>
-              <a:spcBef>
-                <a:spcPts val="0"/>
-              </a:spcBef>
-              <a:spcAft>
-                <a:spcPts val="0"/>
-              </a:spcAft>
-              <a:buNone/>
-            </a:pPr>
-            <a:r>
-              <a:rPr lang="en-US" sz="850" b="0" i="0" u="none" strike="noStrike" cap="none">
-                <a:solidFill>
-                  <a:schemeClr val="dk1"/>
-                </a:solidFill>
-                <a:latin typeface="Courier New"/>
-                <a:ea typeface="Courier New"/>
-                <a:cs typeface="Courier New"/>
-                <a:sym typeface="Courier New"/>
-              </a:rPr>
-              <a:t>      |  |  +--:(algorithm)</a:t>
-            </a:r>
-            <a:endParaRPr/>
-          </a:p>
-          <a:p>
-            <a:pPr marL="0" marR="0" lvl="0" indent="0" algn="l" rtl="0">
-              <a:lnSpc>
-                <a:spcPct val="107000"/>
-              </a:lnSpc>
-              <a:spcBef>
-                <a:spcPts val="0"/>
-              </a:spcBef>
-              <a:spcAft>
-                <a:spcPts val="0"/>
-              </a:spcAft>
-              <a:buNone/>
-            </a:pPr>
-            <a:r>
-              <a:rPr lang="en-US" sz="850" b="0" i="0" u="none" strike="noStrike" cap="none">
-                <a:solidFill>
-                  <a:schemeClr val="dk1"/>
-                </a:solidFill>
-                <a:latin typeface="Courier New"/>
-                <a:ea typeface="Courier New"/>
-                <a:cs typeface="Courier New"/>
-                <a:sym typeface="Courier New"/>
-              </a:rPr>
-              <a:t>      |  |     +--rw algorithm    empty</a:t>
-            </a:r>
-            <a:endParaRPr/>
-          </a:p>
-          <a:p>
-            <a:pPr marL="0" marR="0" lvl="0" indent="0" algn="l" rtl="0">
-              <a:lnSpc>
-                <a:spcPct val="107000"/>
-              </a:lnSpc>
-              <a:spcBef>
-                <a:spcPts val="0"/>
-              </a:spcBef>
-              <a:spcAft>
-                <a:spcPts val="0"/>
-              </a:spcAft>
-              <a:buNone/>
-            </a:pPr>
-            <a:r>
-              <a:rPr lang="en-US" sz="850" b="0" i="0" u="none" strike="noStrike" cap="none">
-                <a:solidFill>
-                  <a:schemeClr val="dk1"/>
-                </a:solidFill>
-                <a:latin typeface="Courier New"/>
-                <a:ea typeface="Courier New"/>
-                <a:cs typeface="Courier New"/>
-                <a:sym typeface="Courier New"/>
-              </a:rPr>
-              <a:t>      |  +--rw name?              empty</a:t>
-            </a:r>
-            <a:endParaRPr/>
-          </a:p>
-          <a:p>
-            <a:pPr marL="0" marR="0" lvl="0" indent="0" algn="l" rtl="0">
-              <a:lnSpc>
-                <a:spcPct val="107000"/>
-              </a:lnSpc>
-              <a:spcBef>
-                <a:spcPts val="0"/>
-              </a:spcBef>
-              <a:spcAft>
-                <a:spcPts val="0"/>
-              </a:spcAft>
-              <a:buNone/>
-            </a:pPr>
-            <a:r>
-              <a:rPr lang="en-US" sz="850" b="0" i="0" u="none" strike="noStrike" cap="none">
-                <a:solidFill>
-                  <a:schemeClr val="dk1"/>
-                </a:solidFill>
-                <a:latin typeface="Courier New"/>
-                <a:ea typeface="Courier New"/>
-                <a:cs typeface="Courier New"/>
-                <a:sym typeface="Courier New"/>
-              </a:rPr>
-              <a:t>      +--rw symptoms* [symptom_id]</a:t>
-            </a:r>
-            <a:endParaRPr/>
-          </a:p>
-          <a:p>
-            <a:pPr marL="0" marR="0" lvl="0" indent="0" algn="l" rtl="0">
-              <a:lnSpc>
-                <a:spcPct val="107000"/>
-              </a:lnSpc>
-              <a:spcBef>
-                <a:spcPts val="0"/>
-              </a:spcBef>
-              <a:spcAft>
-                <a:spcPts val="0"/>
-              </a:spcAft>
-              <a:buNone/>
-            </a:pPr>
-            <a:r>
-              <a:rPr lang="en-US" sz="850" b="0" i="0" u="none" strike="noStrike" cap="none">
-                <a:solidFill>
-                  <a:schemeClr val="dk1"/>
-                </a:solidFill>
-                <a:latin typeface="Courier New"/>
-                <a:ea typeface="Courier New"/>
-                <a:cs typeface="Courier New"/>
-                <a:sym typeface="Courier New"/>
-              </a:rPr>
-              <a:t>        +--rw symptom_id    yang:uuid</a:t>
-            </a:r>
-            <a:endParaRPr sz="850" b="0" i="0" u="none" strike="noStrike" cap="none">
-              <a:solidFill>
-                <a:schemeClr val="dk1"/>
-              </a:solidFill>
-              <a:latin typeface="Courier New"/>
-              <a:ea typeface="Courier New"/>
-              <a:cs typeface="Courier New"/>
-              <a:sym typeface="Courier New"/>
-            </a:endParaRPr>
-          </a:p>
-        </p:txBody>
-      </p:sp>
-      <p:sp>
-        <p:nvSpPr>
-          <p:cNvPr id="227" name="Google Shape;227;p9"/>
-          <p:cNvSpPr txBox="1">
-            <a:spLocks noGrp="1"/>
-          </p:cNvSpPr>
-          <p:nvPr>
-            <p:ph type="body" idx="1"/>
-          </p:nvPr>
-        </p:nvSpPr>
-        <p:spPr>
-          <a:xfrm>
-            <a:off x="6193410" y="1929384"/>
-            <a:ext cx="5229402" cy="3823716"/>
-          </a:xfrm>
-          <a:prstGeom prst="rect">
-            <a:avLst/>
-          </a:prstGeom>
-          <a:noFill/>
-          <a:ln>
-            <a:noFill/>
-          </a:ln>
-        </p:spPr>
-        <p:txBody>
-          <a:bodyPr spcFirstLastPara="1" wrap="square" lIns="91425" tIns="45700" rIns="91425" bIns="45700" anchor="t" anchorCtr="0">
-            <a:noAutofit/>
-          </a:bodyPr>
-          <a:lstStyle/>
-          <a:p>
-            <a:pPr marL="228600" lvl="0" indent="-228600" algn="l" rtl="0">
-              <a:lnSpc>
-                <a:spcPct val="90000"/>
-              </a:lnSpc>
-              <a:spcBef>
-                <a:spcPts val="0"/>
-              </a:spcBef>
-              <a:spcAft>
-                <a:spcPts val="0"/>
-              </a:spcAft>
-              <a:buClr>
-                <a:srgbClr val="FF0000"/>
-              </a:buClr>
-              <a:buSzPts val="2000"/>
-              <a:buChar char="•"/>
-            </a:pPr>
-            <a:r>
-              <a:rPr lang="en-US" sz="2000" b="1" dirty="0">
-                <a:solidFill>
-                  <a:srgbClr val="FF0000"/>
-                </a:solidFill>
-              </a:rPr>
-              <a:t>ID and Description</a:t>
-            </a:r>
-            <a:r>
-              <a:rPr lang="en-US" sz="2000" dirty="0"/>
-              <a:t> uniquely identifies the detected network anomaly (as a container of symptoms).</a:t>
-            </a:r>
-            <a:endParaRPr dirty="0"/>
-          </a:p>
-          <a:p>
-            <a:pPr marL="228600" lvl="0" indent="-228600" algn="l" rtl="0">
-              <a:lnSpc>
-                <a:spcPct val="90000"/>
-              </a:lnSpc>
-              <a:spcBef>
-                <a:spcPts val="1000"/>
-              </a:spcBef>
-              <a:spcAft>
-                <a:spcPts val="0"/>
-              </a:spcAft>
-              <a:buClr>
-                <a:srgbClr val="FF0000"/>
-              </a:buClr>
-              <a:buSzPts val="2000"/>
-              <a:buChar char="•"/>
-            </a:pPr>
-            <a:r>
-              <a:rPr lang="en-US" sz="2000" b="1" dirty="0">
-                <a:solidFill>
-                  <a:srgbClr val="FF0000"/>
-                </a:solidFill>
-              </a:rPr>
-              <a:t>Description and State </a:t>
-            </a:r>
-            <a:r>
-              <a:rPr lang="en-US" sz="2000" dirty="0"/>
-              <a:t>provide general information regarding the anomaly and . </a:t>
-            </a:r>
-            <a:endParaRPr dirty="0"/>
-          </a:p>
-          <a:p>
-            <a:pPr marL="228600" lvl="0" indent="-228600" algn="l" rtl="0">
-              <a:lnSpc>
-                <a:spcPct val="90000"/>
-              </a:lnSpc>
-              <a:spcBef>
-                <a:spcPts val="1000"/>
-              </a:spcBef>
-              <a:spcAft>
-                <a:spcPts val="0"/>
-              </a:spcAft>
-              <a:buClr>
-                <a:srgbClr val="FF0000"/>
-              </a:buClr>
-              <a:buSzPts val="2000"/>
-              <a:buChar char="•"/>
-            </a:pPr>
-            <a:r>
-              <a:rPr lang="en-US" sz="2000" b="1" dirty="0">
-                <a:solidFill>
-                  <a:srgbClr val="FF0000"/>
-                </a:solidFill>
-              </a:rPr>
-              <a:t>Annotator </a:t>
-            </a:r>
-            <a:r>
-              <a:rPr lang="en-US" sz="2000" dirty="0"/>
-              <a:t>describes the entity that observed the network anomaly: this can be a human or an algorithm (anomaly detection system). </a:t>
-            </a:r>
-            <a:endParaRPr dirty="0"/>
-          </a:p>
-          <a:p>
-            <a:pPr marL="228600" lvl="0" indent="-228600" algn="l" rtl="0">
-              <a:lnSpc>
-                <a:spcPct val="90000"/>
-              </a:lnSpc>
-              <a:spcBef>
-                <a:spcPts val="1000"/>
-              </a:spcBef>
-              <a:spcAft>
-                <a:spcPts val="0"/>
-              </a:spcAft>
-              <a:buClr>
-                <a:srgbClr val="FF0000"/>
-              </a:buClr>
-              <a:buSzPts val="2000"/>
-              <a:buChar char="•"/>
-            </a:pPr>
-            <a:r>
-              <a:rPr lang="en-US" sz="2000" b="1" dirty="0">
-                <a:solidFill>
-                  <a:srgbClr val="FF0000"/>
-                </a:solidFill>
-              </a:rPr>
-              <a:t>Symptoms </a:t>
-            </a:r>
-            <a:r>
-              <a:rPr lang="en-US" sz="2000" dirty="0"/>
-              <a:t>provides a list of symptoms (based on </a:t>
-            </a:r>
-            <a:r>
-              <a:rPr lang="en-US" sz="2000" dirty="0" err="1"/>
-              <a:t>ietf</a:t>
-            </a:r>
-            <a:r>
-              <a:rPr lang="en-US" sz="2000" dirty="0"/>
-              <a:t>-symptom-metadata) that are part of this network anomaly.</a:t>
-            </a:r>
-            <a:endParaRPr dirty="0"/>
-          </a:p>
-        </p:txBody>
-      </p:sp>
-      <p:sp>
-        <p:nvSpPr>
-          <p:cNvPr id="228" name="Google Shape;228;p9"/>
-          <p:cNvSpPr/>
-          <p:nvPr/>
-        </p:nvSpPr>
-        <p:spPr>
-          <a:xfrm>
-            <a:off x="1063625" y="1810474"/>
-            <a:ext cx="3038400" cy="416400"/>
-          </a:xfrm>
-          <a:prstGeom prst="rect">
-            <a:avLst/>
-          </a:prstGeom>
-          <a:solidFill>
-            <a:schemeClr val="accent6">
-              <a:alpha val="9803"/>
-            </a:schemeClr>
-          </a:solidFill>
-          <a:ln w="25400" cap="flat" cmpd="sng">
-            <a:solidFill>
-              <a:schemeClr val="accent6"/>
-            </a:solidFill>
-            <a:prstDash val="solid"/>
-            <a:miter lim="800000"/>
-            <a:headEnd type="none" w="sm" len="sm"/>
-            <a:tailEnd type="none" w="sm" len="sm"/>
-          </a:ln>
-        </p:spPr>
-        <p:txBody>
-          <a:bodyPr spcFirstLastPara="1" wrap="square" lIns="91425" tIns="45700" rIns="91425" bIns="45700" anchor="ctr" anchorCtr="0">
-            <a:noAutofit/>
-          </a:bodyPr>
-          <a:lstStyle/>
-          <a:p>
-            <a:pPr marL="0" marR="0" lvl="0" indent="0" algn="ctr" rtl="0">
-              <a:spcBef>
-                <a:spcPts val="0"/>
-              </a:spcBef>
-              <a:spcAft>
-                <a:spcPts val="0"/>
-              </a:spcAft>
-              <a:buNone/>
-            </a:pPr>
-            <a:endParaRPr sz="1800" b="0" i="0" u="none" strike="noStrike" cap="none">
-              <a:solidFill>
-                <a:schemeClr val="lt1"/>
-              </a:solidFill>
-              <a:latin typeface="Calibri"/>
-              <a:ea typeface="Calibri"/>
-              <a:cs typeface="Calibri"/>
-              <a:sym typeface="Calibri"/>
-            </a:endParaRPr>
-          </a:p>
-        </p:txBody>
-      </p:sp>
-      <p:cxnSp>
-        <p:nvCxnSpPr>
-          <p:cNvPr id="229" name="Google Shape;229;p9"/>
-          <p:cNvCxnSpPr>
-            <a:stCxn id="228" idx="3"/>
-          </p:cNvCxnSpPr>
-          <p:nvPr/>
-        </p:nvCxnSpPr>
-        <p:spPr>
-          <a:xfrm>
-            <a:off x="4102025" y="2018674"/>
-            <a:ext cx="2091300" cy="90300"/>
-          </a:xfrm>
-          <a:prstGeom prst="straightConnector1">
-            <a:avLst/>
-          </a:prstGeom>
-          <a:noFill/>
-          <a:ln w="25400" cap="flat" cmpd="sng">
-            <a:solidFill>
-              <a:schemeClr val="accent6"/>
-            </a:solidFill>
-            <a:prstDash val="solid"/>
-            <a:miter lim="800000"/>
-            <a:headEnd type="none" w="sm" len="sm"/>
-            <a:tailEnd type="none" w="sm" len="sm"/>
-          </a:ln>
-        </p:spPr>
-      </p:cxnSp>
-      <p:sp>
-        <p:nvSpPr>
-          <p:cNvPr id="230" name="Google Shape;230;p9"/>
-          <p:cNvSpPr txBox="1">
-            <a:spLocks noGrp="1"/>
-          </p:cNvSpPr>
-          <p:nvPr>
-            <p:ph type="sldNum" idx="12"/>
-          </p:nvPr>
-        </p:nvSpPr>
-        <p:spPr>
-          <a:xfrm>
-            <a:off x="11587892" y="6361637"/>
-            <a:ext cx="414251" cy="365125"/>
-          </a:xfrm>
-          <a:prstGeom prst="rect">
-            <a:avLst/>
-          </a:prstGeom>
-          <a:noFill/>
-          <a:ln>
-            <a:noFill/>
-          </a:ln>
-        </p:spPr>
-        <p:txBody>
-          <a:bodyPr spcFirstLastPara="1" wrap="square" lIns="91425" tIns="45700" rIns="91425" bIns="45700" anchor="ctr" anchorCtr="0">
-            <a:noAutofit/>
-          </a:bodyPr>
-          <a:lstStyle/>
-          <a:p>
-            <a:pPr marL="0" lvl="0" indent="0" algn="r" rtl="0">
-              <a:spcBef>
-                <a:spcPts val="0"/>
-              </a:spcBef>
-              <a:spcAft>
-                <a:spcPts val="0"/>
-              </a:spcAft>
-              <a:buNone/>
-            </a:pPr>
-            <a:fld id="{00000000-1234-1234-1234-123412341234}" type="slidenum">
-              <a:rPr lang="en-US" sz="1400"/>
-              <a:t>9</a:t>
-            </a:fld>
-            <a:endParaRPr sz="1400"/>
-          </a:p>
-        </p:txBody>
-      </p:sp>
-      <p:sp>
-        <p:nvSpPr>
-          <p:cNvPr id="231" name="Google Shape;231;p9"/>
-          <p:cNvSpPr txBox="1">
-            <a:spLocks noGrp="1"/>
-          </p:cNvSpPr>
-          <p:nvPr>
-            <p:ph type="title"/>
-          </p:nvPr>
-        </p:nvSpPr>
-        <p:spPr>
-          <a:xfrm>
-            <a:off x="838200" y="365125"/>
-            <a:ext cx="10515600" cy="1325563"/>
-          </a:xfrm>
-          <a:prstGeom prst="rect">
-            <a:avLst/>
-          </a:prstGeom>
-          <a:noFill/>
-          <a:ln>
-            <a:noFill/>
-          </a:ln>
-        </p:spPr>
-        <p:txBody>
-          <a:bodyPr spcFirstLastPara="1" wrap="square" lIns="91425" tIns="45700" rIns="91425" bIns="45700" anchor="ctr" anchorCtr="0">
-            <a:normAutofit/>
-          </a:bodyPr>
-          <a:lstStyle/>
-          <a:p>
-            <a:pPr marL="0" lvl="0" indent="0" algn="l" rtl="0">
-              <a:lnSpc>
-                <a:spcPct val="90000"/>
-              </a:lnSpc>
-              <a:spcBef>
-                <a:spcPts val="0"/>
-              </a:spcBef>
-              <a:spcAft>
-                <a:spcPts val="0"/>
-              </a:spcAft>
-              <a:buClr>
-                <a:schemeClr val="dk1"/>
-              </a:buClr>
-              <a:buSzPts val="2800"/>
-              <a:buFont typeface="Calibri"/>
-              <a:buNone/>
-            </a:pPr>
-            <a:r>
-              <a:rPr lang="en-US" sz="2800" b="1" dirty="0">
-                <a:solidFill>
-                  <a:srgbClr val="FF0000"/>
-                </a:solidFill>
-              </a:rPr>
-              <a:t>Experiment: </a:t>
-            </a:r>
-            <a:r>
-              <a:rPr lang="en-US" sz="2800" b="1" dirty="0"/>
-              <a:t>Network Anomaly Lifecycle</a:t>
-            </a:r>
-            <a:br>
-              <a:rPr lang="en-US" sz="3600" dirty="0"/>
-            </a:br>
-            <a:r>
-              <a:rPr lang="en-US" sz="2700" dirty="0">
-                <a:solidFill>
-                  <a:srgbClr val="AEABAB"/>
-                </a:solidFill>
-              </a:rPr>
-              <a:t>draft-</a:t>
-            </a:r>
-            <a:r>
-              <a:rPr lang="en-US" sz="2700" dirty="0" err="1">
-                <a:solidFill>
-                  <a:srgbClr val="AEABAB"/>
-                </a:solidFill>
-              </a:rPr>
-              <a:t>netana</a:t>
-            </a:r>
-            <a:r>
-              <a:rPr lang="en-US" sz="2700" dirty="0">
-                <a:solidFill>
-                  <a:srgbClr val="AEABAB"/>
-                </a:solidFill>
-              </a:rPr>
-              <a:t>-</a:t>
-            </a:r>
-            <a:r>
-              <a:rPr lang="en-US" sz="2700" dirty="0" err="1">
-                <a:solidFill>
-                  <a:srgbClr val="AEABAB"/>
-                </a:solidFill>
-              </a:rPr>
-              <a:t>nmop</a:t>
-            </a:r>
-            <a:r>
-              <a:rPr lang="en-US" sz="2700" dirty="0">
-                <a:solidFill>
-                  <a:srgbClr val="AEABAB"/>
-                </a:solidFill>
-              </a:rPr>
-              <a:t>-network-anomaly-lifecycle</a:t>
-            </a:r>
-            <a:endParaRPr sz="2700" dirty="0">
-              <a:solidFill>
-                <a:srgbClr val="FF0000"/>
-              </a:solidFill>
-            </a:endParaRPr>
-          </a:p>
-        </p:txBody>
-      </p:sp>
-      <p:sp>
-        <p:nvSpPr>
-          <p:cNvPr id="232" name="Google Shape;232;p9"/>
-          <p:cNvSpPr/>
-          <p:nvPr/>
-        </p:nvSpPr>
-        <p:spPr>
-          <a:xfrm>
-            <a:off x="1063625" y="2506394"/>
-            <a:ext cx="3038475" cy="955944"/>
-          </a:xfrm>
-          <a:prstGeom prst="rect">
-            <a:avLst/>
-          </a:prstGeom>
-          <a:solidFill>
-            <a:schemeClr val="accent4">
-              <a:alpha val="9803"/>
-            </a:schemeClr>
-          </a:solidFill>
-          <a:ln w="25400" cap="flat" cmpd="sng">
-            <a:solidFill>
-              <a:schemeClr val="accent4"/>
-            </a:solidFill>
-            <a:prstDash val="solid"/>
-            <a:miter lim="800000"/>
-            <a:headEnd type="none" w="sm" len="sm"/>
-            <a:tailEnd type="none" w="sm" len="sm"/>
-          </a:ln>
-        </p:spPr>
-        <p:txBody>
-          <a:bodyPr spcFirstLastPara="1" wrap="square" lIns="91425" tIns="45700" rIns="91425" bIns="45700" anchor="ctr" anchorCtr="0">
-            <a:noAutofit/>
-          </a:bodyPr>
-          <a:lstStyle/>
-          <a:p>
-            <a:pPr marL="0" marR="0" lvl="0" indent="0" algn="ctr" rtl="0">
-              <a:spcBef>
-                <a:spcPts val="0"/>
-              </a:spcBef>
-              <a:spcAft>
-                <a:spcPts val="0"/>
-              </a:spcAft>
-              <a:buNone/>
-            </a:pPr>
-            <a:endParaRPr sz="1800" b="0" i="0" u="none" strike="noStrike" cap="none">
-              <a:solidFill>
-                <a:schemeClr val="lt1"/>
-              </a:solidFill>
-              <a:latin typeface="Calibri"/>
-              <a:ea typeface="Calibri"/>
-              <a:cs typeface="Calibri"/>
-              <a:sym typeface="Calibri"/>
-            </a:endParaRPr>
-          </a:p>
-        </p:txBody>
-      </p:sp>
-      <p:cxnSp>
-        <p:nvCxnSpPr>
-          <p:cNvPr id="233" name="Google Shape;233;p9"/>
-          <p:cNvCxnSpPr>
-            <a:stCxn id="232" idx="3"/>
-          </p:cNvCxnSpPr>
-          <p:nvPr/>
-        </p:nvCxnSpPr>
-        <p:spPr>
-          <a:xfrm>
-            <a:off x="4102100" y="2984366"/>
-            <a:ext cx="1993800" cy="716700"/>
-          </a:xfrm>
-          <a:prstGeom prst="straightConnector1">
-            <a:avLst/>
-          </a:prstGeom>
-          <a:noFill/>
-          <a:ln w="25400" cap="flat" cmpd="sng">
-            <a:solidFill>
-              <a:schemeClr val="accent4"/>
-            </a:solidFill>
-            <a:prstDash val="solid"/>
-            <a:miter lim="800000"/>
-            <a:headEnd type="none" w="sm" len="sm"/>
-            <a:tailEnd type="none" w="sm" len="sm"/>
-          </a:ln>
-        </p:spPr>
-      </p:cxnSp>
-      <p:sp>
-        <p:nvSpPr>
-          <p:cNvPr id="234" name="Google Shape;234;p9"/>
-          <p:cNvSpPr/>
-          <p:nvPr/>
-        </p:nvSpPr>
-        <p:spPr>
-          <a:xfrm>
-            <a:off x="1063625" y="3480070"/>
-            <a:ext cx="3038475" cy="287068"/>
-          </a:xfrm>
-          <a:prstGeom prst="rect">
-            <a:avLst/>
-          </a:prstGeom>
-          <a:solidFill>
-            <a:schemeClr val="accent2">
-              <a:alpha val="9803"/>
-            </a:schemeClr>
-          </a:solidFill>
-          <a:ln w="25400" cap="flat" cmpd="sng">
-            <a:solidFill>
-              <a:schemeClr val="accent2"/>
-            </a:solidFill>
-            <a:prstDash val="solid"/>
-            <a:miter lim="800000"/>
-            <a:headEnd type="none" w="sm" len="sm"/>
-            <a:tailEnd type="none" w="sm" len="sm"/>
-          </a:ln>
-        </p:spPr>
-        <p:txBody>
-          <a:bodyPr spcFirstLastPara="1" wrap="square" lIns="91425" tIns="45700" rIns="91425" bIns="45700" anchor="ctr" anchorCtr="0">
-            <a:noAutofit/>
-          </a:bodyPr>
-          <a:lstStyle/>
-          <a:p>
-            <a:pPr marL="0" marR="0" lvl="0" indent="0" algn="ctr" rtl="0">
-              <a:spcBef>
-                <a:spcPts val="0"/>
-              </a:spcBef>
-              <a:spcAft>
-                <a:spcPts val="0"/>
-              </a:spcAft>
-              <a:buNone/>
-            </a:pPr>
-            <a:endParaRPr sz="1800" b="0" i="0" u="none" strike="noStrike" cap="none">
-              <a:solidFill>
-                <a:schemeClr val="lt1"/>
-              </a:solidFill>
-              <a:latin typeface="Calibri"/>
-              <a:ea typeface="Calibri"/>
-              <a:cs typeface="Calibri"/>
-              <a:sym typeface="Calibri"/>
-            </a:endParaRPr>
-          </a:p>
-        </p:txBody>
-      </p:sp>
-      <p:sp>
-        <p:nvSpPr>
-          <p:cNvPr id="235" name="Google Shape;235;p9"/>
-          <p:cNvSpPr/>
-          <p:nvPr/>
-        </p:nvSpPr>
-        <p:spPr>
-          <a:xfrm>
-            <a:off x="1063625" y="2253473"/>
-            <a:ext cx="3038400" cy="241200"/>
-          </a:xfrm>
-          <a:prstGeom prst="rect">
-            <a:avLst/>
-          </a:prstGeom>
-          <a:solidFill>
-            <a:schemeClr val="accent1">
-              <a:alpha val="9803"/>
-            </a:schemeClr>
-          </a:solidFill>
-          <a:ln w="25400" cap="flat" cmpd="sng">
-            <a:solidFill>
-              <a:schemeClr val="accent1"/>
-            </a:solidFill>
-            <a:prstDash val="solid"/>
-            <a:miter lim="800000"/>
-            <a:headEnd type="none" w="sm" len="sm"/>
-            <a:tailEnd type="none" w="sm" len="sm"/>
-          </a:ln>
-        </p:spPr>
-        <p:txBody>
-          <a:bodyPr spcFirstLastPara="1" wrap="square" lIns="91425" tIns="45700" rIns="91425" bIns="45700" anchor="ctr" anchorCtr="0">
-            <a:noAutofit/>
-          </a:bodyPr>
-          <a:lstStyle/>
-          <a:p>
-            <a:pPr marL="0" marR="0" lvl="0" indent="0" algn="ctr" rtl="0">
-              <a:spcBef>
-                <a:spcPts val="0"/>
-              </a:spcBef>
-              <a:spcAft>
-                <a:spcPts val="0"/>
-              </a:spcAft>
-              <a:buNone/>
-            </a:pPr>
-            <a:endParaRPr sz="1800" b="0" i="0" u="none" strike="noStrike" cap="none">
-              <a:solidFill>
-                <a:schemeClr val="lt1"/>
-              </a:solidFill>
-              <a:latin typeface="Calibri"/>
-              <a:ea typeface="Calibri"/>
-              <a:cs typeface="Calibri"/>
-              <a:sym typeface="Calibri"/>
-            </a:endParaRPr>
-          </a:p>
-        </p:txBody>
-      </p:sp>
-      <p:cxnSp>
-        <p:nvCxnSpPr>
-          <p:cNvPr id="236" name="Google Shape;236;p9"/>
-          <p:cNvCxnSpPr>
-            <a:stCxn id="235" idx="3"/>
-          </p:cNvCxnSpPr>
-          <p:nvPr/>
-        </p:nvCxnSpPr>
-        <p:spPr>
-          <a:xfrm>
-            <a:off x="4102025" y="2374073"/>
-            <a:ext cx="2091300" cy="402600"/>
-          </a:xfrm>
-          <a:prstGeom prst="straightConnector1">
-            <a:avLst/>
-          </a:prstGeom>
-          <a:noFill/>
-          <a:ln w="25400" cap="flat" cmpd="sng">
-            <a:solidFill>
-              <a:schemeClr val="accent5"/>
-            </a:solidFill>
-            <a:prstDash val="solid"/>
-            <a:miter lim="800000"/>
-            <a:headEnd type="none" w="sm" len="sm"/>
-            <a:tailEnd type="none" w="sm" len="sm"/>
-          </a:ln>
-        </p:spPr>
-      </p:cxnSp>
-      <p:cxnSp>
-        <p:nvCxnSpPr>
-          <p:cNvPr id="237" name="Google Shape;237;p9"/>
-          <p:cNvCxnSpPr>
-            <a:stCxn id="234" idx="3"/>
-          </p:cNvCxnSpPr>
-          <p:nvPr/>
-        </p:nvCxnSpPr>
-        <p:spPr>
-          <a:xfrm>
-            <a:off x="4102100" y="3623604"/>
-            <a:ext cx="2091300" cy="1082100"/>
-          </a:xfrm>
-          <a:prstGeom prst="straightConnector1">
-            <a:avLst/>
-          </a:prstGeom>
-          <a:noFill/>
-          <a:ln w="25400" cap="flat" cmpd="sng">
-            <a:solidFill>
-              <a:schemeClr val="accent2"/>
-            </a:solidFill>
-            <a:prstDash val="solid"/>
-            <a:miter lim="800000"/>
-            <a:headEnd type="none" w="sm" len="sm"/>
-            <a:tailEnd type="none" w="sm" len="sm"/>
-          </a:ln>
-        </p:spPr>
-      </p:cxnSp>
     </p:spTree>
   </p:cSld>
   <p:clrMapOvr>

--- a/120/NMOP/draft-netana-nmop-network-anomaly-architecture-semantics-lifecycle.pptx
+++ b/120/NMOP/draft-netana-nmop-network-anomaly-architecture-semantics-lifecycle.pptx
@@ -132,7 +132,7 @@
 <file path=ppt/revisionInfo.xml><?xml version="1.0" encoding="utf-8"?>
 <p1510:revInfo xmlns:a="http://schemas.openxmlformats.org/drawingml/2006/main" xmlns:r="http://schemas.openxmlformats.org/officeDocument/2006/relationships" xmlns:p1510="http://schemas.microsoft.com/office/powerpoint/2015/10/main">
   <p1510:revLst>
-    <p1510:client id="{D5F81756-EA00-4B65-9234-A0FB2F3D032D}" v="13" dt="2024-07-22T20:58:00.995"/>
+    <p1510:client id="{D5F81756-EA00-4B65-9234-A0FB2F3D032D}" v="14" dt="2024-07-25T20:40:39.687"/>
   </p1510:revLst>
 </p1510:revInfo>
 </file>
@@ -142,16 +142,24 @@
   <pc:docChgLst>
     <pc:chgData name="Graf Thomas, INI-NET-VNC-HCS" userId="487bc3e3-9ce7-4cdd-b7b4-8899ea88d289" providerId="ADAL" clId="{D5F81756-EA00-4B65-9234-A0FB2F3D032D}"/>
     <pc:docChg chg="undo redo custSel addSld delSld modSld sldOrd delMainMaster">
-      <pc:chgData name="Graf Thomas, INI-NET-VNC-HCS" userId="487bc3e3-9ce7-4cdd-b7b4-8899ea88d289" providerId="ADAL" clId="{D5F81756-EA00-4B65-9234-A0FB2F3D032D}" dt="2024-07-22T21:11:11.993" v="1200" actId="20577"/>
+      <pc:chgData name="Graf Thomas, INI-NET-VNC-HCS" userId="487bc3e3-9ce7-4cdd-b7b4-8899ea88d289" providerId="ADAL" clId="{D5F81756-EA00-4B65-9234-A0FB2F3D032D}" dt="2024-07-25T20:40:51.533" v="1220" actId="20577"/>
       <pc:docMkLst>
         <pc:docMk/>
       </pc:docMkLst>
-      <pc:sldChg chg="add">
-        <pc:chgData name="Graf Thomas, INI-NET-VNC-HCS" userId="487bc3e3-9ce7-4cdd-b7b4-8899ea88d289" providerId="ADAL" clId="{D5F81756-EA00-4B65-9234-A0FB2F3D032D}" dt="2024-07-22T20:58:00.993" v="815"/>
+      <pc:sldChg chg="modSp add mod">
+        <pc:chgData name="Graf Thomas, INI-NET-VNC-HCS" userId="487bc3e3-9ce7-4cdd-b7b4-8899ea88d289" providerId="ADAL" clId="{D5F81756-EA00-4B65-9234-A0FB2F3D032D}" dt="2024-07-25T20:40:42.185" v="1218" actId="6549"/>
         <pc:sldMkLst>
           <pc:docMk/>
           <pc:sldMk cId="0" sldId="256"/>
         </pc:sldMkLst>
+        <pc:spChg chg="mod">
+          <ac:chgData name="Graf Thomas, INI-NET-VNC-HCS" userId="487bc3e3-9ce7-4cdd-b7b4-8899ea88d289" providerId="ADAL" clId="{D5F81756-EA00-4B65-9234-A0FB2F3D032D}" dt="2024-07-25T20:40:42.185" v="1218" actId="6549"/>
+          <ac:spMkLst>
+            <pc:docMk/>
+            <pc:sldMk cId="0" sldId="256"/>
+            <ac:spMk id="127" creationId="{00000000-0000-0000-0000-000000000000}"/>
+          </ac:spMkLst>
+        </pc:spChg>
       </pc:sldChg>
       <pc:sldChg chg="modSp mod">
         <pc:chgData name="Graf Thomas, INI-NET-VNC-HCS" userId="487bc3e3-9ce7-4cdd-b7b4-8899ea88d289" providerId="ADAL" clId="{D5F81756-EA00-4B65-9234-A0FB2F3D032D}" dt="2024-07-22T20:50:00.951" v="622" actId="20577"/>
@@ -192,7 +200,7 @@
         </pc:spChg>
       </pc:sldChg>
       <pc:sldChg chg="modSp mod">
-        <pc:chgData name="Graf Thomas, INI-NET-VNC-HCS" userId="487bc3e3-9ce7-4cdd-b7b4-8899ea88d289" providerId="ADAL" clId="{D5F81756-EA00-4B65-9234-A0FB2F3D032D}" dt="2024-07-22T20:46:16.336" v="616" actId="20577"/>
+        <pc:chgData name="Graf Thomas, INI-NET-VNC-HCS" userId="487bc3e3-9ce7-4cdd-b7b4-8899ea88d289" providerId="ADAL" clId="{D5F81756-EA00-4B65-9234-A0FB2F3D032D}" dt="2024-07-25T20:40:51.533" v="1220" actId="20577"/>
         <pc:sldMkLst>
           <pc:docMk/>
           <pc:sldMk cId="3578665336" sldId="1041"/>
@@ -206,7 +214,7 @@
           </ac:spMkLst>
         </pc:spChg>
         <pc:spChg chg="mod">
-          <ac:chgData name="Graf Thomas, INI-NET-VNC-HCS" userId="487bc3e3-9ce7-4cdd-b7b4-8899ea88d289" providerId="ADAL" clId="{D5F81756-EA00-4B65-9234-A0FB2F3D032D}" dt="2024-07-22T20:46:16.336" v="616" actId="20577"/>
+          <ac:chgData name="Graf Thomas, INI-NET-VNC-HCS" userId="487bc3e3-9ce7-4cdd-b7b4-8899ea88d289" providerId="ADAL" clId="{D5F81756-EA00-4B65-9234-A0FB2F3D032D}" dt="2024-07-25T20:40:51.533" v="1220" actId="20577"/>
           <ac:spMkLst>
             <pc:docMk/>
             <pc:sldMk cId="3578665336" sldId="1041"/>
@@ -1504,7 +1512,7 @@
           <a:p>
             <a:fld id="{E5E705E9-673F-4AC4-B29E-A7B26F3B8523}" type="datetimeFigureOut">
               <a:rPr lang="de-CH" smtClean="0"/>
-              <a:t>22.07.2024</a:t>
+              <a:t>25.07.2024</a:t>
             </a:fld>
             <a:endParaRPr lang="de-CH"/>
           </a:p>
@@ -2792,7 +2800,7 @@
           <a:p>
             <a:fld id="{9E9B238C-2335-4007-98C9-471C02CC43B6}" type="datetimeFigureOut">
               <a:rPr lang="de-CH" smtClean="0"/>
-              <a:t>22.07.2024</a:t>
+              <a:t>25.07.2024</a:t>
             </a:fld>
             <a:endParaRPr lang="de-CH"/>
           </a:p>
@@ -2992,7 +3000,7 @@
           <a:p>
             <a:fld id="{9E9B238C-2335-4007-98C9-471C02CC43B6}" type="datetimeFigureOut">
               <a:rPr lang="de-CH" smtClean="0"/>
-              <a:t>22.07.2024</a:t>
+              <a:t>25.07.2024</a:t>
             </a:fld>
             <a:endParaRPr lang="de-CH"/>
           </a:p>
@@ -3202,7 +3210,7 @@
           <a:p>
             <a:fld id="{9E9B238C-2335-4007-98C9-471C02CC43B6}" type="datetimeFigureOut">
               <a:rPr lang="de-CH" smtClean="0"/>
-              <a:t>22.07.2024</a:t>
+              <a:t>25.07.2024</a:t>
             </a:fld>
             <a:endParaRPr lang="de-CH"/>
           </a:p>
@@ -3631,7 +3639,7 @@
           <a:p>
             <a:fld id="{9E9B238C-2335-4007-98C9-471C02CC43B6}" type="datetimeFigureOut">
               <a:rPr lang="de-CH" smtClean="0"/>
-              <a:t>22.07.2024</a:t>
+              <a:t>25.07.2024</a:t>
             </a:fld>
             <a:endParaRPr lang="de-CH"/>
           </a:p>
@@ -3907,7 +3915,7 @@
           <a:p>
             <a:fld id="{9E9B238C-2335-4007-98C9-471C02CC43B6}" type="datetimeFigureOut">
               <a:rPr lang="de-CH" smtClean="0"/>
-              <a:t>22.07.2024</a:t>
+              <a:t>25.07.2024</a:t>
             </a:fld>
             <a:endParaRPr lang="de-CH"/>
           </a:p>
@@ -4175,7 +4183,7 @@
           <a:p>
             <a:fld id="{9E9B238C-2335-4007-98C9-471C02CC43B6}" type="datetimeFigureOut">
               <a:rPr lang="de-CH" smtClean="0"/>
-              <a:t>22.07.2024</a:t>
+              <a:t>25.07.2024</a:t>
             </a:fld>
             <a:endParaRPr lang="de-CH"/>
           </a:p>
@@ -4590,7 +4598,7 @@
           <a:p>
             <a:fld id="{9E9B238C-2335-4007-98C9-471C02CC43B6}" type="datetimeFigureOut">
               <a:rPr lang="de-CH" smtClean="0"/>
-              <a:t>22.07.2024</a:t>
+              <a:t>25.07.2024</a:t>
             </a:fld>
             <a:endParaRPr lang="de-CH"/>
           </a:p>
@@ -4732,7 +4740,7 @@
           <a:p>
             <a:fld id="{9E9B238C-2335-4007-98C9-471C02CC43B6}" type="datetimeFigureOut">
               <a:rPr lang="de-CH" smtClean="0"/>
-              <a:t>22.07.2024</a:t>
+              <a:t>25.07.2024</a:t>
             </a:fld>
             <a:endParaRPr lang="de-CH"/>
           </a:p>
@@ -4845,7 +4853,7 @@
           <a:p>
             <a:fld id="{9E9B238C-2335-4007-98C9-471C02CC43B6}" type="datetimeFigureOut">
               <a:rPr lang="de-CH" smtClean="0"/>
-              <a:t>22.07.2024</a:t>
+              <a:t>25.07.2024</a:t>
             </a:fld>
             <a:endParaRPr lang="de-CH"/>
           </a:p>
@@ -5158,7 +5166,7 @@
           <a:p>
             <a:fld id="{9E9B238C-2335-4007-98C9-471C02CC43B6}" type="datetimeFigureOut">
               <a:rPr lang="de-CH" smtClean="0"/>
-              <a:t>22.07.2024</a:t>
+              <a:t>25.07.2024</a:t>
             </a:fld>
             <a:endParaRPr lang="de-CH"/>
           </a:p>
@@ -5447,7 +5455,7 @@
           <a:p>
             <a:fld id="{9E9B238C-2335-4007-98C9-471C02CC43B6}" type="datetimeFigureOut">
               <a:rPr lang="de-CH" smtClean="0"/>
-              <a:t>22.07.2024</a:t>
+              <a:t>25.07.2024</a:t>
             </a:fld>
             <a:endParaRPr lang="de-CH"/>
           </a:p>
@@ -5690,7 +5698,7 @@
           <a:p>
             <a:fld id="{9E9B238C-2335-4007-98C9-471C02CC43B6}" type="datetimeFigureOut">
               <a:rPr lang="de-CH" smtClean="0"/>
-              <a:t>22.07.2024</a:t>
+              <a:t>25.07.2024</a:t>
             </a:fld>
             <a:endParaRPr lang="de-CH"/>
           </a:p>
@@ -6524,10 +6532,10 @@
               <a:buNone/>
             </a:pPr>
             <a:r>
-              <a:rPr lang="de-CH" sz="1400" dirty="0">
+              <a:rPr lang="de-CH" sz="1400">
                 <a:latin typeface="+mj-lt"/>
               </a:rPr>
-              <a:t>22. </a:t>
+              <a:t>25. </a:t>
             </a:r>
             <a:r>
               <a:rPr lang="de-CH" sz="1400" dirty="0" err="1">
@@ -11637,7 +11645,7 @@
           </a:prstGeom>
           <a:extLst>
             <a:ext uri="{C572A759-6A51-4108-AA02-DFA0A04FC94B}">
-              <ma14:wrappingTextBoxFlag xmlns="" xmlns:m="http://schemas.openxmlformats.org/officeDocument/2006/math" xmlns:a14="http://schemas.microsoft.com/office/drawing/2010/main" xmlns:ma14="http://schemas.microsoft.com/office/mac/drawingml/2011/main" val="1"/>
+              <ma14:wrappingTextBoxFlag xmlns:ma14="http://schemas.microsoft.com/office/mac/drawingml/2011/main" xmlns:a14="http://schemas.microsoft.com/office/drawing/2010/main" xmlns:m="http://schemas.openxmlformats.org/officeDocument/2006/math" xmlns="" val="1"/>
             </a:ext>
           </a:extLst>
         </p:spPr>
@@ -11709,7 +11717,7 @@
           </a:ln>
           <a:extLst>
             <a:ext uri="{C572A759-6A51-4108-AA02-DFA0A04FC94B}">
-              <ma14:wrappingTextBoxFlag xmlns="" xmlns:m="http://schemas.openxmlformats.org/officeDocument/2006/math" xmlns:a14="http://schemas.microsoft.com/office/drawing/2010/main" xmlns:ma14="http://schemas.microsoft.com/office/mac/drawingml/2011/main" val="1"/>
+              <ma14:wrappingTextBoxFlag xmlns:ma14="http://schemas.microsoft.com/office/mac/drawingml/2011/main" xmlns:a14="http://schemas.microsoft.com/office/drawing/2010/main" xmlns:m="http://schemas.openxmlformats.org/officeDocument/2006/math" xmlns="" val="1"/>
             </a:ext>
           </a:extLst>
         </p:spPr>
@@ -11813,7 +11821,7 @@
         <p:spPr>
           <a:xfrm>
             <a:off x="966381" y="5285332"/>
-            <a:ext cx="5547593" cy="1291194"/>
+            <a:ext cx="5547593" cy="1323439"/>
           </a:xfrm>
           <a:prstGeom prst="rect">
             <a:avLst/>
@@ -11823,7 +11831,7 @@
           </a:ln>
           <a:extLst>
             <a:ext uri="{C572A759-6A51-4108-AA02-DFA0A04FC94B}">
-              <ma14:wrappingTextBoxFlag xmlns="" xmlns:m="http://schemas.openxmlformats.org/officeDocument/2006/math" xmlns:a14="http://schemas.microsoft.com/office/drawing/2010/main" xmlns:ma14="http://schemas.microsoft.com/office/mac/drawingml/2011/main" val="1"/>
+              <ma14:wrappingTextBoxFlag xmlns:ma14="http://schemas.microsoft.com/office/mac/drawingml/2011/main" xmlns:a14="http://schemas.microsoft.com/office/drawing/2010/main" xmlns:m="http://schemas.openxmlformats.org/officeDocument/2006/math" xmlns="" val="1"/>
             </a:ext>
           </a:extLst>
         </p:spPr>
@@ -11845,10 +11853,11 @@
               </a:defRPr>
             </a:pPr>
             <a:r>
+              <a:rPr dirty="0"/>
               <a:t>Paper “</a:t>
             </a:r>
             <a:r>
-              <a:rPr b="1">
+              <a:rPr b="1" dirty="0">
                 <a:solidFill>
                   <a:srgbClr val="FF0000"/>
                 </a:solidFill>
@@ -11856,6 +11865,7 @@
               <a:t>Practical Anomaly Detection in Internet Services: An ISP centric approach</a:t>
             </a:r>
             <a:r>
+              <a:rPr dirty="0"/>
               <a:t>” </a:t>
             </a:r>
           </a:p>
@@ -11868,7 +11878,16 @@
               </a:defRPr>
             </a:pPr>
             <a:r>
-              <a:t>Published at AnNet Workshop (In conjunction with IEEE NOMS)</a:t>
+              <a:rPr dirty="0"/>
+              <a:t>Published at </a:t>
+            </a:r>
+            <a:r>
+              <a:rPr dirty="0" err="1"/>
+              <a:t>AnNet</a:t>
+            </a:r>
+            <a:r>
+              <a:rPr dirty="0"/>
+              <a:t> Workshop (In conjunction with IEEE NOMS)</a:t>
             </a:r>
           </a:p>
           <a:p>
@@ -11880,6 +11899,7 @@
               </a:defRPr>
             </a:pPr>
             <a:r>
+              <a:rPr dirty="0"/>
               <a:t>Seoul, South Korea (6–10 May 2024)</a:t>
             </a:r>
           </a:p>
@@ -11892,8 +11912,24 @@
               </a:defRPr>
             </a:pPr>
             <a:r>
-              <a:t>DOI: 10.1109/NOMS59830.2024.10575071</a:t>
-            </a:r>
+              <a:rPr lang="de-CH" dirty="0"/>
+              <a:t>Open </a:t>
+            </a:r>
+            <a:r>
+              <a:rPr lang="de-CH" dirty="0" err="1"/>
+              <a:t>access</a:t>
+            </a:r>
+            <a:r>
+              <a:rPr lang="de-CH" dirty="0"/>
+              <a:t>: </a:t>
+            </a:r>
+            <a:r>
+              <a:rPr lang="de-CH" dirty="0">
+                <a:hlinkClick r:id="rId3"/>
+              </a:rPr>
+              <a:t>https://hal.science/hal-04655324</a:t>
+            </a:r>
+            <a:endParaRPr dirty="0"/>
           </a:p>
         </p:txBody>
       </p:sp>
@@ -11906,7 +11942,7 @@
           <p:nvPr/>
         </p:nvPicPr>
         <p:blipFill>
-          <a:blip r:embed="rId3"/>
+          <a:blip r:embed="rId4"/>
           <a:stretch>
             <a:fillRect/>
           </a:stretch>
@@ -11933,7 +11969,7 @@
           <p:nvPr/>
         </p:nvPicPr>
         <p:blipFill>
-          <a:blip r:embed="rId4"/>
+          <a:blip r:embed="rId5"/>
           <a:stretch>
             <a:fillRect/>
           </a:stretch>

--- a/120/NMOP/draft-netana-nmop-network-anomaly-architecture-semantics-lifecycle.pptx
+++ b/120/NMOP/draft-netana-nmop-network-anomaly-architecture-semantics-lifecycle.pptx
@@ -15,7 +15,7 @@
     <p:sldId id="2145706226" r:id="rId6"/>
     <p:sldId id="2145706261" r:id="rId7"/>
     <p:sldId id="2145706258" r:id="rId8"/>
-    <p:sldId id="2145706240" r:id="rId9"/>
+    <p:sldId id="2145706286" r:id="rId9"/>
     <p:sldId id="263" r:id="rId10"/>
     <p:sldId id="264" r:id="rId11"/>
     <p:sldId id="2145706262" r:id="rId12"/>
@@ -1215,7 +1215,7 @@
       <a:pPr>
         <a:defRPr sz="1800"/>
       </a:pPr>
-      <a:endParaRPr lang="de-DE"/>
+      <a:endParaRPr lang="en-US"/>
     </a:p>
   </c:txPr>
   <c:externalData r:id="rId1">
@@ -1421,7 +1421,7 @@
       <a:pPr>
         <a:defRPr sz="1800"/>
       </a:pPr>
-      <a:endParaRPr lang="de-DE"/>
+      <a:endParaRPr lang="en-US"/>
     </a:p>
   </c:txPr>
   <c:externalData r:id="rId1">
@@ -1512,7 +1512,7 @@
           <a:p>
             <a:fld id="{E5E705E9-673F-4AC4-B29E-A7B26F3B8523}" type="datetimeFigureOut">
               <a:rPr lang="de-CH" smtClean="0"/>
-              <a:t>25.07.2024</a:t>
+              <a:t>26.07.2024</a:t>
             </a:fld>
             <a:endParaRPr lang="de-CH"/>
           </a:p>
@@ -2800,7 +2800,7 @@
           <a:p>
             <a:fld id="{9E9B238C-2335-4007-98C9-471C02CC43B6}" type="datetimeFigureOut">
               <a:rPr lang="de-CH" smtClean="0"/>
-              <a:t>25.07.2024</a:t>
+              <a:t>26.07.2024</a:t>
             </a:fld>
             <a:endParaRPr lang="de-CH"/>
           </a:p>
@@ -3000,7 +3000,7 @@
           <a:p>
             <a:fld id="{9E9B238C-2335-4007-98C9-471C02CC43B6}" type="datetimeFigureOut">
               <a:rPr lang="de-CH" smtClean="0"/>
-              <a:t>25.07.2024</a:t>
+              <a:t>26.07.2024</a:t>
             </a:fld>
             <a:endParaRPr lang="de-CH"/>
           </a:p>
@@ -3210,7 +3210,7 @@
           <a:p>
             <a:fld id="{9E9B238C-2335-4007-98C9-471C02CC43B6}" type="datetimeFigureOut">
               <a:rPr lang="de-CH" smtClean="0"/>
-              <a:t>25.07.2024</a:t>
+              <a:t>26.07.2024</a:t>
             </a:fld>
             <a:endParaRPr lang="de-CH"/>
           </a:p>
@@ -3639,7 +3639,7 @@
           <a:p>
             <a:fld id="{9E9B238C-2335-4007-98C9-471C02CC43B6}" type="datetimeFigureOut">
               <a:rPr lang="de-CH" smtClean="0"/>
-              <a:t>25.07.2024</a:t>
+              <a:t>26.07.2024</a:t>
             </a:fld>
             <a:endParaRPr lang="de-CH"/>
           </a:p>
@@ -3915,7 +3915,7 @@
           <a:p>
             <a:fld id="{9E9B238C-2335-4007-98C9-471C02CC43B6}" type="datetimeFigureOut">
               <a:rPr lang="de-CH" smtClean="0"/>
-              <a:t>25.07.2024</a:t>
+              <a:t>26.07.2024</a:t>
             </a:fld>
             <a:endParaRPr lang="de-CH"/>
           </a:p>
@@ -4183,7 +4183,7 @@
           <a:p>
             <a:fld id="{9E9B238C-2335-4007-98C9-471C02CC43B6}" type="datetimeFigureOut">
               <a:rPr lang="de-CH" smtClean="0"/>
-              <a:t>25.07.2024</a:t>
+              <a:t>26.07.2024</a:t>
             </a:fld>
             <a:endParaRPr lang="de-CH"/>
           </a:p>
@@ -4598,7 +4598,7 @@
           <a:p>
             <a:fld id="{9E9B238C-2335-4007-98C9-471C02CC43B6}" type="datetimeFigureOut">
               <a:rPr lang="de-CH" smtClean="0"/>
-              <a:t>25.07.2024</a:t>
+              <a:t>26.07.2024</a:t>
             </a:fld>
             <a:endParaRPr lang="de-CH"/>
           </a:p>
@@ -4740,7 +4740,7 @@
           <a:p>
             <a:fld id="{9E9B238C-2335-4007-98C9-471C02CC43B6}" type="datetimeFigureOut">
               <a:rPr lang="de-CH" smtClean="0"/>
-              <a:t>25.07.2024</a:t>
+              <a:t>26.07.2024</a:t>
             </a:fld>
             <a:endParaRPr lang="de-CH"/>
           </a:p>
@@ -4853,7 +4853,7 @@
           <a:p>
             <a:fld id="{9E9B238C-2335-4007-98C9-471C02CC43B6}" type="datetimeFigureOut">
               <a:rPr lang="de-CH" smtClean="0"/>
-              <a:t>25.07.2024</a:t>
+              <a:t>26.07.2024</a:t>
             </a:fld>
             <a:endParaRPr lang="de-CH"/>
           </a:p>
@@ -5166,7 +5166,7 @@
           <a:p>
             <a:fld id="{9E9B238C-2335-4007-98C9-471C02CC43B6}" type="datetimeFigureOut">
               <a:rPr lang="de-CH" smtClean="0"/>
-              <a:t>25.07.2024</a:t>
+              <a:t>26.07.2024</a:t>
             </a:fld>
             <a:endParaRPr lang="de-CH"/>
           </a:p>
@@ -5455,7 +5455,7 @@
           <a:p>
             <a:fld id="{9E9B238C-2335-4007-98C9-471C02CC43B6}" type="datetimeFigureOut">
               <a:rPr lang="de-CH" smtClean="0"/>
-              <a:t>25.07.2024</a:t>
+              <a:t>26.07.2024</a:t>
             </a:fld>
             <a:endParaRPr lang="de-CH"/>
           </a:p>
@@ -5698,7 +5698,7 @@
           <a:p>
             <a:fld id="{9E9B238C-2335-4007-98C9-471C02CC43B6}" type="datetimeFigureOut">
               <a:rPr lang="de-CH" smtClean="0"/>
-              <a:t>25.07.2024</a:t>
+              <a:t>26.07.2024</a:t>
             </a:fld>
             <a:endParaRPr lang="de-CH"/>
           </a:p>
@@ -6599,734 +6599,6 @@
       </p:grpSpPr>
       <p:sp>
         <p:nvSpPr>
-          <p:cNvPr id="226" name="Google Shape;226;p9"/>
-          <p:cNvSpPr txBox="1"/>
-          <p:nvPr/>
-        </p:nvSpPr>
-        <p:spPr>
-          <a:xfrm>
-            <a:off x="838198" y="1484344"/>
-            <a:ext cx="4373880" cy="2329677"/>
-          </a:xfrm>
-          <a:prstGeom prst="rect">
-            <a:avLst/>
-          </a:prstGeom>
-          <a:noFill/>
-          <a:ln>
-            <a:noFill/>
-          </a:ln>
-        </p:spPr>
-        <p:txBody>
-          <a:bodyPr spcFirstLastPara="1" wrap="square" lIns="91425" tIns="45700" rIns="91425" bIns="45700" anchor="t" anchorCtr="0">
-            <a:spAutoFit/>
-          </a:bodyPr>
-          <a:lstStyle/>
-          <a:p>
-            <a:pPr marL="0" marR="0" lvl="0" indent="0" algn="l" rtl="0">
-              <a:lnSpc>
-                <a:spcPct val="107000"/>
-              </a:lnSpc>
-              <a:spcBef>
-                <a:spcPts val="0"/>
-              </a:spcBef>
-              <a:spcAft>
-                <a:spcPts val="0"/>
-              </a:spcAft>
-              <a:buNone/>
-            </a:pPr>
-            <a:r>
-              <a:rPr lang="en-US" sz="850" b="0" i="0" u="none" strike="noStrike" cap="none">
-                <a:solidFill>
-                  <a:schemeClr val="dk1"/>
-                </a:solidFill>
-                <a:latin typeface="Courier New"/>
-                <a:ea typeface="Courier New"/>
-                <a:cs typeface="Courier New"/>
-                <a:sym typeface="Courier New"/>
-              </a:rPr>
-              <a:t>module: ietf-network-anomaly-metadata</a:t>
-            </a:r>
-            <a:endParaRPr/>
-          </a:p>
-          <a:p>
-            <a:pPr marL="0" marR="0" lvl="0" indent="0" algn="l" rtl="0">
-              <a:lnSpc>
-                <a:spcPct val="107000"/>
-              </a:lnSpc>
-              <a:spcBef>
-                <a:spcPts val="0"/>
-              </a:spcBef>
-              <a:spcAft>
-                <a:spcPts val="0"/>
-              </a:spcAft>
-              <a:buNone/>
-            </a:pPr>
-            <a:r>
-              <a:rPr lang="en-US" sz="850" b="0" i="0" u="none" strike="noStrike" cap="none">
-                <a:solidFill>
-                  <a:schemeClr val="dk1"/>
-                </a:solidFill>
-                <a:latin typeface="Courier New"/>
-                <a:ea typeface="Courier New"/>
-                <a:cs typeface="Courier New"/>
-                <a:sym typeface="Courier New"/>
-              </a:rPr>
-              <a:t>  +--rw network-anomalies</a:t>
-            </a:r>
-            <a:endParaRPr/>
-          </a:p>
-          <a:p>
-            <a:pPr marL="0" marR="0" lvl="0" indent="0" algn="l" rtl="0">
-              <a:lnSpc>
-                <a:spcPct val="107000"/>
-              </a:lnSpc>
-              <a:spcBef>
-                <a:spcPts val="0"/>
-              </a:spcBef>
-              <a:spcAft>
-                <a:spcPts val="0"/>
-              </a:spcAft>
-              <a:buNone/>
-            </a:pPr>
-            <a:r>
-              <a:rPr lang="en-US" sz="850" b="0" i="0" u="none" strike="noStrike" cap="none">
-                <a:solidFill>
-                  <a:schemeClr val="dk1"/>
-                </a:solidFill>
-                <a:latin typeface="Courier New"/>
-                <a:ea typeface="Courier New"/>
-                <a:cs typeface="Courier New"/>
-                <a:sym typeface="Courier New"/>
-              </a:rPr>
-              <a:t>    +--rw network-anomaly* [id version]</a:t>
-            </a:r>
-            <a:endParaRPr/>
-          </a:p>
-          <a:p>
-            <a:pPr marL="0" marR="0" lvl="0" indent="0" algn="l" rtl="0">
-              <a:lnSpc>
-                <a:spcPct val="107000"/>
-              </a:lnSpc>
-              <a:spcBef>
-                <a:spcPts val="0"/>
-              </a:spcBef>
-              <a:spcAft>
-                <a:spcPts val="0"/>
-              </a:spcAft>
-              <a:buNone/>
-            </a:pPr>
-            <a:r>
-              <a:rPr lang="en-US" sz="850" b="0" i="0" u="none" strike="noStrike" cap="none">
-                <a:solidFill>
-                  <a:schemeClr val="dk1"/>
-                </a:solidFill>
-                <a:latin typeface="Courier New"/>
-                <a:ea typeface="Courier New"/>
-                <a:cs typeface="Courier New"/>
-                <a:sym typeface="Courier New"/>
-              </a:rPr>
-              <a:t>      +--rw id             yang:uuid</a:t>
-            </a:r>
-            <a:endParaRPr sz="850" b="0" i="0" u="none" strike="noStrike" cap="none">
-              <a:solidFill>
-                <a:schemeClr val="dk1"/>
-              </a:solidFill>
-              <a:latin typeface="Courier New"/>
-              <a:ea typeface="Courier New"/>
-              <a:cs typeface="Courier New"/>
-              <a:sym typeface="Courier New"/>
-            </a:endParaRPr>
-          </a:p>
-          <a:p>
-            <a:pPr marL="0" marR="0" lvl="0" indent="0" algn="l" rtl="0">
-              <a:lnSpc>
-                <a:spcPct val="107000"/>
-              </a:lnSpc>
-              <a:spcBef>
-                <a:spcPts val="0"/>
-              </a:spcBef>
-              <a:spcAft>
-                <a:spcPts val="0"/>
-              </a:spcAft>
-              <a:buNone/>
-            </a:pPr>
-            <a:r>
-              <a:rPr lang="en-US" sz="850" b="0" i="0" u="none" strike="noStrike" cap="none">
-                <a:solidFill>
-                  <a:schemeClr val="dk1"/>
-                </a:solidFill>
-                <a:latin typeface="Courier New"/>
-                <a:ea typeface="Courier New"/>
-                <a:cs typeface="Courier New"/>
-                <a:sym typeface="Courier New"/>
-              </a:rPr>
-              <a:t>      +--rw version        uint32</a:t>
-            </a:r>
-            <a:endParaRPr/>
-          </a:p>
-          <a:p>
-            <a:pPr marL="0" marR="0" lvl="0" indent="0" algn="l" rtl="0">
-              <a:lnSpc>
-                <a:spcPct val="107000"/>
-              </a:lnSpc>
-              <a:spcBef>
-                <a:spcPts val="0"/>
-              </a:spcBef>
-              <a:spcAft>
-                <a:spcPts val="0"/>
-              </a:spcAft>
-              <a:buNone/>
-            </a:pPr>
-            <a:r>
-              <a:rPr lang="en-US" sz="850" b="0" i="0" u="none" strike="noStrike" cap="none">
-                <a:solidFill>
-                  <a:schemeClr val="dk1"/>
-                </a:solidFill>
-                <a:latin typeface="Courier New"/>
-                <a:ea typeface="Courier New"/>
-                <a:cs typeface="Courier New"/>
-                <a:sym typeface="Courier New"/>
-              </a:rPr>
-              <a:t>      +--rw description?   string</a:t>
-            </a:r>
-            <a:endParaRPr/>
-          </a:p>
-          <a:p>
-            <a:pPr marL="0" marR="0" lvl="0" indent="0" algn="l" rtl="0">
-              <a:lnSpc>
-                <a:spcPct val="107000"/>
-              </a:lnSpc>
-              <a:spcBef>
-                <a:spcPts val="0"/>
-              </a:spcBef>
-              <a:spcAft>
-                <a:spcPts val="0"/>
-              </a:spcAft>
-              <a:buNone/>
-            </a:pPr>
-            <a:r>
-              <a:rPr lang="en-US" sz="850" b="0" i="0" u="none" strike="noStrike" cap="none">
-                <a:solidFill>
-                  <a:schemeClr val="dk1"/>
-                </a:solidFill>
-                <a:latin typeface="Courier New"/>
-                <a:ea typeface="Courier New"/>
-                <a:cs typeface="Courier New"/>
-                <a:sym typeface="Courier New"/>
-              </a:rPr>
-              <a:t>      +--rw state          identityref</a:t>
-            </a:r>
-            <a:endParaRPr sz="850" b="0" i="0" u="none" strike="noStrike" cap="none">
-              <a:solidFill>
-                <a:schemeClr val="dk1"/>
-              </a:solidFill>
-              <a:latin typeface="Courier New"/>
-              <a:ea typeface="Courier New"/>
-              <a:cs typeface="Courier New"/>
-              <a:sym typeface="Courier New"/>
-            </a:endParaRPr>
-          </a:p>
-          <a:p>
-            <a:pPr marL="0" marR="0" lvl="0" indent="0" algn="l" rtl="0">
-              <a:lnSpc>
-                <a:spcPct val="107000"/>
-              </a:lnSpc>
-              <a:spcBef>
-                <a:spcPts val="0"/>
-              </a:spcBef>
-              <a:spcAft>
-                <a:spcPts val="0"/>
-              </a:spcAft>
-              <a:buNone/>
-            </a:pPr>
-            <a:r>
-              <a:rPr lang="en-US" sz="850" b="0" i="0" u="none" strike="noStrike" cap="none">
-                <a:solidFill>
-                  <a:schemeClr val="dk1"/>
-                </a:solidFill>
-                <a:latin typeface="Courier New"/>
-                <a:ea typeface="Courier New"/>
-                <a:cs typeface="Courier New"/>
-                <a:sym typeface="Courier New"/>
-              </a:rPr>
-              <a:t>      +--rw annotator</a:t>
-            </a:r>
-            <a:endParaRPr/>
-          </a:p>
-          <a:p>
-            <a:pPr marL="0" marR="0" lvl="0" indent="0" algn="l" rtl="0">
-              <a:lnSpc>
-                <a:spcPct val="107000"/>
-              </a:lnSpc>
-              <a:spcBef>
-                <a:spcPts val="0"/>
-              </a:spcBef>
-              <a:spcAft>
-                <a:spcPts val="0"/>
-              </a:spcAft>
-              <a:buNone/>
-            </a:pPr>
-            <a:r>
-              <a:rPr lang="en-US" sz="850" b="0" i="0" u="none" strike="noStrike" cap="none">
-                <a:solidFill>
-                  <a:schemeClr val="dk1"/>
-                </a:solidFill>
-                <a:latin typeface="Courier New"/>
-                <a:ea typeface="Courier New"/>
-                <a:cs typeface="Courier New"/>
-                <a:sym typeface="Courier New"/>
-              </a:rPr>
-              <a:t>      |  +--rw (annotator-type)</a:t>
-            </a:r>
-            <a:endParaRPr/>
-          </a:p>
-          <a:p>
-            <a:pPr marL="0" marR="0" lvl="0" indent="0" algn="l" rtl="0">
-              <a:lnSpc>
-                <a:spcPct val="107000"/>
-              </a:lnSpc>
-              <a:spcBef>
-                <a:spcPts val="0"/>
-              </a:spcBef>
-              <a:spcAft>
-                <a:spcPts val="0"/>
-              </a:spcAft>
-              <a:buNone/>
-            </a:pPr>
-            <a:r>
-              <a:rPr lang="en-US" sz="850" b="0" i="0" u="none" strike="noStrike" cap="none">
-                <a:solidFill>
-                  <a:schemeClr val="dk1"/>
-                </a:solidFill>
-                <a:latin typeface="Courier New"/>
-                <a:ea typeface="Courier New"/>
-                <a:cs typeface="Courier New"/>
-                <a:sym typeface="Courier New"/>
-              </a:rPr>
-              <a:t>      |  |  +--:(human)</a:t>
-            </a:r>
-            <a:endParaRPr/>
-          </a:p>
-          <a:p>
-            <a:pPr marL="0" marR="0" lvl="0" indent="0" algn="l" rtl="0">
-              <a:lnSpc>
-                <a:spcPct val="107000"/>
-              </a:lnSpc>
-              <a:spcBef>
-                <a:spcPts val="0"/>
-              </a:spcBef>
-              <a:spcAft>
-                <a:spcPts val="0"/>
-              </a:spcAft>
-              <a:buNone/>
-            </a:pPr>
-            <a:r>
-              <a:rPr lang="en-US" sz="850" b="0" i="0" u="none" strike="noStrike" cap="none">
-                <a:solidFill>
-                  <a:schemeClr val="dk1"/>
-                </a:solidFill>
-                <a:latin typeface="Courier New"/>
-                <a:ea typeface="Courier New"/>
-                <a:cs typeface="Courier New"/>
-                <a:sym typeface="Courier New"/>
-              </a:rPr>
-              <a:t>      |  |  |  +--rw human        empty</a:t>
-            </a:r>
-            <a:endParaRPr/>
-          </a:p>
-          <a:p>
-            <a:pPr marL="0" marR="0" lvl="0" indent="0" algn="l" rtl="0">
-              <a:lnSpc>
-                <a:spcPct val="107000"/>
-              </a:lnSpc>
-              <a:spcBef>
-                <a:spcPts val="0"/>
-              </a:spcBef>
-              <a:spcAft>
-                <a:spcPts val="0"/>
-              </a:spcAft>
-              <a:buNone/>
-            </a:pPr>
-            <a:r>
-              <a:rPr lang="en-US" sz="850" b="0" i="0" u="none" strike="noStrike" cap="none">
-                <a:solidFill>
-                  <a:schemeClr val="dk1"/>
-                </a:solidFill>
-                <a:latin typeface="Courier New"/>
-                <a:ea typeface="Courier New"/>
-                <a:cs typeface="Courier New"/>
-                <a:sym typeface="Courier New"/>
-              </a:rPr>
-              <a:t>      |  |  +--:(algorithm)</a:t>
-            </a:r>
-            <a:endParaRPr/>
-          </a:p>
-          <a:p>
-            <a:pPr marL="0" marR="0" lvl="0" indent="0" algn="l" rtl="0">
-              <a:lnSpc>
-                <a:spcPct val="107000"/>
-              </a:lnSpc>
-              <a:spcBef>
-                <a:spcPts val="0"/>
-              </a:spcBef>
-              <a:spcAft>
-                <a:spcPts val="0"/>
-              </a:spcAft>
-              <a:buNone/>
-            </a:pPr>
-            <a:r>
-              <a:rPr lang="en-US" sz="850" b="0" i="0" u="none" strike="noStrike" cap="none">
-                <a:solidFill>
-                  <a:schemeClr val="dk1"/>
-                </a:solidFill>
-                <a:latin typeface="Courier New"/>
-                <a:ea typeface="Courier New"/>
-                <a:cs typeface="Courier New"/>
-                <a:sym typeface="Courier New"/>
-              </a:rPr>
-              <a:t>      |  |     +--rw algorithm    empty</a:t>
-            </a:r>
-            <a:endParaRPr/>
-          </a:p>
-          <a:p>
-            <a:pPr marL="0" marR="0" lvl="0" indent="0" algn="l" rtl="0">
-              <a:lnSpc>
-                <a:spcPct val="107000"/>
-              </a:lnSpc>
-              <a:spcBef>
-                <a:spcPts val="0"/>
-              </a:spcBef>
-              <a:spcAft>
-                <a:spcPts val="0"/>
-              </a:spcAft>
-              <a:buNone/>
-            </a:pPr>
-            <a:r>
-              <a:rPr lang="en-US" sz="850" b="0" i="0" u="none" strike="noStrike" cap="none">
-                <a:solidFill>
-                  <a:schemeClr val="dk1"/>
-                </a:solidFill>
-                <a:latin typeface="Courier New"/>
-                <a:ea typeface="Courier New"/>
-                <a:cs typeface="Courier New"/>
-                <a:sym typeface="Courier New"/>
-              </a:rPr>
-              <a:t>      |  +--rw name?              empty</a:t>
-            </a:r>
-            <a:endParaRPr/>
-          </a:p>
-          <a:p>
-            <a:pPr marL="0" marR="0" lvl="0" indent="0" algn="l" rtl="0">
-              <a:lnSpc>
-                <a:spcPct val="107000"/>
-              </a:lnSpc>
-              <a:spcBef>
-                <a:spcPts val="0"/>
-              </a:spcBef>
-              <a:spcAft>
-                <a:spcPts val="0"/>
-              </a:spcAft>
-              <a:buNone/>
-            </a:pPr>
-            <a:r>
-              <a:rPr lang="en-US" sz="850" b="0" i="0" u="none" strike="noStrike" cap="none">
-                <a:solidFill>
-                  <a:schemeClr val="dk1"/>
-                </a:solidFill>
-                <a:latin typeface="Courier New"/>
-                <a:ea typeface="Courier New"/>
-                <a:cs typeface="Courier New"/>
-                <a:sym typeface="Courier New"/>
-              </a:rPr>
-              <a:t>      +--rw symptoms* [symptom_id]</a:t>
-            </a:r>
-            <a:endParaRPr/>
-          </a:p>
-          <a:p>
-            <a:pPr marL="0" marR="0" lvl="0" indent="0" algn="l" rtl="0">
-              <a:lnSpc>
-                <a:spcPct val="107000"/>
-              </a:lnSpc>
-              <a:spcBef>
-                <a:spcPts val="0"/>
-              </a:spcBef>
-              <a:spcAft>
-                <a:spcPts val="0"/>
-              </a:spcAft>
-              <a:buNone/>
-            </a:pPr>
-            <a:r>
-              <a:rPr lang="en-US" sz="850" b="0" i="0" u="none" strike="noStrike" cap="none">
-                <a:solidFill>
-                  <a:schemeClr val="dk1"/>
-                </a:solidFill>
-                <a:latin typeface="Courier New"/>
-                <a:ea typeface="Courier New"/>
-                <a:cs typeface="Courier New"/>
-                <a:sym typeface="Courier New"/>
-              </a:rPr>
-              <a:t>        +--rw symptom_id    yang:uuid</a:t>
-            </a:r>
-            <a:endParaRPr sz="850" b="0" i="0" u="none" strike="noStrike" cap="none">
-              <a:solidFill>
-                <a:schemeClr val="dk1"/>
-              </a:solidFill>
-              <a:latin typeface="Courier New"/>
-              <a:ea typeface="Courier New"/>
-              <a:cs typeface="Courier New"/>
-              <a:sym typeface="Courier New"/>
-            </a:endParaRPr>
-          </a:p>
-        </p:txBody>
-      </p:sp>
-      <p:sp>
-        <p:nvSpPr>
-          <p:cNvPr id="227" name="Google Shape;227;p9"/>
-          <p:cNvSpPr txBox="1">
-            <a:spLocks noGrp="1"/>
-          </p:cNvSpPr>
-          <p:nvPr>
-            <p:ph type="body" idx="1"/>
-          </p:nvPr>
-        </p:nvSpPr>
-        <p:spPr>
-          <a:xfrm>
-            <a:off x="6193410" y="1929384"/>
-            <a:ext cx="5229402" cy="3823716"/>
-          </a:xfrm>
-          <a:prstGeom prst="rect">
-            <a:avLst/>
-          </a:prstGeom>
-          <a:noFill/>
-          <a:ln>
-            <a:noFill/>
-          </a:ln>
-        </p:spPr>
-        <p:txBody>
-          <a:bodyPr spcFirstLastPara="1" wrap="square" lIns="91425" tIns="45700" rIns="91425" bIns="45700" anchor="t" anchorCtr="0">
-            <a:noAutofit/>
-          </a:bodyPr>
-          <a:lstStyle/>
-          <a:p>
-            <a:pPr marL="228600" lvl="0" indent="-228600" algn="l" rtl="0">
-              <a:lnSpc>
-                <a:spcPct val="90000"/>
-              </a:lnSpc>
-              <a:spcBef>
-                <a:spcPts val="0"/>
-              </a:spcBef>
-              <a:spcAft>
-                <a:spcPts val="0"/>
-              </a:spcAft>
-              <a:buClr>
-                <a:srgbClr val="FF0000"/>
-              </a:buClr>
-              <a:buSzPts val="2000"/>
-              <a:buChar char="•"/>
-            </a:pPr>
-            <a:r>
-              <a:rPr lang="en-US" sz="2000" b="1" dirty="0">
-                <a:solidFill>
-                  <a:srgbClr val="FF0000"/>
-                </a:solidFill>
-              </a:rPr>
-              <a:t>ID and Description</a:t>
-            </a:r>
-            <a:r>
-              <a:rPr lang="en-US" sz="2000" dirty="0"/>
-              <a:t> uniquely identifies the detected network anomaly (as a container of symptoms).</a:t>
-            </a:r>
-            <a:endParaRPr dirty="0"/>
-          </a:p>
-          <a:p>
-            <a:pPr marL="228600" lvl="0" indent="-228600" algn="l" rtl="0">
-              <a:lnSpc>
-                <a:spcPct val="90000"/>
-              </a:lnSpc>
-              <a:spcBef>
-                <a:spcPts val="1000"/>
-              </a:spcBef>
-              <a:spcAft>
-                <a:spcPts val="0"/>
-              </a:spcAft>
-              <a:buClr>
-                <a:srgbClr val="FF0000"/>
-              </a:buClr>
-              <a:buSzPts val="2000"/>
-              <a:buChar char="•"/>
-            </a:pPr>
-            <a:r>
-              <a:rPr lang="en-US" sz="2000" b="1" dirty="0">
-                <a:solidFill>
-                  <a:srgbClr val="FF0000"/>
-                </a:solidFill>
-              </a:rPr>
-              <a:t>Description and State </a:t>
-            </a:r>
-            <a:r>
-              <a:rPr lang="en-US" sz="2000" dirty="0"/>
-              <a:t>provide general information regarding the anomaly and . </a:t>
-            </a:r>
-            <a:endParaRPr dirty="0"/>
-          </a:p>
-          <a:p>
-            <a:pPr marL="228600" lvl="0" indent="-228600" algn="l" rtl="0">
-              <a:lnSpc>
-                <a:spcPct val="90000"/>
-              </a:lnSpc>
-              <a:spcBef>
-                <a:spcPts val="1000"/>
-              </a:spcBef>
-              <a:spcAft>
-                <a:spcPts val="0"/>
-              </a:spcAft>
-              <a:buClr>
-                <a:srgbClr val="FF0000"/>
-              </a:buClr>
-              <a:buSzPts val="2000"/>
-              <a:buChar char="•"/>
-            </a:pPr>
-            <a:r>
-              <a:rPr lang="en-US" sz="2000" b="1" dirty="0">
-                <a:solidFill>
-                  <a:srgbClr val="FF0000"/>
-                </a:solidFill>
-              </a:rPr>
-              <a:t>Annotator </a:t>
-            </a:r>
-            <a:r>
-              <a:rPr lang="en-US" sz="2000" dirty="0"/>
-              <a:t>describes the entity that observed the network anomaly: this can be a human or an algorithm (anomaly detection system). </a:t>
-            </a:r>
-            <a:endParaRPr dirty="0"/>
-          </a:p>
-          <a:p>
-            <a:pPr marL="228600" lvl="0" indent="-228600" algn="l" rtl="0">
-              <a:lnSpc>
-                <a:spcPct val="90000"/>
-              </a:lnSpc>
-              <a:spcBef>
-                <a:spcPts val="1000"/>
-              </a:spcBef>
-              <a:spcAft>
-                <a:spcPts val="0"/>
-              </a:spcAft>
-              <a:buClr>
-                <a:srgbClr val="FF0000"/>
-              </a:buClr>
-              <a:buSzPts val="2000"/>
-              <a:buChar char="•"/>
-            </a:pPr>
-            <a:r>
-              <a:rPr lang="en-US" sz="2000" b="1" dirty="0">
-                <a:solidFill>
-                  <a:srgbClr val="FF0000"/>
-                </a:solidFill>
-              </a:rPr>
-              <a:t>Symptoms </a:t>
-            </a:r>
-            <a:r>
-              <a:rPr lang="en-US" sz="2000" dirty="0"/>
-              <a:t>provides a list of symptoms (based on </a:t>
-            </a:r>
-            <a:r>
-              <a:rPr lang="en-US" sz="2000" dirty="0" err="1"/>
-              <a:t>ietf</a:t>
-            </a:r>
-            <a:r>
-              <a:rPr lang="en-US" sz="2000" dirty="0"/>
-              <a:t>-symptom-metadata) that are part of this network anomaly.</a:t>
-            </a:r>
-            <a:endParaRPr dirty="0"/>
-          </a:p>
-        </p:txBody>
-      </p:sp>
-      <p:sp>
-        <p:nvSpPr>
-          <p:cNvPr id="228" name="Google Shape;228;p9"/>
-          <p:cNvSpPr/>
-          <p:nvPr/>
-        </p:nvSpPr>
-        <p:spPr>
-          <a:xfrm>
-            <a:off x="1063625" y="1810474"/>
-            <a:ext cx="3038400" cy="416400"/>
-          </a:xfrm>
-          <a:prstGeom prst="rect">
-            <a:avLst/>
-          </a:prstGeom>
-          <a:solidFill>
-            <a:schemeClr val="accent6">
-              <a:alpha val="9803"/>
-            </a:schemeClr>
-          </a:solidFill>
-          <a:ln w="25400" cap="flat" cmpd="sng">
-            <a:solidFill>
-              <a:schemeClr val="accent6"/>
-            </a:solidFill>
-            <a:prstDash val="solid"/>
-            <a:miter lim="800000"/>
-            <a:headEnd type="none" w="sm" len="sm"/>
-            <a:tailEnd type="none" w="sm" len="sm"/>
-          </a:ln>
-        </p:spPr>
-        <p:txBody>
-          <a:bodyPr spcFirstLastPara="1" wrap="square" lIns="91425" tIns="45700" rIns="91425" bIns="45700" anchor="ctr" anchorCtr="0">
-            <a:noAutofit/>
-          </a:bodyPr>
-          <a:lstStyle/>
-          <a:p>
-            <a:pPr marL="0" marR="0" lvl="0" indent="0" algn="ctr" rtl="0">
-              <a:spcBef>
-                <a:spcPts val="0"/>
-              </a:spcBef>
-              <a:spcAft>
-                <a:spcPts val="0"/>
-              </a:spcAft>
-              <a:buNone/>
-            </a:pPr>
-            <a:endParaRPr sz="1800" b="0" i="0" u="none" strike="noStrike" cap="none">
-              <a:solidFill>
-                <a:schemeClr val="lt1"/>
-              </a:solidFill>
-              <a:latin typeface="Calibri"/>
-              <a:ea typeface="Calibri"/>
-              <a:cs typeface="Calibri"/>
-              <a:sym typeface="Calibri"/>
-            </a:endParaRPr>
-          </a:p>
-        </p:txBody>
-      </p:sp>
-      <p:cxnSp>
-        <p:nvCxnSpPr>
-          <p:cNvPr id="229" name="Google Shape;229;p9"/>
-          <p:cNvCxnSpPr>
-            <a:stCxn id="228" idx="3"/>
-          </p:cNvCxnSpPr>
-          <p:nvPr/>
-        </p:nvCxnSpPr>
-        <p:spPr>
-          <a:xfrm>
-            <a:off x="4102025" y="2018674"/>
-            <a:ext cx="2091300" cy="90300"/>
-          </a:xfrm>
-          <a:prstGeom prst="straightConnector1">
-            <a:avLst/>
-          </a:prstGeom>
-          <a:noFill/>
-          <a:ln w="25400" cap="flat" cmpd="sng">
-            <a:solidFill>
-              <a:schemeClr val="accent6"/>
-            </a:solidFill>
-            <a:prstDash val="solid"/>
-            <a:miter lim="800000"/>
-            <a:headEnd type="none" w="sm" len="sm"/>
-            <a:tailEnd type="none" w="sm" len="sm"/>
-          </a:ln>
-        </p:spPr>
-      </p:cxnSp>
-      <p:sp>
-        <p:nvSpPr>
           <p:cNvPr id="230" name="Google Shape;230;p9"/>
           <p:cNvSpPr txBox="1">
             <a:spLocks noGrp="1"/>
@@ -7482,13 +6754,888 @@
       </p:sp>
       <p:sp>
         <p:nvSpPr>
-          <p:cNvPr id="232" name="Google Shape;232;p9"/>
+          <p:cNvPr id="16" name="Google Shape;226;p9">
+            <a:extLst>
+              <a:ext uri="{FF2B5EF4-FFF2-40B4-BE49-F238E27FC236}">
+                <a16:creationId xmlns:a16="http://schemas.microsoft.com/office/drawing/2014/main" id="{67C1976E-DEC1-4995-AC2A-E245AB7416D8}"/>
+              </a:ext>
+            </a:extLst>
+          </p:cNvPr>
+          <p:cNvSpPr txBox="1"/>
+          <p:nvPr/>
+        </p:nvSpPr>
+        <p:spPr>
+          <a:xfrm>
+            <a:off x="838198" y="3655037"/>
+            <a:ext cx="4373880" cy="2329677"/>
+          </a:xfrm>
+          <a:prstGeom prst="rect">
+            <a:avLst/>
+          </a:prstGeom>
+          <a:noFill/>
+          <a:ln>
+            <a:noFill/>
+          </a:ln>
+        </p:spPr>
+        <p:txBody>
+          <a:bodyPr spcFirstLastPara="1" wrap="square" lIns="91425" tIns="45700" rIns="91425" bIns="45700" anchor="t" anchorCtr="0">
+            <a:spAutoFit/>
+          </a:bodyPr>
+          <a:lstStyle/>
+          <a:p>
+            <a:pPr marL="0" marR="0" lvl="0" indent="0" algn="l" rtl="0">
+              <a:lnSpc>
+                <a:spcPct val="107000"/>
+              </a:lnSpc>
+              <a:spcBef>
+                <a:spcPts val="0"/>
+              </a:spcBef>
+              <a:spcAft>
+                <a:spcPts val="0"/>
+              </a:spcAft>
+              <a:buNone/>
+            </a:pPr>
+            <a:r>
+              <a:rPr lang="en-US" sz="850" b="0" i="0" u="none" strike="noStrike" cap="none">
+                <a:solidFill>
+                  <a:schemeClr val="dk1"/>
+                </a:solidFill>
+                <a:latin typeface="Courier New"/>
+                <a:ea typeface="Courier New"/>
+                <a:cs typeface="Courier New"/>
+                <a:sym typeface="Courier New"/>
+              </a:rPr>
+              <a:t>module: ietf-network-anomaly-metadata</a:t>
+            </a:r>
+            <a:endParaRPr/>
+          </a:p>
+          <a:p>
+            <a:pPr marL="0" marR="0" lvl="0" indent="0" algn="l" rtl="0">
+              <a:lnSpc>
+                <a:spcPct val="107000"/>
+              </a:lnSpc>
+              <a:spcBef>
+                <a:spcPts val="0"/>
+              </a:spcBef>
+              <a:spcAft>
+                <a:spcPts val="0"/>
+              </a:spcAft>
+              <a:buNone/>
+            </a:pPr>
+            <a:r>
+              <a:rPr lang="en-US" sz="850" b="0" i="0" u="none" strike="noStrike" cap="none">
+                <a:solidFill>
+                  <a:schemeClr val="dk1"/>
+                </a:solidFill>
+                <a:latin typeface="Courier New"/>
+                <a:ea typeface="Courier New"/>
+                <a:cs typeface="Courier New"/>
+                <a:sym typeface="Courier New"/>
+              </a:rPr>
+              <a:t>  +--rw network-anomalies</a:t>
+            </a:r>
+            <a:endParaRPr/>
+          </a:p>
+          <a:p>
+            <a:pPr marL="0" marR="0" lvl="0" indent="0" algn="l" rtl="0">
+              <a:lnSpc>
+                <a:spcPct val="107000"/>
+              </a:lnSpc>
+              <a:spcBef>
+                <a:spcPts val="0"/>
+              </a:spcBef>
+              <a:spcAft>
+                <a:spcPts val="0"/>
+              </a:spcAft>
+              <a:buNone/>
+            </a:pPr>
+            <a:r>
+              <a:rPr lang="en-US" sz="850" b="0" i="0" u="none" strike="noStrike" cap="none">
+                <a:solidFill>
+                  <a:schemeClr val="dk1"/>
+                </a:solidFill>
+                <a:latin typeface="Courier New"/>
+                <a:ea typeface="Courier New"/>
+                <a:cs typeface="Courier New"/>
+                <a:sym typeface="Courier New"/>
+              </a:rPr>
+              <a:t>    +--rw network-anomaly* [id version]</a:t>
+            </a:r>
+            <a:endParaRPr/>
+          </a:p>
+          <a:p>
+            <a:pPr marL="0" marR="0" lvl="0" indent="0" algn="l" rtl="0">
+              <a:lnSpc>
+                <a:spcPct val="107000"/>
+              </a:lnSpc>
+              <a:spcBef>
+                <a:spcPts val="0"/>
+              </a:spcBef>
+              <a:spcAft>
+                <a:spcPts val="0"/>
+              </a:spcAft>
+              <a:buNone/>
+            </a:pPr>
+            <a:r>
+              <a:rPr lang="en-US" sz="850" b="0" i="0" u="none" strike="noStrike" cap="none">
+                <a:solidFill>
+                  <a:schemeClr val="dk1"/>
+                </a:solidFill>
+                <a:latin typeface="Courier New"/>
+                <a:ea typeface="Courier New"/>
+                <a:cs typeface="Courier New"/>
+                <a:sym typeface="Courier New"/>
+              </a:rPr>
+              <a:t>      +--rw id             yang:uuid</a:t>
+            </a:r>
+            <a:endParaRPr sz="850" b="0" i="0" u="none" strike="noStrike" cap="none">
+              <a:solidFill>
+                <a:schemeClr val="dk1"/>
+              </a:solidFill>
+              <a:latin typeface="Courier New"/>
+              <a:ea typeface="Courier New"/>
+              <a:cs typeface="Courier New"/>
+              <a:sym typeface="Courier New"/>
+            </a:endParaRPr>
+          </a:p>
+          <a:p>
+            <a:pPr marL="0" marR="0" lvl="0" indent="0" algn="l" rtl="0">
+              <a:lnSpc>
+                <a:spcPct val="107000"/>
+              </a:lnSpc>
+              <a:spcBef>
+                <a:spcPts val="0"/>
+              </a:spcBef>
+              <a:spcAft>
+                <a:spcPts val="0"/>
+              </a:spcAft>
+              <a:buNone/>
+            </a:pPr>
+            <a:r>
+              <a:rPr lang="en-US" sz="850" b="0" i="0" u="none" strike="noStrike" cap="none">
+                <a:solidFill>
+                  <a:schemeClr val="dk1"/>
+                </a:solidFill>
+                <a:latin typeface="Courier New"/>
+                <a:ea typeface="Courier New"/>
+                <a:cs typeface="Courier New"/>
+                <a:sym typeface="Courier New"/>
+              </a:rPr>
+              <a:t>      +--rw version        uint32</a:t>
+            </a:r>
+            <a:endParaRPr/>
+          </a:p>
+          <a:p>
+            <a:pPr marL="0" marR="0" lvl="0" indent="0" algn="l" rtl="0">
+              <a:lnSpc>
+                <a:spcPct val="107000"/>
+              </a:lnSpc>
+              <a:spcBef>
+                <a:spcPts val="0"/>
+              </a:spcBef>
+              <a:spcAft>
+                <a:spcPts val="0"/>
+              </a:spcAft>
+              <a:buNone/>
+            </a:pPr>
+            <a:r>
+              <a:rPr lang="en-US" sz="850" b="0" i="0" u="none" strike="noStrike" cap="none">
+                <a:solidFill>
+                  <a:schemeClr val="dk1"/>
+                </a:solidFill>
+                <a:latin typeface="Courier New"/>
+                <a:ea typeface="Courier New"/>
+                <a:cs typeface="Courier New"/>
+                <a:sym typeface="Courier New"/>
+              </a:rPr>
+              <a:t>      +--rw description?   string</a:t>
+            </a:r>
+            <a:endParaRPr/>
+          </a:p>
+          <a:p>
+            <a:pPr marL="0" marR="0" lvl="0" indent="0" algn="l" rtl="0">
+              <a:lnSpc>
+                <a:spcPct val="107000"/>
+              </a:lnSpc>
+              <a:spcBef>
+                <a:spcPts val="0"/>
+              </a:spcBef>
+              <a:spcAft>
+                <a:spcPts val="0"/>
+              </a:spcAft>
+              <a:buNone/>
+            </a:pPr>
+            <a:r>
+              <a:rPr lang="en-US" sz="850" b="0" i="0" u="none" strike="noStrike" cap="none">
+                <a:solidFill>
+                  <a:schemeClr val="dk1"/>
+                </a:solidFill>
+                <a:latin typeface="Courier New"/>
+                <a:ea typeface="Courier New"/>
+                <a:cs typeface="Courier New"/>
+                <a:sym typeface="Courier New"/>
+              </a:rPr>
+              <a:t>      +--rw state          identityref</a:t>
+            </a:r>
+            <a:endParaRPr sz="850" b="0" i="0" u="none" strike="noStrike" cap="none">
+              <a:solidFill>
+                <a:schemeClr val="dk1"/>
+              </a:solidFill>
+              <a:latin typeface="Courier New"/>
+              <a:ea typeface="Courier New"/>
+              <a:cs typeface="Courier New"/>
+              <a:sym typeface="Courier New"/>
+            </a:endParaRPr>
+          </a:p>
+          <a:p>
+            <a:pPr marL="0" marR="0" lvl="0" indent="0" algn="l" rtl="0">
+              <a:lnSpc>
+                <a:spcPct val="107000"/>
+              </a:lnSpc>
+              <a:spcBef>
+                <a:spcPts val="0"/>
+              </a:spcBef>
+              <a:spcAft>
+                <a:spcPts val="0"/>
+              </a:spcAft>
+              <a:buNone/>
+            </a:pPr>
+            <a:r>
+              <a:rPr lang="en-US" sz="850" b="0" i="0" u="none" strike="noStrike" cap="none">
+                <a:solidFill>
+                  <a:schemeClr val="dk1"/>
+                </a:solidFill>
+                <a:latin typeface="Courier New"/>
+                <a:ea typeface="Courier New"/>
+                <a:cs typeface="Courier New"/>
+                <a:sym typeface="Courier New"/>
+              </a:rPr>
+              <a:t>      +--rw annotator</a:t>
+            </a:r>
+            <a:endParaRPr/>
+          </a:p>
+          <a:p>
+            <a:pPr marL="0" marR="0" lvl="0" indent="0" algn="l" rtl="0">
+              <a:lnSpc>
+                <a:spcPct val="107000"/>
+              </a:lnSpc>
+              <a:spcBef>
+                <a:spcPts val="0"/>
+              </a:spcBef>
+              <a:spcAft>
+                <a:spcPts val="0"/>
+              </a:spcAft>
+              <a:buNone/>
+            </a:pPr>
+            <a:r>
+              <a:rPr lang="en-US" sz="850" b="0" i="0" u="none" strike="noStrike" cap="none">
+                <a:solidFill>
+                  <a:schemeClr val="dk1"/>
+                </a:solidFill>
+                <a:latin typeface="Courier New"/>
+                <a:ea typeface="Courier New"/>
+                <a:cs typeface="Courier New"/>
+                <a:sym typeface="Courier New"/>
+              </a:rPr>
+              <a:t>      |  +--rw (annotator-type)</a:t>
+            </a:r>
+            <a:endParaRPr/>
+          </a:p>
+          <a:p>
+            <a:pPr marL="0" marR="0" lvl="0" indent="0" algn="l" rtl="0">
+              <a:lnSpc>
+                <a:spcPct val="107000"/>
+              </a:lnSpc>
+              <a:spcBef>
+                <a:spcPts val="0"/>
+              </a:spcBef>
+              <a:spcAft>
+                <a:spcPts val="0"/>
+              </a:spcAft>
+              <a:buNone/>
+            </a:pPr>
+            <a:r>
+              <a:rPr lang="en-US" sz="850" b="0" i="0" u="none" strike="noStrike" cap="none">
+                <a:solidFill>
+                  <a:schemeClr val="dk1"/>
+                </a:solidFill>
+                <a:latin typeface="Courier New"/>
+                <a:ea typeface="Courier New"/>
+                <a:cs typeface="Courier New"/>
+                <a:sym typeface="Courier New"/>
+              </a:rPr>
+              <a:t>      |  |  +--:(human)</a:t>
+            </a:r>
+            <a:endParaRPr/>
+          </a:p>
+          <a:p>
+            <a:pPr marL="0" marR="0" lvl="0" indent="0" algn="l" rtl="0">
+              <a:lnSpc>
+                <a:spcPct val="107000"/>
+              </a:lnSpc>
+              <a:spcBef>
+                <a:spcPts val="0"/>
+              </a:spcBef>
+              <a:spcAft>
+                <a:spcPts val="0"/>
+              </a:spcAft>
+              <a:buNone/>
+            </a:pPr>
+            <a:r>
+              <a:rPr lang="en-US" sz="850" b="0" i="0" u="none" strike="noStrike" cap="none">
+                <a:solidFill>
+                  <a:schemeClr val="dk1"/>
+                </a:solidFill>
+                <a:latin typeface="Courier New"/>
+                <a:ea typeface="Courier New"/>
+                <a:cs typeface="Courier New"/>
+                <a:sym typeface="Courier New"/>
+              </a:rPr>
+              <a:t>      |  |  |  +--rw human        empty</a:t>
+            </a:r>
+            <a:endParaRPr/>
+          </a:p>
+          <a:p>
+            <a:pPr marL="0" marR="0" lvl="0" indent="0" algn="l" rtl="0">
+              <a:lnSpc>
+                <a:spcPct val="107000"/>
+              </a:lnSpc>
+              <a:spcBef>
+                <a:spcPts val="0"/>
+              </a:spcBef>
+              <a:spcAft>
+                <a:spcPts val="0"/>
+              </a:spcAft>
+              <a:buNone/>
+            </a:pPr>
+            <a:r>
+              <a:rPr lang="en-US" sz="850" b="0" i="0" u="none" strike="noStrike" cap="none">
+                <a:solidFill>
+                  <a:schemeClr val="dk1"/>
+                </a:solidFill>
+                <a:latin typeface="Courier New"/>
+                <a:ea typeface="Courier New"/>
+                <a:cs typeface="Courier New"/>
+                <a:sym typeface="Courier New"/>
+              </a:rPr>
+              <a:t>      |  |  +--:(algorithm)</a:t>
+            </a:r>
+            <a:endParaRPr/>
+          </a:p>
+          <a:p>
+            <a:pPr marL="0" marR="0" lvl="0" indent="0" algn="l" rtl="0">
+              <a:lnSpc>
+                <a:spcPct val="107000"/>
+              </a:lnSpc>
+              <a:spcBef>
+                <a:spcPts val="0"/>
+              </a:spcBef>
+              <a:spcAft>
+                <a:spcPts val="0"/>
+              </a:spcAft>
+              <a:buNone/>
+            </a:pPr>
+            <a:r>
+              <a:rPr lang="en-US" sz="850" b="0" i="0" u="none" strike="noStrike" cap="none">
+                <a:solidFill>
+                  <a:schemeClr val="dk1"/>
+                </a:solidFill>
+                <a:latin typeface="Courier New"/>
+                <a:ea typeface="Courier New"/>
+                <a:cs typeface="Courier New"/>
+                <a:sym typeface="Courier New"/>
+              </a:rPr>
+              <a:t>      |  |     +--rw algorithm    empty</a:t>
+            </a:r>
+            <a:endParaRPr/>
+          </a:p>
+          <a:p>
+            <a:pPr marL="0" marR="0" lvl="0" indent="0" algn="l" rtl="0">
+              <a:lnSpc>
+                <a:spcPct val="107000"/>
+              </a:lnSpc>
+              <a:spcBef>
+                <a:spcPts val="0"/>
+              </a:spcBef>
+              <a:spcAft>
+                <a:spcPts val="0"/>
+              </a:spcAft>
+              <a:buNone/>
+            </a:pPr>
+            <a:r>
+              <a:rPr lang="en-US" sz="850" b="0" i="0" u="none" strike="noStrike" cap="none">
+                <a:solidFill>
+                  <a:schemeClr val="dk1"/>
+                </a:solidFill>
+                <a:latin typeface="Courier New"/>
+                <a:ea typeface="Courier New"/>
+                <a:cs typeface="Courier New"/>
+                <a:sym typeface="Courier New"/>
+              </a:rPr>
+              <a:t>      |  +--rw name?              empty</a:t>
+            </a:r>
+            <a:endParaRPr/>
+          </a:p>
+          <a:p>
+            <a:pPr marL="0" marR="0" lvl="0" indent="0" algn="l" rtl="0">
+              <a:lnSpc>
+                <a:spcPct val="107000"/>
+              </a:lnSpc>
+              <a:spcBef>
+                <a:spcPts val="0"/>
+              </a:spcBef>
+              <a:spcAft>
+                <a:spcPts val="0"/>
+              </a:spcAft>
+              <a:buNone/>
+            </a:pPr>
+            <a:r>
+              <a:rPr lang="en-US" sz="850" b="0" i="0" u="none" strike="noStrike" cap="none">
+                <a:solidFill>
+                  <a:schemeClr val="dk1"/>
+                </a:solidFill>
+                <a:latin typeface="Courier New"/>
+                <a:ea typeface="Courier New"/>
+                <a:cs typeface="Courier New"/>
+                <a:sym typeface="Courier New"/>
+              </a:rPr>
+              <a:t>      +--rw symptoms* [symptom_id]</a:t>
+            </a:r>
+            <a:endParaRPr/>
+          </a:p>
+          <a:p>
+            <a:pPr marL="0" marR="0" lvl="0" indent="0" algn="l" rtl="0">
+              <a:lnSpc>
+                <a:spcPct val="107000"/>
+              </a:lnSpc>
+              <a:spcBef>
+                <a:spcPts val="0"/>
+              </a:spcBef>
+              <a:spcAft>
+                <a:spcPts val="0"/>
+              </a:spcAft>
+              <a:buNone/>
+            </a:pPr>
+            <a:r>
+              <a:rPr lang="en-US" sz="850" b="0" i="0" u="none" strike="noStrike" cap="none">
+                <a:solidFill>
+                  <a:schemeClr val="dk1"/>
+                </a:solidFill>
+                <a:latin typeface="Courier New"/>
+                <a:ea typeface="Courier New"/>
+                <a:cs typeface="Courier New"/>
+                <a:sym typeface="Courier New"/>
+              </a:rPr>
+              <a:t>        +--rw symptom_id    yang:uuid</a:t>
+            </a:r>
+            <a:endParaRPr sz="850" b="0" i="0" u="none" strike="noStrike" cap="none">
+              <a:solidFill>
+                <a:schemeClr val="dk1"/>
+              </a:solidFill>
+              <a:latin typeface="Courier New"/>
+              <a:ea typeface="Courier New"/>
+              <a:cs typeface="Courier New"/>
+              <a:sym typeface="Courier New"/>
+            </a:endParaRPr>
+          </a:p>
+        </p:txBody>
+      </p:sp>
+      <p:sp>
+        <p:nvSpPr>
+          <p:cNvPr id="17" name="Google Shape;227;p9">
+            <a:extLst>
+              <a:ext uri="{FF2B5EF4-FFF2-40B4-BE49-F238E27FC236}">
+                <a16:creationId xmlns:a16="http://schemas.microsoft.com/office/drawing/2014/main" id="{CEA9526A-4F2B-4D15-9C72-45091122001E}"/>
+              </a:ext>
+            </a:extLst>
+          </p:cNvPr>
+          <p:cNvSpPr txBox="1">
+            <a:spLocks/>
+          </p:cNvSpPr>
+          <p:nvPr/>
+        </p:nvSpPr>
+        <p:spPr>
+          <a:xfrm>
+            <a:off x="6193410" y="2819928"/>
+            <a:ext cx="5229402" cy="3823716"/>
+          </a:xfrm>
+          <a:prstGeom prst="rect">
+            <a:avLst/>
+          </a:prstGeom>
+          <a:noFill/>
+          <a:ln>
+            <a:noFill/>
+          </a:ln>
+        </p:spPr>
+        <p:txBody>
+          <a:bodyPr spcFirstLastPara="1" vert="horz" wrap="square" lIns="91425" tIns="45700" rIns="91425" bIns="45700" rtlCol="0" anchor="t" anchorCtr="0">
+            <a:noAutofit/>
+          </a:bodyPr>
+          <a:lstStyle>
+            <a:lvl1pPr marL="228600" indent="-228600" algn="l" defTabSz="914400" rtl="0" eaLnBrk="1" latinLnBrk="0" hangingPunct="1">
+              <a:lnSpc>
+                <a:spcPct val="90000"/>
+              </a:lnSpc>
+              <a:spcBef>
+                <a:spcPts val="1000"/>
+              </a:spcBef>
+              <a:buFont typeface="Arial" panose="020B0604020202020204" pitchFamily="34" charset="0"/>
+              <a:buChar char="•"/>
+              <a:defRPr sz="2800" kern="1200">
+                <a:solidFill>
+                  <a:schemeClr val="tx1"/>
+                </a:solidFill>
+                <a:latin typeface="+mn-lt"/>
+                <a:ea typeface="+mn-ea"/>
+                <a:cs typeface="+mn-cs"/>
+              </a:defRPr>
+            </a:lvl1pPr>
+            <a:lvl2pPr marL="685800" indent="-228600" algn="l" defTabSz="914400" rtl="0" eaLnBrk="1" latinLnBrk="0" hangingPunct="1">
+              <a:lnSpc>
+                <a:spcPct val="90000"/>
+              </a:lnSpc>
+              <a:spcBef>
+                <a:spcPts val="500"/>
+              </a:spcBef>
+              <a:buFont typeface="Arial" panose="020B0604020202020204" pitchFamily="34" charset="0"/>
+              <a:buChar char="•"/>
+              <a:defRPr sz="2400" kern="1200">
+                <a:solidFill>
+                  <a:schemeClr val="tx1"/>
+                </a:solidFill>
+                <a:latin typeface="+mn-lt"/>
+                <a:ea typeface="+mn-ea"/>
+                <a:cs typeface="+mn-cs"/>
+              </a:defRPr>
+            </a:lvl2pPr>
+            <a:lvl3pPr marL="1143000" indent="-228600" algn="l" defTabSz="914400" rtl="0" eaLnBrk="1" latinLnBrk="0" hangingPunct="1">
+              <a:lnSpc>
+                <a:spcPct val="90000"/>
+              </a:lnSpc>
+              <a:spcBef>
+                <a:spcPts val="500"/>
+              </a:spcBef>
+              <a:buFont typeface="Arial" panose="020B0604020202020204" pitchFamily="34" charset="0"/>
+              <a:buChar char="•"/>
+              <a:defRPr sz="2000" kern="1200">
+                <a:solidFill>
+                  <a:schemeClr val="tx1"/>
+                </a:solidFill>
+                <a:latin typeface="+mn-lt"/>
+                <a:ea typeface="+mn-ea"/>
+                <a:cs typeface="+mn-cs"/>
+              </a:defRPr>
+            </a:lvl3pPr>
+            <a:lvl4pPr marL="1600200" indent="-228600" algn="l" defTabSz="914400" rtl="0" eaLnBrk="1" latinLnBrk="0" hangingPunct="1">
+              <a:lnSpc>
+                <a:spcPct val="90000"/>
+              </a:lnSpc>
+              <a:spcBef>
+                <a:spcPts val="500"/>
+              </a:spcBef>
+              <a:buFont typeface="Arial" panose="020B0604020202020204" pitchFamily="34" charset="0"/>
+              <a:buChar char="•"/>
+              <a:defRPr sz="1800" kern="1200">
+                <a:solidFill>
+                  <a:schemeClr val="tx1"/>
+                </a:solidFill>
+                <a:latin typeface="+mn-lt"/>
+                <a:ea typeface="+mn-ea"/>
+                <a:cs typeface="+mn-cs"/>
+              </a:defRPr>
+            </a:lvl4pPr>
+            <a:lvl5pPr marL="2057400" indent="-228600" algn="l" defTabSz="914400" rtl="0" eaLnBrk="1" latinLnBrk="0" hangingPunct="1">
+              <a:lnSpc>
+                <a:spcPct val="90000"/>
+              </a:lnSpc>
+              <a:spcBef>
+                <a:spcPts val="500"/>
+              </a:spcBef>
+              <a:buFont typeface="Arial" panose="020B0604020202020204" pitchFamily="34" charset="0"/>
+              <a:buChar char="•"/>
+              <a:defRPr sz="1800" kern="1200">
+                <a:solidFill>
+                  <a:schemeClr val="tx1"/>
+                </a:solidFill>
+                <a:latin typeface="+mn-lt"/>
+                <a:ea typeface="+mn-ea"/>
+                <a:cs typeface="+mn-cs"/>
+              </a:defRPr>
+            </a:lvl5pPr>
+            <a:lvl6pPr marL="2514600" indent="-228600" algn="l" defTabSz="914400" rtl="0" eaLnBrk="1" latinLnBrk="0" hangingPunct="1">
+              <a:lnSpc>
+                <a:spcPct val="90000"/>
+              </a:lnSpc>
+              <a:spcBef>
+                <a:spcPts val="500"/>
+              </a:spcBef>
+              <a:buFont typeface="Arial" panose="020B0604020202020204" pitchFamily="34" charset="0"/>
+              <a:buChar char="•"/>
+              <a:defRPr sz="1800" kern="1200">
+                <a:solidFill>
+                  <a:schemeClr val="tx1"/>
+                </a:solidFill>
+                <a:latin typeface="+mn-lt"/>
+                <a:ea typeface="+mn-ea"/>
+                <a:cs typeface="+mn-cs"/>
+              </a:defRPr>
+            </a:lvl6pPr>
+            <a:lvl7pPr marL="2971800" indent="-228600" algn="l" defTabSz="914400" rtl="0" eaLnBrk="1" latinLnBrk="0" hangingPunct="1">
+              <a:lnSpc>
+                <a:spcPct val="90000"/>
+              </a:lnSpc>
+              <a:spcBef>
+                <a:spcPts val="500"/>
+              </a:spcBef>
+              <a:buFont typeface="Arial" panose="020B0604020202020204" pitchFamily="34" charset="0"/>
+              <a:buChar char="•"/>
+              <a:defRPr sz="1800" kern="1200">
+                <a:solidFill>
+                  <a:schemeClr val="tx1"/>
+                </a:solidFill>
+                <a:latin typeface="+mn-lt"/>
+                <a:ea typeface="+mn-ea"/>
+                <a:cs typeface="+mn-cs"/>
+              </a:defRPr>
+            </a:lvl7pPr>
+            <a:lvl8pPr marL="3429000" indent="-228600" algn="l" defTabSz="914400" rtl="0" eaLnBrk="1" latinLnBrk="0" hangingPunct="1">
+              <a:lnSpc>
+                <a:spcPct val="90000"/>
+              </a:lnSpc>
+              <a:spcBef>
+                <a:spcPts val="500"/>
+              </a:spcBef>
+              <a:buFont typeface="Arial" panose="020B0604020202020204" pitchFamily="34" charset="0"/>
+              <a:buChar char="•"/>
+              <a:defRPr sz="1800" kern="1200">
+                <a:solidFill>
+                  <a:schemeClr val="tx1"/>
+                </a:solidFill>
+                <a:latin typeface="+mn-lt"/>
+                <a:ea typeface="+mn-ea"/>
+                <a:cs typeface="+mn-cs"/>
+              </a:defRPr>
+            </a:lvl8pPr>
+            <a:lvl9pPr marL="3886200" indent="-228600" algn="l" defTabSz="914400" rtl="0" eaLnBrk="1" latinLnBrk="0" hangingPunct="1">
+              <a:lnSpc>
+                <a:spcPct val="90000"/>
+              </a:lnSpc>
+              <a:spcBef>
+                <a:spcPts val="500"/>
+              </a:spcBef>
+              <a:buFont typeface="Arial" panose="020B0604020202020204" pitchFamily="34" charset="0"/>
+              <a:buChar char="•"/>
+              <a:defRPr sz="1800" kern="1200">
+                <a:solidFill>
+                  <a:schemeClr val="tx1"/>
+                </a:solidFill>
+                <a:latin typeface="+mn-lt"/>
+                <a:ea typeface="+mn-ea"/>
+                <a:cs typeface="+mn-cs"/>
+              </a:defRPr>
+            </a:lvl9pPr>
+          </a:lstStyle>
+          <a:p>
+            <a:pPr>
+              <a:spcBef>
+                <a:spcPts val="0"/>
+              </a:spcBef>
+              <a:buClr>
+                <a:srgbClr val="FF0000"/>
+              </a:buClr>
+              <a:buSzPts val="2000"/>
+            </a:pPr>
+            <a:r>
+              <a:rPr lang="en-US" sz="2000" b="1" dirty="0">
+                <a:solidFill>
+                  <a:srgbClr val="FF0000"/>
+                </a:solidFill>
+              </a:rPr>
+              <a:t>ID and Description</a:t>
+            </a:r>
+            <a:r>
+              <a:rPr lang="en-US" sz="2000" dirty="0"/>
+              <a:t> uniquely identifies the detected network anomaly (as a container of symptoms).</a:t>
+            </a:r>
+            <a:endParaRPr lang="en-US" dirty="0"/>
+          </a:p>
+          <a:p>
+            <a:pPr>
+              <a:buClr>
+                <a:srgbClr val="FF0000"/>
+              </a:buClr>
+              <a:buSzPts val="2000"/>
+            </a:pPr>
+            <a:r>
+              <a:rPr lang="en-US" sz="2000" b="1" dirty="0">
+                <a:solidFill>
+                  <a:srgbClr val="FF0000"/>
+                </a:solidFill>
+              </a:rPr>
+              <a:t>Description and State </a:t>
+            </a:r>
+            <a:r>
+              <a:rPr lang="en-US" sz="2000" dirty="0"/>
+              <a:t>provide general information regarding the anomaly and its current state in the lifecycle. </a:t>
+            </a:r>
+            <a:endParaRPr lang="en-US" dirty="0"/>
+          </a:p>
+          <a:p>
+            <a:pPr>
+              <a:buClr>
+                <a:srgbClr val="FF0000"/>
+              </a:buClr>
+              <a:buSzPts val="2000"/>
+            </a:pPr>
+            <a:r>
+              <a:rPr lang="en-US" sz="2000" b="1" dirty="0">
+                <a:solidFill>
+                  <a:srgbClr val="FF0000"/>
+                </a:solidFill>
+              </a:rPr>
+              <a:t>Annotator </a:t>
+            </a:r>
+            <a:r>
+              <a:rPr lang="en-US" sz="2000" dirty="0"/>
+              <a:t>describes the entity that observed the network anomaly: this can be a human or an algorithm (anomaly detection system). </a:t>
+            </a:r>
+            <a:endParaRPr lang="en-US" dirty="0"/>
+          </a:p>
+          <a:p>
+            <a:pPr>
+              <a:buClr>
+                <a:srgbClr val="FF0000"/>
+              </a:buClr>
+              <a:buSzPts val="2000"/>
+            </a:pPr>
+            <a:r>
+              <a:rPr lang="en-US" sz="2000" b="1" dirty="0">
+                <a:solidFill>
+                  <a:srgbClr val="FF0000"/>
+                </a:solidFill>
+              </a:rPr>
+              <a:t>Symptoms </a:t>
+            </a:r>
+            <a:r>
+              <a:rPr lang="en-US" sz="2000" dirty="0"/>
+              <a:t>provides a list of symptoms that are part of this network anomaly.</a:t>
+            </a:r>
+            <a:endParaRPr lang="en-US" dirty="0"/>
+          </a:p>
+        </p:txBody>
+      </p:sp>
+      <p:sp>
+        <p:nvSpPr>
+          <p:cNvPr id="18" name="Google Shape;228;p9">
+            <a:extLst>
+              <a:ext uri="{FF2B5EF4-FFF2-40B4-BE49-F238E27FC236}">
+                <a16:creationId xmlns:a16="http://schemas.microsoft.com/office/drawing/2014/main" id="{2A1CF3E5-A639-4F23-B857-8061698A6574}"/>
+              </a:ext>
+            </a:extLst>
+          </p:cNvPr>
           <p:cNvSpPr/>
           <p:nvPr/>
         </p:nvSpPr>
         <p:spPr>
           <a:xfrm>
-            <a:off x="1063625" y="2506394"/>
+            <a:off x="1063625" y="3981167"/>
+            <a:ext cx="3038400" cy="416400"/>
+          </a:xfrm>
+          <a:prstGeom prst="rect">
+            <a:avLst/>
+          </a:prstGeom>
+          <a:solidFill>
+            <a:schemeClr val="accent6">
+              <a:alpha val="9803"/>
+            </a:schemeClr>
+          </a:solidFill>
+          <a:ln w="25400" cap="flat" cmpd="sng">
+            <a:solidFill>
+              <a:schemeClr val="accent6"/>
+            </a:solidFill>
+            <a:prstDash val="solid"/>
+            <a:miter lim="800000"/>
+            <a:headEnd type="none" w="sm" len="sm"/>
+            <a:tailEnd type="none" w="sm" len="sm"/>
+          </a:ln>
+        </p:spPr>
+        <p:txBody>
+          <a:bodyPr spcFirstLastPara="1" wrap="square" lIns="91425" tIns="45700" rIns="91425" bIns="45700" anchor="ctr" anchorCtr="0">
+            <a:noAutofit/>
+          </a:bodyPr>
+          <a:lstStyle/>
+          <a:p>
+            <a:pPr marL="0" marR="0" lvl="0" indent="0" algn="ctr" rtl="0">
+              <a:spcBef>
+                <a:spcPts val="0"/>
+              </a:spcBef>
+              <a:spcAft>
+                <a:spcPts val="0"/>
+              </a:spcAft>
+              <a:buNone/>
+            </a:pPr>
+            <a:endParaRPr sz="1800" b="0" i="0" u="none" strike="noStrike" cap="none">
+              <a:solidFill>
+                <a:schemeClr val="lt1"/>
+              </a:solidFill>
+              <a:latin typeface="Calibri"/>
+              <a:ea typeface="Calibri"/>
+              <a:cs typeface="Calibri"/>
+              <a:sym typeface="Calibri"/>
+            </a:endParaRPr>
+          </a:p>
+        </p:txBody>
+      </p:sp>
+      <p:cxnSp>
+        <p:nvCxnSpPr>
+          <p:cNvPr id="19" name="Google Shape;229;p9">
+            <a:extLst>
+              <a:ext uri="{FF2B5EF4-FFF2-40B4-BE49-F238E27FC236}">
+                <a16:creationId xmlns:a16="http://schemas.microsoft.com/office/drawing/2014/main" id="{A2E10AD7-A85A-4568-A2DD-403671F055EA}"/>
+              </a:ext>
+            </a:extLst>
+          </p:cNvPr>
+          <p:cNvCxnSpPr>
+            <a:cxnSpLocks/>
+            <a:stCxn id="18" idx="3"/>
+          </p:cNvCxnSpPr>
+          <p:nvPr/>
+        </p:nvCxnSpPr>
+        <p:spPr>
+          <a:xfrm flipV="1">
+            <a:off x="4102025" y="3037398"/>
+            <a:ext cx="2091300" cy="1151969"/>
+          </a:xfrm>
+          <a:prstGeom prst="straightConnector1">
+            <a:avLst/>
+          </a:prstGeom>
+          <a:noFill/>
+          <a:ln w="25400" cap="flat" cmpd="sng">
+            <a:solidFill>
+              <a:schemeClr val="accent6"/>
+            </a:solidFill>
+            <a:prstDash val="solid"/>
+            <a:miter lim="800000"/>
+            <a:headEnd type="none" w="sm" len="sm"/>
+            <a:tailEnd type="none" w="sm" len="sm"/>
+          </a:ln>
+        </p:spPr>
+      </p:cxnSp>
+      <p:sp>
+        <p:nvSpPr>
+          <p:cNvPr id="20" name="Google Shape;232;p9">
+            <a:extLst>
+              <a:ext uri="{FF2B5EF4-FFF2-40B4-BE49-F238E27FC236}">
+                <a16:creationId xmlns:a16="http://schemas.microsoft.com/office/drawing/2014/main" id="{B28AB3E9-9BBA-4658-9F85-3E9DC4650EAC}"/>
+              </a:ext>
+            </a:extLst>
+          </p:cNvPr>
+          <p:cNvSpPr/>
+          <p:nvPr/>
+        </p:nvSpPr>
+        <p:spPr>
+          <a:xfrm>
+            <a:off x="1063625" y="4677087"/>
             <a:ext cx="3038475" cy="955944"/>
           </a:xfrm>
           <a:prstGeom prst="rect">
@@ -7538,16 +7685,23 @@
       </p:sp>
       <p:cxnSp>
         <p:nvCxnSpPr>
-          <p:cNvPr id="233" name="Google Shape;233;p9"/>
+          <p:cNvPr id="21" name="Google Shape;233;p9">
+            <a:extLst>
+              <a:ext uri="{FF2B5EF4-FFF2-40B4-BE49-F238E27FC236}">
+                <a16:creationId xmlns:a16="http://schemas.microsoft.com/office/drawing/2014/main" id="{4D339B9C-52F3-4624-9E82-F3940FEF2CA2}"/>
+              </a:ext>
+            </a:extLst>
+          </p:cNvPr>
           <p:cNvCxnSpPr>
-            <a:stCxn id="232" idx="3"/>
+            <a:cxnSpLocks/>
+            <a:stCxn id="20" idx="3"/>
           </p:cNvCxnSpPr>
           <p:nvPr/>
         </p:nvCxnSpPr>
         <p:spPr>
-          <a:xfrm>
-            <a:off x="4102100" y="2984366"/>
-            <a:ext cx="1993800" cy="716700"/>
+          <a:xfrm flipV="1">
+            <a:off x="4102100" y="4874150"/>
+            <a:ext cx="2091225" cy="280909"/>
           </a:xfrm>
           <a:prstGeom prst="straightConnector1">
             <a:avLst/>
@@ -7566,13 +7720,19 @@
       </p:cxnSp>
       <p:sp>
         <p:nvSpPr>
-          <p:cNvPr id="234" name="Google Shape;234;p9"/>
+          <p:cNvPr id="22" name="Google Shape;234;p9">
+            <a:extLst>
+              <a:ext uri="{FF2B5EF4-FFF2-40B4-BE49-F238E27FC236}">
+                <a16:creationId xmlns:a16="http://schemas.microsoft.com/office/drawing/2014/main" id="{4A8FBB71-6B90-4FF8-AA47-64DC275D2F7B}"/>
+              </a:ext>
+            </a:extLst>
+          </p:cNvPr>
           <p:cNvSpPr/>
           <p:nvPr/>
         </p:nvSpPr>
         <p:spPr>
           <a:xfrm>
-            <a:off x="1063625" y="3480070"/>
+            <a:off x="1063625" y="5650763"/>
             <a:ext cx="3038475" cy="287068"/>
           </a:xfrm>
           <a:prstGeom prst="rect">
@@ -7622,13 +7782,19 @@
       </p:sp>
       <p:sp>
         <p:nvSpPr>
-          <p:cNvPr id="235" name="Google Shape;235;p9"/>
+          <p:cNvPr id="23" name="Google Shape;235;p9">
+            <a:extLst>
+              <a:ext uri="{FF2B5EF4-FFF2-40B4-BE49-F238E27FC236}">
+                <a16:creationId xmlns:a16="http://schemas.microsoft.com/office/drawing/2014/main" id="{F06A127A-ABB9-4A18-8E08-5C62D1509B7F}"/>
+              </a:ext>
+            </a:extLst>
+          </p:cNvPr>
           <p:cNvSpPr/>
           <p:nvPr/>
         </p:nvSpPr>
         <p:spPr>
           <a:xfrm>
-            <a:off x="1063625" y="2253473"/>
+            <a:off x="1063625" y="4424166"/>
             <a:ext cx="3038400" cy="241200"/>
           </a:xfrm>
           <a:prstGeom prst="rect">
@@ -7678,16 +7844,23 @@
       </p:sp>
       <p:cxnSp>
         <p:nvCxnSpPr>
-          <p:cNvPr id="236" name="Google Shape;236;p9"/>
+          <p:cNvPr id="24" name="Google Shape;236;p9">
+            <a:extLst>
+              <a:ext uri="{FF2B5EF4-FFF2-40B4-BE49-F238E27FC236}">
+                <a16:creationId xmlns:a16="http://schemas.microsoft.com/office/drawing/2014/main" id="{DDA3444A-7D7D-46CB-BC46-0F99E772AE55}"/>
+              </a:ext>
+            </a:extLst>
+          </p:cNvPr>
           <p:cNvCxnSpPr>
-            <a:stCxn id="235" idx="3"/>
+            <a:cxnSpLocks/>
+            <a:stCxn id="23" idx="3"/>
           </p:cNvCxnSpPr>
           <p:nvPr/>
         </p:nvCxnSpPr>
         <p:spPr>
-          <a:xfrm>
-            <a:off x="4102025" y="2374073"/>
-            <a:ext cx="2091300" cy="402600"/>
+          <a:xfrm flipV="1">
+            <a:off x="4102025" y="3981167"/>
+            <a:ext cx="2091300" cy="563599"/>
           </a:xfrm>
           <a:prstGeom prst="straightConnector1">
             <a:avLst/>
@@ -7706,16 +7879,23 @@
       </p:cxnSp>
       <p:cxnSp>
         <p:nvCxnSpPr>
-          <p:cNvPr id="237" name="Google Shape;237;p9"/>
+          <p:cNvPr id="25" name="Google Shape;237;p9">
+            <a:extLst>
+              <a:ext uri="{FF2B5EF4-FFF2-40B4-BE49-F238E27FC236}">
+                <a16:creationId xmlns:a16="http://schemas.microsoft.com/office/drawing/2014/main" id="{9FE29884-CEF5-410B-B1A5-AA4F968E7EFF}"/>
+              </a:ext>
+            </a:extLst>
+          </p:cNvPr>
           <p:cNvCxnSpPr>
-            <a:stCxn id="234" idx="3"/>
+            <a:cxnSpLocks/>
+            <a:stCxn id="22" idx="3"/>
           </p:cNvCxnSpPr>
           <p:nvPr/>
         </p:nvCxnSpPr>
         <p:spPr>
           <a:xfrm>
-            <a:off x="4102100" y="3623604"/>
-            <a:ext cx="2091300" cy="1082100"/>
+            <a:off x="4102100" y="5794297"/>
+            <a:ext cx="2091225" cy="0"/>
           </a:xfrm>
           <a:prstGeom prst="straightConnector1">
             <a:avLst/>
@@ -7732,6 +7912,77 @@
           </a:ln>
         </p:spPr>
       </p:cxnSp>
+      <p:sp>
+        <p:nvSpPr>
+          <p:cNvPr id="26" name="TextBox 25">
+            <a:extLst>
+              <a:ext uri="{FF2B5EF4-FFF2-40B4-BE49-F238E27FC236}">
+                <a16:creationId xmlns:a16="http://schemas.microsoft.com/office/drawing/2014/main" id="{E52C51D8-18F7-4089-8B97-EB843D04BB4C}"/>
+              </a:ext>
+            </a:extLst>
+          </p:cNvPr>
+          <p:cNvSpPr txBox="1"/>
+          <p:nvPr/>
+        </p:nvSpPr>
+        <p:spPr>
+          <a:xfrm>
+            <a:off x="838198" y="1636099"/>
+            <a:ext cx="10301579" cy="1015663"/>
+          </a:xfrm>
+          <a:prstGeom prst="rect">
+            <a:avLst/>
+          </a:prstGeom>
+          <a:noFill/>
+        </p:spPr>
+        <p:txBody>
+          <a:bodyPr wrap="square" rtlCol="0">
+            <a:spAutoFit/>
+          </a:bodyPr>
+          <a:lstStyle/>
+          <a:p>
+            <a:r>
+              <a:rPr lang="en-US" sz="2000" dirty="0"/>
+              <a:t>This draft defines:</a:t>
+            </a:r>
+          </a:p>
+          <a:p>
+            <a:pPr marL="342900" indent="-342900">
+              <a:buFont typeface="Arial" panose="020B0604020202020204" pitchFamily="34" charset="0"/>
+              <a:buChar char="•"/>
+            </a:pPr>
+            <a:r>
+              <a:rPr lang="en-US" sz="2000" dirty="0"/>
+              <a:t>A </a:t>
+            </a:r>
+            <a:r>
+              <a:rPr lang="en-US" sz="2000" b="1" dirty="0"/>
+              <a:t>State machine for network anomalies</a:t>
+            </a:r>
+            <a:r>
+              <a:rPr lang="en-US" sz="2000" dirty="0"/>
+              <a:t> spanning across the whole lifecycle</a:t>
+            </a:r>
+          </a:p>
+          <a:p>
+            <a:pPr marL="342900" indent="-342900">
+              <a:buFont typeface="Arial" panose="020B0604020202020204" pitchFamily="34" charset="0"/>
+              <a:buChar char="•"/>
+            </a:pPr>
+            <a:r>
+              <a:rPr lang="en-US" sz="2000" dirty="0"/>
+              <a:t>A </a:t>
+            </a:r>
+            <a:r>
+              <a:rPr lang="en-US" sz="2000" b="1" dirty="0"/>
+              <a:t>YANG data model</a:t>
+            </a:r>
+            <a:r>
+              <a:rPr lang="en-US" sz="2000" dirty="0"/>
+              <a:t> describing the network anomaly as a collection of symptoms</a:t>
+            </a:r>
+          </a:p>
+        </p:txBody>
+      </p:sp>
     </p:spTree>
   </p:cSld>
   <p:clrMapOvr>
@@ -7984,8 +8235,8 @@
         </p:nvSpPr>
         <p:spPr>
           <a:xfrm>
-            <a:off x="7240555" y="151130"/>
-            <a:ext cx="4674637" cy="6529952"/>
+            <a:off x="7264407" y="983548"/>
+            <a:ext cx="4674637" cy="5688183"/>
           </a:xfrm>
           <a:prstGeom prst="rect">
             <a:avLst/>
@@ -8011,7 +8262,7 @@
               <a:buNone/>
             </a:pPr>
             <a:r>
-              <a:rPr lang="en-US" sz="2000" b="1" dirty="0"/>
+              <a:rPr lang="en-US" b="1" dirty="0"/>
               <a:t>Goals:</a:t>
             </a:r>
           </a:p>
@@ -8034,7 +8285,7 @@
               <a:buChar char="Ø"/>
             </a:pPr>
             <a:r>
-              <a:rPr lang="en-US" sz="2000" dirty="0"/>
+              <a:rPr lang="en-US" dirty="0"/>
               <a:t>Prove that YANG models contain all the necessary information</a:t>
             </a:r>
           </a:p>
@@ -8051,7 +8302,7 @@
               <a:buChar char="Ø"/>
             </a:pPr>
             <a:r>
-              <a:rPr lang="en-US" sz="2000" dirty="0"/>
+              <a:rPr lang="en-US" dirty="0"/>
               <a:t>Validate models across a wide range of use-cases</a:t>
             </a:r>
           </a:p>
@@ -8068,8 +8319,8 @@
               <a:buChar char="Ø"/>
             </a:pPr>
             <a:r>
-              <a:rPr lang="en-US" sz="2000" dirty="0"/>
-              <a:t>Show interoperability between </a:t>
+              <a:rPr lang="en-US" dirty="0"/>
+              <a:t>Show interoperability between stages</a:t>
             </a:r>
           </a:p>
           <a:p>
@@ -8086,10 +8337,10 @@
               <a:buNone/>
             </a:pPr>
             <a:r>
-              <a:rPr lang="en-US" sz="2000" b="1" dirty="0"/>
+              <a:rPr lang="en-US" b="1" dirty="0"/>
               <a:t>Done so far:</a:t>
             </a:r>
-            <a:endParaRPr sz="2000" b="1" dirty="0"/>
+            <a:endParaRPr b="1" dirty="0"/>
           </a:p>
           <a:p>
             <a:pPr marL="285750" lvl="0" indent="-285750">
@@ -8110,10 +8361,18 @@
               <a:buChar char="ü"/>
             </a:pPr>
             <a:r>
-              <a:rPr lang="en-US" sz="2000" dirty="0"/>
-              <a:t>Validation with real operational data (Cloud monitoring)</a:t>
-            </a:r>
-            <a:endParaRPr sz="2000" dirty="0"/>
+              <a:rPr lang="en-US" dirty="0"/>
+              <a:t>Validation with </a:t>
+            </a:r>
+            <a:r>
+              <a:rPr lang="en-US" b="1" dirty="0"/>
+              <a:t>real operational data </a:t>
+            </a:r>
+            <a:r>
+              <a:rPr lang="en-US" dirty="0"/>
+              <a:t>(Cloud monitoring)</a:t>
+            </a:r>
+            <a:endParaRPr dirty="0"/>
           </a:p>
           <a:p>
             <a:pPr marL="285750" lvl="0" indent="-285750">
@@ -8134,10 +8393,18 @@
               <a:buChar char="ü"/>
             </a:pPr>
             <a:r>
-              <a:rPr lang="en-US" sz="2000" dirty="0"/>
-              <a:t>Validation with rule-based Network Anomaly Detector (SAIN RFC9417/RFC9418)</a:t>
-            </a:r>
-            <a:endParaRPr sz="2000" dirty="0"/>
+              <a:rPr lang="en-US" dirty="0"/>
+              <a:t>Validating with rule-based Network Anomaly Detector (</a:t>
+            </a:r>
+            <a:r>
+              <a:rPr lang="en-US" b="1" dirty="0"/>
+              <a:t>SAIN RFC9417/RFC9418</a:t>
+            </a:r>
+            <a:r>
+              <a:rPr lang="en-US" dirty="0"/>
+              <a:t>)</a:t>
+            </a:r>
+            <a:endParaRPr dirty="0"/>
           </a:p>
           <a:p>
             <a:pPr marL="285750" lvl="0" indent="-285750">
@@ -8158,10 +8425,18 @@
               <a:buChar char="ü"/>
             </a:pPr>
             <a:r>
-              <a:rPr lang="en-US" sz="2000" dirty="0"/>
-              <a:t>Validation with a ML-based Network Anomaly Detector (Autoencoder)</a:t>
-            </a:r>
-            <a:endParaRPr sz="2000" dirty="0"/>
+              <a:rPr lang="en-US" dirty="0"/>
+              <a:t>Validation with a </a:t>
+            </a:r>
+            <a:r>
+              <a:rPr lang="en-US" b="1" dirty="0"/>
+              <a:t>ML-based Network Anomaly Detector</a:t>
+            </a:r>
+            <a:r>
+              <a:rPr lang="en-US" dirty="0"/>
+              <a:t> (Autoencoder)</a:t>
+            </a:r>
+            <a:endParaRPr dirty="0"/>
           </a:p>
           <a:p>
             <a:pPr marL="285750" lvl="0" indent="-285750">
@@ -8182,10 +8457,18 @@
               <a:buChar char="ü"/>
             </a:pPr>
             <a:r>
-              <a:rPr lang="en-US" sz="2000" dirty="0"/>
-              <a:t>Add support for Re-training of ML-based models</a:t>
-            </a:r>
-            <a:endParaRPr sz="2000" dirty="0"/>
+              <a:rPr lang="en-US" dirty="0"/>
+              <a:t>Add support for </a:t>
+            </a:r>
+            <a:r>
+              <a:rPr lang="en-US" b="1" dirty="0"/>
+              <a:t>Re-training</a:t>
+            </a:r>
+            <a:r>
+              <a:rPr lang="en-US" dirty="0"/>
+              <a:t> of ML-based models</a:t>
+            </a:r>
+            <a:endParaRPr dirty="0"/>
           </a:p>
           <a:p>
             <a:pPr marL="285750" lvl="0" indent="-285750">
@@ -8206,10 +8489,18 @@
               <a:buChar char="ü"/>
             </a:pPr>
             <a:r>
-              <a:rPr lang="en-US" sz="2000" dirty="0"/>
-              <a:t>Add partial support for Metadata Filtering and search</a:t>
-            </a:r>
-            <a:endParaRPr sz="2000" dirty="0"/>
+              <a:rPr lang="en-US" dirty="0"/>
+              <a:t>Add partial support for </a:t>
+            </a:r>
+            <a:r>
+              <a:rPr lang="en-US" b="1" dirty="0"/>
+              <a:t>Metadata Filtering</a:t>
+            </a:r>
+            <a:r>
+              <a:rPr lang="en-US" dirty="0"/>
+              <a:t> and search</a:t>
+            </a:r>
+            <a:endParaRPr dirty="0"/>
           </a:p>
           <a:p>
             <a:pPr marL="285750" lvl="0" indent="-285750">
@@ -8230,10 +8521,10 @@
               <a:buChar char="ü"/>
             </a:pPr>
             <a:r>
-              <a:rPr lang="en-US" sz="2000" dirty="0"/>
+              <a:rPr lang="en-US" dirty="0"/>
               <a:t>YANG model refinements to reflect the results of the coding</a:t>
             </a:r>
-            <a:endParaRPr sz="2000" dirty="0"/>
+            <a:endParaRPr dirty="0"/>
           </a:p>
           <a:p>
             <a:pPr marL="285750" lvl="0" indent="-285750">
@@ -8254,7 +8545,7 @@
               <a:buChar char="ü"/>
             </a:pPr>
             <a:r>
-              <a:rPr lang="en-US" sz="2000" dirty="0"/>
+              <a:rPr lang="en-US" dirty="0"/>
               <a:t>Automatic dashboard generation</a:t>
             </a:r>
           </a:p>
@@ -8274,8 +8565,8 @@
         </p:nvSpPr>
         <p:spPr>
           <a:xfrm>
-            <a:off x="838200" y="5580167"/>
-            <a:ext cx="6232696" cy="1000274"/>
+            <a:off x="639421" y="5543588"/>
+            <a:ext cx="6232696" cy="1158779"/>
           </a:xfrm>
           <a:prstGeom prst="rect">
             <a:avLst/>
@@ -8297,7 +8588,7 @@
               </a:spcBef>
             </a:pPr>
             <a:r>
-              <a:rPr lang="en-US" sz="2000" b="1" dirty="0">
+              <a:rPr lang="en-US" b="1" dirty="0">
                 <a:solidFill>
                   <a:srgbClr val="FF0000"/>
                 </a:solidFill>
@@ -8321,7 +8612,7 @@
               <a:buChar char="Ø"/>
             </a:pPr>
             <a:r>
-              <a:rPr lang="en-US" sz="2000" dirty="0"/>
+              <a:rPr lang="en-US" dirty="0"/>
               <a:t>Improve scalability</a:t>
             </a:r>
           </a:p>
@@ -8341,14 +8632,69 @@
               <a:buChar char="Ø"/>
             </a:pPr>
             <a:r>
-              <a:rPr lang="en-US" sz="2000" dirty="0"/>
-              <a:t>Validate with Swisscom Data</a:t>
-            </a:r>
-            <a:endParaRPr lang="en-US" sz="2000" dirty="0">
+              <a:rPr lang="en-US" dirty="0"/>
+              <a:t>Refine YANG Models</a:t>
+            </a:r>
+          </a:p>
+          <a:p>
+            <a:pPr marL="285750" indent="-285750">
+              <a:lnSpc>
+                <a:spcPct val="90000"/>
+              </a:lnSpc>
+              <a:spcBef>
+                <a:spcPts val="0"/>
+              </a:spcBef>
+              <a:buClr>
+                <a:schemeClr val="dk2"/>
+              </a:buClr>
+              <a:buSzPts val="1700"/>
+              <a:buFont typeface="Wingdings" panose="05000000000000000000" pitchFamily="2" charset="2"/>
+              <a:buChar char="Ø"/>
+            </a:pPr>
+            <a:r>
+              <a:rPr lang="en-US" dirty="0"/>
+              <a:t>Integrate and Validate with Swisscom Data</a:t>
+            </a:r>
+            <a:endParaRPr lang="en-US" dirty="0">
               <a:solidFill>
                 <a:schemeClr val="dk2"/>
               </a:solidFill>
             </a:endParaRPr>
+          </a:p>
+        </p:txBody>
+      </p:sp>
+      <p:sp>
+        <p:nvSpPr>
+          <p:cNvPr id="2" name="TextBox 1">
+            <a:extLst>
+              <a:ext uri="{FF2B5EF4-FFF2-40B4-BE49-F238E27FC236}">
+                <a16:creationId xmlns:a16="http://schemas.microsoft.com/office/drawing/2014/main" id="{BD015240-88C1-4269-9BA2-2422BA36D9E4}"/>
+              </a:ext>
+            </a:extLst>
+          </p:cNvPr>
+          <p:cNvSpPr txBox="1"/>
+          <p:nvPr/>
+        </p:nvSpPr>
+        <p:spPr>
+          <a:xfrm>
+            <a:off x="2915738" y="3458307"/>
+            <a:ext cx="1230978" cy="369332"/>
+          </a:xfrm>
+          <a:prstGeom prst="rect">
+            <a:avLst/>
+          </a:prstGeom>
+          <a:noFill/>
+        </p:spPr>
+        <p:txBody>
+          <a:bodyPr wrap="none" rtlCol="0">
+            <a:spAutoFit/>
+          </a:bodyPr>
+          <a:lstStyle/>
+          <a:p>
+            <a:r>
+              <a:rPr lang="en-US" dirty="0"/>
+              <a:t>Label Store</a:t>
+            </a:r>
           </a:p>
         </p:txBody>
       </p:sp>
@@ -19443,10 +19789,137 @@
       </p:grpSpPr>
       <p:sp>
         <p:nvSpPr>
-          <p:cNvPr id="17" name="TextBox 16">
+          <p:cNvPr id="11" name="Slide Number Placeholder 1">
             <a:extLst>
               <a:ext uri="{FF2B5EF4-FFF2-40B4-BE49-F238E27FC236}">
-                <a16:creationId xmlns:a16="http://schemas.microsoft.com/office/drawing/2014/main" id="{8F78EE4C-6EFD-4363-A98F-3E5608669DF5}"/>
+                <a16:creationId xmlns:a16="http://schemas.microsoft.com/office/drawing/2014/main" id="{512B43D3-8F19-488A-8D0D-979DD7EC8E7E}"/>
+              </a:ext>
+            </a:extLst>
+          </p:cNvPr>
+          <p:cNvSpPr>
+            <a:spLocks noGrp="1"/>
+          </p:cNvSpPr>
+          <p:nvPr>
+            <p:ph type="sldNum" sz="quarter" idx="12"/>
+          </p:nvPr>
+        </p:nvSpPr>
+        <p:spPr>
+          <a:xfrm>
+            <a:off x="11587892" y="6361637"/>
+            <a:ext cx="414251" cy="365125"/>
+          </a:xfrm>
+        </p:spPr>
+        <p:txBody>
+          <a:bodyPr/>
+          <a:lstStyle/>
+          <a:p>
+            <a:fld id="{FC4AC485-25DE-431E-B345-9C0A15BB7F8A}" type="slidenum">
+              <a:rPr lang="de-CH" sz="1400" smtClean="0"/>
+              <a:t>8</a:t>
+            </a:fld>
+            <a:endParaRPr lang="de-CH" sz="1400" dirty="0"/>
+          </a:p>
+        </p:txBody>
+      </p:sp>
+      <p:sp>
+        <p:nvSpPr>
+          <p:cNvPr id="6" name="Title 1">
+            <a:extLst>
+              <a:ext uri="{FF2B5EF4-FFF2-40B4-BE49-F238E27FC236}">
+                <a16:creationId xmlns:a16="http://schemas.microsoft.com/office/drawing/2014/main" id="{ABB61075-2877-B162-7D8F-97EC17B8DF39}"/>
+              </a:ext>
+            </a:extLst>
+          </p:cNvPr>
+          <p:cNvSpPr>
+            <a:spLocks noGrp="1"/>
+          </p:cNvSpPr>
+          <p:nvPr>
+            <p:ph type="title"/>
+          </p:nvPr>
+        </p:nvSpPr>
+        <p:spPr>
+          <a:xfrm>
+            <a:off x="838200" y="365125"/>
+            <a:ext cx="10515600" cy="1325563"/>
+          </a:xfrm>
+        </p:spPr>
+        <p:txBody>
+          <a:bodyPr>
+            <a:normAutofit/>
+          </a:bodyPr>
+          <a:lstStyle/>
+          <a:p>
+            <a:r>
+              <a:rPr lang="en-US" sz="2800" b="1" dirty="0"/>
+              <a:t>Semantic Metadata Annotation for Network Anomaly Detection</a:t>
+            </a:r>
+            <a:br>
+              <a:rPr lang="en-US" sz="3600" dirty="0"/>
+            </a:br>
+            <a:r>
+              <a:rPr lang="en-US" sz="2700" dirty="0">
+                <a:solidFill>
+                  <a:schemeClr val="bg2">
+                    <a:lumMod val="75000"/>
+                  </a:schemeClr>
+                </a:solidFill>
+              </a:rPr>
+              <a:t>draft-</a:t>
+            </a:r>
+            <a:r>
+              <a:rPr lang="en-US" sz="2700" dirty="0" err="1">
+                <a:solidFill>
+                  <a:schemeClr val="bg2">
+                    <a:lumMod val="75000"/>
+                  </a:schemeClr>
+                </a:solidFill>
+              </a:rPr>
+              <a:t>netana</a:t>
+            </a:r>
+            <a:r>
+              <a:rPr lang="en-US" sz="2700" dirty="0">
+                <a:solidFill>
+                  <a:schemeClr val="bg2">
+                    <a:lumMod val="75000"/>
+                  </a:schemeClr>
+                </a:solidFill>
+              </a:rPr>
+              <a:t>-</a:t>
+            </a:r>
+            <a:r>
+              <a:rPr lang="en-US" sz="2700" dirty="0" err="1">
+                <a:solidFill>
+                  <a:schemeClr val="bg2">
+                    <a:lumMod val="75000"/>
+                  </a:schemeClr>
+                </a:solidFill>
+              </a:rPr>
+              <a:t>nmop</a:t>
+            </a:r>
+            <a:r>
+              <a:rPr lang="en-US" sz="2700" dirty="0">
+                <a:solidFill>
+                  <a:schemeClr val="bg2">
+                    <a:lumMod val="75000"/>
+                  </a:schemeClr>
+                </a:solidFill>
+              </a:rPr>
+              <a:t>-network-anomaly-semantics</a:t>
+            </a:r>
+            <a:endParaRPr lang="en-US" sz="2700" dirty="0">
+              <a:solidFill>
+                <a:srgbClr val="FF0000"/>
+              </a:solidFill>
+            </a:endParaRPr>
+          </a:p>
+        </p:txBody>
+      </p:sp>
+      <p:sp>
+        <p:nvSpPr>
+          <p:cNvPr id="18" name="TextBox 17">
+            <a:extLst>
+              <a:ext uri="{FF2B5EF4-FFF2-40B4-BE49-F238E27FC236}">
+                <a16:creationId xmlns:a16="http://schemas.microsoft.com/office/drawing/2014/main" id="{6D06F6E4-BEAD-4B35-858F-91C350B4A2F6}"/>
               </a:ext>
             </a:extLst>
           </p:cNvPr>
@@ -19455,7 +19928,7 @@
         </p:nvSpPr>
         <p:spPr>
           <a:xfrm>
-            <a:off x="838198" y="1484344"/>
+            <a:off x="838198" y="2199959"/>
             <a:ext cx="4373880" cy="4569264"/>
           </a:xfrm>
           <a:prstGeom prst="rect">
@@ -20668,10 +21141,10 @@
       </p:sp>
       <p:sp>
         <p:nvSpPr>
-          <p:cNvPr id="3" name="Content Placeholder 2">
+          <p:cNvPr id="20" name="Content Placeholder 2">
             <a:extLst>
               <a:ext uri="{FF2B5EF4-FFF2-40B4-BE49-F238E27FC236}">
-                <a16:creationId xmlns:a16="http://schemas.microsoft.com/office/drawing/2014/main" id="{29C0DFD4-432D-4B0C-93DF-790441DCF5B9}"/>
+                <a16:creationId xmlns:a16="http://schemas.microsoft.com/office/drawing/2014/main" id="{734860EF-130F-4634-8547-DE5751008CEF}"/>
               </a:ext>
             </a:extLst>
           </p:cNvPr>
@@ -20684,8 +21157,8 @@
         </p:nvSpPr>
         <p:spPr>
           <a:xfrm>
-            <a:off x="6193410" y="1929384"/>
-            <a:ext cx="5229402" cy="3557849"/>
+            <a:off x="6193410" y="2382612"/>
+            <a:ext cx="5229402" cy="4432253"/>
           </a:xfrm>
         </p:spPr>
         <p:txBody>
@@ -20704,19 +21177,7 @@
             </a:r>
             <a:r>
               <a:rPr lang="en-US" sz="2000" dirty="0"/>
-              <a:t>uniquely identifies the detected anomaly. </a:t>
-            </a:r>
-            <a:r>
-              <a:rPr lang="en-US" sz="2000" b="1" dirty="0">
-                <a:solidFill>
-                  <a:srgbClr val="FF0000"/>
-                </a:solidFill>
-              </a:rPr>
-              <a:t>Event ID, start/end-time and confidence/concern-score </a:t>
-            </a:r>
-            <a:r>
-              <a:rPr lang="en-US" sz="2000" dirty="0"/>
-              <a:t>uniquely identifies the network event with its start and end time, how confident the system identified the anomaly and how concerned an operator should be.</a:t>
+              <a:t>uniquely identifies the detected symptom with its start and end time, how confident the system identified the anomaly and how concerned an operator should be.</a:t>
             </a:r>
             <a:endParaRPr lang="en-US" sz="2000" b="1" dirty="0">
               <a:solidFill>
@@ -20735,7 +21196,7 @@
             </a:r>
             <a:r>
               <a:rPr lang="en-US" sz="2000" dirty="0"/>
-              <a:t>allows to add customer information.</a:t>
+              <a:t>describe the semantic metadata of the symptom).</a:t>
             </a:r>
           </a:p>
           <a:p>
@@ -20763,7 +21224,7 @@
             </a:r>
             <a:r>
               <a:rPr lang="en-US" sz="2000" dirty="0"/>
-              <a:t>describes wherever the anomaly was detected by a human or algorithm and uniquely identifies the system who/which detected.</a:t>
+              <a:t>describes wherever the anomaly was detected by a human or algorithm and uniquely identifies the entity who/which detected.</a:t>
             </a:r>
           </a:p>
           <a:p>
@@ -20773,10 +21234,10 @@
       </p:sp>
       <p:sp>
         <p:nvSpPr>
-          <p:cNvPr id="19" name="Rectangle 18">
+          <p:cNvPr id="21" name="Rectangle 20">
             <a:extLst>
               <a:ext uri="{FF2B5EF4-FFF2-40B4-BE49-F238E27FC236}">
-                <a16:creationId xmlns:a16="http://schemas.microsoft.com/office/drawing/2014/main" id="{B0AC9776-B227-44FD-A2AC-1FDE0B6F1445}"/>
+                <a16:creationId xmlns:a16="http://schemas.microsoft.com/office/drawing/2014/main" id="{94F223BC-A3EC-49EC-9303-5EF3964548DD}"/>
               </a:ext>
             </a:extLst>
           </p:cNvPr>
@@ -20785,7 +21246,7 @@
         </p:nvSpPr>
         <p:spPr>
           <a:xfrm>
-            <a:off x="806550" y="1791478"/>
+            <a:off x="806550" y="2507093"/>
             <a:ext cx="4182687" cy="964841"/>
           </a:xfrm>
           <a:prstGeom prst="rect">
@@ -20829,10 +21290,10 @@
       </p:sp>
       <p:cxnSp>
         <p:nvCxnSpPr>
-          <p:cNvPr id="22" name="Straight Connector 21">
+          <p:cNvPr id="23" name="Straight Connector 22">
             <a:extLst>
               <a:ext uri="{FF2B5EF4-FFF2-40B4-BE49-F238E27FC236}">
-                <a16:creationId xmlns:a16="http://schemas.microsoft.com/office/drawing/2014/main" id="{5EE7A184-4440-4663-A713-45C43FB41FBD}"/>
+                <a16:creationId xmlns:a16="http://schemas.microsoft.com/office/drawing/2014/main" id="{8E96E406-FF4A-4814-9BCE-66D420325A70}"/>
               </a:ext>
             </a:extLst>
           </p:cNvPr>
@@ -20842,9 +21303,9 @@
           <p:nvPr/>
         </p:nvCxnSpPr>
         <p:spPr>
-          <a:xfrm>
-            <a:off x="4989235" y="2028576"/>
-            <a:ext cx="1204175" cy="64175"/>
+          <a:xfrm flipV="1">
+            <a:off x="4989235" y="2593825"/>
+            <a:ext cx="1245680" cy="150366"/>
           </a:xfrm>
           <a:prstGeom prst="line">
             <a:avLst/>
@@ -20872,137 +21333,10 @@
       </p:cxnSp>
       <p:sp>
         <p:nvSpPr>
-          <p:cNvPr id="11" name="Slide Number Placeholder 1">
+          <p:cNvPr id="28" name="Rectangle 27">
             <a:extLst>
               <a:ext uri="{FF2B5EF4-FFF2-40B4-BE49-F238E27FC236}">
-                <a16:creationId xmlns:a16="http://schemas.microsoft.com/office/drawing/2014/main" id="{512B43D3-8F19-488A-8D0D-979DD7EC8E7E}"/>
-              </a:ext>
-            </a:extLst>
-          </p:cNvPr>
-          <p:cNvSpPr>
-            <a:spLocks noGrp="1"/>
-          </p:cNvSpPr>
-          <p:nvPr>
-            <p:ph type="sldNum" sz="quarter" idx="12"/>
-          </p:nvPr>
-        </p:nvSpPr>
-        <p:spPr>
-          <a:xfrm>
-            <a:off x="11587892" y="6361637"/>
-            <a:ext cx="414251" cy="365125"/>
-          </a:xfrm>
-        </p:spPr>
-        <p:txBody>
-          <a:bodyPr/>
-          <a:lstStyle/>
-          <a:p>
-            <a:fld id="{FC4AC485-25DE-431E-B345-9C0A15BB7F8A}" type="slidenum">
-              <a:rPr lang="de-CH" sz="1400" smtClean="0"/>
-              <a:t>8</a:t>
-            </a:fld>
-            <a:endParaRPr lang="de-CH" sz="1400" dirty="0"/>
-          </a:p>
-        </p:txBody>
-      </p:sp>
-      <p:sp>
-        <p:nvSpPr>
-          <p:cNvPr id="6" name="Title 1">
-            <a:extLst>
-              <a:ext uri="{FF2B5EF4-FFF2-40B4-BE49-F238E27FC236}">
-                <a16:creationId xmlns:a16="http://schemas.microsoft.com/office/drawing/2014/main" id="{ABB61075-2877-B162-7D8F-97EC17B8DF39}"/>
-              </a:ext>
-            </a:extLst>
-          </p:cNvPr>
-          <p:cNvSpPr>
-            <a:spLocks noGrp="1"/>
-          </p:cNvSpPr>
-          <p:nvPr>
-            <p:ph type="title"/>
-          </p:nvPr>
-        </p:nvSpPr>
-        <p:spPr>
-          <a:xfrm>
-            <a:off x="838200" y="365125"/>
-            <a:ext cx="10515600" cy="1325563"/>
-          </a:xfrm>
-        </p:spPr>
-        <p:txBody>
-          <a:bodyPr>
-            <a:normAutofit/>
-          </a:bodyPr>
-          <a:lstStyle/>
-          <a:p>
-            <a:r>
-              <a:rPr lang="en-US" sz="2800" b="1" dirty="0"/>
-              <a:t>Semantic Metadata Annotation for Network Anomaly Detection</a:t>
-            </a:r>
-            <a:br>
-              <a:rPr lang="en-US" sz="3600" dirty="0"/>
-            </a:br>
-            <a:r>
-              <a:rPr lang="en-US" sz="2700" dirty="0">
-                <a:solidFill>
-                  <a:schemeClr val="bg2">
-                    <a:lumMod val="75000"/>
-                  </a:schemeClr>
-                </a:solidFill>
-              </a:rPr>
-              <a:t>draft-</a:t>
-            </a:r>
-            <a:r>
-              <a:rPr lang="en-US" sz="2700" dirty="0" err="1">
-                <a:solidFill>
-                  <a:schemeClr val="bg2">
-                    <a:lumMod val="75000"/>
-                  </a:schemeClr>
-                </a:solidFill>
-              </a:rPr>
-              <a:t>netana</a:t>
-            </a:r>
-            <a:r>
-              <a:rPr lang="en-US" sz="2700" dirty="0">
-                <a:solidFill>
-                  <a:schemeClr val="bg2">
-                    <a:lumMod val="75000"/>
-                  </a:schemeClr>
-                </a:solidFill>
-              </a:rPr>
-              <a:t>-</a:t>
-            </a:r>
-            <a:r>
-              <a:rPr lang="en-US" sz="2700" dirty="0" err="1">
-                <a:solidFill>
-                  <a:schemeClr val="bg2">
-                    <a:lumMod val="75000"/>
-                  </a:schemeClr>
-                </a:solidFill>
-              </a:rPr>
-              <a:t>nmop</a:t>
-            </a:r>
-            <a:r>
-              <a:rPr lang="en-US" sz="2700" dirty="0">
-                <a:solidFill>
-                  <a:schemeClr val="bg2">
-                    <a:lumMod val="75000"/>
-                  </a:schemeClr>
-                </a:solidFill>
-              </a:rPr>
-              <a:t>-network-anomaly-semantics</a:t>
-            </a:r>
-            <a:endParaRPr lang="en-US" sz="2700" dirty="0">
-              <a:solidFill>
-                <a:srgbClr val="FF0000"/>
-              </a:solidFill>
-            </a:endParaRPr>
-          </a:p>
-        </p:txBody>
-      </p:sp>
-      <p:sp>
-        <p:nvSpPr>
-          <p:cNvPr id="7" name="Rectangle 6">
-            <a:extLst>
-              <a:ext uri="{FF2B5EF4-FFF2-40B4-BE49-F238E27FC236}">
-                <a16:creationId xmlns:a16="http://schemas.microsoft.com/office/drawing/2014/main" id="{E751AA3A-A181-4E76-CC75-041686EB2C20}"/>
+                <a16:creationId xmlns:a16="http://schemas.microsoft.com/office/drawing/2014/main" id="{2DF76968-148D-48A3-85C7-C035A3377771}"/>
               </a:ext>
             </a:extLst>
           </p:cNvPr>
@@ -21011,7 +21345,7 @@
         </p:nvSpPr>
         <p:spPr>
           <a:xfrm>
-            <a:off x="806548" y="2756320"/>
+            <a:off x="806548" y="3471935"/>
             <a:ext cx="4182687" cy="455649"/>
           </a:xfrm>
           <a:prstGeom prst="rect">
@@ -21055,10 +21389,10 @@
       </p:sp>
       <p:cxnSp>
         <p:nvCxnSpPr>
-          <p:cNvPr id="13" name="Straight Connector 12">
+          <p:cNvPr id="29" name="Straight Connector 28">
             <a:extLst>
               <a:ext uri="{FF2B5EF4-FFF2-40B4-BE49-F238E27FC236}">
-                <a16:creationId xmlns:a16="http://schemas.microsoft.com/office/drawing/2014/main" id="{ABDEEB90-F9DE-4579-466A-4391823DABF7}"/>
+                <a16:creationId xmlns:a16="http://schemas.microsoft.com/office/drawing/2014/main" id="{88DF5D71-99F5-420F-BB04-8682B3D5E10D}"/>
               </a:ext>
             </a:extLst>
           </p:cNvPr>
@@ -21069,8 +21403,8 @@
         </p:nvCxnSpPr>
         <p:spPr>
           <a:xfrm>
-            <a:off x="5030740" y="2970860"/>
-            <a:ext cx="1204175" cy="1199924"/>
+            <a:off x="5030740" y="3686475"/>
+            <a:ext cx="1162670" cy="392542"/>
           </a:xfrm>
           <a:prstGeom prst="line">
             <a:avLst/>
@@ -21098,10 +21432,10 @@
       </p:cxnSp>
       <p:sp>
         <p:nvSpPr>
-          <p:cNvPr id="24" name="Rectangle 23">
+          <p:cNvPr id="30" name="Rectangle 29">
             <a:extLst>
               <a:ext uri="{FF2B5EF4-FFF2-40B4-BE49-F238E27FC236}">
-                <a16:creationId xmlns:a16="http://schemas.microsoft.com/office/drawing/2014/main" id="{1F53FB5C-08C3-503A-DD3F-DC336AED5134}"/>
+                <a16:creationId xmlns:a16="http://schemas.microsoft.com/office/drawing/2014/main" id="{09EC2BAD-49B4-4E79-84D5-60ED49428D0D}"/>
               </a:ext>
             </a:extLst>
           </p:cNvPr>
@@ -21110,7 +21444,7 @@
         </p:nvSpPr>
         <p:spPr>
           <a:xfrm>
-            <a:off x="806547" y="3211970"/>
+            <a:off x="806547" y="3927585"/>
             <a:ext cx="4182687" cy="1756218"/>
           </a:xfrm>
           <a:prstGeom prst="rect">
@@ -21154,10 +21488,10 @@
       </p:sp>
       <p:sp>
         <p:nvSpPr>
-          <p:cNvPr id="25" name="Rectangle 24">
+          <p:cNvPr id="31" name="Rectangle 30">
             <a:extLst>
               <a:ext uri="{FF2B5EF4-FFF2-40B4-BE49-F238E27FC236}">
-                <a16:creationId xmlns:a16="http://schemas.microsoft.com/office/drawing/2014/main" id="{69934E68-7859-6F55-01F2-D3CD39C036AD}"/>
+                <a16:creationId xmlns:a16="http://schemas.microsoft.com/office/drawing/2014/main" id="{30177438-6B40-4820-86B5-F00996C9E2A7}"/>
               </a:ext>
             </a:extLst>
           </p:cNvPr>
@@ -21166,7 +21500,7 @@
         </p:nvSpPr>
         <p:spPr>
           <a:xfrm>
-            <a:off x="814800" y="4963594"/>
+            <a:off x="814800" y="5679209"/>
             <a:ext cx="4182687" cy="1007441"/>
           </a:xfrm>
           <a:prstGeom prst="rect">
@@ -21210,23 +21544,23 @@
       </p:sp>
       <p:cxnSp>
         <p:nvCxnSpPr>
-          <p:cNvPr id="26" name="Straight Connector 25">
+          <p:cNvPr id="32" name="Straight Connector 31">
             <a:extLst>
               <a:ext uri="{FF2B5EF4-FFF2-40B4-BE49-F238E27FC236}">
-                <a16:creationId xmlns:a16="http://schemas.microsoft.com/office/drawing/2014/main" id="{26AA4EF1-0515-5E5A-5D45-BE133079F190}"/>
+                <a16:creationId xmlns:a16="http://schemas.microsoft.com/office/drawing/2014/main" id="{328E5F41-4899-4B93-9D4E-817EDB21435F}"/>
               </a:ext>
             </a:extLst>
           </p:cNvPr>
           <p:cNvCxnSpPr>
             <a:cxnSpLocks/>
-            <a:stCxn id="25" idx="3"/>
+            <a:stCxn id="31" idx="3"/>
           </p:cNvCxnSpPr>
           <p:nvPr/>
         </p:nvCxnSpPr>
         <p:spPr>
           <a:xfrm flipV="1">
-            <a:off x="4997487" y="5212260"/>
-            <a:ext cx="1237428" cy="255055"/>
+            <a:off x="4997487" y="5446643"/>
+            <a:ext cx="1195923" cy="736287"/>
           </a:xfrm>
           <a:prstGeom prst="line">
             <a:avLst/>
@@ -21254,23 +21588,23 @@
       </p:cxnSp>
       <p:cxnSp>
         <p:nvCxnSpPr>
-          <p:cNvPr id="27" name="Straight Connector 26">
+          <p:cNvPr id="33" name="Straight Connector 32">
             <a:extLst>
               <a:ext uri="{FF2B5EF4-FFF2-40B4-BE49-F238E27FC236}">
-                <a16:creationId xmlns:a16="http://schemas.microsoft.com/office/drawing/2014/main" id="{D1F71D91-0AD5-1DD4-6BC3-A469C348859D}"/>
+                <a16:creationId xmlns:a16="http://schemas.microsoft.com/office/drawing/2014/main" id="{9BA352CC-FAF8-418D-9042-904B161FDE84}"/>
               </a:ext>
             </a:extLst>
           </p:cNvPr>
           <p:cNvCxnSpPr>
             <a:cxnSpLocks/>
-            <a:stCxn id="24" idx="3"/>
+            <a:stCxn id="30" idx="3"/>
           </p:cNvCxnSpPr>
           <p:nvPr/>
         </p:nvCxnSpPr>
         <p:spPr>
           <a:xfrm>
-            <a:off x="4989234" y="4090079"/>
-            <a:ext cx="1245681" cy="471452"/>
+            <a:off x="4989234" y="4805694"/>
+            <a:ext cx="1204176" cy="0"/>
           </a:xfrm>
           <a:prstGeom prst="line">
             <a:avLst/>
@@ -21296,10 +21630,74 @@
           </a:fontRef>
         </p:style>
       </p:cxnSp>
+      <p:sp>
+        <p:nvSpPr>
+          <p:cNvPr id="15" name="Google Shape;221;p8">
+            <a:extLst>
+              <a:ext uri="{FF2B5EF4-FFF2-40B4-BE49-F238E27FC236}">
+                <a16:creationId xmlns:a16="http://schemas.microsoft.com/office/drawing/2014/main" id="{C06320DA-0631-416D-8F25-4A1182C54770}"/>
+              </a:ext>
+            </a:extLst>
+          </p:cNvPr>
+          <p:cNvSpPr txBox="1"/>
+          <p:nvPr/>
+        </p:nvSpPr>
+        <p:spPr>
+          <a:xfrm>
+            <a:off x="127822" y="1541463"/>
+            <a:ext cx="11906864" cy="461635"/>
+          </a:xfrm>
+          <a:prstGeom prst="rect">
+            <a:avLst/>
+          </a:prstGeom>
+          <a:solidFill>
+            <a:schemeClr val="lt2"/>
+          </a:solidFill>
+          <a:ln>
+            <a:noFill/>
+          </a:ln>
+        </p:spPr>
+        <p:txBody>
+          <a:bodyPr spcFirstLastPara="1" wrap="square" lIns="9144" tIns="91425" rIns="9144" bIns="91425" anchor="t" anchorCtr="0">
+            <a:spAutoFit/>
+          </a:bodyPr>
+          <a:lstStyle/>
+          <a:p>
+            <a:pPr marL="0" lvl="0" indent="0" algn="ctr" rtl="0">
+              <a:spcBef>
+                <a:spcPts val="0"/>
+              </a:spcBef>
+              <a:spcAft>
+                <a:spcPts val="0"/>
+              </a:spcAft>
+              <a:buNone/>
+            </a:pPr>
+            <a:r>
+              <a:rPr lang="en-US" b="1" dirty="0">
+                <a:solidFill>
+                  <a:schemeClr val="dk1"/>
+                </a:solidFill>
+                <a:ea typeface="Calibri"/>
+                <a:cs typeface="Calibri"/>
+                <a:sym typeface="Calibri"/>
+              </a:rPr>
+              <a:t>Goal: Enable the exchange of labelled dataset for network anomaly detection between operators, vendors and academia</a:t>
+            </a:r>
+            <a:endParaRPr b="1" dirty="0">
+              <a:solidFill>
+                <a:schemeClr val="dk1"/>
+              </a:solidFill>
+              <a:ea typeface="Calibri"/>
+              <a:cs typeface="Calibri"/>
+              <a:sym typeface="Calibri"/>
+            </a:endParaRPr>
+          </a:p>
+        </p:txBody>
+      </p:sp>
     </p:spTree>
     <p:extLst>
       <p:ext uri="{BB962C8B-B14F-4D97-AF65-F5344CB8AC3E}">
-        <p14:creationId xmlns:p14="http://schemas.microsoft.com/office/powerpoint/2010/main" val="540899312"/>
+        <p14:creationId xmlns:p14="http://schemas.microsoft.com/office/powerpoint/2010/main" val="1338224484"/>
       </p:ext>
     </p:extLst>
   </p:cSld>
@@ -21569,7 +21967,7 @@
         <p:spPr>
           <a:xfrm>
             <a:off x="7556501" y="609600"/>
-            <a:ext cx="4191000" cy="4415201"/>
+            <a:ext cx="4191000" cy="6117162"/>
           </a:xfrm>
           <a:prstGeom prst="rect">
             <a:avLst/>
